--- a/ruby_data_analysis.pptx
+++ b/ruby_data_analysis.pptx
@@ -5,28 +5,28 @@
     <p:sldMasterId id="2147483720" r:id="rId1"/>
   </p:sldMasterIdLst>
   <p:notesMasterIdLst>
-    <p:notesMasterId r:id="rId33"/>
+    <p:notesMasterId r:id="rId34"/>
   </p:notesMasterIdLst>
   <p:sldIdLst>
     <p:sldId id="256" r:id="rId2"/>
-    <p:sldId id="262" r:id="rId3"/>
-    <p:sldId id="275" r:id="rId4"/>
-    <p:sldId id="307" r:id="rId5"/>
-    <p:sldId id="290" r:id="rId6"/>
-    <p:sldId id="305" r:id="rId7"/>
-    <p:sldId id="306" r:id="rId8"/>
-    <p:sldId id="308" r:id="rId9"/>
-    <p:sldId id="309" r:id="rId10"/>
-    <p:sldId id="310" r:id="rId11"/>
-    <p:sldId id="312" r:id="rId12"/>
-    <p:sldId id="313" r:id="rId13"/>
-    <p:sldId id="333" r:id="rId14"/>
-    <p:sldId id="332" r:id="rId15"/>
-    <p:sldId id="334" r:id="rId16"/>
-    <p:sldId id="335" r:id="rId17"/>
-    <p:sldId id="336" r:id="rId18"/>
-    <p:sldId id="337" r:id="rId19"/>
-    <p:sldId id="315" r:id="rId20"/>
+    <p:sldId id="275" r:id="rId3"/>
+    <p:sldId id="307" r:id="rId4"/>
+    <p:sldId id="290" r:id="rId5"/>
+    <p:sldId id="305" r:id="rId6"/>
+    <p:sldId id="306" r:id="rId7"/>
+    <p:sldId id="308" r:id="rId8"/>
+    <p:sldId id="309" r:id="rId9"/>
+    <p:sldId id="310" r:id="rId10"/>
+    <p:sldId id="312" r:id="rId11"/>
+    <p:sldId id="313" r:id="rId12"/>
+    <p:sldId id="333" r:id="rId13"/>
+    <p:sldId id="332" r:id="rId14"/>
+    <p:sldId id="334" r:id="rId15"/>
+    <p:sldId id="335" r:id="rId16"/>
+    <p:sldId id="336" r:id="rId17"/>
+    <p:sldId id="337" r:id="rId18"/>
+    <p:sldId id="315" r:id="rId19"/>
+    <p:sldId id="340" r:id="rId20"/>
     <p:sldId id="316" r:id="rId21"/>
     <p:sldId id="322" r:id="rId22"/>
     <p:sldId id="317" r:id="rId23"/>
@@ -34,11 +34,12 @@
     <p:sldId id="324" r:id="rId25"/>
     <p:sldId id="325" r:id="rId26"/>
     <p:sldId id="327" r:id="rId27"/>
-    <p:sldId id="326" r:id="rId28"/>
-    <p:sldId id="328" r:id="rId29"/>
-    <p:sldId id="329" r:id="rId30"/>
-    <p:sldId id="330" r:id="rId31"/>
-    <p:sldId id="331" r:id="rId32"/>
+    <p:sldId id="339" r:id="rId28"/>
+    <p:sldId id="326" r:id="rId29"/>
+    <p:sldId id="341" r:id="rId30"/>
+    <p:sldId id="329" r:id="rId31"/>
+    <p:sldId id="330" r:id="rId32"/>
+    <p:sldId id="338" r:id="rId33"/>
   </p:sldIdLst>
   <p:sldSz cx="9144000" cy="6858000" type="screen4x3"/>
   <p:notesSz cx="6858000" cy="9144000"/>
@@ -238,7 +239,7 @@
           <a:p>
             <a:fld id="{D487E916-6975-4384-9337-33685829E0C9}" type="datetimeFigureOut">
               <a:rPr kumimoji="1" lang="ja-JP" altLang="en-US" smtClean="0"/>
-              <a:t>2016/2/6</a:t>
+              <a:t>2016/2/7</a:t>
             </a:fld>
             <a:endParaRPr kumimoji="1" lang="ja-JP" altLang="en-US"/>
           </a:p>
@@ -622,90 +623,6 @@
 </p:notes>
 </file>
 
-<file path=ppt/notesSlides/notesSlide2.xml><?xml version="1.0" encoding="utf-8"?>
-<p:notes xmlns:a="http://schemas.openxmlformats.org/drawingml/2006/main" xmlns:r="http://schemas.openxmlformats.org/officeDocument/2006/relationships" xmlns:p="http://schemas.openxmlformats.org/presentationml/2006/main">
-  <p:cSld>
-    <p:spTree>
-      <p:nvGrpSpPr>
-        <p:cNvPr id="1" name=""/>
-        <p:cNvGrpSpPr/>
-        <p:nvPr/>
-      </p:nvGrpSpPr>
-      <p:grpSpPr>
-        <a:xfrm>
-          <a:off x="0" y="0"/>
-          <a:ext cx="0" cy="0"/>
-          <a:chOff x="0" y="0"/>
-          <a:chExt cx="0" cy="0"/>
-        </a:xfrm>
-      </p:grpSpPr>
-      <p:sp>
-        <p:nvSpPr>
-          <p:cNvPr id="2" name="スライド イメージ プレースホルダー 1"/>
-          <p:cNvSpPr>
-            <a:spLocks noGrp="1" noRot="1" noChangeAspect="1"/>
-          </p:cNvSpPr>
-          <p:nvPr>
-            <p:ph type="sldImg"/>
-          </p:nvPr>
-        </p:nvSpPr>
-        <p:spPr/>
-      </p:sp>
-      <p:sp>
-        <p:nvSpPr>
-          <p:cNvPr id="3" name="ノート プレースホルダー 2"/>
-          <p:cNvSpPr>
-            <a:spLocks noGrp="1"/>
-          </p:cNvSpPr>
-          <p:nvPr>
-            <p:ph type="body" idx="1"/>
-          </p:nvPr>
-        </p:nvSpPr>
-        <p:spPr/>
-        <p:txBody>
-          <a:bodyPr/>
-          <a:lstStyle/>
-          <a:p>
-            <a:endParaRPr kumimoji="1" lang="ja-JP" altLang="en-US"/>
-          </a:p>
-        </p:txBody>
-      </p:sp>
-      <p:sp>
-        <p:nvSpPr>
-          <p:cNvPr id="4" name="スライド番号プレースホルダー 3"/>
-          <p:cNvSpPr>
-            <a:spLocks noGrp="1"/>
-          </p:cNvSpPr>
-          <p:nvPr>
-            <p:ph type="sldNum" sz="quarter" idx="10"/>
-          </p:nvPr>
-        </p:nvSpPr>
-        <p:spPr/>
-        <p:txBody>
-          <a:bodyPr/>
-          <a:lstStyle/>
-          <a:p>
-            <a:fld id="{59B620E5-6138-44F5-B52D-FCC82127B906}" type="slidenum">
-              <a:rPr kumimoji="1" lang="ja-JP" altLang="en-US" smtClean="0"/>
-              <a:t>1</a:t>
-            </a:fld>
-            <a:endParaRPr kumimoji="1" lang="ja-JP" altLang="en-US"/>
-          </a:p>
-        </p:txBody>
-      </p:sp>
-    </p:spTree>
-    <p:extLst>
-      <p:ext uri="{BB962C8B-B14F-4D97-AF65-F5344CB8AC3E}">
-        <p14:creationId xmlns:p14="http://schemas.microsoft.com/office/powerpoint/2010/main" val="2912554760"/>
-      </p:ext>
-    </p:extLst>
-  </p:cSld>
-  <p:clrMapOvr>
-    <a:masterClrMapping/>
-  </p:clrMapOvr>
-</p:notes>
-</file>
-
 <file path=ppt/slideLayouts/slideLayout1.xml><?xml version="1.0" encoding="utf-8"?>
 <p:sldLayout xmlns:a="http://schemas.openxmlformats.org/drawingml/2006/main" xmlns:r="http://schemas.openxmlformats.org/officeDocument/2006/relationships" xmlns:p="http://schemas.openxmlformats.org/presentationml/2006/main" showMasterSp="0" type="title" preserve="1">
   <p:cSld name="タイトル スライド">
@@ -899,7 +816,7 @@
           <a:p>
             <a:fld id="{B5388ABC-ED38-449A-A1DD-0DF95F307DC2}" type="datetime1">
               <a:rPr kumimoji="1" lang="ja-JP" altLang="en-US" smtClean="0"/>
-              <a:t>2016/2/6</a:t>
+              <a:t>2016/2/7</a:t>
             </a:fld>
             <a:endParaRPr kumimoji="1" lang="ja-JP" altLang="en-US"/>
           </a:p>
@@ -1202,7 +1119,7 @@
           <a:p>
             <a:fld id="{91CAC327-6D45-4D23-90A2-B9A399787324}" type="datetime1">
               <a:rPr kumimoji="1" lang="ja-JP" altLang="en-US" smtClean="0"/>
-              <a:t>2016/2/6</a:t>
+              <a:t>2016/2/7</a:t>
             </a:fld>
             <a:endParaRPr kumimoji="1" lang="ja-JP" altLang="en-US"/>
           </a:p>
@@ -1409,7 +1326,7 @@
           <a:p>
             <a:fld id="{3D906796-C748-481D-9956-8BC21ED8B961}" type="datetime1">
               <a:rPr kumimoji="1" lang="ja-JP" altLang="en-US" smtClean="0"/>
-              <a:t>2016/2/6</a:t>
+              <a:t>2016/2/7</a:t>
             </a:fld>
             <a:endParaRPr kumimoji="1" lang="ja-JP" altLang="en-US"/>
           </a:p>
@@ -1615,7 +1532,7 @@
           <a:p>
             <a:fld id="{B695D9CF-C22D-467F-8463-26D3739C5D01}" type="datetime1">
               <a:rPr kumimoji="1" lang="ja-JP" altLang="en-US" smtClean="0"/>
-              <a:t>2016/2/6</a:t>
+              <a:t>2016/2/7</a:t>
             </a:fld>
             <a:endParaRPr kumimoji="1" lang="ja-JP" altLang="en-US"/>
           </a:p>
@@ -1906,7 +1823,7 @@
           <a:p>
             <a:fld id="{DDC49C62-652C-4310-89A5-F5582EA05BD5}" type="datetime1">
               <a:rPr kumimoji="1" lang="ja-JP" altLang="en-US" smtClean="0"/>
-              <a:t>2016/2/6</a:t>
+              <a:t>2016/2/7</a:t>
             </a:fld>
             <a:endParaRPr kumimoji="1" lang="ja-JP" altLang="en-US"/>
           </a:p>
@@ -2260,7 +2177,7 @@
           <a:p>
             <a:fld id="{77F02D97-5319-407B-AE83-52A9E5E3516E}" type="datetime1">
               <a:rPr kumimoji="1" lang="ja-JP" altLang="en-US" smtClean="0"/>
-              <a:t>2016/2/6</a:t>
+              <a:t>2016/2/7</a:t>
             </a:fld>
             <a:endParaRPr kumimoji="1" lang="ja-JP" altLang="en-US"/>
           </a:p>
@@ -2763,7 +2680,7 @@
           <a:p>
             <a:fld id="{61838B8B-A3B0-42B0-B1A9-79E7B91BD749}" type="datetime1">
               <a:rPr kumimoji="1" lang="ja-JP" altLang="en-US" smtClean="0"/>
-              <a:t>2016/2/6</a:t>
+              <a:t>2016/2/7</a:t>
             </a:fld>
             <a:endParaRPr kumimoji="1" lang="ja-JP" altLang="en-US"/>
           </a:p>
@@ -2887,7 +2804,7 @@
           <a:p>
             <a:fld id="{48452345-ACDF-4111-BC74-9EF178BC4C0B}" type="datetime1">
               <a:rPr kumimoji="1" lang="ja-JP" altLang="en-US" smtClean="0"/>
-              <a:t>2016/2/6</a:t>
+              <a:t>2016/2/7</a:t>
             </a:fld>
             <a:endParaRPr kumimoji="1" lang="ja-JP" altLang="en-US"/>
           </a:p>
@@ -2982,7 +2899,7 @@
           <a:p>
             <a:fld id="{279E7A1E-F7AD-4AA2-98BA-00D07373F8F1}" type="datetime1">
               <a:rPr kumimoji="1" lang="ja-JP" altLang="en-US" smtClean="0"/>
-              <a:t>2016/2/6</a:t>
+              <a:t>2016/2/7</a:t>
             </a:fld>
             <a:endParaRPr kumimoji="1" lang="ja-JP" altLang="en-US"/>
           </a:p>
@@ -3256,7 +3173,7 @@
           <a:p>
             <a:fld id="{9EE84142-7102-40A9-93B8-BC72B66FDCE1}" type="datetime1">
               <a:rPr kumimoji="1" lang="ja-JP" altLang="en-US" smtClean="0"/>
-              <a:t>2016/2/6</a:t>
+              <a:t>2016/2/7</a:t>
             </a:fld>
             <a:endParaRPr kumimoji="1" lang="ja-JP" altLang="en-US"/>
           </a:p>
@@ -3550,7 +3467,7 @@
           <a:p>
             <a:fld id="{3EF183A7-9963-4F31-A817-956200720A74}" type="datetime1">
               <a:rPr kumimoji="1" lang="ja-JP" altLang="en-US" smtClean="0"/>
-              <a:t>2016/2/6</a:t>
+              <a:t>2016/2/7</a:t>
             </a:fld>
             <a:endParaRPr kumimoji="1" lang="ja-JP" altLang="en-US"/>
           </a:p>
@@ -3876,7 +3793,7 @@
           <a:p>
             <a:fld id="{B376DA05-110D-4AAD-973D-FA506FA2E8AC}" type="datetime1">
               <a:rPr kumimoji="1" lang="ja-JP" altLang="en-US" smtClean="0"/>
-              <a:t>2016/2/6</a:t>
+              <a:t>2016/2/7</a:t>
             </a:fld>
             <a:endParaRPr kumimoji="1" lang="ja-JP" altLang="en-US"/>
           </a:p>
@@ -4383,9 +4300,24 @@
             </a:r>
             <a:r>
               <a:rPr lang="ja-JP" altLang="en-US" sz="5400" dirty="0" smtClean="0"/>
-              <a:t>によるデータ解析</a:t>
-            </a:r>
-            <a:endParaRPr kumimoji="1" lang="ja-JP" altLang="en-US" sz="5400" dirty="0"/>
+              <a:t>によるデータ</a:t>
+            </a:r>
+            <a:r>
+              <a:rPr lang="ja-JP" altLang="en-US" sz="5400" dirty="0" smtClean="0"/>
+              <a:t>解析</a:t>
+            </a:r>
+            <a:r>
+              <a:rPr lang="en-US" altLang="ja-JP" sz="5400" dirty="0" smtClean="0"/>
+              <a:t/>
+            </a:r>
+            <a:br>
+              <a:rPr lang="en-US" altLang="ja-JP" sz="5400" dirty="0" smtClean="0"/>
+            </a:br>
+            <a:r>
+              <a:rPr lang="en-US" altLang="ja-JP" sz="2400" dirty="0" smtClean="0"/>
+              <a:t>Data Analysis in Ruby</a:t>
+            </a:r>
+            <a:endParaRPr kumimoji="1" lang="ja-JP" altLang="en-US" sz="2400" dirty="0"/>
           </a:p>
         </p:txBody>
       </p:sp>
@@ -4468,14 +4400,7 @@
                 <a:latin typeface="+mj-ea"/>
                 <a:ea typeface="+mj-ea"/>
               </a:rPr>
-              <a:t>株式</a:t>
-            </a:r>
-            <a:r>
-              <a:rPr lang="ja-JP" altLang="en-US" dirty="0" smtClean="0">
-                <a:latin typeface="+mj-ea"/>
-                <a:ea typeface="+mj-ea"/>
-              </a:rPr>
-              <a:t>会社ネットワーク</a:t>
+              <a:t>株式会社ネットワーク</a:t>
             </a:r>
             <a:r>
               <a:rPr lang="ja-JP" altLang="en-US" dirty="0">
@@ -4525,211 +4450,6 @@
 </file>
 
 <file path=ppt/slides/slide10.xml><?xml version="1.0" encoding="utf-8"?>
-<p:sld xmlns:a="http://schemas.openxmlformats.org/drawingml/2006/main" xmlns:r="http://schemas.openxmlformats.org/officeDocument/2006/relationships" xmlns:p="http://schemas.openxmlformats.org/presentationml/2006/main">
-  <p:cSld>
-    <p:spTree>
-      <p:nvGrpSpPr>
-        <p:cNvPr id="1" name=""/>
-        <p:cNvGrpSpPr/>
-        <p:nvPr/>
-      </p:nvGrpSpPr>
-      <p:grpSpPr>
-        <a:xfrm>
-          <a:off x="0" y="0"/>
-          <a:ext cx="0" cy="0"/>
-          <a:chOff x="0" y="0"/>
-          <a:chExt cx="0" cy="0"/>
-        </a:xfrm>
-      </p:grpSpPr>
-      <p:sp>
-        <p:nvSpPr>
-          <p:cNvPr id="2" name="タイトル 1"/>
-          <p:cNvSpPr>
-            <a:spLocks noGrp="1"/>
-          </p:cNvSpPr>
-          <p:nvPr>
-            <p:ph type="title"/>
-          </p:nvPr>
-        </p:nvSpPr>
-        <p:spPr/>
-        <p:txBody>
-          <a:bodyPr/>
-          <a:lstStyle/>
-          <a:p>
-            <a:r>
-              <a:rPr lang="ja-JP" altLang="en-US" dirty="0"/>
-              <a:t>分布</a:t>
-            </a:r>
-            <a:r>
-              <a:rPr lang="ja-JP" altLang="en-US" dirty="0" smtClean="0"/>
-              <a:t>関数</a:t>
-            </a:r>
-            <a:endParaRPr kumimoji="1" lang="ja-JP" altLang="en-US" dirty="0"/>
-          </a:p>
-        </p:txBody>
-      </p:sp>
-      <p:sp>
-        <p:nvSpPr>
-          <p:cNvPr id="3" name="コンテンツ プレースホルダー 2"/>
-          <p:cNvSpPr>
-            <a:spLocks noGrp="1"/>
-          </p:cNvSpPr>
-          <p:nvPr>
-            <p:ph idx="1"/>
-          </p:nvPr>
-        </p:nvSpPr>
-        <p:spPr>
-          <a:xfrm>
-            <a:off x="457200" y="1752600"/>
-            <a:ext cx="7859216" cy="4373563"/>
-          </a:xfrm>
-        </p:spPr>
-        <p:txBody>
-          <a:bodyPr>
-            <a:normAutofit lnSpcReduction="10000"/>
-          </a:bodyPr>
-          <a:lstStyle/>
-          <a:p>
-            <a:r>
-              <a:rPr lang="ja-JP" altLang="en-US" dirty="0" smtClean="0"/>
-              <a:t>株価の終値を主要な変数と推測</a:t>
-            </a:r>
-            <a:endParaRPr lang="en-US" altLang="ja-JP" dirty="0" smtClean="0"/>
-          </a:p>
-          <a:p>
-            <a:r>
-              <a:rPr lang="en-US" altLang="ja-JP" dirty="0" smtClean="0"/>
-              <a:t>1000</a:t>
-            </a:r>
-            <a:r>
-              <a:rPr lang="ja-JP" altLang="en-US" dirty="0" smtClean="0"/>
-              <a:t>要素のサンプルの分布</a:t>
-            </a:r>
-            <a:r>
-              <a:rPr lang="ja-JP" altLang="en-US" dirty="0"/>
-              <a:t>を</a:t>
-            </a:r>
-            <a:r>
-              <a:rPr lang="ja-JP" altLang="en-US" dirty="0" smtClean="0"/>
-              <a:t>プロット</a:t>
-            </a:r>
-            <a:endParaRPr lang="en-US" altLang="ja-JP" dirty="0" smtClean="0"/>
-          </a:p>
-          <a:p>
-            <a:endParaRPr lang="en-US" altLang="ja-JP" dirty="0"/>
-          </a:p>
-          <a:p>
-            <a:endParaRPr lang="en-US" altLang="ja-JP" dirty="0" smtClean="0"/>
-          </a:p>
-          <a:p>
-            <a:endParaRPr lang="en-US" altLang="ja-JP" dirty="0"/>
-          </a:p>
-          <a:p>
-            <a:endParaRPr lang="en-US" altLang="ja-JP" dirty="0" smtClean="0"/>
-          </a:p>
-          <a:p>
-            <a:endParaRPr lang="en-US" altLang="ja-JP" dirty="0"/>
-          </a:p>
-          <a:p>
-            <a:endParaRPr lang="en-US" altLang="ja-JP" dirty="0" smtClean="0"/>
-          </a:p>
-          <a:p>
-            <a:r>
-              <a:rPr lang="ja-JP" altLang="en-US" dirty="0" smtClean="0"/>
-              <a:t>株価は正規分布に従わない</a:t>
-            </a:r>
-            <a:endParaRPr lang="en-US" altLang="ja-JP" dirty="0" smtClean="0"/>
-          </a:p>
-          <a:p>
-            <a:r>
-              <a:rPr lang="ja-JP" altLang="en-US" dirty="0" smtClean="0"/>
-              <a:t>株価の対数は正規分布に従うかもしれない</a:t>
-            </a:r>
-            <a:endParaRPr lang="en-US" altLang="ja-JP" dirty="0" smtClean="0"/>
-          </a:p>
-          <a:p>
-            <a:pPr lvl="1"/>
-            <a:endParaRPr lang="en-US" altLang="ja-JP" dirty="0" smtClean="0"/>
-          </a:p>
-          <a:p>
-            <a:endParaRPr lang="en-US" altLang="ja-JP" dirty="0" smtClean="0"/>
-          </a:p>
-        </p:txBody>
-      </p:sp>
-      <p:sp>
-        <p:nvSpPr>
-          <p:cNvPr id="4" name="スライド番号プレースホルダー 3"/>
-          <p:cNvSpPr>
-            <a:spLocks noGrp="1"/>
-          </p:cNvSpPr>
-          <p:nvPr>
-            <p:ph type="sldNum" sz="quarter" idx="12"/>
-          </p:nvPr>
-        </p:nvSpPr>
-        <p:spPr/>
-        <p:txBody>
-          <a:bodyPr/>
-          <a:lstStyle/>
-          <a:p>
-            <a:fld id="{D2D8002D-B5B0-4BAC-B1F6-782DDCCE6D9C}" type="slidenum">
-              <a:rPr kumimoji="1" lang="ja-JP" altLang="en-US" smtClean="0"/>
-              <a:t>9</a:t>
-            </a:fld>
-            <a:endParaRPr kumimoji="1" lang="ja-JP" altLang="en-US" dirty="0"/>
-          </a:p>
-        </p:txBody>
-      </p:sp>
-      <p:pic>
-        <p:nvPicPr>
-          <p:cNvPr id="5" name="図 4"/>
-          <p:cNvPicPr>
-            <a:picLocks noChangeAspect="1"/>
-          </p:cNvPicPr>
-          <p:nvPr/>
-        </p:nvPicPr>
-        <p:blipFill>
-          <a:blip r:embed="rId2">
-            <a:extLst>
-              <a:ext uri="{28A0092B-C50C-407E-A947-70E740481C1C}">
-                <a14:useLocalDpi xmlns:a14="http://schemas.microsoft.com/office/drawing/2010/main" val="0"/>
-              </a:ext>
-            </a:extLst>
-          </a:blip>
-          <a:stretch>
-            <a:fillRect/>
-          </a:stretch>
-        </p:blipFill>
-        <p:spPr>
-          <a:xfrm>
-            <a:off x="899592" y="2485101"/>
-            <a:ext cx="6481141" cy="2448272"/>
-          </a:xfrm>
-          <a:prstGeom prst="rect">
-            <a:avLst/>
-          </a:prstGeom>
-        </p:spPr>
-      </p:pic>
-    </p:spTree>
-    <p:extLst>
-      <p:ext uri="{BB962C8B-B14F-4D97-AF65-F5344CB8AC3E}">
-        <p14:creationId xmlns:p14="http://schemas.microsoft.com/office/powerpoint/2010/main" val="2904563654"/>
-      </p:ext>
-    </p:extLst>
-  </p:cSld>
-  <p:clrMapOvr>
-    <a:masterClrMapping/>
-  </p:clrMapOvr>
-  <p:timing>
-    <p:tnLst>
-      <p:par>
-        <p:cTn id="1" dur="indefinite" restart="never" nodeType="tmRoot"/>
-      </p:par>
-    </p:tnLst>
-  </p:timing>
-</p:sld>
-</file>
-
-<file path=ppt/slides/slide11.xml><?xml version="1.0" encoding="utf-8"?>
 <p:sld xmlns:a="http://schemas.openxmlformats.org/drawingml/2006/main" xmlns:r="http://schemas.openxmlformats.org/officeDocument/2006/relationships" xmlns:p="http://schemas.openxmlformats.org/presentationml/2006/main">
   <p:cSld>
     <p:spTree>
@@ -4917,7 +4637,19 @@
                 <a:pPr lvl="1"/>
                 <a:r>
                   <a:rPr lang="ja-JP" altLang="en-US" dirty="0" smtClean="0"/>
-                  <a:t>平均からのばらつきの指標（正の値にするため自乗）</a:t>
+                  <a:t>平均からのばらつきの指標（正の値にする</a:t>
+                </a:r>
+                <a:r>
+                  <a:rPr lang="ja-JP" altLang="en-US" dirty="0" smtClean="0"/>
+                  <a:t>ため</a:t>
+                </a:r>
+                <a:r>
+                  <a:rPr lang="ja-JP" altLang="en-US" dirty="0" smtClean="0"/>
+                  <a:t>自乗誤差を使う</a:t>
+                </a:r>
+                <a:r>
+                  <a:rPr lang="ja-JP" altLang="en-US" dirty="0" smtClean="0"/>
+                  <a:t>）</a:t>
                 </a:r>
                 <a:endParaRPr lang="en-US" altLang="ja-JP" i="1" dirty="0" smtClean="0">
                   <a:latin typeface="Cambria Math" panose="02040503050406030204" pitchFamily="18" charset="0"/>
@@ -5135,11 +4867,32 @@
                         </m:r>
                       </m:sub>
                     </m:sSub>
+                    <m:r>
+                      <a:rPr lang="ja-JP" altLang="en-US" i="1">
+                        <a:latin typeface="Cambria Math" panose="02040503050406030204" pitchFamily="18" charset="0"/>
+                      </a:rPr>
+                      <m:t>や</m:t>
+                    </m:r>
+                    <m:r>
+                      <a:rPr lang="ja-JP" altLang="en-US" i="1">
+                        <a:latin typeface="Cambria Math" panose="02040503050406030204" pitchFamily="18" charset="0"/>
+                        <a:ea typeface="Cambria Math" panose="02040503050406030204" pitchFamily="18" charset="0"/>
+                      </a:rPr>
+                      <m:t>𝜇</m:t>
+                    </m:r>
                   </m:oMath>
                 </a14:m>
                 <a:r>
                   <a:rPr lang="ja-JP" altLang="en-US" dirty="0" smtClean="0"/>
-                  <a:t>の値と比較しやすくするため）</a:t>
+                  <a:t>の</a:t>
+                </a:r>
+                <a:r>
+                  <a:rPr lang="ja-JP" altLang="en-US" dirty="0" smtClean="0"/>
+                  <a:t>値と比較しやすくする</a:t>
+                </a:r>
+                <a:r>
+                  <a:rPr lang="ja-JP" altLang="en-US" dirty="0" smtClean="0"/>
+                  <a:t>ため平方根を取る）</a:t>
                 </a:r>
                 <a:endParaRPr lang="en-US" altLang="ja-JP" dirty="0" smtClean="0"/>
               </a:p>
@@ -5377,7 +5130,7 @@
           <a:p>
             <a:fld id="{D2D8002D-B5B0-4BAC-B1F6-782DDCCE6D9C}" type="slidenum">
               <a:rPr kumimoji="1" lang="ja-JP" altLang="en-US" smtClean="0"/>
-              <a:t>10</a:t>
+              <a:t>9</a:t>
             </a:fld>
             <a:endParaRPr kumimoji="1" lang="ja-JP" altLang="en-US" dirty="0"/>
           </a:p>
@@ -5403,7 +5156,7 @@
 </p:sld>
 </file>
 
-<file path=ppt/slides/slide12.xml><?xml version="1.0" encoding="utf-8"?>
+<file path=ppt/slides/slide11.xml><?xml version="1.0" encoding="utf-8"?>
 <p:sld xmlns:a="http://schemas.openxmlformats.org/drawingml/2006/main" xmlns:r="http://schemas.openxmlformats.org/officeDocument/2006/relationships" xmlns:p="http://schemas.openxmlformats.org/presentationml/2006/main">
   <p:cSld>
     <p:spTree>
@@ -5443,8 +5196,8 @@
           </a:p>
         </p:txBody>
       </p:sp>
-      <mc:AlternateContent xmlns:mc="http://schemas.openxmlformats.org/markup-compatibility/2006">
-        <mc:Choice xmlns:a14="http://schemas.microsoft.com/office/drawing/2010/main" Requires="a14">
+      <mc:AlternateContent xmlns:mc="http://schemas.openxmlformats.org/markup-compatibility/2006" xmlns:a14="http://schemas.microsoft.com/office/drawing/2010/main">
+        <mc:Choice Requires="a14">
           <p:sp>
             <p:nvSpPr>
               <p:cNvPr id="3" name="コンテンツ プレースホルダー 2"/>
@@ -5840,7 +5593,7 @@
             </p:txBody>
           </p:sp>
         </mc:Choice>
-        <mc:Fallback>
+        <mc:Fallback xmlns="">
           <p:sp>
             <p:nvSpPr>
               <p:cNvPr id="3" name="コンテンツ プレースホルダー 2"/>
@@ -5895,7 +5648,7 @@
           <a:p>
             <a:fld id="{D2D8002D-B5B0-4BAC-B1F6-782DDCCE6D9C}" type="slidenum">
               <a:rPr kumimoji="1" lang="ja-JP" altLang="en-US" smtClean="0"/>
-              <a:t>11</a:t>
+              <a:t>10</a:t>
             </a:fld>
             <a:endParaRPr kumimoji="1" lang="ja-JP" altLang="en-US" dirty="0"/>
           </a:p>
@@ -5951,6 +5704,147 @@
 </p:sld>
 </file>
 
+<file path=ppt/slides/slide12.xml><?xml version="1.0" encoding="utf-8"?>
+<p:sld xmlns:a="http://schemas.openxmlformats.org/drawingml/2006/main" xmlns:r="http://schemas.openxmlformats.org/officeDocument/2006/relationships" xmlns:p="http://schemas.openxmlformats.org/presentationml/2006/main">
+  <p:cSld>
+    <p:spTree>
+      <p:nvGrpSpPr>
+        <p:cNvPr id="1" name=""/>
+        <p:cNvGrpSpPr/>
+        <p:nvPr/>
+      </p:nvGrpSpPr>
+      <p:grpSpPr>
+        <a:xfrm>
+          <a:off x="0" y="0"/>
+          <a:ext cx="0" cy="0"/>
+          <a:chOff x="0" y="0"/>
+          <a:chExt cx="0" cy="0"/>
+        </a:xfrm>
+      </p:grpSpPr>
+      <p:sp>
+        <p:nvSpPr>
+          <p:cNvPr id="2" name="タイトル 1"/>
+          <p:cNvSpPr>
+            <a:spLocks noGrp="1"/>
+          </p:cNvSpPr>
+          <p:nvPr>
+            <p:ph type="title"/>
+          </p:nvPr>
+        </p:nvSpPr>
+        <p:spPr/>
+        <p:txBody>
+          <a:bodyPr/>
+          <a:lstStyle/>
+          <a:p>
+            <a:r>
+              <a:rPr lang="ja-JP" altLang="en-US" dirty="0" smtClean="0"/>
+              <a:t>株価の対数の分布</a:t>
+            </a:r>
+            <a:endParaRPr kumimoji="1" lang="ja-JP" altLang="en-US" dirty="0"/>
+          </a:p>
+        </p:txBody>
+      </p:sp>
+      <p:sp>
+        <p:nvSpPr>
+          <p:cNvPr id="6" name="コンテンツ プレースホルダー 5"/>
+          <p:cNvSpPr>
+            <a:spLocks noGrp="1"/>
+          </p:cNvSpPr>
+          <p:nvPr>
+            <p:ph idx="1"/>
+          </p:nvPr>
+        </p:nvSpPr>
+        <p:spPr/>
+        <p:txBody>
+          <a:bodyPr/>
+          <a:lstStyle/>
+          <a:p>
+            <a:r>
+              <a:rPr lang="en-US" altLang="ja-JP" dirty="0" smtClean="0"/>
+              <a:t>TODO: </a:t>
+            </a:r>
+            <a:r>
+              <a:rPr lang="ja-JP" altLang="en-US" dirty="0" smtClean="0"/>
+              <a:t>副</a:t>
+            </a:r>
+            <a:r>
+              <a:rPr kumimoji="1" lang="ja-JP" altLang="en-US" dirty="0" smtClean="0"/>
+              <a:t>極大と</a:t>
+            </a:r>
+            <a:r>
+              <a:rPr kumimoji="1" lang="en-US" altLang="ja-JP" dirty="0" err="1" smtClean="0"/>
+              <a:t>pfd</a:t>
+            </a:r>
+            <a:r>
+              <a:rPr kumimoji="1" lang="ja-JP" altLang="en-US" dirty="0" smtClean="0"/>
+              <a:t>の話</a:t>
+            </a:r>
+            <a:endParaRPr kumimoji="1" lang="en-US" altLang="ja-JP" dirty="0" smtClean="0"/>
+          </a:p>
+          <a:p>
+            <a:r>
+              <a:rPr lang="en-US" altLang="ja-JP" dirty="0" smtClean="0"/>
+              <a:t>TODO: P</a:t>
+            </a:r>
+            <a:r>
+              <a:rPr lang="ja-JP" altLang="en-US" dirty="0" smtClean="0"/>
+              <a:t>ではなく</a:t>
+            </a:r>
+            <a:r>
+              <a:rPr lang="en-US" altLang="ja-JP" dirty="0" smtClean="0"/>
+              <a:t>log P</a:t>
+            </a:r>
+            <a:r>
+              <a:rPr lang="ja-JP" altLang="en-US" dirty="0" smtClean="0"/>
+              <a:t>を独立変数として選ぶ根拠</a:t>
+            </a:r>
+            <a:endParaRPr kumimoji="1" lang="ja-JP" altLang="en-US" dirty="0"/>
+          </a:p>
+        </p:txBody>
+      </p:sp>
+      <p:sp>
+        <p:nvSpPr>
+          <p:cNvPr id="4" name="スライド番号プレースホルダー 3"/>
+          <p:cNvSpPr>
+            <a:spLocks noGrp="1"/>
+          </p:cNvSpPr>
+          <p:nvPr>
+            <p:ph type="sldNum" sz="quarter" idx="12"/>
+          </p:nvPr>
+        </p:nvSpPr>
+        <p:spPr/>
+        <p:txBody>
+          <a:bodyPr/>
+          <a:lstStyle/>
+          <a:p>
+            <a:fld id="{D2D8002D-B5B0-4BAC-B1F6-782DDCCE6D9C}" type="slidenum">
+              <a:rPr kumimoji="1" lang="ja-JP" altLang="en-US" smtClean="0"/>
+              <a:t>11</a:t>
+            </a:fld>
+            <a:endParaRPr kumimoji="1" lang="ja-JP" altLang="en-US" dirty="0"/>
+          </a:p>
+        </p:txBody>
+      </p:sp>
+    </p:spTree>
+    <p:extLst>
+      <p:ext uri="{BB962C8B-B14F-4D97-AF65-F5344CB8AC3E}">
+        <p14:creationId xmlns:p14="http://schemas.microsoft.com/office/powerpoint/2010/main" val="1329039032"/>
+      </p:ext>
+    </p:extLst>
+  </p:cSld>
+  <p:clrMapOvr>
+    <a:masterClrMapping/>
+  </p:clrMapOvr>
+  <p:timing>
+    <p:tnLst>
+      <p:par>
+        <p:cTn id="1" dur="indefinite" restart="never" nodeType="tmRoot"/>
+      </p:par>
+    </p:tnLst>
+  </p:timing>
+</p:sld>
+</file>
+
 <file path=ppt/slides/slide13.xml><?xml version="1.0" encoding="utf-8"?>
 <p:sld xmlns:a="http://schemas.openxmlformats.org/drawingml/2006/main" xmlns:r="http://schemas.openxmlformats.org/officeDocument/2006/relationships" xmlns:p="http://schemas.openxmlformats.org/presentationml/2006/main">
   <p:cSld>
@@ -5984,8 +5878,20 @@
           <a:lstStyle/>
           <a:p>
             <a:r>
+              <a:rPr lang="en-US" altLang="ja-JP" dirty="0"/>
+              <a:t>4</a:t>
+            </a:r>
+            <a:r>
+              <a:rPr kumimoji="1" lang="en-US" altLang="ja-JP" dirty="0" smtClean="0"/>
+              <a:t>. </a:t>
+            </a:r>
+            <a:r>
               <a:rPr lang="ja-JP" altLang="en-US" dirty="0" smtClean="0"/>
-              <a:t>株価の対数の分布</a:t>
+              <a:t>論理的</a:t>
+            </a:r>
+            <a:r>
+              <a:rPr lang="ja-JP" altLang="en-US" dirty="0"/>
+              <a:t>決定</a:t>
             </a:r>
             <a:endParaRPr kumimoji="1" lang="ja-JP" altLang="en-US" dirty="0"/>
           </a:p>
@@ -5993,7 +5899,7 @@
       </p:sp>
       <p:sp>
         <p:nvSpPr>
-          <p:cNvPr id="6" name="コンテンツ プレースホルダー 5"/>
+          <p:cNvPr id="3" name="コンテンツ プレースホルダー 2"/>
           <p:cNvSpPr>
             <a:spLocks noGrp="1"/>
           </p:cNvSpPr>
@@ -6006,45 +5912,6 @@
           <a:bodyPr/>
           <a:lstStyle/>
           <a:p>
-            <a:r>
-              <a:rPr lang="en-US" altLang="ja-JP" dirty="0" smtClean="0"/>
-              <a:t>TODO: </a:t>
-            </a:r>
-            <a:r>
-              <a:rPr lang="ja-JP" altLang="en-US" dirty="0" smtClean="0"/>
-              <a:t>副</a:t>
-            </a:r>
-            <a:r>
-              <a:rPr kumimoji="1" lang="ja-JP" altLang="en-US" dirty="0" smtClean="0"/>
-              <a:t>極大と</a:t>
-            </a:r>
-            <a:r>
-              <a:rPr kumimoji="1" lang="en-US" altLang="ja-JP" dirty="0" err="1" smtClean="0"/>
-              <a:t>pfd</a:t>
-            </a:r>
-            <a:r>
-              <a:rPr kumimoji="1" lang="ja-JP" altLang="en-US" dirty="0" smtClean="0"/>
-              <a:t>の話</a:t>
-            </a:r>
-            <a:endParaRPr kumimoji="1" lang="en-US" altLang="ja-JP" dirty="0" smtClean="0"/>
-          </a:p>
-          <a:p>
-            <a:r>
-              <a:rPr lang="en-US" altLang="ja-JP" dirty="0" smtClean="0"/>
-              <a:t>TODO: P</a:t>
-            </a:r>
-            <a:r>
-              <a:rPr lang="ja-JP" altLang="en-US" dirty="0" smtClean="0"/>
-              <a:t>ではなく</a:t>
-            </a:r>
-            <a:r>
-              <a:rPr lang="en-US" altLang="ja-JP" dirty="0" smtClean="0"/>
-              <a:t>log P</a:t>
-            </a:r>
-            <a:r>
-              <a:rPr lang="ja-JP" altLang="en-US" dirty="0" smtClean="0"/>
-              <a:t>を独立変数として選ぶ根拠</a:t>
-            </a:r>
             <a:endParaRPr kumimoji="1" lang="ja-JP" altLang="en-US" dirty="0"/>
           </a:p>
         </p:txBody>
@@ -6075,7 +5942,7 @@
     </p:spTree>
     <p:extLst>
       <p:ext uri="{BB962C8B-B14F-4D97-AF65-F5344CB8AC3E}">
-        <p14:creationId xmlns:p14="http://schemas.microsoft.com/office/powerpoint/2010/main" val="1329039032"/>
+        <p14:creationId xmlns:p14="http://schemas.microsoft.com/office/powerpoint/2010/main" val="1152159426"/>
       </p:ext>
     </p:extLst>
   </p:cSld>
@@ -6125,20 +5992,12 @@
           <a:lstStyle/>
           <a:p>
             <a:r>
-              <a:rPr lang="en-US" altLang="ja-JP" dirty="0"/>
-              <a:t>4</a:t>
-            </a:r>
-            <a:r>
               <a:rPr kumimoji="1" lang="en-US" altLang="ja-JP" dirty="0" smtClean="0"/>
-              <a:t>. </a:t>
+              <a:t>5. </a:t>
             </a:r>
             <a:r>
               <a:rPr lang="ja-JP" altLang="en-US" dirty="0" smtClean="0"/>
-              <a:t>論理的</a:t>
-            </a:r>
-            <a:r>
-              <a:rPr lang="ja-JP" altLang="en-US" dirty="0"/>
-              <a:t>決定</a:t>
+              <a:t>市場の平等性</a:t>
             </a:r>
             <a:endParaRPr kumimoji="1" lang="ja-JP" altLang="en-US" dirty="0"/>
           </a:p>
@@ -6189,7 +6048,7 @@
     </p:spTree>
     <p:extLst>
       <p:ext uri="{BB962C8B-B14F-4D97-AF65-F5344CB8AC3E}">
-        <p14:creationId xmlns:p14="http://schemas.microsoft.com/office/powerpoint/2010/main" val="1152159426"/>
+        <p14:creationId xmlns:p14="http://schemas.microsoft.com/office/powerpoint/2010/main" val="324431769"/>
       </p:ext>
     </p:extLst>
   </p:cSld>
@@ -6240,11 +6099,15 @@
           <a:p>
             <a:r>
               <a:rPr kumimoji="1" lang="en-US" altLang="ja-JP" dirty="0" smtClean="0"/>
-              <a:t>5. </a:t>
+              <a:t>6. </a:t>
+            </a:r>
+            <a:r>
+              <a:rPr kumimoji="1" lang="ja-JP" altLang="en-US" dirty="0" smtClean="0"/>
+              <a:t>株価の</a:t>
             </a:r>
             <a:r>
               <a:rPr lang="ja-JP" altLang="en-US" dirty="0" smtClean="0"/>
-              <a:t>市場の平等性</a:t>
+              <a:t>時間変化</a:t>
             </a:r>
             <a:endParaRPr kumimoji="1" lang="ja-JP" altLang="en-US" dirty="0"/>
           </a:p>
@@ -6295,7 +6158,7 @@
     </p:spTree>
     <p:extLst>
       <p:ext uri="{BB962C8B-B14F-4D97-AF65-F5344CB8AC3E}">
-        <p14:creationId xmlns:p14="http://schemas.microsoft.com/office/powerpoint/2010/main" val="324431769"/>
+        <p14:creationId xmlns:p14="http://schemas.microsoft.com/office/powerpoint/2010/main" val="3251082227"/>
       </p:ext>
     </p:extLst>
   </p:cSld>
@@ -6346,15 +6209,15 @@
           <a:p>
             <a:r>
               <a:rPr kumimoji="1" lang="en-US" altLang="ja-JP" dirty="0" smtClean="0"/>
-              <a:t>6. </a:t>
-            </a:r>
-            <a:r>
-              <a:rPr kumimoji="1" lang="ja-JP" altLang="en-US" dirty="0" smtClean="0"/>
-              <a:t>株価の</a:t>
+              <a:t>7. </a:t>
             </a:r>
             <a:r>
               <a:rPr lang="ja-JP" altLang="en-US" dirty="0" smtClean="0"/>
-              <a:t>時間変化</a:t>
+              <a:t>数学的</a:t>
+            </a:r>
+            <a:r>
+              <a:rPr lang="ja-JP" altLang="en-US" dirty="0"/>
+              <a:t>表現</a:t>
             </a:r>
             <a:endParaRPr kumimoji="1" lang="ja-JP" altLang="en-US" dirty="0"/>
           </a:p>
@@ -6405,7 +6268,7 @@
     </p:spTree>
     <p:extLst>
       <p:ext uri="{BB962C8B-B14F-4D97-AF65-F5344CB8AC3E}">
-        <p14:creationId xmlns:p14="http://schemas.microsoft.com/office/powerpoint/2010/main" val="3251082227"/>
+        <p14:creationId xmlns:p14="http://schemas.microsoft.com/office/powerpoint/2010/main" val="3454517467"/>
       </p:ext>
     </p:extLst>
   </p:cSld>
@@ -6455,36 +6318,51 @@
           <a:lstStyle/>
           <a:p>
             <a:r>
-              <a:rPr kumimoji="1" lang="en-US" altLang="ja-JP" dirty="0" smtClean="0"/>
-              <a:t>7. </a:t>
-            </a:r>
-            <a:r>
               <a:rPr lang="ja-JP" altLang="en-US" dirty="0" smtClean="0"/>
-              <a:t>数学的</a:t>
-            </a:r>
+              <a:t>観測データとの比較</a:t>
+            </a:r>
+            <a:endParaRPr kumimoji="1" lang="ja-JP" altLang="en-US" dirty="0"/>
+          </a:p>
+        </p:txBody>
+      </p:sp>
+      <p:sp>
+        <p:nvSpPr>
+          <p:cNvPr id="3" name="コンテンツ プレースホルダー 2"/>
+          <p:cNvSpPr>
+            <a:spLocks noGrp="1"/>
+          </p:cNvSpPr>
+          <p:nvPr>
+            <p:ph idx="1"/>
+          </p:nvPr>
+        </p:nvSpPr>
+        <p:spPr/>
+        <p:txBody>
+          <a:bodyPr/>
+          <a:lstStyle/>
+          <a:p>
+            <a:r>
+              <a:rPr kumimoji="1" lang="ja-JP" altLang="en-US" dirty="0" smtClean="0"/>
+              <a:t>論文のデータについては省略</a:t>
+            </a:r>
+            <a:endParaRPr kumimoji="1" lang="en-US" altLang="ja-JP" dirty="0" smtClean="0"/>
+          </a:p>
+          <a:p>
             <a:r>
               <a:rPr lang="ja-JP" altLang="en-US" dirty="0"/>
-              <a:t>表現</a:t>
-            </a:r>
-            <a:endParaRPr kumimoji="1" lang="ja-JP" altLang="en-US" dirty="0"/>
-          </a:p>
-        </p:txBody>
-      </p:sp>
-      <p:sp>
-        <p:nvSpPr>
-          <p:cNvPr id="3" name="コンテンツ プレースホルダー 2"/>
-          <p:cNvSpPr>
-            <a:spLocks noGrp="1"/>
-          </p:cNvSpPr>
-          <p:nvPr>
-            <p:ph idx="1"/>
-          </p:nvPr>
-        </p:nvSpPr>
-        <p:spPr/>
-        <p:txBody>
-          <a:bodyPr/>
-          <a:lstStyle/>
-          <a:p>
+              <a:t>後</a:t>
+            </a:r>
+            <a:r>
+              <a:rPr lang="ja-JP" altLang="en-US" dirty="0" smtClean="0"/>
+              <a:t>で</a:t>
+            </a:r>
+            <a:r>
+              <a:rPr lang="en-US" altLang="ja-JP" dirty="0" smtClean="0"/>
+              <a:t>Ruby</a:t>
+            </a:r>
+            <a:r>
+              <a:rPr lang="ja-JP" altLang="en-US" dirty="0" smtClean="0"/>
+              <a:t>でやってみる</a:t>
+            </a:r>
             <a:endParaRPr kumimoji="1" lang="ja-JP" altLang="en-US" dirty="0"/>
           </a:p>
         </p:txBody>
@@ -6515,7 +6393,7 @@
     </p:spTree>
     <p:extLst>
       <p:ext uri="{BB962C8B-B14F-4D97-AF65-F5344CB8AC3E}">
-        <p14:creationId xmlns:p14="http://schemas.microsoft.com/office/powerpoint/2010/main" val="3454517467"/>
+        <p14:creationId xmlns:p14="http://schemas.microsoft.com/office/powerpoint/2010/main" val="586374886"/>
       </p:ext>
     </p:extLst>
   </p:cSld>
@@ -6565,50 +6443,23 @@
           <a:lstStyle/>
           <a:p>
             <a:r>
-              <a:rPr lang="ja-JP" altLang="en-US" dirty="0" smtClean="0"/>
-              <a:t>観測データとの比較</a:t>
-            </a:r>
-            <a:endParaRPr kumimoji="1" lang="ja-JP" altLang="en-US" dirty="0"/>
-          </a:p>
-        </p:txBody>
-      </p:sp>
-      <p:sp>
-        <p:nvSpPr>
-          <p:cNvPr id="3" name="コンテンツ プレースホルダー 2"/>
-          <p:cNvSpPr>
-            <a:spLocks noGrp="1"/>
-          </p:cNvSpPr>
-          <p:nvPr>
-            <p:ph idx="1"/>
-          </p:nvPr>
-        </p:nvSpPr>
-        <p:spPr/>
-        <p:txBody>
-          <a:bodyPr/>
-          <a:lstStyle/>
-          <a:p>
+              <a:rPr kumimoji="1" lang="en-US" altLang="ja-JP" dirty="0" smtClean="0"/>
+              <a:t>Ruby</a:t>
+            </a:r>
             <a:r>
               <a:rPr kumimoji="1" lang="ja-JP" altLang="en-US" dirty="0" smtClean="0"/>
-              <a:t>論文のデータについては省略</a:t>
-            </a:r>
-            <a:endParaRPr kumimoji="1" lang="en-US" altLang="ja-JP" dirty="0" smtClean="0"/>
-          </a:p>
-          <a:p>
-            <a:r>
-              <a:rPr lang="ja-JP" altLang="en-US" dirty="0"/>
-              <a:t>後</a:t>
-            </a:r>
-            <a:r>
-              <a:rPr lang="ja-JP" altLang="en-US" dirty="0" smtClean="0"/>
-              <a:t>で</a:t>
-            </a:r>
-            <a:r>
-              <a:rPr lang="en-US" altLang="ja-JP" dirty="0" smtClean="0"/>
-              <a:t>Ruby</a:t>
-            </a:r>
-            <a:r>
-              <a:rPr lang="ja-JP" altLang="en-US" dirty="0" smtClean="0"/>
-              <a:t>でやってみる</a:t>
+              <a:t>によるデータ解析</a:t>
+            </a:r>
+            <a:r>
+              <a:rPr kumimoji="1" lang="en-US" altLang="ja-JP" dirty="0" smtClean="0"/>
+              <a:t/>
+            </a:r>
+            <a:br>
+              <a:rPr kumimoji="1" lang="en-US" altLang="ja-JP" dirty="0" smtClean="0"/>
+            </a:br>
+            <a:r>
+              <a:rPr kumimoji="1" lang="ja-JP" altLang="en-US" dirty="0" smtClean="0"/>
+              <a:t>の現状</a:t>
             </a:r>
             <a:endParaRPr kumimoji="1" lang="ja-JP" altLang="en-US" dirty="0"/>
           </a:p>
@@ -6640,7 +6491,7 @@
     </p:spTree>
     <p:extLst>
       <p:ext uri="{BB962C8B-B14F-4D97-AF65-F5344CB8AC3E}">
-        <p14:creationId xmlns:p14="http://schemas.microsoft.com/office/powerpoint/2010/main" val="586374886"/>
+        <p14:creationId xmlns:p14="http://schemas.microsoft.com/office/powerpoint/2010/main" val="1152373391"/>
       </p:ext>
     </p:extLst>
   </p:cSld>
@@ -6690,24 +6541,28 @@
           <a:lstStyle/>
           <a:p>
             <a:r>
-              <a:rPr kumimoji="1" lang="en-US" altLang="ja-JP" dirty="0" smtClean="0"/>
-              <a:t>Ruby</a:t>
-            </a:r>
-            <a:r>
-              <a:rPr kumimoji="1" lang="ja-JP" altLang="en-US" dirty="0" smtClean="0"/>
-              <a:t>によるデータ解析</a:t>
-            </a:r>
-            <a:r>
-              <a:rPr kumimoji="1" lang="en-US" altLang="ja-JP" dirty="0" smtClean="0"/>
-              <a:t/>
-            </a:r>
-            <a:br>
-              <a:rPr kumimoji="1" lang="en-US" altLang="ja-JP" dirty="0" smtClean="0"/>
-            </a:br>
-            <a:r>
-              <a:rPr kumimoji="1" lang="ja-JP" altLang="en-US" dirty="0" smtClean="0"/>
-              <a:t>の現状</a:t>
-            </a:r>
+              <a:rPr lang="en-US" altLang="ja-JP" dirty="0" smtClean="0"/>
+              <a:t>Why Ruby?</a:t>
+            </a:r>
+            <a:endParaRPr kumimoji="1" lang="ja-JP" altLang="en-US" dirty="0"/>
+          </a:p>
+        </p:txBody>
+      </p:sp>
+      <p:sp>
+        <p:nvSpPr>
+          <p:cNvPr id="6" name="コンテンツ プレースホルダー 5"/>
+          <p:cNvSpPr>
+            <a:spLocks noGrp="1"/>
+          </p:cNvSpPr>
+          <p:nvPr>
+            <p:ph idx="1"/>
+          </p:nvPr>
+        </p:nvSpPr>
+        <p:spPr/>
+        <p:txBody>
+          <a:bodyPr/>
+          <a:lstStyle/>
+          <a:p>
             <a:endParaRPr kumimoji="1" lang="ja-JP" altLang="en-US" dirty="0"/>
           </a:p>
         </p:txBody>
@@ -6738,7 +6593,7 @@
     </p:spTree>
     <p:extLst>
       <p:ext uri="{BB962C8B-B14F-4D97-AF65-F5344CB8AC3E}">
-        <p14:creationId xmlns:p14="http://schemas.microsoft.com/office/powerpoint/2010/main" val="1152373391"/>
+        <p14:creationId xmlns:p14="http://schemas.microsoft.com/office/powerpoint/2010/main" val="1059761815"/>
       </p:ext>
     </p:extLst>
   </p:cSld>
@@ -6788,48 +6643,82 @@
           <a:lstStyle/>
           <a:p>
             <a:r>
+              <a:rPr kumimoji="1" lang="ja-JP" altLang="en-US" dirty="0" smtClean="0"/>
+              <a:t>データ解析</a:t>
+            </a:r>
+            <a:endParaRPr kumimoji="1" lang="ja-JP" altLang="en-US" dirty="0"/>
+          </a:p>
+        </p:txBody>
+      </p:sp>
+      <p:sp>
+        <p:nvSpPr>
+          <p:cNvPr id="3" name="コンテンツ プレースホルダー 2"/>
+          <p:cNvSpPr>
+            <a:spLocks noGrp="1"/>
+          </p:cNvSpPr>
+          <p:nvPr>
+            <p:ph idx="1"/>
+          </p:nvPr>
+        </p:nvSpPr>
+        <p:spPr/>
+        <p:txBody>
+          <a:bodyPr/>
+          <a:lstStyle/>
+          <a:p>
+            <a:r>
+              <a:rPr kumimoji="1" lang="en-US" altLang="ja-JP" dirty="0" smtClean="0"/>
+              <a:t>Data Analysis</a:t>
+            </a:r>
+          </a:p>
+          <a:p>
+            <a:endParaRPr lang="en-US" altLang="ja-JP" dirty="0"/>
+          </a:p>
+          <a:p>
+            <a:endParaRPr kumimoji="1" lang="en-US" altLang="ja-JP" dirty="0" smtClean="0"/>
+          </a:p>
+          <a:p>
+            <a:endParaRPr lang="en-US" altLang="ja-JP" dirty="0"/>
+          </a:p>
+          <a:p>
+            <a:endParaRPr kumimoji="1" lang="en-US" altLang="ja-JP" dirty="0" smtClean="0"/>
+          </a:p>
+          <a:p>
+            <a:r>
               <a:rPr lang="ja-JP" altLang="en-US" dirty="0" smtClean="0"/>
-              <a:t>本日のテーマ</a:t>
-            </a:r>
-            <a:endParaRPr kumimoji="1" lang="ja-JP" altLang="en-US" dirty="0"/>
-          </a:p>
-        </p:txBody>
-      </p:sp>
-      <p:sp>
-        <p:nvSpPr>
-          <p:cNvPr id="3" name="コンテンツ プレースホルダー 2"/>
-          <p:cNvSpPr>
-            <a:spLocks noGrp="1"/>
-          </p:cNvSpPr>
-          <p:nvPr>
-            <p:ph idx="1"/>
-          </p:nvPr>
-        </p:nvSpPr>
-        <p:spPr/>
-        <p:txBody>
-          <a:bodyPr/>
-          <a:lstStyle/>
-          <a:p>
+              <a:t>目的</a:t>
+            </a:r>
+            <a:endParaRPr lang="en-US" altLang="ja-JP" dirty="0" smtClean="0"/>
+          </a:p>
+          <a:p>
+            <a:pPr lvl="1"/>
+            <a:r>
+              <a:rPr lang="ja-JP" altLang="en-US" dirty="0"/>
+              <a:t>有用</a:t>
+            </a:r>
             <a:r>
               <a:rPr lang="ja-JP" altLang="en-US" dirty="0" smtClean="0"/>
-              <a:t>データ解析のための</a:t>
-            </a:r>
-            <a:r>
-              <a:rPr lang="en-US" altLang="ja-JP" dirty="0" smtClean="0"/>
-              <a:t>Ruby</a:t>
-            </a:r>
+              <a:t>な情報の発見、結論の提案、意思決定の支援</a:t>
+            </a:r>
+            <a:endParaRPr lang="en-US" altLang="ja-JP" dirty="0" smtClean="0"/>
+          </a:p>
+          <a:p>
             <a:r>
               <a:rPr lang="ja-JP" altLang="en-US" dirty="0" smtClean="0"/>
-              <a:t>ライブラリ・開発ツール群の現状</a:t>
+              <a:t>手段</a:t>
             </a:r>
             <a:endParaRPr lang="en-US" altLang="ja-JP" dirty="0" smtClean="0"/>
           </a:p>
           <a:p>
+            <a:pPr lvl="1"/>
             <a:r>
               <a:rPr lang="ja-JP" altLang="en-US" dirty="0" smtClean="0"/>
-              <a:t>今後の展望</a:t>
+              <a:t>データの検査、クリーニング、変換、モデル化</a:t>
             </a:r>
             <a:endParaRPr lang="en-US" altLang="ja-JP" dirty="0" smtClean="0"/>
+          </a:p>
+          <a:p>
+            <a:pPr lvl="1"/>
+            <a:endParaRPr lang="en-US" altLang="ja-JP" dirty="0"/>
           </a:p>
         </p:txBody>
       </p:sp>
@@ -6856,10 +6745,86 @@
           </a:p>
         </p:txBody>
       </p:sp>
+      <p:sp>
+        <p:nvSpPr>
+          <p:cNvPr id="5" name="正方形/長方形 4"/>
+          <p:cNvSpPr/>
+          <p:nvPr/>
+        </p:nvSpPr>
+        <p:spPr>
+          <a:xfrm>
+            <a:off x="643144" y="2204864"/>
+            <a:ext cx="7560839" cy="1080120"/>
+          </a:xfrm>
+          <a:prstGeom prst="rect">
+            <a:avLst/>
+          </a:prstGeom>
+          <a:solidFill>
+            <a:schemeClr val="tx2">
+              <a:lumMod val="20000"/>
+              <a:lumOff val="80000"/>
+            </a:schemeClr>
+          </a:solidFill>
+          <a:ln>
+            <a:solidFill>
+              <a:schemeClr val="tx2">
+                <a:lumMod val="40000"/>
+                <a:lumOff val="60000"/>
+              </a:schemeClr>
+            </a:solidFill>
+          </a:ln>
+        </p:spPr>
+        <p:style>
+          <a:lnRef idx="1">
+            <a:schemeClr val="dk1"/>
+          </a:lnRef>
+          <a:fillRef idx="2">
+            <a:schemeClr val="dk1"/>
+          </a:fillRef>
+          <a:effectRef idx="1">
+            <a:schemeClr val="dk1"/>
+          </a:effectRef>
+          <a:fontRef idx="minor">
+            <a:schemeClr val="dk1"/>
+          </a:fontRef>
+        </p:style>
+        <p:txBody>
+          <a:bodyPr rtlCol="0" anchor="t"/>
+          <a:lstStyle/>
+          <a:p>
+            <a:r>
+              <a:rPr lang="en-US" altLang="ja-JP" dirty="0"/>
+              <a:t>Analysis of data is a process of inspecting, cleaning, transforming, and modeling data with the goal of discovering useful information, suggesting conclusions, and supporting decision-making</a:t>
+            </a:r>
+            <a:r>
+              <a:rPr lang="en-US" altLang="ja-JP" dirty="0" smtClean="0"/>
+              <a:t>.</a:t>
+            </a:r>
+          </a:p>
+          <a:p>
+            <a:endParaRPr lang="en-US" altLang="ja-JP" dirty="0" smtClean="0"/>
+          </a:p>
+          <a:p>
+            <a:pPr algn="r"/>
+            <a:r>
+              <a:rPr lang="en-US" altLang="ja-JP" dirty="0" smtClean="0"/>
+              <a:t>Data analysis</a:t>
+            </a:r>
+          </a:p>
+          <a:p>
+            <a:pPr algn="r"/>
+            <a:r>
+              <a:rPr lang="en-US" altLang="ja-JP" dirty="0"/>
+              <a:t>https://en.wikipedia.org/wiki/Data_analysis</a:t>
+            </a:r>
+            <a:endParaRPr lang="ja-JP" altLang="en-US" dirty="0"/>
+          </a:p>
+        </p:txBody>
+      </p:sp>
     </p:spTree>
     <p:extLst>
       <p:ext uri="{BB962C8B-B14F-4D97-AF65-F5344CB8AC3E}">
-        <p14:creationId xmlns:p14="http://schemas.microsoft.com/office/powerpoint/2010/main" val="470880382"/>
+        <p14:creationId xmlns:p14="http://schemas.microsoft.com/office/powerpoint/2010/main" val="396051899"/>
       </p:ext>
     </p:extLst>
   </p:cSld>
@@ -7948,92 +7913,6 @@
       </p:grpSpPr>
       <p:sp>
         <p:nvSpPr>
-          <p:cNvPr id="30" name="正方形/長方形 29"/>
-          <p:cNvSpPr/>
-          <p:nvPr/>
-        </p:nvSpPr>
-        <p:spPr>
-          <a:xfrm>
-            <a:off x="3051712" y="3273640"/>
-            <a:ext cx="2702768" cy="3130003"/>
-          </a:xfrm>
-          <a:prstGeom prst="rect">
-            <a:avLst/>
-          </a:prstGeom>
-        </p:spPr>
-        <p:style>
-          <a:lnRef idx="1">
-            <a:schemeClr val="accent3"/>
-          </a:lnRef>
-          <a:fillRef idx="2">
-            <a:schemeClr val="accent3"/>
-          </a:fillRef>
-          <a:effectRef idx="1">
-            <a:schemeClr val="accent3"/>
-          </a:effectRef>
-          <a:fontRef idx="minor">
-            <a:schemeClr val="dk1"/>
-          </a:fontRef>
-        </p:style>
-        <p:txBody>
-          <a:bodyPr rtlCol="0" anchor="t"/>
-          <a:lstStyle/>
-          <a:p>
-            <a:pPr algn="ctr"/>
-            <a:r>
-              <a:rPr lang="en-US" altLang="ja-JP" sz="1100" dirty="0" smtClean="0"/>
-              <a:t>Batch</a:t>
-            </a:r>
-            <a:r>
-              <a:rPr kumimoji="1" lang="en-US" altLang="ja-JP" sz="1100" dirty="0" smtClean="0"/>
-              <a:t> layer</a:t>
-            </a:r>
-          </a:p>
-        </p:txBody>
-      </p:sp>
-      <p:sp>
-        <p:nvSpPr>
-          <p:cNvPr id="28" name="正方形/長方形 27"/>
-          <p:cNvSpPr/>
-          <p:nvPr/>
-        </p:nvSpPr>
-        <p:spPr>
-          <a:xfrm>
-            <a:off x="3051712" y="1553735"/>
-            <a:ext cx="2702768" cy="1609548"/>
-          </a:xfrm>
-          <a:prstGeom prst="rect">
-            <a:avLst/>
-          </a:prstGeom>
-        </p:spPr>
-        <p:style>
-          <a:lnRef idx="1">
-            <a:schemeClr val="accent3"/>
-          </a:lnRef>
-          <a:fillRef idx="2">
-            <a:schemeClr val="accent3"/>
-          </a:fillRef>
-          <a:effectRef idx="1">
-            <a:schemeClr val="accent3"/>
-          </a:effectRef>
-          <a:fontRef idx="minor">
-            <a:schemeClr val="dk1"/>
-          </a:fontRef>
-        </p:style>
-        <p:txBody>
-          <a:bodyPr rtlCol="0" anchor="t"/>
-          <a:lstStyle/>
-          <a:p>
-            <a:pPr algn="ctr"/>
-            <a:r>
-              <a:rPr kumimoji="1" lang="en-US" altLang="ja-JP" sz="1100" dirty="0" smtClean="0"/>
-              <a:t>Speed layer</a:t>
-            </a:r>
-          </a:p>
-        </p:txBody>
-      </p:sp>
-      <p:sp>
-        <p:nvSpPr>
           <p:cNvPr id="2" name="タイトル 1"/>
           <p:cNvSpPr>
             <a:spLocks noGrp="1"/>
@@ -8058,6 +7937,124 @@
             <a:r>
               <a:rPr kumimoji="1" lang="en-US" altLang="ja-JP" dirty="0" err="1" smtClean="0"/>
               <a:t>IRuby</a:t>
+            </a:r>
+            <a:endParaRPr kumimoji="1" lang="ja-JP" altLang="en-US" dirty="0"/>
+          </a:p>
+        </p:txBody>
+      </p:sp>
+      <p:sp>
+        <p:nvSpPr>
+          <p:cNvPr id="3" name="コンテンツ プレースホルダー 2"/>
+          <p:cNvSpPr>
+            <a:spLocks noGrp="1"/>
+          </p:cNvSpPr>
+          <p:nvPr>
+            <p:ph idx="1"/>
+          </p:nvPr>
+        </p:nvSpPr>
+        <p:spPr/>
+        <p:txBody>
+          <a:bodyPr/>
+          <a:lstStyle/>
+          <a:p>
+            <a:r>
+              <a:rPr kumimoji="1" lang="en-US" altLang="ja-JP" dirty="0" err="1" smtClean="0"/>
+              <a:t>Jupyter</a:t>
+            </a:r>
+            <a:endParaRPr kumimoji="1" lang="en-US" altLang="ja-JP" dirty="0" smtClean="0"/>
+          </a:p>
+          <a:p>
+            <a:pPr lvl="1"/>
+            <a:r>
+              <a:rPr lang="en-US" altLang="ja-JP" dirty="0" smtClean="0"/>
+              <a:t>Web</a:t>
+            </a:r>
+            <a:r>
+              <a:rPr lang="ja-JP" altLang="en-US" dirty="0" smtClean="0"/>
+              <a:t>アプリケーションによる対話環境</a:t>
+            </a:r>
+            <a:endParaRPr lang="en-US" altLang="ja-JP" dirty="0" smtClean="0"/>
+          </a:p>
+          <a:p>
+            <a:pPr lvl="1"/>
+            <a:r>
+              <a:rPr kumimoji="1" lang="en-US" altLang="ja-JP" dirty="0" err="1" smtClean="0"/>
+              <a:t>Matematica</a:t>
+            </a:r>
+            <a:r>
+              <a:rPr kumimoji="1" lang="ja-JP" altLang="en-US" dirty="0" smtClean="0"/>
+              <a:t>風のノートブック</a:t>
+            </a:r>
+            <a:endParaRPr lang="en-US" altLang="ja-JP" dirty="0"/>
+          </a:p>
+          <a:p>
+            <a:pPr lvl="2"/>
+            <a:r>
+              <a:rPr lang="ja-JP" altLang="en-US" dirty="0" smtClean="0"/>
+              <a:t>プログラムの対話的実行</a:t>
+            </a:r>
+            <a:endParaRPr lang="en-US" altLang="ja-JP" dirty="0" smtClean="0"/>
+          </a:p>
+          <a:p>
+            <a:pPr lvl="2"/>
+            <a:r>
+              <a:rPr kumimoji="1" lang="ja-JP" altLang="en-US" dirty="0" smtClean="0"/>
+              <a:t>グラフの描画</a:t>
+            </a:r>
+            <a:endParaRPr kumimoji="1" lang="en-US" altLang="ja-JP" dirty="0" smtClean="0"/>
+          </a:p>
+          <a:p>
+            <a:pPr lvl="1"/>
+            <a:r>
+              <a:rPr lang="ja-JP" altLang="en-US" dirty="0" smtClean="0"/>
+              <a:t>プログラミング言語非依存</a:t>
+            </a:r>
+            <a:endParaRPr lang="en-US" altLang="ja-JP" dirty="0" smtClean="0"/>
+          </a:p>
+          <a:p>
+            <a:pPr lvl="2"/>
+            <a:r>
+              <a:rPr lang="ja-JP" altLang="en-US" dirty="0" smtClean="0"/>
+              <a:t>各言語の実行環境をカーネルとして提供</a:t>
+            </a:r>
+            <a:endParaRPr lang="en-US" altLang="ja-JP" dirty="0" smtClean="0"/>
+          </a:p>
+          <a:p>
+            <a:pPr lvl="2"/>
+            <a:r>
+              <a:rPr lang="ja-JP" altLang="en-US" dirty="0" smtClean="0"/>
+              <a:t>プロセス間</a:t>
+            </a:r>
+            <a:r>
+              <a:rPr lang="ja-JP" altLang="en-US" dirty="0"/>
+              <a:t>通信</a:t>
+            </a:r>
+            <a:endParaRPr lang="en-US" altLang="ja-JP" dirty="0" smtClean="0"/>
+          </a:p>
+          <a:p>
+            <a:r>
+              <a:rPr kumimoji="1" lang="en-US" altLang="ja-JP" dirty="0" err="1" smtClean="0"/>
+              <a:t>IRuby</a:t>
+            </a:r>
+            <a:endParaRPr kumimoji="1" lang="en-US" altLang="ja-JP" dirty="0" smtClean="0"/>
+          </a:p>
+          <a:p>
+            <a:pPr lvl="1"/>
+            <a:r>
+              <a:rPr lang="en-US" altLang="ja-JP" dirty="0" err="1" smtClean="0"/>
+              <a:t>Jupyter</a:t>
+            </a:r>
+            <a:r>
+              <a:rPr lang="ja-JP" altLang="en-US" dirty="0" smtClean="0"/>
+              <a:t>の</a:t>
+            </a:r>
+            <a:r>
+              <a:rPr lang="en-US" altLang="ja-JP" dirty="0" smtClean="0"/>
+              <a:t>Ruby</a:t>
+            </a:r>
+            <a:r>
+              <a:rPr lang="ja-JP" altLang="en-US" dirty="0" smtClean="0"/>
+              <a:t>カーネル</a:t>
             </a:r>
             <a:endParaRPr kumimoji="1" lang="ja-JP" altLang="en-US" dirty="0"/>
           </a:p>
@@ -8086,1538 +8083,6 @@
           </a:p>
         </p:txBody>
       </p:sp>
-      <p:sp>
-        <p:nvSpPr>
-          <p:cNvPr id="13" name="正方形/長方形 12"/>
-          <p:cNvSpPr/>
-          <p:nvPr/>
-        </p:nvSpPr>
-        <p:spPr>
-          <a:xfrm>
-            <a:off x="4674360" y="5084720"/>
-            <a:ext cx="952727" cy="504056"/>
-          </a:xfrm>
-          <a:prstGeom prst="rect">
-            <a:avLst/>
-          </a:prstGeom>
-        </p:spPr>
-        <p:style>
-          <a:lnRef idx="1">
-            <a:schemeClr val="accent1"/>
-          </a:lnRef>
-          <a:fillRef idx="2">
-            <a:schemeClr val="accent1"/>
-          </a:fillRef>
-          <a:effectRef idx="1">
-            <a:schemeClr val="accent1"/>
-          </a:effectRef>
-          <a:fontRef idx="minor">
-            <a:schemeClr val="dk1"/>
-          </a:fontRef>
-        </p:style>
-        <p:txBody>
-          <a:bodyPr rtlCol="0" anchor="ctr"/>
-          <a:lstStyle/>
-          <a:p>
-            <a:pPr algn="ctr"/>
-            <a:r>
-              <a:rPr lang="en-US" altLang="ja-JP" sz="1200" dirty="0" smtClean="0"/>
-              <a:t>Worker (</a:t>
-            </a:r>
-            <a:r>
-              <a:rPr lang="en-US" altLang="ja-JP" sz="1200" dirty="0" err="1" smtClean="0"/>
-              <a:t>BigQuery</a:t>
-            </a:r>
-            <a:r>
-              <a:rPr lang="en-US" altLang="ja-JP" sz="1200" dirty="0" smtClean="0"/>
-              <a:t>)</a:t>
-            </a:r>
-            <a:endParaRPr kumimoji="1" lang="ja-JP" altLang="en-US" sz="1200" dirty="0"/>
-          </a:p>
-        </p:txBody>
-      </p:sp>
-      <p:sp>
-        <p:nvSpPr>
-          <p:cNvPr id="14" name="正方形/長方形 13"/>
-          <p:cNvSpPr/>
-          <p:nvPr/>
-        </p:nvSpPr>
-        <p:spPr>
-          <a:xfrm>
-            <a:off x="7715200" y="2372512"/>
-            <a:ext cx="745232" cy="469132"/>
-          </a:xfrm>
-          <a:prstGeom prst="rect">
-            <a:avLst/>
-          </a:prstGeom>
-        </p:spPr>
-        <p:style>
-          <a:lnRef idx="1">
-            <a:schemeClr val="accent1"/>
-          </a:lnRef>
-          <a:fillRef idx="2">
-            <a:schemeClr val="accent1"/>
-          </a:fillRef>
-          <a:effectRef idx="1">
-            <a:schemeClr val="accent1"/>
-          </a:effectRef>
-          <a:fontRef idx="minor">
-            <a:schemeClr val="dk1"/>
-          </a:fontRef>
-        </p:style>
-        <p:txBody>
-          <a:bodyPr rtlCol="0" anchor="ctr"/>
-          <a:lstStyle/>
-          <a:p>
-            <a:pPr algn="ctr"/>
-            <a:r>
-              <a:rPr lang="en-US" altLang="ja-JP" sz="1200" dirty="0" smtClean="0"/>
-              <a:t>API</a:t>
-            </a:r>
-          </a:p>
-          <a:p>
-            <a:pPr algn="ctr"/>
-            <a:r>
-              <a:rPr kumimoji="1" lang="en-US" altLang="ja-JP" sz="1200" dirty="0" smtClean="0"/>
-              <a:t>Server</a:t>
-            </a:r>
-            <a:endParaRPr kumimoji="1" lang="ja-JP" altLang="en-US" sz="1200" dirty="0"/>
-          </a:p>
-        </p:txBody>
-      </p:sp>
-      <p:sp>
-        <p:nvSpPr>
-          <p:cNvPr id="15" name="正方形/長方形 14"/>
-          <p:cNvSpPr/>
-          <p:nvPr/>
-        </p:nvSpPr>
-        <p:spPr>
-          <a:xfrm>
-            <a:off x="4686047" y="4221669"/>
-            <a:ext cx="941040" cy="576064"/>
-          </a:xfrm>
-          <a:prstGeom prst="rect">
-            <a:avLst/>
-          </a:prstGeom>
-        </p:spPr>
-        <p:style>
-          <a:lnRef idx="1">
-            <a:schemeClr val="accent1"/>
-          </a:lnRef>
-          <a:fillRef idx="2">
-            <a:schemeClr val="accent1"/>
-          </a:fillRef>
-          <a:effectRef idx="1">
-            <a:schemeClr val="accent1"/>
-          </a:effectRef>
-          <a:fontRef idx="minor">
-            <a:schemeClr val="dk1"/>
-          </a:fontRef>
-        </p:style>
-        <p:txBody>
-          <a:bodyPr rtlCol="0" anchor="ctr"/>
-          <a:lstStyle/>
-          <a:p>
-            <a:pPr algn="ctr"/>
-            <a:r>
-              <a:rPr lang="en-US" altLang="ja-JP" sz="1200" dirty="0" smtClean="0"/>
-              <a:t>Worker (Impala)</a:t>
-            </a:r>
-            <a:endParaRPr kumimoji="1" lang="ja-JP" altLang="en-US" sz="1200" dirty="0"/>
-          </a:p>
-        </p:txBody>
-      </p:sp>
-      <p:sp>
-        <p:nvSpPr>
-          <p:cNvPr id="16" name="正方形/長方形 15"/>
-          <p:cNvSpPr/>
-          <p:nvPr/>
-        </p:nvSpPr>
-        <p:spPr>
-          <a:xfrm>
-            <a:off x="4674360" y="1851568"/>
-            <a:ext cx="952727" cy="504056"/>
-          </a:xfrm>
-          <a:prstGeom prst="rect">
-            <a:avLst/>
-          </a:prstGeom>
-        </p:spPr>
-        <p:style>
-          <a:lnRef idx="1">
-            <a:schemeClr val="accent1"/>
-          </a:lnRef>
-          <a:fillRef idx="2">
-            <a:schemeClr val="accent1"/>
-          </a:fillRef>
-          <a:effectRef idx="1">
-            <a:schemeClr val="accent1"/>
-          </a:effectRef>
-          <a:fontRef idx="minor">
-            <a:schemeClr val="dk1"/>
-          </a:fontRef>
-        </p:style>
-        <p:txBody>
-          <a:bodyPr rtlCol="0" anchor="ctr"/>
-          <a:lstStyle/>
-          <a:p>
-            <a:pPr algn="ctr"/>
-            <a:r>
-              <a:rPr lang="en-US" altLang="ja-JP" sz="1200" dirty="0" smtClean="0"/>
-              <a:t>Worker (Speed)</a:t>
-            </a:r>
-            <a:endParaRPr kumimoji="1" lang="ja-JP" altLang="en-US" sz="1200" dirty="0"/>
-          </a:p>
-        </p:txBody>
-      </p:sp>
-      <p:sp>
-        <p:nvSpPr>
-          <p:cNvPr id="19" name="正方形/長方形 18"/>
-          <p:cNvSpPr/>
-          <p:nvPr/>
-        </p:nvSpPr>
-        <p:spPr>
-          <a:xfrm>
-            <a:off x="6302792" y="3171143"/>
-            <a:ext cx="864096" cy="503648"/>
-          </a:xfrm>
-          <a:prstGeom prst="rect">
-            <a:avLst/>
-          </a:prstGeom>
-        </p:spPr>
-        <p:style>
-          <a:lnRef idx="1">
-            <a:schemeClr val="accent6"/>
-          </a:lnRef>
-          <a:fillRef idx="2">
-            <a:schemeClr val="accent6"/>
-          </a:fillRef>
-          <a:effectRef idx="1">
-            <a:schemeClr val="accent6"/>
-          </a:effectRef>
-          <a:fontRef idx="minor">
-            <a:schemeClr val="dk1"/>
-          </a:fontRef>
-        </p:style>
-        <p:txBody>
-          <a:bodyPr rtlCol="0" anchor="ctr"/>
-          <a:lstStyle/>
-          <a:p>
-            <a:pPr algn="ctr"/>
-            <a:r>
-              <a:rPr lang="en-US" altLang="ja-JP" sz="1200" dirty="0" smtClean="0"/>
-              <a:t>Message</a:t>
-            </a:r>
-          </a:p>
-          <a:p>
-            <a:pPr algn="ctr"/>
-            <a:r>
-              <a:rPr kumimoji="1" lang="en-US" altLang="ja-JP" sz="1200" dirty="0" smtClean="0"/>
-              <a:t>Queue</a:t>
-            </a:r>
-            <a:endParaRPr kumimoji="1" lang="ja-JP" altLang="en-US" sz="1200" dirty="0"/>
-          </a:p>
-        </p:txBody>
-      </p:sp>
-      <p:sp>
-        <p:nvSpPr>
-          <p:cNvPr id="20" name="正方形/長方形 19"/>
-          <p:cNvSpPr/>
-          <p:nvPr/>
-        </p:nvSpPr>
-        <p:spPr>
-          <a:xfrm>
-            <a:off x="7715200" y="3188401"/>
-            <a:ext cx="745232" cy="469132"/>
-          </a:xfrm>
-          <a:prstGeom prst="rect">
-            <a:avLst/>
-          </a:prstGeom>
-        </p:spPr>
-        <p:style>
-          <a:lnRef idx="1">
-            <a:schemeClr val="accent1"/>
-          </a:lnRef>
-          <a:fillRef idx="2">
-            <a:schemeClr val="accent1"/>
-          </a:fillRef>
-          <a:effectRef idx="1">
-            <a:schemeClr val="accent1"/>
-          </a:effectRef>
-          <a:fontRef idx="minor">
-            <a:schemeClr val="dk1"/>
-          </a:fontRef>
-        </p:style>
-        <p:txBody>
-          <a:bodyPr rtlCol="0" anchor="ctr"/>
-          <a:lstStyle/>
-          <a:p>
-            <a:pPr algn="ctr"/>
-            <a:r>
-              <a:rPr lang="en-US" altLang="ja-JP" sz="1200" dirty="0" smtClean="0"/>
-              <a:t>API</a:t>
-            </a:r>
-          </a:p>
-          <a:p>
-            <a:pPr algn="ctr"/>
-            <a:r>
-              <a:rPr kumimoji="1" lang="en-US" altLang="ja-JP" sz="1200" dirty="0" smtClean="0"/>
-              <a:t>Server</a:t>
-            </a:r>
-            <a:endParaRPr kumimoji="1" lang="ja-JP" altLang="en-US" sz="1200" dirty="0"/>
-          </a:p>
-        </p:txBody>
-      </p:sp>
-      <p:sp>
-        <p:nvSpPr>
-          <p:cNvPr id="21" name="正方形/長方形 20"/>
-          <p:cNvSpPr/>
-          <p:nvPr/>
-        </p:nvSpPr>
-        <p:spPr>
-          <a:xfrm>
-            <a:off x="7715200" y="4004290"/>
-            <a:ext cx="745232" cy="469132"/>
-          </a:xfrm>
-          <a:prstGeom prst="rect">
-            <a:avLst/>
-          </a:prstGeom>
-        </p:spPr>
-        <p:style>
-          <a:lnRef idx="1">
-            <a:schemeClr val="accent1"/>
-          </a:lnRef>
-          <a:fillRef idx="2">
-            <a:schemeClr val="accent1"/>
-          </a:fillRef>
-          <a:effectRef idx="1">
-            <a:schemeClr val="accent1"/>
-          </a:effectRef>
-          <a:fontRef idx="minor">
-            <a:schemeClr val="dk1"/>
-          </a:fontRef>
-        </p:style>
-        <p:txBody>
-          <a:bodyPr rtlCol="0" anchor="ctr"/>
-          <a:lstStyle/>
-          <a:p>
-            <a:pPr algn="ctr"/>
-            <a:r>
-              <a:rPr lang="en-US" altLang="ja-JP" sz="1200" dirty="0" smtClean="0"/>
-              <a:t>API</a:t>
-            </a:r>
-          </a:p>
-          <a:p>
-            <a:pPr algn="ctr"/>
-            <a:r>
-              <a:rPr kumimoji="1" lang="en-US" altLang="ja-JP" sz="1200" dirty="0" smtClean="0"/>
-              <a:t>Server</a:t>
-            </a:r>
-            <a:endParaRPr kumimoji="1" lang="ja-JP" altLang="en-US" sz="1200" dirty="0"/>
-          </a:p>
-        </p:txBody>
-      </p:sp>
-      <p:sp>
-        <p:nvSpPr>
-          <p:cNvPr id="22" name="正方形/長方形 21"/>
-          <p:cNvSpPr/>
-          <p:nvPr/>
-        </p:nvSpPr>
-        <p:spPr>
-          <a:xfrm>
-            <a:off x="4674359" y="5755571"/>
-            <a:ext cx="952727" cy="504056"/>
-          </a:xfrm>
-          <a:prstGeom prst="rect">
-            <a:avLst/>
-          </a:prstGeom>
-        </p:spPr>
-        <p:style>
-          <a:lnRef idx="1">
-            <a:schemeClr val="accent1"/>
-          </a:lnRef>
-          <a:fillRef idx="2">
-            <a:schemeClr val="accent1"/>
-          </a:fillRef>
-          <a:effectRef idx="1">
-            <a:schemeClr val="accent1"/>
-          </a:effectRef>
-          <a:fontRef idx="minor">
-            <a:schemeClr val="dk1"/>
-          </a:fontRef>
-        </p:style>
-        <p:txBody>
-          <a:bodyPr rtlCol="0" anchor="ctr"/>
-          <a:lstStyle/>
-          <a:p>
-            <a:pPr algn="ctr"/>
-            <a:r>
-              <a:rPr lang="en-US" altLang="ja-JP" sz="1200" dirty="0" smtClean="0"/>
-              <a:t>Worker (</a:t>
-            </a:r>
-            <a:r>
-              <a:rPr lang="en-US" altLang="ja-JP" sz="1200" dirty="0" err="1" smtClean="0"/>
-              <a:t>BigQuery</a:t>
-            </a:r>
-            <a:r>
-              <a:rPr lang="en-US" altLang="ja-JP" sz="1200" dirty="0" smtClean="0"/>
-              <a:t>)</a:t>
-            </a:r>
-            <a:endParaRPr kumimoji="1" lang="ja-JP" altLang="en-US" sz="1200" dirty="0"/>
-          </a:p>
-        </p:txBody>
-      </p:sp>
-      <p:sp>
-        <p:nvSpPr>
-          <p:cNvPr id="23" name="正方形/長方形 22"/>
-          <p:cNvSpPr/>
-          <p:nvPr/>
-        </p:nvSpPr>
-        <p:spPr>
-          <a:xfrm>
-            <a:off x="4686047" y="3511967"/>
-            <a:ext cx="941040" cy="576064"/>
-          </a:xfrm>
-          <a:prstGeom prst="rect">
-            <a:avLst/>
-          </a:prstGeom>
-        </p:spPr>
-        <p:style>
-          <a:lnRef idx="1">
-            <a:schemeClr val="accent1"/>
-          </a:lnRef>
-          <a:fillRef idx="2">
-            <a:schemeClr val="accent1"/>
-          </a:fillRef>
-          <a:effectRef idx="1">
-            <a:schemeClr val="accent1"/>
-          </a:effectRef>
-          <a:fontRef idx="minor">
-            <a:schemeClr val="dk1"/>
-          </a:fontRef>
-        </p:style>
-        <p:txBody>
-          <a:bodyPr rtlCol="0" anchor="ctr"/>
-          <a:lstStyle/>
-          <a:p>
-            <a:pPr algn="ctr"/>
-            <a:r>
-              <a:rPr lang="en-US" altLang="ja-JP" sz="1200" dirty="0" smtClean="0"/>
-              <a:t>Worker (Impala)</a:t>
-            </a:r>
-            <a:endParaRPr kumimoji="1" lang="ja-JP" altLang="en-US" sz="1200" dirty="0"/>
-          </a:p>
-        </p:txBody>
-      </p:sp>
-      <p:sp>
-        <p:nvSpPr>
-          <p:cNvPr id="24" name="正方形/長方形 23"/>
-          <p:cNvSpPr/>
-          <p:nvPr/>
-        </p:nvSpPr>
-        <p:spPr>
-          <a:xfrm>
-            <a:off x="4674360" y="2521712"/>
-            <a:ext cx="952727" cy="504056"/>
-          </a:xfrm>
-          <a:prstGeom prst="rect">
-            <a:avLst/>
-          </a:prstGeom>
-        </p:spPr>
-        <p:style>
-          <a:lnRef idx="1">
-            <a:schemeClr val="accent1"/>
-          </a:lnRef>
-          <a:fillRef idx="2">
-            <a:schemeClr val="accent1"/>
-          </a:fillRef>
-          <a:effectRef idx="1">
-            <a:schemeClr val="accent1"/>
-          </a:effectRef>
-          <a:fontRef idx="minor">
-            <a:schemeClr val="dk1"/>
-          </a:fontRef>
-        </p:style>
-        <p:txBody>
-          <a:bodyPr rtlCol="0" anchor="ctr"/>
-          <a:lstStyle/>
-          <a:p>
-            <a:pPr algn="ctr"/>
-            <a:r>
-              <a:rPr lang="en-US" altLang="ja-JP" sz="1200" dirty="0" smtClean="0"/>
-              <a:t>Worker (Speed)</a:t>
-            </a:r>
-            <a:endParaRPr kumimoji="1" lang="ja-JP" altLang="en-US" sz="1200" dirty="0"/>
-          </a:p>
-        </p:txBody>
-      </p:sp>
-      <p:sp>
-        <p:nvSpPr>
-          <p:cNvPr id="25" name="正方形/長方形 24"/>
-          <p:cNvSpPr/>
-          <p:nvPr/>
-        </p:nvSpPr>
-        <p:spPr>
-          <a:xfrm>
-            <a:off x="3170758" y="5336952"/>
-            <a:ext cx="864096" cy="503648"/>
-          </a:xfrm>
-          <a:prstGeom prst="rect">
-            <a:avLst/>
-          </a:prstGeom>
-        </p:spPr>
-        <p:style>
-          <a:lnRef idx="1">
-            <a:schemeClr val="accent6"/>
-          </a:lnRef>
-          <a:fillRef idx="2">
-            <a:schemeClr val="accent6"/>
-          </a:fillRef>
-          <a:effectRef idx="1">
-            <a:schemeClr val="accent6"/>
-          </a:effectRef>
-          <a:fontRef idx="minor">
-            <a:schemeClr val="dk1"/>
-          </a:fontRef>
-        </p:style>
-        <p:txBody>
-          <a:bodyPr rtlCol="0" anchor="ctr"/>
-          <a:lstStyle/>
-          <a:p>
-            <a:pPr algn="ctr"/>
-            <a:r>
-              <a:rPr lang="en-US" altLang="ja-JP" sz="1200" dirty="0" err="1" smtClean="0"/>
-              <a:t>BigQuery</a:t>
-            </a:r>
-            <a:endParaRPr kumimoji="1" lang="ja-JP" altLang="en-US" sz="1200" dirty="0"/>
-          </a:p>
-        </p:txBody>
-      </p:sp>
-      <p:sp>
-        <p:nvSpPr>
-          <p:cNvPr id="26" name="正方形/長方形 25"/>
-          <p:cNvSpPr/>
-          <p:nvPr/>
-        </p:nvSpPr>
-        <p:spPr>
-          <a:xfrm>
-            <a:off x="3170758" y="3936017"/>
-            <a:ext cx="864096" cy="503648"/>
-          </a:xfrm>
-          <a:prstGeom prst="rect">
-            <a:avLst/>
-          </a:prstGeom>
-        </p:spPr>
-        <p:style>
-          <a:lnRef idx="1">
-            <a:schemeClr val="accent6"/>
-          </a:lnRef>
-          <a:fillRef idx="2">
-            <a:schemeClr val="accent6"/>
-          </a:fillRef>
-          <a:effectRef idx="1">
-            <a:schemeClr val="accent6"/>
-          </a:effectRef>
-          <a:fontRef idx="minor">
-            <a:schemeClr val="dk1"/>
-          </a:fontRef>
-        </p:style>
-        <p:txBody>
-          <a:bodyPr rtlCol="0" anchor="ctr"/>
-          <a:lstStyle/>
-          <a:p>
-            <a:pPr algn="ctr"/>
-            <a:r>
-              <a:rPr lang="en-US" altLang="ja-JP" sz="1200" dirty="0" smtClean="0"/>
-              <a:t>Impala</a:t>
-            </a:r>
-            <a:endParaRPr kumimoji="1" lang="ja-JP" altLang="en-US" sz="1200" dirty="0"/>
-          </a:p>
-        </p:txBody>
-      </p:sp>
-      <p:sp>
-        <p:nvSpPr>
-          <p:cNvPr id="27" name="正方形/長方形 26"/>
-          <p:cNvSpPr/>
-          <p:nvPr/>
-        </p:nvSpPr>
-        <p:spPr>
-          <a:xfrm>
-            <a:off x="3170758" y="2195855"/>
-            <a:ext cx="864096" cy="503648"/>
-          </a:xfrm>
-          <a:prstGeom prst="rect">
-            <a:avLst/>
-          </a:prstGeom>
-        </p:spPr>
-        <p:style>
-          <a:lnRef idx="1">
-            <a:schemeClr val="accent6"/>
-          </a:lnRef>
-          <a:fillRef idx="2">
-            <a:schemeClr val="accent6"/>
-          </a:fillRef>
-          <a:effectRef idx="1">
-            <a:schemeClr val="accent6"/>
-          </a:effectRef>
-          <a:fontRef idx="minor">
-            <a:schemeClr val="dk1"/>
-          </a:fontRef>
-        </p:style>
-        <p:txBody>
-          <a:bodyPr rtlCol="0" anchor="ctr"/>
-          <a:lstStyle/>
-          <a:p>
-            <a:pPr algn="ctr"/>
-            <a:r>
-              <a:rPr lang="en-US" altLang="ja-JP" sz="1200" dirty="0" smtClean="0"/>
-              <a:t>?</a:t>
-            </a:r>
-            <a:endParaRPr kumimoji="1" lang="ja-JP" altLang="en-US" sz="1200" dirty="0"/>
-          </a:p>
-        </p:txBody>
-      </p:sp>
-      <p:cxnSp>
-        <p:nvCxnSpPr>
-          <p:cNvPr id="32" name="直線矢印コネクタ 31"/>
-          <p:cNvCxnSpPr>
-            <a:stCxn id="19" idx="3"/>
-            <a:endCxn id="14" idx="1"/>
-          </p:cNvCxnSpPr>
-          <p:nvPr/>
-        </p:nvCxnSpPr>
-        <p:spPr>
-          <a:xfrm flipV="1">
-            <a:off x="7166888" y="2607078"/>
-            <a:ext cx="548312" cy="815889"/>
-          </a:xfrm>
-          <a:prstGeom prst="straightConnector1">
-            <a:avLst/>
-          </a:prstGeom>
-          <a:ln>
-            <a:headEnd type="triangle"/>
-            <a:tailEnd type="triangle"/>
-          </a:ln>
-        </p:spPr>
-        <p:style>
-          <a:lnRef idx="1">
-            <a:schemeClr val="accent1"/>
-          </a:lnRef>
-          <a:fillRef idx="0">
-            <a:schemeClr val="accent1"/>
-          </a:fillRef>
-          <a:effectRef idx="0">
-            <a:schemeClr val="accent1"/>
-          </a:effectRef>
-          <a:fontRef idx="minor">
-            <a:schemeClr val="tx1"/>
-          </a:fontRef>
-        </p:style>
-      </p:cxnSp>
-      <p:cxnSp>
-        <p:nvCxnSpPr>
-          <p:cNvPr id="33" name="直線矢印コネクタ 32"/>
-          <p:cNvCxnSpPr>
-            <a:stCxn id="19" idx="3"/>
-            <a:endCxn id="20" idx="1"/>
-          </p:cNvCxnSpPr>
-          <p:nvPr/>
-        </p:nvCxnSpPr>
-        <p:spPr>
-          <a:xfrm>
-            <a:off x="7166888" y="3422967"/>
-            <a:ext cx="548312" cy="0"/>
-          </a:xfrm>
-          <a:prstGeom prst="straightConnector1">
-            <a:avLst/>
-          </a:prstGeom>
-          <a:ln>
-            <a:headEnd type="triangle"/>
-            <a:tailEnd type="triangle"/>
-          </a:ln>
-        </p:spPr>
-        <p:style>
-          <a:lnRef idx="1">
-            <a:schemeClr val="accent1"/>
-          </a:lnRef>
-          <a:fillRef idx="0">
-            <a:schemeClr val="accent1"/>
-          </a:fillRef>
-          <a:effectRef idx="0">
-            <a:schemeClr val="accent1"/>
-          </a:effectRef>
-          <a:fontRef idx="minor">
-            <a:schemeClr val="tx1"/>
-          </a:fontRef>
-        </p:style>
-      </p:cxnSp>
-      <p:cxnSp>
-        <p:nvCxnSpPr>
-          <p:cNvPr id="36" name="直線矢印コネクタ 35"/>
-          <p:cNvCxnSpPr>
-            <a:stCxn id="19" idx="3"/>
-            <a:endCxn id="21" idx="1"/>
-          </p:cNvCxnSpPr>
-          <p:nvPr/>
-        </p:nvCxnSpPr>
-        <p:spPr>
-          <a:xfrm>
-            <a:off x="7166888" y="3422967"/>
-            <a:ext cx="548312" cy="815889"/>
-          </a:xfrm>
-          <a:prstGeom prst="straightConnector1">
-            <a:avLst/>
-          </a:prstGeom>
-          <a:ln>
-            <a:headEnd type="triangle"/>
-            <a:tailEnd type="triangle"/>
-          </a:ln>
-        </p:spPr>
-        <p:style>
-          <a:lnRef idx="1">
-            <a:schemeClr val="accent1"/>
-          </a:lnRef>
-          <a:fillRef idx="0">
-            <a:schemeClr val="accent1"/>
-          </a:fillRef>
-          <a:effectRef idx="0">
-            <a:schemeClr val="accent1"/>
-          </a:effectRef>
-          <a:fontRef idx="minor">
-            <a:schemeClr val="tx1"/>
-          </a:fontRef>
-        </p:style>
-      </p:cxnSp>
-      <p:cxnSp>
-        <p:nvCxnSpPr>
-          <p:cNvPr id="42" name="直線矢印コネクタ 41"/>
-          <p:cNvCxnSpPr>
-            <a:stCxn id="16" idx="3"/>
-            <a:endCxn id="19" idx="1"/>
-          </p:cNvCxnSpPr>
-          <p:nvPr/>
-        </p:nvCxnSpPr>
-        <p:spPr>
-          <a:xfrm>
-            <a:off x="5627087" y="2103596"/>
-            <a:ext cx="675705" cy="1319371"/>
-          </a:xfrm>
-          <a:prstGeom prst="straightConnector1">
-            <a:avLst/>
-          </a:prstGeom>
-          <a:ln>
-            <a:headEnd type="triangle"/>
-            <a:tailEnd type="triangle"/>
-          </a:ln>
-        </p:spPr>
-        <p:style>
-          <a:lnRef idx="1">
-            <a:schemeClr val="accent1"/>
-          </a:lnRef>
-          <a:fillRef idx="0">
-            <a:schemeClr val="accent1"/>
-          </a:fillRef>
-          <a:effectRef idx="0">
-            <a:schemeClr val="accent1"/>
-          </a:effectRef>
-          <a:fontRef idx="minor">
-            <a:schemeClr val="tx1"/>
-          </a:fontRef>
-        </p:style>
-      </p:cxnSp>
-      <p:cxnSp>
-        <p:nvCxnSpPr>
-          <p:cNvPr id="45" name="直線矢印コネクタ 44"/>
-          <p:cNvCxnSpPr>
-            <a:stCxn id="24" idx="3"/>
-            <a:endCxn id="19" idx="1"/>
-          </p:cNvCxnSpPr>
-          <p:nvPr/>
-        </p:nvCxnSpPr>
-        <p:spPr>
-          <a:xfrm>
-            <a:off x="5627087" y="2773740"/>
-            <a:ext cx="675705" cy="649227"/>
-          </a:xfrm>
-          <a:prstGeom prst="straightConnector1">
-            <a:avLst/>
-          </a:prstGeom>
-          <a:ln>
-            <a:headEnd type="triangle"/>
-            <a:tailEnd type="triangle"/>
-          </a:ln>
-        </p:spPr>
-        <p:style>
-          <a:lnRef idx="1">
-            <a:schemeClr val="accent1"/>
-          </a:lnRef>
-          <a:fillRef idx="0">
-            <a:schemeClr val="accent1"/>
-          </a:fillRef>
-          <a:effectRef idx="0">
-            <a:schemeClr val="accent1"/>
-          </a:effectRef>
-          <a:fontRef idx="minor">
-            <a:schemeClr val="tx1"/>
-          </a:fontRef>
-        </p:style>
-      </p:cxnSp>
-      <p:cxnSp>
-        <p:nvCxnSpPr>
-          <p:cNvPr id="48" name="直線矢印コネクタ 47"/>
-          <p:cNvCxnSpPr>
-            <a:stCxn id="23" idx="3"/>
-            <a:endCxn id="19" idx="1"/>
-          </p:cNvCxnSpPr>
-          <p:nvPr/>
-        </p:nvCxnSpPr>
-        <p:spPr>
-          <a:xfrm flipV="1">
-            <a:off x="5627087" y="3422967"/>
-            <a:ext cx="675705" cy="377032"/>
-          </a:xfrm>
-          <a:prstGeom prst="straightConnector1">
-            <a:avLst/>
-          </a:prstGeom>
-          <a:ln>
-            <a:headEnd type="triangle"/>
-            <a:tailEnd type="triangle"/>
-          </a:ln>
-        </p:spPr>
-        <p:style>
-          <a:lnRef idx="1">
-            <a:schemeClr val="accent1"/>
-          </a:lnRef>
-          <a:fillRef idx="0">
-            <a:schemeClr val="accent1"/>
-          </a:fillRef>
-          <a:effectRef idx="0">
-            <a:schemeClr val="accent1"/>
-          </a:effectRef>
-          <a:fontRef idx="minor">
-            <a:schemeClr val="tx1"/>
-          </a:fontRef>
-        </p:style>
-      </p:cxnSp>
-      <p:cxnSp>
-        <p:nvCxnSpPr>
-          <p:cNvPr id="51" name="直線矢印コネクタ 50"/>
-          <p:cNvCxnSpPr>
-            <a:stCxn id="15" idx="3"/>
-            <a:endCxn id="19" idx="1"/>
-          </p:cNvCxnSpPr>
-          <p:nvPr/>
-        </p:nvCxnSpPr>
-        <p:spPr>
-          <a:xfrm flipV="1">
-            <a:off x="5627087" y="3422967"/>
-            <a:ext cx="675705" cy="1086734"/>
-          </a:xfrm>
-          <a:prstGeom prst="straightConnector1">
-            <a:avLst/>
-          </a:prstGeom>
-          <a:ln>
-            <a:headEnd type="triangle"/>
-            <a:tailEnd type="triangle"/>
-          </a:ln>
-        </p:spPr>
-        <p:style>
-          <a:lnRef idx="1">
-            <a:schemeClr val="accent1"/>
-          </a:lnRef>
-          <a:fillRef idx="0">
-            <a:schemeClr val="accent1"/>
-          </a:fillRef>
-          <a:effectRef idx="0">
-            <a:schemeClr val="accent1"/>
-          </a:effectRef>
-          <a:fontRef idx="minor">
-            <a:schemeClr val="tx1"/>
-          </a:fontRef>
-        </p:style>
-      </p:cxnSp>
-      <p:cxnSp>
-        <p:nvCxnSpPr>
-          <p:cNvPr id="54" name="直線矢印コネクタ 53"/>
-          <p:cNvCxnSpPr>
-            <a:stCxn id="13" idx="3"/>
-            <a:endCxn id="19" idx="1"/>
-          </p:cNvCxnSpPr>
-          <p:nvPr/>
-        </p:nvCxnSpPr>
-        <p:spPr>
-          <a:xfrm flipV="1">
-            <a:off x="5627087" y="3422967"/>
-            <a:ext cx="675705" cy="1913781"/>
-          </a:xfrm>
-          <a:prstGeom prst="straightConnector1">
-            <a:avLst/>
-          </a:prstGeom>
-          <a:ln>
-            <a:headEnd type="triangle"/>
-            <a:tailEnd type="triangle"/>
-          </a:ln>
-        </p:spPr>
-        <p:style>
-          <a:lnRef idx="1">
-            <a:schemeClr val="accent1"/>
-          </a:lnRef>
-          <a:fillRef idx="0">
-            <a:schemeClr val="accent1"/>
-          </a:fillRef>
-          <a:effectRef idx="0">
-            <a:schemeClr val="accent1"/>
-          </a:effectRef>
-          <a:fontRef idx="minor">
-            <a:schemeClr val="tx1"/>
-          </a:fontRef>
-        </p:style>
-      </p:cxnSp>
-      <p:cxnSp>
-        <p:nvCxnSpPr>
-          <p:cNvPr id="57" name="直線矢印コネクタ 56"/>
-          <p:cNvCxnSpPr>
-            <a:stCxn id="22" idx="3"/>
-            <a:endCxn id="19" idx="1"/>
-          </p:cNvCxnSpPr>
-          <p:nvPr/>
-        </p:nvCxnSpPr>
-        <p:spPr>
-          <a:xfrm flipV="1">
-            <a:off x="5627086" y="3422967"/>
-            <a:ext cx="675706" cy="2584632"/>
-          </a:xfrm>
-          <a:prstGeom prst="straightConnector1">
-            <a:avLst/>
-          </a:prstGeom>
-          <a:ln>
-            <a:headEnd type="triangle"/>
-            <a:tailEnd type="triangle"/>
-          </a:ln>
-        </p:spPr>
-        <p:style>
-          <a:lnRef idx="1">
-            <a:schemeClr val="accent1"/>
-          </a:lnRef>
-          <a:fillRef idx="0">
-            <a:schemeClr val="accent1"/>
-          </a:fillRef>
-          <a:effectRef idx="0">
-            <a:schemeClr val="accent1"/>
-          </a:effectRef>
-          <a:fontRef idx="minor">
-            <a:schemeClr val="tx1"/>
-          </a:fontRef>
-        </p:style>
-      </p:cxnSp>
-      <p:sp>
-        <p:nvSpPr>
-          <p:cNvPr id="60" name="正方形/長方形 59"/>
-          <p:cNvSpPr/>
-          <p:nvPr/>
-        </p:nvSpPr>
-        <p:spPr>
-          <a:xfrm>
-            <a:off x="323528" y="3188401"/>
-            <a:ext cx="864096" cy="503648"/>
-          </a:xfrm>
-          <a:prstGeom prst="rect">
-            <a:avLst/>
-          </a:prstGeom>
-        </p:spPr>
-        <p:style>
-          <a:lnRef idx="1">
-            <a:schemeClr val="accent6"/>
-          </a:lnRef>
-          <a:fillRef idx="2">
-            <a:schemeClr val="accent6"/>
-          </a:fillRef>
-          <a:effectRef idx="1">
-            <a:schemeClr val="accent6"/>
-          </a:effectRef>
-          <a:fontRef idx="minor">
-            <a:schemeClr val="dk1"/>
-          </a:fontRef>
-        </p:style>
-        <p:txBody>
-          <a:bodyPr rtlCol="0" anchor="ctr"/>
-          <a:lstStyle/>
-          <a:p>
-            <a:pPr algn="ctr"/>
-            <a:r>
-              <a:rPr lang="en-US" altLang="ja-JP" sz="1200" dirty="0" smtClean="0"/>
-              <a:t>MQTT</a:t>
-            </a:r>
-          </a:p>
-          <a:p>
-            <a:pPr algn="ctr"/>
-            <a:r>
-              <a:rPr kumimoji="1" lang="en-US" altLang="ja-JP" sz="1200" dirty="0" smtClean="0"/>
-              <a:t>Broker</a:t>
-            </a:r>
-            <a:endParaRPr kumimoji="1" lang="ja-JP" altLang="en-US" sz="1200" dirty="0"/>
-          </a:p>
-        </p:txBody>
-      </p:sp>
-      <p:cxnSp>
-        <p:nvCxnSpPr>
-          <p:cNvPr id="62" name="直線矢印コネクタ 61"/>
-          <p:cNvCxnSpPr>
-            <a:stCxn id="27" idx="3"/>
-            <a:endCxn id="16" idx="1"/>
-          </p:cNvCxnSpPr>
-          <p:nvPr/>
-        </p:nvCxnSpPr>
-        <p:spPr>
-          <a:xfrm flipV="1">
-            <a:off x="4034854" y="2103596"/>
-            <a:ext cx="639506" cy="344083"/>
-          </a:xfrm>
-          <a:prstGeom prst="straightConnector1">
-            <a:avLst/>
-          </a:prstGeom>
-          <a:ln>
-            <a:headEnd type="triangle"/>
-            <a:tailEnd type="triangle"/>
-          </a:ln>
-        </p:spPr>
-        <p:style>
-          <a:lnRef idx="1">
-            <a:schemeClr val="accent1"/>
-          </a:lnRef>
-          <a:fillRef idx="0">
-            <a:schemeClr val="accent1"/>
-          </a:fillRef>
-          <a:effectRef idx="0">
-            <a:schemeClr val="accent1"/>
-          </a:effectRef>
-          <a:fontRef idx="minor">
-            <a:schemeClr val="tx1"/>
-          </a:fontRef>
-        </p:style>
-      </p:cxnSp>
-      <p:cxnSp>
-        <p:nvCxnSpPr>
-          <p:cNvPr id="65" name="直線矢印コネクタ 64"/>
-          <p:cNvCxnSpPr>
-            <a:stCxn id="27" idx="3"/>
-            <a:endCxn id="24" idx="1"/>
-          </p:cNvCxnSpPr>
-          <p:nvPr/>
-        </p:nvCxnSpPr>
-        <p:spPr>
-          <a:xfrm>
-            <a:off x="4034854" y="2447679"/>
-            <a:ext cx="639506" cy="326061"/>
-          </a:xfrm>
-          <a:prstGeom prst="straightConnector1">
-            <a:avLst/>
-          </a:prstGeom>
-          <a:ln>
-            <a:headEnd type="triangle"/>
-            <a:tailEnd type="triangle"/>
-          </a:ln>
-        </p:spPr>
-        <p:style>
-          <a:lnRef idx="1">
-            <a:schemeClr val="accent1"/>
-          </a:lnRef>
-          <a:fillRef idx="0">
-            <a:schemeClr val="accent1"/>
-          </a:fillRef>
-          <a:effectRef idx="0">
-            <a:schemeClr val="accent1"/>
-          </a:effectRef>
-          <a:fontRef idx="minor">
-            <a:schemeClr val="tx1"/>
-          </a:fontRef>
-        </p:style>
-      </p:cxnSp>
-      <p:cxnSp>
-        <p:nvCxnSpPr>
-          <p:cNvPr id="68" name="直線矢印コネクタ 67"/>
-          <p:cNvCxnSpPr>
-            <a:stCxn id="26" idx="3"/>
-            <a:endCxn id="23" idx="1"/>
-          </p:cNvCxnSpPr>
-          <p:nvPr/>
-        </p:nvCxnSpPr>
-        <p:spPr>
-          <a:xfrm flipV="1">
-            <a:off x="4034854" y="3799999"/>
-            <a:ext cx="651193" cy="387842"/>
-          </a:xfrm>
-          <a:prstGeom prst="straightConnector1">
-            <a:avLst/>
-          </a:prstGeom>
-          <a:ln>
-            <a:headEnd type="triangle"/>
-            <a:tailEnd type="triangle"/>
-          </a:ln>
-        </p:spPr>
-        <p:style>
-          <a:lnRef idx="1">
-            <a:schemeClr val="accent1"/>
-          </a:lnRef>
-          <a:fillRef idx="0">
-            <a:schemeClr val="accent1"/>
-          </a:fillRef>
-          <a:effectRef idx="0">
-            <a:schemeClr val="accent1"/>
-          </a:effectRef>
-          <a:fontRef idx="minor">
-            <a:schemeClr val="tx1"/>
-          </a:fontRef>
-        </p:style>
-      </p:cxnSp>
-      <p:cxnSp>
-        <p:nvCxnSpPr>
-          <p:cNvPr id="71" name="直線矢印コネクタ 70"/>
-          <p:cNvCxnSpPr>
-            <a:endCxn id="15" idx="1"/>
-          </p:cNvCxnSpPr>
-          <p:nvPr/>
-        </p:nvCxnSpPr>
-        <p:spPr>
-          <a:xfrm>
-            <a:off x="4034853" y="4187841"/>
-            <a:ext cx="651194" cy="321860"/>
-          </a:xfrm>
-          <a:prstGeom prst="straightConnector1">
-            <a:avLst/>
-          </a:prstGeom>
-          <a:ln>
-            <a:headEnd type="triangle"/>
-            <a:tailEnd type="triangle"/>
-          </a:ln>
-        </p:spPr>
-        <p:style>
-          <a:lnRef idx="1">
-            <a:schemeClr val="accent1"/>
-          </a:lnRef>
-          <a:fillRef idx="0">
-            <a:schemeClr val="accent1"/>
-          </a:fillRef>
-          <a:effectRef idx="0">
-            <a:schemeClr val="accent1"/>
-          </a:effectRef>
-          <a:fontRef idx="minor">
-            <a:schemeClr val="tx1"/>
-          </a:fontRef>
-        </p:style>
-      </p:cxnSp>
-      <p:cxnSp>
-        <p:nvCxnSpPr>
-          <p:cNvPr id="74" name="直線矢印コネクタ 73"/>
-          <p:cNvCxnSpPr>
-            <a:stCxn id="25" idx="3"/>
-            <a:endCxn id="13" idx="1"/>
-          </p:cNvCxnSpPr>
-          <p:nvPr/>
-        </p:nvCxnSpPr>
-        <p:spPr>
-          <a:xfrm flipV="1">
-            <a:off x="4034854" y="5336748"/>
-            <a:ext cx="639506" cy="252028"/>
-          </a:xfrm>
-          <a:prstGeom prst="straightConnector1">
-            <a:avLst/>
-          </a:prstGeom>
-          <a:ln>
-            <a:headEnd type="triangle"/>
-            <a:tailEnd type="triangle"/>
-          </a:ln>
-        </p:spPr>
-        <p:style>
-          <a:lnRef idx="1">
-            <a:schemeClr val="accent1"/>
-          </a:lnRef>
-          <a:fillRef idx="0">
-            <a:schemeClr val="accent1"/>
-          </a:fillRef>
-          <a:effectRef idx="0">
-            <a:schemeClr val="accent1"/>
-          </a:effectRef>
-          <a:fontRef idx="minor">
-            <a:schemeClr val="tx1"/>
-          </a:fontRef>
-        </p:style>
-      </p:cxnSp>
-      <p:cxnSp>
-        <p:nvCxnSpPr>
-          <p:cNvPr id="78" name="直線矢印コネクタ 77"/>
-          <p:cNvCxnSpPr>
-            <a:stCxn id="25" idx="3"/>
-            <a:endCxn id="22" idx="1"/>
-          </p:cNvCxnSpPr>
-          <p:nvPr/>
-        </p:nvCxnSpPr>
-        <p:spPr>
-          <a:xfrm>
-            <a:off x="4034854" y="5588776"/>
-            <a:ext cx="639505" cy="418823"/>
-          </a:xfrm>
-          <a:prstGeom prst="straightConnector1">
-            <a:avLst/>
-          </a:prstGeom>
-          <a:ln>
-            <a:headEnd type="triangle"/>
-            <a:tailEnd type="triangle"/>
-          </a:ln>
-        </p:spPr>
-        <p:style>
-          <a:lnRef idx="1">
-            <a:schemeClr val="accent1"/>
-          </a:lnRef>
-          <a:fillRef idx="0">
-            <a:schemeClr val="accent1"/>
-          </a:fillRef>
-          <a:effectRef idx="0">
-            <a:schemeClr val="accent1"/>
-          </a:effectRef>
-          <a:fontRef idx="minor">
-            <a:schemeClr val="tx1"/>
-          </a:fontRef>
-        </p:style>
-      </p:cxnSp>
-      <p:sp>
-        <p:nvSpPr>
-          <p:cNvPr id="99" name="正方形/長方形 98"/>
-          <p:cNvSpPr/>
-          <p:nvPr/>
-        </p:nvSpPr>
-        <p:spPr>
-          <a:xfrm>
-            <a:off x="1671957" y="3887398"/>
-            <a:ext cx="952727" cy="600885"/>
-          </a:xfrm>
-          <a:prstGeom prst="rect">
-            <a:avLst/>
-          </a:prstGeom>
-        </p:spPr>
-        <p:style>
-          <a:lnRef idx="1">
-            <a:schemeClr val="accent1"/>
-          </a:lnRef>
-          <a:fillRef idx="2">
-            <a:schemeClr val="accent1"/>
-          </a:fillRef>
-          <a:effectRef idx="1">
-            <a:schemeClr val="accent1"/>
-          </a:effectRef>
-          <a:fontRef idx="minor">
-            <a:schemeClr val="dk1"/>
-          </a:fontRef>
-        </p:style>
-        <p:txBody>
-          <a:bodyPr rtlCol="0" anchor="ctr"/>
-          <a:lstStyle/>
-          <a:p>
-            <a:pPr algn="ctr"/>
-            <a:r>
-              <a:rPr lang="en-US" altLang="ja-JP" sz="1200" dirty="0" smtClean="0"/>
-              <a:t>Data Collector</a:t>
-            </a:r>
-          </a:p>
-        </p:txBody>
-      </p:sp>
-      <p:sp>
-        <p:nvSpPr>
-          <p:cNvPr id="100" name="正方形/長方形 99"/>
-          <p:cNvSpPr/>
-          <p:nvPr/>
-        </p:nvSpPr>
-        <p:spPr>
-          <a:xfrm>
-            <a:off x="1666937" y="2147236"/>
-            <a:ext cx="952727" cy="600885"/>
-          </a:xfrm>
-          <a:prstGeom prst="rect">
-            <a:avLst/>
-          </a:prstGeom>
-        </p:spPr>
-        <p:style>
-          <a:lnRef idx="1">
-            <a:schemeClr val="accent1"/>
-          </a:lnRef>
-          <a:fillRef idx="2">
-            <a:schemeClr val="accent1"/>
-          </a:fillRef>
-          <a:effectRef idx="1">
-            <a:schemeClr val="accent1"/>
-          </a:effectRef>
-          <a:fontRef idx="minor">
-            <a:schemeClr val="dk1"/>
-          </a:fontRef>
-        </p:style>
-        <p:txBody>
-          <a:bodyPr rtlCol="0" anchor="ctr"/>
-          <a:lstStyle/>
-          <a:p>
-            <a:pPr algn="ctr"/>
-            <a:r>
-              <a:rPr lang="en-US" altLang="ja-JP" sz="1200" dirty="0" smtClean="0"/>
-              <a:t>Data Collector</a:t>
-            </a:r>
-          </a:p>
-        </p:txBody>
-      </p:sp>
-      <p:sp>
-        <p:nvSpPr>
-          <p:cNvPr id="101" name="正方形/長方形 100"/>
-          <p:cNvSpPr/>
-          <p:nvPr/>
-        </p:nvSpPr>
-        <p:spPr>
-          <a:xfrm>
-            <a:off x="1666936" y="5288333"/>
-            <a:ext cx="952727" cy="600885"/>
-          </a:xfrm>
-          <a:prstGeom prst="rect">
-            <a:avLst/>
-          </a:prstGeom>
-        </p:spPr>
-        <p:style>
-          <a:lnRef idx="1">
-            <a:schemeClr val="accent1"/>
-          </a:lnRef>
-          <a:fillRef idx="2">
-            <a:schemeClr val="accent1"/>
-          </a:fillRef>
-          <a:effectRef idx="1">
-            <a:schemeClr val="accent1"/>
-          </a:effectRef>
-          <a:fontRef idx="minor">
-            <a:schemeClr val="dk1"/>
-          </a:fontRef>
-        </p:style>
-        <p:txBody>
-          <a:bodyPr rtlCol="0" anchor="ctr"/>
-          <a:lstStyle/>
-          <a:p>
-            <a:pPr algn="ctr"/>
-            <a:r>
-              <a:rPr lang="en-US" altLang="ja-JP" sz="1200" dirty="0" smtClean="0"/>
-              <a:t>Data Collector</a:t>
-            </a:r>
-          </a:p>
-        </p:txBody>
-      </p:sp>
-      <p:cxnSp>
-        <p:nvCxnSpPr>
-          <p:cNvPr id="104" name="直線矢印コネクタ 103"/>
-          <p:cNvCxnSpPr>
-            <a:stCxn id="100" idx="3"/>
-            <a:endCxn id="27" idx="1"/>
-          </p:cNvCxnSpPr>
-          <p:nvPr/>
-        </p:nvCxnSpPr>
-        <p:spPr>
-          <a:xfrm>
-            <a:off x="2619664" y="2447679"/>
-            <a:ext cx="551094" cy="0"/>
-          </a:xfrm>
-          <a:prstGeom prst="straightConnector1">
-            <a:avLst/>
-          </a:prstGeom>
-          <a:ln>
-            <a:tailEnd type="triangle"/>
-          </a:ln>
-        </p:spPr>
-        <p:style>
-          <a:lnRef idx="1">
-            <a:schemeClr val="accent1"/>
-          </a:lnRef>
-          <a:fillRef idx="0">
-            <a:schemeClr val="accent1"/>
-          </a:fillRef>
-          <a:effectRef idx="0">
-            <a:schemeClr val="accent1"/>
-          </a:effectRef>
-          <a:fontRef idx="minor">
-            <a:schemeClr val="tx1"/>
-          </a:fontRef>
-        </p:style>
-      </p:cxnSp>
-      <p:cxnSp>
-        <p:nvCxnSpPr>
-          <p:cNvPr id="105" name="直線矢印コネクタ 104"/>
-          <p:cNvCxnSpPr>
-            <a:stCxn id="99" idx="3"/>
-            <a:endCxn id="26" idx="1"/>
-          </p:cNvCxnSpPr>
-          <p:nvPr/>
-        </p:nvCxnSpPr>
-        <p:spPr>
-          <a:xfrm>
-            <a:off x="2624684" y="4187841"/>
-            <a:ext cx="546074" cy="0"/>
-          </a:xfrm>
-          <a:prstGeom prst="straightConnector1">
-            <a:avLst/>
-          </a:prstGeom>
-          <a:ln>
-            <a:tailEnd type="triangle"/>
-          </a:ln>
-        </p:spPr>
-        <p:style>
-          <a:lnRef idx="1">
-            <a:schemeClr val="accent1"/>
-          </a:lnRef>
-          <a:fillRef idx="0">
-            <a:schemeClr val="accent1"/>
-          </a:fillRef>
-          <a:effectRef idx="0">
-            <a:schemeClr val="accent1"/>
-          </a:effectRef>
-          <a:fontRef idx="minor">
-            <a:schemeClr val="tx1"/>
-          </a:fontRef>
-        </p:style>
-      </p:cxnSp>
-      <p:cxnSp>
-        <p:nvCxnSpPr>
-          <p:cNvPr id="108" name="直線矢印コネクタ 107"/>
-          <p:cNvCxnSpPr>
-            <a:stCxn id="101" idx="3"/>
-            <a:endCxn id="25" idx="1"/>
-          </p:cNvCxnSpPr>
-          <p:nvPr/>
-        </p:nvCxnSpPr>
-        <p:spPr>
-          <a:xfrm>
-            <a:off x="2619663" y="5588776"/>
-            <a:ext cx="551095" cy="0"/>
-          </a:xfrm>
-          <a:prstGeom prst="straightConnector1">
-            <a:avLst/>
-          </a:prstGeom>
-          <a:ln>
-            <a:tailEnd type="triangle"/>
-          </a:ln>
-        </p:spPr>
-        <p:style>
-          <a:lnRef idx="1">
-            <a:schemeClr val="accent1"/>
-          </a:lnRef>
-          <a:fillRef idx="0">
-            <a:schemeClr val="accent1"/>
-          </a:fillRef>
-          <a:effectRef idx="0">
-            <a:schemeClr val="accent1"/>
-          </a:effectRef>
-          <a:fontRef idx="minor">
-            <a:schemeClr val="tx1"/>
-          </a:fontRef>
-        </p:style>
-      </p:cxnSp>
-      <p:cxnSp>
-        <p:nvCxnSpPr>
-          <p:cNvPr id="111" name="直線矢印コネクタ 110"/>
-          <p:cNvCxnSpPr>
-            <a:stCxn id="60" idx="3"/>
-            <a:endCxn id="100" idx="1"/>
-          </p:cNvCxnSpPr>
-          <p:nvPr/>
-        </p:nvCxnSpPr>
-        <p:spPr>
-          <a:xfrm flipV="1">
-            <a:off x="1187624" y="2447679"/>
-            <a:ext cx="479313" cy="992546"/>
-          </a:xfrm>
-          <a:prstGeom prst="straightConnector1">
-            <a:avLst/>
-          </a:prstGeom>
-          <a:ln>
-            <a:tailEnd type="triangle"/>
-          </a:ln>
-        </p:spPr>
-        <p:style>
-          <a:lnRef idx="1">
-            <a:schemeClr val="accent1"/>
-          </a:lnRef>
-          <a:fillRef idx="0">
-            <a:schemeClr val="accent1"/>
-          </a:fillRef>
-          <a:effectRef idx="0">
-            <a:schemeClr val="accent1"/>
-          </a:effectRef>
-          <a:fontRef idx="minor">
-            <a:schemeClr val="tx1"/>
-          </a:fontRef>
-        </p:style>
-      </p:cxnSp>
-      <p:cxnSp>
-        <p:nvCxnSpPr>
-          <p:cNvPr id="114" name="直線矢印コネクタ 113"/>
-          <p:cNvCxnSpPr>
-            <a:stCxn id="60" idx="3"/>
-            <a:endCxn id="99" idx="1"/>
-          </p:cNvCxnSpPr>
-          <p:nvPr/>
-        </p:nvCxnSpPr>
-        <p:spPr>
-          <a:xfrm>
-            <a:off x="1187624" y="3440225"/>
-            <a:ext cx="484333" cy="747616"/>
-          </a:xfrm>
-          <a:prstGeom prst="straightConnector1">
-            <a:avLst/>
-          </a:prstGeom>
-          <a:ln>
-            <a:tailEnd type="triangle"/>
-          </a:ln>
-        </p:spPr>
-        <p:style>
-          <a:lnRef idx="1">
-            <a:schemeClr val="accent1"/>
-          </a:lnRef>
-          <a:fillRef idx="0">
-            <a:schemeClr val="accent1"/>
-          </a:fillRef>
-          <a:effectRef idx="0">
-            <a:schemeClr val="accent1"/>
-          </a:effectRef>
-          <a:fontRef idx="minor">
-            <a:schemeClr val="tx1"/>
-          </a:fontRef>
-        </p:style>
-      </p:cxnSp>
-      <p:cxnSp>
-        <p:nvCxnSpPr>
-          <p:cNvPr id="117" name="直線矢印コネクタ 116"/>
-          <p:cNvCxnSpPr>
-            <a:stCxn id="60" idx="3"/>
-            <a:endCxn id="101" idx="1"/>
-          </p:cNvCxnSpPr>
-          <p:nvPr/>
-        </p:nvCxnSpPr>
-        <p:spPr>
-          <a:xfrm>
-            <a:off x="1187624" y="3440225"/>
-            <a:ext cx="479312" cy="2148551"/>
-          </a:xfrm>
-          <a:prstGeom prst="straightConnector1">
-            <a:avLst/>
-          </a:prstGeom>
-          <a:ln>
-            <a:tailEnd type="triangle"/>
-          </a:ln>
-        </p:spPr>
-        <p:style>
-          <a:lnRef idx="1">
-            <a:schemeClr val="accent1"/>
-          </a:lnRef>
-          <a:fillRef idx="0">
-            <a:schemeClr val="accent1"/>
-          </a:fillRef>
-          <a:effectRef idx="0">
-            <a:schemeClr val="accent1"/>
-          </a:effectRef>
-          <a:fontRef idx="minor">
-            <a:schemeClr val="tx1"/>
-          </a:fontRef>
-        </p:style>
-      </p:cxnSp>
     </p:spTree>
     <p:extLst>
       <p:ext uri="{BB962C8B-B14F-4D97-AF65-F5344CB8AC3E}">
@@ -9754,17 +8219,36 @@
           <a:lstStyle/>
           <a:p>
             <a:r>
+              <a:rPr lang="en-US" altLang="ja-JP" dirty="0" smtClean="0"/>
+              <a:t>Ruby</a:t>
+            </a:r>
+            <a:r>
+              <a:rPr lang="ja-JP" altLang="en-US" dirty="0" smtClean="0"/>
+              <a:t>に足りないとこ</a:t>
+            </a:r>
+            <a:r>
               <a:rPr lang="ja-JP" altLang="en-US" dirty="0"/>
-              <a:t>今後</a:t>
-            </a:r>
-            <a:r>
-              <a:rPr lang="ja-JP" altLang="en-US" dirty="0" smtClean="0"/>
-              <a:t>の</a:t>
-            </a:r>
-            <a:r>
-              <a:rPr lang="ja-JP" altLang="en-US" dirty="0"/>
-              <a:t>展望</a:t>
-            </a:r>
+              <a:t>ろ</a:t>
+            </a:r>
+            <a:endParaRPr kumimoji="1" lang="ja-JP" altLang="en-US" dirty="0"/>
+          </a:p>
+        </p:txBody>
+      </p:sp>
+      <p:sp>
+        <p:nvSpPr>
+          <p:cNvPr id="3" name="コンテンツ プレースホルダー 2"/>
+          <p:cNvSpPr>
+            <a:spLocks noGrp="1"/>
+          </p:cNvSpPr>
+          <p:nvPr>
+            <p:ph idx="1"/>
+          </p:nvPr>
+        </p:nvSpPr>
+        <p:spPr/>
+        <p:txBody>
+          <a:bodyPr/>
+          <a:lstStyle/>
+          <a:p>
             <a:endParaRPr kumimoji="1" lang="ja-JP" altLang="en-US" dirty="0"/>
           </a:p>
         </p:txBody>
@@ -9795,7 +8279,7 @@
     </p:spTree>
     <p:extLst>
       <p:ext uri="{BB962C8B-B14F-4D97-AF65-F5344CB8AC3E}">
-        <p14:creationId xmlns:p14="http://schemas.microsoft.com/office/powerpoint/2010/main" val="811270252"/>
+        <p14:creationId xmlns:p14="http://schemas.microsoft.com/office/powerpoint/2010/main" val="1140151568"/>
       </p:ext>
     </p:extLst>
   </p:cSld>
@@ -9845,32 +8329,17 @@
           <a:lstStyle/>
           <a:p>
             <a:r>
-              <a:rPr kumimoji="1" lang="en-US" altLang="ja-JP" dirty="0" smtClean="0"/>
-              <a:t>Ruby</a:t>
-            </a:r>
-            <a:r>
-              <a:rPr kumimoji="1" lang="ja-JP" altLang="en-US" dirty="0" smtClean="0"/>
-              <a:t>の強み</a:t>
-            </a:r>
-            <a:endParaRPr kumimoji="1" lang="ja-JP" altLang="en-US" dirty="0"/>
-          </a:p>
-        </p:txBody>
-      </p:sp>
-      <p:sp>
-        <p:nvSpPr>
-          <p:cNvPr id="6" name="コンテンツ プレースホルダー 5"/>
-          <p:cNvSpPr>
-            <a:spLocks noGrp="1"/>
-          </p:cNvSpPr>
-          <p:nvPr>
-            <p:ph idx="1"/>
-          </p:nvPr>
-        </p:nvSpPr>
-        <p:spPr/>
-        <p:txBody>
-          <a:bodyPr/>
-          <a:lstStyle/>
-          <a:p>
+              <a:rPr lang="ja-JP" altLang="en-US" dirty="0"/>
+              <a:t>今後</a:t>
+            </a:r>
+            <a:r>
+              <a:rPr lang="ja-JP" altLang="en-US" dirty="0" smtClean="0"/>
+              <a:t>の</a:t>
+            </a:r>
+            <a:r>
+              <a:rPr lang="ja-JP" altLang="en-US" dirty="0"/>
+              <a:t>展望</a:t>
+            </a:r>
             <a:endParaRPr kumimoji="1" lang="ja-JP" altLang="en-US" dirty="0"/>
           </a:p>
         </p:txBody>
@@ -9901,7 +8370,7 @@
     </p:spTree>
     <p:extLst>
       <p:ext uri="{BB962C8B-B14F-4D97-AF65-F5344CB8AC3E}">
-        <p14:creationId xmlns:p14="http://schemas.microsoft.com/office/powerpoint/2010/main" val="755202562"/>
+        <p14:creationId xmlns:p14="http://schemas.microsoft.com/office/powerpoint/2010/main" val="811270252"/>
       </p:ext>
     </p:extLst>
   </p:cSld>
@@ -9951,8 +8420,8 @@
           <a:lstStyle/>
           <a:p>
             <a:r>
-              <a:rPr lang="en-US" altLang="ja-JP" dirty="0" smtClean="0"/>
-              <a:t>DSL</a:t>
+              <a:rPr lang="ja-JP" altLang="en-US" dirty="0" smtClean="0"/>
+              <a:t>機能の拡充</a:t>
             </a:r>
             <a:endParaRPr kumimoji="1" lang="ja-JP" altLang="en-US" dirty="0"/>
           </a:p>
@@ -10003,7 +8472,7 @@
     </p:spTree>
     <p:extLst>
       <p:ext uri="{BB962C8B-B14F-4D97-AF65-F5344CB8AC3E}">
-        <p14:creationId xmlns:p14="http://schemas.microsoft.com/office/powerpoint/2010/main" val="3539118332"/>
+        <p14:creationId xmlns:p14="http://schemas.microsoft.com/office/powerpoint/2010/main" val="565505173"/>
       </p:ext>
     </p:extLst>
   </p:cSld>
@@ -10053,82 +8522,14 @@
           <a:lstStyle/>
           <a:p>
             <a:r>
-              <a:rPr kumimoji="1" lang="ja-JP" altLang="en-US" dirty="0" smtClean="0"/>
-              <a:t>データ解析</a:t>
+              <a:rPr lang="ja-JP" altLang="en-US" dirty="0" smtClean="0"/>
+              <a:t>具体</a:t>
+            </a:r>
+            <a:r>
+              <a:rPr lang="ja-JP" altLang="en-US" dirty="0"/>
+              <a:t>例</a:t>
             </a:r>
             <a:endParaRPr kumimoji="1" lang="ja-JP" altLang="en-US" dirty="0"/>
-          </a:p>
-        </p:txBody>
-      </p:sp>
-      <p:sp>
-        <p:nvSpPr>
-          <p:cNvPr id="3" name="コンテンツ プレースホルダー 2"/>
-          <p:cNvSpPr>
-            <a:spLocks noGrp="1"/>
-          </p:cNvSpPr>
-          <p:nvPr>
-            <p:ph idx="1"/>
-          </p:nvPr>
-        </p:nvSpPr>
-        <p:spPr/>
-        <p:txBody>
-          <a:bodyPr/>
-          <a:lstStyle/>
-          <a:p>
-            <a:r>
-              <a:rPr kumimoji="1" lang="en-US" altLang="ja-JP" dirty="0" smtClean="0"/>
-              <a:t>Data Analysis</a:t>
-            </a:r>
-          </a:p>
-          <a:p>
-            <a:endParaRPr lang="en-US" altLang="ja-JP" dirty="0"/>
-          </a:p>
-          <a:p>
-            <a:endParaRPr kumimoji="1" lang="en-US" altLang="ja-JP" dirty="0" smtClean="0"/>
-          </a:p>
-          <a:p>
-            <a:endParaRPr lang="en-US" altLang="ja-JP" dirty="0"/>
-          </a:p>
-          <a:p>
-            <a:endParaRPr kumimoji="1" lang="en-US" altLang="ja-JP" dirty="0" smtClean="0"/>
-          </a:p>
-          <a:p>
-            <a:r>
-              <a:rPr lang="ja-JP" altLang="en-US" dirty="0" smtClean="0"/>
-              <a:t>目的</a:t>
-            </a:r>
-            <a:endParaRPr lang="en-US" altLang="ja-JP" dirty="0" smtClean="0"/>
-          </a:p>
-          <a:p>
-            <a:pPr lvl="1"/>
-            <a:r>
-              <a:rPr lang="ja-JP" altLang="en-US" dirty="0"/>
-              <a:t>有用</a:t>
-            </a:r>
-            <a:r>
-              <a:rPr lang="ja-JP" altLang="en-US" dirty="0" smtClean="0"/>
-              <a:t>な情報の発見、結論の提案、意思決定の支援</a:t>
-            </a:r>
-            <a:endParaRPr lang="en-US" altLang="ja-JP" dirty="0" smtClean="0"/>
-          </a:p>
-          <a:p>
-            <a:r>
-              <a:rPr lang="ja-JP" altLang="en-US" dirty="0" smtClean="0"/>
-              <a:t>手段</a:t>
-            </a:r>
-            <a:endParaRPr lang="en-US" altLang="ja-JP" dirty="0" smtClean="0"/>
-          </a:p>
-          <a:p>
-            <a:pPr lvl="1"/>
-            <a:r>
-              <a:rPr lang="ja-JP" altLang="en-US" dirty="0" smtClean="0"/>
-              <a:t>データの検査、クリーニング、変換、モデル化</a:t>
-            </a:r>
-            <a:endParaRPr lang="en-US" altLang="ja-JP" dirty="0" smtClean="0"/>
-          </a:p>
-          <a:p>
-            <a:pPr lvl="1"/>
-            <a:endParaRPr lang="en-US" altLang="ja-JP" dirty="0"/>
           </a:p>
         </p:txBody>
       </p:sp>
@@ -10155,86 +8556,10 @@
           </a:p>
         </p:txBody>
       </p:sp>
-      <p:sp>
-        <p:nvSpPr>
-          <p:cNvPr id="5" name="正方形/長方形 4"/>
-          <p:cNvSpPr/>
-          <p:nvPr/>
-        </p:nvSpPr>
-        <p:spPr>
-          <a:xfrm>
-            <a:off x="643144" y="2204864"/>
-            <a:ext cx="7560839" cy="1080120"/>
-          </a:xfrm>
-          <a:prstGeom prst="rect">
-            <a:avLst/>
-          </a:prstGeom>
-          <a:solidFill>
-            <a:schemeClr val="tx2">
-              <a:lumMod val="20000"/>
-              <a:lumOff val="80000"/>
-            </a:schemeClr>
-          </a:solidFill>
-          <a:ln>
-            <a:solidFill>
-              <a:schemeClr val="tx2">
-                <a:lumMod val="40000"/>
-                <a:lumOff val="60000"/>
-              </a:schemeClr>
-            </a:solidFill>
-          </a:ln>
-        </p:spPr>
-        <p:style>
-          <a:lnRef idx="1">
-            <a:schemeClr val="dk1"/>
-          </a:lnRef>
-          <a:fillRef idx="2">
-            <a:schemeClr val="dk1"/>
-          </a:fillRef>
-          <a:effectRef idx="1">
-            <a:schemeClr val="dk1"/>
-          </a:effectRef>
-          <a:fontRef idx="minor">
-            <a:schemeClr val="dk1"/>
-          </a:fontRef>
-        </p:style>
-        <p:txBody>
-          <a:bodyPr rtlCol="0" anchor="t"/>
-          <a:lstStyle/>
-          <a:p>
-            <a:r>
-              <a:rPr lang="en-US" altLang="ja-JP" dirty="0"/>
-              <a:t>Analysis of data is a process of inspecting, cleaning, transforming, and modeling data with the goal of discovering useful information, suggesting conclusions, and supporting decision-making</a:t>
-            </a:r>
-            <a:r>
-              <a:rPr lang="en-US" altLang="ja-JP" dirty="0" smtClean="0"/>
-              <a:t>.</a:t>
-            </a:r>
-          </a:p>
-          <a:p>
-            <a:endParaRPr lang="en-US" altLang="ja-JP" dirty="0" smtClean="0"/>
-          </a:p>
-          <a:p>
-            <a:pPr algn="r"/>
-            <a:r>
-              <a:rPr lang="en-US" altLang="ja-JP" dirty="0" smtClean="0"/>
-              <a:t>Data analysis</a:t>
-            </a:r>
-          </a:p>
-          <a:p>
-            <a:pPr algn="r"/>
-            <a:r>
-              <a:rPr lang="en-US" altLang="ja-JP" dirty="0"/>
-              <a:t>https://en.wikipedia.org/wiki/Data_analysis</a:t>
-            </a:r>
-            <a:endParaRPr lang="ja-JP" altLang="en-US" dirty="0"/>
-          </a:p>
-        </p:txBody>
-      </p:sp>
     </p:spTree>
     <p:extLst>
       <p:ext uri="{BB962C8B-B14F-4D97-AF65-F5344CB8AC3E}">
-        <p14:creationId xmlns:p14="http://schemas.microsoft.com/office/powerpoint/2010/main" val="396051899"/>
+        <p14:creationId xmlns:p14="http://schemas.microsoft.com/office/powerpoint/2010/main" val="3018777172"/>
       </p:ext>
     </p:extLst>
   </p:cSld>
@@ -10284,12 +8609,12 @@
           <a:lstStyle/>
           <a:p>
             <a:r>
-              <a:rPr lang="ja-JP" altLang="en-US" dirty="0"/>
-              <a:t>計算</a:t>
+              <a:rPr lang="en-US" altLang="ja-JP" dirty="0" smtClean="0"/>
+              <a:t>DSL</a:t>
             </a:r>
             <a:r>
               <a:rPr lang="ja-JP" altLang="en-US" dirty="0" smtClean="0"/>
-              <a:t>と可視化の統合</a:t>
+              <a:t>の強化</a:t>
             </a:r>
             <a:endParaRPr kumimoji="1" lang="ja-JP" altLang="en-US" dirty="0"/>
           </a:p>
@@ -10340,7 +8665,7 @@
     </p:spTree>
     <p:extLst>
       <p:ext uri="{BB962C8B-B14F-4D97-AF65-F5344CB8AC3E}">
-        <p14:creationId xmlns:p14="http://schemas.microsoft.com/office/powerpoint/2010/main" val="3583640956"/>
+        <p14:creationId xmlns:p14="http://schemas.microsoft.com/office/powerpoint/2010/main" val="3539118332"/>
       </p:ext>
     </p:extLst>
   </p:cSld>
@@ -10390,9 +8715,32 @@
           <a:lstStyle/>
           <a:p>
             <a:r>
+              <a:rPr lang="ja-JP" altLang="en-US" dirty="0"/>
+              <a:t>計算</a:t>
+            </a:r>
+            <a:r>
               <a:rPr lang="ja-JP" altLang="en-US" dirty="0" smtClean="0"/>
-              <a:t>質疑</a:t>
-            </a:r>
+              <a:t>と可視化の統合</a:t>
+            </a:r>
+            <a:endParaRPr kumimoji="1" lang="ja-JP" altLang="en-US" dirty="0"/>
+          </a:p>
+        </p:txBody>
+      </p:sp>
+      <p:sp>
+        <p:nvSpPr>
+          <p:cNvPr id="6" name="コンテンツ プレースホルダー 5"/>
+          <p:cNvSpPr>
+            <a:spLocks noGrp="1"/>
+          </p:cNvSpPr>
+          <p:nvPr>
+            <p:ph idx="1"/>
+          </p:nvPr>
+        </p:nvSpPr>
+        <p:spPr/>
+        <p:txBody>
+          <a:bodyPr/>
+          <a:lstStyle/>
+          <a:p>
             <a:endParaRPr kumimoji="1" lang="ja-JP" altLang="en-US" dirty="0"/>
           </a:p>
         </p:txBody>
@@ -10423,7 +8771,226 @@
     </p:spTree>
     <p:extLst>
       <p:ext uri="{BB962C8B-B14F-4D97-AF65-F5344CB8AC3E}">
-        <p14:creationId xmlns:p14="http://schemas.microsoft.com/office/powerpoint/2010/main" val="2439515208"/>
+        <p14:creationId xmlns:p14="http://schemas.microsoft.com/office/powerpoint/2010/main" val="3583640956"/>
+      </p:ext>
+    </p:extLst>
+  </p:cSld>
+  <p:clrMapOvr>
+    <a:masterClrMapping/>
+  </p:clrMapOvr>
+  <p:timing>
+    <p:tnLst>
+      <p:par>
+        <p:cTn id="1" dur="indefinite" restart="never" nodeType="tmRoot"/>
+      </p:par>
+    </p:tnLst>
+  </p:timing>
+</p:sld>
+</file>
+
+<file path=ppt/slides/slide32.xml><?xml version="1.0" encoding="utf-8"?>
+<p:sld xmlns:a="http://schemas.openxmlformats.org/drawingml/2006/main" xmlns:r="http://schemas.openxmlformats.org/officeDocument/2006/relationships" xmlns:p="http://schemas.openxmlformats.org/presentationml/2006/main">
+  <p:cSld>
+    <p:spTree>
+      <p:nvGrpSpPr>
+        <p:cNvPr id="1" name=""/>
+        <p:cNvGrpSpPr/>
+        <p:nvPr/>
+      </p:nvGrpSpPr>
+      <p:grpSpPr>
+        <a:xfrm>
+          <a:off x="0" y="0"/>
+          <a:ext cx="0" cy="0"/>
+          <a:chOff x="0" y="0"/>
+          <a:chExt cx="0" cy="0"/>
+        </a:xfrm>
+      </p:grpSpPr>
+      <p:sp>
+        <p:nvSpPr>
+          <p:cNvPr id="2" name="タイトル 1"/>
+          <p:cNvSpPr>
+            <a:spLocks noGrp="1"/>
+          </p:cNvSpPr>
+          <p:nvPr>
+            <p:ph type="title"/>
+          </p:nvPr>
+        </p:nvSpPr>
+        <p:spPr/>
+        <p:txBody>
+          <a:bodyPr/>
+          <a:lstStyle/>
+          <a:p>
+            <a:r>
+              <a:rPr kumimoji="1" lang="en-US" altLang="ja-JP" dirty="0" smtClean="0"/>
+              <a:t>References</a:t>
+            </a:r>
+            <a:endParaRPr kumimoji="1" lang="ja-JP" altLang="en-US" dirty="0"/>
+          </a:p>
+        </p:txBody>
+      </p:sp>
+      <p:sp>
+        <p:nvSpPr>
+          <p:cNvPr id="6" name="コンテンツ プレースホルダー 5"/>
+          <p:cNvSpPr>
+            <a:spLocks noGrp="1"/>
+          </p:cNvSpPr>
+          <p:nvPr>
+            <p:ph idx="1"/>
+          </p:nvPr>
+        </p:nvSpPr>
+        <p:spPr/>
+        <p:txBody>
+          <a:bodyPr/>
+          <a:lstStyle/>
+          <a:p>
+            <a:r>
+              <a:rPr lang="ja-JP" altLang="en-US" dirty="0" smtClean="0"/>
+              <a:t>ジェイムズ・オーウェン・ウェザーオール</a:t>
+            </a:r>
+            <a:r>
+              <a:rPr lang="en-US" altLang="ja-JP" dirty="0" smtClean="0"/>
+              <a:t>, </a:t>
+            </a:r>
+            <a:r>
+              <a:rPr lang="ja-JP" altLang="en-US" i="1" dirty="0" smtClean="0"/>
+              <a:t>ウォール街の物理学者</a:t>
+            </a:r>
+            <a:r>
+              <a:rPr lang="en-US" altLang="ja-JP" dirty="0" smtClean="0"/>
+              <a:t>,</a:t>
+            </a:r>
+            <a:r>
+              <a:rPr lang="en-US" altLang="ja-JP" i="1" dirty="0" smtClean="0"/>
+              <a:t> </a:t>
+            </a:r>
+            <a:r>
+              <a:rPr lang="ja-JP" altLang="en-US" dirty="0" smtClean="0"/>
+              <a:t>早川書房</a:t>
+            </a:r>
+            <a:r>
+              <a:rPr lang="en-US" altLang="ja-JP" dirty="0" smtClean="0"/>
+              <a:t>, 2015</a:t>
+            </a:r>
+          </a:p>
+          <a:p>
+            <a:r>
+              <a:rPr lang="en-US" altLang="ja-JP" dirty="0"/>
+              <a:t>M. F. M. Osborne, </a:t>
+            </a:r>
+            <a:r>
+              <a:rPr lang="en-US" altLang="ja-JP" i="1" dirty="0"/>
+              <a:t>Brownian Motion in the Stock Market</a:t>
+            </a:r>
+            <a:r>
+              <a:rPr lang="en-US" altLang="ja-JP" dirty="0"/>
+              <a:t>, </a:t>
+            </a:r>
+            <a:br>
+              <a:rPr lang="en-US" altLang="ja-JP" dirty="0"/>
+            </a:br>
+            <a:r>
+              <a:rPr lang="en-US" altLang="ja-JP" dirty="0"/>
+              <a:t>Operations Research, </a:t>
+            </a:r>
+            <a:r>
+              <a:rPr lang="en-US" altLang="ja-JP" dirty="0" smtClean="0"/>
+              <a:t>1959</a:t>
+            </a:r>
+          </a:p>
+          <a:p>
+            <a:r>
+              <a:rPr lang="ja-JP" altLang="en-US" dirty="0" smtClean="0"/>
+              <a:t>平岡和幸・堀玄</a:t>
+            </a:r>
+            <a:r>
+              <a:rPr lang="en-US" altLang="ja-JP" dirty="0" smtClean="0"/>
+              <a:t>, </a:t>
+            </a:r>
+            <a:r>
+              <a:rPr lang="ja-JP" altLang="en-US" i="1" dirty="0" smtClean="0"/>
+              <a:t>プログラミングのための確率統計</a:t>
+            </a:r>
+            <a:r>
+              <a:rPr lang="en-US" altLang="ja-JP" i="1" dirty="0" smtClean="0"/>
+              <a:t>, </a:t>
+            </a:r>
+            <a:r>
+              <a:rPr lang="ja-JP" altLang="en-US" dirty="0" smtClean="0"/>
+              <a:t>オーム社</a:t>
+            </a:r>
+            <a:r>
+              <a:rPr lang="en-US" altLang="ja-JP" dirty="0" smtClean="0"/>
+              <a:t>, 2009</a:t>
+            </a:r>
+          </a:p>
+          <a:p>
+            <a:r>
+              <a:rPr lang="en-US" altLang="ja-JP" dirty="0" smtClean="0"/>
+              <a:t>Wes </a:t>
+            </a:r>
+            <a:r>
+              <a:rPr lang="en-US" altLang="ja-JP" dirty="0" err="1" smtClean="0"/>
+              <a:t>McKinnery</a:t>
+            </a:r>
+            <a:r>
+              <a:rPr lang="en-US" altLang="ja-JP" dirty="0" smtClean="0"/>
+              <a:t>, </a:t>
+            </a:r>
+            <a:r>
+              <a:rPr lang="en-US" altLang="ja-JP" i="1" dirty="0" smtClean="0"/>
+              <a:t>Python</a:t>
+            </a:r>
+            <a:r>
+              <a:rPr lang="ja-JP" altLang="en-US" i="1" dirty="0" smtClean="0"/>
+              <a:t>によるデータ分析入門</a:t>
+            </a:r>
+            <a:r>
+              <a:rPr lang="en-US" altLang="ja-JP" i="1" dirty="0" smtClean="0"/>
+              <a:t>, </a:t>
+            </a:r>
+            <a:r>
+              <a:rPr lang="ja-JP" altLang="en-US" dirty="0" smtClean="0"/>
+              <a:t>オライリー</a:t>
+            </a:r>
+            <a:r>
+              <a:rPr lang="ja-JP" altLang="en-US" dirty="0"/>
+              <a:t>・ジャパン</a:t>
+            </a:r>
+            <a:r>
+              <a:rPr lang="en-US" altLang="ja-JP" dirty="0" smtClean="0"/>
+              <a:t>, 2013</a:t>
+            </a:r>
+            <a:endParaRPr lang="en-US" altLang="ja-JP" dirty="0"/>
+          </a:p>
+        </p:txBody>
+      </p:sp>
+      <p:sp>
+        <p:nvSpPr>
+          <p:cNvPr id="4" name="スライド番号プレースホルダー 3"/>
+          <p:cNvSpPr>
+            <a:spLocks noGrp="1"/>
+          </p:cNvSpPr>
+          <p:nvPr>
+            <p:ph type="sldNum" sz="quarter" idx="12"/>
+          </p:nvPr>
+        </p:nvSpPr>
+        <p:spPr/>
+        <p:txBody>
+          <a:bodyPr/>
+          <a:lstStyle/>
+          <a:p>
+            <a:fld id="{D2D8002D-B5B0-4BAC-B1F6-782DDCCE6D9C}" type="slidenum">
+              <a:rPr kumimoji="1" lang="ja-JP" altLang="en-US" smtClean="0"/>
+              <a:t>31</a:t>
+            </a:fld>
+            <a:endParaRPr kumimoji="1" lang="ja-JP" altLang="en-US" dirty="0"/>
+          </a:p>
+        </p:txBody>
+      </p:sp>
+    </p:spTree>
+    <p:extLst>
+      <p:ext uri="{BB962C8B-B14F-4D97-AF65-F5344CB8AC3E}">
+        <p14:creationId xmlns:p14="http://schemas.microsoft.com/office/powerpoint/2010/main" val="446685616"/>
       </p:ext>
     </p:extLst>
   </p:cSld>
@@ -10474,13 +9041,75 @@
           <a:p>
             <a:r>
               <a:rPr lang="ja-JP" altLang="en-US" dirty="0" smtClean="0"/>
-              <a:t>具体</a:t>
-            </a:r>
-            <a:r>
-              <a:rPr lang="ja-JP" altLang="en-US" dirty="0"/>
-              <a:t>例</a:t>
+              <a:t>株式市場のブラウン運動</a:t>
             </a:r>
             <a:endParaRPr kumimoji="1" lang="ja-JP" altLang="en-US" dirty="0"/>
+          </a:p>
+        </p:txBody>
+      </p:sp>
+      <p:sp>
+        <p:nvSpPr>
+          <p:cNvPr id="3" name="コンテンツ プレースホルダー 2"/>
+          <p:cNvSpPr>
+            <a:spLocks noGrp="1"/>
+          </p:cNvSpPr>
+          <p:nvPr>
+            <p:ph idx="1"/>
+          </p:nvPr>
+        </p:nvSpPr>
+        <p:spPr/>
+        <p:txBody>
+          <a:bodyPr/>
+          <a:lstStyle/>
+          <a:p>
+            <a:r>
+              <a:rPr lang="en-US" altLang="ja-JP" dirty="0"/>
+              <a:t>M. F. M. </a:t>
+            </a:r>
+            <a:r>
+              <a:rPr lang="en-US" altLang="ja-JP" dirty="0" smtClean="0"/>
+              <a:t>Osborne, </a:t>
+            </a:r>
+            <a:r>
+              <a:rPr lang="en-US" altLang="ja-JP" i="1" dirty="0" smtClean="0"/>
+              <a:t>Brownian </a:t>
+            </a:r>
+            <a:r>
+              <a:rPr kumimoji="1" lang="en-US" altLang="ja-JP" i="1" dirty="0" smtClean="0"/>
+              <a:t>Motion in the Stock Market</a:t>
+            </a:r>
+            <a:r>
+              <a:rPr kumimoji="1" lang="en-US" altLang="ja-JP" dirty="0" smtClean="0"/>
+              <a:t>, </a:t>
+            </a:r>
+            <a:br>
+              <a:rPr kumimoji="1" lang="en-US" altLang="ja-JP" dirty="0" smtClean="0"/>
+            </a:br>
+            <a:r>
+              <a:rPr kumimoji="1" lang="en-US" altLang="ja-JP" dirty="0" smtClean="0"/>
+              <a:t>Operations Research, 1959</a:t>
+            </a:r>
+          </a:p>
+          <a:p>
+            <a:r>
+              <a:rPr lang="ja-JP" altLang="en-US" dirty="0" smtClean="0"/>
+              <a:t>株価の対数とブラウン運動における微粒子の座標との類似性</a:t>
+            </a:r>
+            <a:endParaRPr lang="en-US" altLang="ja-JP" dirty="0" smtClean="0"/>
+          </a:p>
+          <a:p>
+            <a:r>
+              <a:rPr kumimoji="1" lang="ja-JP" altLang="en-US" dirty="0" smtClean="0"/>
+              <a:t>統計力学的手法を株価に適用</a:t>
+            </a:r>
+            <a:endParaRPr kumimoji="1" lang="en-US" altLang="ja-JP" dirty="0" smtClean="0"/>
+          </a:p>
+          <a:p>
+            <a:r>
+              <a:rPr lang="ja-JP" altLang="en-US" dirty="0" smtClean="0"/>
+              <a:t>時系列データの分析</a:t>
+            </a:r>
+            <a:endParaRPr kumimoji="1" lang="en-US" altLang="ja-JP" dirty="0" smtClean="0"/>
           </a:p>
         </p:txBody>
       </p:sp>
@@ -10510,7 +9139,7 @@
     </p:spTree>
     <p:extLst>
       <p:ext uri="{BB962C8B-B14F-4D97-AF65-F5344CB8AC3E}">
-        <p14:creationId xmlns:p14="http://schemas.microsoft.com/office/powerpoint/2010/main" val="3018777172"/>
+        <p14:creationId xmlns:p14="http://schemas.microsoft.com/office/powerpoint/2010/main" val="2352567713"/>
       </p:ext>
     </p:extLst>
   </p:cSld>
@@ -10560,76 +9189,64 @@
           <a:lstStyle/>
           <a:p>
             <a:r>
+              <a:rPr kumimoji="1" lang="en-US" altLang="ja-JP" dirty="0" smtClean="0"/>
+              <a:t>1. </a:t>
+            </a:r>
+            <a:r>
+              <a:rPr lang="ja-JP" altLang="en-US" dirty="0"/>
+              <a:t>株価</a:t>
+            </a:r>
+            <a:r>
+              <a:rPr kumimoji="1" lang="ja-JP" altLang="en-US" dirty="0" smtClean="0"/>
+              <a:t>の変化</a:t>
+            </a:r>
+            <a:endParaRPr kumimoji="1" lang="ja-JP" altLang="en-US" dirty="0"/>
+          </a:p>
+        </p:txBody>
+      </p:sp>
+      <p:sp>
+        <p:nvSpPr>
+          <p:cNvPr id="3" name="コンテンツ プレースホルダー 2"/>
+          <p:cNvSpPr>
+            <a:spLocks noGrp="1"/>
+          </p:cNvSpPr>
+          <p:nvPr>
+            <p:ph idx="1"/>
+          </p:nvPr>
+        </p:nvSpPr>
+        <p:spPr/>
+        <p:txBody>
+          <a:bodyPr/>
+          <a:lstStyle/>
+          <a:p>
+            <a:r>
+              <a:rPr lang="ja-JP" altLang="en-US" dirty="0"/>
+              <a:t>株価</a:t>
+            </a:r>
+            <a:r>
               <a:rPr lang="ja-JP" altLang="en-US" dirty="0" smtClean="0"/>
-              <a:t>株式市場のブラウン運動</a:t>
+              <a:t>の変化は離散的</a:t>
+            </a:r>
+            <a:r>
+              <a:rPr kumimoji="1" lang="ja-JP" altLang="en-US" dirty="0" smtClean="0"/>
+              <a:t>（</a:t>
+            </a:r>
+            <a:r>
+              <a:rPr kumimoji="1" lang="en-US" altLang="ja-JP" dirty="0" smtClean="0"/>
+              <a:t>1/8</a:t>
+            </a:r>
+            <a:r>
+              <a:rPr kumimoji="1" lang="ja-JP" altLang="en-US" dirty="0" smtClean="0"/>
+              <a:t>ドル単位）</a:t>
+            </a:r>
+            <a:endParaRPr kumimoji="1" lang="en-US" altLang="ja-JP" dirty="0" smtClean="0"/>
+          </a:p>
+          <a:p>
+            <a:r>
+              <a:rPr kumimoji="1" lang="ja-JP" altLang="en-US" dirty="0" smtClean="0"/>
+              <a:t>株価の対数も同じ</a:t>
             </a:r>
             <a:endParaRPr kumimoji="1" lang="ja-JP" altLang="en-US" dirty="0"/>
-          </a:p>
-        </p:txBody>
-      </p:sp>
-      <p:sp>
-        <p:nvSpPr>
-          <p:cNvPr id="3" name="コンテンツ プレースホルダー 2"/>
-          <p:cNvSpPr>
-            <a:spLocks noGrp="1"/>
-          </p:cNvSpPr>
-          <p:nvPr>
-            <p:ph idx="1"/>
-          </p:nvPr>
-        </p:nvSpPr>
-        <p:spPr/>
-        <p:txBody>
-          <a:bodyPr/>
-          <a:lstStyle/>
-          <a:p>
-            <a:r>
-              <a:rPr lang="en-US" altLang="ja-JP" dirty="0"/>
-              <a:t>M. F. M. </a:t>
-            </a:r>
-            <a:r>
-              <a:rPr lang="en-US" altLang="ja-JP" dirty="0" smtClean="0"/>
-              <a:t>Osborne, </a:t>
-            </a:r>
-            <a:r>
-              <a:rPr lang="en-US" altLang="ja-JP" i="1" dirty="0" smtClean="0"/>
-              <a:t>Brownian </a:t>
-            </a:r>
-            <a:r>
-              <a:rPr kumimoji="1" lang="en-US" altLang="ja-JP" i="1" dirty="0" smtClean="0"/>
-              <a:t>Motion in the Stock Market</a:t>
-            </a:r>
-            <a:r>
-              <a:rPr kumimoji="1" lang="en-US" altLang="ja-JP" dirty="0" smtClean="0"/>
-              <a:t>, </a:t>
-            </a:r>
-            <a:br>
-              <a:rPr kumimoji="1" lang="en-US" altLang="ja-JP" dirty="0" smtClean="0"/>
-            </a:br>
-            <a:r>
-              <a:rPr kumimoji="1" lang="en-US" altLang="ja-JP" dirty="0" smtClean="0"/>
-              <a:t>Operations Research, 1959</a:t>
-            </a:r>
-          </a:p>
-          <a:p>
-            <a:r>
-              <a:rPr lang="ja-JP" altLang="en-US" dirty="0" smtClean="0"/>
-              <a:t>株価の対数とブラウン運動における微粒子の座標との類似性</a:t>
-            </a:r>
-            <a:endParaRPr lang="en-US" altLang="ja-JP" dirty="0" smtClean="0"/>
-          </a:p>
-          <a:p>
-            <a:r>
-              <a:rPr kumimoji="1" lang="ja-JP" altLang="en-US" dirty="0" smtClean="0"/>
-              <a:t>統計力学的手法を株価に適用</a:t>
-            </a:r>
-            <a:endParaRPr kumimoji="1" lang="en-US" altLang="ja-JP" dirty="0" smtClean="0"/>
-          </a:p>
-          <a:p>
-            <a:r>
-              <a:rPr lang="ja-JP" altLang="en-US" smtClean="0"/>
-              <a:t>時系列データの分析</a:t>
-            </a:r>
-            <a:endParaRPr kumimoji="1" lang="en-US" altLang="ja-JP" dirty="0" smtClean="0"/>
           </a:p>
         </p:txBody>
       </p:sp>
@@ -10659,7 +9276,7 @@
     </p:spTree>
     <p:extLst>
       <p:ext uri="{BB962C8B-B14F-4D97-AF65-F5344CB8AC3E}">
-        <p14:creationId xmlns:p14="http://schemas.microsoft.com/office/powerpoint/2010/main" val="2352567713"/>
+        <p14:creationId xmlns:p14="http://schemas.microsoft.com/office/powerpoint/2010/main" val="611116219"/>
       </p:ext>
     </p:extLst>
   </p:cSld>
@@ -10710,61 +9327,62 @@
           <a:p>
             <a:r>
               <a:rPr kumimoji="1" lang="en-US" altLang="ja-JP" dirty="0" smtClean="0"/>
-              <a:t>1. </a:t>
+              <a:t>2. </a:t>
+            </a:r>
+            <a:r>
+              <a:rPr lang="ja-JP" altLang="en-US" dirty="0" smtClean="0"/>
+              <a:t>取引</a:t>
             </a:r>
             <a:r>
               <a:rPr lang="ja-JP" altLang="en-US" dirty="0"/>
-              <a:t>株価</a:t>
-            </a:r>
+              <a:t>数</a:t>
+            </a:r>
+            <a:endParaRPr kumimoji="1" lang="ja-JP" altLang="en-US" dirty="0"/>
+          </a:p>
+        </p:txBody>
+      </p:sp>
+      <p:sp>
+        <p:nvSpPr>
+          <p:cNvPr id="3" name="コンテンツ プレースホルダー 2"/>
+          <p:cNvSpPr>
+            <a:spLocks noGrp="1"/>
+          </p:cNvSpPr>
+          <p:nvPr>
+            <p:ph idx="1"/>
+          </p:nvPr>
+        </p:nvSpPr>
+        <p:spPr/>
+        <p:txBody>
+          <a:bodyPr/>
+          <a:lstStyle/>
+          <a:p>
+            <a:r>
+              <a:rPr lang="ja-JP" altLang="en-US" dirty="0" smtClean="0"/>
+              <a:t>単位時間あたりに有限の取引（あるいは決定）が行われる</a:t>
+            </a:r>
+            <a:endParaRPr lang="en-US" altLang="ja-JP" dirty="0" smtClean="0"/>
+          </a:p>
+          <a:p>
+            <a:pPr lvl="1"/>
             <a:r>
               <a:rPr kumimoji="1" lang="ja-JP" altLang="en-US" dirty="0" smtClean="0"/>
-              <a:t>の変化</a:t>
-            </a:r>
-            <a:endParaRPr kumimoji="1" lang="ja-JP" altLang="en-US" dirty="0"/>
-          </a:p>
-        </p:txBody>
-      </p:sp>
-      <p:sp>
-        <p:nvSpPr>
-          <p:cNvPr id="3" name="コンテンツ プレースホルダー 2"/>
-          <p:cNvSpPr>
-            <a:spLocks noGrp="1"/>
-          </p:cNvSpPr>
-          <p:nvPr>
-            <p:ph idx="1"/>
-          </p:nvPr>
-        </p:nvSpPr>
-        <p:spPr/>
-        <p:txBody>
-          <a:bodyPr/>
-          <a:lstStyle/>
-          <a:p>
-            <a:r>
-              <a:rPr lang="ja-JP" altLang="en-US" dirty="0"/>
-              <a:t>株価</a:t>
-            </a:r>
-            <a:r>
-              <a:rPr lang="ja-JP" altLang="en-US" dirty="0" smtClean="0"/>
-              <a:t>の変化は離散的</a:t>
+              <a:t>一つの株に対して</a:t>
+            </a:r>
+            <a:r>
+              <a:rPr kumimoji="1" lang="en-US" altLang="ja-JP" dirty="0" smtClean="0"/>
+              <a:t>0</a:t>
             </a:r>
             <a:r>
               <a:rPr kumimoji="1" lang="ja-JP" altLang="en-US" dirty="0" smtClean="0"/>
-              <a:t>（</a:t>
+              <a:t>～</a:t>
             </a:r>
             <a:r>
               <a:rPr kumimoji="1" lang="en-US" altLang="ja-JP" dirty="0" smtClean="0"/>
-              <a:t>1/8</a:t>
+              <a:t>1000</a:t>
             </a:r>
             <a:r>
               <a:rPr kumimoji="1" lang="ja-JP" altLang="en-US" dirty="0" smtClean="0"/>
-              <a:t>ドル単位）</a:t>
-            </a:r>
-            <a:endParaRPr kumimoji="1" lang="en-US" altLang="ja-JP" dirty="0" smtClean="0"/>
-          </a:p>
-          <a:p>
-            <a:r>
-              <a:rPr kumimoji="1" lang="ja-JP" altLang="en-US" dirty="0" smtClean="0"/>
-              <a:t>株価の対数も同じ</a:t>
+              <a:t>あるいはそれ以上</a:t>
             </a:r>
             <a:endParaRPr kumimoji="1" lang="ja-JP" altLang="en-US" dirty="0"/>
           </a:p>
@@ -10796,7 +9414,7 @@
     </p:spTree>
     <p:extLst>
       <p:ext uri="{BB962C8B-B14F-4D97-AF65-F5344CB8AC3E}">
-        <p14:creationId xmlns:p14="http://schemas.microsoft.com/office/powerpoint/2010/main" val="611116219"/>
+        <p14:creationId xmlns:p14="http://schemas.microsoft.com/office/powerpoint/2010/main" val="1598521806"/>
       </p:ext>
     </p:extLst>
   </p:cSld>
@@ -10847,144 +9465,6 @@
           <a:p>
             <a:r>
               <a:rPr kumimoji="1" lang="en-US" altLang="ja-JP" dirty="0" smtClean="0"/>
-              <a:t>2. </a:t>
-            </a:r>
-            <a:r>
-              <a:rPr lang="ja-JP" altLang="en-US" dirty="0" smtClean="0"/>
-              <a:t>取引</a:t>
-            </a:r>
-            <a:r>
-              <a:rPr lang="ja-JP" altLang="en-US" dirty="0"/>
-              <a:t>数</a:t>
-            </a:r>
-            <a:endParaRPr kumimoji="1" lang="ja-JP" altLang="en-US" dirty="0"/>
-          </a:p>
-        </p:txBody>
-      </p:sp>
-      <p:sp>
-        <p:nvSpPr>
-          <p:cNvPr id="3" name="コンテンツ プレースホルダー 2"/>
-          <p:cNvSpPr>
-            <a:spLocks noGrp="1"/>
-          </p:cNvSpPr>
-          <p:nvPr>
-            <p:ph idx="1"/>
-          </p:nvPr>
-        </p:nvSpPr>
-        <p:spPr/>
-        <p:txBody>
-          <a:bodyPr/>
-          <a:lstStyle/>
-          <a:p>
-            <a:r>
-              <a:rPr lang="ja-JP" altLang="en-US" dirty="0" smtClean="0"/>
-              <a:t>単位時間あたりに有限の取引（あるいは決定）が行われる</a:t>
-            </a:r>
-            <a:endParaRPr lang="en-US" altLang="ja-JP" dirty="0" smtClean="0"/>
-          </a:p>
-          <a:p>
-            <a:pPr lvl="1"/>
-            <a:r>
-              <a:rPr kumimoji="1" lang="ja-JP" altLang="en-US" dirty="0" smtClean="0"/>
-              <a:t>一つの株に対して</a:t>
-            </a:r>
-            <a:r>
-              <a:rPr kumimoji="1" lang="en-US" altLang="ja-JP" dirty="0" smtClean="0"/>
-              <a:t>0</a:t>
-            </a:r>
-            <a:r>
-              <a:rPr kumimoji="1" lang="ja-JP" altLang="en-US" dirty="0" smtClean="0"/>
-              <a:t>～</a:t>
-            </a:r>
-            <a:r>
-              <a:rPr kumimoji="1" lang="en-US" altLang="ja-JP" dirty="0" smtClean="0"/>
-              <a:t>1000</a:t>
-            </a:r>
-            <a:r>
-              <a:rPr kumimoji="1" lang="ja-JP" altLang="en-US" dirty="0" smtClean="0"/>
-              <a:t>あるいはそれ以上</a:t>
-            </a:r>
-            <a:endParaRPr kumimoji="1" lang="ja-JP" altLang="en-US" dirty="0"/>
-          </a:p>
-        </p:txBody>
-      </p:sp>
-      <p:sp>
-        <p:nvSpPr>
-          <p:cNvPr id="4" name="スライド番号プレースホルダー 3"/>
-          <p:cNvSpPr>
-            <a:spLocks noGrp="1"/>
-          </p:cNvSpPr>
-          <p:nvPr>
-            <p:ph type="sldNum" sz="quarter" idx="12"/>
-          </p:nvPr>
-        </p:nvSpPr>
-        <p:spPr/>
-        <p:txBody>
-          <a:bodyPr/>
-          <a:lstStyle/>
-          <a:p>
-            <a:fld id="{D2D8002D-B5B0-4BAC-B1F6-782DDCCE6D9C}" type="slidenum">
-              <a:rPr kumimoji="1" lang="ja-JP" altLang="en-US" smtClean="0"/>
-              <a:t>6</a:t>
-            </a:fld>
-            <a:endParaRPr kumimoji="1" lang="ja-JP" altLang="en-US" dirty="0"/>
-          </a:p>
-        </p:txBody>
-      </p:sp>
-    </p:spTree>
-    <p:extLst>
-      <p:ext uri="{BB962C8B-B14F-4D97-AF65-F5344CB8AC3E}">
-        <p14:creationId xmlns:p14="http://schemas.microsoft.com/office/powerpoint/2010/main" val="1598521806"/>
-      </p:ext>
-    </p:extLst>
-  </p:cSld>
-  <p:clrMapOvr>
-    <a:masterClrMapping/>
-  </p:clrMapOvr>
-  <p:timing>
-    <p:tnLst>
-      <p:par>
-        <p:cTn id="1" dur="indefinite" restart="never" nodeType="tmRoot"/>
-      </p:par>
-    </p:tnLst>
-  </p:timing>
-</p:sld>
-</file>
-
-<file path=ppt/slides/slide8.xml><?xml version="1.0" encoding="utf-8"?>
-<p:sld xmlns:a="http://schemas.openxmlformats.org/drawingml/2006/main" xmlns:r="http://schemas.openxmlformats.org/officeDocument/2006/relationships" xmlns:p="http://schemas.openxmlformats.org/presentationml/2006/main">
-  <p:cSld>
-    <p:spTree>
-      <p:nvGrpSpPr>
-        <p:cNvPr id="1" name=""/>
-        <p:cNvGrpSpPr/>
-        <p:nvPr/>
-      </p:nvGrpSpPr>
-      <p:grpSpPr>
-        <a:xfrm>
-          <a:off x="0" y="0"/>
-          <a:ext cx="0" cy="0"/>
-          <a:chOff x="0" y="0"/>
-          <a:chExt cx="0" cy="0"/>
-        </a:xfrm>
-      </p:grpSpPr>
-      <p:sp>
-        <p:nvSpPr>
-          <p:cNvPr id="2" name="タイトル 1"/>
-          <p:cNvSpPr>
-            <a:spLocks noGrp="1"/>
-          </p:cNvSpPr>
-          <p:nvPr>
-            <p:ph type="title"/>
-          </p:nvPr>
-        </p:nvSpPr>
-        <p:spPr/>
-        <p:txBody>
-          <a:bodyPr/>
-          <a:lstStyle/>
-          <a:p>
-            <a:r>
-              <a:rPr kumimoji="1" lang="en-US" altLang="ja-JP" dirty="0" smtClean="0"/>
               <a:t>3. </a:t>
             </a:r>
             <a:r>
@@ -10999,8 +9479,8 @@
           </a:p>
         </p:txBody>
       </p:sp>
-      <mc:AlternateContent xmlns:mc="http://schemas.openxmlformats.org/markup-compatibility/2006">
-        <mc:Choice xmlns:a14="http://schemas.microsoft.com/office/drawing/2010/main" Requires="a14">
+      <mc:AlternateContent xmlns:mc="http://schemas.openxmlformats.org/markup-compatibility/2006" xmlns:a14="http://schemas.microsoft.com/office/drawing/2010/main">
+        <mc:Choice Requires="a14">
           <p:sp>
             <p:nvSpPr>
               <p:cNvPr id="3" name="コンテンツ プレースホルダー 2"/>
@@ -11142,7 +9622,7 @@
                         <m:eqArr>
                           <m:eqArrPr>
                             <m:ctrlPr>
-                              <a:rPr lang="ja-JP" altLang="en-US" dirty="0" smtClean="0">
+                              <a:rPr lang="ja-JP" altLang="en-US" i="1" dirty="0" smtClean="0">
                                 <a:latin typeface="Cambria Math" panose="02040503050406030204" pitchFamily="18" charset="0"/>
                               </a:rPr>
                             </m:ctrlPr>
@@ -11272,7 +9752,7 @@
             </p:txBody>
           </p:sp>
         </mc:Choice>
-        <mc:Fallback>
+        <mc:Fallback xmlns="">
           <p:sp>
             <p:nvSpPr>
               <p:cNvPr id="3" name="コンテンツ プレースホルダー 2"/>
@@ -11323,7 +9803,7 @@
           <a:p>
             <a:fld id="{D2D8002D-B5B0-4BAC-B1F6-782DDCCE6D9C}" type="slidenum">
               <a:rPr kumimoji="1" lang="ja-JP" altLang="en-US" smtClean="0"/>
-              <a:t>7</a:t>
+              <a:t>6</a:t>
             </a:fld>
             <a:endParaRPr kumimoji="1" lang="ja-JP" altLang="en-US" dirty="0"/>
           </a:p>
@@ -11333,6 +9813,152 @@
     <p:extLst>
       <p:ext uri="{BB962C8B-B14F-4D97-AF65-F5344CB8AC3E}">
         <p14:creationId xmlns:p14="http://schemas.microsoft.com/office/powerpoint/2010/main" val="3473762778"/>
+      </p:ext>
+    </p:extLst>
+  </p:cSld>
+  <p:clrMapOvr>
+    <a:masterClrMapping/>
+  </p:clrMapOvr>
+  <p:timing>
+    <p:tnLst>
+      <p:par>
+        <p:cTn id="1" dur="indefinite" restart="never" nodeType="tmRoot"/>
+      </p:par>
+    </p:tnLst>
+  </p:timing>
+</p:sld>
+</file>
+
+<file path=ppt/slides/slide8.xml><?xml version="1.0" encoding="utf-8"?>
+<p:sld xmlns:a="http://schemas.openxmlformats.org/drawingml/2006/main" xmlns:r="http://schemas.openxmlformats.org/officeDocument/2006/relationships" xmlns:p="http://schemas.openxmlformats.org/presentationml/2006/main">
+  <p:cSld>
+    <p:spTree>
+      <p:nvGrpSpPr>
+        <p:cNvPr id="1" name=""/>
+        <p:cNvGrpSpPr/>
+        <p:nvPr/>
+      </p:nvGrpSpPr>
+      <p:grpSpPr>
+        <a:xfrm>
+          <a:off x="0" y="0"/>
+          <a:ext cx="0" cy="0"/>
+          <a:chOff x="0" y="0"/>
+          <a:chExt cx="0" cy="0"/>
+        </a:xfrm>
+      </p:grpSpPr>
+      <p:sp>
+        <p:nvSpPr>
+          <p:cNvPr id="2" name="タイトル 1"/>
+          <p:cNvSpPr>
+            <a:spLocks noGrp="1"/>
+          </p:cNvSpPr>
+          <p:nvPr>
+            <p:ph type="title"/>
+          </p:nvPr>
+        </p:nvSpPr>
+        <p:spPr/>
+        <p:txBody>
+          <a:bodyPr/>
+          <a:lstStyle/>
+          <a:p>
+            <a:r>
+              <a:rPr lang="ja-JP" altLang="en-US" dirty="0" smtClean="0"/>
+              <a:t>統計学的</a:t>
+            </a:r>
+            <a:r>
+              <a:rPr lang="ja-JP" altLang="en-US" dirty="0"/>
+              <a:t>アプローチ</a:t>
+            </a:r>
+            <a:endParaRPr kumimoji="1" lang="ja-JP" altLang="en-US" dirty="0"/>
+          </a:p>
+        </p:txBody>
+      </p:sp>
+      <p:sp>
+        <p:nvSpPr>
+          <p:cNvPr id="3" name="コンテンツ プレースホルダー 2"/>
+          <p:cNvSpPr>
+            <a:spLocks noGrp="1"/>
+          </p:cNvSpPr>
+          <p:nvPr>
+            <p:ph idx="1"/>
+          </p:nvPr>
+        </p:nvSpPr>
+        <p:spPr>
+          <a:xfrm>
+            <a:off x="457200" y="1752600"/>
+            <a:ext cx="7859216" cy="4373563"/>
+          </a:xfrm>
+        </p:spPr>
+        <p:txBody>
+          <a:bodyPr/>
+          <a:lstStyle/>
+          <a:p>
+            <a:r>
+              <a:rPr lang="ja-JP" altLang="en-US" dirty="0" smtClean="0"/>
+              <a:t>金融の知識のない統計学者が</a:t>
+            </a:r>
+            <a:r>
+              <a:rPr lang="en-US" altLang="ja-JP" dirty="0" smtClean="0"/>
+              <a:t>NY</a:t>
+            </a:r>
+            <a:r>
+              <a:rPr lang="ja-JP" altLang="en-US" dirty="0" smtClean="0"/>
+              <a:t>市場の取引データを分析したら</a:t>
+            </a:r>
+            <a:r>
+              <a:rPr lang="ja-JP" altLang="en-US" dirty="0"/>
+              <a:t>？</a:t>
+            </a:r>
+            <a:endParaRPr lang="en-US" altLang="ja-JP" dirty="0" smtClean="0"/>
+          </a:p>
+          <a:p>
+            <a:pPr lvl="1"/>
+            <a:r>
+              <a:rPr lang="ja-JP" altLang="en-US" dirty="0" smtClean="0"/>
+              <a:t>集団が均質かどうか</a:t>
+            </a:r>
+            <a:endParaRPr lang="en-US" altLang="ja-JP" dirty="0" smtClean="0"/>
+          </a:p>
+          <a:p>
+            <a:pPr lvl="1"/>
+            <a:r>
+              <a:rPr lang="ja-JP" altLang="en-US" dirty="0" smtClean="0"/>
+              <a:t>各属性・変数の関連性</a:t>
+            </a:r>
+            <a:endParaRPr lang="en-US" altLang="ja-JP" dirty="0" smtClean="0"/>
+          </a:p>
+          <a:p>
+            <a:endParaRPr lang="en-US" altLang="ja-JP" dirty="0" smtClean="0"/>
+          </a:p>
+        </p:txBody>
+      </p:sp>
+      <p:sp>
+        <p:nvSpPr>
+          <p:cNvPr id="4" name="スライド番号プレースホルダー 3"/>
+          <p:cNvSpPr>
+            <a:spLocks noGrp="1"/>
+          </p:cNvSpPr>
+          <p:nvPr>
+            <p:ph type="sldNum" sz="quarter" idx="12"/>
+          </p:nvPr>
+        </p:nvSpPr>
+        <p:spPr/>
+        <p:txBody>
+          <a:bodyPr/>
+          <a:lstStyle/>
+          <a:p>
+            <a:fld id="{D2D8002D-B5B0-4BAC-B1F6-782DDCCE6D9C}" type="slidenum">
+              <a:rPr kumimoji="1" lang="ja-JP" altLang="en-US" smtClean="0"/>
+              <a:t>7</a:t>
+            </a:fld>
+            <a:endParaRPr kumimoji="1" lang="ja-JP" altLang="en-US" dirty="0"/>
+          </a:p>
+        </p:txBody>
+      </p:sp>
+    </p:spTree>
+    <p:extLst>
+      <p:ext uri="{BB962C8B-B14F-4D97-AF65-F5344CB8AC3E}">
+        <p14:creationId xmlns:p14="http://schemas.microsoft.com/office/powerpoint/2010/main" val="481900130"/>
       </p:ext>
     </p:extLst>
   </p:cSld>
@@ -11383,11 +10009,7 @@
           <a:p>
             <a:r>
               <a:rPr lang="ja-JP" altLang="en-US" dirty="0" smtClean="0"/>
-              <a:t>統計学的</a:t>
-            </a:r>
-            <a:r>
-              <a:rPr lang="ja-JP" altLang="en-US" dirty="0"/>
-              <a:t>アプローチ</a:t>
+              <a:t>株価の分布</a:t>
             </a:r>
             <a:endParaRPr kumimoji="1" lang="ja-JP" altLang="en-US" dirty="0"/>
           </a:p>
@@ -11410,41 +10032,70 @@
           </a:xfrm>
         </p:spPr>
         <p:txBody>
-          <a:bodyPr/>
+          <a:bodyPr>
+            <a:normAutofit lnSpcReduction="10000"/>
+          </a:bodyPr>
           <a:lstStyle/>
           <a:p>
             <a:r>
               <a:rPr lang="ja-JP" altLang="en-US" dirty="0" smtClean="0"/>
-              <a:t>金融の知識のない統計学者が</a:t>
-            </a:r>
+              <a:t>株価の終値を主要な変数と推測</a:t>
+            </a:r>
+            <a:endParaRPr lang="en-US" altLang="ja-JP" dirty="0" smtClean="0"/>
+          </a:p>
+          <a:p>
             <a:r>
               <a:rPr lang="en-US" altLang="ja-JP" dirty="0" smtClean="0"/>
-              <a:t>NY</a:t>
+              <a:t>1000</a:t>
             </a:r>
             <a:r>
               <a:rPr lang="ja-JP" altLang="en-US" dirty="0" smtClean="0"/>
-              <a:t>市場の取引データを分析したら</a:t>
+              <a:t>要素のサンプルの分布</a:t>
             </a:r>
             <a:r>
               <a:rPr lang="ja-JP" altLang="en-US" dirty="0"/>
-              <a:t>？</a:t>
+              <a:t>を</a:t>
+            </a:r>
+            <a:r>
+              <a:rPr lang="ja-JP" altLang="en-US" dirty="0" smtClean="0"/>
+              <a:t>プロット</a:t>
             </a:r>
             <a:endParaRPr lang="en-US" altLang="ja-JP" dirty="0" smtClean="0"/>
           </a:p>
           <a:p>
+            <a:endParaRPr lang="en-US" altLang="ja-JP" dirty="0"/>
+          </a:p>
+          <a:p>
+            <a:endParaRPr lang="en-US" altLang="ja-JP" dirty="0" smtClean="0"/>
+          </a:p>
+          <a:p>
+            <a:endParaRPr lang="en-US" altLang="ja-JP" dirty="0"/>
+          </a:p>
+          <a:p>
+            <a:endParaRPr lang="en-US" altLang="ja-JP" dirty="0" smtClean="0"/>
+          </a:p>
+          <a:p>
+            <a:endParaRPr lang="en-US" altLang="ja-JP" dirty="0"/>
+          </a:p>
+          <a:p>
+            <a:endParaRPr lang="en-US" altLang="ja-JP" dirty="0" smtClean="0"/>
+          </a:p>
+          <a:p>
+            <a:r>
+              <a:rPr lang="ja-JP" altLang="en-US" dirty="0" smtClean="0"/>
+              <a:t>株価は正規分布に従わない</a:t>
+            </a:r>
+            <a:endParaRPr lang="en-US" altLang="ja-JP" dirty="0" smtClean="0"/>
+          </a:p>
+          <a:p>
+            <a:r>
+              <a:rPr lang="ja-JP" altLang="en-US" dirty="0" smtClean="0"/>
+              <a:t>株価の対数は正規分布に従うかもしれない</a:t>
+            </a:r>
+            <a:endParaRPr lang="en-US" altLang="ja-JP" dirty="0" smtClean="0"/>
+          </a:p>
+          <a:p>
             <a:pPr lvl="1"/>
-            <a:r>
-              <a:rPr lang="ja-JP" altLang="en-US" dirty="0" smtClean="0"/>
-              <a:t>集団が均質かどうか</a:t>
-            </a:r>
-            <a:endParaRPr lang="en-US" altLang="ja-JP" dirty="0" smtClean="0"/>
-          </a:p>
-          <a:p>
-            <a:pPr lvl="1"/>
-            <a:r>
-              <a:rPr lang="ja-JP" altLang="en-US" dirty="0" smtClean="0"/>
-              <a:t>各属性・変数の関連性</a:t>
-            </a:r>
             <a:endParaRPr lang="en-US" altLang="ja-JP" dirty="0" smtClean="0"/>
           </a:p>
           <a:p>
@@ -11475,10 +10126,40 @@
           </a:p>
         </p:txBody>
       </p:sp>
+      <p:pic>
+        <p:nvPicPr>
+          <p:cNvPr id="5" name="図 4"/>
+          <p:cNvPicPr>
+            <a:picLocks noChangeAspect="1"/>
+          </p:cNvPicPr>
+          <p:nvPr/>
+        </p:nvPicPr>
+        <p:blipFill>
+          <a:blip r:embed="rId2">
+            <a:extLst>
+              <a:ext uri="{28A0092B-C50C-407E-A947-70E740481C1C}">
+                <a14:useLocalDpi xmlns:a14="http://schemas.microsoft.com/office/drawing/2010/main" val="0"/>
+              </a:ext>
+            </a:extLst>
+          </a:blip>
+          <a:stretch>
+            <a:fillRect/>
+          </a:stretch>
+        </p:blipFill>
+        <p:spPr>
+          <a:xfrm>
+            <a:off x="899592" y="2485101"/>
+            <a:ext cx="6481141" cy="2448272"/>
+          </a:xfrm>
+          <a:prstGeom prst="rect">
+            <a:avLst/>
+          </a:prstGeom>
+        </p:spPr>
+      </p:pic>
     </p:spTree>
     <p:extLst>
       <p:ext uri="{BB962C8B-B14F-4D97-AF65-F5344CB8AC3E}">
-        <p14:creationId xmlns:p14="http://schemas.microsoft.com/office/powerpoint/2010/main" val="481900130"/>
+        <p14:creationId xmlns:p14="http://schemas.microsoft.com/office/powerpoint/2010/main" val="2904563654"/>
       </p:ext>
     </p:extLst>
   </p:cSld>

--- a/ruby_data_analysis.pptx
+++ b/ruby_data_analysis.pptx
@@ -5,7 +5,7 @@
     <p:sldMasterId id="2147483720" r:id="rId1"/>
   </p:sldMasterIdLst>
   <p:notesMasterIdLst>
-    <p:notesMasterId r:id="rId34"/>
+    <p:notesMasterId r:id="rId35"/>
   </p:notesMasterIdLst>
   <p:sldIdLst>
     <p:sldId id="256" r:id="rId2"/>
@@ -20,26 +20,27 @@
     <p:sldId id="312" r:id="rId11"/>
     <p:sldId id="313" r:id="rId12"/>
     <p:sldId id="333" r:id="rId13"/>
-    <p:sldId id="332" r:id="rId14"/>
-    <p:sldId id="334" r:id="rId15"/>
-    <p:sldId id="335" r:id="rId16"/>
-    <p:sldId id="336" r:id="rId17"/>
-    <p:sldId id="337" r:id="rId18"/>
-    <p:sldId id="315" r:id="rId19"/>
-    <p:sldId id="340" r:id="rId20"/>
-    <p:sldId id="316" r:id="rId21"/>
-    <p:sldId id="322" r:id="rId22"/>
-    <p:sldId id="317" r:id="rId23"/>
-    <p:sldId id="323" r:id="rId24"/>
-    <p:sldId id="324" r:id="rId25"/>
-    <p:sldId id="325" r:id="rId26"/>
-    <p:sldId id="327" r:id="rId27"/>
-    <p:sldId id="339" r:id="rId28"/>
-    <p:sldId id="326" r:id="rId29"/>
-    <p:sldId id="341" r:id="rId30"/>
-    <p:sldId id="329" r:id="rId31"/>
-    <p:sldId id="330" r:id="rId32"/>
-    <p:sldId id="338" r:id="rId33"/>
+    <p:sldId id="342" r:id="rId14"/>
+    <p:sldId id="332" r:id="rId15"/>
+    <p:sldId id="334" r:id="rId16"/>
+    <p:sldId id="335" r:id="rId17"/>
+    <p:sldId id="336" r:id="rId18"/>
+    <p:sldId id="337" r:id="rId19"/>
+    <p:sldId id="315" r:id="rId20"/>
+    <p:sldId id="340" r:id="rId21"/>
+    <p:sldId id="316" r:id="rId22"/>
+    <p:sldId id="322" r:id="rId23"/>
+    <p:sldId id="317" r:id="rId24"/>
+    <p:sldId id="323" r:id="rId25"/>
+    <p:sldId id="324" r:id="rId26"/>
+    <p:sldId id="325" r:id="rId27"/>
+    <p:sldId id="327" r:id="rId28"/>
+    <p:sldId id="339" r:id="rId29"/>
+    <p:sldId id="326" r:id="rId30"/>
+    <p:sldId id="341" r:id="rId31"/>
+    <p:sldId id="329" r:id="rId32"/>
+    <p:sldId id="330" r:id="rId33"/>
+    <p:sldId id="338" r:id="rId34"/>
   </p:sldIdLst>
   <p:sldSz cx="9144000" cy="6858000" type="screen4x3"/>
   <p:notesSz cx="6858000" cy="9144000"/>
@@ -955,8 +956,8 @@
         </p:blipFill>
         <p:spPr>
           <a:xfrm>
-            <a:off x="5447576" y="5589240"/>
-            <a:ext cx="2941502" cy="780629"/>
+            <a:off x="6261580" y="5805264"/>
+            <a:ext cx="2127498" cy="564605"/>
           </a:xfrm>
           <a:prstGeom prst="rect">
             <a:avLst/>
@@ -4333,13 +4334,13 @@
         </p:nvSpPr>
         <p:spPr>
           <a:xfrm>
-            <a:off x="1619672" y="4221088"/>
-            <a:ext cx="6858000" cy="1274440"/>
+            <a:off x="1619672" y="4869160"/>
+            <a:ext cx="6858000" cy="864096"/>
           </a:xfrm>
         </p:spPr>
         <p:txBody>
           <a:bodyPr>
-            <a:normAutofit lnSpcReduction="10000"/>
+            <a:normAutofit/>
           </a:bodyPr>
           <a:lstStyle/>
           <a:p>
@@ -4387,20 +4388,18 @@
           <a:p>
             <a:pPr algn="r"/>
             <a:r>
-              <a:rPr lang="ja-JP" altLang="en-US" dirty="0">
-                <a:latin typeface="+mj-ea"/>
-              </a:rPr>
-              <a:t>前田　修吾</a:t>
-            </a:r>
-          </a:p>
-          <a:p>
-            <a:pPr algn="r"/>
-            <a:r>
               <a:rPr lang="ja-JP" altLang="en-US" dirty="0" smtClean="0">
                 <a:latin typeface="+mj-ea"/>
                 <a:ea typeface="+mj-ea"/>
               </a:rPr>
-              <a:t>株式会社ネットワーク</a:t>
+              <a:t>株式</a:t>
+            </a:r>
+            <a:r>
+              <a:rPr lang="ja-JP" altLang="en-US" dirty="0" smtClean="0">
+                <a:latin typeface="+mj-ea"/>
+                <a:ea typeface="+mj-ea"/>
+              </a:rPr>
+              <a:t>会社ネットワーク</a:t>
             </a:r>
             <a:r>
               <a:rPr lang="ja-JP" altLang="en-US" dirty="0">
@@ -4415,6 +4414,31 @@
                 <a:ea typeface="+mj-ea"/>
               </a:rPr>
               <a:t>研究所　</a:t>
+            </a:r>
+            <a:r>
+              <a:rPr lang="ja-JP" altLang="en-US" dirty="0">
+                <a:latin typeface="+mj-ea"/>
+              </a:rPr>
+              <a:t>　</a:t>
+            </a:r>
+            <a:r>
+              <a:rPr lang="ja-JP" altLang="en-US" dirty="0" smtClean="0">
+                <a:latin typeface="+mj-ea"/>
+              </a:rPr>
+              <a:t>前田</a:t>
+            </a:r>
+            <a:r>
+              <a:rPr lang="ja-JP" altLang="en-US" dirty="0">
+                <a:latin typeface="+mj-ea"/>
+              </a:rPr>
+              <a:t>　修吾</a:t>
+            </a:r>
+            <a:r>
+              <a:rPr lang="ja-JP" altLang="en-US" dirty="0" smtClean="0">
+                <a:latin typeface="+mj-ea"/>
+                <a:ea typeface="+mj-ea"/>
+              </a:rPr>
+              <a:t>　</a:t>
             </a:r>
             <a:r>
               <a:rPr lang="ja-JP" altLang="en-US" dirty="0">
@@ -5746,64 +5770,6 @@
       </p:sp>
       <p:sp>
         <p:nvSpPr>
-          <p:cNvPr id="6" name="コンテンツ プレースホルダー 5"/>
-          <p:cNvSpPr>
-            <a:spLocks noGrp="1"/>
-          </p:cNvSpPr>
-          <p:nvPr>
-            <p:ph idx="1"/>
-          </p:nvPr>
-        </p:nvSpPr>
-        <p:spPr/>
-        <p:txBody>
-          <a:bodyPr/>
-          <a:lstStyle/>
-          <a:p>
-            <a:r>
-              <a:rPr lang="en-US" altLang="ja-JP" dirty="0" smtClean="0"/>
-              <a:t>TODO: </a:t>
-            </a:r>
-            <a:r>
-              <a:rPr lang="ja-JP" altLang="en-US" dirty="0" smtClean="0"/>
-              <a:t>副</a:t>
-            </a:r>
-            <a:r>
-              <a:rPr kumimoji="1" lang="ja-JP" altLang="en-US" dirty="0" smtClean="0"/>
-              <a:t>極大と</a:t>
-            </a:r>
-            <a:r>
-              <a:rPr kumimoji="1" lang="en-US" altLang="ja-JP" dirty="0" err="1" smtClean="0"/>
-              <a:t>pfd</a:t>
-            </a:r>
-            <a:r>
-              <a:rPr kumimoji="1" lang="ja-JP" altLang="en-US" dirty="0" smtClean="0"/>
-              <a:t>の話</a:t>
-            </a:r>
-            <a:endParaRPr kumimoji="1" lang="en-US" altLang="ja-JP" dirty="0" smtClean="0"/>
-          </a:p>
-          <a:p>
-            <a:r>
-              <a:rPr lang="en-US" altLang="ja-JP" dirty="0" smtClean="0"/>
-              <a:t>TODO: P</a:t>
-            </a:r>
-            <a:r>
-              <a:rPr lang="ja-JP" altLang="en-US" dirty="0" smtClean="0"/>
-              <a:t>ではなく</a:t>
-            </a:r>
-            <a:r>
-              <a:rPr lang="en-US" altLang="ja-JP" dirty="0" smtClean="0"/>
-              <a:t>log P</a:t>
-            </a:r>
-            <a:r>
-              <a:rPr lang="ja-JP" altLang="en-US" dirty="0" smtClean="0"/>
-              <a:t>を独立変数として選ぶ根拠</a:t>
-            </a:r>
-            <a:endParaRPr kumimoji="1" lang="ja-JP" altLang="en-US" dirty="0"/>
-          </a:p>
-        </p:txBody>
-      </p:sp>
-      <p:sp>
-        <p:nvSpPr>
           <p:cNvPr id="4" name="スライド番号プレースホルダー 3"/>
           <p:cNvSpPr>
             <a:spLocks noGrp="1"/>
@@ -5825,6 +5791,256 @@
           </a:p>
         </p:txBody>
       </p:sp>
+      <mc:AlternateContent xmlns:mc="http://schemas.openxmlformats.org/markup-compatibility/2006">
+        <mc:Choice xmlns:a14="http://schemas.microsoft.com/office/drawing/2010/main" Requires="a14">
+          <p:sp>
+            <p:nvSpPr>
+              <p:cNvPr id="5" name="コンテンツ プレースホルダー 4"/>
+              <p:cNvSpPr>
+                <a:spLocks noGrp="1"/>
+              </p:cNvSpPr>
+              <p:nvPr>
+                <p:ph idx="1"/>
+              </p:nvPr>
+            </p:nvSpPr>
+            <p:spPr/>
+            <p:txBody>
+              <a:bodyPr/>
+              <a:lstStyle/>
+              <a:p>
+                <a:r>
+                  <a:rPr lang="ja-JP" altLang="en-US" dirty="0" smtClean="0"/>
+                  <a:t>正規分布ではない</a:t>
+                </a:r>
+                <a:endParaRPr kumimoji="1" lang="en-US" altLang="ja-JP" b="1" i="1" dirty="0" smtClean="0">
+                  <a:latin typeface="Cambria Math" panose="02040503050406030204" pitchFamily="18" charset="0"/>
+                </a:endParaRPr>
+              </a:p>
+              <a:p>
+                <a14:m>
+                  <m:oMath xmlns:m="http://schemas.openxmlformats.org/officeDocument/2006/math">
+                    <m:sSub>
+                      <m:sSubPr>
+                        <m:ctrlPr>
+                          <a:rPr kumimoji="1" lang="en-US" altLang="ja-JP" b="1" i="1" smtClean="0">
+                            <a:latin typeface="Cambria Math" panose="02040503050406030204" pitchFamily="18" charset="0"/>
+                          </a:rPr>
+                        </m:ctrlPr>
+                      </m:sSubPr>
+                      <m:e>
+                        <m:r>
+                          <a:rPr kumimoji="1" lang="en-US" altLang="ja-JP" b="1" i="0" smtClean="0">
+                            <a:latin typeface="Cambria Math" panose="02040503050406030204" pitchFamily="18" charset="0"/>
+                          </a:rPr>
+                          <m:t>𝐥𝐨𝐠</m:t>
+                        </m:r>
+                      </m:e>
+                      <m:sub>
+                        <m:r>
+                          <a:rPr kumimoji="1" lang="en-US" altLang="ja-JP" b="1" i="1" smtClean="0">
+                            <a:latin typeface="Cambria Math" panose="02040503050406030204" pitchFamily="18" charset="0"/>
+                          </a:rPr>
+                          <m:t>𝒆</m:t>
+                        </m:r>
+                      </m:sub>
+                    </m:sSub>
+                    <m:r>
+                      <a:rPr kumimoji="1" lang="en-US" altLang="ja-JP" b="1" i="1" smtClean="0">
+                        <a:latin typeface="Cambria Math" panose="02040503050406030204" pitchFamily="18" charset="0"/>
+                      </a:rPr>
+                      <m:t>𝑷</m:t>
+                    </m:r>
+                    <m:r>
+                      <a:rPr kumimoji="1" lang="en-US" altLang="ja-JP" b="1" i="1" smtClean="0">
+                        <a:latin typeface="Cambria Math" panose="02040503050406030204" pitchFamily="18" charset="0"/>
+                        <a:ea typeface="Cambria Math" panose="02040503050406030204" pitchFamily="18" charset="0"/>
+                      </a:rPr>
+                      <m:t>≈</m:t>
+                    </m:r>
+                    <m:r>
+                      <a:rPr kumimoji="1" lang="en-US" altLang="ja-JP" b="1" i="1" smtClean="0">
+                        <a:latin typeface="Cambria Math" panose="02040503050406030204" pitchFamily="18" charset="0"/>
+                        <a:ea typeface="Cambria Math" panose="02040503050406030204" pitchFamily="18" charset="0"/>
+                      </a:rPr>
+                      <m:t>𝟒𝟓</m:t>
+                    </m:r>
+                  </m:oMath>
+                </a14:m>
+                <a:r>
+                  <a:rPr kumimoji="1" lang="ja-JP" altLang="en-US" dirty="0" smtClean="0"/>
+                  <a:t>周辺の副極大</a:t>
+                </a:r>
+                <a:endParaRPr kumimoji="1" lang="en-US" altLang="ja-JP" dirty="0" smtClean="0"/>
+              </a:p>
+              <a:p>
+                <a:pPr lvl="1"/>
+                <a:r>
+                  <a:rPr lang="ja-JP" altLang="en-US" dirty="0"/>
+                  <a:t>この集団は均質でない</a:t>
+                </a:r>
+              </a:p>
+              <a:p>
+                <a:pPr lvl="1"/>
+                <a:r>
+                  <a:rPr lang="ja-JP" altLang="en-US" dirty="0" smtClean="0"/>
+                  <a:t>少なくとも二つの下位集団</a:t>
+                </a:r>
+                <a:endParaRPr lang="en-US" altLang="ja-JP" dirty="0" smtClean="0"/>
+              </a:p>
+              <a:p>
+                <a:r>
+                  <a:rPr lang="ja-JP" altLang="en-US" dirty="0" smtClean="0"/>
+                  <a:t>生データの確認</a:t>
+                </a:r>
+                <a:endParaRPr lang="en-US" altLang="ja-JP" dirty="0" smtClean="0"/>
+              </a:p>
+              <a:p>
+                <a:pPr lvl="1"/>
+                <a14:m>
+                  <m:oMath xmlns:m="http://schemas.openxmlformats.org/officeDocument/2006/math">
+                    <m:sSub>
+                      <m:sSubPr>
+                        <m:ctrlPr>
+                          <a:rPr lang="en-US" altLang="ja-JP" b="1" i="1">
+                            <a:latin typeface="Cambria Math" panose="02040503050406030204" pitchFamily="18" charset="0"/>
+                          </a:rPr>
+                        </m:ctrlPr>
+                      </m:sSubPr>
+                      <m:e>
+                        <m:r>
+                          <a:rPr lang="en-US" altLang="ja-JP" b="1">
+                            <a:latin typeface="Cambria Math" panose="02040503050406030204" pitchFamily="18" charset="0"/>
+                          </a:rPr>
+                          <m:t>𝐥𝐨𝐠</m:t>
+                        </m:r>
+                      </m:e>
+                      <m:sub>
+                        <m:r>
+                          <a:rPr lang="en-US" altLang="ja-JP" b="1" i="1">
+                            <a:latin typeface="Cambria Math" panose="02040503050406030204" pitchFamily="18" charset="0"/>
+                          </a:rPr>
+                          <m:t>𝒆</m:t>
+                        </m:r>
+                      </m:sub>
+                    </m:sSub>
+                    <m:r>
+                      <a:rPr lang="en-US" altLang="ja-JP" b="1" i="1">
+                        <a:latin typeface="Cambria Math" panose="02040503050406030204" pitchFamily="18" charset="0"/>
+                      </a:rPr>
+                      <m:t>𝑷</m:t>
+                    </m:r>
+                    <m:r>
+                      <a:rPr lang="en-US" altLang="ja-JP" b="1" i="1">
+                        <a:latin typeface="Cambria Math" panose="02040503050406030204" pitchFamily="18" charset="0"/>
+                        <a:ea typeface="Cambria Math" panose="02040503050406030204" pitchFamily="18" charset="0"/>
+                      </a:rPr>
+                      <m:t>≈</m:t>
+                    </m:r>
+                    <m:r>
+                      <a:rPr lang="en-US" altLang="ja-JP" b="1" i="1">
+                        <a:latin typeface="Cambria Math" panose="02040503050406030204" pitchFamily="18" charset="0"/>
+                        <a:ea typeface="Cambria Math" panose="02040503050406030204" pitchFamily="18" charset="0"/>
+                      </a:rPr>
+                      <m:t>𝟒𝟓</m:t>
+                    </m:r>
+                  </m:oMath>
+                </a14:m>
+                <a:r>
+                  <a:rPr lang="ja-JP" altLang="en-US" dirty="0"/>
+                  <a:t>周辺</a:t>
+                </a:r>
+                <a:r>
+                  <a:rPr lang="ja-JP" altLang="en-US" dirty="0" smtClean="0"/>
+                  <a:t>のデータに</a:t>
+                </a:r>
+                <a:r>
+                  <a:rPr lang="en-US" altLang="ja-JP" dirty="0" smtClean="0"/>
+                  <a:t/>
+                </a:r>
+                <a:br>
+                  <a:rPr lang="en-US" altLang="ja-JP" dirty="0" smtClean="0"/>
+                </a:br>
+                <a:r>
+                  <a:rPr lang="en-US" altLang="ja-JP" dirty="0" err="1" smtClean="0"/>
+                  <a:t>pfd</a:t>
+                </a:r>
+                <a:r>
+                  <a:rPr lang="en-US" altLang="ja-JP" dirty="0" smtClean="0"/>
+                  <a:t> (preferred) </a:t>
+                </a:r>
+                <a:r>
+                  <a:rPr lang="ja-JP" altLang="en-US" dirty="0" smtClean="0"/>
+                  <a:t>属性</a:t>
+                </a:r>
+                <a:endParaRPr lang="en-US" altLang="ja-JP" dirty="0" smtClean="0"/>
+              </a:p>
+            </p:txBody>
+          </p:sp>
+        </mc:Choice>
+        <mc:Fallback>
+          <p:sp>
+            <p:nvSpPr>
+              <p:cNvPr id="5" name="コンテンツ プレースホルダー 4"/>
+              <p:cNvSpPr>
+                <a:spLocks noGrp="1" noRot="1" noChangeAspect="1" noMove="1" noResize="1" noEditPoints="1" noAdjustHandles="1" noChangeArrowheads="1" noChangeShapeType="1" noTextEdit="1"/>
+              </p:cNvSpPr>
+              <p:nvPr>
+                <p:ph idx="1"/>
+              </p:nvPr>
+            </p:nvSpPr>
+            <p:spPr>
+              <a:blipFill rotWithShape="0">
+                <a:blip r:embed="rId2"/>
+                <a:stretch>
+                  <a:fillRect l="-720" t="-1116"/>
+                </a:stretch>
+              </a:blipFill>
+            </p:spPr>
+            <p:txBody>
+              <a:bodyPr/>
+              <a:lstStyle/>
+              <a:p>
+                <a:r>
+                  <a:rPr lang="ja-JP" altLang="en-US">
+                    <a:noFill/>
+                  </a:rPr>
+                  <a:t> </a:t>
+                </a:r>
+              </a:p>
+            </p:txBody>
+          </p:sp>
+        </mc:Fallback>
+      </mc:AlternateContent>
+      <p:pic>
+        <p:nvPicPr>
+          <p:cNvPr id="7" name="コンテンツ プレースホルダー 2"/>
+          <p:cNvPicPr>
+            <a:picLocks noChangeAspect="1"/>
+          </p:cNvPicPr>
+          <p:nvPr/>
+        </p:nvPicPr>
+        <p:blipFill>
+          <a:blip r:embed="rId3">
+            <a:extLst>
+              <a:ext uri="{28A0092B-C50C-407E-A947-70E740481C1C}">
+                <a14:useLocalDpi xmlns:a14="http://schemas.microsoft.com/office/drawing/2010/main" val="0"/>
+              </a:ext>
+            </a:extLst>
+          </a:blip>
+          <a:stretch>
+            <a:fillRect/>
+          </a:stretch>
+        </p:blipFill>
+        <p:spPr>
+          <a:xfrm>
+            <a:off x="4052943" y="1916832"/>
+            <a:ext cx="4390914" cy="3273227"/>
+          </a:xfrm>
+          <a:prstGeom prst="rect">
+            <a:avLst/>
+          </a:prstGeom>
+        </p:spPr>
+      </p:pic>
     </p:spTree>
     <p:extLst>
       <p:ext uri="{BB962C8B-B14F-4D97-AF65-F5344CB8AC3E}">
@@ -5878,20 +6094,8 @@
           <a:lstStyle/>
           <a:p>
             <a:r>
-              <a:rPr lang="en-US" altLang="ja-JP" dirty="0"/>
-              <a:t>4</a:t>
-            </a:r>
-            <a:r>
-              <a:rPr kumimoji="1" lang="en-US" altLang="ja-JP" dirty="0" smtClean="0"/>
-              <a:t>. </a:t>
-            </a:r>
-            <a:r>
               <a:rPr lang="ja-JP" altLang="en-US" dirty="0" smtClean="0"/>
-              <a:t>論理的</a:t>
-            </a:r>
-            <a:r>
-              <a:rPr lang="ja-JP" altLang="en-US" dirty="0"/>
-              <a:t>決定</a:t>
+              <a:t>株価の対数の分布</a:t>
             </a:r>
             <a:endParaRPr kumimoji="1" lang="ja-JP" altLang="en-US" dirty="0"/>
           </a:p>
@@ -5899,7 +6103,7 @@
       </p:sp>
       <p:sp>
         <p:nvSpPr>
-          <p:cNvPr id="3" name="コンテンツ プレースホルダー 2"/>
+          <p:cNvPr id="6" name="コンテンツ プレースホルダー 5"/>
           <p:cNvSpPr>
             <a:spLocks noGrp="1"/>
           </p:cNvSpPr>
@@ -5912,6 +6116,45 @@
           <a:bodyPr/>
           <a:lstStyle/>
           <a:p>
+            <a:r>
+              <a:rPr lang="en-US" altLang="ja-JP" dirty="0" smtClean="0"/>
+              <a:t>TODO: </a:t>
+            </a:r>
+            <a:r>
+              <a:rPr lang="ja-JP" altLang="en-US" dirty="0" smtClean="0"/>
+              <a:t>副</a:t>
+            </a:r>
+            <a:r>
+              <a:rPr kumimoji="1" lang="ja-JP" altLang="en-US" dirty="0" smtClean="0"/>
+              <a:t>極大と</a:t>
+            </a:r>
+            <a:r>
+              <a:rPr kumimoji="1" lang="en-US" altLang="ja-JP" dirty="0" err="1" smtClean="0"/>
+              <a:t>pfd</a:t>
+            </a:r>
+            <a:r>
+              <a:rPr kumimoji="1" lang="ja-JP" altLang="en-US" dirty="0" smtClean="0"/>
+              <a:t>の話</a:t>
+            </a:r>
+            <a:endParaRPr kumimoji="1" lang="en-US" altLang="ja-JP" dirty="0" smtClean="0"/>
+          </a:p>
+          <a:p>
+            <a:r>
+              <a:rPr lang="en-US" altLang="ja-JP" dirty="0" smtClean="0"/>
+              <a:t>TODO: P</a:t>
+            </a:r>
+            <a:r>
+              <a:rPr lang="ja-JP" altLang="en-US" dirty="0" smtClean="0"/>
+              <a:t>ではなく</a:t>
+            </a:r>
+            <a:r>
+              <a:rPr lang="en-US" altLang="ja-JP" dirty="0" smtClean="0"/>
+              <a:t>log P</a:t>
+            </a:r>
+            <a:r>
+              <a:rPr lang="ja-JP" altLang="en-US" dirty="0" smtClean="0"/>
+              <a:t>を独立変数として選ぶ根拠</a:t>
+            </a:r>
             <a:endParaRPr kumimoji="1" lang="ja-JP" altLang="en-US" dirty="0"/>
           </a:p>
         </p:txBody>
@@ -5942,7 +6185,7 @@
     </p:spTree>
     <p:extLst>
       <p:ext uri="{BB962C8B-B14F-4D97-AF65-F5344CB8AC3E}">
-        <p14:creationId xmlns:p14="http://schemas.microsoft.com/office/powerpoint/2010/main" val="1152159426"/>
+        <p14:creationId xmlns:p14="http://schemas.microsoft.com/office/powerpoint/2010/main" val="2519989487"/>
       </p:ext>
     </p:extLst>
   </p:cSld>
@@ -5992,12 +6235,20 @@
           <a:lstStyle/>
           <a:p>
             <a:r>
+              <a:rPr lang="en-US" altLang="ja-JP" dirty="0"/>
+              <a:t>4</a:t>
+            </a:r>
+            <a:r>
               <a:rPr kumimoji="1" lang="en-US" altLang="ja-JP" dirty="0" smtClean="0"/>
-              <a:t>5. </a:t>
+              <a:t>. </a:t>
             </a:r>
             <a:r>
               <a:rPr lang="ja-JP" altLang="en-US" dirty="0" smtClean="0"/>
-              <a:t>市場の平等性</a:t>
+              <a:t>論理的</a:t>
+            </a:r>
+            <a:r>
+              <a:rPr lang="ja-JP" altLang="en-US" dirty="0"/>
+              <a:t>決定</a:t>
             </a:r>
             <a:endParaRPr kumimoji="1" lang="ja-JP" altLang="en-US" dirty="0"/>
           </a:p>
@@ -6048,7 +6299,7 @@
     </p:spTree>
     <p:extLst>
       <p:ext uri="{BB962C8B-B14F-4D97-AF65-F5344CB8AC3E}">
-        <p14:creationId xmlns:p14="http://schemas.microsoft.com/office/powerpoint/2010/main" val="324431769"/>
+        <p14:creationId xmlns:p14="http://schemas.microsoft.com/office/powerpoint/2010/main" val="1152159426"/>
       </p:ext>
     </p:extLst>
   </p:cSld>
@@ -6099,15 +6350,11 @@
           <a:p>
             <a:r>
               <a:rPr kumimoji="1" lang="en-US" altLang="ja-JP" dirty="0" smtClean="0"/>
-              <a:t>6. </a:t>
-            </a:r>
-            <a:r>
-              <a:rPr kumimoji="1" lang="ja-JP" altLang="en-US" dirty="0" smtClean="0"/>
-              <a:t>株価の</a:t>
+              <a:t>5. </a:t>
             </a:r>
             <a:r>
               <a:rPr lang="ja-JP" altLang="en-US" dirty="0" smtClean="0"/>
-              <a:t>時間変化</a:t>
+              <a:t>市場の平等性</a:t>
             </a:r>
             <a:endParaRPr kumimoji="1" lang="ja-JP" altLang="en-US" dirty="0"/>
           </a:p>
@@ -6158,7 +6405,7 @@
     </p:spTree>
     <p:extLst>
       <p:ext uri="{BB962C8B-B14F-4D97-AF65-F5344CB8AC3E}">
-        <p14:creationId xmlns:p14="http://schemas.microsoft.com/office/powerpoint/2010/main" val="3251082227"/>
+        <p14:creationId xmlns:p14="http://schemas.microsoft.com/office/powerpoint/2010/main" val="324431769"/>
       </p:ext>
     </p:extLst>
   </p:cSld>
@@ -6209,15 +6456,15 @@
           <a:p>
             <a:r>
               <a:rPr kumimoji="1" lang="en-US" altLang="ja-JP" dirty="0" smtClean="0"/>
-              <a:t>7. </a:t>
+              <a:t>6. </a:t>
+            </a:r>
+            <a:r>
+              <a:rPr kumimoji="1" lang="ja-JP" altLang="en-US" dirty="0" smtClean="0"/>
+              <a:t>株価の</a:t>
             </a:r>
             <a:r>
               <a:rPr lang="ja-JP" altLang="en-US" dirty="0" smtClean="0"/>
-              <a:t>数学的</a:t>
-            </a:r>
-            <a:r>
-              <a:rPr lang="ja-JP" altLang="en-US" dirty="0"/>
-              <a:t>表現</a:t>
+              <a:t>時間変化</a:t>
             </a:r>
             <a:endParaRPr kumimoji="1" lang="ja-JP" altLang="en-US" dirty="0"/>
           </a:p>
@@ -6268,7 +6515,7 @@
     </p:spTree>
     <p:extLst>
       <p:ext uri="{BB962C8B-B14F-4D97-AF65-F5344CB8AC3E}">
-        <p14:creationId xmlns:p14="http://schemas.microsoft.com/office/powerpoint/2010/main" val="3454517467"/>
+        <p14:creationId xmlns:p14="http://schemas.microsoft.com/office/powerpoint/2010/main" val="3251082227"/>
       </p:ext>
     </p:extLst>
   </p:cSld>
@@ -6318,8 +6565,16 @@
           <a:lstStyle/>
           <a:p>
             <a:r>
+              <a:rPr kumimoji="1" lang="en-US" altLang="ja-JP" dirty="0" smtClean="0"/>
+              <a:t>7. </a:t>
+            </a:r>
+            <a:r>
               <a:rPr lang="ja-JP" altLang="en-US" dirty="0" smtClean="0"/>
-              <a:t>観測データとの比較</a:t>
+              <a:t>数学的</a:t>
+            </a:r>
+            <a:r>
+              <a:rPr lang="ja-JP" altLang="en-US" dirty="0"/>
+              <a:t>表現</a:t>
             </a:r>
             <a:endParaRPr kumimoji="1" lang="ja-JP" altLang="en-US" dirty="0"/>
           </a:p>
@@ -6340,29 +6595,6 @@
           <a:bodyPr/>
           <a:lstStyle/>
           <a:p>
-            <a:r>
-              <a:rPr kumimoji="1" lang="ja-JP" altLang="en-US" dirty="0" smtClean="0"/>
-              <a:t>論文のデータについては省略</a:t>
-            </a:r>
-            <a:endParaRPr kumimoji="1" lang="en-US" altLang="ja-JP" dirty="0" smtClean="0"/>
-          </a:p>
-          <a:p>
-            <a:r>
-              <a:rPr lang="ja-JP" altLang="en-US" dirty="0"/>
-              <a:t>後</a:t>
-            </a:r>
-            <a:r>
-              <a:rPr lang="ja-JP" altLang="en-US" dirty="0" smtClean="0"/>
-              <a:t>で</a:t>
-            </a:r>
-            <a:r>
-              <a:rPr lang="en-US" altLang="ja-JP" dirty="0" smtClean="0"/>
-              <a:t>Ruby</a:t>
-            </a:r>
-            <a:r>
-              <a:rPr lang="ja-JP" altLang="en-US" dirty="0" smtClean="0"/>
-              <a:t>でやってみる</a:t>
-            </a:r>
             <a:endParaRPr kumimoji="1" lang="ja-JP" altLang="en-US" dirty="0"/>
           </a:p>
         </p:txBody>
@@ -6393,7 +6625,7 @@
     </p:spTree>
     <p:extLst>
       <p:ext uri="{BB962C8B-B14F-4D97-AF65-F5344CB8AC3E}">
-        <p14:creationId xmlns:p14="http://schemas.microsoft.com/office/powerpoint/2010/main" val="586374886"/>
+        <p14:creationId xmlns:p14="http://schemas.microsoft.com/office/powerpoint/2010/main" val="3454517467"/>
       </p:ext>
     </p:extLst>
   </p:cSld>
@@ -6443,23 +6675,50 @@
           <a:lstStyle/>
           <a:p>
             <a:r>
-              <a:rPr kumimoji="1" lang="en-US" altLang="ja-JP" dirty="0" smtClean="0"/>
+              <a:rPr lang="ja-JP" altLang="en-US" dirty="0" smtClean="0"/>
+              <a:t>観測データとの比較</a:t>
+            </a:r>
+            <a:endParaRPr kumimoji="1" lang="ja-JP" altLang="en-US" dirty="0"/>
+          </a:p>
+        </p:txBody>
+      </p:sp>
+      <p:sp>
+        <p:nvSpPr>
+          <p:cNvPr id="3" name="コンテンツ プレースホルダー 2"/>
+          <p:cNvSpPr>
+            <a:spLocks noGrp="1"/>
+          </p:cNvSpPr>
+          <p:nvPr>
+            <p:ph idx="1"/>
+          </p:nvPr>
+        </p:nvSpPr>
+        <p:spPr/>
+        <p:txBody>
+          <a:bodyPr/>
+          <a:lstStyle/>
+          <a:p>
+            <a:r>
+              <a:rPr kumimoji="1" lang="ja-JP" altLang="en-US" dirty="0" smtClean="0"/>
+              <a:t>論文のデータについては省略</a:t>
+            </a:r>
+            <a:endParaRPr kumimoji="1" lang="en-US" altLang="ja-JP" dirty="0" smtClean="0"/>
+          </a:p>
+          <a:p>
+            <a:r>
+              <a:rPr lang="ja-JP" altLang="en-US" dirty="0"/>
+              <a:t>後</a:t>
+            </a:r>
+            <a:r>
+              <a:rPr lang="ja-JP" altLang="en-US" dirty="0" smtClean="0"/>
+              <a:t>で</a:t>
+            </a:r>
+            <a:r>
+              <a:rPr lang="en-US" altLang="ja-JP" dirty="0" smtClean="0"/>
               <a:t>Ruby</a:t>
             </a:r>
             <a:r>
-              <a:rPr kumimoji="1" lang="ja-JP" altLang="en-US" dirty="0" smtClean="0"/>
-              <a:t>によるデータ解析</a:t>
-            </a:r>
-            <a:r>
-              <a:rPr kumimoji="1" lang="en-US" altLang="ja-JP" dirty="0" smtClean="0"/>
-              <a:t/>
-            </a:r>
-            <a:br>
-              <a:rPr kumimoji="1" lang="en-US" altLang="ja-JP" dirty="0" smtClean="0"/>
-            </a:br>
-            <a:r>
-              <a:rPr kumimoji="1" lang="ja-JP" altLang="en-US" dirty="0" smtClean="0"/>
-              <a:t>の現状</a:t>
+              <a:rPr lang="ja-JP" altLang="en-US" dirty="0" smtClean="0"/>
+              <a:t>でやってみる</a:t>
             </a:r>
             <a:endParaRPr kumimoji="1" lang="ja-JP" altLang="en-US" dirty="0"/>
           </a:p>
@@ -6491,7 +6750,7 @@
     </p:spTree>
     <p:extLst>
       <p:ext uri="{BB962C8B-B14F-4D97-AF65-F5344CB8AC3E}">
-        <p14:creationId xmlns:p14="http://schemas.microsoft.com/office/powerpoint/2010/main" val="1152373391"/>
+        <p14:creationId xmlns:p14="http://schemas.microsoft.com/office/powerpoint/2010/main" val="586374886"/>
       </p:ext>
     </p:extLst>
   </p:cSld>
@@ -6541,28 +6800,24 @@
           <a:lstStyle/>
           <a:p>
             <a:r>
-              <a:rPr lang="en-US" altLang="ja-JP" dirty="0" smtClean="0"/>
-              <a:t>Why Ruby?</a:t>
-            </a:r>
-            <a:endParaRPr kumimoji="1" lang="ja-JP" altLang="en-US" dirty="0"/>
-          </a:p>
-        </p:txBody>
-      </p:sp>
-      <p:sp>
-        <p:nvSpPr>
-          <p:cNvPr id="6" name="コンテンツ プレースホルダー 5"/>
-          <p:cNvSpPr>
-            <a:spLocks noGrp="1"/>
-          </p:cNvSpPr>
-          <p:nvPr>
-            <p:ph idx="1"/>
-          </p:nvPr>
-        </p:nvSpPr>
-        <p:spPr/>
-        <p:txBody>
-          <a:bodyPr/>
-          <a:lstStyle/>
-          <a:p>
+              <a:rPr kumimoji="1" lang="en-US" altLang="ja-JP" dirty="0" smtClean="0"/>
+              <a:t>Ruby</a:t>
+            </a:r>
+            <a:r>
+              <a:rPr kumimoji="1" lang="ja-JP" altLang="en-US" dirty="0" smtClean="0"/>
+              <a:t>によるデータ解析</a:t>
+            </a:r>
+            <a:r>
+              <a:rPr kumimoji="1" lang="en-US" altLang="ja-JP" dirty="0" smtClean="0"/>
+              <a:t/>
+            </a:r>
+            <a:br>
+              <a:rPr kumimoji="1" lang="en-US" altLang="ja-JP" dirty="0" smtClean="0"/>
+            </a:br>
+            <a:r>
+              <a:rPr kumimoji="1" lang="ja-JP" altLang="en-US" dirty="0" smtClean="0"/>
+              <a:t>の現状</a:t>
+            </a:r>
             <a:endParaRPr kumimoji="1" lang="ja-JP" altLang="en-US" dirty="0"/>
           </a:p>
         </p:txBody>
@@ -6593,7 +6848,7 @@
     </p:spTree>
     <p:extLst>
       <p:ext uri="{BB962C8B-B14F-4D97-AF65-F5344CB8AC3E}">
-        <p14:creationId xmlns:p14="http://schemas.microsoft.com/office/powerpoint/2010/main" val="1059761815"/>
+        <p14:creationId xmlns:p14="http://schemas.microsoft.com/office/powerpoint/2010/main" val="1152373391"/>
       </p:ext>
     </p:extLst>
   </p:cSld>
@@ -6874,9 +7129,28 @@
           <a:lstStyle/>
           <a:p>
             <a:r>
-              <a:rPr lang="ja-JP" altLang="en-US" dirty="0" smtClean="0"/>
-              <a:t>ライブラリ・ツール群</a:t>
-            </a:r>
+              <a:rPr lang="en-US" altLang="ja-JP" dirty="0" smtClean="0"/>
+              <a:t>Why Ruby?</a:t>
+            </a:r>
+            <a:endParaRPr kumimoji="1" lang="ja-JP" altLang="en-US" dirty="0"/>
+          </a:p>
+        </p:txBody>
+      </p:sp>
+      <p:sp>
+        <p:nvSpPr>
+          <p:cNvPr id="6" name="コンテンツ プレースホルダー 5"/>
+          <p:cNvSpPr>
+            <a:spLocks noGrp="1"/>
+          </p:cNvSpPr>
+          <p:nvPr>
+            <p:ph idx="1"/>
+          </p:nvPr>
+        </p:nvSpPr>
+        <p:spPr/>
+        <p:txBody>
+          <a:bodyPr/>
+          <a:lstStyle/>
+          <a:p>
             <a:endParaRPr kumimoji="1" lang="ja-JP" altLang="en-US" dirty="0"/>
           </a:p>
         </p:txBody>
@@ -6899,6 +7173,89 @@
             <a:fld id="{D2D8002D-B5B0-4BAC-B1F6-782DDCCE6D9C}" type="slidenum">
               <a:rPr kumimoji="1" lang="ja-JP" altLang="en-US" smtClean="0"/>
               <a:t>19</a:t>
+            </a:fld>
+            <a:endParaRPr kumimoji="1" lang="ja-JP" altLang="en-US" dirty="0"/>
+          </a:p>
+        </p:txBody>
+      </p:sp>
+    </p:spTree>
+    <p:extLst>
+      <p:ext uri="{BB962C8B-B14F-4D97-AF65-F5344CB8AC3E}">
+        <p14:creationId xmlns:p14="http://schemas.microsoft.com/office/powerpoint/2010/main" val="1059761815"/>
+      </p:ext>
+    </p:extLst>
+  </p:cSld>
+  <p:clrMapOvr>
+    <a:masterClrMapping/>
+  </p:clrMapOvr>
+  <p:timing>
+    <p:tnLst>
+      <p:par>
+        <p:cTn id="1" dur="indefinite" restart="never" nodeType="tmRoot"/>
+      </p:par>
+    </p:tnLst>
+  </p:timing>
+</p:sld>
+</file>
+
+<file path=ppt/slides/slide21.xml><?xml version="1.0" encoding="utf-8"?>
+<p:sld xmlns:a="http://schemas.openxmlformats.org/drawingml/2006/main" xmlns:r="http://schemas.openxmlformats.org/officeDocument/2006/relationships" xmlns:p="http://schemas.openxmlformats.org/presentationml/2006/main">
+  <p:cSld>
+    <p:spTree>
+      <p:nvGrpSpPr>
+        <p:cNvPr id="1" name=""/>
+        <p:cNvGrpSpPr/>
+        <p:nvPr/>
+      </p:nvGrpSpPr>
+      <p:grpSpPr>
+        <a:xfrm>
+          <a:off x="0" y="0"/>
+          <a:ext cx="0" cy="0"/>
+          <a:chOff x="0" y="0"/>
+          <a:chExt cx="0" cy="0"/>
+        </a:xfrm>
+      </p:grpSpPr>
+      <p:sp>
+        <p:nvSpPr>
+          <p:cNvPr id="2" name="タイトル 1"/>
+          <p:cNvSpPr>
+            <a:spLocks noGrp="1"/>
+          </p:cNvSpPr>
+          <p:nvPr>
+            <p:ph type="title"/>
+          </p:nvPr>
+        </p:nvSpPr>
+        <p:spPr/>
+        <p:txBody>
+          <a:bodyPr/>
+          <a:lstStyle/>
+          <a:p>
+            <a:r>
+              <a:rPr lang="ja-JP" altLang="en-US" dirty="0" smtClean="0"/>
+              <a:t>ライブラリ・ツール群</a:t>
+            </a:r>
+            <a:endParaRPr kumimoji="1" lang="ja-JP" altLang="en-US" dirty="0"/>
+          </a:p>
+        </p:txBody>
+      </p:sp>
+      <p:sp>
+        <p:nvSpPr>
+          <p:cNvPr id="4" name="スライド番号プレースホルダー 3"/>
+          <p:cNvSpPr>
+            <a:spLocks noGrp="1"/>
+          </p:cNvSpPr>
+          <p:nvPr>
+            <p:ph type="sldNum" sz="quarter" idx="12"/>
+          </p:nvPr>
+        </p:nvSpPr>
+        <p:spPr/>
+        <p:txBody>
+          <a:bodyPr/>
+          <a:lstStyle/>
+          <a:p>
+            <a:fld id="{D2D8002D-B5B0-4BAC-B1F6-782DDCCE6D9C}" type="slidenum">
+              <a:rPr kumimoji="1" lang="ja-JP" altLang="en-US" smtClean="0"/>
+              <a:t>20</a:t>
             </a:fld>
             <a:endParaRPr kumimoji="1" lang="ja-JP" altLang="en-US" dirty="0"/>
           </a:p>
@@ -7246,116 +7603,6 @@
 </p:sld>
 </file>
 
-<file path=ppt/slides/slide21.xml><?xml version="1.0" encoding="utf-8"?>
-<p:sld xmlns:a="http://schemas.openxmlformats.org/drawingml/2006/main" xmlns:r="http://schemas.openxmlformats.org/officeDocument/2006/relationships" xmlns:p="http://schemas.openxmlformats.org/presentationml/2006/main">
-  <p:cSld>
-    <p:spTree>
-      <p:nvGrpSpPr>
-        <p:cNvPr id="1" name=""/>
-        <p:cNvGrpSpPr/>
-        <p:nvPr/>
-      </p:nvGrpSpPr>
-      <p:grpSpPr>
-        <a:xfrm>
-          <a:off x="0" y="0"/>
-          <a:ext cx="0" cy="0"/>
-          <a:chOff x="0" y="0"/>
-          <a:chExt cx="0" cy="0"/>
-        </a:xfrm>
-      </p:grpSpPr>
-      <p:sp>
-        <p:nvSpPr>
-          <p:cNvPr id="2" name="タイトル 1"/>
-          <p:cNvSpPr>
-            <a:spLocks noGrp="1"/>
-          </p:cNvSpPr>
-          <p:nvPr>
-            <p:ph type="title"/>
-          </p:nvPr>
-        </p:nvSpPr>
-        <p:spPr/>
-        <p:txBody>
-          <a:bodyPr/>
-          <a:lstStyle/>
-          <a:p>
-            <a:r>
-              <a:rPr lang="en-US" altLang="ja-JP" dirty="0" err="1" smtClean="0"/>
-              <a:t>NMatrix</a:t>
-            </a:r>
-            <a:r>
-              <a:rPr lang="en-US" altLang="ja-JP" dirty="0" smtClean="0"/>
-              <a:t> vs </a:t>
-            </a:r>
-            <a:r>
-              <a:rPr lang="en-US" altLang="ja-JP" dirty="0" err="1" smtClean="0"/>
-              <a:t>NArray</a:t>
-            </a:r>
-            <a:endParaRPr kumimoji="1" lang="ja-JP" altLang="en-US" dirty="0"/>
-          </a:p>
-        </p:txBody>
-      </p:sp>
-      <p:sp>
-        <p:nvSpPr>
-          <p:cNvPr id="6" name="コンテンツ プレースホルダー 5"/>
-          <p:cNvSpPr>
-            <a:spLocks noGrp="1"/>
-          </p:cNvSpPr>
-          <p:nvPr>
-            <p:ph idx="1"/>
-          </p:nvPr>
-        </p:nvSpPr>
-        <p:spPr/>
-        <p:txBody>
-          <a:bodyPr/>
-          <a:lstStyle/>
-          <a:p>
-            <a:endParaRPr kumimoji="1" lang="ja-JP" altLang="en-US" dirty="0"/>
-          </a:p>
-        </p:txBody>
-      </p:sp>
-      <p:sp>
-        <p:nvSpPr>
-          <p:cNvPr id="4" name="スライド番号プレースホルダー 3"/>
-          <p:cNvSpPr>
-            <a:spLocks noGrp="1"/>
-          </p:cNvSpPr>
-          <p:nvPr>
-            <p:ph type="sldNum" sz="quarter" idx="12"/>
-          </p:nvPr>
-        </p:nvSpPr>
-        <p:spPr/>
-        <p:txBody>
-          <a:bodyPr/>
-          <a:lstStyle/>
-          <a:p>
-            <a:fld id="{D2D8002D-B5B0-4BAC-B1F6-782DDCCE6D9C}" type="slidenum">
-              <a:rPr kumimoji="1" lang="ja-JP" altLang="en-US" smtClean="0"/>
-              <a:t>20</a:t>
-            </a:fld>
-            <a:endParaRPr kumimoji="1" lang="ja-JP" altLang="en-US" dirty="0"/>
-          </a:p>
-        </p:txBody>
-      </p:sp>
-    </p:spTree>
-    <p:extLst>
-      <p:ext uri="{BB962C8B-B14F-4D97-AF65-F5344CB8AC3E}">
-        <p14:creationId xmlns:p14="http://schemas.microsoft.com/office/powerpoint/2010/main" val="2566757726"/>
-      </p:ext>
-    </p:extLst>
-  </p:cSld>
-  <p:clrMapOvr>
-    <a:masterClrMapping/>
-  </p:clrMapOvr>
-  <p:timing>
-    <p:tnLst>
-      <p:par>
-        <p:cTn id="1" dur="indefinite" restart="never" nodeType="tmRoot"/>
-      </p:par>
-    </p:tnLst>
-  </p:timing>
-</p:sld>
-</file>
-
 <file path=ppt/slides/slide22.xml><?xml version="1.0" encoding="utf-8"?>
 <p:sld xmlns:a="http://schemas.openxmlformats.org/drawingml/2006/main" xmlns:r="http://schemas.openxmlformats.org/officeDocument/2006/relationships" xmlns:p="http://schemas.openxmlformats.org/presentationml/2006/main">
   <p:cSld>
@@ -7390,7 +7637,15 @@
           <a:p>
             <a:r>
               <a:rPr lang="en-US" altLang="ja-JP" dirty="0" err="1" smtClean="0"/>
-              <a:t>daru</a:t>
+              <a:t>NMatrix</a:t>
+            </a:r>
+            <a:r>
+              <a:rPr lang="en-US" altLang="ja-JP" dirty="0" smtClean="0"/>
+              <a:t> vs </a:t>
+            </a:r>
+            <a:r>
+              <a:rPr lang="en-US" altLang="ja-JP" dirty="0" err="1" smtClean="0"/>
+              <a:t>NArray</a:t>
             </a:r>
             <a:endParaRPr kumimoji="1" lang="ja-JP" altLang="en-US" dirty="0"/>
           </a:p>
@@ -7398,7 +7653,7 @@
       </p:sp>
       <p:sp>
         <p:nvSpPr>
-          <p:cNvPr id="3" name="コンテンツ プレースホルダー 2"/>
+          <p:cNvPr id="6" name="コンテンツ プレースホルダー 5"/>
           <p:cNvSpPr>
             <a:spLocks noGrp="1"/>
           </p:cNvSpPr>
@@ -7411,21 +7666,7 @@
           <a:bodyPr/>
           <a:lstStyle/>
           <a:p>
-            <a:r>
-              <a:rPr kumimoji="1" lang="en-US" altLang="ja-JP" dirty="0" smtClean="0"/>
-              <a:t>Data Analysis in </a:t>
-            </a:r>
-            <a:r>
-              <a:rPr kumimoji="1" lang="en-US" altLang="ja-JP" dirty="0" err="1" smtClean="0"/>
-              <a:t>RUby</a:t>
-            </a:r>
-            <a:endParaRPr kumimoji="1" lang="en-US" altLang="ja-JP" dirty="0" smtClean="0"/>
-          </a:p>
-          <a:p>
-            <a:pPr marL="0" indent="0">
-              <a:buNone/>
-            </a:pPr>
-            <a:endParaRPr lang="en-US" altLang="ja-JP" dirty="0"/>
+            <a:endParaRPr kumimoji="1" lang="ja-JP" altLang="en-US" dirty="0"/>
           </a:p>
         </p:txBody>
       </p:sp>
@@ -7455,7 +7696,7 @@
     </p:spTree>
     <p:extLst>
       <p:ext uri="{BB962C8B-B14F-4D97-AF65-F5344CB8AC3E}">
-        <p14:creationId xmlns:p14="http://schemas.microsoft.com/office/powerpoint/2010/main" val="4243506312"/>
+        <p14:creationId xmlns:p14="http://schemas.microsoft.com/office/powerpoint/2010/main" val="2566757726"/>
       </p:ext>
     </p:extLst>
   </p:cSld>
@@ -7505,8 +7746,8 @@
           <a:lstStyle/>
           <a:p>
             <a:r>
-              <a:rPr lang="en-US" altLang="ja-JP" dirty="0" smtClean="0"/>
-              <a:t>Daru::Vector</a:t>
+              <a:rPr lang="en-US" altLang="ja-JP" dirty="0" err="1" smtClean="0"/>
+              <a:t>daru</a:t>
             </a:r>
             <a:endParaRPr kumimoji="1" lang="ja-JP" altLang="en-US" dirty="0"/>
           </a:p>
@@ -7528,16 +7769,12 @@
           <a:lstStyle/>
           <a:p>
             <a:r>
-              <a:rPr lang="en-US" altLang="ja-JP" dirty="0" smtClean="0"/>
-              <a:t>1</a:t>
-            </a:r>
-            <a:r>
-              <a:rPr lang="ja-JP" altLang="en-US" dirty="0" smtClean="0"/>
-              <a:t>次元</a:t>
-            </a:r>
-            <a:r>
-              <a:rPr lang="ja-JP" altLang="en-US" dirty="0"/>
-              <a:t>ベクトル</a:t>
+              <a:rPr kumimoji="1" lang="en-US" altLang="ja-JP" dirty="0" smtClean="0"/>
+              <a:t>Data Analysis in </a:t>
+            </a:r>
+            <a:r>
+              <a:rPr kumimoji="1" lang="en-US" altLang="ja-JP" dirty="0" err="1" smtClean="0"/>
+              <a:t>RUby</a:t>
             </a:r>
             <a:endParaRPr kumimoji="1" lang="en-US" altLang="ja-JP" dirty="0" smtClean="0"/>
           </a:p>
@@ -7567,6 +7804,126 @@
             <a:fld id="{D2D8002D-B5B0-4BAC-B1F6-782DDCCE6D9C}" type="slidenum">
               <a:rPr kumimoji="1" lang="ja-JP" altLang="en-US" smtClean="0"/>
               <a:t>22</a:t>
+            </a:fld>
+            <a:endParaRPr kumimoji="1" lang="ja-JP" altLang="en-US" dirty="0"/>
+          </a:p>
+        </p:txBody>
+      </p:sp>
+    </p:spTree>
+    <p:extLst>
+      <p:ext uri="{BB962C8B-B14F-4D97-AF65-F5344CB8AC3E}">
+        <p14:creationId xmlns:p14="http://schemas.microsoft.com/office/powerpoint/2010/main" val="4243506312"/>
+      </p:ext>
+    </p:extLst>
+  </p:cSld>
+  <p:clrMapOvr>
+    <a:masterClrMapping/>
+  </p:clrMapOvr>
+  <p:timing>
+    <p:tnLst>
+      <p:par>
+        <p:cTn id="1" dur="indefinite" restart="never" nodeType="tmRoot"/>
+      </p:par>
+    </p:tnLst>
+  </p:timing>
+</p:sld>
+</file>
+
+<file path=ppt/slides/slide24.xml><?xml version="1.0" encoding="utf-8"?>
+<p:sld xmlns:a="http://schemas.openxmlformats.org/drawingml/2006/main" xmlns:r="http://schemas.openxmlformats.org/officeDocument/2006/relationships" xmlns:p="http://schemas.openxmlformats.org/presentationml/2006/main">
+  <p:cSld>
+    <p:spTree>
+      <p:nvGrpSpPr>
+        <p:cNvPr id="1" name=""/>
+        <p:cNvGrpSpPr/>
+        <p:nvPr/>
+      </p:nvGrpSpPr>
+      <p:grpSpPr>
+        <a:xfrm>
+          <a:off x="0" y="0"/>
+          <a:ext cx="0" cy="0"/>
+          <a:chOff x="0" y="0"/>
+          <a:chExt cx="0" cy="0"/>
+        </a:xfrm>
+      </p:grpSpPr>
+      <p:sp>
+        <p:nvSpPr>
+          <p:cNvPr id="2" name="タイトル 1"/>
+          <p:cNvSpPr>
+            <a:spLocks noGrp="1"/>
+          </p:cNvSpPr>
+          <p:nvPr>
+            <p:ph type="title"/>
+          </p:nvPr>
+        </p:nvSpPr>
+        <p:spPr/>
+        <p:txBody>
+          <a:bodyPr/>
+          <a:lstStyle/>
+          <a:p>
+            <a:r>
+              <a:rPr lang="en-US" altLang="ja-JP" dirty="0" smtClean="0"/>
+              <a:t>Daru::Vector</a:t>
+            </a:r>
+            <a:endParaRPr kumimoji="1" lang="ja-JP" altLang="en-US" dirty="0"/>
+          </a:p>
+        </p:txBody>
+      </p:sp>
+      <p:sp>
+        <p:nvSpPr>
+          <p:cNvPr id="3" name="コンテンツ プレースホルダー 2"/>
+          <p:cNvSpPr>
+            <a:spLocks noGrp="1"/>
+          </p:cNvSpPr>
+          <p:nvPr>
+            <p:ph idx="1"/>
+          </p:nvPr>
+        </p:nvSpPr>
+        <p:spPr/>
+        <p:txBody>
+          <a:bodyPr/>
+          <a:lstStyle/>
+          <a:p>
+            <a:r>
+              <a:rPr lang="en-US" altLang="ja-JP" dirty="0" smtClean="0"/>
+              <a:t>1</a:t>
+            </a:r>
+            <a:r>
+              <a:rPr lang="ja-JP" altLang="en-US" dirty="0" smtClean="0"/>
+              <a:t>次元</a:t>
+            </a:r>
+            <a:r>
+              <a:rPr lang="ja-JP" altLang="en-US" dirty="0"/>
+              <a:t>ベクトル</a:t>
+            </a:r>
+            <a:endParaRPr kumimoji="1" lang="en-US" altLang="ja-JP" dirty="0" smtClean="0"/>
+          </a:p>
+          <a:p>
+            <a:pPr marL="0" indent="0">
+              <a:buNone/>
+            </a:pPr>
+            <a:endParaRPr lang="en-US" altLang="ja-JP" dirty="0"/>
+          </a:p>
+        </p:txBody>
+      </p:sp>
+      <p:sp>
+        <p:nvSpPr>
+          <p:cNvPr id="4" name="スライド番号プレースホルダー 3"/>
+          <p:cNvSpPr>
+            <a:spLocks noGrp="1"/>
+          </p:cNvSpPr>
+          <p:nvPr>
+            <p:ph type="sldNum" sz="quarter" idx="12"/>
+          </p:nvPr>
+        </p:nvSpPr>
+        <p:spPr/>
+        <p:txBody>
+          <a:bodyPr/>
+          <a:lstStyle/>
+          <a:p>
+            <a:fld id="{D2D8002D-B5B0-4BAC-B1F6-782DDCCE6D9C}" type="slidenum">
+              <a:rPr kumimoji="1" lang="ja-JP" altLang="en-US" smtClean="0"/>
+              <a:t>23</a:t>
             </a:fld>
             <a:endParaRPr kumimoji="1" lang="ja-JP" altLang="en-US" dirty="0"/>
           </a:p>
@@ -7683,7 +8040,7 @@
 </p:sld>
 </file>
 
-<file path=ppt/slides/slide24.xml><?xml version="1.0" encoding="utf-8"?>
+<file path=ppt/slides/slide25.xml><?xml version="1.0" encoding="utf-8"?>
 <p:sld xmlns:a="http://schemas.openxmlformats.org/drawingml/2006/main" xmlns:r="http://schemas.openxmlformats.org/officeDocument/2006/relationships" xmlns:p="http://schemas.openxmlformats.org/presentationml/2006/main">
   <p:cSld>
     <p:spTree>
@@ -7777,7 +8134,7 @@
           <a:p>
             <a:fld id="{D2D8002D-B5B0-4BAC-B1F6-782DDCCE6D9C}" type="slidenum">
               <a:rPr kumimoji="1" lang="ja-JP" altLang="en-US" smtClean="0"/>
-              <a:t>23</a:t>
+              <a:t>24</a:t>
             </a:fld>
             <a:endParaRPr kumimoji="1" lang="ja-JP" altLang="en-US" dirty="0"/>
           </a:p>
@@ -7894,215 +8251,6 @@
 </p:sld>
 </file>
 
-<file path=ppt/slides/slide25.xml><?xml version="1.0" encoding="utf-8"?>
-<p:sld xmlns:a="http://schemas.openxmlformats.org/drawingml/2006/main" xmlns:r="http://schemas.openxmlformats.org/officeDocument/2006/relationships" xmlns:p="http://schemas.openxmlformats.org/presentationml/2006/main">
-  <p:cSld>
-    <p:spTree>
-      <p:nvGrpSpPr>
-        <p:cNvPr id="1" name=""/>
-        <p:cNvGrpSpPr/>
-        <p:nvPr/>
-      </p:nvGrpSpPr>
-      <p:grpSpPr>
-        <a:xfrm>
-          <a:off x="0" y="0"/>
-          <a:ext cx="0" cy="0"/>
-          <a:chOff x="0" y="0"/>
-          <a:chExt cx="0" cy="0"/>
-        </a:xfrm>
-      </p:grpSpPr>
-      <p:sp>
-        <p:nvSpPr>
-          <p:cNvPr id="2" name="タイトル 1"/>
-          <p:cNvSpPr>
-            <a:spLocks noGrp="1"/>
-          </p:cNvSpPr>
-          <p:nvPr>
-            <p:ph type="title"/>
-          </p:nvPr>
-        </p:nvSpPr>
-        <p:spPr/>
-        <p:txBody>
-          <a:bodyPr/>
-          <a:lstStyle/>
-          <a:p>
-            <a:r>
-              <a:rPr kumimoji="1" lang="en-US" altLang="ja-JP" dirty="0" err="1" smtClean="0"/>
-              <a:t>Jupyter</a:t>
-            </a:r>
-            <a:r>
-              <a:rPr kumimoji="1" lang="en-US" altLang="ja-JP" dirty="0" smtClean="0"/>
-              <a:t>/</a:t>
-            </a:r>
-            <a:r>
-              <a:rPr kumimoji="1" lang="en-US" altLang="ja-JP" dirty="0" err="1" smtClean="0"/>
-              <a:t>IRuby</a:t>
-            </a:r>
-            <a:endParaRPr kumimoji="1" lang="ja-JP" altLang="en-US" dirty="0"/>
-          </a:p>
-        </p:txBody>
-      </p:sp>
-      <p:sp>
-        <p:nvSpPr>
-          <p:cNvPr id="3" name="コンテンツ プレースホルダー 2"/>
-          <p:cNvSpPr>
-            <a:spLocks noGrp="1"/>
-          </p:cNvSpPr>
-          <p:nvPr>
-            <p:ph idx="1"/>
-          </p:nvPr>
-        </p:nvSpPr>
-        <p:spPr/>
-        <p:txBody>
-          <a:bodyPr/>
-          <a:lstStyle/>
-          <a:p>
-            <a:r>
-              <a:rPr kumimoji="1" lang="en-US" altLang="ja-JP" dirty="0" err="1" smtClean="0"/>
-              <a:t>Jupyter</a:t>
-            </a:r>
-            <a:endParaRPr kumimoji="1" lang="en-US" altLang="ja-JP" dirty="0" smtClean="0"/>
-          </a:p>
-          <a:p>
-            <a:pPr lvl="1"/>
-            <a:r>
-              <a:rPr lang="en-US" altLang="ja-JP" dirty="0" smtClean="0"/>
-              <a:t>Web</a:t>
-            </a:r>
-            <a:r>
-              <a:rPr lang="ja-JP" altLang="en-US" dirty="0" smtClean="0"/>
-              <a:t>アプリケーションによる対話環境</a:t>
-            </a:r>
-            <a:endParaRPr lang="en-US" altLang="ja-JP" dirty="0" smtClean="0"/>
-          </a:p>
-          <a:p>
-            <a:pPr lvl="1"/>
-            <a:r>
-              <a:rPr kumimoji="1" lang="en-US" altLang="ja-JP" dirty="0" err="1" smtClean="0"/>
-              <a:t>Matematica</a:t>
-            </a:r>
-            <a:r>
-              <a:rPr kumimoji="1" lang="ja-JP" altLang="en-US" dirty="0" smtClean="0"/>
-              <a:t>風のノートブック</a:t>
-            </a:r>
-            <a:endParaRPr lang="en-US" altLang="ja-JP" dirty="0"/>
-          </a:p>
-          <a:p>
-            <a:pPr lvl="2"/>
-            <a:r>
-              <a:rPr lang="ja-JP" altLang="en-US" dirty="0" smtClean="0"/>
-              <a:t>プログラムの対話的実行</a:t>
-            </a:r>
-            <a:endParaRPr lang="en-US" altLang="ja-JP" dirty="0" smtClean="0"/>
-          </a:p>
-          <a:p>
-            <a:pPr lvl="2"/>
-            <a:r>
-              <a:rPr kumimoji="1" lang="ja-JP" altLang="en-US" dirty="0" smtClean="0"/>
-              <a:t>グラフの描画</a:t>
-            </a:r>
-            <a:endParaRPr kumimoji="1" lang="en-US" altLang="ja-JP" dirty="0" smtClean="0"/>
-          </a:p>
-          <a:p>
-            <a:pPr lvl="1"/>
-            <a:r>
-              <a:rPr lang="ja-JP" altLang="en-US" dirty="0" smtClean="0"/>
-              <a:t>プログラミング言語非依存</a:t>
-            </a:r>
-            <a:endParaRPr lang="en-US" altLang="ja-JP" dirty="0" smtClean="0"/>
-          </a:p>
-          <a:p>
-            <a:pPr lvl="2"/>
-            <a:r>
-              <a:rPr lang="ja-JP" altLang="en-US" dirty="0" smtClean="0"/>
-              <a:t>各言語の実行環境をカーネルとして提供</a:t>
-            </a:r>
-            <a:endParaRPr lang="en-US" altLang="ja-JP" dirty="0" smtClean="0"/>
-          </a:p>
-          <a:p>
-            <a:pPr lvl="2"/>
-            <a:r>
-              <a:rPr lang="ja-JP" altLang="en-US" dirty="0" smtClean="0"/>
-              <a:t>プロセス間</a:t>
-            </a:r>
-            <a:r>
-              <a:rPr lang="ja-JP" altLang="en-US" dirty="0"/>
-              <a:t>通信</a:t>
-            </a:r>
-            <a:endParaRPr lang="en-US" altLang="ja-JP" dirty="0" smtClean="0"/>
-          </a:p>
-          <a:p>
-            <a:r>
-              <a:rPr kumimoji="1" lang="en-US" altLang="ja-JP" dirty="0" err="1" smtClean="0"/>
-              <a:t>IRuby</a:t>
-            </a:r>
-            <a:endParaRPr kumimoji="1" lang="en-US" altLang="ja-JP" dirty="0" smtClean="0"/>
-          </a:p>
-          <a:p>
-            <a:pPr lvl="1"/>
-            <a:r>
-              <a:rPr lang="en-US" altLang="ja-JP" dirty="0" err="1" smtClean="0"/>
-              <a:t>Jupyter</a:t>
-            </a:r>
-            <a:r>
-              <a:rPr lang="ja-JP" altLang="en-US" dirty="0" smtClean="0"/>
-              <a:t>の</a:t>
-            </a:r>
-            <a:r>
-              <a:rPr lang="en-US" altLang="ja-JP" dirty="0" smtClean="0"/>
-              <a:t>Ruby</a:t>
-            </a:r>
-            <a:r>
-              <a:rPr lang="ja-JP" altLang="en-US" dirty="0" smtClean="0"/>
-              <a:t>カーネル</a:t>
-            </a:r>
-            <a:endParaRPr kumimoji="1" lang="ja-JP" altLang="en-US" dirty="0"/>
-          </a:p>
-        </p:txBody>
-      </p:sp>
-      <p:sp>
-        <p:nvSpPr>
-          <p:cNvPr id="4" name="スライド番号プレースホルダー 3"/>
-          <p:cNvSpPr>
-            <a:spLocks noGrp="1"/>
-          </p:cNvSpPr>
-          <p:nvPr>
-            <p:ph type="sldNum" sz="quarter" idx="12"/>
-          </p:nvPr>
-        </p:nvSpPr>
-        <p:spPr/>
-        <p:txBody>
-          <a:bodyPr/>
-          <a:lstStyle/>
-          <a:p>
-            <a:fld id="{D2D8002D-B5B0-4BAC-B1F6-782DDCCE6D9C}" type="slidenum">
-              <a:rPr kumimoji="1" lang="ja-JP" altLang="en-US" smtClean="0"/>
-              <a:t>24</a:t>
-            </a:fld>
-            <a:endParaRPr kumimoji="1" lang="ja-JP" altLang="en-US" dirty="0"/>
-          </a:p>
-        </p:txBody>
-      </p:sp>
-    </p:spTree>
-    <p:extLst>
-      <p:ext uri="{BB962C8B-B14F-4D97-AF65-F5344CB8AC3E}">
-        <p14:creationId xmlns:p14="http://schemas.microsoft.com/office/powerpoint/2010/main" val="1471523091"/>
-      </p:ext>
-    </p:extLst>
-  </p:cSld>
-  <p:clrMapOvr>
-    <a:masterClrMapping/>
-  </p:clrMapOvr>
-  <p:timing>
-    <p:tnLst>
-      <p:par>
-        <p:cTn id="1" dur="indefinite" restart="never" nodeType="tmRoot"/>
-      </p:par>
-    </p:tnLst>
-  </p:timing>
-</p:sld>
-</file>
-
 <file path=ppt/slides/slide26.xml><?xml version="1.0" encoding="utf-8"?>
 <p:sld xmlns:a="http://schemas.openxmlformats.org/drawingml/2006/main" xmlns:r="http://schemas.openxmlformats.org/officeDocument/2006/relationships" xmlns:p="http://schemas.openxmlformats.org/presentationml/2006/main">
   <p:cSld>
@@ -8136,8 +8284,134 @@
           <a:lstStyle/>
           <a:p>
             <a:r>
+              <a:rPr kumimoji="1" lang="en-US" altLang="ja-JP" dirty="0" err="1" smtClean="0"/>
+              <a:t>Jupyter</a:t>
+            </a:r>
+            <a:r>
+              <a:rPr kumimoji="1" lang="en-US" altLang="ja-JP" dirty="0" smtClean="0"/>
+              <a:t>/</a:t>
+            </a:r>
+            <a:r>
+              <a:rPr kumimoji="1" lang="en-US" altLang="ja-JP" dirty="0" err="1" smtClean="0"/>
+              <a:t>IRuby</a:t>
+            </a:r>
+            <a:endParaRPr kumimoji="1" lang="ja-JP" altLang="en-US" dirty="0"/>
+          </a:p>
+        </p:txBody>
+      </p:sp>
+      <p:sp>
+        <p:nvSpPr>
+          <p:cNvPr id="3" name="コンテンツ プレースホルダー 2"/>
+          <p:cNvSpPr>
+            <a:spLocks noGrp="1"/>
+          </p:cNvSpPr>
+          <p:nvPr>
+            <p:ph idx="1"/>
+          </p:nvPr>
+        </p:nvSpPr>
+        <p:spPr/>
+        <p:txBody>
+          <a:bodyPr/>
+          <a:lstStyle/>
+          <a:p>
+            <a:r>
+              <a:rPr kumimoji="1" lang="en-US" altLang="ja-JP" dirty="0" err="1" smtClean="0"/>
+              <a:t>Jupyter</a:t>
+            </a:r>
+            <a:endParaRPr kumimoji="1" lang="en-US" altLang="ja-JP" dirty="0" smtClean="0"/>
+          </a:p>
+          <a:p>
+            <a:pPr lvl="1"/>
+            <a:r>
+              <a:rPr lang="en-US" altLang="ja-JP" dirty="0" smtClean="0"/>
+              <a:t>Web</a:t>
+            </a:r>
+            <a:r>
+              <a:rPr lang="ja-JP" altLang="en-US" dirty="0" smtClean="0"/>
+              <a:t>アプリケーションによる対話環境</a:t>
+            </a:r>
+            <a:endParaRPr lang="en-US" altLang="ja-JP" dirty="0" smtClean="0"/>
+          </a:p>
+          <a:p>
+            <a:pPr lvl="1"/>
+            <a:r>
+              <a:rPr kumimoji="1" lang="en-US" altLang="ja-JP" dirty="0" err="1" smtClean="0"/>
+              <a:t>Matematica</a:t>
+            </a:r>
+            <a:r>
+              <a:rPr kumimoji="1" lang="ja-JP" altLang="en-US" dirty="0" smtClean="0"/>
+              <a:t>風のノートブック</a:t>
+            </a:r>
+            <a:endParaRPr lang="en-US" altLang="ja-JP" dirty="0"/>
+          </a:p>
+          <a:p>
+            <a:pPr lvl="2"/>
+            <a:r>
+              <a:rPr lang="ja-JP" altLang="en-US" dirty="0" smtClean="0"/>
+              <a:t>プログラムの対話的実行</a:t>
+            </a:r>
+            <a:endParaRPr lang="en-US" altLang="ja-JP" dirty="0" smtClean="0"/>
+          </a:p>
+          <a:p>
+            <a:pPr lvl="2"/>
+            <a:r>
+              <a:rPr kumimoji="1" lang="ja-JP" altLang="en-US" dirty="0" smtClean="0"/>
+              <a:t>グラフの描画</a:t>
+            </a:r>
+            <a:endParaRPr kumimoji="1" lang="en-US" altLang="ja-JP" dirty="0" smtClean="0"/>
+          </a:p>
+          <a:p>
+            <a:pPr lvl="1"/>
+            <a:r>
+              <a:rPr lang="ja-JP" altLang="en-US" dirty="0" smtClean="0"/>
+              <a:t>プログラミング言語非依存</a:t>
+            </a:r>
+            <a:endParaRPr lang="en-US" altLang="ja-JP" dirty="0" smtClean="0"/>
+          </a:p>
+          <a:p>
+            <a:pPr lvl="2"/>
+            <a:r>
+              <a:rPr lang="ja-JP" altLang="en-US" dirty="0" smtClean="0"/>
+              <a:t>各言語の実行環境をカーネルとして提供</a:t>
+            </a:r>
+            <a:endParaRPr lang="en-US" altLang="ja-JP" dirty="0" smtClean="0"/>
+          </a:p>
+          <a:p>
+            <a:pPr lvl="2"/>
+            <a:r>
+              <a:rPr lang="ja-JP" altLang="en-US" dirty="0" smtClean="0"/>
+              <a:t>プロセス間</a:t>
+            </a:r>
+            <a:r>
               <a:rPr lang="ja-JP" altLang="en-US" dirty="0"/>
-              <a:t>デモ</a:t>
+              <a:t>通信</a:t>
+            </a:r>
+            <a:endParaRPr lang="en-US" altLang="ja-JP" dirty="0" smtClean="0"/>
+          </a:p>
+          <a:p>
+            <a:r>
+              <a:rPr kumimoji="1" lang="en-US" altLang="ja-JP" dirty="0" err="1" smtClean="0"/>
+              <a:t>IRuby</a:t>
+            </a:r>
+            <a:endParaRPr kumimoji="1" lang="en-US" altLang="ja-JP" dirty="0" smtClean="0"/>
+          </a:p>
+          <a:p>
+            <a:pPr lvl="1"/>
+            <a:r>
+              <a:rPr lang="en-US" altLang="ja-JP" dirty="0" err="1" smtClean="0"/>
+              <a:t>Jupyter</a:t>
+            </a:r>
+            <a:r>
+              <a:rPr lang="ja-JP" altLang="en-US" dirty="0" smtClean="0"/>
+              <a:t>の</a:t>
+            </a:r>
+            <a:r>
+              <a:rPr lang="en-US" altLang="ja-JP" dirty="0" smtClean="0"/>
+              <a:t>Ruby</a:t>
+            </a:r>
+            <a:r>
+              <a:rPr lang="ja-JP" altLang="en-US" dirty="0" smtClean="0"/>
+              <a:t>カーネル</a:t>
             </a:r>
             <a:endParaRPr kumimoji="1" lang="ja-JP" altLang="en-US" dirty="0"/>
           </a:p>
@@ -8169,7 +8443,7 @@
     </p:spTree>
     <p:extLst>
       <p:ext uri="{BB962C8B-B14F-4D97-AF65-F5344CB8AC3E}">
-        <p14:creationId xmlns:p14="http://schemas.microsoft.com/office/powerpoint/2010/main" val="1075475458"/>
+        <p14:creationId xmlns:p14="http://schemas.microsoft.com/office/powerpoint/2010/main" val="1471523091"/>
       </p:ext>
     </p:extLst>
   </p:cSld>
@@ -8219,36 +8493,9 @@
           <a:lstStyle/>
           <a:p>
             <a:r>
-              <a:rPr lang="en-US" altLang="ja-JP" dirty="0" smtClean="0"/>
-              <a:t>Ruby</a:t>
-            </a:r>
-            <a:r>
-              <a:rPr lang="ja-JP" altLang="en-US" dirty="0" smtClean="0"/>
-              <a:t>に足りないとこ</a:t>
-            </a:r>
-            <a:r>
               <a:rPr lang="ja-JP" altLang="en-US" dirty="0"/>
-              <a:t>ろ</a:t>
-            </a:r>
-            <a:endParaRPr kumimoji="1" lang="ja-JP" altLang="en-US" dirty="0"/>
-          </a:p>
-        </p:txBody>
-      </p:sp>
-      <p:sp>
-        <p:nvSpPr>
-          <p:cNvPr id="3" name="コンテンツ プレースホルダー 2"/>
-          <p:cNvSpPr>
-            <a:spLocks noGrp="1"/>
-          </p:cNvSpPr>
-          <p:nvPr>
-            <p:ph idx="1"/>
-          </p:nvPr>
-        </p:nvSpPr>
-        <p:spPr/>
-        <p:txBody>
-          <a:bodyPr/>
-          <a:lstStyle/>
-          <a:p>
+              <a:t>デモ</a:t>
+            </a:r>
             <a:endParaRPr kumimoji="1" lang="ja-JP" altLang="en-US" dirty="0"/>
           </a:p>
         </p:txBody>
@@ -8279,7 +8526,7 @@
     </p:spTree>
     <p:extLst>
       <p:ext uri="{BB962C8B-B14F-4D97-AF65-F5344CB8AC3E}">
-        <p14:creationId xmlns:p14="http://schemas.microsoft.com/office/powerpoint/2010/main" val="1140151568"/>
+        <p14:creationId xmlns:p14="http://schemas.microsoft.com/office/powerpoint/2010/main" val="1075475458"/>
       </p:ext>
     </p:extLst>
   </p:cSld>
@@ -8329,17 +8576,36 @@
           <a:lstStyle/>
           <a:p>
             <a:r>
+              <a:rPr lang="en-US" altLang="ja-JP" dirty="0" smtClean="0"/>
+              <a:t>Ruby</a:t>
+            </a:r>
+            <a:r>
+              <a:rPr lang="ja-JP" altLang="en-US" dirty="0" smtClean="0"/>
+              <a:t>に足りないとこ</a:t>
+            </a:r>
+            <a:r>
               <a:rPr lang="ja-JP" altLang="en-US" dirty="0"/>
-              <a:t>今後</a:t>
-            </a:r>
-            <a:r>
-              <a:rPr lang="ja-JP" altLang="en-US" dirty="0" smtClean="0"/>
-              <a:t>の</a:t>
-            </a:r>
-            <a:r>
-              <a:rPr lang="ja-JP" altLang="en-US" dirty="0"/>
-              <a:t>展望</a:t>
-            </a:r>
+              <a:t>ろ</a:t>
+            </a:r>
+            <a:endParaRPr kumimoji="1" lang="ja-JP" altLang="en-US" dirty="0"/>
+          </a:p>
+        </p:txBody>
+      </p:sp>
+      <p:sp>
+        <p:nvSpPr>
+          <p:cNvPr id="3" name="コンテンツ プレースホルダー 2"/>
+          <p:cNvSpPr>
+            <a:spLocks noGrp="1"/>
+          </p:cNvSpPr>
+          <p:nvPr>
+            <p:ph idx="1"/>
+          </p:nvPr>
+        </p:nvSpPr>
+        <p:spPr/>
+        <p:txBody>
+          <a:bodyPr/>
+          <a:lstStyle/>
+          <a:p>
             <a:endParaRPr kumimoji="1" lang="ja-JP" altLang="en-US" dirty="0"/>
           </a:p>
         </p:txBody>
@@ -8370,7 +8636,7 @@
     </p:spTree>
     <p:extLst>
       <p:ext uri="{BB962C8B-B14F-4D97-AF65-F5344CB8AC3E}">
-        <p14:creationId xmlns:p14="http://schemas.microsoft.com/office/powerpoint/2010/main" val="811270252"/>
+        <p14:creationId xmlns:p14="http://schemas.microsoft.com/office/powerpoint/2010/main" val="1140151568"/>
       </p:ext>
     </p:extLst>
   </p:cSld>
@@ -8420,28 +8686,17 @@
           <a:lstStyle/>
           <a:p>
             <a:r>
+              <a:rPr lang="ja-JP" altLang="en-US" dirty="0"/>
+              <a:t>今後</a:t>
+            </a:r>
+            <a:r>
               <a:rPr lang="ja-JP" altLang="en-US" dirty="0" smtClean="0"/>
-              <a:t>機能の拡充</a:t>
-            </a:r>
-            <a:endParaRPr kumimoji="1" lang="ja-JP" altLang="en-US" dirty="0"/>
-          </a:p>
-        </p:txBody>
-      </p:sp>
-      <p:sp>
-        <p:nvSpPr>
-          <p:cNvPr id="6" name="コンテンツ プレースホルダー 5"/>
-          <p:cNvSpPr>
-            <a:spLocks noGrp="1"/>
-          </p:cNvSpPr>
-          <p:nvPr>
-            <p:ph idx="1"/>
-          </p:nvPr>
-        </p:nvSpPr>
-        <p:spPr/>
-        <p:txBody>
-          <a:bodyPr/>
-          <a:lstStyle/>
-          <a:p>
+              <a:t>の</a:t>
+            </a:r>
+            <a:r>
+              <a:rPr lang="ja-JP" altLang="en-US" dirty="0"/>
+              <a:t>展望</a:t>
+            </a:r>
             <a:endParaRPr kumimoji="1" lang="ja-JP" altLang="en-US" dirty="0"/>
           </a:p>
         </p:txBody>
@@ -8472,7 +8727,7 @@
     </p:spTree>
     <p:extLst>
       <p:ext uri="{BB962C8B-B14F-4D97-AF65-F5344CB8AC3E}">
-        <p14:creationId xmlns:p14="http://schemas.microsoft.com/office/powerpoint/2010/main" val="565505173"/>
+        <p14:creationId xmlns:p14="http://schemas.microsoft.com/office/powerpoint/2010/main" val="811270252"/>
       </p:ext>
     </p:extLst>
   </p:cSld>
@@ -8609,12 +8864,8 @@
           <a:lstStyle/>
           <a:p>
             <a:r>
-              <a:rPr lang="en-US" altLang="ja-JP" dirty="0" smtClean="0"/>
-              <a:t>DSL</a:t>
-            </a:r>
-            <a:r>
               <a:rPr lang="ja-JP" altLang="en-US" dirty="0" smtClean="0"/>
-              <a:t>の強化</a:t>
+              <a:t>機能の拡充</a:t>
             </a:r>
             <a:endParaRPr kumimoji="1" lang="ja-JP" altLang="en-US" dirty="0"/>
           </a:p>
@@ -8665,7 +8916,7 @@
     </p:spTree>
     <p:extLst>
       <p:ext uri="{BB962C8B-B14F-4D97-AF65-F5344CB8AC3E}">
-        <p14:creationId xmlns:p14="http://schemas.microsoft.com/office/powerpoint/2010/main" val="3539118332"/>
+        <p14:creationId xmlns:p14="http://schemas.microsoft.com/office/powerpoint/2010/main" val="565505173"/>
       </p:ext>
     </p:extLst>
   </p:cSld>
@@ -8715,12 +8966,12 @@
           <a:lstStyle/>
           <a:p>
             <a:r>
-              <a:rPr lang="ja-JP" altLang="en-US" dirty="0"/>
-              <a:t>計算</a:t>
+              <a:rPr lang="en-US" altLang="ja-JP" dirty="0" smtClean="0"/>
+              <a:t>DSL</a:t>
             </a:r>
             <a:r>
               <a:rPr lang="ja-JP" altLang="en-US" dirty="0" smtClean="0"/>
-              <a:t>と可視化の統合</a:t>
+              <a:t>の強化</a:t>
             </a:r>
             <a:endParaRPr kumimoji="1" lang="ja-JP" altLang="en-US" dirty="0"/>
           </a:p>
@@ -8771,7 +9022,7 @@
     </p:spTree>
     <p:extLst>
       <p:ext uri="{BB962C8B-B14F-4D97-AF65-F5344CB8AC3E}">
-        <p14:creationId xmlns:p14="http://schemas.microsoft.com/office/powerpoint/2010/main" val="3583640956"/>
+        <p14:creationId xmlns:p14="http://schemas.microsoft.com/office/powerpoint/2010/main" val="3539118332"/>
       </p:ext>
     </p:extLst>
   </p:cSld>
@@ -8821,6 +9072,112 @@
           <a:lstStyle/>
           <a:p>
             <a:r>
+              <a:rPr lang="ja-JP" altLang="en-US" dirty="0"/>
+              <a:t>計算</a:t>
+            </a:r>
+            <a:r>
+              <a:rPr lang="ja-JP" altLang="en-US" dirty="0" smtClean="0"/>
+              <a:t>と可視化の統合</a:t>
+            </a:r>
+            <a:endParaRPr kumimoji="1" lang="ja-JP" altLang="en-US" dirty="0"/>
+          </a:p>
+        </p:txBody>
+      </p:sp>
+      <p:sp>
+        <p:nvSpPr>
+          <p:cNvPr id="6" name="コンテンツ プレースホルダー 5"/>
+          <p:cNvSpPr>
+            <a:spLocks noGrp="1"/>
+          </p:cNvSpPr>
+          <p:nvPr>
+            <p:ph idx="1"/>
+          </p:nvPr>
+        </p:nvSpPr>
+        <p:spPr/>
+        <p:txBody>
+          <a:bodyPr/>
+          <a:lstStyle/>
+          <a:p>
+            <a:endParaRPr kumimoji="1" lang="ja-JP" altLang="en-US" dirty="0"/>
+          </a:p>
+        </p:txBody>
+      </p:sp>
+      <p:sp>
+        <p:nvSpPr>
+          <p:cNvPr id="4" name="スライド番号プレースホルダー 3"/>
+          <p:cNvSpPr>
+            <a:spLocks noGrp="1"/>
+          </p:cNvSpPr>
+          <p:nvPr>
+            <p:ph type="sldNum" sz="quarter" idx="12"/>
+          </p:nvPr>
+        </p:nvSpPr>
+        <p:spPr/>
+        <p:txBody>
+          <a:bodyPr/>
+          <a:lstStyle/>
+          <a:p>
+            <a:fld id="{D2D8002D-B5B0-4BAC-B1F6-782DDCCE6D9C}" type="slidenum">
+              <a:rPr kumimoji="1" lang="ja-JP" altLang="en-US" smtClean="0"/>
+              <a:t>31</a:t>
+            </a:fld>
+            <a:endParaRPr kumimoji="1" lang="ja-JP" altLang="en-US" dirty="0"/>
+          </a:p>
+        </p:txBody>
+      </p:sp>
+    </p:spTree>
+    <p:extLst>
+      <p:ext uri="{BB962C8B-B14F-4D97-AF65-F5344CB8AC3E}">
+        <p14:creationId xmlns:p14="http://schemas.microsoft.com/office/powerpoint/2010/main" val="3583640956"/>
+      </p:ext>
+    </p:extLst>
+  </p:cSld>
+  <p:clrMapOvr>
+    <a:masterClrMapping/>
+  </p:clrMapOvr>
+  <p:timing>
+    <p:tnLst>
+      <p:par>
+        <p:cTn id="1" dur="indefinite" restart="never" nodeType="tmRoot"/>
+      </p:par>
+    </p:tnLst>
+  </p:timing>
+</p:sld>
+</file>
+
+<file path=ppt/slides/slide33.xml><?xml version="1.0" encoding="utf-8"?>
+<p:sld xmlns:a="http://schemas.openxmlformats.org/drawingml/2006/main" xmlns:r="http://schemas.openxmlformats.org/officeDocument/2006/relationships" xmlns:p="http://schemas.openxmlformats.org/presentationml/2006/main">
+  <p:cSld>
+    <p:spTree>
+      <p:nvGrpSpPr>
+        <p:cNvPr id="1" name=""/>
+        <p:cNvGrpSpPr/>
+        <p:nvPr/>
+      </p:nvGrpSpPr>
+      <p:grpSpPr>
+        <a:xfrm>
+          <a:off x="0" y="0"/>
+          <a:ext cx="0" cy="0"/>
+          <a:chOff x="0" y="0"/>
+          <a:chExt cx="0" cy="0"/>
+        </a:xfrm>
+      </p:grpSpPr>
+      <p:sp>
+        <p:nvSpPr>
+          <p:cNvPr id="2" name="タイトル 1"/>
+          <p:cNvSpPr>
+            <a:spLocks noGrp="1"/>
+          </p:cNvSpPr>
+          <p:nvPr>
+            <p:ph type="title"/>
+          </p:nvPr>
+        </p:nvSpPr>
+        <p:spPr/>
+        <p:txBody>
+          <a:bodyPr/>
+          <a:lstStyle/>
+          <a:p>
+            <a:r>
               <a:rPr kumimoji="1" lang="en-US" altLang="ja-JP" dirty="0" smtClean="0"/>
               <a:t>References</a:t>
             </a:r>
@@ -8981,7 +9338,7 @@
           <a:p>
             <a:fld id="{D2D8002D-B5B0-4BAC-B1F6-782DDCCE6D9C}" type="slidenum">
               <a:rPr kumimoji="1" lang="ja-JP" altLang="en-US" smtClean="0"/>
-              <a:t>31</a:t>
+              <a:t>32</a:t>
             </a:fld>
             <a:endParaRPr kumimoji="1" lang="ja-JP" altLang="en-US" dirty="0"/>
           </a:p>

--- a/ruby_data_analysis.pptx
+++ b/ruby_data_analysis.pptx
@@ -4301,11 +4301,7 @@
             </a:r>
             <a:r>
               <a:rPr lang="ja-JP" altLang="en-US" sz="5400" dirty="0" smtClean="0"/>
-              <a:t>によるデータ</a:t>
-            </a:r>
-            <a:r>
-              <a:rPr lang="ja-JP" altLang="en-US" sz="5400" dirty="0" smtClean="0"/>
-              <a:t>解析</a:t>
+              <a:t>によるデータ解析</a:t>
             </a:r>
             <a:r>
               <a:rPr lang="en-US" altLang="ja-JP" sz="5400" dirty="0" smtClean="0"/>
@@ -4392,14 +4388,7 @@
                 <a:latin typeface="+mj-ea"/>
                 <a:ea typeface="+mj-ea"/>
               </a:rPr>
-              <a:t>株式</a:t>
-            </a:r>
-            <a:r>
-              <a:rPr lang="ja-JP" altLang="en-US" dirty="0" smtClean="0">
-                <a:latin typeface="+mj-ea"/>
-                <a:ea typeface="+mj-ea"/>
-              </a:rPr>
-              <a:t>会社ネットワーク</a:t>
+              <a:t>株式会社ネットワーク</a:t>
             </a:r>
             <a:r>
               <a:rPr lang="ja-JP" altLang="en-US" dirty="0">
@@ -4513,8 +4502,8 @@
           </a:p>
         </p:txBody>
       </p:sp>
-      <mc:AlternateContent xmlns:mc="http://schemas.openxmlformats.org/markup-compatibility/2006">
-        <mc:Choice xmlns:a14="http://schemas.microsoft.com/office/drawing/2010/main" Requires="a14">
+      <mc:AlternateContent xmlns:mc="http://schemas.openxmlformats.org/markup-compatibility/2006" xmlns:a14="http://schemas.microsoft.com/office/drawing/2010/main">
+        <mc:Choice Requires="a14">
           <p:sp>
             <p:nvSpPr>
               <p:cNvPr id="3" name="コンテンツ プレースホルダー 2"/>
@@ -4661,19 +4650,7 @@
                 <a:pPr lvl="1"/>
                 <a:r>
                   <a:rPr lang="ja-JP" altLang="en-US" dirty="0" smtClean="0"/>
-                  <a:t>平均からのばらつきの指標（正の値にする</a:t>
-                </a:r>
-                <a:r>
-                  <a:rPr lang="ja-JP" altLang="en-US" dirty="0" smtClean="0"/>
-                  <a:t>ため</a:t>
-                </a:r>
-                <a:r>
-                  <a:rPr lang="ja-JP" altLang="en-US" dirty="0" smtClean="0"/>
-                  <a:t>自乗誤差を使う</a:t>
-                </a:r>
-                <a:r>
-                  <a:rPr lang="ja-JP" altLang="en-US" dirty="0" smtClean="0"/>
-                  <a:t>）</a:t>
+                  <a:t>平均からのばらつきの指標（正の値にするため自乗誤差を使う）</a:t>
                 </a:r>
                 <a:endParaRPr lang="en-US" altLang="ja-JP" i="1" dirty="0" smtClean="0">
                   <a:latin typeface="Cambria Math" panose="02040503050406030204" pitchFamily="18" charset="0"/>
@@ -4908,15 +4885,7 @@
                 </a14:m>
                 <a:r>
                   <a:rPr lang="ja-JP" altLang="en-US" dirty="0" smtClean="0"/>
-                  <a:t>の</a:t>
-                </a:r>
-                <a:r>
-                  <a:rPr lang="ja-JP" altLang="en-US" dirty="0" smtClean="0"/>
-                  <a:t>値と比較しやすくする</a:t>
-                </a:r>
-                <a:r>
-                  <a:rPr lang="ja-JP" altLang="en-US" dirty="0" smtClean="0"/>
-                  <a:t>ため平方根を取る）</a:t>
+                  <a:t>の値と比較しやすくするため平方根を取る）</a:t>
                 </a:r>
                 <a:endParaRPr lang="en-US" altLang="ja-JP" dirty="0" smtClean="0"/>
               </a:p>
@@ -5099,7 +5068,7 @@
             </p:txBody>
           </p:sp>
         </mc:Choice>
-        <mc:Fallback>
+        <mc:Fallback xmlns="">
           <p:sp>
             <p:nvSpPr>
               <p:cNvPr id="3" name="コンテンツ プレースホルダー 2"/>
@@ -5791,8 +5760,8 @@
           </a:p>
         </p:txBody>
       </p:sp>
-      <mc:AlternateContent xmlns:mc="http://schemas.openxmlformats.org/markup-compatibility/2006">
-        <mc:Choice xmlns:a14="http://schemas.microsoft.com/office/drawing/2010/main" Requires="a14">
+      <mc:AlternateContent xmlns:mc="http://schemas.openxmlformats.org/markup-compatibility/2006" xmlns:a14="http://schemas.microsoft.com/office/drawing/2010/main">
+        <mc:Choice Requires="a14">
           <p:sp>
             <p:nvSpPr>
               <p:cNvPr id="5" name="コンテンツ プレースホルダー 4"/>
@@ -5977,7 +5946,7 @@
             </p:txBody>
           </p:sp>
         </mc:Choice>
-        <mc:Fallback>
+        <mc:Fallback xmlns="">
           <p:sp>
             <p:nvSpPr>
               <p:cNvPr id="5" name="コンテンツ プレースホルダー 4"/>
@@ -6095,7 +6064,7 @@
           <a:p>
             <a:r>
               <a:rPr lang="ja-JP" altLang="en-US" dirty="0" smtClean="0"/>
-              <a:t>株価の対数の分布</a:t>
+              <a:t>対数を使う根拠</a:t>
             </a:r>
             <a:endParaRPr kumimoji="1" lang="ja-JP" altLang="en-US" dirty="0"/>
           </a:p>
@@ -6117,43 +6086,51 @@
           <a:lstStyle/>
           <a:p>
             <a:r>
-              <a:rPr lang="en-US" altLang="ja-JP" dirty="0" smtClean="0"/>
-              <a:t>TODO: </a:t>
-            </a:r>
-            <a:r>
               <a:rPr lang="ja-JP" altLang="en-US" dirty="0" smtClean="0"/>
-              <a:t>副</a:t>
+              <a:t>価格の変化と利益・損失に対する主観的感覚を「同じ間隔」で測る</a:t>
+            </a:r>
+            <a:endParaRPr lang="en-US" altLang="ja-JP" dirty="0" smtClean="0"/>
+          </a:p>
+          <a:p>
+            <a:r>
+              <a:rPr kumimoji="1" lang="en-US" altLang="ja-JP" dirty="0" smtClean="0"/>
+              <a:t>$10</a:t>
+            </a:r>
+            <a:r>
+              <a:rPr lang="ja-JP" altLang="en-US" dirty="0" smtClean="0"/>
+              <a:t>か</a:t>
+            </a:r>
+            <a:r>
+              <a:rPr lang="ja-JP" altLang="en-US" dirty="0"/>
+              <a:t>ら</a:t>
+            </a:r>
+            <a:r>
+              <a:rPr kumimoji="1" lang="en-US" altLang="ja-JP" dirty="0" smtClean="0"/>
+              <a:t>$11</a:t>
             </a:r>
             <a:r>
               <a:rPr kumimoji="1" lang="ja-JP" altLang="en-US" dirty="0" smtClean="0"/>
-              <a:t>極大と</a:t>
-            </a:r>
-            <a:r>
-              <a:rPr kumimoji="1" lang="en-US" altLang="ja-JP" dirty="0" err="1" smtClean="0"/>
-              <a:t>pfd</a:t>
+              <a:t>の価格変化と、</a:t>
+            </a:r>
+            <a:r>
+              <a:rPr kumimoji="1" lang="en-US" altLang="ja-JP" dirty="0" smtClean="0"/>
+              <a:t>$100</a:t>
+            </a:r>
+            <a:r>
+              <a:rPr lang="ja-JP" altLang="en-US" dirty="0" smtClean="0"/>
+              <a:t>か</a:t>
+            </a:r>
+            <a:r>
+              <a:rPr lang="ja-JP" altLang="en-US" dirty="0"/>
+              <a:t>ら</a:t>
+            </a:r>
+            <a:r>
+              <a:rPr kumimoji="1" lang="en-US" altLang="ja-JP" dirty="0" smtClean="0"/>
+              <a:t>$110</a:t>
             </a:r>
             <a:r>
               <a:rPr kumimoji="1" lang="ja-JP" altLang="en-US" dirty="0" smtClean="0"/>
-              <a:t>の話</a:t>
-            </a:r>
-            <a:endParaRPr kumimoji="1" lang="en-US" altLang="ja-JP" dirty="0" smtClean="0"/>
-          </a:p>
-          <a:p>
-            <a:r>
-              <a:rPr lang="en-US" altLang="ja-JP" dirty="0" smtClean="0"/>
-              <a:t>TODO: P</a:t>
-            </a:r>
-            <a:r>
-              <a:rPr lang="ja-JP" altLang="en-US" dirty="0" smtClean="0"/>
-              <a:t>ではなく</a:t>
-            </a:r>
-            <a:r>
-              <a:rPr lang="en-US" altLang="ja-JP" dirty="0" smtClean="0"/>
-              <a:t>log P</a:t>
-            </a:r>
-            <a:r>
-              <a:rPr lang="ja-JP" altLang="en-US" dirty="0" smtClean="0"/>
-              <a:t>を独立変数として選ぶ根拠</a:t>
+              <a:t>の価格変化に対する主観的感覚は同じ</a:t>
             </a:r>
             <a:endParaRPr kumimoji="1" lang="ja-JP" altLang="en-US" dirty="0"/>
           </a:p>
@@ -6254,25 +6231,1153 @@
           </a:p>
         </p:txBody>
       </p:sp>
-      <p:sp>
-        <p:nvSpPr>
-          <p:cNvPr id="3" name="コンテンツ プレースホルダー 2"/>
-          <p:cNvSpPr>
-            <a:spLocks noGrp="1"/>
-          </p:cNvSpPr>
-          <p:nvPr>
-            <p:ph idx="1"/>
-          </p:nvPr>
-        </p:nvSpPr>
-        <p:spPr/>
-        <p:txBody>
-          <a:bodyPr/>
-          <a:lstStyle/>
-          <a:p>
-            <a:endParaRPr kumimoji="1" lang="ja-JP" altLang="en-US" dirty="0"/>
-          </a:p>
-        </p:txBody>
-      </p:sp>
+      <mc:AlternateContent xmlns:mc="http://schemas.openxmlformats.org/markup-compatibility/2006">
+        <mc:Choice xmlns:a14="http://schemas.microsoft.com/office/drawing/2010/main" Requires="a14">
+          <p:sp>
+            <p:nvSpPr>
+              <p:cNvPr id="3" name="コンテンツ プレースホルダー 2"/>
+              <p:cNvSpPr>
+                <a:spLocks noGrp="1"/>
+              </p:cNvSpPr>
+              <p:nvPr>
+                <p:ph idx="1"/>
+              </p:nvPr>
+            </p:nvSpPr>
+            <p:spPr/>
+            <p:txBody>
+              <a:bodyPr/>
+              <a:lstStyle/>
+              <a:p>
+                <a:r>
+                  <a:rPr lang="ja-JP" altLang="en-US" dirty="0" smtClean="0"/>
+                  <a:t>収益の期待値</a:t>
+                </a:r>
+                <a:endParaRPr lang="en-US" altLang="ja-JP" dirty="0" smtClean="0"/>
+              </a:p>
+              <a:p>
+                <a:pPr lvl="1"/>
+                <a14:m>
+                  <m:oMath xmlns:m="http://schemas.openxmlformats.org/officeDocument/2006/math">
+                    <m:r>
+                      <a:rPr kumimoji="1" lang="en-US" altLang="ja-JP" sz="1800" b="0" i="1" smtClean="0">
+                        <a:latin typeface="Cambria Math" panose="02040503050406030204" pitchFamily="18" charset="0"/>
+                      </a:rPr>
+                      <m:t>𝐴</m:t>
+                    </m:r>
+                  </m:oMath>
+                </a14:m>
+                <a:r>
+                  <a:rPr kumimoji="1" lang="ja-JP" altLang="en-US" sz="1800" dirty="0" smtClean="0"/>
+                  <a:t>という一連の行動が</a:t>
+                </a:r>
+                <a14:m>
+                  <m:oMath xmlns:m="http://schemas.openxmlformats.org/officeDocument/2006/math">
+                    <m:sSub>
+                      <m:sSubPr>
+                        <m:ctrlPr>
+                          <a:rPr kumimoji="1" lang="en-US" altLang="ja-JP" sz="1800" b="0" i="1" smtClean="0">
+                            <a:latin typeface="Cambria Math" panose="02040503050406030204" pitchFamily="18" charset="0"/>
+                          </a:rPr>
+                        </m:ctrlPr>
+                      </m:sSubPr>
+                      <m:e>
+                        <m:r>
+                          <a:rPr kumimoji="1" lang="en-US" altLang="ja-JP" sz="1800" b="0" i="1" smtClean="0">
+                            <a:latin typeface="Cambria Math" panose="02040503050406030204" pitchFamily="18" charset="0"/>
+                          </a:rPr>
+                          <m:t>𝑌</m:t>
+                        </m:r>
+                      </m:e>
+                      <m:sub>
+                        <m:r>
+                          <a:rPr kumimoji="1" lang="en-US" altLang="ja-JP" sz="1800" b="0" i="1" smtClean="0">
+                            <a:latin typeface="Cambria Math" panose="02040503050406030204" pitchFamily="18" charset="0"/>
+                          </a:rPr>
+                          <m:t>𝐴</m:t>
+                        </m:r>
+                        <m:r>
+                          <a:rPr kumimoji="1" lang="en-US" altLang="ja-JP" sz="1800" b="0" i="1" smtClean="0">
+                            <a:latin typeface="Cambria Math" panose="02040503050406030204" pitchFamily="18" charset="0"/>
+                          </a:rPr>
+                          <m:t>1</m:t>
+                        </m:r>
+                      </m:sub>
+                    </m:sSub>
+                  </m:oMath>
+                </a14:m>
+                <a:r>
+                  <a:rPr kumimoji="1" lang="en-US" altLang="ja-JP" sz="1800" dirty="0" smtClean="0"/>
+                  <a:t>, </a:t>
+                </a:r>
+                <a14:m>
+                  <m:oMath xmlns:m="http://schemas.openxmlformats.org/officeDocument/2006/math">
+                    <m:sSub>
+                      <m:sSubPr>
+                        <m:ctrlPr>
+                          <a:rPr lang="en-US" altLang="ja-JP" sz="1800" i="1">
+                            <a:latin typeface="Cambria Math" panose="02040503050406030204" pitchFamily="18" charset="0"/>
+                          </a:rPr>
+                        </m:ctrlPr>
+                      </m:sSubPr>
+                      <m:e>
+                        <m:r>
+                          <a:rPr lang="en-US" altLang="ja-JP" sz="1800" i="1">
+                            <a:latin typeface="Cambria Math" panose="02040503050406030204" pitchFamily="18" charset="0"/>
+                          </a:rPr>
+                          <m:t>𝑌</m:t>
+                        </m:r>
+                      </m:e>
+                      <m:sub>
+                        <m:r>
+                          <a:rPr lang="en-US" altLang="ja-JP" sz="1800" b="0" i="1" smtClean="0">
+                            <a:latin typeface="Cambria Math" panose="02040503050406030204" pitchFamily="18" charset="0"/>
+                          </a:rPr>
+                          <m:t>𝐴</m:t>
+                        </m:r>
+                        <m:r>
+                          <a:rPr lang="en-US" altLang="ja-JP" sz="1800" b="0" i="1" smtClean="0">
+                            <a:latin typeface="Cambria Math" panose="02040503050406030204" pitchFamily="18" charset="0"/>
+                          </a:rPr>
+                          <m:t>2</m:t>
+                        </m:r>
+                      </m:sub>
+                    </m:sSub>
+                    <m:r>
+                      <a:rPr lang="ja-JP" altLang="en-US" sz="1800" i="1" smtClean="0">
+                        <a:latin typeface="Cambria Math" panose="02040503050406030204" pitchFamily="18" charset="0"/>
+                      </a:rPr>
+                      <m:t>と</m:t>
+                    </m:r>
+                    <m:r>
+                      <a:rPr kumimoji="1" lang="ja-JP" altLang="en-US" sz="1800" i="1" dirty="0" smtClean="0">
+                        <a:latin typeface="Cambria Math" panose="02040503050406030204" pitchFamily="18" charset="0"/>
+                      </a:rPr>
+                      <m:t>いう</m:t>
+                    </m:r>
+                  </m:oMath>
+                </a14:m>
+                <a:r>
+                  <a:rPr kumimoji="1" lang="ja-JP" altLang="en-US" sz="1800" dirty="0" smtClean="0"/>
+                  <a:t>収益を</a:t>
+                </a:r>
+                <a14:m>
+                  <m:oMath xmlns:m="http://schemas.openxmlformats.org/officeDocument/2006/math">
+                    <m:r>
+                      <a:rPr lang="ja-JP" altLang="en-US" sz="1800" i="1" dirty="0">
+                        <a:latin typeface="Cambria Math" panose="02040503050406030204" pitchFamily="18" charset="0"/>
+                      </a:rPr>
+                      <m:t>確率</m:t>
+                    </m:r>
+                    <m:r>
+                      <a:rPr kumimoji="1" lang="ja-JP" altLang="en-US" sz="1800" i="1" smtClean="0">
+                        <a:latin typeface="Cambria Math" panose="02040503050406030204" pitchFamily="18" charset="0"/>
+                      </a:rPr>
+                      <m:t>𝜑</m:t>
+                    </m:r>
+                    <m:d>
+                      <m:dPr>
+                        <m:ctrlPr>
+                          <a:rPr kumimoji="1" lang="en-US" altLang="ja-JP" sz="1800" i="1" smtClean="0">
+                            <a:latin typeface="Cambria Math" panose="02040503050406030204" pitchFamily="18" charset="0"/>
+                          </a:rPr>
+                        </m:ctrlPr>
+                      </m:dPr>
+                      <m:e>
+                        <m:sSub>
+                          <m:sSubPr>
+                            <m:ctrlPr>
+                              <a:rPr lang="en-US" altLang="ja-JP" sz="1800" i="1">
+                                <a:latin typeface="Cambria Math" panose="02040503050406030204" pitchFamily="18" charset="0"/>
+                              </a:rPr>
+                            </m:ctrlPr>
+                          </m:sSubPr>
+                          <m:e>
+                            <m:r>
+                              <a:rPr lang="en-US" altLang="ja-JP" sz="1800" i="1">
+                                <a:latin typeface="Cambria Math" panose="02040503050406030204" pitchFamily="18" charset="0"/>
+                              </a:rPr>
+                              <m:t>𝑌</m:t>
+                            </m:r>
+                          </m:e>
+                          <m:sub>
+                            <m:r>
+                              <a:rPr lang="en-US" altLang="ja-JP" sz="1800" i="1">
+                                <a:latin typeface="Cambria Math" panose="02040503050406030204" pitchFamily="18" charset="0"/>
+                              </a:rPr>
+                              <m:t>𝐴</m:t>
+                            </m:r>
+                            <m:r>
+                              <a:rPr lang="en-US" altLang="ja-JP" sz="1800" b="0" i="1" smtClean="0">
+                                <a:latin typeface="Cambria Math" panose="02040503050406030204" pitchFamily="18" charset="0"/>
+                              </a:rPr>
+                              <m:t>1</m:t>
+                            </m:r>
+                          </m:sub>
+                        </m:sSub>
+                      </m:e>
+                    </m:d>
+                  </m:oMath>
+                </a14:m>
+                <a:r>
+                  <a:rPr kumimoji="1" lang="en-US" altLang="ja-JP" sz="1800" dirty="0" smtClean="0"/>
+                  <a:t>, </a:t>
+                </a:r>
+                <a14:m>
+                  <m:oMath xmlns:m="http://schemas.openxmlformats.org/officeDocument/2006/math">
+                    <m:r>
+                      <a:rPr lang="ja-JP" altLang="en-US" sz="1800" i="1">
+                        <a:latin typeface="Cambria Math" panose="02040503050406030204" pitchFamily="18" charset="0"/>
+                      </a:rPr>
+                      <m:t>𝜑</m:t>
+                    </m:r>
+                    <m:d>
+                      <m:dPr>
+                        <m:ctrlPr>
+                          <a:rPr lang="en-US" altLang="ja-JP" sz="1800" i="1">
+                            <a:latin typeface="Cambria Math" panose="02040503050406030204" pitchFamily="18" charset="0"/>
+                          </a:rPr>
+                        </m:ctrlPr>
+                      </m:dPr>
+                      <m:e>
+                        <m:sSub>
+                          <m:sSubPr>
+                            <m:ctrlPr>
+                              <a:rPr lang="en-US" altLang="ja-JP" sz="1800" i="1">
+                                <a:latin typeface="Cambria Math" panose="02040503050406030204" pitchFamily="18" charset="0"/>
+                              </a:rPr>
+                            </m:ctrlPr>
+                          </m:sSubPr>
+                          <m:e>
+                            <m:r>
+                              <a:rPr lang="en-US" altLang="ja-JP" sz="1800" i="1">
+                                <a:latin typeface="Cambria Math" panose="02040503050406030204" pitchFamily="18" charset="0"/>
+                              </a:rPr>
+                              <m:t>𝑌</m:t>
+                            </m:r>
+                          </m:e>
+                          <m:sub>
+                            <m:r>
+                              <a:rPr lang="en-US" altLang="ja-JP" sz="1800" b="0" i="1" smtClean="0">
+                                <a:latin typeface="Cambria Math" panose="02040503050406030204" pitchFamily="18" charset="0"/>
+                              </a:rPr>
+                              <m:t>𝐴</m:t>
+                            </m:r>
+                            <m:r>
+                              <a:rPr lang="en-US" altLang="ja-JP" sz="1800" b="0" i="1" smtClean="0">
+                                <a:latin typeface="Cambria Math" panose="02040503050406030204" pitchFamily="18" charset="0"/>
+                              </a:rPr>
+                              <m:t>2</m:t>
+                            </m:r>
+                          </m:sub>
+                        </m:sSub>
+                      </m:e>
+                    </m:d>
+                  </m:oMath>
+                </a14:m>
+                <a:r>
+                  <a:rPr kumimoji="1" lang="ja-JP" altLang="en-US" sz="1800" dirty="0" smtClean="0"/>
+                  <a:t>で生む</a:t>
+                </a:r>
+                <a:endParaRPr kumimoji="1" lang="en-US" altLang="ja-JP" sz="1800" dirty="0" smtClean="0"/>
+              </a:p>
+              <a:p>
+                <a:pPr lvl="1"/>
+                <a14:m>
+                  <m:oMath xmlns:m="http://schemas.openxmlformats.org/officeDocument/2006/math">
+                    <m:r>
+                      <a:rPr lang="en-US" altLang="ja-JP" sz="1800" b="0" i="1" smtClean="0">
+                        <a:latin typeface="Cambria Math" panose="02040503050406030204" pitchFamily="18" charset="0"/>
+                      </a:rPr>
+                      <m:t>𝐵</m:t>
+                    </m:r>
+                  </m:oMath>
+                </a14:m>
+                <a:r>
+                  <a:rPr lang="ja-JP" altLang="en-US" sz="1800" dirty="0" smtClean="0"/>
+                  <a:t>と</a:t>
+                </a:r>
+                <a:r>
+                  <a:rPr lang="ja-JP" altLang="en-US" sz="1800" dirty="0"/>
+                  <a:t>いう</a:t>
+                </a:r>
+                <a:r>
+                  <a:rPr lang="ja-JP" altLang="en-US" sz="1800" dirty="0" smtClean="0"/>
+                  <a:t>一連の行動についても同様に考える</a:t>
+                </a:r>
+                <a:endParaRPr lang="en-US" altLang="ja-JP" sz="1800" dirty="0" smtClean="0"/>
+              </a:p>
+              <a:p>
+                <a:pPr lvl="1"/>
+                <a:r>
+                  <a:rPr lang="ja-JP" altLang="en-US" sz="1800" dirty="0" smtClean="0"/>
+                  <a:t>収益の期待値 </a:t>
+                </a:r>
+                <a14:m>
+                  <m:oMath xmlns:m="http://schemas.openxmlformats.org/officeDocument/2006/math">
+                    <m:r>
+                      <a:rPr lang="ja-JP" altLang="en-US" sz="1800" i="1" smtClean="0">
+                        <a:latin typeface="Cambria Math" panose="02040503050406030204" pitchFamily="18" charset="0"/>
+                      </a:rPr>
+                      <m:t>𝜀</m:t>
+                    </m:r>
+                    <m:d>
+                      <m:dPr>
+                        <m:ctrlPr>
+                          <a:rPr lang="en-US" altLang="ja-JP" sz="1800" i="1">
+                            <a:latin typeface="Cambria Math" panose="02040503050406030204" pitchFamily="18" charset="0"/>
+                          </a:rPr>
+                        </m:ctrlPr>
+                      </m:dPr>
+                      <m:e>
+                        <m:sSub>
+                          <m:sSubPr>
+                            <m:ctrlPr>
+                              <a:rPr lang="en-US" altLang="ja-JP" sz="1800" i="1" smtClean="0">
+                                <a:latin typeface="Cambria Math" panose="02040503050406030204" pitchFamily="18" charset="0"/>
+                              </a:rPr>
+                            </m:ctrlPr>
+                          </m:sSubPr>
+                          <m:e>
+                            <m:r>
+                              <a:rPr lang="en-US" altLang="ja-JP" sz="1800" b="0" i="1" smtClean="0">
+                                <a:latin typeface="Cambria Math" panose="02040503050406030204" pitchFamily="18" charset="0"/>
+                              </a:rPr>
+                              <m:t>𝑌</m:t>
+                            </m:r>
+                          </m:e>
+                          <m:sub>
+                            <m:r>
+                              <a:rPr lang="en-US" altLang="ja-JP" sz="1800" b="0" i="1" smtClean="0">
+                                <a:latin typeface="Cambria Math" panose="02040503050406030204" pitchFamily="18" charset="0"/>
+                              </a:rPr>
+                              <m:t>𝐴</m:t>
+                            </m:r>
+                          </m:sub>
+                        </m:sSub>
+                      </m:e>
+                    </m:d>
+                    <m:r>
+                      <a:rPr lang="en-US" altLang="ja-JP" sz="1800" i="1">
+                        <a:latin typeface="Cambria Math" panose="02040503050406030204" pitchFamily="18" charset="0"/>
+                        <a:ea typeface="Cambria Math" panose="02040503050406030204" pitchFamily="18" charset="0"/>
+                      </a:rPr>
+                      <m:t>=</m:t>
+                    </m:r>
+                    <m:nary>
+                      <m:naryPr>
+                        <m:chr m:val="∑"/>
+                        <m:limLoc m:val="subSup"/>
+                        <m:supHide m:val="on"/>
+                        <m:ctrlPr>
+                          <a:rPr lang="en-US" altLang="ja-JP" sz="1800" i="1" smtClean="0">
+                            <a:latin typeface="Cambria Math" panose="02040503050406030204" pitchFamily="18" charset="0"/>
+                            <a:ea typeface="Cambria Math" panose="02040503050406030204" pitchFamily="18" charset="0"/>
+                          </a:rPr>
+                        </m:ctrlPr>
+                      </m:naryPr>
+                      <m:sub>
+                        <m:r>
+                          <m:rPr>
+                            <m:brk m:alnAt="9"/>
+                          </m:rPr>
+                          <a:rPr lang="en-US" altLang="ja-JP" sz="1800" b="0" i="1" smtClean="0">
+                            <a:latin typeface="Cambria Math" panose="02040503050406030204" pitchFamily="18" charset="0"/>
+                            <a:ea typeface="Cambria Math" panose="02040503050406030204" pitchFamily="18" charset="0"/>
+                          </a:rPr>
+                          <m:t>𝑖</m:t>
+                        </m:r>
+                      </m:sub>
+                      <m:sup/>
+                      <m:e>
+                        <m:sSub>
+                          <m:sSubPr>
+                            <m:ctrlPr>
+                              <a:rPr lang="en-US" altLang="ja-JP" sz="1800" i="1" smtClean="0">
+                                <a:latin typeface="Cambria Math" panose="02040503050406030204" pitchFamily="18" charset="0"/>
+                                <a:ea typeface="Cambria Math" panose="02040503050406030204" pitchFamily="18" charset="0"/>
+                              </a:rPr>
+                            </m:ctrlPr>
+                          </m:sSubPr>
+                          <m:e>
+                            <m:r>
+                              <a:rPr lang="en-US" altLang="ja-JP" sz="1800" b="0" i="1" smtClean="0">
+                                <a:latin typeface="Cambria Math" panose="02040503050406030204" pitchFamily="18" charset="0"/>
+                                <a:ea typeface="Cambria Math" panose="02040503050406030204" pitchFamily="18" charset="0"/>
+                              </a:rPr>
+                              <m:t>𝑌</m:t>
+                            </m:r>
+                          </m:e>
+                          <m:sub>
+                            <m:r>
+                              <a:rPr lang="en-US" altLang="ja-JP" sz="1800" b="0" i="1" smtClean="0">
+                                <a:latin typeface="Cambria Math" panose="02040503050406030204" pitchFamily="18" charset="0"/>
+                                <a:ea typeface="Cambria Math" panose="02040503050406030204" pitchFamily="18" charset="0"/>
+                              </a:rPr>
+                              <m:t>𝐴𝑖</m:t>
+                            </m:r>
+                          </m:sub>
+                        </m:sSub>
+                        <m:r>
+                          <a:rPr lang="ja-JP" altLang="en-US" sz="1800" i="1" smtClean="0">
+                            <a:latin typeface="Cambria Math" panose="02040503050406030204" pitchFamily="18" charset="0"/>
+                            <a:ea typeface="Cambria Math" panose="02040503050406030204" pitchFamily="18" charset="0"/>
+                          </a:rPr>
+                          <m:t>𝜑</m:t>
+                        </m:r>
+                        <m:d>
+                          <m:dPr>
+                            <m:ctrlPr>
+                              <a:rPr lang="en-US" altLang="ja-JP" sz="1800" i="1" smtClean="0">
+                                <a:latin typeface="Cambria Math" panose="02040503050406030204" pitchFamily="18" charset="0"/>
+                                <a:ea typeface="Cambria Math" panose="02040503050406030204" pitchFamily="18" charset="0"/>
+                              </a:rPr>
+                            </m:ctrlPr>
+                          </m:dPr>
+                          <m:e>
+                            <m:sSub>
+                              <m:sSubPr>
+                                <m:ctrlPr>
+                                  <a:rPr lang="en-US" altLang="ja-JP" sz="1800" i="1" smtClean="0">
+                                    <a:latin typeface="Cambria Math" panose="02040503050406030204" pitchFamily="18" charset="0"/>
+                                    <a:ea typeface="Cambria Math" panose="02040503050406030204" pitchFamily="18" charset="0"/>
+                                  </a:rPr>
+                                </m:ctrlPr>
+                              </m:sSubPr>
+                              <m:e>
+                                <m:r>
+                                  <a:rPr lang="en-US" altLang="ja-JP" sz="1800" b="0" i="1" smtClean="0">
+                                    <a:latin typeface="Cambria Math" panose="02040503050406030204" pitchFamily="18" charset="0"/>
+                                    <a:ea typeface="Cambria Math" panose="02040503050406030204" pitchFamily="18" charset="0"/>
+                                  </a:rPr>
+                                  <m:t>𝑌</m:t>
+                                </m:r>
+                              </m:e>
+                              <m:sub>
+                                <m:r>
+                                  <a:rPr lang="en-US" altLang="ja-JP" sz="1800" b="0" i="1" smtClean="0">
+                                    <a:latin typeface="Cambria Math" panose="02040503050406030204" pitchFamily="18" charset="0"/>
+                                    <a:ea typeface="Cambria Math" panose="02040503050406030204" pitchFamily="18" charset="0"/>
+                                  </a:rPr>
+                                  <m:t>𝐴𝑖</m:t>
+                                </m:r>
+                              </m:sub>
+                            </m:sSub>
+                          </m:e>
+                        </m:d>
+                      </m:e>
+                    </m:nary>
+                  </m:oMath>
+                </a14:m>
+                <a:endParaRPr lang="en-US" altLang="ja-JP" sz="1800" dirty="0" smtClean="0"/>
+              </a:p>
+              <a:p>
+                <a:r>
+                  <a:rPr kumimoji="1" lang="ja-JP" altLang="en-US" sz="1800" dirty="0" smtClean="0"/>
+                  <a:t>収益の期待値が高い行動を選択</a:t>
+                </a:r>
+                <a:endParaRPr kumimoji="1" lang="en-US" altLang="ja-JP" sz="1800" dirty="0" smtClean="0"/>
+              </a:p>
+              <a:p>
+                <a:pPr lvl="1"/>
+                <a14:m>
+                  <m:oMath xmlns:m="http://schemas.openxmlformats.org/officeDocument/2006/math">
+                    <m:r>
+                      <a:rPr lang="ja-JP" altLang="en-US" sz="1800" i="1">
+                        <a:latin typeface="Cambria Math" panose="02040503050406030204" pitchFamily="18" charset="0"/>
+                      </a:rPr>
+                      <m:t>𝜀</m:t>
+                    </m:r>
+                    <m:d>
+                      <m:dPr>
+                        <m:ctrlPr>
+                          <a:rPr lang="en-US" altLang="ja-JP" sz="1800" i="1">
+                            <a:latin typeface="Cambria Math" panose="02040503050406030204" pitchFamily="18" charset="0"/>
+                          </a:rPr>
+                        </m:ctrlPr>
+                      </m:dPr>
+                      <m:e>
+                        <m:sSub>
+                          <m:sSubPr>
+                            <m:ctrlPr>
+                              <a:rPr lang="en-US" altLang="ja-JP" sz="1800" i="1">
+                                <a:latin typeface="Cambria Math" panose="02040503050406030204" pitchFamily="18" charset="0"/>
+                              </a:rPr>
+                            </m:ctrlPr>
+                          </m:sSubPr>
+                          <m:e>
+                            <m:r>
+                              <a:rPr lang="en-US" altLang="ja-JP" sz="1800" i="1">
+                                <a:latin typeface="Cambria Math" panose="02040503050406030204" pitchFamily="18" charset="0"/>
+                              </a:rPr>
+                              <m:t>𝑌</m:t>
+                            </m:r>
+                          </m:e>
+                          <m:sub>
+                            <m:r>
+                              <a:rPr lang="en-US" altLang="ja-JP" sz="1800" i="1">
+                                <a:latin typeface="Cambria Math" panose="02040503050406030204" pitchFamily="18" charset="0"/>
+                              </a:rPr>
+                              <m:t>𝐴</m:t>
+                            </m:r>
+                          </m:sub>
+                        </m:sSub>
+                      </m:e>
+                    </m:d>
+                  </m:oMath>
+                </a14:m>
+                <a:r>
+                  <a:rPr kumimoji="1" lang="en-US" altLang="ja-JP" sz="1800" dirty="0" smtClean="0"/>
+                  <a:t> </a:t>
+                </a:r>
+                <a:r>
+                  <a:rPr kumimoji="1" lang="ja-JP" altLang="en-US" sz="1800" dirty="0" smtClean="0"/>
+                  <a:t>と</a:t>
+                </a:r>
+                <a14:m>
+                  <m:oMath xmlns:m="http://schemas.openxmlformats.org/officeDocument/2006/math">
+                    <m:r>
+                      <a:rPr lang="ja-JP" altLang="en-US" sz="1800" i="1">
+                        <a:latin typeface="Cambria Math" panose="02040503050406030204" pitchFamily="18" charset="0"/>
+                      </a:rPr>
+                      <m:t>𝜀</m:t>
+                    </m:r>
+                    <m:d>
+                      <m:dPr>
+                        <m:ctrlPr>
+                          <a:rPr lang="en-US" altLang="ja-JP" sz="1800" i="1">
+                            <a:latin typeface="Cambria Math" panose="02040503050406030204" pitchFamily="18" charset="0"/>
+                          </a:rPr>
+                        </m:ctrlPr>
+                      </m:dPr>
+                      <m:e>
+                        <m:sSub>
+                          <m:sSubPr>
+                            <m:ctrlPr>
+                              <a:rPr lang="en-US" altLang="ja-JP" sz="1800" i="1">
+                                <a:latin typeface="Cambria Math" panose="02040503050406030204" pitchFamily="18" charset="0"/>
+                              </a:rPr>
+                            </m:ctrlPr>
+                          </m:sSubPr>
+                          <m:e>
+                            <m:r>
+                              <a:rPr lang="en-US" altLang="ja-JP" sz="1800" i="1">
+                                <a:latin typeface="Cambria Math" panose="02040503050406030204" pitchFamily="18" charset="0"/>
+                              </a:rPr>
+                              <m:t>𝑌</m:t>
+                            </m:r>
+                          </m:e>
+                          <m:sub>
+                            <m:r>
+                              <a:rPr lang="en-US" altLang="ja-JP" sz="1800" b="0" i="1" smtClean="0">
+                                <a:latin typeface="Cambria Math" panose="02040503050406030204" pitchFamily="18" charset="0"/>
+                              </a:rPr>
+                              <m:t>𝐵</m:t>
+                            </m:r>
+                          </m:sub>
+                        </m:sSub>
+                      </m:e>
+                    </m:d>
+                  </m:oMath>
+                </a14:m>
+                <a:r>
+                  <a:rPr kumimoji="1" lang="en-US" altLang="ja-JP" sz="1800" dirty="0" smtClean="0"/>
+                  <a:t> </a:t>
+                </a:r>
+                <a:r>
+                  <a:rPr kumimoji="1" lang="ja-JP" altLang="en-US" sz="1800" dirty="0" smtClean="0"/>
+                  <a:t>のどちらが大きいか？</a:t>
+                </a:r>
+                <a:endParaRPr kumimoji="1" lang="en-US" altLang="ja-JP" sz="1800" dirty="0" smtClean="0"/>
+              </a:p>
+              <a:p>
+                <a:r>
+                  <a:rPr lang="ja-JP" altLang="en-US" sz="1800" dirty="0" smtClean="0"/>
+                  <a:t>価格</a:t>
+                </a:r>
+                <a14:m>
+                  <m:oMath xmlns:m="http://schemas.openxmlformats.org/officeDocument/2006/math">
+                    <m:sSub>
+                      <m:sSubPr>
+                        <m:ctrlPr>
+                          <a:rPr lang="en-US" altLang="ja-JP" sz="1800" b="1" i="1" smtClean="0">
+                            <a:latin typeface="Cambria Math" panose="02040503050406030204" pitchFamily="18" charset="0"/>
+                          </a:rPr>
+                        </m:ctrlPr>
+                      </m:sSubPr>
+                      <m:e>
+                        <m:r>
+                          <a:rPr lang="en-US" altLang="ja-JP" sz="1800" b="1" i="1" smtClean="0">
+                            <a:latin typeface="Cambria Math" panose="02040503050406030204" pitchFamily="18" charset="0"/>
+                          </a:rPr>
+                          <m:t>𝑷</m:t>
+                        </m:r>
+                      </m:e>
+                      <m:sub>
+                        <m:r>
+                          <a:rPr lang="en-US" altLang="ja-JP" sz="1800" b="1" i="1" smtClean="0">
+                            <a:latin typeface="Cambria Math" panose="02040503050406030204" pitchFamily="18" charset="0"/>
+                          </a:rPr>
+                          <m:t>𝟎</m:t>
+                        </m:r>
+                      </m:sub>
+                    </m:sSub>
+                    <m:d>
+                      <m:dPr>
+                        <m:ctrlPr>
+                          <a:rPr lang="en-US" altLang="ja-JP" sz="1800" b="1" i="1" smtClean="0">
+                            <a:latin typeface="Cambria Math" panose="02040503050406030204" pitchFamily="18" charset="0"/>
+                          </a:rPr>
+                        </m:ctrlPr>
+                      </m:dPr>
+                      <m:e>
+                        <m:r>
+                          <a:rPr lang="en-US" altLang="ja-JP" sz="1800" b="1" i="1" smtClean="0">
+                            <a:latin typeface="Cambria Math" panose="02040503050406030204" pitchFamily="18" charset="0"/>
+                          </a:rPr>
+                          <m:t>𝒕</m:t>
+                        </m:r>
+                      </m:e>
+                    </m:d>
+                    <m:r>
+                      <a:rPr lang="ja-JP" altLang="en-US" sz="1800" i="1">
+                        <a:latin typeface="Cambria Math" panose="02040503050406030204" pitchFamily="18" charset="0"/>
+                      </a:rPr>
+                      <m:t>の</m:t>
+                    </m:r>
+                  </m:oMath>
+                </a14:m>
+                <a:r>
+                  <a:rPr kumimoji="1" lang="ja-JP" altLang="en-US" sz="1800" dirty="0" smtClean="0"/>
+                  <a:t>株を</a:t>
+                </a:r>
+                <a:r>
+                  <a:rPr kumimoji="1" lang="en-US" altLang="ja-JP" sz="1800" dirty="0" smtClean="0"/>
+                  <a:t>100</a:t>
+                </a:r>
+                <a:r>
+                  <a:rPr kumimoji="1" lang="ja-JP" altLang="en-US" sz="1800" dirty="0" smtClean="0"/>
+                  <a:t>株買うかどうか？</a:t>
+                </a:r>
+                <a:endParaRPr kumimoji="1" lang="en-US" altLang="ja-JP" sz="1800" dirty="0" smtClean="0"/>
+              </a:p>
+              <a:p>
+                <a:pPr lvl="1"/>
+                <a14:m>
+                  <m:oMath xmlns:m="http://schemas.openxmlformats.org/officeDocument/2006/math">
+                    <m:r>
+                      <a:rPr kumimoji="1" lang="en-US" altLang="ja-JP" sz="1800" b="0" i="1" smtClean="0">
+                        <a:latin typeface="Cambria Math" panose="02040503050406030204" pitchFamily="18" charset="0"/>
+                      </a:rPr>
+                      <m:t>𝐴</m:t>
+                    </m:r>
+                    <m:r>
+                      <a:rPr kumimoji="1" lang="en-US" altLang="ja-JP" sz="1800" b="0" i="1" smtClean="0">
+                        <a:latin typeface="Cambria Math" panose="02040503050406030204" pitchFamily="18" charset="0"/>
+                        <a:ea typeface="Cambria Math" panose="02040503050406030204" pitchFamily="18" charset="0"/>
+                      </a:rPr>
+                      <m:t>=</m:t>
+                    </m:r>
+                  </m:oMath>
+                </a14:m>
+                <a:r>
+                  <a:rPr kumimoji="1" lang="ja-JP" altLang="en-US" sz="1800" dirty="0" smtClean="0"/>
+                  <a:t> 将来 </a:t>
+                </a:r>
+                <a14:m>
+                  <m:oMath xmlns:m="http://schemas.openxmlformats.org/officeDocument/2006/math">
+                    <m:r>
+                      <a:rPr kumimoji="1" lang="en-US" altLang="ja-JP" sz="1800" b="0" i="1" dirty="0" smtClean="0">
+                        <a:latin typeface="Cambria Math" panose="02040503050406030204" pitchFamily="18" charset="0"/>
+                      </a:rPr>
+                      <m:t>𝑡</m:t>
+                    </m:r>
+                    <m:r>
+                      <a:rPr kumimoji="1" lang="en-US" altLang="ja-JP" sz="1800" b="0" i="1" dirty="0" smtClean="0">
+                        <a:latin typeface="Cambria Math" panose="02040503050406030204" pitchFamily="18" charset="0"/>
+                        <a:ea typeface="Cambria Math" panose="02040503050406030204" pitchFamily="18" charset="0"/>
+                      </a:rPr>
+                      <m:t>+</m:t>
+                    </m:r>
+                    <m:r>
+                      <a:rPr kumimoji="1" lang="ja-JP" altLang="en-US" sz="1800" b="0" i="1" dirty="0" smtClean="0">
+                        <a:latin typeface="Cambria Math" panose="02040503050406030204" pitchFamily="18" charset="0"/>
+                        <a:ea typeface="Cambria Math" panose="02040503050406030204" pitchFamily="18" charset="0"/>
+                      </a:rPr>
+                      <m:t>𝜏</m:t>
+                    </m:r>
+                  </m:oMath>
+                </a14:m>
+                <a:r>
+                  <a:rPr kumimoji="1" lang="ja-JP" altLang="en-US" sz="1800" dirty="0" smtClean="0"/>
+                  <a:t> に株を売るために買う</a:t>
+                </a:r>
+                <a:endParaRPr kumimoji="1" lang="en-US" altLang="ja-JP" sz="1800" dirty="0" smtClean="0"/>
+              </a:p>
+              <a:p>
+                <a:pPr lvl="1"/>
+                <a14:m>
+                  <m:oMath xmlns:m="http://schemas.openxmlformats.org/officeDocument/2006/math">
+                    <m:r>
+                      <m:rPr>
+                        <m:sty m:val="p"/>
+                      </m:rPr>
+                      <a:rPr lang="en-US" altLang="ja-JP" sz="1800" i="1">
+                        <a:latin typeface="Cambria Math" panose="02040503050406030204" pitchFamily="18" charset="0"/>
+                      </a:rPr>
+                      <m:t>B</m:t>
+                    </m:r>
+                    <m:r>
+                      <a:rPr lang="en-US" altLang="ja-JP" sz="1800" i="1">
+                        <a:latin typeface="Cambria Math" panose="02040503050406030204" pitchFamily="18" charset="0"/>
+                        <a:ea typeface="Cambria Math" panose="02040503050406030204" pitchFamily="18" charset="0"/>
+                      </a:rPr>
+                      <m:t>=</m:t>
+                    </m:r>
+                  </m:oMath>
+                </a14:m>
+                <a:r>
+                  <a:rPr kumimoji="1" lang="ja-JP" altLang="en-US" sz="1800" dirty="0" smtClean="0"/>
+                  <a:t> 買わない</a:t>
+                </a:r>
+                <a:endParaRPr kumimoji="1" lang="en-US" altLang="ja-JP" sz="1800" dirty="0" smtClean="0"/>
+              </a:p>
+              <a:p>
+                <a:pPr lvl="1"/>
+                <a14:m>
+                  <m:oMath xmlns:m="http://schemas.openxmlformats.org/officeDocument/2006/math">
+                    <m:sSub>
+                      <m:sSubPr>
+                        <m:ctrlPr>
+                          <a:rPr kumimoji="1" lang="en-US" altLang="ja-JP" sz="1800" i="1" smtClean="0">
+                            <a:latin typeface="Cambria Math" panose="02040503050406030204" pitchFamily="18" charset="0"/>
+                          </a:rPr>
+                        </m:ctrlPr>
+                      </m:sSubPr>
+                      <m:e>
+                        <m:r>
+                          <a:rPr kumimoji="1" lang="en-US" altLang="ja-JP" sz="1800" b="0" i="1" smtClean="0">
+                            <a:latin typeface="Cambria Math" panose="02040503050406030204" pitchFamily="18" charset="0"/>
+                          </a:rPr>
+                          <m:t>𝑌</m:t>
+                        </m:r>
+                      </m:e>
+                      <m:sub>
+                        <m:r>
+                          <a:rPr kumimoji="1" lang="en-US" altLang="ja-JP" sz="1800" b="0" i="1" smtClean="0">
+                            <a:latin typeface="Cambria Math" panose="02040503050406030204" pitchFamily="18" charset="0"/>
+                          </a:rPr>
+                          <m:t>𝐴</m:t>
+                        </m:r>
+                      </m:sub>
+                    </m:sSub>
+                    <m:d>
+                      <m:dPr>
+                        <m:ctrlPr>
+                          <a:rPr kumimoji="1" lang="en-US" altLang="ja-JP" sz="1800" i="1" smtClean="0">
+                            <a:latin typeface="Cambria Math" panose="02040503050406030204" pitchFamily="18" charset="0"/>
+                          </a:rPr>
+                        </m:ctrlPr>
+                      </m:dPr>
+                      <m:e>
+                        <m:r>
+                          <a:rPr kumimoji="1" lang="ja-JP" altLang="en-US" sz="1800" i="1" smtClean="0">
+                            <a:latin typeface="Cambria Math" panose="02040503050406030204" pitchFamily="18" charset="0"/>
+                          </a:rPr>
+                          <m:t>𝜏</m:t>
+                        </m:r>
+                      </m:e>
+                    </m:d>
+                    <m:r>
+                      <a:rPr kumimoji="1" lang="en-US" altLang="ja-JP" sz="1800" i="1" smtClean="0">
+                        <a:latin typeface="Cambria Math" panose="02040503050406030204" pitchFamily="18" charset="0"/>
+                        <a:ea typeface="Cambria Math" panose="02040503050406030204" pitchFamily="18" charset="0"/>
+                      </a:rPr>
+                      <m:t>=∆</m:t>
+                    </m:r>
+                    <m:sSub>
+                      <m:sSubPr>
+                        <m:ctrlPr>
+                          <a:rPr kumimoji="1" lang="en-US" altLang="ja-JP" sz="1800" b="0" i="1" smtClean="0">
+                            <a:latin typeface="Cambria Math" panose="02040503050406030204" pitchFamily="18" charset="0"/>
+                            <a:ea typeface="Cambria Math" panose="02040503050406030204" pitchFamily="18" charset="0"/>
+                          </a:rPr>
+                        </m:ctrlPr>
+                      </m:sSubPr>
+                      <m:e>
+                        <m:r>
+                          <m:rPr>
+                            <m:sty m:val="p"/>
+                          </m:rPr>
+                          <a:rPr kumimoji="1" lang="en-US" altLang="ja-JP" sz="1800" b="0" i="0" smtClean="0">
+                            <a:latin typeface="Cambria Math" panose="02040503050406030204" pitchFamily="18" charset="0"/>
+                            <a:ea typeface="Cambria Math" panose="02040503050406030204" pitchFamily="18" charset="0"/>
+                          </a:rPr>
+                          <m:t>log</m:t>
+                        </m:r>
+                      </m:e>
+                      <m:sub>
+                        <m:r>
+                          <a:rPr kumimoji="1" lang="en-US" altLang="ja-JP" sz="1800" b="0" i="1" smtClean="0">
+                            <a:latin typeface="Cambria Math" panose="02040503050406030204" pitchFamily="18" charset="0"/>
+                            <a:ea typeface="Cambria Math" panose="02040503050406030204" pitchFamily="18" charset="0"/>
+                          </a:rPr>
+                          <m:t>𝑒</m:t>
+                        </m:r>
+                      </m:sub>
+                    </m:sSub>
+                    <m:d>
+                      <m:dPr>
+                        <m:begChr m:val="["/>
+                        <m:endChr m:val="]"/>
+                        <m:ctrlPr>
+                          <a:rPr kumimoji="1" lang="en-US" altLang="ja-JP" sz="1800" b="0" i="1" smtClean="0">
+                            <a:latin typeface="Cambria Math" panose="02040503050406030204" pitchFamily="18" charset="0"/>
+                            <a:ea typeface="Cambria Math" panose="02040503050406030204" pitchFamily="18" charset="0"/>
+                          </a:rPr>
+                        </m:ctrlPr>
+                      </m:dPr>
+                      <m:e>
+                        <m:r>
+                          <a:rPr kumimoji="1" lang="en-US" altLang="ja-JP" sz="1800" b="0" i="1" smtClean="0">
+                            <a:latin typeface="Cambria Math" panose="02040503050406030204" pitchFamily="18" charset="0"/>
+                            <a:ea typeface="Cambria Math" panose="02040503050406030204" pitchFamily="18" charset="0"/>
+                          </a:rPr>
+                          <m:t>100 </m:t>
+                        </m:r>
+                        <m:r>
+                          <a:rPr kumimoji="1" lang="en-US" altLang="ja-JP" sz="1800" b="0" i="1" smtClean="0">
+                            <a:latin typeface="Cambria Math" panose="02040503050406030204" pitchFamily="18" charset="0"/>
+                            <a:ea typeface="Cambria Math" panose="02040503050406030204" pitchFamily="18" charset="0"/>
+                          </a:rPr>
+                          <m:t>𝑃</m:t>
+                        </m:r>
+                        <m:d>
+                          <m:dPr>
+                            <m:ctrlPr>
+                              <a:rPr kumimoji="1" lang="en-US" altLang="ja-JP" sz="1800" b="0" i="1" smtClean="0">
+                                <a:latin typeface="Cambria Math" panose="02040503050406030204" pitchFamily="18" charset="0"/>
+                                <a:ea typeface="Cambria Math" panose="02040503050406030204" pitchFamily="18" charset="0"/>
+                              </a:rPr>
+                            </m:ctrlPr>
+                          </m:dPr>
+                          <m:e>
+                            <m:r>
+                              <a:rPr kumimoji="1" lang="en-US" altLang="ja-JP" sz="1800" b="0" i="1" smtClean="0">
+                                <a:latin typeface="Cambria Math" panose="02040503050406030204" pitchFamily="18" charset="0"/>
+                                <a:ea typeface="Cambria Math" panose="02040503050406030204" pitchFamily="18" charset="0"/>
+                              </a:rPr>
+                              <m:t>𝑡</m:t>
+                            </m:r>
+                          </m:e>
+                        </m:d>
+                      </m:e>
+                    </m:d>
+                    <m:r>
+                      <a:rPr kumimoji="1" lang="en-US" altLang="ja-JP" sz="1800" b="0" i="1" smtClean="0">
+                        <a:latin typeface="Cambria Math" panose="02040503050406030204" pitchFamily="18" charset="0"/>
+                        <a:ea typeface="Cambria Math" panose="02040503050406030204" pitchFamily="18" charset="0"/>
+                      </a:rPr>
+                      <m:t>=</m:t>
+                    </m:r>
+                    <m:sSub>
+                      <m:sSubPr>
+                        <m:ctrlPr>
+                          <a:rPr lang="en-US" altLang="ja-JP" sz="1800" i="1">
+                            <a:latin typeface="Cambria Math" panose="02040503050406030204" pitchFamily="18" charset="0"/>
+                            <a:ea typeface="Cambria Math" panose="02040503050406030204" pitchFamily="18" charset="0"/>
+                          </a:rPr>
+                        </m:ctrlPr>
+                      </m:sSubPr>
+                      <m:e>
+                        <m:r>
+                          <m:rPr>
+                            <m:sty m:val="p"/>
+                          </m:rPr>
+                          <a:rPr lang="en-US" altLang="ja-JP" sz="1800">
+                            <a:latin typeface="Cambria Math" panose="02040503050406030204" pitchFamily="18" charset="0"/>
+                            <a:ea typeface="Cambria Math" panose="02040503050406030204" pitchFamily="18" charset="0"/>
+                          </a:rPr>
+                          <m:t>log</m:t>
+                        </m:r>
+                      </m:e>
+                      <m:sub>
+                        <m:r>
+                          <a:rPr lang="en-US" altLang="ja-JP" sz="1800" i="1">
+                            <a:latin typeface="Cambria Math" panose="02040503050406030204" pitchFamily="18" charset="0"/>
+                            <a:ea typeface="Cambria Math" panose="02040503050406030204" pitchFamily="18" charset="0"/>
+                          </a:rPr>
+                          <m:t>𝑒</m:t>
+                        </m:r>
+                      </m:sub>
+                    </m:sSub>
+                    <m:d>
+                      <m:dPr>
+                        <m:begChr m:val="["/>
+                        <m:endChr m:val="]"/>
+                        <m:ctrlPr>
+                          <a:rPr lang="en-US" altLang="ja-JP" sz="1800" i="1">
+                            <a:latin typeface="Cambria Math" panose="02040503050406030204" pitchFamily="18" charset="0"/>
+                            <a:ea typeface="Cambria Math" panose="02040503050406030204" pitchFamily="18" charset="0"/>
+                          </a:rPr>
+                        </m:ctrlPr>
+                      </m:dPr>
+                      <m:e>
+                        <m:f>
+                          <m:fPr>
+                            <m:type m:val="lin"/>
+                            <m:ctrlPr>
+                              <a:rPr lang="en-US" altLang="ja-JP" sz="1800" i="1" smtClean="0">
+                                <a:latin typeface="Cambria Math" panose="02040503050406030204" pitchFamily="18" charset="0"/>
+                                <a:ea typeface="Cambria Math" panose="02040503050406030204" pitchFamily="18" charset="0"/>
+                              </a:rPr>
+                            </m:ctrlPr>
+                          </m:fPr>
+                          <m:num>
+                            <m:r>
+                              <a:rPr lang="en-US" altLang="ja-JP" sz="1800" i="1">
+                                <a:latin typeface="Cambria Math" panose="02040503050406030204" pitchFamily="18" charset="0"/>
+                                <a:ea typeface="Cambria Math" panose="02040503050406030204" pitchFamily="18" charset="0"/>
+                              </a:rPr>
+                              <m:t>𝑃</m:t>
+                            </m:r>
+                            <m:d>
+                              <m:dPr>
+                                <m:ctrlPr>
+                                  <a:rPr lang="en-US" altLang="ja-JP" sz="1800" i="1">
+                                    <a:latin typeface="Cambria Math" panose="02040503050406030204" pitchFamily="18" charset="0"/>
+                                    <a:ea typeface="Cambria Math" panose="02040503050406030204" pitchFamily="18" charset="0"/>
+                                  </a:rPr>
+                                </m:ctrlPr>
+                              </m:dPr>
+                              <m:e>
+                                <m:r>
+                                  <a:rPr lang="en-US" altLang="ja-JP" sz="1800" i="1">
+                                    <a:latin typeface="Cambria Math" panose="02040503050406030204" pitchFamily="18" charset="0"/>
+                                    <a:ea typeface="Cambria Math" panose="02040503050406030204" pitchFamily="18" charset="0"/>
+                                  </a:rPr>
+                                  <m:t>𝑡</m:t>
+                                </m:r>
+                                <m:r>
+                                  <a:rPr lang="en-US" altLang="ja-JP" sz="1800" i="1" smtClean="0">
+                                    <a:latin typeface="Cambria Math" panose="02040503050406030204" pitchFamily="18" charset="0"/>
+                                    <a:ea typeface="Cambria Math" panose="02040503050406030204" pitchFamily="18" charset="0"/>
+                                  </a:rPr>
+                                  <m:t>+</m:t>
+                                </m:r>
+                                <m:r>
+                                  <a:rPr lang="ja-JP" altLang="en-US" sz="1800" i="1" smtClean="0">
+                                    <a:latin typeface="Cambria Math" panose="02040503050406030204" pitchFamily="18" charset="0"/>
+                                    <a:ea typeface="Cambria Math" panose="02040503050406030204" pitchFamily="18" charset="0"/>
+                                  </a:rPr>
+                                  <m:t>𝜏</m:t>
+                                </m:r>
+                              </m:e>
+                            </m:d>
+                          </m:num>
+                          <m:den>
+                            <m:sSub>
+                              <m:sSubPr>
+                                <m:ctrlPr>
+                                  <a:rPr lang="en-US" altLang="ja-JP" sz="1800" b="0" i="1" smtClean="0">
+                                    <a:latin typeface="Cambria Math" panose="02040503050406030204" pitchFamily="18" charset="0"/>
+                                    <a:ea typeface="Cambria Math" panose="02040503050406030204" pitchFamily="18" charset="0"/>
+                                  </a:rPr>
+                                </m:ctrlPr>
+                              </m:sSubPr>
+                              <m:e>
+                                <m:r>
+                                  <a:rPr lang="en-US" altLang="ja-JP" sz="1800" b="0" i="1" smtClean="0">
+                                    <a:latin typeface="Cambria Math" panose="02040503050406030204" pitchFamily="18" charset="0"/>
+                                    <a:ea typeface="Cambria Math" panose="02040503050406030204" pitchFamily="18" charset="0"/>
+                                  </a:rPr>
+                                  <m:t>𝑃</m:t>
+                                </m:r>
+                              </m:e>
+                              <m:sub>
+                                <m:r>
+                                  <a:rPr lang="en-US" altLang="ja-JP" sz="1800" b="0" i="1" smtClean="0">
+                                    <a:latin typeface="Cambria Math" panose="02040503050406030204" pitchFamily="18" charset="0"/>
+                                    <a:ea typeface="Cambria Math" panose="02040503050406030204" pitchFamily="18" charset="0"/>
+                                  </a:rPr>
+                                  <m:t>0</m:t>
+                                </m:r>
+                              </m:sub>
+                            </m:sSub>
+                            <m:d>
+                              <m:dPr>
+                                <m:ctrlPr>
+                                  <a:rPr lang="en-US" altLang="ja-JP" sz="1800" b="0" i="1" smtClean="0">
+                                    <a:latin typeface="Cambria Math" panose="02040503050406030204" pitchFamily="18" charset="0"/>
+                                    <a:ea typeface="Cambria Math" panose="02040503050406030204" pitchFamily="18" charset="0"/>
+                                  </a:rPr>
+                                </m:ctrlPr>
+                              </m:dPr>
+                              <m:e>
+                                <m:r>
+                                  <a:rPr lang="en-US" altLang="ja-JP" sz="1800" b="0" i="1" smtClean="0">
+                                    <a:latin typeface="Cambria Math" panose="02040503050406030204" pitchFamily="18" charset="0"/>
+                                    <a:ea typeface="Cambria Math" panose="02040503050406030204" pitchFamily="18" charset="0"/>
+                                  </a:rPr>
+                                  <m:t>𝑡</m:t>
+                                </m:r>
+                              </m:e>
+                            </m:d>
+                          </m:den>
+                        </m:f>
+                      </m:e>
+                    </m:d>
+                  </m:oMath>
+                </a14:m>
+                <a:endParaRPr kumimoji="1" lang="en-US" altLang="ja-JP" sz="1800" dirty="0" smtClean="0"/>
+              </a:p>
+              <a:p>
+                <a:pPr lvl="1"/>
+                <a14:m>
+                  <m:oMath xmlns:m="http://schemas.openxmlformats.org/officeDocument/2006/math">
+                    <m:sSub>
+                      <m:sSubPr>
+                        <m:ctrlPr>
+                          <a:rPr lang="en-US" altLang="ja-JP" sz="1800" i="1">
+                            <a:latin typeface="Cambria Math" panose="02040503050406030204" pitchFamily="18" charset="0"/>
+                          </a:rPr>
+                        </m:ctrlPr>
+                      </m:sSubPr>
+                      <m:e>
+                        <m:r>
+                          <a:rPr lang="en-US" altLang="ja-JP" sz="1800" i="1">
+                            <a:latin typeface="Cambria Math" panose="02040503050406030204" pitchFamily="18" charset="0"/>
+                          </a:rPr>
+                          <m:t>𝑌</m:t>
+                        </m:r>
+                      </m:e>
+                      <m:sub>
+                        <m:r>
+                          <a:rPr lang="en-US" altLang="ja-JP" sz="1800" b="0" i="1" smtClean="0">
+                            <a:latin typeface="Cambria Math" panose="02040503050406030204" pitchFamily="18" charset="0"/>
+                          </a:rPr>
+                          <m:t>𝐵</m:t>
+                        </m:r>
+                      </m:sub>
+                    </m:sSub>
+                    <m:r>
+                      <a:rPr lang="en-US" altLang="ja-JP" sz="1800" i="1">
+                        <a:latin typeface="Cambria Math" panose="02040503050406030204" pitchFamily="18" charset="0"/>
+                        <a:ea typeface="Cambria Math" panose="02040503050406030204" pitchFamily="18" charset="0"/>
+                      </a:rPr>
+                      <m:t>=</m:t>
+                    </m:r>
+                    <m:r>
+                      <a:rPr lang="en-US" altLang="ja-JP" sz="1800" b="0" i="1" smtClean="0">
+                        <a:latin typeface="Cambria Math" panose="02040503050406030204" pitchFamily="18" charset="0"/>
+                        <a:ea typeface="Cambria Math" panose="02040503050406030204" pitchFamily="18" charset="0"/>
+                      </a:rPr>
+                      <m:t>0</m:t>
+                    </m:r>
+                  </m:oMath>
+                </a14:m>
+                <a:endParaRPr kumimoji="1" lang="en-US" altLang="ja-JP" sz="1800" dirty="0" smtClean="0"/>
+              </a:p>
+              <a:p>
+                <a:pPr lvl="1"/>
+                <a14:m>
+                  <m:oMath xmlns:m="http://schemas.openxmlformats.org/officeDocument/2006/math">
+                    <m:sSub>
+                      <m:sSubPr>
+                        <m:ctrlPr>
+                          <a:rPr lang="en-US" altLang="ja-JP" sz="1800" i="1">
+                            <a:latin typeface="Cambria Math" panose="02040503050406030204" pitchFamily="18" charset="0"/>
+                          </a:rPr>
+                        </m:ctrlPr>
+                      </m:sSubPr>
+                      <m:e>
+                        <m:r>
+                          <a:rPr lang="en-US" altLang="ja-JP" sz="1800" i="1">
+                            <a:latin typeface="Cambria Math" panose="02040503050406030204" pitchFamily="18" charset="0"/>
+                          </a:rPr>
+                          <m:t>𝑌</m:t>
+                        </m:r>
+                      </m:e>
+                      <m:sub>
+                        <m:r>
+                          <a:rPr lang="en-US" altLang="ja-JP" sz="1800" i="1">
+                            <a:latin typeface="Cambria Math" panose="02040503050406030204" pitchFamily="18" charset="0"/>
+                          </a:rPr>
+                          <m:t>𝐴</m:t>
+                        </m:r>
+                      </m:sub>
+                    </m:sSub>
+                    <m:d>
+                      <m:dPr>
+                        <m:ctrlPr>
+                          <a:rPr lang="en-US" altLang="ja-JP" sz="1800" i="1">
+                            <a:latin typeface="Cambria Math" panose="02040503050406030204" pitchFamily="18" charset="0"/>
+                          </a:rPr>
+                        </m:ctrlPr>
+                      </m:dPr>
+                      <m:e>
+                        <m:r>
+                          <a:rPr lang="ja-JP" altLang="en-US" sz="1800" i="1">
+                            <a:latin typeface="Cambria Math" panose="02040503050406030204" pitchFamily="18" charset="0"/>
+                          </a:rPr>
+                          <m:t>𝜏</m:t>
+                        </m:r>
+                      </m:e>
+                    </m:d>
+                    <m:r>
+                      <a:rPr lang="ja-JP" altLang="en-US" sz="1800" i="1" smtClean="0">
+                        <a:latin typeface="Cambria Math" panose="02040503050406030204" pitchFamily="18" charset="0"/>
+                      </a:rPr>
+                      <m:t>の</m:t>
+                    </m:r>
+                  </m:oMath>
+                </a14:m>
+                <a:r>
+                  <a:rPr kumimoji="1" lang="ja-JP" altLang="en-US" sz="1800" dirty="0" smtClean="0"/>
+                  <a:t>期待値の</a:t>
+                </a:r>
+                <a:r>
+                  <a:rPr lang="ja-JP" altLang="en-US" sz="1800" dirty="0" smtClean="0"/>
+                  <a:t>見積が正か負かによって論理決定を行う</a:t>
+                </a:r>
+                <a:endParaRPr kumimoji="1" lang="ja-JP" altLang="en-US" sz="1800" dirty="0"/>
+              </a:p>
+            </p:txBody>
+          </p:sp>
+        </mc:Choice>
+        <mc:Fallback>
+          <p:sp>
+            <p:nvSpPr>
+              <p:cNvPr id="3" name="コンテンツ プレースホルダー 2"/>
+              <p:cNvSpPr>
+                <a:spLocks noGrp="1" noRot="1" noChangeAspect="1" noMove="1" noResize="1" noEditPoints="1" noAdjustHandles="1" noChangeArrowheads="1" noChangeShapeType="1" noTextEdit="1"/>
+              </p:cNvSpPr>
+              <p:nvPr>
+                <p:ph idx="1"/>
+              </p:nvPr>
+            </p:nvSpPr>
+            <p:spPr>
+              <a:blipFill rotWithShape="0">
+                <a:blip r:embed="rId2"/>
+                <a:stretch>
+                  <a:fillRect l="-720" t="-1116"/>
+                </a:stretch>
+              </a:blipFill>
+            </p:spPr>
+            <p:txBody>
+              <a:bodyPr/>
+              <a:lstStyle/>
+              <a:p>
+                <a:r>
+                  <a:rPr lang="ja-JP" altLang="en-US">
+                    <a:noFill/>
+                  </a:rPr>
+                  <a:t> </a:t>
+                </a:r>
+              </a:p>
+            </p:txBody>
+          </p:sp>
+        </mc:Fallback>
+      </mc:AlternateContent>
       <p:sp>
         <p:nvSpPr>
           <p:cNvPr id="4" name="スライド番号プレースホルダー 3"/>
@@ -6360,25 +7465,601 @@
           </a:p>
         </p:txBody>
       </p:sp>
-      <p:sp>
-        <p:nvSpPr>
-          <p:cNvPr id="3" name="コンテンツ プレースホルダー 2"/>
-          <p:cNvSpPr>
-            <a:spLocks noGrp="1"/>
-          </p:cNvSpPr>
-          <p:nvPr>
-            <p:ph idx="1"/>
-          </p:nvPr>
-        </p:nvSpPr>
-        <p:spPr/>
-        <p:txBody>
-          <a:bodyPr/>
-          <a:lstStyle/>
-          <a:p>
-            <a:endParaRPr kumimoji="1" lang="ja-JP" altLang="en-US" dirty="0"/>
-          </a:p>
-        </p:txBody>
-      </p:sp>
+      <mc:AlternateContent xmlns:mc="http://schemas.openxmlformats.org/markup-compatibility/2006">
+        <mc:Choice xmlns:a14="http://schemas.microsoft.com/office/drawing/2010/main" Requires="a14">
+          <p:sp>
+            <p:nvSpPr>
+              <p:cNvPr id="3" name="コンテンツ プレースホルダー 2"/>
+              <p:cNvSpPr>
+                <a:spLocks noGrp="1"/>
+              </p:cNvSpPr>
+              <p:nvPr>
+                <p:ph idx="1"/>
+              </p:nvPr>
+            </p:nvSpPr>
+            <p:spPr/>
+            <p:txBody>
+              <a:bodyPr/>
+              <a:lstStyle/>
+              <a:p>
+                <a14:m>
+                  <m:oMath xmlns:m="http://schemas.openxmlformats.org/officeDocument/2006/math">
+                    <m:r>
+                      <a:rPr lang="en-US" altLang="ja-JP" i="1" smtClean="0">
+                        <a:latin typeface="Cambria Math" panose="02040503050406030204" pitchFamily="18" charset="0"/>
+                        <a:ea typeface="Cambria Math" panose="02040503050406030204" pitchFamily="18" charset="0"/>
+                      </a:rPr>
+                      <m:t>∆</m:t>
+                    </m:r>
+                    <m:sSub>
+                      <m:sSubPr>
+                        <m:ctrlPr>
+                          <a:rPr lang="en-US" altLang="ja-JP" b="0" i="1">
+                            <a:latin typeface="Cambria Math" panose="02040503050406030204" pitchFamily="18" charset="0"/>
+                            <a:ea typeface="Cambria Math" panose="02040503050406030204" pitchFamily="18" charset="0"/>
+                          </a:rPr>
+                        </m:ctrlPr>
+                      </m:sSubPr>
+                      <m:e>
+                        <m:r>
+                          <m:rPr>
+                            <m:sty m:val="p"/>
+                          </m:rPr>
+                          <a:rPr lang="en-US" altLang="ja-JP" b="0">
+                            <a:latin typeface="Cambria Math" panose="02040503050406030204" pitchFamily="18" charset="0"/>
+                            <a:ea typeface="Cambria Math" panose="02040503050406030204" pitchFamily="18" charset="0"/>
+                          </a:rPr>
+                          <m:t>log</m:t>
+                        </m:r>
+                      </m:e>
+                      <m:sub>
+                        <m:r>
+                          <a:rPr lang="en-US" altLang="ja-JP" b="0" i="1">
+                            <a:latin typeface="Cambria Math" panose="02040503050406030204" pitchFamily="18" charset="0"/>
+                            <a:ea typeface="Cambria Math" panose="02040503050406030204" pitchFamily="18" charset="0"/>
+                          </a:rPr>
+                          <m:t>𝑒</m:t>
+                        </m:r>
+                      </m:sub>
+                    </m:sSub>
+                    <m:r>
+                      <a:rPr lang="en-US" altLang="ja-JP" b="0" i="1" smtClean="0">
+                        <a:latin typeface="Cambria Math" panose="02040503050406030204" pitchFamily="18" charset="0"/>
+                        <a:ea typeface="Cambria Math" panose="02040503050406030204" pitchFamily="18" charset="0"/>
+                      </a:rPr>
+                      <m:t> </m:t>
+                    </m:r>
+                    <m:r>
+                      <a:rPr lang="en-US" altLang="ja-JP" b="0" i="1" smtClean="0">
+                        <a:latin typeface="Cambria Math" panose="02040503050406030204" pitchFamily="18" charset="0"/>
+                        <a:ea typeface="Cambria Math" panose="02040503050406030204" pitchFamily="18" charset="0"/>
+                      </a:rPr>
+                      <m:t>𝑃</m:t>
+                    </m:r>
+                  </m:oMath>
+                </a14:m>
+                <a:r>
+                  <a:rPr kumimoji="1" lang="ja-JP" altLang="en-US" dirty="0" smtClean="0"/>
+                  <a:t> </a:t>
+                </a:r>
+                <a:r>
+                  <a:rPr lang="ja-JP" altLang="en-US" dirty="0" smtClean="0"/>
+                  <a:t>を</a:t>
+                </a:r>
+                <a:r>
+                  <a:rPr lang="ja-JP" altLang="en-US" dirty="0"/>
+                  <a:t>買い手は</a:t>
+                </a:r>
+                <a:r>
+                  <a:rPr kumimoji="1" lang="ja-JP" altLang="en-US" dirty="0" smtClean="0"/>
+                  <a:t>正、売り手は負と判断する</a:t>
+                </a:r>
+                <a:endParaRPr kumimoji="1" lang="en-US" altLang="ja-JP" dirty="0" smtClean="0"/>
+              </a:p>
+              <a:p>
+                <a:pPr lvl="1"/>
+                <a14:m>
+                  <m:oMath xmlns:m="http://schemas.openxmlformats.org/officeDocument/2006/math">
+                    <m:sSub>
+                      <m:sSubPr>
+                        <m:ctrlPr>
+                          <a:rPr kumimoji="1" lang="en-US" altLang="ja-JP" b="0" i="1" smtClean="0">
+                            <a:latin typeface="Cambria Math" panose="02040503050406030204" pitchFamily="18" charset="0"/>
+                          </a:rPr>
+                        </m:ctrlPr>
+                      </m:sSubPr>
+                      <m:e>
+                        <m:r>
+                          <m:rPr>
+                            <m:sty m:val="p"/>
+                          </m:rPr>
+                          <a:rPr lang="en-US" altLang="ja-JP">
+                            <a:latin typeface="Cambria Math" panose="02040503050406030204" pitchFamily="18" charset="0"/>
+                          </a:rPr>
+                          <m:t>E</m:t>
+                        </m:r>
+                        <m:r>
+                          <a:rPr lang="ja-JP" altLang="en-US" i="1">
+                            <a:latin typeface="Cambria Math" panose="02040503050406030204" pitchFamily="18" charset="0"/>
+                          </a:rPr>
+                          <m:t>𝜀</m:t>
+                        </m:r>
+                        <m:d>
+                          <m:dPr>
+                            <m:ctrlPr>
+                              <a:rPr lang="en-US" altLang="ja-JP" i="1">
+                                <a:latin typeface="Cambria Math" panose="02040503050406030204" pitchFamily="18" charset="0"/>
+                              </a:rPr>
+                            </m:ctrlPr>
+                          </m:dPr>
+                          <m:e>
+                            <m:r>
+                              <a:rPr lang="en-US" altLang="ja-JP" i="1">
+                                <a:latin typeface="Cambria Math" panose="02040503050406030204" pitchFamily="18" charset="0"/>
+                                <a:ea typeface="Cambria Math" panose="02040503050406030204" pitchFamily="18" charset="0"/>
+                              </a:rPr>
+                              <m:t>∆</m:t>
+                            </m:r>
+                            <m:sSub>
+                              <m:sSubPr>
+                                <m:ctrlPr>
+                                  <a:rPr lang="en-US" altLang="ja-JP" i="1">
+                                    <a:latin typeface="Cambria Math" panose="02040503050406030204" pitchFamily="18" charset="0"/>
+                                    <a:ea typeface="Cambria Math" panose="02040503050406030204" pitchFamily="18" charset="0"/>
+                                  </a:rPr>
+                                </m:ctrlPr>
+                              </m:sSubPr>
+                              <m:e>
+                                <m:r>
+                                  <m:rPr>
+                                    <m:sty m:val="p"/>
+                                  </m:rPr>
+                                  <a:rPr lang="en-US" altLang="ja-JP">
+                                    <a:latin typeface="Cambria Math" panose="02040503050406030204" pitchFamily="18" charset="0"/>
+                                    <a:ea typeface="Cambria Math" panose="02040503050406030204" pitchFamily="18" charset="0"/>
+                                  </a:rPr>
+                                  <m:t>log</m:t>
+                                </m:r>
+                              </m:e>
+                              <m:sub>
+                                <m:r>
+                                  <a:rPr lang="en-US" altLang="ja-JP" i="1">
+                                    <a:latin typeface="Cambria Math" panose="02040503050406030204" pitchFamily="18" charset="0"/>
+                                    <a:ea typeface="Cambria Math" panose="02040503050406030204" pitchFamily="18" charset="0"/>
+                                  </a:rPr>
+                                  <m:t>𝑒</m:t>
+                                </m:r>
+                              </m:sub>
+                            </m:sSub>
+                            <m:r>
+                              <a:rPr lang="en-US" altLang="ja-JP" i="1">
+                                <a:latin typeface="Cambria Math" panose="02040503050406030204" pitchFamily="18" charset="0"/>
+                                <a:ea typeface="Cambria Math" panose="02040503050406030204" pitchFamily="18" charset="0"/>
+                              </a:rPr>
+                              <m:t> </m:t>
+                            </m:r>
+                            <m:r>
+                              <a:rPr lang="en-US" altLang="ja-JP" i="1">
+                                <a:latin typeface="Cambria Math" panose="02040503050406030204" pitchFamily="18" charset="0"/>
+                                <a:ea typeface="Cambria Math" panose="02040503050406030204" pitchFamily="18" charset="0"/>
+                              </a:rPr>
+                              <m:t>𝑃</m:t>
+                            </m:r>
+                          </m:e>
+                        </m:d>
+                      </m:e>
+                      <m:sub>
+                        <m:r>
+                          <m:rPr>
+                            <m:sty m:val="p"/>
+                          </m:rPr>
+                          <a:rPr kumimoji="1" lang="en-US" altLang="ja-JP" b="0" i="0" smtClean="0">
+                            <a:latin typeface="Cambria Math" panose="02040503050406030204" pitchFamily="18" charset="0"/>
+                          </a:rPr>
+                          <m:t>S</m:t>
+                        </m:r>
+                      </m:sub>
+                    </m:sSub>
+                    <m:r>
+                      <a:rPr kumimoji="1" lang="en-US" altLang="ja-JP" b="0" i="1" smtClean="0">
+                        <a:latin typeface="Cambria Math" panose="02040503050406030204" pitchFamily="18" charset="0"/>
+                        <a:ea typeface="Cambria Math" panose="02040503050406030204" pitchFamily="18" charset="0"/>
+                      </a:rPr>
+                      <m:t>+</m:t>
+                    </m:r>
+                    <m:sSub>
+                      <m:sSubPr>
+                        <m:ctrlPr>
+                          <a:rPr lang="en-US" altLang="ja-JP" i="1">
+                            <a:latin typeface="Cambria Math" panose="02040503050406030204" pitchFamily="18" charset="0"/>
+                          </a:rPr>
+                        </m:ctrlPr>
+                      </m:sSubPr>
+                      <m:e>
+                        <m:r>
+                          <m:rPr>
+                            <m:sty m:val="p"/>
+                          </m:rPr>
+                          <a:rPr lang="en-US" altLang="ja-JP">
+                            <a:latin typeface="Cambria Math" panose="02040503050406030204" pitchFamily="18" charset="0"/>
+                          </a:rPr>
+                          <m:t>E</m:t>
+                        </m:r>
+                        <m:r>
+                          <a:rPr lang="ja-JP" altLang="en-US" i="1">
+                            <a:latin typeface="Cambria Math" panose="02040503050406030204" pitchFamily="18" charset="0"/>
+                          </a:rPr>
+                          <m:t>𝜀</m:t>
+                        </m:r>
+                        <m:d>
+                          <m:dPr>
+                            <m:ctrlPr>
+                              <a:rPr lang="en-US" altLang="ja-JP" i="1">
+                                <a:latin typeface="Cambria Math" panose="02040503050406030204" pitchFamily="18" charset="0"/>
+                              </a:rPr>
+                            </m:ctrlPr>
+                          </m:dPr>
+                          <m:e>
+                            <m:r>
+                              <a:rPr lang="en-US" altLang="ja-JP" i="1">
+                                <a:latin typeface="Cambria Math" panose="02040503050406030204" pitchFamily="18" charset="0"/>
+                                <a:ea typeface="Cambria Math" panose="02040503050406030204" pitchFamily="18" charset="0"/>
+                              </a:rPr>
+                              <m:t>∆</m:t>
+                            </m:r>
+                            <m:sSub>
+                              <m:sSubPr>
+                                <m:ctrlPr>
+                                  <a:rPr lang="en-US" altLang="ja-JP" i="1">
+                                    <a:latin typeface="Cambria Math" panose="02040503050406030204" pitchFamily="18" charset="0"/>
+                                    <a:ea typeface="Cambria Math" panose="02040503050406030204" pitchFamily="18" charset="0"/>
+                                  </a:rPr>
+                                </m:ctrlPr>
+                              </m:sSubPr>
+                              <m:e>
+                                <m:r>
+                                  <m:rPr>
+                                    <m:sty m:val="p"/>
+                                  </m:rPr>
+                                  <a:rPr lang="en-US" altLang="ja-JP">
+                                    <a:latin typeface="Cambria Math" panose="02040503050406030204" pitchFamily="18" charset="0"/>
+                                    <a:ea typeface="Cambria Math" panose="02040503050406030204" pitchFamily="18" charset="0"/>
+                                  </a:rPr>
+                                  <m:t>log</m:t>
+                                </m:r>
+                              </m:e>
+                              <m:sub>
+                                <m:r>
+                                  <a:rPr lang="en-US" altLang="ja-JP" i="1">
+                                    <a:latin typeface="Cambria Math" panose="02040503050406030204" pitchFamily="18" charset="0"/>
+                                    <a:ea typeface="Cambria Math" panose="02040503050406030204" pitchFamily="18" charset="0"/>
+                                  </a:rPr>
+                                  <m:t>𝑒</m:t>
+                                </m:r>
+                              </m:sub>
+                            </m:sSub>
+                            <m:r>
+                              <a:rPr lang="en-US" altLang="ja-JP" i="1">
+                                <a:latin typeface="Cambria Math" panose="02040503050406030204" pitchFamily="18" charset="0"/>
+                                <a:ea typeface="Cambria Math" panose="02040503050406030204" pitchFamily="18" charset="0"/>
+                              </a:rPr>
+                              <m:t> </m:t>
+                            </m:r>
+                            <m:r>
+                              <a:rPr lang="en-US" altLang="ja-JP" i="1">
+                                <a:latin typeface="Cambria Math" panose="02040503050406030204" pitchFamily="18" charset="0"/>
+                                <a:ea typeface="Cambria Math" panose="02040503050406030204" pitchFamily="18" charset="0"/>
+                              </a:rPr>
+                              <m:t>𝑃</m:t>
+                            </m:r>
+                          </m:e>
+                        </m:d>
+                      </m:e>
+                      <m:sub>
+                        <m:r>
+                          <m:rPr>
+                            <m:sty m:val="p"/>
+                          </m:rPr>
+                          <a:rPr lang="en-US" altLang="ja-JP" b="0" i="0" smtClean="0">
+                            <a:latin typeface="Cambria Math" panose="02040503050406030204" pitchFamily="18" charset="0"/>
+                          </a:rPr>
+                          <m:t>B</m:t>
+                        </m:r>
+                      </m:sub>
+                    </m:sSub>
+                    <m:r>
+                      <a:rPr lang="en-US" altLang="ja-JP" i="1" smtClean="0">
+                        <a:latin typeface="Cambria Math" panose="02040503050406030204" pitchFamily="18" charset="0"/>
+                        <a:ea typeface="Cambria Math" panose="02040503050406030204" pitchFamily="18" charset="0"/>
+                      </a:rPr>
+                      <m:t>=</m:t>
+                    </m:r>
+                    <m:r>
+                      <a:rPr lang="en-US" altLang="ja-JP" b="0" i="1" smtClean="0">
+                        <a:latin typeface="Cambria Math" panose="02040503050406030204" pitchFamily="18" charset="0"/>
+                        <a:ea typeface="Cambria Math" panose="02040503050406030204" pitchFamily="18" charset="0"/>
+                      </a:rPr>
+                      <m:t>0</m:t>
+                    </m:r>
+                  </m:oMath>
+                </a14:m>
+                <a:endParaRPr lang="en-US" altLang="ja-JP" b="0" dirty="0" smtClean="0">
+                  <a:ea typeface="Cambria Math" panose="02040503050406030204" pitchFamily="18" charset="0"/>
+                </a:endParaRPr>
+              </a:p>
+              <a:p>
+                <a:pPr lvl="2"/>
+                <a:r>
+                  <a:rPr kumimoji="1" lang="ja-JP" altLang="en-US" dirty="0" smtClean="0"/>
+                  <a:t>ここで </a:t>
+                </a:r>
+                <a14:m>
+                  <m:oMath xmlns:m="http://schemas.openxmlformats.org/officeDocument/2006/math">
+                    <m:r>
+                      <a:rPr lang="en-US" altLang="ja-JP" i="1">
+                        <a:latin typeface="Cambria Math" panose="02040503050406030204" pitchFamily="18" charset="0"/>
+                        <a:ea typeface="Cambria Math" panose="02040503050406030204" pitchFamily="18" charset="0"/>
+                      </a:rPr>
+                      <m:t>𝑃</m:t>
+                    </m:r>
+                  </m:oMath>
+                </a14:m>
+                <a:r>
+                  <a:rPr kumimoji="1" lang="ja-JP" altLang="en-US" dirty="0" smtClean="0"/>
+                  <a:t> は</a:t>
+                </a:r>
+                <a:r>
+                  <a:rPr kumimoji="1" lang="en-US" altLang="ja-JP" dirty="0" smtClean="0"/>
+                  <a:t>1</a:t>
+                </a:r>
+                <a:r>
+                  <a:rPr kumimoji="1" lang="ja-JP" altLang="en-US" dirty="0" smtClean="0"/>
+                  <a:t>株当たりの価格、</a:t>
+                </a:r>
+                <a14:m>
+                  <m:oMath xmlns:m="http://schemas.openxmlformats.org/officeDocument/2006/math">
+                    <m:r>
+                      <m:rPr>
+                        <m:sty m:val="p"/>
+                      </m:rPr>
+                      <a:rPr lang="en-US" altLang="ja-JP">
+                        <a:latin typeface="Cambria Math" panose="02040503050406030204" pitchFamily="18" charset="0"/>
+                      </a:rPr>
+                      <m:t>E</m:t>
+                    </m:r>
+                    <m:r>
+                      <a:rPr lang="ja-JP" altLang="en-US" i="1">
+                        <a:latin typeface="Cambria Math" panose="02040503050406030204" pitchFamily="18" charset="0"/>
+                      </a:rPr>
+                      <m:t>𝜀</m:t>
+                    </m:r>
+                  </m:oMath>
+                </a14:m>
+                <a:r>
+                  <a:rPr kumimoji="1" lang="ja-JP" altLang="en-US" dirty="0" smtClean="0"/>
+                  <a:t> は期待値の見積である</a:t>
+                </a:r>
+                <a:endParaRPr kumimoji="1" lang="en-US" altLang="ja-JP" dirty="0" smtClean="0"/>
+              </a:p>
+              <a:p>
+                <a:r>
+                  <a:rPr kumimoji="1" lang="ja-JP" altLang="en-US" dirty="0" smtClean="0"/>
+                  <a:t>市場全体では以下の式のような状況</a:t>
+                </a:r>
+                <a:endParaRPr kumimoji="1" lang="en-US" altLang="ja-JP" dirty="0" smtClean="0"/>
+              </a:p>
+              <a:p>
+                <a:pPr lvl="1"/>
+                <a14:m>
+                  <m:oMath xmlns:m="http://schemas.openxmlformats.org/officeDocument/2006/math">
+                    <m:sSub>
+                      <m:sSubPr>
+                        <m:ctrlPr>
+                          <a:rPr lang="en-US" altLang="ja-JP" i="1">
+                            <a:latin typeface="Cambria Math" panose="02040503050406030204" pitchFamily="18" charset="0"/>
+                          </a:rPr>
+                        </m:ctrlPr>
+                      </m:sSubPr>
+                      <m:e>
+                        <m:r>
+                          <m:rPr>
+                            <m:sty m:val="p"/>
+                          </m:rPr>
+                          <a:rPr lang="en-US" altLang="ja-JP">
+                            <a:latin typeface="Cambria Math" panose="02040503050406030204" pitchFamily="18" charset="0"/>
+                          </a:rPr>
+                          <m:t>E</m:t>
+                        </m:r>
+                        <m:r>
+                          <a:rPr lang="ja-JP" altLang="en-US" i="1">
+                            <a:latin typeface="Cambria Math" panose="02040503050406030204" pitchFamily="18" charset="0"/>
+                          </a:rPr>
+                          <m:t>𝜀</m:t>
+                        </m:r>
+                        <m:d>
+                          <m:dPr>
+                            <m:ctrlPr>
+                              <a:rPr lang="en-US" altLang="ja-JP" i="1">
+                                <a:latin typeface="Cambria Math" panose="02040503050406030204" pitchFamily="18" charset="0"/>
+                              </a:rPr>
+                            </m:ctrlPr>
+                          </m:dPr>
+                          <m:e>
+                            <m:r>
+                              <a:rPr lang="en-US" altLang="ja-JP" i="1">
+                                <a:latin typeface="Cambria Math" panose="02040503050406030204" pitchFamily="18" charset="0"/>
+                                <a:ea typeface="Cambria Math" panose="02040503050406030204" pitchFamily="18" charset="0"/>
+                              </a:rPr>
+                              <m:t>∆</m:t>
+                            </m:r>
+                            <m:sSub>
+                              <m:sSubPr>
+                                <m:ctrlPr>
+                                  <a:rPr lang="en-US" altLang="ja-JP" i="1">
+                                    <a:latin typeface="Cambria Math" panose="02040503050406030204" pitchFamily="18" charset="0"/>
+                                    <a:ea typeface="Cambria Math" panose="02040503050406030204" pitchFamily="18" charset="0"/>
+                                  </a:rPr>
+                                </m:ctrlPr>
+                              </m:sSubPr>
+                              <m:e>
+                                <m:r>
+                                  <m:rPr>
+                                    <m:sty m:val="p"/>
+                                  </m:rPr>
+                                  <a:rPr lang="en-US" altLang="ja-JP">
+                                    <a:latin typeface="Cambria Math" panose="02040503050406030204" pitchFamily="18" charset="0"/>
+                                    <a:ea typeface="Cambria Math" panose="02040503050406030204" pitchFamily="18" charset="0"/>
+                                  </a:rPr>
+                                  <m:t>log</m:t>
+                                </m:r>
+                              </m:e>
+                              <m:sub>
+                                <m:r>
+                                  <a:rPr lang="en-US" altLang="ja-JP" i="1">
+                                    <a:latin typeface="Cambria Math" panose="02040503050406030204" pitchFamily="18" charset="0"/>
+                                    <a:ea typeface="Cambria Math" panose="02040503050406030204" pitchFamily="18" charset="0"/>
+                                  </a:rPr>
+                                  <m:t>𝑒</m:t>
+                                </m:r>
+                              </m:sub>
+                            </m:sSub>
+                            <m:r>
+                              <a:rPr lang="en-US" altLang="ja-JP" i="1">
+                                <a:latin typeface="Cambria Math" panose="02040503050406030204" pitchFamily="18" charset="0"/>
+                                <a:ea typeface="Cambria Math" panose="02040503050406030204" pitchFamily="18" charset="0"/>
+                              </a:rPr>
+                              <m:t> </m:t>
+                            </m:r>
+                            <m:r>
+                              <a:rPr lang="en-US" altLang="ja-JP" i="1">
+                                <a:latin typeface="Cambria Math" panose="02040503050406030204" pitchFamily="18" charset="0"/>
+                                <a:ea typeface="Cambria Math" panose="02040503050406030204" pitchFamily="18" charset="0"/>
+                              </a:rPr>
+                              <m:t>𝑃</m:t>
+                            </m:r>
+                          </m:e>
+                        </m:d>
+                      </m:e>
+                      <m:sub>
+                        <m:r>
+                          <m:rPr>
+                            <m:sty m:val="p"/>
+                          </m:rPr>
+                          <a:rPr lang="en-US" altLang="ja-JP" i="0">
+                            <a:latin typeface="Cambria Math" panose="02040503050406030204" pitchFamily="18" charset="0"/>
+                            <a:ea typeface="Cambria Math" panose="02040503050406030204" pitchFamily="18" charset="0"/>
+                          </a:rPr>
+                          <m:t>M</m:t>
+                        </m:r>
+                        <m:r>
+                          <a:rPr lang="en-US" altLang="ja-JP" i="0" smtClean="0">
+                            <a:latin typeface="Cambria Math" panose="02040503050406030204" pitchFamily="18" charset="0"/>
+                            <a:ea typeface="Cambria Math" panose="02040503050406030204" pitchFamily="18" charset="0"/>
+                          </a:rPr>
+                          <m:t>=</m:t>
+                        </m:r>
+                        <m:r>
+                          <m:rPr>
+                            <m:sty m:val="p"/>
+                          </m:rPr>
+                          <a:rPr lang="en-US" altLang="ja-JP" i="0">
+                            <a:latin typeface="Cambria Math" panose="02040503050406030204" pitchFamily="18" charset="0"/>
+                            <a:ea typeface="Cambria Math" panose="02040503050406030204" pitchFamily="18" charset="0"/>
+                          </a:rPr>
+                          <m:t>S</m:t>
+                        </m:r>
+                        <m:r>
+                          <a:rPr lang="en-US" altLang="ja-JP" i="0" smtClean="0">
+                            <a:latin typeface="Cambria Math" panose="02040503050406030204" pitchFamily="18" charset="0"/>
+                            <a:ea typeface="Cambria Math" panose="02040503050406030204" pitchFamily="18" charset="0"/>
+                          </a:rPr>
+                          <m:t>+</m:t>
+                        </m:r>
+                        <m:r>
+                          <m:rPr>
+                            <m:sty m:val="p"/>
+                          </m:rPr>
+                          <a:rPr lang="en-US" altLang="ja-JP" i="0">
+                            <a:latin typeface="Cambria Math" panose="02040503050406030204" pitchFamily="18" charset="0"/>
+                            <a:ea typeface="Cambria Math" panose="02040503050406030204" pitchFamily="18" charset="0"/>
+                          </a:rPr>
+                          <m:t>B</m:t>
+                        </m:r>
+                      </m:sub>
+                    </m:sSub>
+                    <m:r>
+                      <a:rPr lang="en-US" altLang="ja-JP" i="1">
+                        <a:latin typeface="Cambria Math" panose="02040503050406030204" pitchFamily="18" charset="0"/>
+                        <a:ea typeface="Cambria Math" panose="02040503050406030204" pitchFamily="18" charset="0"/>
+                      </a:rPr>
+                      <m:t>=0</m:t>
+                    </m:r>
+                  </m:oMath>
+                </a14:m>
+                <a:endParaRPr kumimoji="1" lang="en-US" altLang="ja-JP" dirty="0" smtClean="0"/>
+              </a:p>
+              <a:p>
+                <a:pPr lvl="1"/>
+                <a:r>
+                  <a:rPr lang="ja-JP" altLang="en-US" dirty="0" smtClean="0"/>
+                  <a:t>上記の式では見積を表す </a:t>
+                </a:r>
+                <a14:m>
+                  <m:oMath xmlns:m="http://schemas.openxmlformats.org/officeDocument/2006/math">
+                    <m:r>
+                      <m:rPr>
+                        <m:sty m:val="p"/>
+                      </m:rPr>
+                      <a:rPr lang="en-US" altLang="ja-JP">
+                        <a:latin typeface="Cambria Math" panose="02040503050406030204" pitchFamily="18" charset="0"/>
+                      </a:rPr>
+                      <m:t>E</m:t>
+                    </m:r>
+                  </m:oMath>
+                </a14:m>
+                <a:r>
+                  <a:rPr lang="ja-JP" altLang="en-US" dirty="0" smtClean="0"/>
+                  <a:t> はなくてもよいかもしれない</a:t>
+                </a:r>
+                <a:endParaRPr kumimoji="1" lang="ja-JP" altLang="en-US" dirty="0"/>
+              </a:p>
+            </p:txBody>
+          </p:sp>
+        </mc:Choice>
+        <mc:Fallback>
+          <p:sp>
+            <p:nvSpPr>
+              <p:cNvPr id="3" name="コンテンツ プレースホルダー 2"/>
+              <p:cNvSpPr>
+                <a:spLocks noGrp="1" noRot="1" noChangeAspect="1" noMove="1" noResize="1" noEditPoints="1" noAdjustHandles="1" noChangeArrowheads="1" noChangeShapeType="1" noTextEdit="1"/>
+              </p:cNvSpPr>
+              <p:nvPr>
+                <p:ph idx="1"/>
+              </p:nvPr>
+            </p:nvSpPr>
+            <p:spPr>
+              <a:blipFill rotWithShape="0">
+                <a:blip r:embed="rId2"/>
+                <a:stretch>
+                  <a:fillRect l="-720" t="-1116"/>
+                </a:stretch>
+              </a:blipFill>
+            </p:spPr>
+            <p:txBody>
+              <a:bodyPr/>
+              <a:lstStyle/>
+              <a:p>
+                <a:r>
+                  <a:rPr lang="ja-JP" altLang="en-US">
+                    <a:noFill/>
+                  </a:rPr>
+                  <a:t> </a:t>
+                </a:r>
+              </a:p>
+            </p:txBody>
+          </p:sp>
+        </mc:Fallback>
+      </mc:AlternateContent>
       <p:sp>
         <p:nvSpPr>
           <p:cNvPr id="4" name="スライド番号プレースホルダー 3"/>
@@ -6460,35 +8141,583 @@
             </a:r>
             <a:r>
               <a:rPr kumimoji="1" lang="ja-JP" altLang="en-US" dirty="0" smtClean="0"/>
-              <a:t>株価の</a:t>
+              <a:t>株価</a:t>
+            </a:r>
+            <a:r>
+              <a:rPr kumimoji="1" lang="ja-JP" altLang="en-US" dirty="0" smtClean="0"/>
+              <a:t>の</a:t>
             </a:r>
             <a:r>
               <a:rPr lang="ja-JP" altLang="en-US" dirty="0" smtClean="0"/>
-              <a:t>時間変化</a:t>
+              <a:t>収益率の分布</a:t>
             </a:r>
             <a:endParaRPr kumimoji="1" lang="ja-JP" altLang="en-US" dirty="0"/>
           </a:p>
         </p:txBody>
       </p:sp>
-      <p:sp>
-        <p:nvSpPr>
-          <p:cNvPr id="3" name="コンテンツ プレースホルダー 2"/>
-          <p:cNvSpPr>
-            <a:spLocks noGrp="1"/>
-          </p:cNvSpPr>
-          <p:nvPr>
-            <p:ph idx="1"/>
-          </p:nvPr>
-        </p:nvSpPr>
-        <p:spPr/>
-        <p:txBody>
-          <a:bodyPr/>
-          <a:lstStyle/>
-          <a:p>
-            <a:endParaRPr kumimoji="1" lang="ja-JP" altLang="en-US" dirty="0"/>
-          </a:p>
-        </p:txBody>
-      </p:sp>
+      <mc:AlternateContent xmlns:mc="http://schemas.openxmlformats.org/markup-compatibility/2006">
+        <mc:Choice xmlns:a14="http://schemas.microsoft.com/office/drawing/2010/main" Requires="a14">
+          <p:sp>
+            <p:nvSpPr>
+              <p:cNvPr id="3" name="コンテンツ プレースホルダー 2"/>
+              <p:cNvSpPr>
+                <a:spLocks noGrp="1"/>
+              </p:cNvSpPr>
+              <p:nvPr>
+                <p:ph idx="1"/>
+              </p:nvPr>
+            </p:nvSpPr>
+            <p:spPr/>
+            <p:txBody>
+              <a:bodyPr/>
+              <a:lstStyle/>
+              <a:p>
+                <a:r>
+                  <a:rPr kumimoji="1" lang="ja-JP" altLang="en-US" dirty="0" smtClean="0"/>
+                  <a:t>以下の </a:t>
+                </a:r>
+                <a14:m>
+                  <m:oMath xmlns:m="http://schemas.openxmlformats.org/officeDocument/2006/math">
+                    <m:r>
+                      <a:rPr lang="en-US" altLang="ja-JP" b="0" i="1">
+                        <a:latin typeface="Cambria Math" panose="02040503050406030204" pitchFamily="18" charset="0"/>
+                      </a:rPr>
+                      <m:t>𝑌</m:t>
+                    </m:r>
+                    <m:d>
+                      <m:dPr>
+                        <m:ctrlPr>
+                          <a:rPr lang="en-US" altLang="ja-JP" i="1">
+                            <a:latin typeface="Cambria Math" panose="02040503050406030204" pitchFamily="18" charset="0"/>
+                          </a:rPr>
+                        </m:ctrlPr>
+                      </m:dPr>
+                      <m:e>
+                        <m:r>
+                          <a:rPr lang="ja-JP" altLang="en-US" i="1">
+                            <a:latin typeface="Cambria Math" panose="02040503050406030204" pitchFamily="18" charset="0"/>
+                          </a:rPr>
+                          <m:t>𝜏</m:t>
+                        </m:r>
+                      </m:e>
+                    </m:d>
+                  </m:oMath>
+                </a14:m>
+                <a:r>
+                  <a:rPr kumimoji="1" lang="en-US" altLang="ja-JP" dirty="0" smtClean="0"/>
+                  <a:t> </a:t>
+                </a:r>
+                <a:r>
+                  <a:rPr lang="ja-JP" altLang="en-US" dirty="0" smtClean="0"/>
+                  <a:t>は、平均 </a:t>
+                </a:r>
+                <a14:m>
+                  <m:oMath xmlns:m="http://schemas.openxmlformats.org/officeDocument/2006/math">
+                    <m:r>
+                      <a:rPr lang="en-US" altLang="ja-JP" b="1" i="1" smtClean="0">
+                        <a:latin typeface="Cambria Math" panose="02040503050406030204" pitchFamily="18" charset="0"/>
+                      </a:rPr>
+                      <m:t>𝟎</m:t>
+                    </m:r>
+                  </m:oMath>
+                </a14:m>
+                <a:r>
+                  <a:rPr lang="ja-JP" altLang="en-US" dirty="0" err="1" smtClean="0"/>
+                  <a:t>、</a:t>
+                </a:r>
+                <a:r>
+                  <a:rPr lang="ja-JP" altLang="en-US" dirty="0" smtClean="0"/>
+                  <a:t>標準偏差 </a:t>
+                </a:r>
+                <a14:m>
+                  <m:oMath xmlns:m="http://schemas.openxmlformats.org/officeDocument/2006/math">
+                    <m:sSub>
+                      <m:sSubPr>
+                        <m:ctrlPr>
+                          <a:rPr lang="en-US" altLang="ja-JP" i="1" smtClean="0">
+                            <a:latin typeface="Cambria Math" panose="02040503050406030204" pitchFamily="18" charset="0"/>
+                          </a:rPr>
+                        </m:ctrlPr>
+                      </m:sSubPr>
+                      <m:e>
+                        <m:r>
+                          <a:rPr lang="ja-JP" altLang="en-US" i="1" smtClean="0">
+                            <a:latin typeface="Cambria Math" panose="02040503050406030204" pitchFamily="18" charset="0"/>
+                          </a:rPr>
+                          <m:t>𝝈</m:t>
+                        </m:r>
+                      </m:e>
+                      <m:sub>
+                        <m:r>
+                          <a:rPr lang="en-US" altLang="ja-JP" b="0" i="1">
+                            <a:latin typeface="Cambria Math" panose="02040503050406030204" pitchFamily="18" charset="0"/>
+                          </a:rPr>
+                          <m:t>𝑌</m:t>
+                        </m:r>
+                        <m:d>
+                          <m:dPr>
+                            <m:ctrlPr>
+                              <a:rPr lang="en-US" altLang="ja-JP" i="1">
+                                <a:latin typeface="Cambria Math" panose="02040503050406030204" pitchFamily="18" charset="0"/>
+                              </a:rPr>
+                            </m:ctrlPr>
+                          </m:dPr>
+                          <m:e>
+                            <m:r>
+                              <a:rPr lang="ja-JP" altLang="en-US" i="1">
+                                <a:latin typeface="Cambria Math" panose="02040503050406030204" pitchFamily="18" charset="0"/>
+                              </a:rPr>
+                              <m:t>𝜏</m:t>
+                            </m:r>
+                          </m:e>
+                        </m:d>
+                      </m:sub>
+                    </m:sSub>
+                    <m:r>
+                      <a:rPr lang="ja-JP" altLang="en-US" i="1">
+                        <a:latin typeface="Cambria Math" panose="02040503050406030204" pitchFamily="18" charset="0"/>
+                      </a:rPr>
+                      <m:t>の</m:t>
+                    </m:r>
+                  </m:oMath>
+                </a14:m>
+                <a:r>
+                  <a:rPr kumimoji="1" lang="ja-JP" altLang="en-US" dirty="0" smtClean="0"/>
+                  <a:t>正規分布に従うと予測される</a:t>
+                </a:r>
+                <a:endParaRPr kumimoji="1" lang="en-US" altLang="ja-JP" dirty="0" smtClean="0"/>
+              </a:p>
+              <a:p>
+                <a:pPr lvl="1"/>
+                <a14:m>
+                  <m:oMath xmlns:m="http://schemas.openxmlformats.org/officeDocument/2006/math">
+                    <m:r>
+                      <a:rPr lang="en-US" altLang="ja-JP" b="0" i="1" smtClean="0">
+                        <a:latin typeface="Cambria Math" panose="02040503050406030204" pitchFamily="18" charset="0"/>
+                      </a:rPr>
+                      <m:t>𝑌</m:t>
+                    </m:r>
+                    <m:d>
+                      <m:dPr>
+                        <m:ctrlPr>
+                          <a:rPr lang="en-US" altLang="ja-JP" i="1">
+                            <a:latin typeface="Cambria Math" panose="02040503050406030204" pitchFamily="18" charset="0"/>
+                          </a:rPr>
+                        </m:ctrlPr>
+                      </m:dPr>
+                      <m:e>
+                        <m:r>
+                          <a:rPr lang="ja-JP" altLang="en-US" i="1">
+                            <a:latin typeface="Cambria Math" panose="02040503050406030204" pitchFamily="18" charset="0"/>
+                          </a:rPr>
+                          <m:t>𝜏</m:t>
+                        </m:r>
+                      </m:e>
+                    </m:d>
+                    <m:r>
+                      <a:rPr lang="en-US" altLang="ja-JP" i="1">
+                        <a:latin typeface="Cambria Math" panose="02040503050406030204" pitchFamily="18" charset="0"/>
+                        <a:ea typeface="Cambria Math" panose="02040503050406030204" pitchFamily="18" charset="0"/>
+                      </a:rPr>
+                      <m:t>=</m:t>
+                    </m:r>
+                    <m:sSub>
+                      <m:sSubPr>
+                        <m:ctrlPr>
+                          <a:rPr lang="en-US" altLang="ja-JP" i="1">
+                            <a:latin typeface="Cambria Math" panose="02040503050406030204" pitchFamily="18" charset="0"/>
+                            <a:ea typeface="Cambria Math" panose="02040503050406030204" pitchFamily="18" charset="0"/>
+                          </a:rPr>
+                        </m:ctrlPr>
+                      </m:sSubPr>
+                      <m:e>
+                        <m:r>
+                          <m:rPr>
+                            <m:sty m:val="p"/>
+                          </m:rPr>
+                          <a:rPr lang="en-US" altLang="ja-JP">
+                            <a:latin typeface="Cambria Math" panose="02040503050406030204" pitchFamily="18" charset="0"/>
+                            <a:ea typeface="Cambria Math" panose="02040503050406030204" pitchFamily="18" charset="0"/>
+                          </a:rPr>
+                          <m:t>log</m:t>
+                        </m:r>
+                      </m:e>
+                      <m:sub>
+                        <m:r>
+                          <a:rPr lang="en-US" altLang="ja-JP" i="1">
+                            <a:latin typeface="Cambria Math" panose="02040503050406030204" pitchFamily="18" charset="0"/>
+                            <a:ea typeface="Cambria Math" panose="02040503050406030204" pitchFamily="18" charset="0"/>
+                          </a:rPr>
+                          <m:t>𝑒</m:t>
+                        </m:r>
+                      </m:sub>
+                    </m:sSub>
+                    <m:d>
+                      <m:dPr>
+                        <m:begChr m:val="["/>
+                        <m:endChr m:val="]"/>
+                        <m:ctrlPr>
+                          <a:rPr lang="en-US" altLang="ja-JP" i="1">
+                            <a:latin typeface="Cambria Math" panose="02040503050406030204" pitchFamily="18" charset="0"/>
+                            <a:ea typeface="Cambria Math" panose="02040503050406030204" pitchFamily="18" charset="0"/>
+                          </a:rPr>
+                        </m:ctrlPr>
+                      </m:dPr>
+                      <m:e>
+                        <m:f>
+                          <m:fPr>
+                            <m:type m:val="lin"/>
+                            <m:ctrlPr>
+                              <a:rPr lang="en-US" altLang="ja-JP" i="1">
+                                <a:latin typeface="Cambria Math" panose="02040503050406030204" pitchFamily="18" charset="0"/>
+                                <a:ea typeface="Cambria Math" panose="02040503050406030204" pitchFamily="18" charset="0"/>
+                              </a:rPr>
+                            </m:ctrlPr>
+                          </m:fPr>
+                          <m:num>
+                            <m:r>
+                              <a:rPr lang="en-US" altLang="ja-JP" i="1">
+                                <a:latin typeface="Cambria Math" panose="02040503050406030204" pitchFamily="18" charset="0"/>
+                                <a:ea typeface="Cambria Math" panose="02040503050406030204" pitchFamily="18" charset="0"/>
+                              </a:rPr>
+                              <m:t>𝑃</m:t>
+                            </m:r>
+                            <m:d>
+                              <m:dPr>
+                                <m:ctrlPr>
+                                  <a:rPr lang="en-US" altLang="ja-JP" i="1">
+                                    <a:latin typeface="Cambria Math" panose="02040503050406030204" pitchFamily="18" charset="0"/>
+                                    <a:ea typeface="Cambria Math" panose="02040503050406030204" pitchFamily="18" charset="0"/>
+                                  </a:rPr>
+                                </m:ctrlPr>
+                              </m:dPr>
+                              <m:e>
+                                <m:r>
+                                  <a:rPr lang="en-US" altLang="ja-JP" i="1">
+                                    <a:latin typeface="Cambria Math" panose="02040503050406030204" pitchFamily="18" charset="0"/>
+                                    <a:ea typeface="Cambria Math" panose="02040503050406030204" pitchFamily="18" charset="0"/>
+                                  </a:rPr>
+                                  <m:t>𝑡</m:t>
+                                </m:r>
+                                <m:r>
+                                  <a:rPr lang="en-US" altLang="ja-JP" i="1">
+                                    <a:latin typeface="Cambria Math" panose="02040503050406030204" pitchFamily="18" charset="0"/>
+                                    <a:ea typeface="Cambria Math" panose="02040503050406030204" pitchFamily="18" charset="0"/>
+                                  </a:rPr>
+                                  <m:t>+</m:t>
+                                </m:r>
+                                <m:r>
+                                  <a:rPr lang="ja-JP" altLang="en-US" i="1">
+                                    <a:latin typeface="Cambria Math" panose="02040503050406030204" pitchFamily="18" charset="0"/>
+                                    <a:ea typeface="Cambria Math" panose="02040503050406030204" pitchFamily="18" charset="0"/>
+                                  </a:rPr>
+                                  <m:t>𝜏</m:t>
+                                </m:r>
+                              </m:e>
+                            </m:d>
+                          </m:num>
+                          <m:den>
+                            <m:sSub>
+                              <m:sSubPr>
+                                <m:ctrlPr>
+                                  <a:rPr lang="en-US" altLang="ja-JP" i="1">
+                                    <a:latin typeface="Cambria Math" panose="02040503050406030204" pitchFamily="18" charset="0"/>
+                                    <a:ea typeface="Cambria Math" panose="02040503050406030204" pitchFamily="18" charset="0"/>
+                                  </a:rPr>
+                                </m:ctrlPr>
+                              </m:sSubPr>
+                              <m:e>
+                                <m:r>
+                                  <a:rPr lang="en-US" altLang="ja-JP" i="1">
+                                    <a:latin typeface="Cambria Math" panose="02040503050406030204" pitchFamily="18" charset="0"/>
+                                    <a:ea typeface="Cambria Math" panose="02040503050406030204" pitchFamily="18" charset="0"/>
+                                  </a:rPr>
+                                  <m:t>𝑃</m:t>
+                                </m:r>
+                              </m:e>
+                              <m:sub>
+                                <m:r>
+                                  <a:rPr lang="en-US" altLang="ja-JP" i="1">
+                                    <a:latin typeface="Cambria Math" panose="02040503050406030204" pitchFamily="18" charset="0"/>
+                                    <a:ea typeface="Cambria Math" panose="02040503050406030204" pitchFamily="18" charset="0"/>
+                                  </a:rPr>
+                                  <m:t>0</m:t>
+                                </m:r>
+                              </m:sub>
+                            </m:sSub>
+                            <m:d>
+                              <m:dPr>
+                                <m:ctrlPr>
+                                  <a:rPr lang="en-US" altLang="ja-JP" i="1">
+                                    <a:latin typeface="Cambria Math" panose="02040503050406030204" pitchFamily="18" charset="0"/>
+                                    <a:ea typeface="Cambria Math" panose="02040503050406030204" pitchFamily="18" charset="0"/>
+                                  </a:rPr>
+                                </m:ctrlPr>
+                              </m:dPr>
+                              <m:e>
+                                <m:r>
+                                  <a:rPr lang="en-US" altLang="ja-JP" i="1">
+                                    <a:latin typeface="Cambria Math" panose="02040503050406030204" pitchFamily="18" charset="0"/>
+                                    <a:ea typeface="Cambria Math" panose="02040503050406030204" pitchFamily="18" charset="0"/>
+                                  </a:rPr>
+                                  <m:t>𝑡</m:t>
+                                </m:r>
+                              </m:e>
+                            </m:d>
+                          </m:den>
+                        </m:f>
+                      </m:e>
+                    </m:d>
+                  </m:oMath>
+                </a14:m>
+                <a:endParaRPr kumimoji="1" lang="en-US" altLang="ja-JP" dirty="0" smtClean="0"/>
+              </a:p>
+              <a:p>
+                <a14:m>
+                  <m:oMath xmlns:m="http://schemas.openxmlformats.org/officeDocument/2006/math">
+                    <m:sSub>
+                      <m:sSubPr>
+                        <m:ctrlPr>
+                          <a:rPr lang="en-US" altLang="ja-JP" i="1">
+                            <a:latin typeface="Cambria Math" panose="02040503050406030204" pitchFamily="18" charset="0"/>
+                          </a:rPr>
+                        </m:ctrlPr>
+                      </m:sSubPr>
+                      <m:e>
+                        <m:r>
+                          <a:rPr lang="ja-JP" altLang="en-US" i="1">
+                            <a:latin typeface="Cambria Math" panose="02040503050406030204" pitchFamily="18" charset="0"/>
+                          </a:rPr>
+                          <m:t>𝝈</m:t>
+                        </m:r>
+                      </m:e>
+                      <m:sub>
+                        <m:r>
+                          <a:rPr lang="en-US" altLang="ja-JP" b="0" i="1">
+                            <a:latin typeface="Cambria Math" panose="02040503050406030204" pitchFamily="18" charset="0"/>
+                          </a:rPr>
+                          <m:t>𝑌</m:t>
+                        </m:r>
+                        <m:d>
+                          <m:dPr>
+                            <m:ctrlPr>
+                              <a:rPr lang="en-US" altLang="ja-JP" i="1">
+                                <a:latin typeface="Cambria Math" panose="02040503050406030204" pitchFamily="18" charset="0"/>
+                              </a:rPr>
+                            </m:ctrlPr>
+                          </m:dPr>
+                          <m:e>
+                            <m:r>
+                              <a:rPr lang="ja-JP" altLang="en-US" i="1">
+                                <a:latin typeface="Cambria Math" panose="02040503050406030204" pitchFamily="18" charset="0"/>
+                              </a:rPr>
+                              <m:t>𝜏</m:t>
+                            </m:r>
+                          </m:e>
+                        </m:d>
+                      </m:sub>
+                    </m:sSub>
+                  </m:oMath>
+                </a14:m>
+                <a:r>
+                  <a:rPr kumimoji="1" lang="ja-JP" altLang="en-US" dirty="0" smtClean="0"/>
+                  <a:t> は取引数の平方根に比例する</a:t>
+                </a:r>
+                <a:endParaRPr kumimoji="1" lang="en-US" altLang="ja-JP" dirty="0" smtClean="0"/>
+              </a:p>
+              <a:p>
+                <a:r>
+                  <a:rPr lang="ja-JP" altLang="en-US" dirty="0" smtClean="0"/>
+                  <a:t>取引数が時間上均一に分布すると考えると</a:t>
+                </a:r>
+                <a:endParaRPr lang="en-US" altLang="ja-JP" dirty="0" smtClean="0"/>
+              </a:p>
+              <a:p>
+                <a:pPr lvl="1"/>
+                <a14:m>
+                  <m:oMath xmlns:m="http://schemas.openxmlformats.org/officeDocument/2006/math">
+                    <m:sSub>
+                      <m:sSubPr>
+                        <m:ctrlPr>
+                          <a:rPr lang="en-US" altLang="ja-JP" i="1">
+                            <a:latin typeface="Cambria Math" panose="02040503050406030204" pitchFamily="18" charset="0"/>
+                          </a:rPr>
+                        </m:ctrlPr>
+                      </m:sSubPr>
+                      <m:e>
+                        <m:r>
+                          <a:rPr lang="ja-JP" altLang="en-US" i="1">
+                            <a:latin typeface="Cambria Math" panose="02040503050406030204" pitchFamily="18" charset="0"/>
+                          </a:rPr>
+                          <m:t>𝝈</m:t>
+                        </m:r>
+                      </m:e>
+                      <m:sub>
+                        <m:r>
+                          <a:rPr lang="en-US" altLang="ja-JP" i="1">
+                            <a:latin typeface="Cambria Math" panose="02040503050406030204" pitchFamily="18" charset="0"/>
+                          </a:rPr>
+                          <m:t>𝑌</m:t>
+                        </m:r>
+                        <m:d>
+                          <m:dPr>
+                            <m:ctrlPr>
+                              <a:rPr lang="en-US" altLang="ja-JP" i="1">
+                                <a:latin typeface="Cambria Math" panose="02040503050406030204" pitchFamily="18" charset="0"/>
+                              </a:rPr>
+                            </m:ctrlPr>
+                          </m:dPr>
+                          <m:e>
+                            <m:r>
+                              <a:rPr lang="ja-JP" altLang="en-US" i="1">
+                                <a:latin typeface="Cambria Math" panose="02040503050406030204" pitchFamily="18" charset="0"/>
+                              </a:rPr>
+                              <m:t>𝜏</m:t>
+                            </m:r>
+                          </m:e>
+                        </m:d>
+                      </m:sub>
+                    </m:sSub>
+                  </m:oMath>
+                </a14:m>
+                <a:r>
+                  <a:rPr kumimoji="1" lang="ja-JP" altLang="en-US" dirty="0" smtClean="0"/>
+                  <a:t> は時間間隔の平方根に比例する</a:t>
+                </a:r>
+                <a:endParaRPr kumimoji="1" lang="en-US" altLang="ja-JP" dirty="0" smtClean="0"/>
+              </a:p>
+              <a:p>
+                <a:pPr lvl="1"/>
+                <a:r>
+                  <a:rPr kumimoji="1" lang="ja-JP" altLang="en-US" dirty="0" smtClean="0"/>
+                  <a:t>すなわち、</a:t>
+                </a:r>
+                <a14:m>
+                  <m:oMath xmlns:m="http://schemas.openxmlformats.org/officeDocument/2006/math">
+                    <m:sSub>
+                      <m:sSubPr>
+                        <m:ctrlPr>
+                          <a:rPr lang="en-US" altLang="ja-JP" i="1">
+                            <a:latin typeface="Cambria Math" panose="02040503050406030204" pitchFamily="18" charset="0"/>
+                          </a:rPr>
+                        </m:ctrlPr>
+                      </m:sSubPr>
+                      <m:e>
+                        <m:r>
+                          <a:rPr lang="ja-JP" altLang="en-US" i="1">
+                            <a:latin typeface="Cambria Math" panose="02040503050406030204" pitchFamily="18" charset="0"/>
+                          </a:rPr>
+                          <m:t>𝝈</m:t>
+                        </m:r>
+                      </m:e>
+                      <m:sub>
+                        <m:r>
+                          <a:rPr lang="en-US" altLang="ja-JP" i="1">
+                            <a:latin typeface="Cambria Math" panose="02040503050406030204" pitchFamily="18" charset="0"/>
+                          </a:rPr>
+                          <m:t>𝑌</m:t>
+                        </m:r>
+                        <m:d>
+                          <m:dPr>
+                            <m:ctrlPr>
+                              <a:rPr lang="en-US" altLang="ja-JP" i="1">
+                                <a:latin typeface="Cambria Math" panose="02040503050406030204" pitchFamily="18" charset="0"/>
+                              </a:rPr>
+                            </m:ctrlPr>
+                          </m:dPr>
+                          <m:e>
+                            <m:r>
+                              <a:rPr lang="ja-JP" altLang="en-US" i="1">
+                                <a:latin typeface="Cambria Math" panose="02040503050406030204" pitchFamily="18" charset="0"/>
+                              </a:rPr>
+                              <m:t>𝜏</m:t>
+                            </m:r>
+                          </m:e>
+                        </m:d>
+                      </m:sub>
+                    </m:sSub>
+                  </m:oMath>
+                </a14:m>
+                <a:r>
+                  <a:rPr lang="ja-JP" altLang="en-US" dirty="0"/>
+                  <a:t> </a:t>
+                </a:r>
+                <a:r>
+                  <a:rPr lang="ja-JP" altLang="en-US" dirty="0" smtClean="0"/>
+                  <a:t>は </a:t>
+                </a:r>
+                <a14:m>
+                  <m:oMath xmlns:m="http://schemas.openxmlformats.org/officeDocument/2006/math">
+                    <m:r>
+                      <a:rPr lang="ja-JP" altLang="en-US" i="1" smtClean="0">
+                        <a:latin typeface="Cambria Math" panose="02040503050406030204" pitchFamily="18" charset="0"/>
+                      </a:rPr>
+                      <m:t>𝜎</m:t>
+                    </m:r>
+                    <m:rad>
+                      <m:radPr>
+                        <m:degHide m:val="on"/>
+                        <m:ctrlPr>
+                          <a:rPr lang="ja-JP" altLang="en-US" i="1" smtClean="0">
+                            <a:latin typeface="Cambria Math" panose="02040503050406030204" pitchFamily="18" charset="0"/>
+                          </a:rPr>
+                        </m:ctrlPr>
+                      </m:radPr>
+                      <m:deg/>
+                      <m:e>
+                        <m:r>
+                          <a:rPr lang="ja-JP" altLang="en-US" i="1" smtClean="0">
+                            <a:latin typeface="Cambria Math" panose="02040503050406030204" pitchFamily="18" charset="0"/>
+                          </a:rPr>
+                          <m:t>𝜏</m:t>
+                        </m:r>
+                      </m:e>
+                    </m:rad>
+                  </m:oMath>
+                </a14:m>
+                <a:r>
+                  <a:rPr kumimoji="1" lang="ja-JP" altLang="en-US" dirty="0" smtClean="0"/>
+                  <a:t> という形式となる</a:t>
+                </a:r>
+                <a:endParaRPr kumimoji="1" lang="ja-JP" altLang="en-US" dirty="0"/>
+              </a:p>
+            </p:txBody>
+          </p:sp>
+        </mc:Choice>
+        <mc:Fallback>
+          <p:sp>
+            <p:nvSpPr>
+              <p:cNvPr id="3" name="コンテンツ プレースホルダー 2"/>
+              <p:cNvSpPr>
+                <a:spLocks noGrp="1" noRot="1" noChangeAspect="1" noMove="1" noResize="1" noEditPoints="1" noAdjustHandles="1" noChangeArrowheads="1" noChangeShapeType="1" noTextEdit="1"/>
+              </p:cNvSpPr>
+              <p:nvPr>
+                <p:ph idx="1"/>
+              </p:nvPr>
+            </p:nvSpPr>
+            <p:spPr>
+              <a:blipFill rotWithShape="0">
+                <a:blip r:embed="rId2"/>
+                <a:stretch>
+                  <a:fillRect l="-720" t="-1255" r="-80"/>
+                </a:stretch>
+              </a:blipFill>
+            </p:spPr>
+            <p:txBody>
+              <a:bodyPr/>
+              <a:lstStyle/>
+              <a:p>
+                <a:r>
+                  <a:rPr lang="ja-JP" altLang="en-US">
+                    <a:noFill/>
+                  </a:rPr>
+                  <a:t> </a:t>
+                </a:r>
+              </a:p>
+            </p:txBody>
+          </p:sp>
+        </mc:Fallback>
+      </mc:AlternateContent>
       <p:sp>
         <p:nvSpPr>
           <p:cNvPr id="4" name="スライド番号プレースホルダー 3"/>
@@ -6580,25 +8809,515 @@
           </a:p>
         </p:txBody>
       </p:sp>
-      <p:sp>
-        <p:nvSpPr>
-          <p:cNvPr id="3" name="コンテンツ プレースホルダー 2"/>
-          <p:cNvSpPr>
-            <a:spLocks noGrp="1"/>
-          </p:cNvSpPr>
-          <p:nvPr>
-            <p:ph idx="1"/>
-          </p:nvPr>
-        </p:nvSpPr>
-        <p:spPr/>
-        <p:txBody>
-          <a:bodyPr/>
-          <a:lstStyle/>
-          <a:p>
-            <a:endParaRPr kumimoji="1" lang="ja-JP" altLang="en-US" dirty="0"/>
-          </a:p>
-        </p:txBody>
-      </p:sp>
+      <mc:AlternateContent xmlns:mc="http://schemas.openxmlformats.org/markup-compatibility/2006">
+        <mc:Choice xmlns:a14="http://schemas.microsoft.com/office/drawing/2010/main" Requires="a14">
+          <p:sp>
+            <p:nvSpPr>
+              <p:cNvPr id="3" name="コンテンツ プレースホルダー 2"/>
+              <p:cNvSpPr>
+                <a:spLocks noGrp="1"/>
+              </p:cNvSpPr>
+              <p:nvPr>
+                <p:ph idx="1"/>
+              </p:nvPr>
+            </p:nvSpPr>
+            <p:spPr/>
+            <p:txBody>
+              <a:bodyPr/>
+              <a:lstStyle/>
+              <a:p>
+                <a14:m>
+                  <m:oMath xmlns:m="http://schemas.openxmlformats.org/officeDocument/2006/math">
+                    <m:r>
+                      <a:rPr kumimoji="1" lang="en-US" altLang="ja-JP" b="1" i="1" smtClean="0">
+                        <a:latin typeface="Cambria Math" panose="02040503050406030204" pitchFamily="18" charset="0"/>
+                      </a:rPr>
+                      <m:t>𝒌</m:t>
+                    </m:r>
+                  </m:oMath>
+                </a14:m>
+                <a:r>
+                  <a:rPr kumimoji="1" lang="ja-JP" altLang="en-US" dirty="0" smtClean="0"/>
+                  <a:t> 個のランダムな独立変数 </a:t>
+                </a:r>
+                <a14:m>
+                  <m:oMath xmlns:m="http://schemas.openxmlformats.org/officeDocument/2006/math">
+                    <m:r>
+                      <a:rPr kumimoji="1" lang="en-US" altLang="ja-JP" b="1" i="1" smtClean="0">
+                        <a:latin typeface="Cambria Math" panose="02040503050406030204" pitchFamily="18" charset="0"/>
+                      </a:rPr>
+                      <m:t>𝒚</m:t>
+                    </m:r>
+                    <m:d>
+                      <m:dPr>
+                        <m:ctrlPr>
+                          <a:rPr kumimoji="1" lang="en-US" altLang="ja-JP" b="1" i="1" smtClean="0">
+                            <a:latin typeface="Cambria Math" panose="02040503050406030204" pitchFamily="18" charset="0"/>
+                          </a:rPr>
+                        </m:ctrlPr>
+                      </m:dPr>
+                      <m:e>
+                        <m:r>
+                          <a:rPr kumimoji="1" lang="en-US" altLang="ja-JP" b="1" i="1" smtClean="0">
+                            <a:latin typeface="Cambria Math" panose="02040503050406030204" pitchFamily="18" charset="0"/>
+                          </a:rPr>
+                          <m:t>𝒊</m:t>
+                        </m:r>
+                      </m:e>
+                    </m:d>
+                    <m:r>
+                      <a:rPr kumimoji="1" lang="en-US" altLang="ja-JP" b="1" i="1" smtClean="0">
+                        <a:latin typeface="Cambria Math" panose="02040503050406030204" pitchFamily="18" charset="0"/>
+                        <a:ea typeface="Cambria Math" panose="02040503050406030204" pitchFamily="18" charset="0"/>
+                      </a:rPr>
+                      <m:t>=</m:t>
+                    </m:r>
+                    <m:r>
+                      <a:rPr kumimoji="1" lang="en-US" altLang="ja-JP" b="1" i="1" smtClean="0">
+                        <a:latin typeface="Cambria Math" panose="02040503050406030204" pitchFamily="18" charset="0"/>
+                        <a:ea typeface="Cambria Math" panose="02040503050406030204" pitchFamily="18" charset="0"/>
+                      </a:rPr>
+                      <m:t>𝒊</m:t>
+                    </m:r>
+                    <m:r>
+                      <a:rPr kumimoji="1" lang="en-US" altLang="ja-JP" b="1" i="1" smtClean="0">
+                        <a:latin typeface="Cambria Math" panose="02040503050406030204" pitchFamily="18" charset="0"/>
+                        <a:ea typeface="Cambria Math" panose="02040503050406030204" pitchFamily="18" charset="0"/>
+                      </a:rPr>
+                      <m:t>, ⋯, </m:t>
+                    </m:r>
+                    <m:r>
+                      <a:rPr kumimoji="1" lang="en-US" altLang="ja-JP" b="1" i="1" smtClean="0">
+                        <a:latin typeface="Cambria Math" panose="02040503050406030204" pitchFamily="18" charset="0"/>
+                        <a:ea typeface="Cambria Math" panose="02040503050406030204" pitchFamily="18" charset="0"/>
+                      </a:rPr>
+                      <m:t>𝒌</m:t>
+                    </m:r>
+                  </m:oMath>
+                </a14:m>
+                <a:r>
+                  <a:rPr kumimoji="1" lang="ja-JP" altLang="en-US" dirty="0" smtClean="0"/>
+                  <a:t> を仮定する</a:t>
+                </a:r>
+                <a:endParaRPr kumimoji="1" lang="en-US" altLang="ja-JP" dirty="0" smtClean="0"/>
+              </a:p>
+              <a:p>
+                <a:pPr lvl="1"/>
+                <a14:m>
+                  <m:oMath xmlns:m="http://schemas.openxmlformats.org/officeDocument/2006/math">
+                    <m:r>
+                      <a:rPr kumimoji="1" lang="en-US" altLang="ja-JP" b="0" i="1" smtClean="0">
+                        <a:latin typeface="Cambria Math" panose="02040503050406030204" pitchFamily="18" charset="0"/>
+                      </a:rPr>
+                      <m:t>𝑦</m:t>
+                    </m:r>
+                    <m:d>
+                      <m:dPr>
+                        <m:ctrlPr>
+                          <a:rPr kumimoji="1" lang="en-US" altLang="ja-JP" b="0" i="1" smtClean="0">
+                            <a:latin typeface="Cambria Math" panose="02040503050406030204" pitchFamily="18" charset="0"/>
+                          </a:rPr>
+                        </m:ctrlPr>
+                      </m:dPr>
+                      <m:e>
+                        <m:r>
+                          <a:rPr kumimoji="1" lang="en-US" altLang="ja-JP" b="0" i="1" smtClean="0">
+                            <a:latin typeface="Cambria Math" panose="02040503050406030204" pitchFamily="18" charset="0"/>
+                          </a:rPr>
+                          <m:t>𝑖</m:t>
+                        </m:r>
+                      </m:e>
+                    </m:d>
+                    <m:r>
+                      <a:rPr kumimoji="1" lang="en-US" altLang="ja-JP" b="0" i="1" smtClean="0">
+                        <a:latin typeface="Cambria Math" panose="02040503050406030204" pitchFamily="18" charset="0"/>
+                        <a:ea typeface="Cambria Math" panose="02040503050406030204" pitchFamily="18" charset="0"/>
+                      </a:rPr>
+                      <m:t>=</m:t>
+                    </m:r>
+                    <m:sSub>
+                      <m:sSubPr>
+                        <m:ctrlPr>
+                          <a:rPr lang="en-US" altLang="ja-JP" i="1">
+                            <a:latin typeface="Cambria Math" panose="02040503050406030204" pitchFamily="18" charset="0"/>
+                            <a:ea typeface="Cambria Math" panose="02040503050406030204" pitchFamily="18" charset="0"/>
+                          </a:rPr>
+                        </m:ctrlPr>
+                      </m:sSubPr>
+                      <m:e>
+                        <m:sSub>
+                          <m:sSubPr>
+                            <m:ctrlPr>
+                              <a:rPr lang="en-US" altLang="ja-JP" i="1" smtClean="0">
+                                <a:latin typeface="Cambria Math" panose="02040503050406030204" pitchFamily="18" charset="0"/>
+                                <a:ea typeface="Cambria Math" panose="02040503050406030204" pitchFamily="18" charset="0"/>
+                              </a:rPr>
+                            </m:ctrlPr>
+                          </m:sSubPr>
+                          <m:e>
+                            <m:r>
+                              <a:rPr lang="en-US" altLang="ja-JP" i="1">
+                                <a:latin typeface="Cambria Math" panose="02040503050406030204" pitchFamily="18" charset="0"/>
+                                <a:ea typeface="Cambria Math" panose="02040503050406030204" pitchFamily="18" charset="0"/>
+                              </a:rPr>
+                              <m:t>∆</m:t>
+                            </m:r>
+                          </m:e>
+                          <m:sub>
+                            <m:r>
+                              <a:rPr lang="en-US" altLang="ja-JP" b="0" i="1" smtClean="0">
+                                <a:latin typeface="Cambria Math" panose="02040503050406030204" pitchFamily="18" charset="0"/>
+                                <a:ea typeface="Cambria Math" panose="02040503050406030204" pitchFamily="18" charset="0"/>
+                              </a:rPr>
+                              <m:t>𝑖</m:t>
+                            </m:r>
+                            <m:r>
+                              <a:rPr lang="ja-JP" altLang="en-US" b="0" i="1" smtClean="0">
+                                <a:latin typeface="Cambria Math" panose="02040503050406030204" pitchFamily="18" charset="0"/>
+                                <a:ea typeface="Cambria Math" panose="02040503050406030204" pitchFamily="18" charset="0"/>
+                              </a:rPr>
+                              <m:t>𝛿</m:t>
+                            </m:r>
+                          </m:sub>
+                        </m:sSub>
+                        <m:r>
+                          <m:rPr>
+                            <m:sty m:val="p"/>
+                          </m:rPr>
+                          <a:rPr lang="en-US" altLang="ja-JP">
+                            <a:latin typeface="Cambria Math" panose="02040503050406030204" pitchFamily="18" charset="0"/>
+                            <a:ea typeface="Cambria Math" panose="02040503050406030204" pitchFamily="18" charset="0"/>
+                          </a:rPr>
+                          <m:t>log</m:t>
+                        </m:r>
+                      </m:e>
+                      <m:sub>
+                        <m:r>
+                          <a:rPr lang="en-US" altLang="ja-JP" i="1">
+                            <a:latin typeface="Cambria Math" panose="02040503050406030204" pitchFamily="18" charset="0"/>
+                            <a:ea typeface="Cambria Math" panose="02040503050406030204" pitchFamily="18" charset="0"/>
+                          </a:rPr>
+                          <m:t>𝑒</m:t>
+                        </m:r>
+                      </m:sub>
+                    </m:sSub>
+                    <m:r>
+                      <a:rPr lang="en-US" altLang="ja-JP" b="0" i="1" smtClean="0">
+                        <a:latin typeface="Cambria Math" panose="02040503050406030204" pitchFamily="18" charset="0"/>
+                        <a:ea typeface="Cambria Math" panose="02040503050406030204" pitchFamily="18" charset="0"/>
+                      </a:rPr>
+                      <m:t> </m:t>
+                    </m:r>
+                    <m:r>
+                      <a:rPr lang="en-US" altLang="ja-JP" b="0" i="1" smtClean="0">
+                        <a:latin typeface="Cambria Math" panose="02040503050406030204" pitchFamily="18" charset="0"/>
+                        <a:ea typeface="Cambria Math" panose="02040503050406030204" pitchFamily="18" charset="0"/>
+                      </a:rPr>
+                      <m:t>𝑃</m:t>
+                    </m:r>
+                    <m:r>
+                      <a:rPr lang="en-US" altLang="ja-JP" i="1">
+                        <a:latin typeface="Cambria Math" panose="02040503050406030204" pitchFamily="18" charset="0"/>
+                        <a:ea typeface="Cambria Math" panose="02040503050406030204" pitchFamily="18" charset="0"/>
+                      </a:rPr>
+                      <m:t>=</m:t>
+                    </m:r>
+                    <m:sSub>
+                      <m:sSubPr>
+                        <m:ctrlPr>
+                          <a:rPr lang="en-US" altLang="ja-JP" i="1">
+                            <a:latin typeface="Cambria Math" panose="02040503050406030204" pitchFamily="18" charset="0"/>
+                            <a:ea typeface="Cambria Math" panose="02040503050406030204" pitchFamily="18" charset="0"/>
+                          </a:rPr>
+                        </m:ctrlPr>
+                      </m:sSubPr>
+                      <m:e>
+                        <m:r>
+                          <m:rPr>
+                            <m:sty m:val="p"/>
+                          </m:rPr>
+                          <a:rPr lang="en-US" altLang="ja-JP">
+                            <a:latin typeface="Cambria Math" panose="02040503050406030204" pitchFamily="18" charset="0"/>
+                            <a:ea typeface="Cambria Math" panose="02040503050406030204" pitchFamily="18" charset="0"/>
+                          </a:rPr>
+                          <m:t>log</m:t>
+                        </m:r>
+                      </m:e>
+                      <m:sub>
+                        <m:r>
+                          <a:rPr lang="en-US" altLang="ja-JP" i="1">
+                            <a:latin typeface="Cambria Math" panose="02040503050406030204" pitchFamily="18" charset="0"/>
+                            <a:ea typeface="Cambria Math" panose="02040503050406030204" pitchFamily="18" charset="0"/>
+                          </a:rPr>
+                          <m:t>𝑒</m:t>
+                        </m:r>
+                      </m:sub>
+                    </m:sSub>
+                    <m:d>
+                      <m:dPr>
+                        <m:begChr m:val="["/>
+                        <m:endChr m:val="]"/>
+                        <m:ctrlPr>
+                          <a:rPr lang="en-US" altLang="ja-JP" i="1">
+                            <a:latin typeface="Cambria Math" panose="02040503050406030204" pitchFamily="18" charset="0"/>
+                            <a:ea typeface="Cambria Math" panose="02040503050406030204" pitchFamily="18" charset="0"/>
+                          </a:rPr>
+                        </m:ctrlPr>
+                      </m:dPr>
+                      <m:e>
+                        <m:f>
+                          <m:fPr>
+                            <m:type m:val="lin"/>
+                            <m:ctrlPr>
+                              <a:rPr lang="en-US" altLang="ja-JP" i="1">
+                                <a:latin typeface="Cambria Math" panose="02040503050406030204" pitchFamily="18" charset="0"/>
+                                <a:ea typeface="Cambria Math" panose="02040503050406030204" pitchFamily="18" charset="0"/>
+                              </a:rPr>
+                            </m:ctrlPr>
+                          </m:fPr>
+                          <m:num>
+                            <m:r>
+                              <a:rPr lang="en-US" altLang="ja-JP" i="1">
+                                <a:latin typeface="Cambria Math" panose="02040503050406030204" pitchFamily="18" charset="0"/>
+                                <a:ea typeface="Cambria Math" panose="02040503050406030204" pitchFamily="18" charset="0"/>
+                              </a:rPr>
+                              <m:t>𝑃</m:t>
+                            </m:r>
+                            <m:d>
+                              <m:dPr>
+                                <m:ctrlPr>
+                                  <a:rPr lang="en-US" altLang="ja-JP" i="1">
+                                    <a:latin typeface="Cambria Math" panose="02040503050406030204" pitchFamily="18" charset="0"/>
+                                    <a:ea typeface="Cambria Math" panose="02040503050406030204" pitchFamily="18" charset="0"/>
+                                  </a:rPr>
+                                </m:ctrlPr>
+                              </m:dPr>
+                              <m:e>
+                                <m:r>
+                                  <a:rPr lang="en-US" altLang="ja-JP" i="1">
+                                    <a:latin typeface="Cambria Math" panose="02040503050406030204" pitchFamily="18" charset="0"/>
+                                    <a:ea typeface="Cambria Math" panose="02040503050406030204" pitchFamily="18" charset="0"/>
+                                  </a:rPr>
+                                  <m:t>𝑡</m:t>
+                                </m:r>
+                                <m:r>
+                                  <a:rPr lang="en-US" altLang="ja-JP" i="1">
+                                    <a:latin typeface="Cambria Math" panose="02040503050406030204" pitchFamily="18" charset="0"/>
+                                    <a:ea typeface="Cambria Math" panose="02040503050406030204" pitchFamily="18" charset="0"/>
+                                  </a:rPr>
+                                  <m:t>+</m:t>
+                                </m:r>
+                                <m:r>
+                                  <a:rPr lang="en-US" altLang="ja-JP" i="1">
+                                    <a:latin typeface="Cambria Math" panose="02040503050406030204" pitchFamily="18" charset="0"/>
+                                    <a:ea typeface="Cambria Math" panose="02040503050406030204" pitchFamily="18" charset="0"/>
+                                  </a:rPr>
+                                  <m:t>𝑖</m:t>
+                                </m:r>
+                                <m:r>
+                                  <a:rPr lang="ja-JP" altLang="en-US" i="1">
+                                    <a:latin typeface="Cambria Math" panose="02040503050406030204" pitchFamily="18" charset="0"/>
+                                    <a:ea typeface="Cambria Math" panose="02040503050406030204" pitchFamily="18" charset="0"/>
+                                  </a:rPr>
+                                  <m:t>𝛿</m:t>
+                                </m:r>
+                              </m:e>
+                            </m:d>
+                          </m:num>
+                          <m:den>
+                            <m:r>
+                              <a:rPr lang="en-US" altLang="ja-JP" b="0" i="1" smtClean="0">
+                                <a:latin typeface="Cambria Math" panose="02040503050406030204" pitchFamily="18" charset="0"/>
+                                <a:ea typeface="Cambria Math" panose="02040503050406030204" pitchFamily="18" charset="0"/>
+                              </a:rPr>
+                              <m:t>𝑃</m:t>
+                            </m:r>
+                            <m:d>
+                              <m:dPr>
+                                <m:ctrlPr>
+                                  <a:rPr lang="en-US" altLang="ja-JP" i="1">
+                                    <a:latin typeface="Cambria Math" panose="02040503050406030204" pitchFamily="18" charset="0"/>
+                                    <a:ea typeface="Cambria Math" panose="02040503050406030204" pitchFamily="18" charset="0"/>
+                                  </a:rPr>
+                                </m:ctrlPr>
+                              </m:dPr>
+                              <m:e>
+                                <m:r>
+                                  <a:rPr lang="en-US" altLang="ja-JP" i="1">
+                                    <a:latin typeface="Cambria Math" panose="02040503050406030204" pitchFamily="18" charset="0"/>
+                                    <a:ea typeface="Cambria Math" panose="02040503050406030204" pitchFamily="18" charset="0"/>
+                                  </a:rPr>
+                                  <m:t>𝑡</m:t>
+                                </m:r>
+                                <m:r>
+                                  <a:rPr lang="en-US" altLang="ja-JP" i="1" smtClean="0">
+                                    <a:latin typeface="Cambria Math" panose="02040503050406030204" pitchFamily="18" charset="0"/>
+                                    <a:ea typeface="Cambria Math" panose="02040503050406030204" pitchFamily="18" charset="0"/>
+                                  </a:rPr>
+                                  <m:t>+</m:t>
+                                </m:r>
+                                <m:d>
+                                  <m:dPr>
+                                    <m:begChr m:val="{"/>
+                                    <m:endChr m:val="}"/>
+                                    <m:ctrlPr>
+                                      <a:rPr lang="en-US" altLang="ja-JP" i="1" smtClean="0">
+                                        <a:latin typeface="Cambria Math" panose="02040503050406030204" pitchFamily="18" charset="0"/>
+                                        <a:ea typeface="Cambria Math" panose="02040503050406030204" pitchFamily="18" charset="0"/>
+                                      </a:rPr>
+                                    </m:ctrlPr>
+                                  </m:dPr>
+                                  <m:e>
+                                    <m:r>
+                                      <a:rPr lang="en-US" altLang="ja-JP" b="0" i="1" smtClean="0">
+                                        <a:latin typeface="Cambria Math" panose="02040503050406030204" pitchFamily="18" charset="0"/>
+                                        <a:ea typeface="Cambria Math" panose="02040503050406030204" pitchFamily="18" charset="0"/>
+                                      </a:rPr>
+                                      <m:t>𝑖</m:t>
+                                    </m:r>
+                                    <m:r>
+                                      <a:rPr lang="en-US" altLang="ja-JP" b="0" i="1" smtClean="0">
+                                        <a:latin typeface="Cambria Math" panose="02040503050406030204" pitchFamily="18" charset="0"/>
+                                        <a:ea typeface="Cambria Math" panose="02040503050406030204" pitchFamily="18" charset="0"/>
+                                      </a:rPr>
+                                      <m:t>−1</m:t>
+                                    </m:r>
+                                  </m:e>
+                                </m:d>
+                                <m:r>
+                                  <a:rPr lang="ja-JP" altLang="en-US" i="1">
+                                    <a:latin typeface="Cambria Math" panose="02040503050406030204" pitchFamily="18" charset="0"/>
+                                    <a:ea typeface="Cambria Math" panose="02040503050406030204" pitchFamily="18" charset="0"/>
+                                  </a:rPr>
+                                  <m:t>𝛿</m:t>
+                                </m:r>
+                              </m:e>
+                            </m:d>
+                          </m:den>
+                        </m:f>
+                      </m:e>
+                    </m:d>
+                  </m:oMath>
+                </a14:m>
+                <a:endParaRPr kumimoji="1" lang="en-US" altLang="ja-JP" dirty="0" smtClean="0"/>
+              </a:p>
+              <a:p>
+                <a:pPr lvl="2"/>
+                <a:r>
+                  <a:rPr kumimoji="1" lang="ja-JP" altLang="en-US" dirty="0" smtClean="0"/>
+                  <a:t>ここで、 </a:t>
+                </a:r>
+                <a14:m>
+                  <m:oMath xmlns:m="http://schemas.openxmlformats.org/officeDocument/2006/math">
+                    <m:r>
+                      <a:rPr lang="en-US" altLang="ja-JP" i="1">
+                        <a:latin typeface="Cambria Math" panose="02040503050406030204" pitchFamily="18" charset="0"/>
+                        <a:ea typeface="Cambria Math" panose="02040503050406030204" pitchFamily="18" charset="0"/>
+                      </a:rPr>
+                      <m:t>𝑃</m:t>
+                    </m:r>
+                    <m:d>
+                      <m:dPr>
+                        <m:ctrlPr>
+                          <a:rPr lang="en-US" altLang="ja-JP" i="1">
+                            <a:latin typeface="Cambria Math" panose="02040503050406030204" pitchFamily="18" charset="0"/>
+                            <a:ea typeface="Cambria Math" panose="02040503050406030204" pitchFamily="18" charset="0"/>
+                          </a:rPr>
+                        </m:ctrlPr>
+                      </m:dPr>
+                      <m:e>
+                        <m:r>
+                          <a:rPr lang="en-US" altLang="ja-JP" i="1">
+                            <a:latin typeface="Cambria Math" panose="02040503050406030204" pitchFamily="18" charset="0"/>
+                            <a:ea typeface="Cambria Math" panose="02040503050406030204" pitchFamily="18" charset="0"/>
+                          </a:rPr>
+                          <m:t>𝑡</m:t>
+                        </m:r>
+                      </m:e>
+                    </m:d>
+                  </m:oMath>
+                </a14:m>
+                <a:r>
+                  <a:rPr kumimoji="1" lang="ja-JP" altLang="en-US" dirty="0" smtClean="0"/>
+                  <a:t> はある銘柄の時間 </a:t>
+                </a:r>
+                <a14:m>
+                  <m:oMath xmlns:m="http://schemas.openxmlformats.org/officeDocument/2006/math">
+                    <m:r>
+                      <a:rPr lang="en-US" altLang="ja-JP" i="1">
+                        <a:latin typeface="Cambria Math" panose="02040503050406030204" pitchFamily="18" charset="0"/>
+                        <a:ea typeface="Cambria Math" panose="02040503050406030204" pitchFamily="18" charset="0"/>
+                      </a:rPr>
+                      <m:t>𝑡</m:t>
+                    </m:r>
+                  </m:oMath>
+                </a14:m>
+                <a:r>
+                  <a:rPr kumimoji="1" lang="ja-JP" altLang="en-US" dirty="0" smtClean="0"/>
+                  <a:t> における価格、</a:t>
+                </a:r>
+                <a14:m>
+                  <m:oMath xmlns:m="http://schemas.openxmlformats.org/officeDocument/2006/math">
+                    <m:r>
+                      <a:rPr lang="ja-JP" altLang="en-US" i="1">
+                        <a:latin typeface="Cambria Math" panose="02040503050406030204" pitchFamily="18" charset="0"/>
+                        <a:ea typeface="Cambria Math" panose="02040503050406030204" pitchFamily="18" charset="0"/>
+                      </a:rPr>
+                      <m:t>𝛿</m:t>
+                    </m:r>
+                  </m:oMath>
+                </a14:m>
+                <a:r>
+                  <a:rPr kumimoji="1" lang="ja-JP" altLang="en-US" dirty="0" smtClean="0"/>
+                  <a:t> は取引間の小さな時間間隔である</a:t>
+                </a:r>
+                <a:endParaRPr kumimoji="1" lang="en-US" altLang="ja-JP" dirty="0" smtClean="0"/>
+              </a:p>
+              <a:p>
+                <a:pPr lvl="1"/>
+                <a:r>
+                  <a:rPr kumimoji="1" lang="en-US" altLang="ja-JP" smtClean="0"/>
+                  <a:t>TODO</a:t>
+                </a:r>
+                <a:endParaRPr kumimoji="1" lang="ja-JP" altLang="en-US" dirty="0"/>
+              </a:p>
+            </p:txBody>
+          </p:sp>
+        </mc:Choice>
+        <mc:Fallback>
+          <p:sp>
+            <p:nvSpPr>
+              <p:cNvPr id="3" name="コンテンツ プレースホルダー 2"/>
+              <p:cNvSpPr>
+                <a:spLocks noGrp="1" noRot="1" noChangeAspect="1" noMove="1" noResize="1" noEditPoints="1" noAdjustHandles="1" noChangeArrowheads="1" noChangeShapeType="1" noTextEdit="1"/>
+              </p:cNvSpPr>
+              <p:nvPr>
+                <p:ph idx="1"/>
+              </p:nvPr>
+            </p:nvSpPr>
+            <p:spPr>
+              <a:blipFill rotWithShape="0">
+                <a:blip r:embed="rId2"/>
+                <a:stretch>
+                  <a:fillRect l="-720" t="-1116"/>
+                </a:stretch>
+              </a:blipFill>
+            </p:spPr>
+            <p:txBody>
+              <a:bodyPr/>
+              <a:lstStyle/>
+              <a:p>
+                <a:r>
+                  <a:rPr lang="ja-JP" altLang="en-US">
+                    <a:noFill/>
+                  </a:rPr>
+                  <a:t> </a:t>
+                </a:r>
+              </a:p>
+            </p:txBody>
+          </p:sp>
+        </mc:Fallback>
+      </mc:AlternateContent>
       <p:sp>
         <p:nvSpPr>
           <p:cNvPr id="4" name="スライド番号プレースホルダー 3"/>

--- a/ruby_data_analysis.pptx
+++ b/ruby_data_analysis.pptx
@@ -9274,11 +9274,1011 @@
                 <a:endParaRPr kumimoji="1" lang="en-US" altLang="ja-JP" dirty="0" smtClean="0"/>
               </a:p>
               <a:p>
+                <a:pPr lvl="2"/>
+                <a14:m>
+                  <m:oMath xmlns:m="http://schemas.openxmlformats.org/officeDocument/2006/math">
+                    <m:r>
+                      <a:rPr lang="en-US" altLang="ja-JP" i="1">
+                        <a:latin typeface="Cambria Math" panose="02040503050406030204" pitchFamily="18" charset="0"/>
+                      </a:rPr>
+                      <m:t>𝑦</m:t>
+                    </m:r>
+                    <m:d>
+                      <m:dPr>
+                        <m:ctrlPr>
+                          <a:rPr lang="en-US" altLang="ja-JP" i="1">
+                            <a:latin typeface="Cambria Math" panose="02040503050406030204" pitchFamily="18" charset="0"/>
+                          </a:rPr>
+                        </m:ctrlPr>
+                      </m:dPr>
+                      <m:e>
+                        <m:r>
+                          <a:rPr lang="en-US" altLang="ja-JP" i="1">
+                            <a:latin typeface="Cambria Math" panose="02040503050406030204" pitchFamily="18" charset="0"/>
+                          </a:rPr>
+                          <m:t>𝑖</m:t>
+                        </m:r>
+                      </m:e>
+                    </m:d>
+                  </m:oMath>
+                </a14:m>
+                <a:r>
+                  <a:rPr kumimoji="1" lang="en-US" altLang="ja-JP" dirty="0" smtClean="0"/>
+                  <a:t> </a:t>
+                </a:r>
+                <a:r>
+                  <a:rPr kumimoji="1" lang="ja-JP" altLang="en-US" dirty="0" smtClean="0"/>
+                  <a:t>は同じ標準偏差</a:t>
+                </a:r>
+                <a14:m>
+                  <m:oMath xmlns:m="http://schemas.openxmlformats.org/officeDocument/2006/math">
+                    <m:r>
+                      <a:rPr lang="ja-JP" altLang="en-US" i="1">
+                        <a:latin typeface="Cambria Math" panose="02040503050406030204" pitchFamily="18" charset="0"/>
+                      </a:rPr>
+                      <m:t>𝜎</m:t>
+                    </m:r>
+                    <m:d>
+                      <m:dPr>
+                        <m:ctrlPr>
+                          <a:rPr lang="en-US" altLang="ja-JP" i="1" smtClean="0">
+                            <a:latin typeface="Cambria Math" panose="02040503050406030204" pitchFamily="18" charset="0"/>
+                          </a:rPr>
+                        </m:ctrlPr>
+                      </m:dPr>
+                      <m:e>
+                        <m:r>
+                          <a:rPr lang="en-US" altLang="ja-JP" b="0" i="1" smtClean="0">
+                            <a:latin typeface="Cambria Math" panose="02040503050406030204" pitchFamily="18" charset="0"/>
+                          </a:rPr>
+                          <m:t>𝑖</m:t>
+                        </m:r>
+                      </m:e>
+                    </m:d>
+                    <m:r>
+                      <a:rPr lang="en-US" altLang="ja-JP" i="1" smtClean="0">
+                        <a:latin typeface="Cambria Math" panose="02040503050406030204" pitchFamily="18" charset="0"/>
+                        <a:ea typeface="Cambria Math" panose="02040503050406030204" pitchFamily="18" charset="0"/>
+                      </a:rPr>
+                      <m:t>=</m:t>
+                    </m:r>
+                    <m:r>
+                      <a:rPr lang="ja-JP" altLang="en-US" i="1">
+                        <a:latin typeface="Cambria Math" panose="02040503050406030204" pitchFamily="18" charset="0"/>
+                      </a:rPr>
+                      <m:t>𝜎</m:t>
+                    </m:r>
+                    <m:r>
+                      <a:rPr lang="en-US" altLang="ja-JP" b="0" i="1" smtClean="0">
+                        <a:latin typeface="Cambria Math" panose="02040503050406030204" pitchFamily="18" charset="0"/>
+                      </a:rPr>
+                      <m:t>′</m:t>
+                    </m:r>
+                  </m:oMath>
+                </a14:m>
+                <a:r>
+                  <a:rPr kumimoji="1" lang="en-US" altLang="ja-JP" dirty="0" smtClean="0"/>
+                  <a:t> </a:t>
+                </a:r>
+                <a:r>
+                  <a:rPr kumimoji="1" lang="ja-JP" altLang="en-US" dirty="0" smtClean="0"/>
+                  <a:t>を持つと仮定する</a:t>
+                </a:r>
+                <a:endParaRPr kumimoji="1" lang="en-US" altLang="ja-JP" dirty="0" smtClean="0"/>
+              </a:p>
+              <a:p>
+                <a14:m>
+                  <m:oMath xmlns:m="http://schemas.openxmlformats.org/officeDocument/2006/math">
+                    <m:r>
+                      <a:rPr lang="en-US" altLang="ja-JP" b="1" i="1">
+                        <a:latin typeface="Cambria Math" panose="02040503050406030204" pitchFamily="18" charset="0"/>
+                        <a:ea typeface="Cambria Math" panose="02040503050406030204" pitchFamily="18" charset="0"/>
+                      </a:rPr>
+                      <m:t>𝒌</m:t>
+                    </m:r>
+                  </m:oMath>
+                </a14:m>
+                <a:r>
+                  <a:rPr kumimoji="1" lang="ja-JP" altLang="en-US" dirty="0" smtClean="0"/>
+                  <a:t> 回の取引、 </a:t>
+                </a:r>
+                <a14:m>
+                  <m:oMath xmlns:m="http://schemas.openxmlformats.org/officeDocument/2006/math">
+                    <m:r>
+                      <a:rPr lang="ja-JP" altLang="en-US" i="1">
+                        <a:latin typeface="Cambria Math" panose="02040503050406030204" pitchFamily="18" charset="0"/>
+                      </a:rPr>
+                      <m:t>𝜏</m:t>
+                    </m:r>
+                    <m:r>
+                      <a:rPr lang="en-US" altLang="ja-JP" i="1">
+                        <a:latin typeface="Cambria Math" panose="02040503050406030204" pitchFamily="18" charset="0"/>
+                        <a:ea typeface="Cambria Math" panose="02040503050406030204" pitchFamily="18" charset="0"/>
+                      </a:rPr>
+                      <m:t>=</m:t>
+                    </m:r>
+                    <m:r>
+                      <a:rPr lang="en-US" altLang="ja-JP" b="0" i="1" smtClean="0">
+                        <a:latin typeface="Cambria Math" panose="02040503050406030204" pitchFamily="18" charset="0"/>
+                        <a:ea typeface="Cambria Math" panose="02040503050406030204" pitchFamily="18" charset="0"/>
+                      </a:rPr>
+                      <m:t>𝑘</m:t>
+                    </m:r>
+                    <m:r>
+                      <a:rPr lang="ja-JP" altLang="en-US" i="1">
+                        <a:latin typeface="Cambria Math" panose="02040503050406030204" pitchFamily="18" charset="0"/>
+                        <a:ea typeface="Cambria Math" panose="02040503050406030204" pitchFamily="18" charset="0"/>
+                      </a:rPr>
+                      <m:t>𝛿</m:t>
+                    </m:r>
+                  </m:oMath>
+                </a14:m>
+                <a:r>
+                  <a:rPr kumimoji="1" lang="ja-JP" altLang="en-US" dirty="0" smtClean="0"/>
+                  <a:t> 時間後の </a:t>
+                </a:r>
+                <a14:m>
+                  <m:oMath xmlns:m="http://schemas.openxmlformats.org/officeDocument/2006/math">
+                    <m:r>
+                      <a:rPr lang="en-US" altLang="ja-JP" i="1">
+                        <a:latin typeface="Cambria Math" panose="02040503050406030204" pitchFamily="18" charset="0"/>
+                      </a:rPr>
+                      <m:t>𝑌</m:t>
+                    </m:r>
+                    <m:d>
+                      <m:dPr>
+                        <m:ctrlPr>
+                          <a:rPr lang="en-US" altLang="ja-JP" i="1">
+                            <a:latin typeface="Cambria Math" panose="02040503050406030204" pitchFamily="18" charset="0"/>
+                          </a:rPr>
+                        </m:ctrlPr>
+                      </m:dPr>
+                      <m:e>
+                        <m:r>
+                          <a:rPr lang="ja-JP" altLang="en-US" i="1">
+                            <a:latin typeface="Cambria Math" panose="02040503050406030204" pitchFamily="18" charset="0"/>
+                          </a:rPr>
+                          <m:t>𝜏</m:t>
+                        </m:r>
+                      </m:e>
+                    </m:d>
+                  </m:oMath>
+                </a14:m>
+                <a:r>
+                  <a:rPr kumimoji="1" lang="en-US" altLang="ja-JP" dirty="0" smtClean="0"/>
+                  <a:t> </a:t>
+                </a:r>
+                <a:r>
+                  <a:rPr kumimoji="1" lang="ja-JP" altLang="en-US" dirty="0" smtClean="0"/>
+                  <a:t>を以下のように定義する</a:t>
+                </a:r>
+                <a:endParaRPr kumimoji="1" lang="en-US" altLang="ja-JP" dirty="0" smtClean="0"/>
+              </a:p>
+              <a:p>
                 <a:pPr lvl="1"/>
+                <a14:m>
+                  <m:oMath xmlns:m="http://schemas.openxmlformats.org/officeDocument/2006/math">
+                    <m:r>
+                      <a:rPr lang="en-US" altLang="ja-JP" i="1">
+                        <a:latin typeface="Cambria Math" panose="02040503050406030204" pitchFamily="18" charset="0"/>
+                      </a:rPr>
+                      <m:t>𝑌</m:t>
+                    </m:r>
+                    <m:d>
+                      <m:dPr>
+                        <m:ctrlPr>
+                          <a:rPr lang="en-US" altLang="ja-JP" i="1">
+                            <a:latin typeface="Cambria Math" panose="02040503050406030204" pitchFamily="18" charset="0"/>
+                          </a:rPr>
+                        </m:ctrlPr>
+                      </m:dPr>
+                      <m:e>
+                        <m:r>
+                          <a:rPr lang="ja-JP" altLang="en-US" i="1">
+                            <a:latin typeface="Cambria Math" panose="02040503050406030204" pitchFamily="18" charset="0"/>
+                          </a:rPr>
+                          <m:t>𝜏</m:t>
+                        </m:r>
+                      </m:e>
+                    </m:d>
+                    <m:r>
+                      <a:rPr lang="en-US" altLang="ja-JP" i="1">
+                        <a:latin typeface="Cambria Math" panose="02040503050406030204" pitchFamily="18" charset="0"/>
+                        <a:ea typeface="Cambria Math" panose="02040503050406030204" pitchFamily="18" charset="0"/>
+                      </a:rPr>
+                      <m:t>=</m:t>
+                    </m:r>
+                    <m:sSub>
+                      <m:sSubPr>
+                        <m:ctrlPr>
+                          <a:rPr lang="en-US" altLang="ja-JP" i="1">
+                            <a:latin typeface="Cambria Math" panose="02040503050406030204" pitchFamily="18" charset="0"/>
+                            <a:ea typeface="Cambria Math" panose="02040503050406030204" pitchFamily="18" charset="0"/>
+                          </a:rPr>
+                        </m:ctrlPr>
+                      </m:sSubPr>
+                      <m:e>
+                        <m:r>
+                          <a:rPr lang="en-US" altLang="ja-JP" i="1">
+                            <a:latin typeface="Cambria Math" panose="02040503050406030204" pitchFamily="18" charset="0"/>
+                          </a:rPr>
+                          <m:t>𝑌</m:t>
+                        </m:r>
+                        <m:d>
+                          <m:dPr>
+                            <m:ctrlPr>
+                              <a:rPr lang="en-US" altLang="ja-JP" i="1">
+                                <a:latin typeface="Cambria Math" panose="02040503050406030204" pitchFamily="18" charset="0"/>
+                              </a:rPr>
+                            </m:ctrlPr>
+                          </m:dPr>
+                          <m:e>
+                            <m:r>
+                              <a:rPr lang="en-US" altLang="ja-JP" i="1">
+                                <a:latin typeface="Cambria Math" panose="02040503050406030204" pitchFamily="18" charset="0"/>
+                                <a:ea typeface="Cambria Math" panose="02040503050406030204" pitchFamily="18" charset="0"/>
+                              </a:rPr>
+                              <m:t>𝑘</m:t>
+                            </m:r>
+                            <m:r>
+                              <a:rPr lang="ja-JP" altLang="en-US" i="1">
+                                <a:latin typeface="Cambria Math" panose="02040503050406030204" pitchFamily="18" charset="0"/>
+                                <a:ea typeface="Cambria Math" panose="02040503050406030204" pitchFamily="18" charset="0"/>
+                              </a:rPr>
+                              <m:t>𝛿</m:t>
+                            </m:r>
+                          </m:e>
+                        </m:d>
+                        <m:r>
+                          <a:rPr lang="en-US" altLang="ja-JP" i="1">
+                            <a:latin typeface="Cambria Math" panose="02040503050406030204" pitchFamily="18" charset="0"/>
+                            <a:ea typeface="Cambria Math" panose="02040503050406030204" pitchFamily="18" charset="0"/>
+                          </a:rPr>
+                          <m:t>=</m:t>
+                        </m:r>
+                        <m:nary>
+                          <m:naryPr>
+                            <m:chr m:val="∑"/>
+                            <m:limLoc m:val="subSup"/>
+                            <m:ctrlPr>
+                              <a:rPr lang="en-US" altLang="ja-JP" i="1" smtClean="0">
+                                <a:latin typeface="Cambria Math" panose="02040503050406030204" pitchFamily="18" charset="0"/>
+                                <a:ea typeface="Cambria Math" panose="02040503050406030204" pitchFamily="18" charset="0"/>
+                              </a:rPr>
+                            </m:ctrlPr>
+                          </m:naryPr>
+                          <m:sub>
+                            <m:r>
+                              <m:rPr>
+                                <m:brk m:alnAt="25"/>
+                              </m:rPr>
+                              <a:rPr lang="en-US" altLang="ja-JP" b="0" i="1" smtClean="0">
+                                <a:latin typeface="Cambria Math" panose="02040503050406030204" pitchFamily="18" charset="0"/>
+                                <a:ea typeface="Cambria Math" panose="02040503050406030204" pitchFamily="18" charset="0"/>
+                              </a:rPr>
+                              <m:t>𝑖</m:t>
+                            </m:r>
+                            <m:r>
+                              <a:rPr lang="en-US" altLang="ja-JP" b="0" i="1" smtClean="0">
+                                <a:latin typeface="Cambria Math" panose="02040503050406030204" pitchFamily="18" charset="0"/>
+                                <a:ea typeface="Cambria Math" panose="02040503050406030204" pitchFamily="18" charset="0"/>
+                              </a:rPr>
+                              <m:t>=1</m:t>
+                            </m:r>
+                          </m:sub>
+                          <m:sup>
+                            <m:r>
+                              <a:rPr lang="en-US" altLang="ja-JP" b="0" i="1" smtClean="0">
+                                <a:latin typeface="Cambria Math" panose="02040503050406030204" pitchFamily="18" charset="0"/>
+                                <a:ea typeface="Cambria Math" panose="02040503050406030204" pitchFamily="18" charset="0"/>
+                              </a:rPr>
+                              <m:t>𝑖</m:t>
+                            </m:r>
+                            <m:r>
+                              <a:rPr lang="en-US" altLang="ja-JP" b="0" i="1" smtClean="0">
+                                <a:latin typeface="Cambria Math" panose="02040503050406030204" pitchFamily="18" charset="0"/>
+                                <a:ea typeface="Cambria Math" panose="02040503050406030204" pitchFamily="18" charset="0"/>
+                              </a:rPr>
+                              <m:t>=</m:t>
+                            </m:r>
+                            <m:r>
+                              <a:rPr lang="en-US" altLang="ja-JP" b="0" i="1" smtClean="0">
+                                <a:latin typeface="Cambria Math" panose="02040503050406030204" pitchFamily="18" charset="0"/>
+                                <a:ea typeface="Cambria Math" panose="02040503050406030204" pitchFamily="18" charset="0"/>
+                              </a:rPr>
+                              <m:t>𝑘</m:t>
+                            </m:r>
+                          </m:sup>
+                          <m:e>
+                            <m:r>
+                              <a:rPr lang="en-US" altLang="ja-JP" b="0" i="1" smtClean="0">
+                                <a:latin typeface="Cambria Math" panose="02040503050406030204" pitchFamily="18" charset="0"/>
+                                <a:ea typeface="Cambria Math" panose="02040503050406030204" pitchFamily="18" charset="0"/>
+                              </a:rPr>
+                              <m:t>𝑦</m:t>
+                            </m:r>
+                            <m:d>
+                              <m:dPr>
+                                <m:ctrlPr>
+                                  <a:rPr lang="en-US" altLang="ja-JP" b="0" i="1" smtClean="0">
+                                    <a:latin typeface="Cambria Math" panose="02040503050406030204" pitchFamily="18" charset="0"/>
+                                    <a:ea typeface="Cambria Math" panose="02040503050406030204" pitchFamily="18" charset="0"/>
+                                  </a:rPr>
+                                </m:ctrlPr>
+                              </m:dPr>
+                              <m:e>
+                                <m:r>
+                                  <a:rPr lang="en-US" altLang="ja-JP" b="0" i="1" smtClean="0">
+                                    <a:latin typeface="Cambria Math" panose="02040503050406030204" pitchFamily="18" charset="0"/>
+                                    <a:ea typeface="Cambria Math" panose="02040503050406030204" pitchFamily="18" charset="0"/>
+                                  </a:rPr>
+                                  <m:t>𝑖</m:t>
+                                </m:r>
+                              </m:e>
+                            </m:d>
+                          </m:e>
+                        </m:nary>
+                        <m:r>
+                          <a:rPr lang="en-US" altLang="ja-JP" i="1">
+                            <a:latin typeface="Cambria Math" panose="02040503050406030204" pitchFamily="18" charset="0"/>
+                            <a:ea typeface="Cambria Math" panose="02040503050406030204" pitchFamily="18" charset="0"/>
+                          </a:rPr>
+                          <m:t>=</m:t>
+                        </m:r>
+                        <m:r>
+                          <m:rPr>
+                            <m:sty m:val="p"/>
+                          </m:rPr>
+                          <a:rPr lang="en-US" altLang="ja-JP">
+                            <a:latin typeface="Cambria Math" panose="02040503050406030204" pitchFamily="18" charset="0"/>
+                            <a:ea typeface="Cambria Math" panose="02040503050406030204" pitchFamily="18" charset="0"/>
+                          </a:rPr>
+                          <m:t>log</m:t>
+                        </m:r>
+                      </m:e>
+                      <m:sub>
+                        <m:r>
+                          <a:rPr lang="en-US" altLang="ja-JP" i="1">
+                            <a:latin typeface="Cambria Math" panose="02040503050406030204" pitchFamily="18" charset="0"/>
+                            <a:ea typeface="Cambria Math" panose="02040503050406030204" pitchFamily="18" charset="0"/>
+                          </a:rPr>
+                          <m:t>𝑒</m:t>
+                        </m:r>
+                      </m:sub>
+                    </m:sSub>
+                    <m:d>
+                      <m:dPr>
+                        <m:begChr m:val="["/>
+                        <m:endChr m:val="]"/>
+                        <m:ctrlPr>
+                          <a:rPr lang="en-US" altLang="ja-JP" i="1">
+                            <a:latin typeface="Cambria Math" panose="02040503050406030204" pitchFamily="18" charset="0"/>
+                            <a:ea typeface="Cambria Math" panose="02040503050406030204" pitchFamily="18" charset="0"/>
+                          </a:rPr>
+                        </m:ctrlPr>
+                      </m:dPr>
+                      <m:e>
+                        <m:f>
+                          <m:fPr>
+                            <m:type m:val="lin"/>
+                            <m:ctrlPr>
+                              <a:rPr lang="en-US" altLang="ja-JP" i="1">
+                                <a:latin typeface="Cambria Math" panose="02040503050406030204" pitchFamily="18" charset="0"/>
+                                <a:ea typeface="Cambria Math" panose="02040503050406030204" pitchFamily="18" charset="0"/>
+                              </a:rPr>
+                            </m:ctrlPr>
+                          </m:fPr>
+                          <m:num>
+                            <m:r>
+                              <a:rPr lang="en-US" altLang="ja-JP" i="1">
+                                <a:latin typeface="Cambria Math" panose="02040503050406030204" pitchFamily="18" charset="0"/>
+                                <a:ea typeface="Cambria Math" panose="02040503050406030204" pitchFamily="18" charset="0"/>
+                              </a:rPr>
+                              <m:t>𝑃</m:t>
+                            </m:r>
+                            <m:d>
+                              <m:dPr>
+                                <m:ctrlPr>
+                                  <a:rPr lang="en-US" altLang="ja-JP" i="1">
+                                    <a:latin typeface="Cambria Math" panose="02040503050406030204" pitchFamily="18" charset="0"/>
+                                    <a:ea typeface="Cambria Math" panose="02040503050406030204" pitchFamily="18" charset="0"/>
+                                  </a:rPr>
+                                </m:ctrlPr>
+                              </m:dPr>
+                              <m:e>
+                                <m:r>
+                                  <a:rPr lang="en-US" altLang="ja-JP" i="1">
+                                    <a:latin typeface="Cambria Math" panose="02040503050406030204" pitchFamily="18" charset="0"/>
+                                    <a:ea typeface="Cambria Math" panose="02040503050406030204" pitchFamily="18" charset="0"/>
+                                  </a:rPr>
+                                  <m:t>𝑡</m:t>
+                                </m:r>
+                                <m:r>
+                                  <a:rPr lang="en-US" altLang="ja-JP" i="1">
+                                    <a:latin typeface="Cambria Math" panose="02040503050406030204" pitchFamily="18" charset="0"/>
+                                    <a:ea typeface="Cambria Math" panose="02040503050406030204" pitchFamily="18" charset="0"/>
+                                  </a:rPr>
+                                  <m:t>+</m:t>
+                                </m:r>
+                                <m:r>
+                                  <a:rPr lang="ja-JP" altLang="en-US" i="1">
+                                    <a:latin typeface="Cambria Math" panose="02040503050406030204" pitchFamily="18" charset="0"/>
+                                    <a:ea typeface="Cambria Math" panose="02040503050406030204" pitchFamily="18" charset="0"/>
+                                  </a:rPr>
+                                  <m:t>𝜏</m:t>
+                                </m:r>
+                              </m:e>
+                            </m:d>
+                          </m:num>
+                          <m:den>
+                            <m:r>
+                              <a:rPr lang="en-US" altLang="ja-JP" b="0" i="1" smtClean="0">
+                                <a:latin typeface="Cambria Math" panose="02040503050406030204" pitchFamily="18" charset="0"/>
+                                <a:ea typeface="Cambria Math" panose="02040503050406030204" pitchFamily="18" charset="0"/>
+                              </a:rPr>
+                              <m:t>𝑃</m:t>
+                            </m:r>
+                            <m:d>
+                              <m:dPr>
+                                <m:ctrlPr>
+                                  <a:rPr lang="en-US" altLang="ja-JP" i="1">
+                                    <a:latin typeface="Cambria Math" panose="02040503050406030204" pitchFamily="18" charset="0"/>
+                                    <a:ea typeface="Cambria Math" panose="02040503050406030204" pitchFamily="18" charset="0"/>
+                                  </a:rPr>
+                                </m:ctrlPr>
+                              </m:dPr>
+                              <m:e>
+                                <m:r>
+                                  <a:rPr lang="en-US" altLang="ja-JP" i="1">
+                                    <a:latin typeface="Cambria Math" panose="02040503050406030204" pitchFamily="18" charset="0"/>
+                                    <a:ea typeface="Cambria Math" panose="02040503050406030204" pitchFamily="18" charset="0"/>
+                                  </a:rPr>
+                                  <m:t>𝑡</m:t>
+                                </m:r>
+                              </m:e>
+                            </m:d>
+                          </m:den>
+                        </m:f>
+                      </m:e>
+                    </m:d>
+                    <m:r>
+                      <a:rPr lang="en-US" altLang="ja-JP" i="1">
+                        <a:latin typeface="Cambria Math" panose="02040503050406030204" pitchFamily="18" charset="0"/>
+                        <a:ea typeface="Cambria Math" panose="02040503050406030204" pitchFamily="18" charset="0"/>
+                      </a:rPr>
+                      <m:t>=</m:t>
+                    </m:r>
+                    <m:sSub>
+                      <m:sSubPr>
+                        <m:ctrlPr>
+                          <a:rPr lang="en-US" altLang="ja-JP" i="1">
+                            <a:latin typeface="Cambria Math" panose="02040503050406030204" pitchFamily="18" charset="0"/>
+                            <a:ea typeface="Cambria Math" panose="02040503050406030204" pitchFamily="18" charset="0"/>
+                          </a:rPr>
+                        </m:ctrlPr>
+                      </m:sSubPr>
+                      <m:e>
+                        <m:sSub>
+                          <m:sSubPr>
+                            <m:ctrlPr>
+                              <a:rPr lang="en-US" altLang="ja-JP" i="1">
+                                <a:latin typeface="Cambria Math" panose="02040503050406030204" pitchFamily="18" charset="0"/>
+                                <a:ea typeface="Cambria Math" panose="02040503050406030204" pitchFamily="18" charset="0"/>
+                              </a:rPr>
+                            </m:ctrlPr>
+                          </m:sSubPr>
+                          <m:e>
+                            <m:r>
+                              <a:rPr lang="en-US" altLang="ja-JP" i="1">
+                                <a:latin typeface="Cambria Math" panose="02040503050406030204" pitchFamily="18" charset="0"/>
+                                <a:ea typeface="Cambria Math" panose="02040503050406030204" pitchFamily="18" charset="0"/>
+                              </a:rPr>
+                              <m:t>∆</m:t>
+                            </m:r>
+                          </m:e>
+                          <m:sub>
+                            <m:r>
+                              <a:rPr lang="ja-JP" altLang="en-US" i="1" smtClean="0">
+                                <a:latin typeface="Cambria Math" panose="02040503050406030204" pitchFamily="18" charset="0"/>
+                                <a:ea typeface="Cambria Math" panose="02040503050406030204" pitchFamily="18" charset="0"/>
+                              </a:rPr>
+                              <m:t>𝜏</m:t>
+                            </m:r>
+                          </m:sub>
+                        </m:sSub>
+                        <m:r>
+                          <m:rPr>
+                            <m:sty m:val="p"/>
+                          </m:rPr>
+                          <a:rPr lang="en-US" altLang="ja-JP">
+                            <a:latin typeface="Cambria Math" panose="02040503050406030204" pitchFamily="18" charset="0"/>
+                            <a:ea typeface="Cambria Math" panose="02040503050406030204" pitchFamily="18" charset="0"/>
+                          </a:rPr>
+                          <m:t>log</m:t>
+                        </m:r>
+                      </m:e>
+                      <m:sub>
+                        <m:r>
+                          <a:rPr lang="en-US" altLang="ja-JP" i="1">
+                            <a:latin typeface="Cambria Math" panose="02040503050406030204" pitchFamily="18" charset="0"/>
+                            <a:ea typeface="Cambria Math" panose="02040503050406030204" pitchFamily="18" charset="0"/>
+                          </a:rPr>
+                          <m:t>𝑒</m:t>
+                        </m:r>
+                      </m:sub>
+                    </m:sSub>
+                    <m:r>
+                      <a:rPr lang="en-US" altLang="ja-JP" i="1">
+                        <a:latin typeface="Cambria Math" panose="02040503050406030204" pitchFamily="18" charset="0"/>
+                        <a:ea typeface="Cambria Math" panose="02040503050406030204" pitchFamily="18" charset="0"/>
+                      </a:rPr>
+                      <m:t> </m:t>
+                    </m:r>
+                    <m:r>
+                      <a:rPr lang="en-US" altLang="ja-JP" i="1">
+                        <a:latin typeface="Cambria Math" panose="02040503050406030204" pitchFamily="18" charset="0"/>
+                        <a:ea typeface="Cambria Math" panose="02040503050406030204" pitchFamily="18" charset="0"/>
+                      </a:rPr>
+                      <m:t>𝑃</m:t>
+                    </m:r>
+                    <m:d>
+                      <m:dPr>
+                        <m:ctrlPr>
+                          <a:rPr lang="en-US" altLang="ja-JP" i="1" smtClean="0">
+                            <a:latin typeface="Cambria Math" panose="02040503050406030204" pitchFamily="18" charset="0"/>
+                            <a:ea typeface="Cambria Math" panose="02040503050406030204" pitchFamily="18" charset="0"/>
+                          </a:rPr>
+                        </m:ctrlPr>
+                      </m:dPr>
+                      <m:e>
+                        <m:r>
+                          <a:rPr lang="en-US" altLang="ja-JP" b="0" i="1" smtClean="0">
+                            <a:latin typeface="Cambria Math" panose="02040503050406030204" pitchFamily="18" charset="0"/>
+                            <a:ea typeface="Cambria Math" panose="02040503050406030204" pitchFamily="18" charset="0"/>
+                          </a:rPr>
+                          <m:t>𝑡</m:t>
+                        </m:r>
+                      </m:e>
+                    </m:d>
+                  </m:oMath>
+                </a14:m>
+                <a:endParaRPr lang="en-US" altLang="ja-JP" dirty="0" smtClean="0">
+                  <a:ea typeface="Cambria Math" panose="02040503050406030204" pitchFamily="18" charset="0"/>
+                </a:endParaRPr>
+              </a:p>
+              <a:p>
+                <a14:m>
+                  <m:oMath xmlns:m="http://schemas.openxmlformats.org/officeDocument/2006/math">
+                    <m:r>
+                      <a:rPr lang="en-US" altLang="ja-JP" i="1">
+                        <a:latin typeface="Cambria Math" panose="02040503050406030204" pitchFamily="18" charset="0"/>
+                      </a:rPr>
+                      <m:t>𝑌</m:t>
+                    </m:r>
+                  </m:oMath>
+                </a14:m>
                 <a:r>
-                  <a:rPr kumimoji="1" lang="en-US" altLang="ja-JP" smtClean="0"/>
-                  <a:t>TODO</a:t>
+                  <a:rPr kumimoji="1" lang="ja-JP" altLang="en-US" dirty="0" smtClean="0"/>
+                  <a:t>の標準偏差</a:t>
                 </a:r>
+                <a:endParaRPr kumimoji="1" lang="en-US" altLang="ja-JP" dirty="0" smtClean="0"/>
+              </a:p>
+              <a:p>
+                <a:pPr lvl="1"/>
+                <a14:m>
+                  <m:oMath xmlns:m="http://schemas.openxmlformats.org/officeDocument/2006/math">
+                    <m:sSub>
+                      <m:sSubPr>
+                        <m:ctrlPr>
+                          <a:rPr lang="en-US" altLang="ja-JP" i="1">
+                            <a:latin typeface="Cambria Math" panose="02040503050406030204" pitchFamily="18" charset="0"/>
+                          </a:rPr>
+                        </m:ctrlPr>
+                      </m:sSubPr>
+                      <m:e>
+                        <m:r>
+                          <a:rPr lang="ja-JP" altLang="en-US" i="1">
+                            <a:latin typeface="Cambria Math" panose="02040503050406030204" pitchFamily="18" charset="0"/>
+                          </a:rPr>
+                          <m:t>𝝈</m:t>
+                        </m:r>
+                      </m:e>
+                      <m:sub>
+                        <m:r>
+                          <a:rPr lang="en-US" altLang="ja-JP" i="1">
+                            <a:latin typeface="Cambria Math" panose="02040503050406030204" pitchFamily="18" charset="0"/>
+                          </a:rPr>
+                          <m:t>𝑌</m:t>
+                        </m:r>
+                        <m:d>
+                          <m:dPr>
+                            <m:ctrlPr>
+                              <a:rPr lang="en-US" altLang="ja-JP" i="1">
+                                <a:latin typeface="Cambria Math" panose="02040503050406030204" pitchFamily="18" charset="0"/>
+                              </a:rPr>
+                            </m:ctrlPr>
+                          </m:dPr>
+                          <m:e>
+                            <m:r>
+                              <a:rPr lang="ja-JP" altLang="en-US" i="1">
+                                <a:latin typeface="Cambria Math" panose="02040503050406030204" pitchFamily="18" charset="0"/>
+                              </a:rPr>
+                              <m:t>𝜏</m:t>
+                            </m:r>
+                          </m:e>
+                        </m:d>
+                      </m:sub>
+                    </m:sSub>
+                    <m:r>
+                      <a:rPr lang="en-US" altLang="ja-JP" i="1" smtClean="0">
+                        <a:latin typeface="Cambria Math" panose="02040503050406030204" pitchFamily="18" charset="0"/>
+                        <a:ea typeface="Cambria Math" panose="02040503050406030204" pitchFamily="18" charset="0"/>
+                      </a:rPr>
+                      <m:t>=</m:t>
+                    </m:r>
+                    <m:rad>
+                      <m:radPr>
+                        <m:degHide m:val="on"/>
+                        <m:ctrlPr>
+                          <a:rPr lang="en-US" altLang="ja-JP" i="1" smtClean="0">
+                            <a:latin typeface="Cambria Math" panose="02040503050406030204" pitchFamily="18" charset="0"/>
+                            <a:ea typeface="Cambria Math" panose="02040503050406030204" pitchFamily="18" charset="0"/>
+                          </a:rPr>
+                        </m:ctrlPr>
+                      </m:radPr>
+                      <m:deg/>
+                      <m:e>
+                        <m:r>
+                          <a:rPr lang="ja-JP" altLang="en-US" i="1" smtClean="0">
+                            <a:latin typeface="Cambria Math" panose="02040503050406030204" pitchFamily="18" charset="0"/>
+                            <a:ea typeface="Cambria Math" panose="02040503050406030204" pitchFamily="18" charset="0"/>
+                          </a:rPr>
+                          <m:t>𝜀</m:t>
+                        </m:r>
+                        <m:d>
+                          <m:dPr>
+                            <m:ctrlPr>
+                              <a:rPr lang="en-US" altLang="ja-JP" i="1" smtClean="0">
+                                <a:latin typeface="Cambria Math" panose="02040503050406030204" pitchFamily="18" charset="0"/>
+                                <a:ea typeface="Cambria Math" panose="02040503050406030204" pitchFamily="18" charset="0"/>
+                              </a:rPr>
+                            </m:ctrlPr>
+                          </m:dPr>
+                          <m:e>
+                            <m:sSup>
+                              <m:sSupPr>
+                                <m:ctrlPr>
+                                  <a:rPr lang="en-US" altLang="ja-JP" i="1" smtClean="0">
+                                    <a:latin typeface="Cambria Math" panose="02040503050406030204" pitchFamily="18" charset="0"/>
+                                    <a:ea typeface="Cambria Math" panose="02040503050406030204" pitchFamily="18" charset="0"/>
+                                  </a:rPr>
+                                </m:ctrlPr>
+                              </m:sSupPr>
+                              <m:e>
+                                <m:r>
+                                  <a:rPr lang="en-US" altLang="ja-JP" b="0" i="1" smtClean="0">
+                                    <a:latin typeface="Cambria Math" panose="02040503050406030204" pitchFamily="18" charset="0"/>
+                                    <a:ea typeface="Cambria Math" panose="02040503050406030204" pitchFamily="18" charset="0"/>
+                                  </a:rPr>
+                                  <m:t>𝑌</m:t>
+                                </m:r>
+                              </m:e>
+                              <m:sup>
+                                <m:r>
+                                  <a:rPr lang="en-US" altLang="ja-JP" b="0" i="1" smtClean="0">
+                                    <a:latin typeface="Cambria Math" panose="02040503050406030204" pitchFamily="18" charset="0"/>
+                                    <a:ea typeface="Cambria Math" panose="02040503050406030204" pitchFamily="18" charset="0"/>
+                                  </a:rPr>
+                                  <m:t>2</m:t>
+                                </m:r>
+                              </m:sup>
+                            </m:sSup>
+                          </m:e>
+                        </m:d>
+                        <m:r>
+                          <a:rPr lang="en-US" altLang="ja-JP" i="1">
+                            <a:latin typeface="Cambria Math" panose="02040503050406030204" pitchFamily="18" charset="0"/>
+                            <a:ea typeface="Cambria Math" panose="02040503050406030204" pitchFamily="18" charset="0"/>
+                          </a:rPr>
+                          <m:t>−</m:t>
+                        </m:r>
+                        <m:sSup>
+                          <m:sSupPr>
+                            <m:ctrlPr>
+                              <a:rPr lang="en-US" altLang="ja-JP" i="1" smtClean="0">
+                                <a:latin typeface="Cambria Math" panose="02040503050406030204" pitchFamily="18" charset="0"/>
+                                <a:ea typeface="Cambria Math" panose="02040503050406030204" pitchFamily="18" charset="0"/>
+                              </a:rPr>
+                            </m:ctrlPr>
+                          </m:sSupPr>
+                          <m:e>
+                            <m:d>
+                              <m:dPr>
+                                <m:begChr m:val="["/>
+                                <m:endChr m:val="]"/>
+                                <m:ctrlPr>
+                                  <a:rPr lang="en-US" altLang="ja-JP" i="1">
+                                    <a:latin typeface="Cambria Math" panose="02040503050406030204" pitchFamily="18" charset="0"/>
+                                    <a:ea typeface="Cambria Math" panose="02040503050406030204" pitchFamily="18" charset="0"/>
+                                  </a:rPr>
+                                </m:ctrlPr>
+                              </m:dPr>
+                              <m:e>
+                                <m:r>
+                                  <a:rPr lang="ja-JP" altLang="en-US" i="1">
+                                    <a:latin typeface="Cambria Math" panose="02040503050406030204" pitchFamily="18" charset="0"/>
+                                    <a:ea typeface="Cambria Math" panose="02040503050406030204" pitchFamily="18" charset="0"/>
+                                  </a:rPr>
+                                  <m:t>𝜀</m:t>
+                                </m:r>
+                                <m:d>
+                                  <m:dPr>
+                                    <m:ctrlPr>
+                                      <a:rPr lang="en-US" altLang="ja-JP" i="1">
+                                        <a:latin typeface="Cambria Math" panose="02040503050406030204" pitchFamily="18" charset="0"/>
+                                        <a:ea typeface="Cambria Math" panose="02040503050406030204" pitchFamily="18" charset="0"/>
+                                      </a:rPr>
+                                    </m:ctrlPr>
+                                  </m:dPr>
+                                  <m:e>
+                                    <m:r>
+                                      <a:rPr lang="en-US" altLang="ja-JP" i="1">
+                                        <a:latin typeface="Cambria Math" panose="02040503050406030204" pitchFamily="18" charset="0"/>
+                                        <a:ea typeface="Cambria Math" panose="02040503050406030204" pitchFamily="18" charset="0"/>
+                                      </a:rPr>
+                                      <m:t>𝑌</m:t>
+                                    </m:r>
+                                  </m:e>
+                                </m:d>
+                              </m:e>
+                            </m:d>
+                          </m:e>
+                          <m:sup>
+                            <m:r>
+                              <a:rPr lang="en-US" altLang="ja-JP" b="0" i="1" smtClean="0">
+                                <a:latin typeface="Cambria Math" panose="02040503050406030204" pitchFamily="18" charset="0"/>
+                                <a:ea typeface="Cambria Math" panose="02040503050406030204" pitchFamily="18" charset="0"/>
+                              </a:rPr>
+                              <m:t>2</m:t>
+                            </m:r>
+                          </m:sup>
+                        </m:sSup>
+                      </m:e>
+                    </m:rad>
+                    <m:r>
+                      <a:rPr lang="en-US" altLang="ja-JP" i="1" smtClean="0">
+                        <a:latin typeface="Cambria Math" panose="02040503050406030204" pitchFamily="18" charset="0"/>
+                        <a:ea typeface="Cambria Math" panose="02040503050406030204" pitchFamily="18" charset="0"/>
+                      </a:rPr>
+                      <m:t>=</m:t>
+                    </m:r>
+                    <m:rad>
+                      <m:radPr>
+                        <m:degHide m:val="on"/>
+                        <m:ctrlPr>
+                          <a:rPr lang="en-US" altLang="ja-JP" i="1" smtClean="0">
+                            <a:latin typeface="Cambria Math" panose="02040503050406030204" pitchFamily="18" charset="0"/>
+                            <a:ea typeface="Cambria Math" panose="02040503050406030204" pitchFamily="18" charset="0"/>
+                          </a:rPr>
+                        </m:ctrlPr>
+                      </m:radPr>
+                      <m:deg/>
+                      <m:e>
+                        <m:nary>
+                          <m:naryPr>
+                            <m:chr m:val="∑"/>
+                            <m:limLoc m:val="subSup"/>
+                            <m:ctrlPr>
+                              <a:rPr lang="en-US" altLang="ja-JP" i="1" smtClean="0">
+                                <a:latin typeface="Cambria Math" panose="02040503050406030204" pitchFamily="18" charset="0"/>
+                                <a:ea typeface="Cambria Math" panose="02040503050406030204" pitchFamily="18" charset="0"/>
+                              </a:rPr>
+                            </m:ctrlPr>
+                          </m:naryPr>
+                          <m:sub>
+                            <m:r>
+                              <m:rPr>
+                                <m:brk m:alnAt="25"/>
+                              </m:rPr>
+                              <a:rPr lang="en-US" altLang="ja-JP" b="0" i="1" smtClean="0">
+                                <a:latin typeface="Cambria Math" panose="02040503050406030204" pitchFamily="18" charset="0"/>
+                                <a:ea typeface="Cambria Math" panose="02040503050406030204" pitchFamily="18" charset="0"/>
+                              </a:rPr>
+                              <m:t>𝑖</m:t>
+                            </m:r>
+                            <m:r>
+                              <a:rPr lang="en-US" altLang="ja-JP" b="0" i="1" smtClean="0">
+                                <a:latin typeface="Cambria Math" panose="02040503050406030204" pitchFamily="18" charset="0"/>
+                                <a:ea typeface="Cambria Math" panose="02040503050406030204" pitchFamily="18" charset="0"/>
+                              </a:rPr>
+                              <m:t>=1</m:t>
+                            </m:r>
+                          </m:sub>
+                          <m:sup>
+                            <m:r>
+                              <a:rPr lang="en-US" altLang="ja-JP" b="0" i="1" smtClean="0">
+                                <a:latin typeface="Cambria Math" panose="02040503050406030204" pitchFamily="18" charset="0"/>
+                                <a:ea typeface="Cambria Math" panose="02040503050406030204" pitchFamily="18" charset="0"/>
+                              </a:rPr>
+                              <m:t>𝑖</m:t>
+                            </m:r>
+                            <m:r>
+                              <a:rPr lang="en-US" altLang="ja-JP" b="0" i="1" smtClean="0">
+                                <a:latin typeface="Cambria Math" panose="02040503050406030204" pitchFamily="18" charset="0"/>
+                                <a:ea typeface="Cambria Math" panose="02040503050406030204" pitchFamily="18" charset="0"/>
+                              </a:rPr>
+                              <m:t>=</m:t>
+                            </m:r>
+                            <m:r>
+                              <a:rPr lang="en-US" altLang="ja-JP" b="0" i="1" smtClean="0">
+                                <a:latin typeface="Cambria Math" panose="02040503050406030204" pitchFamily="18" charset="0"/>
+                                <a:ea typeface="Cambria Math" panose="02040503050406030204" pitchFamily="18" charset="0"/>
+                              </a:rPr>
+                              <m:t>𝑘</m:t>
+                            </m:r>
+                          </m:sup>
+                          <m:e>
+                            <m:sSup>
+                              <m:sSupPr>
+                                <m:ctrlPr>
+                                  <a:rPr lang="en-US" altLang="ja-JP" i="1" smtClean="0">
+                                    <a:latin typeface="Cambria Math" panose="02040503050406030204" pitchFamily="18" charset="0"/>
+                                    <a:ea typeface="Cambria Math" panose="02040503050406030204" pitchFamily="18" charset="0"/>
+                                  </a:rPr>
+                                </m:ctrlPr>
+                              </m:sSupPr>
+                              <m:e>
+                                <m:r>
+                                  <a:rPr lang="ja-JP" altLang="en-US" i="1">
+                                    <a:latin typeface="Cambria Math" panose="02040503050406030204" pitchFamily="18" charset="0"/>
+                                    <a:ea typeface="Cambria Math" panose="02040503050406030204" pitchFamily="18" charset="0"/>
+                                  </a:rPr>
+                                  <m:t>𝜎</m:t>
+                                </m:r>
+                              </m:e>
+                              <m:sup>
+                                <m:r>
+                                  <a:rPr lang="en-US" altLang="ja-JP" b="0" i="1" smtClean="0">
+                                    <a:latin typeface="Cambria Math" panose="02040503050406030204" pitchFamily="18" charset="0"/>
+                                    <a:ea typeface="Cambria Math" panose="02040503050406030204" pitchFamily="18" charset="0"/>
+                                  </a:rPr>
+                                  <m:t>2</m:t>
+                                </m:r>
+                              </m:sup>
+                            </m:sSup>
+                            <m:d>
+                              <m:dPr>
+                                <m:ctrlPr>
+                                  <a:rPr lang="en-US" altLang="ja-JP" i="1" smtClean="0">
+                                    <a:latin typeface="Cambria Math" panose="02040503050406030204" pitchFamily="18" charset="0"/>
+                                    <a:ea typeface="Cambria Math" panose="02040503050406030204" pitchFamily="18" charset="0"/>
+                                  </a:rPr>
+                                </m:ctrlPr>
+                              </m:dPr>
+                              <m:e>
+                                <m:r>
+                                  <a:rPr lang="en-US" altLang="ja-JP" b="0" i="1" smtClean="0">
+                                    <a:latin typeface="Cambria Math" panose="02040503050406030204" pitchFamily="18" charset="0"/>
+                                    <a:ea typeface="Cambria Math" panose="02040503050406030204" pitchFamily="18" charset="0"/>
+                                  </a:rPr>
+                                  <m:t>𝑖</m:t>
+                                </m:r>
+                              </m:e>
+                            </m:d>
+                          </m:e>
+                        </m:nary>
+                      </m:e>
+                    </m:rad>
+                  </m:oMath>
+                </a14:m>
+                <a:r>
+                  <a:rPr lang="en-US" altLang="ja-JP" dirty="0">
+                    <a:ea typeface="Cambria Math" panose="02040503050406030204" pitchFamily="18" charset="0"/>
+                  </a:rPr>
+                  <a:t> </a:t>
+                </a:r>
+                <a14:m>
+                  <m:oMath xmlns:m="http://schemas.openxmlformats.org/officeDocument/2006/math">
+                    <m:r>
+                      <a:rPr lang="en-US" altLang="ja-JP" i="1">
+                        <a:latin typeface="Cambria Math" panose="02040503050406030204" pitchFamily="18" charset="0"/>
+                        <a:ea typeface="Cambria Math" panose="02040503050406030204" pitchFamily="18" charset="0"/>
+                      </a:rPr>
+                      <m:t>=</m:t>
+                    </m:r>
+                    <m:rad>
+                      <m:radPr>
+                        <m:degHide m:val="on"/>
+                        <m:ctrlPr>
+                          <a:rPr lang="en-US" altLang="ja-JP" i="1" smtClean="0">
+                            <a:latin typeface="Cambria Math" panose="02040503050406030204" pitchFamily="18" charset="0"/>
+                            <a:ea typeface="Cambria Math" panose="02040503050406030204" pitchFamily="18" charset="0"/>
+                          </a:rPr>
+                        </m:ctrlPr>
+                      </m:radPr>
+                      <m:deg/>
+                      <m:e>
+                        <m:r>
+                          <a:rPr lang="en-US" altLang="ja-JP" b="0" i="1" smtClean="0">
+                            <a:latin typeface="Cambria Math" panose="02040503050406030204" pitchFamily="18" charset="0"/>
+                            <a:ea typeface="Cambria Math" panose="02040503050406030204" pitchFamily="18" charset="0"/>
+                          </a:rPr>
+                          <m:t>𝑘</m:t>
+                        </m:r>
+                      </m:e>
+                    </m:rad>
+                    <m:r>
+                      <a:rPr lang="ja-JP" altLang="en-US" i="1" smtClean="0">
+                        <a:latin typeface="Cambria Math" panose="02040503050406030204" pitchFamily="18" charset="0"/>
+                        <a:ea typeface="Cambria Math" panose="02040503050406030204" pitchFamily="18" charset="0"/>
+                      </a:rPr>
+                      <m:t>𝜎</m:t>
+                    </m:r>
+                    <m:r>
+                      <a:rPr lang="en-US" altLang="ja-JP" b="0" i="1" smtClean="0">
+                        <a:latin typeface="Cambria Math" panose="02040503050406030204" pitchFamily="18" charset="0"/>
+                        <a:ea typeface="Cambria Math" panose="02040503050406030204" pitchFamily="18" charset="0"/>
+                      </a:rPr>
+                      <m:t>′</m:t>
+                    </m:r>
+                    <m:r>
+                      <a:rPr lang="en-US" altLang="ja-JP" i="1">
+                        <a:latin typeface="Cambria Math" panose="02040503050406030204" pitchFamily="18" charset="0"/>
+                        <a:ea typeface="Cambria Math" panose="02040503050406030204" pitchFamily="18" charset="0"/>
+                      </a:rPr>
+                      <m:t>=</m:t>
+                    </m:r>
+                    <m:rad>
+                      <m:radPr>
+                        <m:degHide m:val="on"/>
+                        <m:ctrlPr>
+                          <a:rPr lang="en-US" altLang="ja-JP" i="1">
+                            <a:latin typeface="Cambria Math" panose="02040503050406030204" pitchFamily="18" charset="0"/>
+                            <a:ea typeface="Cambria Math" panose="02040503050406030204" pitchFamily="18" charset="0"/>
+                          </a:rPr>
+                        </m:ctrlPr>
+                      </m:radPr>
+                      <m:deg/>
+                      <m:e>
+                        <m:r>
+                          <a:rPr lang="ja-JP" altLang="en-US" i="1" smtClean="0">
+                            <a:latin typeface="Cambria Math" panose="02040503050406030204" pitchFamily="18" charset="0"/>
+                            <a:ea typeface="Cambria Math" panose="02040503050406030204" pitchFamily="18" charset="0"/>
+                          </a:rPr>
+                          <m:t>𝜏</m:t>
+                        </m:r>
+                        <m:r>
+                          <a:rPr lang="ja-JP" altLang="en-US" i="1" smtClean="0">
+                            <a:latin typeface="Cambria Math" panose="02040503050406030204" pitchFamily="18" charset="0"/>
+                            <a:ea typeface="Cambria Math" panose="02040503050406030204" pitchFamily="18" charset="0"/>
+                          </a:rPr>
+                          <m:t>∕</m:t>
+                        </m:r>
+                        <m:r>
+                          <a:rPr lang="ja-JP" altLang="en-US" i="1" smtClean="0">
+                            <a:latin typeface="Cambria Math" panose="02040503050406030204" pitchFamily="18" charset="0"/>
+                            <a:ea typeface="Cambria Math" panose="02040503050406030204" pitchFamily="18" charset="0"/>
+                          </a:rPr>
+                          <m:t>𝛿</m:t>
+                        </m:r>
+                      </m:e>
+                    </m:rad>
+                    <m:r>
+                      <a:rPr lang="ja-JP" altLang="en-US" i="1">
+                        <a:latin typeface="Cambria Math" panose="02040503050406030204" pitchFamily="18" charset="0"/>
+                        <a:ea typeface="Cambria Math" panose="02040503050406030204" pitchFamily="18" charset="0"/>
+                      </a:rPr>
+                      <m:t>𝜎</m:t>
+                    </m:r>
+                    <m:r>
+                      <a:rPr lang="en-US" altLang="ja-JP" i="1">
+                        <a:latin typeface="Cambria Math" panose="02040503050406030204" pitchFamily="18" charset="0"/>
+                        <a:ea typeface="Cambria Math" panose="02040503050406030204" pitchFamily="18" charset="0"/>
+                      </a:rPr>
+                      <m:t>′</m:t>
+                    </m:r>
+                  </m:oMath>
+                </a14:m>
                 <a:endParaRPr kumimoji="1" lang="ja-JP" altLang="en-US" dirty="0"/>
               </a:p>
             </p:txBody>

--- a/ruby_data_analysis.pptx
+++ b/ruby_data_analysis.pptx
@@ -5,7 +5,7 @@
     <p:sldMasterId id="2147483720" r:id="rId1"/>
   </p:sldMasterIdLst>
   <p:notesMasterIdLst>
-    <p:notesMasterId r:id="rId35"/>
+    <p:notesMasterId r:id="rId38"/>
   </p:notesMasterIdLst>
   <p:sldIdLst>
     <p:sldId id="256" r:id="rId2"/>
@@ -26,21 +26,24 @@
     <p:sldId id="335" r:id="rId17"/>
     <p:sldId id="336" r:id="rId18"/>
     <p:sldId id="337" r:id="rId19"/>
-    <p:sldId id="315" r:id="rId20"/>
-    <p:sldId id="340" r:id="rId21"/>
-    <p:sldId id="316" r:id="rId22"/>
-    <p:sldId id="322" r:id="rId23"/>
-    <p:sldId id="317" r:id="rId24"/>
-    <p:sldId id="323" r:id="rId25"/>
-    <p:sldId id="324" r:id="rId26"/>
-    <p:sldId id="325" r:id="rId27"/>
-    <p:sldId id="327" r:id="rId28"/>
-    <p:sldId id="339" r:id="rId29"/>
-    <p:sldId id="326" r:id="rId30"/>
-    <p:sldId id="341" r:id="rId31"/>
-    <p:sldId id="329" r:id="rId32"/>
-    <p:sldId id="330" r:id="rId33"/>
-    <p:sldId id="338" r:id="rId34"/>
+    <p:sldId id="344" r:id="rId20"/>
+    <p:sldId id="345" r:id="rId21"/>
+    <p:sldId id="315" r:id="rId22"/>
+    <p:sldId id="340" r:id="rId23"/>
+    <p:sldId id="316" r:id="rId24"/>
+    <p:sldId id="322" r:id="rId25"/>
+    <p:sldId id="317" r:id="rId26"/>
+    <p:sldId id="323" r:id="rId27"/>
+    <p:sldId id="324" r:id="rId28"/>
+    <p:sldId id="325" r:id="rId29"/>
+    <p:sldId id="327" r:id="rId30"/>
+    <p:sldId id="326" r:id="rId31"/>
+    <p:sldId id="341" r:id="rId32"/>
+    <p:sldId id="343" r:id="rId33"/>
+    <p:sldId id="329" r:id="rId34"/>
+    <p:sldId id="346" r:id="rId35"/>
+    <p:sldId id="330" r:id="rId36"/>
+    <p:sldId id="338" r:id="rId37"/>
   </p:sldIdLst>
   <p:sldSz cx="9144000" cy="6858000" type="screen4x3"/>
   <p:notesSz cx="6858000" cy="9144000"/>
@@ -10519,28 +10522,322 @@
           <a:lstStyle/>
           <a:p>
             <a:r>
-              <a:rPr kumimoji="1" lang="en-US" altLang="ja-JP" dirty="0" smtClean="0"/>
-              <a:t>Ruby</a:t>
-            </a:r>
-            <a:r>
-              <a:rPr kumimoji="1" lang="ja-JP" altLang="en-US" dirty="0" smtClean="0"/>
-              <a:t>によるデータ解析</a:t>
-            </a:r>
-            <a:r>
-              <a:rPr kumimoji="1" lang="en-US" altLang="ja-JP" dirty="0" smtClean="0"/>
-              <a:t/>
-            </a:r>
-            <a:br>
-              <a:rPr kumimoji="1" lang="en-US" altLang="ja-JP" dirty="0" smtClean="0"/>
-            </a:br>
-            <a:r>
-              <a:rPr kumimoji="1" lang="ja-JP" altLang="en-US" dirty="0" smtClean="0"/>
-              <a:t>の現状</a:t>
+              <a:rPr lang="ja-JP" altLang="en-US" dirty="0" smtClean="0"/>
+              <a:t>収益率の分布の非正規性</a:t>
             </a:r>
             <a:endParaRPr kumimoji="1" lang="ja-JP" altLang="en-US" dirty="0"/>
           </a:p>
         </p:txBody>
       </p:sp>
+      <mc:AlternateContent xmlns:mc="http://schemas.openxmlformats.org/markup-compatibility/2006">
+        <mc:Choice xmlns:a14="http://schemas.microsoft.com/office/drawing/2010/main" Requires="a14">
+          <p:sp>
+            <p:nvSpPr>
+              <p:cNvPr id="3" name="コンテンツ プレースホルダー 2"/>
+              <p:cNvSpPr>
+                <a:spLocks noGrp="1"/>
+              </p:cNvSpPr>
+              <p:nvPr>
+                <p:ph idx="1"/>
+              </p:nvPr>
+            </p:nvSpPr>
+            <p:spPr/>
+            <p:txBody>
+              <a:bodyPr>
+                <a:normAutofit/>
+              </a:bodyPr>
+              <a:lstStyle/>
+              <a:p>
+                <a:r>
+                  <a:rPr lang="en-US" altLang="ja-JP" dirty="0" smtClean="0"/>
+                  <a:t>Benoit Mandelbrot,</a:t>
+                </a:r>
+                <a:r>
+                  <a:rPr lang="ja-JP" altLang="en-US" dirty="0"/>
+                  <a:t> </a:t>
+                </a:r>
+                <a:r>
+                  <a:rPr lang="en-US" altLang="ja-JP" i="1" dirty="0" smtClean="0"/>
+                  <a:t>The </a:t>
+                </a:r>
+                <a:r>
+                  <a:rPr lang="en-US" altLang="ja-JP" i="1" dirty="0"/>
+                  <a:t>Variation of Certain Speculative </a:t>
+                </a:r>
+                <a:r>
+                  <a:rPr lang="en-US" altLang="ja-JP" i="1" dirty="0" smtClean="0"/>
+                  <a:t>Prices</a:t>
+                </a:r>
+                <a:r>
+                  <a:rPr lang="en-US" altLang="ja-JP" dirty="0" smtClean="0"/>
+                  <a:t>, </a:t>
+                </a:r>
+                <a:r>
+                  <a:rPr lang="en-US" altLang="ja-JP" dirty="0" err="1" smtClean="0"/>
+                  <a:t>Jounal</a:t>
+                </a:r>
+                <a:r>
+                  <a:rPr lang="en-US" altLang="ja-JP" dirty="0" smtClean="0"/>
+                  <a:t> </a:t>
+                </a:r>
+                <a:r>
+                  <a:rPr lang="en-US" altLang="ja-JP" dirty="0"/>
+                  <a:t>of Business</a:t>
+                </a:r>
+                <a:r>
+                  <a:rPr lang="en-US" altLang="ja-JP" dirty="0" smtClean="0"/>
+                  <a:t>, 1963</a:t>
+                </a:r>
+              </a:p>
+              <a:p>
+                <a:r>
+                  <a:rPr lang="en-US" altLang="ja-JP" dirty="0"/>
+                  <a:t>Benoit Mandelbrot</a:t>
+                </a:r>
+                <a:r>
+                  <a:rPr lang="en-US" altLang="ja-JP" dirty="0" smtClean="0"/>
+                  <a:t>, </a:t>
+                </a:r>
+                <a:r>
+                  <a:rPr lang="en-US" altLang="ja-JP" i="1" dirty="0" smtClean="0"/>
+                  <a:t>The </a:t>
+                </a:r>
+                <a:r>
+                  <a:rPr lang="en-US" altLang="ja-JP" i="1" dirty="0"/>
+                  <a:t>Variation of Other Speculative </a:t>
+                </a:r>
+                <a:r>
+                  <a:rPr lang="en-US" altLang="ja-JP" i="1" dirty="0" smtClean="0"/>
+                  <a:t>Prices</a:t>
+                </a:r>
+                <a:r>
+                  <a:rPr lang="en-US" altLang="ja-JP" dirty="0" smtClean="0"/>
+                  <a:t>, </a:t>
+                </a:r>
+                <a:r>
+                  <a:rPr lang="en-US" altLang="ja-JP" dirty="0" err="1" smtClean="0"/>
+                  <a:t>Jounal</a:t>
+                </a:r>
+                <a:r>
+                  <a:rPr lang="en-US" altLang="ja-JP" dirty="0" smtClean="0"/>
+                  <a:t> </a:t>
+                </a:r>
+                <a:r>
+                  <a:rPr lang="en-US" altLang="ja-JP" dirty="0"/>
+                  <a:t>of Business</a:t>
+                </a:r>
+                <a:r>
+                  <a:rPr lang="en-US" altLang="ja-JP" dirty="0" smtClean="0"/>
+                  <a:t>, </a:t>
+                </a:r>
+                <a:r>
+                  <a:rPr lang="en-US" altLang="ja-JP" dirty="0"/>
+                  <a:t>1967</a:t>
+                </a:r>
+                <a:endParaRPr lang="en-US" altLang="ja-JP" dirty="0" smtClean="0"/>
+              </a:p>
+              <a:p>
+                <a:r>
+                  <a:rPr lang="ja-JP" altLang="en-US" dirty="0" smtClean="0"/>
+                  <a:t>収益率の分布は、安定分布だが正規分布ではない</a:t>
+                </a:r>
+                <a:endParaRPr lang="en-US" altLang="ja-JP" dirty="0" smtClean="0"/>
+              </a:p>
+              <a:p>
+                <a14:m>
+                  <m:oMath xmlns:m="http://schemas.openxmlformats.org/officeDocument/2006/math">
+                    <m:r>
+                      <a:rPr kumimoji="1" lang="ja-JP" altLang="en-US" i="1" smtClean="0">
+                        <a:latin typeface="Cambria Math" panose="02040503050406030204" pitchFamily="18" charset="0"/>
+                      </a:rPr>
+                      <m:t>𝜶</m:t>
+                    </m:r>
+                  </m:oMath>
+                </a14:m>
+                <a:r>
+                  <a:rPr kumimoji="1" lang="en-US" altLang="ja-JP" dirty="0" smtClean="0"/>
+                  <a:t> </a:t>
+                </a:r>
+                <a:r>
+                  <a:rPr kumimoji="1" lang="ja-JP" altLang="en-US" dirty="0" smtClean="0"/>
+                  <a:t>というパラメータで分布の裾の広さが決まる</a:t>
+                </a:r>
+                <a:endParaRPr kumimoji="1" lang="en-US" altLang="ja-JP" dirty="0" smtClean="0"/>
+              </a:p>
+              <a:p>
+                <a:pPr lvl="1"/>
+                <a:r>
+                  <a:rPr lang="ja-JP" altLang="en-US" dirty="0" smtClean="0"/>
+                  <a:t>小さいほど裾が広い（正規分布は</a:t>
+                </a:r>
+                <a14:m>
+                  <m:oMath xmlns:m="http://schemas.openxmlformats.org/officeDocument/2006/math">
+                    <m:r>
+                      <a:rPr lang="ja-JP" altLang="en-US" i="1">
+                        <a:latin typeface="Cambria Math" panose="02040503050406030204" pitchFamily="18" charset="0"/>
+                      </a:rPr>
+                      <m:t>𝜶</m:t>
+                    </m:r>
+                    <m:r>
+                      <a:rPr lang="en-US" altLang="ja-JP" i="1">
+                        <a:latin typeface="Cambria Math" panose="02040503050406030204" pitchFamily="18" charset="0"/>
+                        <a:ea typeface="Cambria Math" panose="02040503050406030204" pitchFamily="18" charset="0"/>
+                      </a:rPr>
+                      <m:t>=</m:t>
+                    </m:r>
+                    <m:r>
+                      <a:rPr lang="en-US" altLang="ja-JP" b="1" i="1">
+                        <a:latin typeface="Cambria Math" panose="02040503050406030204" pitchFamily="18" charset="0"/>
+                        <a:ea typeface="Cambria Math" panose="02040503050406030204" pitchFamily="18" charset="0"/>
+                      </a:rPr>
+                      <m:t>𝟐</m:t>
+                    </m:r>
+                    <m:r>
+                      <a:rPr lang="en-US" altLang="ja-JP" b="1" i="1">
+                        <a:latin typeface="Cambria Math" panose="02040503050406030204" pitchFamily="18" charset="0"/>
+                        <a:ea typeface="Cambria Math" panose="02040503050406030204" pitchFamily="18" charset="0"/>
+                      </a:rPr>
+                      <m:t> </m:t>
+                    </m:r>
+                  </m:oMath>
+                </a14:m>
+                <a:r>
+                  <a:rPr lang="ja-JP" altLang="en-US" dirty="0" smtClean="0"/>
+                  <a:t>）</a:t>
+                </a:r>
+                <a:endParaRPr kumimoji="1" lang="en-US" altLang="ja-JP" dirty="0" smtClean="0"/>
+              </a:p>
+              <a:p>
+                <a14:m>
+                  <m:oMath xmlns:m="http://schemas.openxmlformats.org/officeDocument/2006/math">
+                    <m:r>
+                      <a:rPr lang="ja-JP" altLang="en-US" i="1">
+                        <a:latin typeface="Cambria Math" panose="02040503050406030204" pitchFamily="18" charset="0"/>
+                      </a:rPr>
+                      <m:t>𝜶</m:t>
+                    </m:r>
+                    <m:r>
+                      <a:rPr lang="en-US" altLang="ja-JP" i="1">
+                        <a:latin typeface="Cambria Math" panose="02040503050406030204" pitchFamily="18" charset="0"/>
+                        <a:ea typeface="Cambria Math" panose="02040503050406030204" pitchFamily="18" charset="0"/>
+                      </a:rPr>
+                      <m:t>≤</m:t>
+                    </m:r>
+                    <m:r>
+                      <a:rPr lang="en-US" altLang="ja-JP" b="1" i="1" smtClean="0">
+                        <a:latin typeface="Cambria Math" panose="02040503050406030204" pitchFamily="18" charset="0"/>
+                        <a:ea typeface="Cambria Math" panose="02040503050406030204" pitchFamily="18" charset="0"/>
+                      </a:rPr>
+                      <m:t>𝟏</m:t>
+                    </m:r>
+                  </m:oMath>
+                </a14:m>
+                <a:r>
+                  <a:rPr kumimoji="1" lang="en-US" altLang="ja-JP" dirty="0" smtClean="0"/>
+                  <a:t> </a:t>
+                </a:r>
+                <a:r>
+                  <a:rPr kumimoji="1" lang="ja-JP" altLang="en-US" dirty="0" smtClean="0"/>
+                  <a:t>の場合、大数の法則に従わない</a:t>
+                </a:r>
+                <a:endParaRPr kumimoji="1" lang="en-US" altLang="ja-JP" dirty="0" smtClean="0"/>
+              </a:p>
+              <a:p>
+                <a14:m>
+                  <m:oMath xmlns:m="http://schemas.openxmlformats.org/officeDocument/2006/math">
+                    <m:r>
+                      <a:rPr lang="ja-JP" altLang="en-US" i="1">
+                        <a:latin typeface="Cambria Math" panose="02040503050406030204" pitchFamily="18" charset="0"/>
+                      </a:rPr>
+                      <m:t>𝜶</m:t>
+                    </m:r>
+                    <m:r>
+                      <a:rPr lang="en-US" altLang="ja-JP" i="1">
+                        <a:latin typeface="Cambria Math" panose="02040503050406030204" pitchFamily="18" charset="0"/>
+                        <a:ea typeface="Cambria Math" panose="02040503050406030204" pitchFamily="18" charset="0"/>
+                      </a:rPr>
+                      <m:t>&lt;</m:t>
+                    </m:r>
+                    <m:r>
+                      <a:rPr lang="en-US" altLang="ja-JP" b="1" i="1" smtClean="0">
+                        <a:latin typeface="Cambria Math" panose="02040503050406030204" pitchFamily="18" charset="0"/>
+                        <a:ea typeface="Cambria Math" panose="02040503050406030204" pitchFamily="18" charset="0"/>
+                      </a:rPr>
+                      <m:t>𝟐</m:t>
+                    </m:r>
+                  </m:oMath>
+                </a14:m>
+                <a:r>
+                  <a:rPr kumimoji="1" lang="en-US" altLang="ja-JP" dirty="0" smtClean="0"/>
+                  <a:t> </a:t>
+                </a:r>
+                <a:r>
+                  <a:rPr lang="ja-JP" altLang="en-US" dirty="0" smtClean="0"/>
+                  <a:t>の場合、分散が一定にならず中心極限定理が成り立たない</a:t>
+                </a:r>
+                <a:endParaRPr lang="en-US" altLang="ja-JP" dirty="0" smtClean="0"/>
+              </a:p>
+              <a:p>
+                <a:pPr lvl="1"/>
+                <a:r>
+                  <a:rPr lang="en-US" altLang="ja-JP" dirty="0" smtClean="0"/>
+                  <a:t>Mandelbrot</a:t>
+                </a:r>
+                <a:r>
+                  <a:rPr lang="ja-JP" altLang="en-US" dirty="0" err="1" smtClean="0"/>
+                  <a:t>は</a:t>
+                </a:r>
+                <a:r>
+                  <a:rPr lang="ja-JP" altLang="en-US" dirty="0" err="1"/>
+                  <a:t>収</a:t>
+                </a:r>
+                <a:r>
+                  <a:rPr lang="ja-JP" altLang="en-US" dirty="0" smtClean="0"/>
+                  <a:t>益率はこのケースの安定分布に従うと考えた</a:t>
+                </a:r>
+                <a:endParaRPr kumimoji="1" lang="en-US" altLang="ja-JP" dirty="0" smtClean="0"/>
+              </a:p>
+              <a:p>
+                <a:pPr lvl="1"/>
+                <a:endParaRPr kumimoji="1" lang="en-US" altLang="ja-JP" dirty="0" smtClean="0"/>
+              </a:p>
+            </p:txBody>
+          </p:sp>
+        </mc:Choice>
+        <mc:Fallback>
+          <p:sp>
+            <p:nvSpPr>
+              <p:cNvPr id="3" name="コンテンツ プレースホルダー 2"/>
+              <p:cNvSpPr>
+                <a:spLocks noGrp="1" noRot="1" noChangeAspect="1" noMove="1" noResize="1" noEditPoints="1" noAdjustHandles="1" noChangeArrowheads="1" noChangeShapeType="1" noTextEdit="1"/>
+              </p:cNvSpPr>
+              <p:nvPr>
+                <p:ph idx="1"/>
+              </p:nvPr>
+            </p:nvSpPr>
+            <p:spPr>
+              <a:blipFill rotWithShape="0">
+                <a:blip r:embed="rId2"/>
+                <a:stretch>
+                  <a:fillRect l="-720" t="-697" r="-560"/>
+                </a:stretch>
+              </a:blipFill>
+            </p:spPr>
+            <p:txBody>
+              <a:bodyPr/>
+              <a:lstStyle/>
+              <a:p>
+                <a:r>
+                  <a:rPr lang="ja-JP" altLang="en-US">
+                    <a:noFill/>
+                  </a:rPr>
+                  <a:t> </a:t>
+                </a:r>
+              </a:p>
+            </p:txBody>
+          </p:sp>
+        </mc:Fallback>
+      </mc:AlternateContent>
       <p:sp>
         <p:nvSpPr>
           <p:cNvPr id="4" name="スライド番号プレースホルダー 3"/>
@@ -10567,7 +10864,7 @@
     </p:spTree>
     <p:extLst>
       <p:ext uri="{BB962C8B-B14F-4D97-AF65-F5344CB8AC3E}">
-        <p14:creationId xmlns:p14="http://schemas.microsoft.com/office/powerpoint/2010/main" val="1152373391"/>
+        <p14:creationId xmlns:p14="http://schemas.microsoft.com/office/powerpoint/2010/main" val="2983067512"/>
       </p:ext>
     </p:extLst>
   </p:cSld>
@@ -10848,28 +11145,21 @@
           <a:lstStyle/>
           <a:p>
             <a:r>
+              <a:rPr lang="ja-JP" altLang="en-US" dirty="0" smtClean="0"/>
+              <a:t>安定分布の</a:t>
+            </a:r>
+            <a:r>
               <a:rPr lang="en-US" altLang="ja-JP" dirty="0" smtClean="0"/>
-              <a:t>Why Ruby?</a:t>
-            </a:r>
-            <a:endParaRPr kumimoji="1" lang="ja-JP" altLang="en-US" dirty="0"/>
-          </a:p>
-        </p:txBody>
-      </p:sp>
-      <p:sp>
-        <p:nvSpPr>
-          <p:cNvPr id="6" name="コンテンツ プレースホルダー 5"/>
-          <p:cNvSpPr>
-            <a:spLocks noGrp="1"/>
-          </p:cNvSpPr>
-          <p:nvPr>
-            <p:ph idx="1"/>
-          </p:nvPr>
-        </p:nvSpPr>
-        <p:spPr/>
-        <p:txBody>
-          <a:bodyPr/>
-          <a:lstStyle/>
-          <a:p>
+              <a:t>PDF</a:t>
+            </a:r>
+            <a:r>
+              <a:rPr lang="ja-JP" altLang="en-US" dirty="0" smtClean="0"/>
+              <a:t>と</a:t>
+            </a:r>
+            <a:r>
+              <a:rPr lang="en-US" altLang="ja-JP" dirty="0" smtClean="0"/>
+              <a:t>CDF</a:t>
+            </a:r>
             <a:endParaRPr kumimoji="1" lang="ja-JP" altLang="en-US" dirty="0"/>
           </a:p>
         </p:txBody>
@@ -10897,10 +11187,70 @@
           </a:p>
         </p:txBody>
       </p:sp>
+      <p:pic>
+        <p:nvPicPr>
+          <p:cNvPr id="6" name="図 5"/>
+          <p:cNvPicPr>
+            <a:picLocks noChangeAspect="1"/>
+          </p:cNvPicPr>
+          <p:nvPr/>
+        </p:nvPicPr>
+        <p:blipFill>
+          <a:blip r:embed="rId2" cstate="print">
+            <a:extLst>
+              <a:ext uri="{28A0092B-C50C-407E-A947-70E740481C1C}">
+                <a14:useLocalDpi xmlns:a14="http://schemas.microsoft.com/office/drawing/2010/main" val="0"/>
+              </a:ext>
+            </a:extLst>
+          </a:blip>
+          <a:stretch>
+            <a:fillRect/>
+          </a:stretch>
+        </p:blipFill>
+        <p:spPr>
+          <a:xfrm>
+            <a:off x="457200" y="2611614"/>
+            <a:ext cx="3851920" cy="2888940"/>
+          </a:xfrm>
+          <a:prstGeom prst="rect">
+            <a:avLst/>
+          </a:prstGeom>
+        </p:spPr>
+      </p:pic>
+      <p:pic>
+        <p:nvPicPr>
+          <p:cNvPr id="7" name="図 6"/>
+          <p:cNvPicPr>
+            <a:picLocks noChangeAspect="1"/>
+          </p:cNvPicPr>
+          <p:nvPr/>
+        </p:nvPicPr>
+        <p:blipFill>
+          <a:blip r:embed="rId3" cstate="print">
+            <a:extLst>
+              <a:ext uri="{28A0092B-C50C-407E-A947-70E740481C1C}">
+                <a14:useLocalDpi xmlns:a14="http://schemas.microsoft.com/office/drawing/2010/main" val="0"/>
+              </a:ext>
+            </a:extLst>
+          </a:blip>
+          <a:stretch>
+            <a:fillRect/>
+          </a:stretch>
+        </p:blipFill>
+        <p:spPr>
+          <a:xfrm>
+            <a:off x="4425156" y="2611614"/>
+            <a:ext cx="3830603" cy="2872952"/>
+          </a:xfrm>
+          <a:prstGeom prst="rect">
+            <a:avLst/>
+          </a:prstGeom>
+        </p:spPr>
+      </p:pic>
     </p:spTree>
     <p:extLst>
       <p:ext uri="{BB962C8B-B14F-4D97-AF65-F5344CB8AC3E}">
-        <p14:creationId xmlns:p14="http://schemas.microsoft.com/office/powerpoint/2010/main" val="1059761815"/>
+        <p14:creationId xmlns:p14="http://schemas.microsoft.com/office/powerpoint/2010/main" val="2312101669"/>
       </p:ext>
     </p:extLst>
   </p:cSld>
@@ -10950,8 +11300,23 @@
           <a:lstStyle/>
           <a:p>
             <a:r>
-              <a:rPr lang="ja-JP" altLang="en-US" dirty="0" smtClean="0"/>
-              <a:t>ライブラリ・ツール群</a:t>
+              <a:rPr kumimoji="1" lang="en-US" altLang="ja-JP" dirty="0" smtClean="0"/>
+              <a:t>Ruby</a:t>
+            </a:r>
+            <a:r>
+              <a:rPr kumimoji="1" lang="ja-JP" altLang="en-US" dirty="0" smtClean="0"/>
+              <a:t>によるデータ解析</a:t>
+            </a:r>
+            <a:r>
+              <a:rPr kumimoji="1" lang="en-US" altLang="ja-JP" dirty="0" smtClean="0"/>
+              <a:t/>
+            </a:r>
+            <a:br>
+              <a:rPr kumimoji="1" lang="en-US" altLang="ja-JP" dirty="0" smtClean="0"/>
+            </a:br>
+            <a:r>
+              <a:rPr kumimoji="1" lang="ja-JP" altLang="en-US" dirty="0" smtClean="0"/>
+              <a:t>の現状</a:t>
             </a:r>
             <a:endParaRPr kumimoji="1" lang="ja-JP" altLang="en-US" dirty="0"/>
           </a:p>
@@ -10975,6 +11340,245 @@
             <a:fld id="{D2D8002D-B5B0-4BAC-B1F6-782DDCCE6D9C}" type="slidenum">
               <a:rPr kumimoji="1" lang="ja-JP" altLang="en-US" smtClean="0"/>
               <a:t>20</a:t>
+            </a:fld>
+            <a:endParaRPr kumimoji="1" lang="ja-JP" altLang="en-US" dirty="0"/>
+          </a:p>
+        </p:txBody>
+      </p:sp>
+    </p:spTree>
+    <p:extLst>
+      <p:ext uri="{BB962C8B-B14F-4D97-AF65-F5344CB8AC3E}">
+        <p14:creationId xmlns:p14="http://schemas.microsoft.com/office/powerpoint/2010/main" val="1152373391"/>
+      </p:ext>
+    </p:extLst>
+  </p:cSld>
+  <p:clrMapOvr>
+    <a:masterClrMapping/>
+  </p:clrMapOvr>
+  <p:timing>
+    <p:tnLst>
+      <p:par>
+        <p:cTn id="1" dur="indefinite" restart="never" nodeType="tmRoot"/>
+      </p:par>
+    </p:tnLst>
+  </p:timing>
+</p:sld>
+</file>
+
+<file path=ppt/slides/slide22.xml><?xml version="1.0" encoding="utf-8"?>
+<p:sld xmlns:a="http://schemas.openxmlformats.org/drawingml/2006/main" xmlns:r="http://schemas.openxmlformats.org/officeDocument/2006/relationships" xmlns:p="http://schemas.openxmlformats.org/presentationml/2006/main">
+  <p:cSld>
+    <p:spTree>
+      <p:nvGrpSpPr>
+        <p:cNvPr id="1" name=""/>
+        <p:cNvGrpSpPr/>
+        <p:nvPr/>
+      </p:nvGrpSpPr>
+      <p:grpSpPr>
+        <a:xfrm>
+          <a:off x="0" y="0"/>
+          <a:ext cx="0" cy="0"/>
+          <a:chOff x="0" y="0"/>
+          <a:chExt cx="0" cy="0"/>
+        </a:xfrm>
+      </p:grpSpPr>
+      <p:sp>
+        <p:nvSpPr>
+          <p:cNvPr id="2" name="タイトル 1"/>
+          <p:cNvSpPr>
+            <a:spLocks noGrp="1"/>
+          </p:cNvSpPr>
+          <p:nvPr>
+            <p:ph type="title"/>
+          </p:nvPr>
+        </p:nvSpPr>
+        <p:spPr/>
+        <p:txBody>
+          <a:bodyPr/>
+          <a:lstStyle/>
+          <a:p>
+            <a:r>
+              <a:rPr lang="en-US" altLang="ja-JP" dirty="0" smtClean="0"/>
+              <a:t>Why Ruby?</a:t>
+            </a:r>
+            <a:endParaRPr kumimoji="1" lang="ja-JP" altLang="en-US" dirty="0"/>
+          </a:p>
+        </p:txBody>
+      </p:sp>
+      <p:sp>
+        <p:nvSpPr>
+          <p:cNvPr id="6" name="コンテンツ プレースホルダー 5"/>
+          <p:cNvSpPr>
+            <a:spLocks noGrp="1"/>
+          </p:cNvSpPr>
+          <p:nvPr>
+            <p:ph idx="1"/>
+          </p:nvPr>
+        </p:nvSpPr>
+        <p:spPr/>
+        <p:txBody>
+          <a:bodyPr/>
+          <a:lstStyle/>
+          <a:p>
+            <a:r>
+              <a:rPr lang="en-US" altLang="ja-JP" dirty="0" smtClean="0"/>
+              <a:t>Python</a:t>
+            </a:r>
+            <a:r>
+              <a:rPr lang="ja-JP" altLang="en-US" dirty="0" smtClean="0"/>
+              <a:t>と同じ理由</a:t>
+            </a:r>
+            <a:endParaRPr lang="en-US" altLang="ja-JP" dirty="0" smtClean="0"/>
+          </a:p>
+          <a:p>
+            <a:pPr lvl="1"/>
+            <a:r>
+              <a:rPr lang="ja-JP" altLang="en-US" dirty="0" smtClean="0"/>
+              <a:t>「糊（グルー）」としての</a:t>
+            </a:r>
+            <a:r>
+              <a:rPr lang="en-US" altLang="ja-JP" dirty="0" smtClean="0"/>
+              <a:t>Ruby</a:t>
+            </a:r>
+          </a:p>
+          <a:p>
+            <a:pPr lvl="2"/>
+            <a:r>
+              <a:rPr lang="en-US" altLang="ja-JP" dirty="0" smtClean="0"/>
+              <a:t>C/C++/FORTRAN</a:t>
+            </a:r>
+            <a:r>
+              <a:rPr lang="ja-JP" altLang="en-US" dirty="0" smtClean="0"/>
+              <a:t>などで書かれたコードをつなぎ合わせる</a:t>
+            </a:r>
+            <a:endParaRPr lang="ja-JP" altLang="en-US" dirty="0"/>
+          </a:p>
+          <a:p>
+            <a:pPr lvl="1"/>
+            <a:r>
+              <a:rPr lang="ja-JP" altLang="en-US" dirty="0" smtClean="0"/>
+              <a:t>「２つの言語を利用する」ことの問題を解決する</a:t>
+            </a:r>
+            <a:endParaRPr lang="en-US" altLang="ja-JP" dirty="0" smtClean="0"/>
+          </a:p>
+          <a:p>
+            <a:pPr lvl="2"/>
+            <a:r>
+              <a:rPr lang="ja-JP" altLang="en-US" dirty="0" smtClean="0"/>
+              <a:t>アプリケーション開発とデータ解析で同じ言語を使う</a:t>
+            </a:r>
+            <a:endParaRPr lang="en-US" altLang="ja-JP" dirty="0" smtClean="0"/>
+          </a:p>
+          <a:p>
+            <a:r>
+              <a:rPr lang="ja-JP" altLang="en-US" dirty="0" smtClean="0"/>
+              <a:t>でも道具は揃ってる？</a:t>
+            </a:r>
+            <a:endParaRPr lang="en-US" altLang="ja-JP" dirty="0" smtClean="0"/>
+          </a:p>
+        </p:txBody>
+      </p:sp>
+      <p:sp>
+        <p:nvSpPr>
+          <p:cNvPr id="4" name="スライド番号プレースホルダー 3"/>
+          <p:cNvSpPr>
+            <a:spLocks noGrp="1"/>
+          </p:cNvSpPr>
+          <p:nvPr>
+            <p:ph type="sldNum" sz="quarter" idx="12"/>
+          </p:nvPr>
+        </p:nvSpPr>
+        <p:spPr/>
+        <p:txBody>
+          <a:bodyPr/>
+          <a:lstStyle/>
+          <a:p>
+            <a:fld id="{D2D8002D-B5B0-4BAC-B1F6-782DDCCE6D9C}" type="slidenum">
+              <a:rPr kumimoji="1" lang="ja-JP" altLang="en-US" smtClean="0"/>
+              <a:t>21</a:t>
+            </a:fld>
+            <a:endParaRPr kumimoji="1" lang="ja-JP" altLang="en-US" dirty="0"/>
+          </a:p>
+        </p:txBody>
+      </p:sp>
+    </p:spTree>
+    <p:extLst>
+      <p:ext uri="{BB962C8B-B14F-4D97-AF65-F5344CB8AC3E}">
+        <p14:creationId xmlns:p14="http://schemas.microsoft.com/office/powerpoint/2010/main" val="1059761815"/>
+      </p:ext>
+    </p:extLst>
+  </p:cSld>
+  <p:clrMapOvr>
+    <a:masterClrMapping/>
+  </p:clrMapOvr>
+  <p:timing>
+    <p:tnLst>
+      <p:par>
+        <p:cTn id="1" dur="indefinite" restart="never" nodeType="tmRoot"/>
+      </p:par>
+    </p:tnLst>
+  </p:timing>
+</p:sld>
+</file>
+
+<file path=ppt/slides/slide23.xml><?xml version="1.0" encoding="utf-8"?>
+<p:sld xmlns:a="http://schemas.openxmlformats.org/drawingml/2006/main" xmlns:r="http://schemas.openxmlformats.org/officeDocument/2006/relationships" xmlns:p="http://schemas.openxmlformats.org/presentationml/2006/main">
+  <p:cSld>
+    <p:spTree>
+      <p:nvGrpSpPr>
+        <p:cNvPr id="1" name=""/>
+        <p:cNvGrpSpPr/>
+        <p:nvPr/>
+      </p:nvGrpSpPr>
+      <p:grpSpPr>
+        <a:xfrm>
+          <a:off x="0" y="0"/>
+          <a:ext cx="0" cy="0"/>
+          <a:chOff x="0" y="0"/>
+          <a:chExt cx="0" cy="0"/>
+        </a:xfrm>
+      </p:grpSpPr>
+      <p:sp>
+        <p:nvSpPr>
+          <p:cNvPr id="2" name="タイトル 1"/>
+          <p:cNvSpPr>
+            <a:spLocks noGrp="1"/>
+          </p:cNvSpPr>
+          <p:nvPr>
+            <p:ph type="title"/>
+          </p:nvPr>
+        </p:nvSpPr>
+        <p:spPr/>
+        <p:txBody>
+          <a:bodyPr/>
+          <a:lstStyle/>
+          <a:p>
+            <a:r>
+              <a:rPr lang="ja-JP" altLang="en-US" dirty="0" smtClean="0"/>
+              <a:t>ライブラリ・ツール群</a:t>
+            </a:r>
+            <a:endParaRPr kumimoji="1" lang="ja-JP" altLang="en-US" dirty="0"/>
+          </a:p>
+        </p:txBody>
+      </p:sp>
+      <p:sp>
+        <p:nvSpPr>
+          <p:cNvPr id="4" name="スライド番号プレースホルダー 3"/>
+          <p:cNvSpPr>
+            <a:spLocks noGrp="1"/>
+          </p:cNvSpPr>
+          <p:nvPr>
+            <p:ph type="sldNum" sz="quarter" idx="12"/>
+          </p:nvPr>
+        </p:nvSpPr>
+        <p:spPr/>
+        <p:txBody>
+          <a:bodyPr/>
+          <a:lstStyle/>
+          <a:p>
+            <a:fld id="{D2D8002D-B5B0-4BAC-B1F6-782DDCCE6D9C}" type="slidenum">
+              <a:rPr kumimoji="1" lang="ja-JP" altLang="en-US" smtClean="0"/>
+              <a:t>22</a:t>
             </a:fld>
             <a:endParaRPr kumimoji="1" lang="ja-JP" altLang="en-US" dirty="0"/>
           </a:p>
@@ -11322,7 +11926,7 @@
 </p:sld>
 </file>
 
-<file path=ppt/slides/slide22.xml><?xml version="1.0" encoding="utf-8"?>
+<file path=ppt/slides/slide24.xml><?xml version="1.0" encoding="utf-8"?>
 <p:sld xmlns:a="http://schemas.openxmlformats.org/drawingml/2006/main" xmlns:r="http://schemas.openxmlformats.org/officeDocument/2006/relationships" xmlns:p="http://schemas.openxmlformats.org/presentationml/2006/main">
   <p:cSld>
     <p:spTree>
@@ -11406,7 +12010,7 @@
           <a:p>
             <a:fld id="{D2D8002D-B5B0-4BAC-B1F6-782DDCCE6D9C}" type="slidenum">
               <a:rPr kumimoji="1" lang="ja-JP" altLang="en-US" smtClean="0"/>
-              <a:t>21</a:t>
+              <a:t>23</a:t>
             </a:fld>
             <a:endParaRPr kumimoji="1" lang="ja-JP" altLang="en-US" dirty="0"/>
           </a:p>
@@ -11432,7 +12036,7 @@
 </p:sld>
 </file>
 
-<file path=ppt/slides/slide23.xml><?xml version="1.0" encoding="utf-8"?>
+<file path=ppt/slides/slide25.xml><?xml version="1.0" encoding="utf-8"?>
 <p:sld xmlns:a="http://schemas.openxmlformats.org/drawingml/2006/main" xmlns:r="http://schemas.openxmlformats.org/officeDocument/2006/relationships" xmlns:p="http://schemas.openxmlformats.org/presentationml/2006/main">
   <p:cSld>
     <p:spTree>
@@ -11522,7 +12126,7 @@
           <a:p>
             <a:fld id="{D2D8002D-B5B0-4BAC-B1F6-782DDCCE6D9C}" type="slidenum">
               <a:rPr kumimoji="1" lang="ja-JP" altLang="en-US" smtClean="0"/>
-              <a:t>22</a:t>
+              <a:t>24</a:t>
             </a:fld>
             <a:endParaRPr kumimoji="1" lang="ja-JP" altLang="en-US" dirty="0"/>
           </a:p>
@@ -11548,7 +12152,7 @@
 </p:sld>
 </file>
 
-<file path=ppt/slides/slide24.xml><?xml version="1.0" encoding="utf-8"?>
+<file path=ppt/slides/slide26.xml><?xml version="1.0" encoding="utf-8"?>
 <p:sld xmlns:a="http://schemas.openxmlformats.org/drawingml/2006/main" xmlns:r="http://schemas.openxmlformats.org/officeDocument/2006/relationships" xmlns:p="http://schemas.openxmlformats.org/presentationml/2006/main">
   <p:cSld>
     <p:spTree>
@@ -11642,7 +12246,7 @@
           <a:p>
             <a:fld id="{D2D8002D-B5B0-4BAC-B1F6-782DDCCE6D9C}" type="slidenum">
               <a:rPr kumimoji="1" lang="ja-JP" altLang="en-US" smtClean="0"/>
-              <a:t>23</a:t>
+              <a:t>25</a:t>
             </a:fld>
             <a:endParaRPr kumimoji="1" lang="ja-JP" altLang="en-US" dirty="0"/>
           </a:p>
@@ -11759,7 +12363,7 @@
 </p:sld>
 </file>
 
-<file path=ppt/slides/slide25.xml><?xml version="1.0" encoding="utf-8"?>
+<file path=ppt/slides/slide27.xml><?xml version="1.0" encoding="utf-8"?>
 <p:sld xmlns:a="http://schemas.openxmlformats.org/drawingml/2006/main" xmlns:r="http://schemas.openxmlformats.org/officeDocument/2006/relationships" xmlns:p="http://schemas.openxmlformats.org/presentationml/2006/main">
   <p:cSld>
     <p:spTree>
@@ -11853,7 +12457,7 @@
           <a:p>
             <a:fld id="{D2D8002D-B5B0-4BAC-B1F6-782DDCCE6D9C}" type="slidenum">
               <a:rPr kumimoji="1" lang="ja-JP" altLang="en-US" smtClean="0"/>
-              <a:t>24</a:t>
+              <a:t>26</a:t>
             </a:fld>
             <a:endParaRPr kumimoji="1" lang="ja-JP" altLang="en-US" dirty="0"/>
           </a:p>
@@ -11970,298 +12574,6 @@
 </p:sld>
 </file>
 
-<file path=ppt/slides/slide26.xml><?xml version="1.0" encoding="utf-8"?>
-<p:sld xmlns:a="http://schemas.openxmlformats.org/drawingml/2006/main" xmlns:r="http://schemas.openxmlformats.org/officeDocument/2006/relationships" xmlns:p="http://schemas.openxmlformats.org/presentationml/2006/main">
-  <p:cSld>
-    <p:spTree>
-      <p:nvGrpSpPr>
-        <p:cNvPr id="1" name=""/>
-        <p:cNvGrpSpPr/>
-        <p:nvPr/>
-      </p:nvGrpSpPr>
-      <p:grpSpPr>
-        <a:xfrm>
-          <a:off x="0" y="0"/>
-          <a:ext cx="0" cy="0"/>
-          <a:chOff x="0" y="0"/>
-          <a:chExt cx="0" cy="0"/>
-        </a:xfrm>
-      </p:grpSpPr>
-      <p:sp>
-        <p:nvSpPr>
-          <p:cNvPr id="2" name="タイトル 1"/>
-          <p:cNvSpPr>
-            <a:spLocks noGrp="1"/>
-          </p:cNvSpPr>
-          <p:nvPr>
-            <p:ph type="title"/>
-          </p:nvPr>
-        </p:nvSpPr>
-        <p:spPr/>
-        <p:txBody>
-          <a:bodyPr/>
-          <a:lstStyle/>
-          <a:p>
-            <a:r>
-              <a:rPr kumimoji="1" lang="en-US" altLang="ja-JP" dirty="0" err="1" smtClean="0"/>
-              <a:t>Jupyter</a:t>
-            </a:r>
-            <a:r>
-              <a:rPr kumimoji="1" lang="en-US" altLang="ja-JP" dirty="0" smtClean="0"/>
-              <a:t>/</a:t>
-            </a:r>
-            <a:r>
-              <a:rPr kumimoji="1" lang="en-US" altLang="ja-JP" dirty="0" err="1" smtClean="0"/>
-              <a:t>IRuby</a:t>
-            </a:r>
-            <a:endParaRPr kumimoji="1" lang="ja-JP" altLang="en-US" dirty="0"/>
-          </a:p>
-        </p:txBody>
-      </p:sp>
-      <p:sp>
-        <p:nvSpPr>
-          <p:cNvPr id="3" name="コンテンツ プレースホルダー 2"/>
-          <p:cNvSpPr>
-            <a:spLocks noGrp="1"/>
-          </p:cNvSpPr>
-          <p:nvPr>
-            <p:ph idx="1"/>
-          </p:nvPr>
-        </p:nvSpPr>
-        <p:spPr/>
-        <p:txBody>
-          <a:bodyPr/>
-          <a:lstStyle/>
-          <a:p>
-            <a:r>
-              <a:rPr kumimoji="1" lang="en-US" altLang="ja-JP" dirty="0" err="1" smtClean="0"/>
-              <a:t>Jupyter</a:t>
-            </a:r>
-            <a:endParaRPr kumimoji="1" lang="en-US" altLang="ja-JP" dirty="0" smtClean="0"/>
-          </a:p>
-          <a:p>
-            <a:pPr lvl="1"/>
-            <a:r>
-              <a:rPr lang="en-US" altLang="ja-JP" dirty="0" smtClean="0"/>
-              <a:t>Web</a:t>
-            </a:r>
-            <a:r>
-              <a:rPr lang="ja-JP" altLang="en-US" dirty="0" smtClean="0"/>
-              <a:t>アプリケーションによる対話環境</a:t>
-            </a:r>
-            <a:endParaRPr lang="en-US" altLang="ja-JP" dirty="0" smtClean="0"/>
-          </a:p>
-          <a:p>
-            <a:pPr lvl="1"/>
-            <a:r>
-              <a:rPr kumimoji="1" lang="en-US" altLang="ja-JP" dirty="0" err="1" smtClean="0"/>
-              <a:t>Matematica</a:t>
-            </a:r>
-            <a:r>
-              <a:rPr kumimoji="1" lang="ja-JP" altLang="en-US" dirty="0" smtClean="0"/>
-              <a:t>風のノートブック</a:t>
-            </a:r>
-            <a:endParaRPr lang="en-US" altLang="ja-JP" dirty="0"/>
-          </a:p>
-          <a:p>
-            <a:pPr lvl="2"/>
-            <a:r>
-              <a:rPr lang="ja-JP" altLang="en-US" dirty="0" smtClean="0"/>
-              <a:t>プログラムの対話的実行</a:t>
-            </a:r>
-            <a:endParaRPr lang="en-US" altLang="ja-JP" dirty="0" smtClean="0"/>
-          </a:p>
-          <a:p>
-            <a:pPr lvl="2"/>
-            <a:r>
-              <a:rPr kumimoji="1" lang="ja-JP" altLang="en-US" dirty="0" smtClean="0"/>
-              <a:t>グラフの描画</a:t>
-            </a:r>
-            <a:endParaRPr kumimoji="1" lang="en-US" altLang="ja-JP" dirty="0" smtClean="0"/>
-          </a:p>
-          <a:p>
-            <a:pPr lvl="1"/>
-            <a:r>
-              <a:rPr lang="ja-JP" altLang="en-US" dirty="0" smtClean="0"/>
-              <a:t>プログラミング言語非依存</a:t>
-            </a:r>
-            <a:endParaRPr lang="en-US" altLang="ja-JP" dirty="0" smtClean="0"/>
-          </a:p>
-          <a:p>
-            <a:pPr lvl="2"/>
-            <a:r>
-              <a:rPr lang="ja-JP" altLang="en-US" dirty="0" smtClean="0"/>
-              <a:t>各言語の実行環境をカーネルとして提供</a:t>
-            </a:r>
-            <a:endParaRPr lang="en-US" altLang="ja-JP" dirty="0" smtClean="0"/>
-          </a:p>
-          <a:p>
-            <a:pPr lvl="2"/>
-            <a:r>
-              <a:rPr lang="ja-JP" altLang="en-US" dirty="0" smtClean="0"/>
-              <a:t>プロセス間</a:t>
-            </a:r>
-            <a:r>
-              <a:rPr lang="ja-JP" altLang="en-US" dirty="0"/>
-              <a:t>通信</a:t>
-            </a:r>
-            <a:endParaRPr lang="en-US" altLang="ja-JP" dirty="0" smtClean="0"/>
-          </a:p>
-          <a:p>
-            <a:r>
-              <a:rPr kumimoji="1" lang="en-US" altLang="ja-JP" dirty="0" err="1" smtClean="0"/>
-              <a:t>IRuby</a:t>
-            </a:r>
-            <a:endParaRPr kumimoji="1" lang="en-US" altLang="ja-JP" dirty="0" smtClean="0"/>
-          </a:p>
-          <a:p>
-            <a:pPr lvl="1"/>
-            <a:r>
-              <a:rPr lang="en-US" altLang="ja-JP" dirty="0" err="1" smtClean="0"/>
-              <a:t>Jupyter</a:t>
-            </a:r>
-            <a:r>
-              <a:rPr lang="ja-JP" altLang="en-US" dirty="0" smtClean="0"/>
-              <a:t>の</a:t>
-            </a:r>
-            <a:r>
-              <a:rPr lang="en-US" altLang="ja-JP" dirty="0" smtClean="0"/>
-              <a:t>Ruby</a:t>
-            </a:r>
-            <a:r>
-              <a:rPr lang="ja-JP" altLang="en-US" dirty="0" smtClean="0"/>
-              <a:t>カーネル</a:t>
-            </a:r>
-            <a:endParaRPr kumimoji="1" lang="ja-JP" altLang="en-US" dirty="0"/>
-          </a:p>
-        </p:txBody>
-      </p:sp>
-      <p:sp>
-        <p:nvSpPr>
-          <p:cNvPr id="4" name="スライド番号プレースホルダー 3"/>
-          <p:cNvSpPr>
-            <a:spLocks noGrp="1"/>
-          </p:cNvSpPr>
-          <p:nvPr>
-            <p:ph type="sldNum" sz="quarter" idx="12"/>
-          </p:nvPr>
-        </p:nvSpPr>
-        <p:spPr/>
-        <p:txBody>
-          <a:bodyPr/>
-          <a:lstStyle/>
-          <a:p>
-            <a:fld id="{D2D8002D-B5B0-4BAC-B1F6-782DDCCE6D9C}" type="slidenum">
-              <a:rPr kumimoji="1" lang="ja-JP" altLang="en-US" smtClean="0"/>
-              <a:t>25</a:t>
-            </a:fld>
-            <a:endParaRPr kumimoji="1" lang="ja-JP" altLang="en-US" dirty="0"/>
-          </a:p>
-        </p:txBody>
-      </p:sp>
-    </p:spTree>
-    <p:extLst>
-      <p:ext uri="{BB962C8B-B14F-4D97-AF65-F5344CB8AC3E}">
-        <p14:creationId xmlns:p14="http://schemas.microsoft.com/office/powerpoint/2010/main" val="1471523091"/>
-      </p:ext>
-    </p:extLst>
-  </p:cSld>
-  <p:clrMapOvr>
-    <a:masterClrMapping/>
-  </p:clrMapOvr>
-  <p:timing>
-    <p:tnLst>
-      <p:par>
-        <p:cTn id="1" dur="indefinite" restart="never" nodeType="tmRoot"/>
-      </p:par>
-    </p:tnLst>
-  </p:timing>
-</p:sld>
-</file>
-
-<file path=ppt/slides/slide27.xml><?xml version="1.0" encoding="utf-8"?>
-<p:sld xmlns:a="http://schemas.openxmlformats.org/drawingml/2006/main" xmlns:r="http://schemas.openxmlformats.org/officeDocument/2006/relationships" xmlns:p="http://schemas.openxmlformats.org/presentationml/2006/main">
-  <p:cSld>
-    <p:spTree>
-      <p:nvGrpSpPr>
-        <p:cNvPr id="1" name=""/>
-        <p:cNvGrpSpPr/>
-        <p:nvPr/>
-      </p:nvGrpSpPr>
-      <p:grpSpPr>
-        <a:xfrm>
-          <a:off x="0" y="0"/>
-          <a:ext cx="0" cy="0"/>
-          <a:chOff x="0" y="0"/>
-          <a:chExt cx="0" cy="0"/>
-        </a:xfrm>
-      </p:grpSpPr>
-      <p:sp>
-        <p:nvSpPr>
-          <p:cNvPr id="2" name="タイトル 1"/>
-          <p:cNvSpPr>
-            <a:spLocks noGrp="1"/>
-          </p:cNvSpPr>
-          <p:nvPr>
-            <p:ph type="title"/>
-          </p:nvPr>
-        </p:nvSpPr>
-        <p:spPr/>
-        <p:txBody>
-          <a:bodyPr/>
-          <a:lstStyle/>
-          <a:p>
-            <a:r>
-              <a:rPr lang="ja-JP" altLang="en-US" dirty="0"/>
-              <a:t>デモ</a:t>
-            </a:r>
-            <a:endParaRPr kumimoji="1" lang="ja-JP" altLang="en-US" dirty="0"/>
-          </a:p>
-        </p:txBody>
-      </p:sp>
-      <p:sp>
-        <p:nvSpPr>
-          <p:cNvPr id="4" name="スライド番号プレースホルダー 3"/>
-          <p:cNvSpPr>
-            <a:spLocks noGrp="1"/>
-          </p:cNvSpPr>
-          <p:nvPr>
-            <p:ph type="sldNum" sz="quarter" idx="12"/>
-          </p:nvPr>
-        </p:nvSpPr>
-        <p:spPr/>
-        <p:txBody>
-          <a:bodyPr/>
-          <a:lstStyle/>
-          <a:p>
-            <a:fld id="{D2D8002D-B5B0-4BAC-B1F6-782DDCCE6D9C}" type="slidenum">
-              <a:rPr kumimoji="1" lang="ja-JP" altLang="en-US" smtClean="0"/>
-              <a:t>26</a:t>
-            </a:fld>
-            <a:endParaRPr kumimoji="1" lang="ja-JP" altLang="en-US" dirty="0"/>
-          </a:p>
-        </p:txBody>
-      </p:sp>
-    </p:spTree>
-    <p:extLst>
-      <p:ext uri="{BB962C8B-B14F-4D97-AF65-F5344CB8AC3E}">
-        <p14:creationId xmlns:p14="http://schemas.microsoft.com/office/powerpoint/2010/main" val="1075475458"/>
-      </p:ext>
-    </p:extLst>
-  </p:cSld>
-  <p:clrMapOvr>
-    <a:masterClrMapping/>
-  </p:clrMapOvr>
-  <p:timing>
-    <p:tnLst>
-      <p:par>
-        <p:cTn id="1" dur="indefinite" restart="never" nodeType="tmRoot"/>
-      </p:par>
-    </p:tnLst>
-  </p:timing>
-</p:sld>
-</file>
-
 <file path=ppt/slides/slide28.xml><?xml version="1.0" encoding="utf-8"?>
 <p:sld xmlns:a="http://schemas.openxmlformats.org/drawingml/2006/main" xmlns:r="http://schemas.openxmlformats.org/officeDocument/2006/relationships" xmlns:p="http://schemas.openxmlformats.org/presentationml/2006/main">
   <p:cSld>
@@ -12295,36 +12607,135 @@
           <a:lstStyle/>
           <a:p>
             <a:r>
+              <a:rPr kumimoji="1" lang="en-US" altLang="ja-JP" dirty="0" err="1" smtClean="0"/>
+              <a:t>Jupyter</a:t>
+            </a:r>
+            <a:r>
+              <a:rPr kumimoji="1" lang="en-US" altLang="ja-JP" dirty="0" smtClean="0"/>
+              <a:t>/</a:t>
+            </a:r>
+            <a:r>
+              <a:rPr kumimoji="1" lang="en-US" altLang="ja-JP" dirty="0" err="1" smtClean="0"/>
+              <a:t>IRuby</a:t>
+            </a:r>
+            <a:endParaRPr kumimoji="1" lang="ja-JP" altLang="en-US" dirty="0"/>
+          </a:p>
+        </p:txBody>
+      </p:sp>
+      <p:sp>
+        <p:nvSpPr>
+          <p:cNvPr id="3" name="コンテンツ プレースホルダー 2"/>
+          <p:cNvSpPr>
+            <a:spLocks noGrp="1"/>
+          </p:cNvSpPr>
+          <p:nvPr>
+            <p:ph idx="1"/>
+          </p:nvPr>
+        </p:nvSpPr>
+        <p:spPr/>
+        <p:txBody>
+          <a:bodyPr/>
+          <a:lstStyle/>
+          <a:p>
+            <a:r>
+              <a:rPr kumimoji="1" lang="en-US" altLang="ja-JP" dirty="0" err="1" smtClean="0"/>
+              <a:t>Jupyter</a:t>
+            </a:r>
+            <a:endParaRPr kumimoji="1" lang="en-US" altLang="ja-JP" dirty="0" smtClean="0"/>
+          </a:p>
+          <a:p>
+            <a:pPr lvl="1"/>
+            <a:r>
+              <a:rPr lang="en-US" altLang="ja-JP" dirty="0" smtClean="0"/>
+              <a:t>Web</a:t>
+            </a:r>
+            <a:r>
+              <a:rPr lang="ja-JP" altLang="en-US" dirty="0" smtClean="0"/>
+              <a:t>アプリケーションによる対話環境</a:t>
+            </a:r>
+            <a:endParaRPr lang="en-US" altLang="ja-JP" dirty="0" smtClean="0"/>
+          </a:p>
+          <a:p>
+            <a:pPr lvl="1"/>
+            <a:r>
+              <a:rPr kumimoji="1" lang="en-US" altLang="ja-JP" dirty="0" err="1" smtClean="0"/>
+              <a:t>Matematica</a:t>
+            </a:r>
+            <a:r>
+              <a:rPr kumimoji="1" lang="ja-JP" altLang="en-US" dirty="0" smtClean="0"/>
+              <a:t>風のノートブック</a:t>
+            </a:r>
+            <a:endParaRPr lang="en-US" altLang="ja-JP" dirty="0"/>
+          </a:p>
+          <a:p>
+            <a:pPr lvl="2"/>
+            <a:r>
+              <a:rPr lang="ja-JP" altLang="en-US" dirty="0" smtClean="0"/>
+              <a:t>プログラムの対話的実行</a:t>
+            </a:r>
+            <a:endParaRPr lang="en-US" altLang="ja-JP" dirty="0" smtClean="0"/>
+          </a:p>
+          <a:p>
+            <a:pPr lvl="2"/>
+            <a:r>
+              <a:rPr kumimoji="1" lang="ja-JP" altLang="en-US" dirty="0" smtClean="0"/>
+              <a:t>グラフの描画</a:t>
+            </a:r>
+            <a:endParaRPr kumimoji="1" lang="en-US" altLang="ja-JP" dirty="0" smtClean="0"/>
+          </a:p>
+          <a:p>
+            <a:pPr lvl="1"/>
+            <a:r>
+              <a:rPr lang="ja-JP" altLang="en-US" dirty="0" smtClean="0"/>
+              <a:t>プログラミング言語非依存</a:t>
+            </a:r>
+            <a:endParaRPr lang="en-US" altLang="ja-JP" dirty="0" smtClean="0"/>
+          </a:p>
+          <a:p>
+            <a:pPr lvl="2"/>
+            <a:r>
+              <a:rPr lang="ja-JP" altLang="en-US" dirty="0" smtClean="0"/>
+              <a:t>各言語の実行環境をカーネルとして提供</a:t>
+            </a:r>
+            <a:endParaRPr lang="en-US" altLang="ja-JP" dirty="0" smtClean="0"/>
+          </a:p>
+          <a:p>
+            <a:pPr lvl="2"/>
+            <a:r>
+              <a:rPr lang="ja-JP" altLang="en-US" dirty="0" smtClean="0"/>
+              <a:t>プロセス間</a:t>
+            </a:r>
+            <a:r>
+              <a:rPr lang="ja-JP" altLang="en-US" dirty="0"/>
+              <a:t>通信</a:t>
+            </a:r>
+            <a:endParaRPr lang="en-US" altLang="ja-JP" dirty="0" smtClean="0"/>
+          </a:p>
+          <a:p>
+            <a:r>
+              <a:rPr kumimoji="1" lang="en-US" altLang="ja-JP" dirty="0" err="1" smtClean="0"/>
+              <a:t>IRuby</a:t>
+            </a:r>
+            <a:endParaRPr kumimoji="1" lang="en-US" altLang="ja-JP" dirty="0" smtClean="0"/>
+          </a:p>
+          <a:p>
+            <a:pPr lvl="1"/>
+            <a:r>
+              <a:rPr lang="en-US" altLang="ja-JP" dirty="0" err="1" smtClean="0"/>
+              <a:t>Jupyter</a:t>
+            </a:r>
+            <a:r>
+              <a:rPr lang="ja-JP" altLang="en-US" dirty="0" smtClean="0"/>
+              <a:t>の</a:t>
+            </a:r>
+            <a:r>
               <a:rPr lang="en-US" altLang="ja-JP" dirty="0" smtClean="0"/>
               <a:t>Ruby</a:t>
             </a:r>
             <a:r>
               <a:rPr lang="ja-JP" altLang="en-US" dirty="0" smtClean="0"/>
-              <a:t>に足りないとこ</a:t>
-            </a:r>
-            <a:r>
-              <a:rPr lang="ja-JP" altLang="en-US" dirty="0"/>
-              <a:t>ろ</a:t>
-            </a:r>
-            <a:endParaRPr kumimoji="1" lang="ja-JP" altLang="en-US" dirty="0"/>
-          </a:p>
-        </p:txBody>
-      </p:sp>
-      <p:sp>
-        <p:nvSpPr>
-          <p:cNvPr id="3" name="コンテンツ プレースホルダー 2"/>
-          <p:cNvSpPr>
-            <a:spLocks noGrp="1"/>
-          </p:cNvSpPr>
-          <p:nvPr>
-            <p:ph idx="1"/>
-          </p:nvPr>
-        </p:nvSpPr>
-        <p:spPr/>
-        <p:txBody>
-          <a:bodyPr/>
-          <a:lstStyle/>
-          <a:p>
+              <a:t>カーネル</a:t>
+            </a:r>
             <a:endParaRPr kumimoji="1" lang="ja-JP" altLang="en-US" dirty="0"/>
           </a:p>
         </p:txBody>
@@ -12355,7 +12766,7 @@
     </p:spTree>
     <p:extLst>
       <p:ext uri="{BB962C8B-B14F-4D97-AF65-F5344CB8AC3E}">
-        <p14:creationId xmlns:p14="http://schemas.microsoft.com/office/powerpoint/2010/main" val="1140151568"/>
+        <p14:creationId xmlns:p14="http://schemas.microsoft.com/office/powerpoint/2010/main" val="1471523091"/>
       </p:ext>
     </p:extLst>
   </p:cSld>
@@ -12406,15 +12817,7 @@
           <a:p>
             <a:r>
               <a:rPr lang="ja-JP" altLang="en-US" dirty="0"/>
-              <a:t>今後</a:t>
-            </a:r>
-            <a:r>
-              <a:rPr lang="ja-JP" altLang="en-US" dirty="0" smtClean="0"/>
-              <a:t>の</a:t>
-            </a:r>
-            <a:r>
-              <a:rPr lang="ja-JP" altLang="en-US" dirty="0"/>
-              <a:t>展望</a:t>
+              <a:t>デモ</a:t>
             </a:r>
             <a:endParaRPr kumimoji="1" lang="ja-JP" altLang="en-US" dirty="0"/>
           </a:p>
@@ -12446,7 +12849,7 @@
     </p:spTree>
     <p:extLst>
       <p:ext uri="{BB962C8B-B14F-4D97-AF65-F5344CB8AC3E}">
-        <p14:creationId xmlns:p14="http://schemas.microsoft.com/office/powerpoint/2010/main" val="811270252"/>
+        <p14:creationId xmlns:p14="http://schemas.microsoft.com/office/powerpoint/2010/main" val="1075475458"/>
       </p:ext>
     </p:extLst>
   </p:cSld>
@@ -12584,27 +12987,8 @@
           <a:p>
             <a:r>
               <a:rPr lang="ja-JP" altLang="en-US" dirty="0" smtClean="0"/>
-              <a:t>機能の拡充</a:t>
-            </a:r>
-            <a:endParaRPr kumimoji="1" lang="ja-JP" altLang="en-US" dirty="0"/>
-          </a:p>
-        </p:txBody>
-      </p:sp>
-      <p:sp>
-        <p:nvSpPr>
-          <p:cNvPr id="6" name="コンテンツ プレースホルダー 5"/>
-          <p:cNvSpPr>
-            <a:spLocks noGrp="1"/>
-          </p:cNvSpPr>
-          <p:nvPr>
-            <p:ph idx="1"/>
-          </p:nvPr>
-        </p:nvSpPr>
-        <p:spPr/>
-        <p:txBody>
-          <a:bodyPr/>
-          <a:lstStyle/>
-          <a:p>
+              <a:t>今後の課題</a:t>
+            </a:r>
             <a:endParaRPr kumimoji="1" lang="ja-JP" altLang="en-US" dirty="0"/>
           </a:p>
         </p:txBody>
@@ -12635,7 +13019,7 @@
     </p:spTree>
     <p:extLst>
       <p:ext uri="{BB962C8B-B14F-4D97-AF65-F5344CB8AC3E}">
-        <p14:creationId xmlns:p14="http://schemas.microsoft.com/office/powerpoint/2010/main" val="565505173"/>
+        <p14:creationId xmlns:p14="http://schemas.microsoft.com/office/powerpoint/2010/main" val="811270252"/>
       </p:ext>
     </p:extLst>
   </p:cSld>
@@ -12685,12 +13069,12 @@
           <a:lstStyle/>
           <a:p>
             <a:r>
-              <a:rPr lang="en-US" altLang="ja-JP" dirty="0" smtClean="0"/>
-              <a:t>DSL</a:t>
-            </a:r>
-            <a:r>
               <a:rPr lang="ja-JP" altLang="en-US" dirty="0" smtClean="0"/>
-              <a:t>の強化</a:t>
+              <a:t>機能</a:t>
+            </a:r>
+            <a:r>
+              <a:rPr lang="ja-JP" altLang="en-US" dirty="0" smtClean="0"/>
+              <a:t>追加・機能改善</a:t>
             </a:r>
             <a:endParaRPr kumimoji="1" lang="ja-JP" altLang="en-US" dirty="0"/>
           </a:p>
@@ -12711,6 +13095,76 @@
           <a:bodyPr/>
           <a:lstStyle/>
           <a:p>
+            <a:r>
+              <a:rPr kumimoji="1" lang="en-US" altLang="ja-JP" dirty="0" err="1" smtClean="0"/>
+              <a:t>daru</a:t>
+            </a:r>
+            <a:endParaRPr kumimoji="1" lang="en-US" altLang="ja-JP" dirty="0" smtClean="0"/>
+          </a:p>
+          <a:p>
+            <a:pPr lvl="1"/>
+            <a:r>
+              <a:rPr kumimoji="1" lang="ja-JP" altLang="en-US" dirty="0" smtClean="0"/>
+              <a:t>欠損値の扱い</a:t>
+            </a:r>
+            <a:endParaRPr kumimoji="1" lang="en-US" altLang="ja-JP" dirty="0" smtClean="0"/>
+          </a:p>
+          <a:p>
+            <a:pPr lvl="2"/>
+            <a:r>
+              <a:rPr lang="ja-JP" altLang="en-US" dirty="0" smtClean="0"/>
+              <a:t>チェックや穴埋め</a:t>
+            </a:r>
+            <a:endParaRPr kumimoji="1" lang="en-US" altLang="ja-JP" dirty="0" smtClean="0"/>
+          </a:p>
+          <a:p>
+            <a:pPr lvl="1"/>
+            <a:r>
+              <a:rPr lang="ja-JP" altLang="en-US" dirty="0" smtClean="0"/>
+              <a:t>時系列データの扱い</a:t>
+            </a:r>
+            <a:endParaRPr lang="en-US" altLang="ja-JP" dirty="0" smtClean="0"/>
+          </a:p>
+          <a:p>
+            <a:pPr lvl="2"/>
+            <a:r>
+              <a:rPr lang="ja-JP" altLang="en-US" dirty="0" smtClean="0"/>
+              <a:t>再サンプリング</a:t>
+            </a:r>
+            <a:endParaRPr lang="en-US" altLang="ja-JP" dirty="0" smtClean="0"/>
+          </a:p>
+          <a:p>
+            <a:pPr lvl="1"/>
+            <a:r>
+              <a:rPr lang="ja-JP" altLang="en-US" dirty="0" smtClean="0"/>
+              <a:t>統計量の計算</a:t>
+            </a:r>
+            <a:endParaRPr lang="en-US" altLang="ja-JP" dirty="0" smtClean="0"/>
+          </a:p>
+          <a:p>
+            <a:pPr lvl="2"/>
+            <a:r>
+              <a:rPr lang="ja-JP" altLang="en-US" dirty="0"/>
+              <a:t>共</a:t>
+            </a:r>
+            <a:r>
+              <a:rPr lang="ja-JP" altLang="en-US" dirty="0" smtClean="0"/>
+              <a:t>分散や相関係数</a:t>
+            </a:r>
+            <a:endParaRPr kumimoji="1" lang="en-US" altLang="ja-JP" dirty="0" smtClean="0"/>
+          </a:p>
+          <a:p>
+            <a:pPr lvl="1"/>
+            <a:r>
+              <a:rPr kumimoji="1" lang="ja-JP" altLang="en-US" dirty="0" smtClean="0"/>
+              <a:t>金融関係の機能</a:t>
+            </a:r>
+            <a:endParaRPr kumimoji="1" lang="en-US" altLang="ja-JP" dirty="0" smtClean="0"/>
+          </a:p>
+          <a:p>
+            <a:pPr marL="0" indent="0">
+              <a:buNone/>
+            </a:pPr>
             <a:endParaRPr kumimoji="1" lang="ja-JP" altLang="en-US" dirty="0"/>
           </a:p>
         </p:txBody>
@@ -12741,7 +13195,7 @@
     </p:spTree>
     <p:extLst>
       <p:ext uri="{BB962C8B-B14F-4D97-AF65-F5344CB8AC3E}">
-        <p14:creationId xmlns:p14="http://schemas.microsoft.com/office/powerpoint/2010/main" val="3539118332"/>
+        <p14:creationId xmlns:p14="http://schemas.microsoft.com/office/powerpoint/2010/main" val="565505173"/>
       </p:ext>
     </p:extLst>
   </p:cSld>
@@ -12791,12 +13245,8 @@
           <a:lstStyle/>
           <a:p>
             <a:r>
-              <a:rPr lang="ja-JP" altLang="en-US" dirty="0"/>
-              <a:t>計算</a:t>
-            </a:r>
-            <a:r>
               <a:rPr lang="ja-JP" altLang="en-US" dirty="0" smtClean="0"/>
-              <a:t>と可視化の統合</a:t>
+              <a:t>性能改善</a:t>
             </a:r>
             <a:endParaRPr kumimoji="1" lang="ja-JP" altLang="en-US" dirty="0"/>
           </a:p>
@@ -12817,6 +13267,57 @@
           <a:bodyPr/>
           <a:lstStyle/>
           <a:p>
+            <a:r>
+              <a:rPr lang="en-US" altLang="ja-JP" dirty="0" err="1" smtClean="0"/>
+              <a:t>NMatrix</a:t>
+            </a:r>
+            <a:endParaRPr lang="en-US" altLang="ja-JP" dirty="0" smtClean="0"/>
+          </a:p>
+          <a:p>
+            <a:pPr lvl="1"/>
+            <a:r>
+              <a:rPr lang="ja-JP" altLang="en-US" dirty="0"/>
+              <a:t>処理</a:t>
+            </a:r>
+            <a:r>
+              <a:rPr lang="ja-JP" altLang="en-US" dirty="0" smtClean="0"/>
+              <a:t>によって遅い？</a:t>
+            </a:r>
+            <a:endParaRPr lang="en-US" altLang="ja-JP" dirty="0" smtClean="0"/>
+          </a:p>
+          <a:p>
+            <a:r>
+              <a:rPr lang="en-US" altLang="ja-JP" dirty="0" err="1" smtClean="0"/>
+              <a:t>daru</a:t>
+            </a:r>
+            <a:endParaRPr lang="en-US" altLang="ja-JP" dirty="0" smtClean="0"/>
+          </a:p>
+          <a:p>
+            <a:pPr lvl="1"/>
+            <a:r>
+              <a:rPr lang="en-US" altLang="ja-JP" dirty="0" smtClean="0"/>
+              <a:t>GSL</a:t>
+            </a:r>
+            <a:r>
+              <a:rPr lang="ja-JP" altLang="en-US" dirty="0" smtClean="0"/>
+              <a:t>や</a:t>
+            </a:r>
+            <a:r>
+              <a:rPr lang="en-US" altLang="ja-JP" dirty="0" err="1" smtClean="0"/>
+              <a:t>NMatrix</a:t>
+            </a:r>
+            <a:r>
+              <a:rPr lang="ja-JP" altLang="en-US" dirty="0" smtClean="0"/>
+              <a:t>が利用できる場合はデフォルトで使う</a:t>
+            </a:r>
+            <a:endParaRPr lang="en-US" altLang="ja-JP" dirty="0" smtClean="0"/>
+          </a:p>
+          <a:p>
+            <a:pPr lvl="1"/>
+            <a:r>
+              <a:rPr kumimoji="1" lang="ja-JP" altLang="en-US" dirty="0" smtClean="0"/>
+              <a:t>ベクトル演算関数を暗黙的に利用する</a:t>
+            </a:r>
             <a:endParaRPr kumimoji="1" lang="ja-JP" altLang="en-US" dirty="0"/>
           </a:p>
         </p:txBody>
@@ -12847,7 +13348,7 @@
     </p:spTree>
     <p:extLst>
       <p:ext uri="{BB962C8B-B14F-4D97-AF65-F5344CB8AC3E}">
-        <p14:creationId xmlns:p14="http://schemas.microsoft.com/office/powerpoint/2010/main" val="3583640956"/>
+        <p14:creationId xmlns:p14="http://schemas.microsoft.com/office/powerpoint/2010/main" val="2932370937"/>
       </p:ext>
     </p:extLst>
   </p:cSld>
@@ -12897,6 +13398,400 @@
           <a:lstStyle/>
           <a:p>
             <a:r>
+              <a:rPr lang="en-US" altLang="ja-JP" dirty="0" smtClean="0"/>
+              <a:t>DSL</a:t>
+            </a:r>
+            <a:r>
+              <a:rPr lang="ja-JP" altLang="en-US" dirty="0" smtClean="0"/>
+              <a:t>の強化</a:t>
+            </a:r>
+            <a:endParaRPr kumimoji="1" lang="ja-JP" altLang="en-US" dirty="0"/>
+          </a:p>
+        </p:txBody>
+      </p:sp>
+      <p:sp>
+        <p:nvSpPr>
+          <p:cNvPr id="6" name="コンテンツ プレースホルダー 5"/>
+          <p:cNvSpPr>
+            <a:spLocks noGrp="1"/>
+          </p:cNvSpPr>
+          <p:nvPr>
+            <p:ph idx="1"/>
+          </p:nvPr>
+        </p:nvSpPr>
+        <p:spPr/>
+        <p:txBody>
+          <a:bodyPr/>
+          <a:lstStyle/>
+          <a:p>
+            <a:r>
+              <a:rPr kumimoji="1" lang="en-US" altLang="ja-JP" dirty="0" err="1" smtClean="0"/>
+              <a:t>daru</a:t>
+            </a:r>
+            <a:endParaRPr kumimoji="1" lang="en-US" altLang="ja-JP" dirty="0" smtClean="0"/>
+          </a:p>
+          <a:p>
+            <a:pPr lvl="1"/>
+            <a:r>
+              <a:rPr kumimoji="1" lang="en-US" altLang="ja-JP" dirty="0" smtClean="0"/>
+              <a:t>Daru::</a:t>
+            </a:r>
+            <a:r>
+              <a:rPr kumimoji="1" lang="en-US" altLang="ja-JP" dirty="0" err="1" smtClean="0"/>
+              <a:t>DataFrame#where</a:t>
+            </a:r>
+            <a:endParaRPr kumimoji="1" lang="en-US" altLang="ja-JP" dirty="0" smtClean="0"/>
+          </a:p>
+          <a:p>
+            <a:r>
+              <a:rPr lang="en-US" altLang="ja-JP" dirty="0" err="1" smtClean="0"/>
+              <a:t>SciRuby</a:t>
+            </a:r>
+            <a:endParaRPr lang="en-US" altLang="ja-JP" dirty="0" smtClean="0"/>
+          </a:p>
+          <a:p>
+            <a:pPr lvl="1"/>
+            <a:r>
+              <a:rPr kumimoji="1" lang="ja-JP" altLang="en-US" dirty="0" smtClean="0"/>
+              <a:t>関数を</a:t>
+            </a:r>
+            <a:r>
+              <a:rPr kumimoji="1" lang="en-US" altLang="ja-JP" dirty="0" smtClean="0"/>
+              <a:t>Ruby</a:t>
+            </a:r>
+            <a:r>
+              <a:rPr kumimoji="1" lang="ja-JP" altLang="en-US" dirty="0" smtClean="0"/>
+              <a:t>の式で表現</a:t>
+            </a:r>
+            <a:endParaRPr kumimoji="1" lang="en-US" altLang="ja-JP" dirty="0" smtClean="0"/>
+          </a:p>
+        </p:txBody>
+      </p:sp>
+      <p:sp>
+        <p:nvSpPr>
+          <p:cNvPr id="4" name="スライド番号プレースホルダー 3"/>
+          <p:cNvSpPr>
+            <a:spLocks noGrp="1"/>
+          </p:cNvSpPr>
+          <p:nvPr>
+            <p:ph type="sldNum" sz="quarter" idx="12"/>
+          </p:nvPr>
+        </p:nvSpPr>
+        <p:spPr/>
+        <p:txBody>
+          <a:bodyPr/>
+          <a:lstStyle/>
+          <a:p>
+            <a:fld id="{D2D8002D-B5B0-4BAC-B1F6-782DDCCE6D9C}" type="slidenum">
+              <a:rPr kumimoji="1" lang="ja-JP" altLang="en-US" smtClean="0"/>
+              <a:t>32</a:t>
+            </a:fld>
+            <a:endParaRPr kumimoji="1" lang="ja-JP" altLang="en-US" dirty="0"/>
+          </a:p>
+        </p:txBody>
+      </p:sp>
+    </p:spTree>
+    <p:extLst>
+      <p:ext uri="{BB962C8B-B14F-4D97-AF65-F5344CB8AC3E}">
+        <p14:creationId xmlns:p14="http://schemas.microsoft.com/office/powerpoint/2010/main" val="3539118332"/>
+      </p:ext>
+    </p:extLst>
+  </p:cSld>
+  <p:clrMapOvr>
+    <a:masterClrMapping/>
+  </p:clrMapOvr>
+  <p:timing>
+    <p:tnLst>
+      <p:par>
+        <p:cTn id="1" dur="indefinite" restart="never" nodeType="tmRoot"/>
+      </p:par>
+    </p:tnLst>
+  </p:timing>
+</p:sld>
+</file>
+
+<file path=ppt/slides/slide34.xml><?xml version="1.0" encoding="utf-8"?>
+<p:sld xmlns:a="http://schemas.openxmlformats.org/drawingml/2006/main" xmlns:r="http://schemas.openxmlformats.org/officeDocument/2006/relationships" xmlns:p="http://schemas.openxmlformats.org/presentationml/2006/main">
+  <p:cSld>
+    <p:spTree>
+      <p:nvGrpSpPr>
+        <p:cNvPr id="1" name=""/>
+        <p:cNvGrpSpPr/>
+        <p:nvPr/>
+      </p:nvGrpSpPr>
+      <p:grpSpPr>
+        <a:xfrm>
+          <a:off x="0" y="0"/>
+          <a:ext cx="0" cy="0"/>
+          <a:chOff x="0" y="0"/>
+          <a:chExt cx="0" cy="0"/>
+        </a:xfrm>
+      </p:grpSpPr>
+      <p:sp>
+        <p:nvSpPr>
+          <p:cNvPr id="2" name="タイトル 1"/>
+          <p:cNvSpPr>
+            <a:spLocks noGrp="1"/>
+          </p:cNvSpPr>
+          <p:nvPr>
+            <p:ph type="title"/>
+          </p:nvPr>
+        </p:nvSpPr>
+        <p:spPr/>
+        <p:txBody>
+          <a:bodyPr/>
+          <a:lstStyle/>
+          <a:p>
+            <a:r>
+              <a:rPr kumimoji="1" lang="en-US" altLang="ja-JP" dirty="0" smtClean="0"/>
+              <a:t>Refinements</a:t>
+            </a:r>
+            <a:r>
+              <a:rPr kumimoji="1" lang="ja-JP" altLang="en-US" dirty="0" smtClean="0"/>
+              <a:t>による拡張</a:t>
+            </a:r>
+            <a:endParaRPr kumimoji="1" lang="ja-JP" altLang="en-US" dirty="0"/>
+          </a:p>
+        </p:txBody>
+      </p:sp>
+      <p:sp>
+        <p:nvSpPr>
+          <p:cNvPr id="6" name="コンテンツ プレースホルダー 5"/>
+          <p:cNvSpPr>
+            <a:spLocks noGrp="1"/>
+          </p:cNvSpPr>
+          <p:nvPr>
+            <p:ph idx="1"/>
+          </p:nvPr>
+        </p:nvSpPr>
+        <p:spPr/>
+        <p:txBody>
+          <a:bodyPr/>
+          <a:lstStyle/>
+          <a:p>
+            <a:pPr marL="0" indent="0">
+              <a:buNone/>
+            </a:pPr>
+            <a:endParaRPr kumimoji="1" lang="en-US" altLang="ja-JP" dirty="0" smtClean="0"/>
+          </a:p>
+        </p:txBody>
+      </p:sp>
+      <p:sp>
+        <p:nvSpPr>
+          <p:cNvPr id="4" name="スライド番号プレースホルダー 3"/>
+          <p:cNvSpPr>
+            <a:spLocks noGrp="1"/>
+          </p:cNvSpPr>
+          <p:nvPr>
+            <p:ph type="sldNum" sz="quarter" idx="12"/>
+          </p:nvPr>
+        </p:nvSpPr>
+        <p:spPr/>
+        <p:txBody>
+          <a:bodyPr/>
+          <a:lstStyle/>
+          <a:p>
+            <a:fld id="{D2D8002D-B5B0-4BAC-B1F6-782DDCCE6D9C}" type="slidenum">
+              <a:rPr kumimoji="1" lang="ja-JP" altLang="en-US" smtClean="0"/>
+              <a:t>33</a:t>
+            </a:fld>
+            <a:endParaRPr kumimoji="1" lang="ja-JP" altLang="en-US" dirty="0"/>
+          </a:p>
+        </p:txBody>
+      </p:sp>
+    </p:spTree>
+    <p:extLst>
+      <p:ext uri="{BB962C8B-B14F-4D97-AF65-F5344CB8AC3E}">
+        <p14:creationId xmlns:p14="http://schemas.microsoft.com/office/powerpoint/2010/main" val="2460615494"/>
+      </p:ext>
+    </p:extLst>
+  </p:cSld>
+  <p:clrMapOvr>
+    <a:masterClrMapping/>
+  </p:clrMapOvr>
+  <p:timing>
+    <p:tnLst>
+      <p:par>
+        <p:cTn id="1" dur="indefinite" restart="never" nodeType="tmRoot"/>
+      </p:par>
+    </p:tnLst>
+  </p:timing>
+</p:sld>
+</file>
+
+<file path=ppt/slides/slide35.xml><?xml version="1.0" encoding="utf-8"?>
+<p:sld xmlns:a="http://schemas.openxmlformats.org/drawingml/2006/main" xmlns:r="http://schemas.openxmlformats.org/officeDocument/2006/relationships" xmlns:p="http://schemas.openxmlformats.org/presentationml/2006/main">
+  <p:cSld>
+    <p:spTree>
+      <p:nvGrpSpPr>
+        <p:cNvPr id="1" name=""/>
+        <p:cNvGrpSpPr/>
+        <p:nvPr/>
+      </p:nvGrpSpPr>
+      <p:grpSpPr>
+        <a:xfrm>
+          <a:off x="0" y="0"/>
+          <a:ext cx="0" cy="0"/>
+          <a:chOff x="0" y="0"/>
+          <a:chExt cx="0" cy="0"/>
+        </a:xfrm>
+      </p:grpSpPr>
+      <p:sp>
+        <p:nvSpPr>
+          <p:cNvPr id="2" name="タイトル 1"/>
+          <p:cNvSpPr>
+            <a:spLocks noGrp="1"/>
+          </p:cNvSpPr>
+          <p:nvPr>
+            <p:ph type="title"/>
+          </p:nvPr>
+        </p:nvSpPr>
+        <p:spPr/>
+        <p:txBody>
+          <a:bodyPr/>
+          <a:lstStyle/>
+          <a:p>
+            <a:r>
+              <a:rPr lang="ja-JP" altLang="en-US" dirty="0"/>
+              <a:t>計算</a:t>
+            </a:r>
+            <a:r>
+              <a:rPr lang="ja-JP" altLang="en-US" dirty="0" smtClean="0"/>
+              <a:t>と可視化の統合</a:t>
+            </a:r>
+            <a:endParaRPr kumimoji="1" lang="ja-JP" altLang="en-US" dirty="0"/>
+          </a:p>
+        </p:txBody>
+      </p:sp>
+      <p:sp>
+        <p:nvSpPr>
+          <p:cNvPr id="6" name="コンテンツ プレースホルダー 5"/>
+          <p:cNvSpPr>
+            <a:spLocks noGrp="1"/>
+          </p:cNvSpPr>
+          <p:nvPr>
+            <p:ph idx="1"/>
+          </p:nvPr>
+        </p:nvSpPr>
+        <p:spPr/>
+        <p:txBody>
+          <a:bodyPr/>
+          <a:lstStyle/>
+          <a:p>
+            <a:r>
+              <a:rPr kumimoji="1" lang="en-US" altLang="ja-JP" dirty="0" err="1" smtClean="0"/>
+              <a:t>daru</a:t>
+            </a:r>
+            <a:r>
+              <a:rPr kumimoji="1" lang="ja-JP" altLang="en-US" dirty="0" smtClean="0"/>
+              <a:t>は</a:t>
+            </a:r>
+            <a:r>
+              <a:rPr kumimoji="1" lang="en-US" altLang="ja-JP" dirty="0" err="1" smtClean="0"/>
+              <a:t>Nyaplot</a:t>
+            </a:r>
+            <a:r>
+              <a:rPr kumimoji="1" lang="ja-JP" altLang="en-US" dirty="0" smtClean="0"/>
+              <a:t>を使用しているが、</a:t>
+            </a:r>
+            <a:r>
+              <a:rPr kumimoji="1" lang="en-US" altLang="ja-JP" dirty="0" err="1" smtClean="0"/>
+              <a:t>statsample</a:t>
+            </a:r>
+            <a:r>
+              <a:rPr kumimoji="1" lang="ja-JP" altLang="en-US" dirty="0" smtClean="0"/>
+              <a:t>などは使用していない</a:t>
+            </a:r>
+            <a:endParaRPr kumimoji="1" lang="en-US" altLang="ja-JP" dirty="0" smtClean="0"/>
+          </a:p>
+          <a:p>
+            <a:r>
+              <a:rPr lang="ja-JP" altLang="en-US" dirty="0" smtClean="0"/>
+              <a:t>計測データと理論値の重ね合わせが面倒</a:t>
+            </a:r>
+            <a:endParaRPr kumimoji="1" lang="en-US" altLang="ja-JP" dirty="0" smtClean="0"/>
+          </a:p>
+          <a:p>
+            <a:endParaRPr kumimoji="1" lang="ja-JP" altLang="en-US" dirty="0"/>
+          </a:p>
+        </p:txBody>
+      </p:sp>
+      <p:sp>
+        <p:nvSpPr>
+          <p:cNvPr id="4" name="スライド番号プレースホルダー 3"/>
+          <p:cNvSpPr>
+            <a:spLocks noGrp="1"/>
+          </p:cNvSpPr>
+          <p:nvPr>
+            <p:ph type="sldNum" sz="quarter" idx="12"/>
+          </p:nvPr>
+        </p:nvSpPr>
+        <p:spPr/>
+        <p:txBody>
+          <a:bodyPr/>
+          <a:lstStyle/>
+          <a:p>
+            <a:fld id="{D2D8002D-B5B0-4BAC-B1F6-782DDCCE6D9C}" type="slidenum">
+              <a:rPr kumimoji="1" lang="ja-JP" altLang="en-US" smtClean="0"/>
+              <a:t>34</a:t>
+            </a:fld>
+            <a:endParaRPr kumimoji="1" lang="ja-JP" altLang="en-US" dirty="0"/>
+          </a:p>
+        </p:txBody>
+      </p:sp>
+    </p:spTree>
+    <p:extLst>
+      <p:ext uri="{BB962C8B-B14F-4D97-AF65-F5344CB8AC3E}">
+        <p14:creationId xmlns:p14="http://schemas.microsoft.com/office/powerpoint/2010/main" val="3583640956"/>
+      </p:ext>
+    </p:extLst>
+  </p:cSld>
+  <p:clrMapOvr>
+    <a:masterClrMapping/>
+  </p:clrMapOvr>
+  <p:timing>
+    <p:tnLst>
+      <p:par>
+        <p:cTn id="1" dur="indefinite" restart="never" nodeType="tmRoot"/>
+      </p:par>
+    </p:tnLst>
+  </p:timing>
+</p:sld>
+</file>
+
+<file path=ppt/slides/slide36.xml><?xml version="1.0" encoding="utf-8"?>
+<p:sld xmlns:a="http://schemas.openxmlformats.org/drawingml/2006/main" xmlns:r="http://schemas.openxmlformats.org/officeDocument/2006/relationships" xmlns:p="http://schemas.openxmlformats.org/presentationml/2006/main">
+  <p:cSld>
+    <p:spTree>
+      <p:nvGrpSpPr>
+        <p:cNvPr id="1" name=""/>
+        <p:cNvGrpSpPr/>
+        <p:nvPr/>
+      </p:nvGrpSpPr>
+      <p:grpSpPr>
+        <a:xfrm>
+          <a:off x="0" y="0"/>
+          <a:ext cx="0" cy="0"/>
+          <a:chOff x="0" y="0"/>
+          <a:chExt cx="0" cy="0"/>
+        </a:xfrm>
+      </p:grpSpPr>
+      <p:sp>
+        <p:nvSpPr>
+          <p:cNvPr id="2" name="タイトル 1"/>
+          <p:cNvSpPr>
+            <a:spLocks noGrp="1"/>
+          </p:cNvSpPr>
+          <p:nvPr>
+            <p:ph type="title"/>
+          </p:nvPr>
+        </p:nvSpPr>
+        <p:spPr/>
+        <p:txBody>
+          <a:bodyPr/>
+          <a:lstStyle/>
+          <a:p>
+            <a:r>
               <a:rPr kumimoji="1" lang="en-US" altLang="ja-JP" dirty="0" smtClean="0"/>
               <a:t>References</a:t>
             </a:r>
@@ -13057,7 +13952,7 @@
           <a:p>
             <a:fld id="{D2D8002D-B5B0-4BAC-B1F6-782DDCCE6D9C}" type="slidenum">
               <a:rPr kumimoji="1" lang="ja-JP" altLang="en-US" smtClean="0"/>
-              <a:t>32</a:t>
+              <a:t>35</a:t>
             </a:fld>
             <a:endParaRPr kumimoji="1" lang="ja-JP" altLang="en-US" dirty="0"/>
           </a:p>

--- a/ruby_data_analysis.pptx
+++ b/ruby_data_analysis.pptx
@@ -11166,6 +11166,127 @@
       </p:sp>
       <p:sp>
         <p:nvSpPr>
+          <p:cNvPr id="8" name="コンテンツ プレースホルダー 7"/>
+          <p:cNvSpPr>
+            <a:spLocks noGrp="1"/>
+          </p:cNvSpPr>
+          <p:nvPr>
+            <p:ph idx="1"/>
+          </p:nvPr>
+        </p:nvSpPr>
+        <p:spPr/>
+        <p:txBody>
+          <a:bodyPr/>
+          <a:lstStyle/>
+          <a:p>
+            <a:endParaRPr kumimoji="1" lang="en-US" altLang="ja-JP" dirty="0" smtClean="0"/>
+          </a:p>
+          <a:p>
+            <a:endParaRPr lang="en-US" altLang="ja-JP" dirty="0"/>
+          </a:p>
+          <a:p>
+            <a:endParaRPr kumimoji="1" lang="en-US" altLang="ja-JP" dirty="0" smtClean="0"/>
+          </a:p>
+          <a:p>
+            <a:endParaRPr lang="en-US" altLang="ja-JP" dirty="0"/>
+          </a:p>
+          <a:p>
+            <a:endParaRPr kumimoji="1" lang="en-US" altLang="ja-JP" dirty="0" smtClean="0"/>
+          </a:p>
+          <a:p>
+            <a:endParaRPr lang="en-US" altLang="ja-JP" dirty="0"/>
+          </a:p>
+          <a:p>
+            <a:endParaRPr kumimoji="1" lang="en-US" altLang="ja-JP" dirty="0" smtClean="0"/>
+          </a:p>
+          <a:p>
+            <a:pPr marL="114300" lvl="1" indent="0">
+              <a:buNone/>
+            </a:pPr>
+            <a:r>
+              <a:rPr lang="ja-JP" altLang="en-US" sz="1200" dirty="0" smtClean="0"/>
+              <a:t>左</a:t>
+            </a:r>
+            <a:r>
+              <a:rPr lang="en-US" altLang="ja-JP" sz="1200" dirty="0" smtClean="0"/>
+              <a:t>: </a:t>
+            </a:r>
+            <a:r>
+              <a:rPr lang="ja-JP" altLang="en-US" sz="1200" dirty="0" smtClean="0"/>
+              <a:t>安定分布の確率密度関数</a:t>
+            </a:r>
+            <a:endParaRPr lang="en-US" altLang="ja-JP" sz="1200" dirty="0" smtClean="0"/>
+          </a:p>
+          <a:p>
+            <a:pPr marL="114300" lvl="1" indent="0">
+              <a:buNone/>
+            </a:pPr>
+            <a:r>
+              <a:rPr lang="en-US" altLang="ja-JP" sz="1200" dirty="0" smtClean="0"/>
+              <a:t>https</a:t>
+            </a:r>
+            <a:r>
+              <a:rPr lang="en-US" altLang="ja-JP" sz="1200" dirty="0"/>
+              <a:t>://</a:t>
+            </a:r>
+            <a:r>
+              <a:rPr lang="en-US" altLang="ja-JP" sz="1200" dirty="0" smtClean="0"/>
+              <a:t>commons.wikimedia.org/wiki/File:Levy_distributionPDF.png </a:t>
+            </a:r>
+            <a:r>
+              <a:rPr lang="ja-JP" altLang="en-US" sz="1200" dirty="0"/>
+              <a:t> </a:t>
+            </a:r>
+            <a:r>
+              <a:rPr lang="en-US" altLang="ja-JP" sz="1200" dirty="0" smtClean="0"/>
+              <a:t>public domain by PAR</a:t>
+            </a:r>
+          </a:p>
+          <a:p>
+            <a:pPr marL="114300" lvl="1" indent="0">
+              <a:buNone/>
+            </a:pPr>
+            <a:r>
+              <a:rPr lang="ja-JP" altLang="en-US" sz="1200" dirty="0" smtClean="0"/>
+              <a:t>右</a:t>
+            </a:r>
+            <a:r>
+              <a:rPr lang="en-US" altLang="ja-JP" sz="1200" dirty="0" smtClean="0"/>
+              <a:t>: </a:t>
+            </a:r>
+            <a:r>
+              <a:rPr lang="ja-JP" altLang="en-US" sz="1200" dirty="0" smtClean="0"/>
+              <a:t>安定</a:t>
+            </a:r>
+            <a:r>
+              <a:rPr lang="ja-JP" altLang="en-US" sz="1200" dirty="0"/>
+              <a:t>分布</a:t>
+            </a:r>
+            <a:r>
+              <a:rPr lang="ja-JP" altLang="en-US" sz="1200" dirty="0" smtClean="0"/>
+              <a:t>の累積分布関数</a:t>
+            </a:r>
+            <a:endParaRPr lang="en-US" altLang="ja-JP" sz="1200" dirty="0" smtClean="0"/>
+          </a:p>
+          <a:p>
+            <a:pPr marL="114300" lvl="1" indent="0">
+              <a:buNone/>
+            </a:pPr>
+            <a:r>
+              <a:rPr lang="en-US" altLang="ja-JP" sz="1200" dirty="0" smtClean="0"/>
+              <a:t>https://commons.wikimedia.org/wiki/File:Levy_distributionCDF.png  CC-BY-SA 3.0 by PAR</a:t>
+            </a:r>
+          </a:p>
+          <a:p>
+            <a:pPr marL="114300" lvl="1" indent="0">
+              <a:buNone/>
+            </a:pPr>
+            <a:endParaRPr kumimoji="1" lang="ja-JP" altLang="en-US" sz="1200" dirty="0"/>
+          </a:p>
+        </p:txBody>
+      </p:sp>
+      <p:sp>
+        <p:nvSpPr>
           <p:cNvPr id="4" name="スライド番号プレースホルダー 3"/>
           <p:cNvSpPr>
             <a:spLocks noGrp="1"/>
@@ -11209,7 +11330,7 @@
         </p:blipFill>
         <p:spPr>
           <a:xfrm>
-            <a:off x="457200" y="2611614"/>
+            <a:off x="457200" y="1772816"/>
             <a:ext cx="3851920" cy="2888940"/>
           </a:xfrm>
           <a:prstGeom prst="rect">
@@ -11239,7 +11360,7 @@
         </p:blipFill>
         <p:spPr>
           <a:xfrm>
-            <a:off x="4425156" y="2611614"/>
+            <a:off x="4425156" y="1772816"/>
             <a:ext cx="3830603" cy="2872952"/>
           </a:xfrm>
           <a:prstGeom prst="rect">
@@ -13811,7 +13932,9 @@
         </p:nvSpPr>
         <p:spPr/>
         <p:txBody>
-          <a:bodyPr/>
+          <a:bodyPr>
+            <a:normAutofit lnSpcReduction="10000"/>
+          </a:bodyPr>
           <a:lstStyle/>
           <a:p>
             <a:r>
@@ -13867,6 +13990,59 @@
               <a:rPr lang="en-US" altLang="ja-JP" dirty="0" smtClean="0"/>
               <a:t>1959</a:t>
             </a:r>
+          </a:p>
+          <a:p>
+            <a:r>
+              <a:rPr lang="en-US" altLang="ja-JP" dirty="0"/>
+              <a:t>Benoit Mandelbrot,</a:t>
+            </a:r>
+            <a:r>
+              <a:rPr lang="ja-JP" altLang="en-US" dirty="0"/>
+              <a:t> </a:t>
+            </a:r>
+            <a:r>
+              <a:rPr lang="en-US" altLang="ja-JP" i="1" dirty="0"/>
+              <a:t>The Variation of Certain Speculative Prices</a:t>
+            </a:r>
+            <a:r>
+              <a:rPr lang="en-US" altLang="ja-JP" dirty="0"/>
+              <a:t>, </a:t>
+            </a:r>
+            <a:r>
+              <a:rPr lang="en-US" altLang="ja-JP" dirty="0" err="1"/>
+              <a:t>Jounal</a:t>
+            </a:r>
+            <a:r>
+              <a:rPr lang="en-US" altLang="ja-JP" dirty="0"/>
+              <a:t> of Business, 1963</a:t>
+            </a:r>
+          </a:p>
+          <a:p>
+            <a:r>
+              <a:rPr lang="en-US" altLang="ja-JP" dirty="0"/>
+              <a:t>Benoit Mandelbrot, </a:t>
+            </a:r>
+            <a:r>
+              <a:rPr lang="en-US" altLang="ja-JP" i="1" dirty="0"/>
+              <a:t>The Variation of Other Speculative Prices</a:t>
+            </a:r>
+            <a:r>
+              <a:rPr lang="en-US" altLang="ja-JP" dirty="0"/>
+              <a:t>, </a:t>
+            </a:r>
+            <a:r>
+              <a:rPr lang="en-US" altLang="ja-JP" dirty="0" err="1"/>
+              <a:t>Jounal</a:t>
+            </a:r>
+            <a:r>
+              <a:rPr lang="en-US" altLang="ja-JP" dirty="0"/>
+              <a:t> of Business, </a:t>
+            </a:r>
+            <a:r>
+              <a:rPr lang="en-US" altLang="ja-JP" dirty="0" smtClean="0"/>
+              <a:t>1967</a:t>
+            </a:r>
+            <a:endParaRPr lang="en-US" altLang="ja-JP" dirty="0" smtClean="0"/>
           </a:p>
           <a:p>
             <a:r>

--- a/ruby_data_analysis.pptx
+++ b/ruby_data_analysis.pptx
@@ -243,7 +243,7 @@
           <a:p>
             <a:fld id="{D487E916-6975-4384-9337-33685829E0C9}" type="datetimeFigureOut">
               <a:rPr kumimoji="1" lang="ja-JP" altLang="en-US" smtClean="0"/>
-              <a:t>2016/2/7</a:t>
+              <a:t>2016/2/8</a:t>
             </a:fld>
             <a:endParaRPr kumimoji="1" lang="ja-JP" altLang="en-US"/>
           </a:p>
@@ -820,7 +820,7 @@
           <a:p>
             <a:fld id="{B5388ABC-ED38-449A-A1DD-0DF95F307DC2}" type="datetime1">
               <a:rPr kumimoji="1" lang="ja-JP" altLang="en-US" smtClean="0"/>
-              <a:t>2016/2/7</a:t>
+              <a:t>2016/2/8</a:t>
             </a:fld>
             <a:endParaRPr kumimoji="1" lang="ja-JP" altLang="en-US"/>
           </a:p>
@@ -1123,7 +1123,7 @@
           <a:p>
             <a:fld id="{91CAC327-6D45-4D23-90A2-B9A399787324}" type="datetime1">
               <a:rPr kumimoji="1" lang="ja-JP" altLang="en-US" smtClean="0"/>
-              <a:t>2016/2/7</a:t>
+              <a:t>2016/2/8</a:t>
             </a:fld>
             <a:endParaRPr kumimoji="1" lang="ja-JP" altLang="en-US"/>
           </a:p>
@@ -1330,7 +1330,7 @@
           <a:p>
             <a:fld id="{3D906796-C748-481D-9956-8BC21ED8B961}" type="datetime1">
               <a:rPr kumimoji="1" lang="ja-JP" altLang="en-US" smtClean="0"/>
-              <a:t>2016/2/7</a:t>
+              <a:t>2016/2/8</a:t>
             </a:fld>
             <a:endParaRPr kumimoji="1" lang="ja-JP" altLang="en-US"/>
           </a:p>
@@ -1536,7 +1536,7 @@
           <a:p>
             <a:fld id="{B695D9CF-C22D-467F-8463-26D3739C5D01}" type="datetime1">
               <a:rPr kumimoji="1" lang="ja-JP" altLang="en-US" smtClean="0"/>
-              <a:t>2016/2/7</a:t>
+              <a:t>2016/2/8</a:t>
             </a:fld>
             <a:endParaRPr kumimoji="1" lang="ja-JP" altLang="en-US"/>
           </a:p>
@@ -1827,7 +1827,7 @@
           <a:p>
             <a:fld id="{DDC49C62-652C-4310-89A5-F5582EA05BD5}" type="datetime1">
               <a:rPr kumimoji="1" lang="ja-JP" altLang="en-US" smtClean="0"/>
-              <a:t>2016/2/7</a:t>
+              <a:t>2016/2/8</a:t>
             </a:fld>
             <a:endParaRPr kumimoji="1" lang="ja-JP" altLang="en-US"/>
           </a:p>
@@ -2181,7 +2181,7 @@
           <a:p>
             <a:fld id="{77F02D97-5319-407B-AE83-52A9E5E3516E}" type="datetime1">
               <a:rPr kumimoji="1" lang="ja-JP" altLang="en-US" smtClean="0"/>
-              <a:t>2016/2/7</a:t>
+              <a:t>2016/2/8</a:t>
             </a:fld>
             <a:endParaRPr kumimoji="1" lang="ja-JP" altLang="en-US"/>
           </a:p>
@@ -2684,7 +2684,7 @@
           <a:p>
             <a:fld id="{61838B8B-A3B0-42B0-B1A9-79E7B91BD749}" type="datetime1">
               <a:rPr kumimoji="1" lang="ja-JP" altLang="en-US" smtClean="0"/>
-              <a:t>2016/2/7</a:t>
+              <a:t>2016/2/8</a:t>
             </a:fld>
             <a:endParaRPr kumimoji="1" lang="ja-JP" altLang="en-US"/>
           </a:p>
@@ -2808,7 +2808,7 @@
           <a:p>
             <a:fld id="{48452345-ACDF-4111-BC74-9EF178BC4C0B}" type="datetime1">
               <a:rPr kumimoji="1" lang="ja-JP" altLang="en-US" smtClean="0"/>
-              <a:t>2016/2/7</a:t>
+              <a:t>2016/2/8</a:t>
             </a:fld>
             <a:endParaRPr kumimoji="1" lang="ja-JP" altLang="en-US"/>
           </a:p>
@@ -2903,7 +2903,7 @@
           <a:p>
             <a:fld id="{279E7A1E-F7AD-4AA2-98BA-00D07373F8F1}" type="datetime1">
               <a:rPr kumimoji="1" lang="ja-JP" altLang="en-US" smtClean="0"/>
-              <a:t>2016/2/7</a:t>
+              <a:t>2016/2/8</a:t>
             </a:fld>
             <a:endParaRPr kumimoji="1" lang="ja-JP" altLang="en-US"/>
           </a:p>
@@ -3177,7 +3177,7 @@
           <a:p>
             <a:fld id="{9EE84142-7102-40A9-93B8-BC72B66FDCE1}" type="datetime1">
               <a:rPr kumimoji="1" lang="ja-JP" altLang="en-US" smtClean="0"/>
-              <a:t>2016/2/7</a:t>
+              <a:t>2016/2/8</a:t>
             </a:fld>
             <a:endParaRPr kumimoji="1" lang="ja-JP" altLang="en-US"/>
           </a:p>
@@ -3471,7 +3471,7 @@
           <a:p>
             <a:fld id="{3EF183A7-9963-4F31-A817-956200720A74}" type="datetime1">
               <a:rPr kumimoji="1" lang="ja-JP" altLang="en-US" smtClean="0"/>
-              <a:t>2016/2/7</a:t>
+              <a:t>2016/2/8</a:t>
             </a:fld>
             <a:endParaRPr kumimoji="1" lang="ja-JP" altLang="en-US"/>
           </a:p>
@@ -3797,7 +3797,7 @@
           <a:p>
             <a:fld id="{B376DA05-110D-4AAD-973D-FA506FA2E8AC}" type="datetime1">
               <a:rPr kumimoji="1" lang="ja-JP" altLang="en-US" smtClean="0"/>
-              <a:t>2016/2/7</a:t>
+              <a:t>2016/2/8</a:t>
             </a:fld>
             <a:endParaRPr kumimoji="1" lang="ja-JP" altLang="en-US"/>
           </a:p>
@@ -5192,8 +5192,8 @@
           </a:p>
         </p:txBody>
       </p:sp>
-      <mc:AlternateContent xmlns:mc="http://schemas.openxmlformats.org/markup-compatibility/2006" xmlns:a14="http://schemas.microsoft.com/office/drawing/2010/main">
-        <mc:Choice Requires="a14">
+      <mc:AlternateContent xmlns:mc="http://schemas.openxmlformats.org/markup-compatibility/2006">
+        <mc:Choice xmlns:a14="http://schemas.microsoft.com/office/drawing/2010/main" Requires="a14">
           <p:sp>
             <p:nvSpPr>
               <p:cNvPr id="3" name="コンテンツ プレースホルダー 2"/>
@@ -5468,22 +5468,39 @@
               <a:p>
                 <a:pPr lvl="1"/>
                 <a:r>
+                  <a:rPr lang="en-US" altLang="ja-JP" dirty="0" smtClean="0"/>
+                  <a:t>x</a:t>
+                </a:r>
+                <a:r>
                   <a:rPr lang="ja-JP" altLang="en-US" dirty="0" smtClean="0"/>
-                  <a:t>定積分（面積）が確率</a:t>
+                  <a:t>の</a:t>
+                </a:r>
+                <a:r>
+                  <a:rPr lang="ja-JP" altLang="en-US" dirty="0"/>
+                  <a:t>範囲の</a:t>
+                </a:r>
+                <a:r>
+                  <a:rPr lang="ja-JP" altLang="en-US" dirty="0" smtClean="0"/>
+                  <a:t>面積 </a:t>
+                </a:r>
+                <a:r>
+                  <a:rPr lang="en-US" altLang="ja-JP" dirty="0" smtClean="0"/>
+                  <a:t>=</a:t>
+                </a:r>
+                <a:r>
+                  <a:rPr lang="ja-JP" altLang="en-US" dirty="0" smtClean="0"/>
+                  <a:t> 確率</a:t>
                 </a:r>
                 <a:endParaRPr lang="en-US" altLang="ja-JP" dirty="0" smtClean="0"/>
               </a:p>
               <a:p>
                 <a:r>
                   <a:rPr lang="ja-JP" altLang="en-US" dirty="0" smtClean="0"/>
-                  <a:t>計算で扱いやすい</a:t>
+                  <a:t>正規</a:t>
                 </a:r>
-                <a:endParaRPr lang="en-US" altLang="ja-JP" dirty="0" smtClean="0"/>
-              </a:p>
-              <a:p>
                 <a:r>
                   <a:rPr lang="ja-JP" altLang="en-US" dirty="0" smtClean="0"/>
-                  <a:t>サンプル数を増やすと平均が</a:t>
+                  <a:t>分布で近似できる対象が</a:t>
                 </a:r>
                 <a:r>
                   <a:rPr lang="en-US" altLang="ja-JP" dirty="0" smtClean="0"/>
@@ -5494,90 +5511,31 @@
                 </a:br>
                 <a:r>
                   <a:rPr lang="ja-JP" altLang="en-US" dirty="0" smtClean="0"/>
-                  <a:t>収束（大数の法則）</a:t>
+                  <a:t>多い</a:t>
                 </a:r>
                 <a:endParaRPr lang="en-US" altLang="ja-JP" dirty="0" smtClean="0"/>
               </a:p>
               <a:p>
                 <a:r>
-                  <a:rPr lang="ja-JP" altLang="en-US" dirty="0" smtClean="0"/>
-                  <a:t>正規分布で近似できる対象が</a:t>
+                  <a:rPr lang="ja-JP" altLang="en-US" dirty="0"/>
+                  <a:t>サンプル数を増やすと平均が</a:t>
                 </a:r>
                 <a:r>
-                  <a:rPr lang="en-US" altLang="ja-JP" dirty="0" smtClean="0"/>
+                  <a:rPr lang="en-US" altLang="ja-JP" dirty="0"/>
                   <a:t/>
                 </a:r>
                 <a:br>
-                  <a:rPr lang="en-US" altLang="ja-JP" dirty="0" smtClean="0"/>
+                  <a:rPr lang="en-US" altLang="ja-JP" dirty="0"/>
                 </a:br>
                 <a:r>
                   <a:rPr lang="ja-JP" altLang="en-US" dirty="0" smtClean="0"/>
-                  <a:t>多い（中心極限定理）</a:t>
+                  <a:t>期待値に収束</a:t>
                 </a:r>
-                <a:endParaRPr lang="en-US" altLang="ja-JP" dirty="0" smtClean="0"/>
-              </a:p>
-              <a:p>
-                <a14:m>
-                  <m:oMath xmlns:m="http://schemas.openxmlformats.org/officeDocument/2006/math">
-                    <m:r>
-                      <a:rPr lang="ja-JP" altLang="en-US" i="1" smtClean="0">
-                        <a:latin typeface="Cambria Math" panose="02040503050406030204" pitchFamily="18" charset="0"/>
-                      </a:rPr>
-                      <m:t>𝝁</m:t>
-                    </m:r>
-                    <m:r>
-                      <a:rPr lang="en-US" altLang="ja-JP" i="1" smtClean="0">
-                        <a:latin typeface="Cambria Math" panose="02040503050406030204" pitchFamily="18" charset="0"/>
-                        <a:ea typeface="Cambria Math" panose="02040503050406030204" pitchFamily="18" charset="0"/>
-                      </a:rPr>
-                      <m:t>=</m:t>
-                    </m:r>
-                    <m:r>
-                      <a:rPr lang="en-US" altLang="ja-JP" b="1" i="1" smtClean="0">
-                        <a:latin typeface="Cambria Math" panose="02040503050406030204" pitchFamily="18" charset="0"/>
-                        <a:ea typeface="Cambria Math" panose="02040503050406030204" pitchFamily="18" charset="0"/>
-                      </a:rPr>
-                      <m:t>𝟎</m:t>
-                    </m:r>
-                    <m:r>
-                      <a:rPr lang="en-US" altLang="ja-JP" b="1" i="0" smtClean="0">
-                        <a:latin typeface="Cambria Math" panose="02040503050406030204" pitchFamily="18" charset="0"/>
-                        <a:ea typeface="Cambria Math" panose="02040503050406030204" pitchFamily="18" charset="0"/>
-                      </a:rPr>
-                      <m:t>, </m:t>
-                    </m:r>
-                    <m:r>
-                      <a:rPr lang="ja-JP" altLang="en-US" b="1" i="1" smtClean="0">
-                        <a:latin typeface="Cambria Math" panose="02040503050406030204" pitchFamily="18" charset="0"/>
-                        <a:ea typeface="Cambria Math" panose="02040503050406030204" pitchFamily="18" charset="0"/>
-                      </a:rPr>
-                      <m:t>𝛔</m:t>
-                    </m:r>
-                    <m:r>
-                      <a:rPr lang="en-US" altLang="ja-JP" b="1" i="1" smtClean="0">
-                        <a:latin typeface="Cambria Math" panose="02040503050406030204" pitchFamily="18" charset="0"/>
-                        <a:ea typeface="Cambria Math" panose="02040503050406030204" pitchFamily="18" charset="0"/>
-                      </a:rPr>
-                      <m:t>=</m:t>
-                    </m:r>
-                    <m:r>
-                      <a:rPr lang="en-US" altLang="ja-JP" b="1" i="1" smtClean="0">
-                        <a:latin typeface="Cambria Math" panose="02040503050406030204" pitchFamily="18" charset="0"/>
-                        <a:ea typeface="Cambria Math" panose="02040503050406030204" pitchFamily="18" charset="0"/>
-                      </a:rPr>
-                      <m:t>𝟏</m:t>
-                    </m:r>
-                  </m:oMath>
-                </a14:m>
                 <a:r>
-                  <a:rPr lang="ja-JP" altLang="en-US" dirty="0" smtClean="0"/>
-                  <a:t>のとき、標準正規分布と呼ぶ</a:t>
+                  <a:rPr lang="ja-JP" altLang="en-US" dirty="0"/>
+                  <a:t>（大数の法則）</a:t>
                 </a:r>
-                <a:endParaRPr lang="en-US" altLang="ja-JP" dirty="0" smtClean="0"/>
-              </a:p>
-              <a:p>
-                <a:pPr lvl="1"/>
-                <a:endParaRPr lang="en-US" altLang="ja-JP" dirty="0" smtClean="0"/>
+                <a:endParaRPr lang="en-US" altLang="ja-JP" dirty="0"/>
               </a:p>
               <a:p>
                 <a:pPr lvl="1"/>
@@ -5589,7 +5547,7 @@
             </p:txBody>
           </p:sp>
         </mc:Choice>
-        <mc:Fallback xmlns="">
+        <mc:Fallback>
           <p:sp>
             <p:nvSpPr>
               <p:cNvPr id="3" name="コンテンツ プレースホルダー 2"/>
@@ -6234,8 +6192,8 @@
           </a:p>
         </p:txBody>
       </p:sp>
-      <mc:AlternateContent xmlns:mc="http://schemas.openxmlformats.org/markup-compatibility/2006">
-        <mc:Choice xmlns:a14="http://schemas.microsoft.com/office/drawing/2010/main" Requires="a14">
+      <mc:AlternateContent xmlns:mc="http://schemas.openxmlformats.org/markup-compatibility/2006" xmlns:a14="http://schemas.microsoft.com/office/drawing/2010/main">
+        <mc:Choice Requires="a14">
           <p:sp>
             <p:nvSpPr>
               <p:cNvPr id="3" name="コンテンツ プレースホルダー 2"/>
@@ -7347,7 +7305,7 @@
             </p:txBody>
           </p:sp>
         </mc:Choice>
-        <mc:Fallback>
+        <mc:Fallback xmlns="">
           <p:sp>
             <p:nvSpPr>
               <p:cNvPr id="3" name="コンテンツ プレースホルダー 2"/>
@@ -7468,8 +7426,8 @@
           </a:p>
         </p:txBody>
       </p:sp>
-      <mc:AlternateContent xmlns:mc="http://schemas.openxmlformats.org/markup-compatibility/2006">
-        <mc:Choice xmlns:a14="http://schemas.microsoft.com/office/drawing/2010/main" Requires="a14">
+      <mc:AlternateContent xmlns:mc="http://schemas.openxmlformats.org/markup-compatibility/2006" xmlns:a14="http://schemas.microsoft.com/office/drawing/2010/main">
+        <mc:Choice Requires="a14">
           <p:sp>
             <p:nvSpPr>
               <p:cNvPr id="3" name="コンテンツ プレースホルダー 2"/>
@@ -8029,7 +7987,7 @@
             </p:txBody>
           </p:sp>
         </mc:Choice>
-        <mc:Fallback>
+        <mc:Fallback xmlns="">
           <p:sp>
             <p:nvSpPr>
               <p:cNvPr id="3" name="コンテンツ プレースホルダー 2"/>
@@ -8144,11 +8102,7 @@
             </a:r>
             <a:r>
               <a:rPr kumimoji="1" lang="ja-JP" altLang="en-US" dirty="0" smtClean="0"/>
-              <a:t>株価</a:t>
-            </a:r>
-            <a:r>
-              <a:rPr kumimoji="1" lang="ja-JP" altLang="en-US" dirty="0" smtClean="0"/>
-              <a:t>の</a:t>
+              <a:t>株価の</a:t>
             </a:r>
             <a:r>
               <a:rPr lang="ja-JP" altLang="en-US" dirty="0" smtClean="0"/>
@@ -8158,8 +8112,8 @@
           </a:p>
         </p:txBody>
       </p:sp>
-      <mc:AlternateContent xmlns:mc="http://schemas.openxmlformats.org/markup-compatibility/2006">
-        <mc:Choice xmlns:a14="http://schemas.microsoft.com/office/drawing/2010/main" Requires="a14">
+      <mc:AlternateContent xmlns:mc="http://schemas.openxmlformats.org/markup-compatibility/2006" xmlns:a14="http://schemas.microsoft.com/office/drawing/2010/main">
+        <mc:Choice Requires="a14">
           <p:sp>
             <p:nvSpPr>
               <p:cNvPr id="3" name="コンテンツ プレースホルダー 2"/>
@@ -8687,7 +8641,7 @@
             </p:txBody>
           </p:sp>
         </mc:Choice>
-        <mc:Fallback>
+        <mc:Fallback xmlns="">
           <p:sp>
             <p:nvSpPr>
               <p:cNvPr id="3" name="コンテンツ プレースホルダー 2"/>
@@ -8812,8 +8766,8 @@
           </a:p>
         </p:txBody>
       </p:sp>
-      <mc:AlternateContent xmlns:mc="http://schemas.openxmlformats.org/markup-compatibility/2006">
-        <mc:Choice xmlns:a14="http://schemas.microsoft.com/office/drawing/2010/main" Requires="a14">
+      <mc:AlternateContent xmlns:mc="http://schemas.openxmlformats.org/markup-compatibility/2006" xmlns:a14="http://schemas.microsoft.com/office/drawing/2010/main">
+        <mc:Choice Requires="a14">
           <p:sp>
             <p:nvSpPr>
               <p:cNvPr id="3" name="コンテンツ プレースホルダー 2"/>
@@ -10287,7 +10241,7 @@
             </p:txBody>
           </p:sp>
         </mc:Choice>
-        <mc:Fallback>
+        <mc:Fallback xmlns="">
           <p:sp>
             <p:nvSpPr>
               <p:cNvPr id="3" name="コンテンツ プレースホルダー 2"/>
@@ -10773,7 +10727,19 @@
                 </a:r>
                 <a:r>
                   <a:rPr lang="ja-JP" altLang="en-US" dirty="0" smtClean="0"/>
-                  <a:t>の場合、分散が一定にならず中心極限定理が成り立たない</a:t>
+                  <a:t>の場合、</a:t>
+                </a:r>
+                <a:r>
+                  <a:rPr lang="ja-JP" altLang="en-US" smtClean="0"/>
+                  <a:t>分散</a:t>
+                </a:r>
+                <a:r>
+                  <a:rPr lang="ja-JP" altLang="en-US" smtClean="0"/>
+                  <a:t>が無限大になり中心</a:t>
+                </a:r>
+                <a:r>
+                  <a:rPr lang="ja-JP" altLang="en-US" dirty="0" smtClean="0"/>
+                  <a:t>極限定理が成り立たない</a:t>
                 </a:r>
                 <a:endParaRPr lang="en-US" altLang="ja-JP" dirty="0" smtClean="0"/>
               </a:p>
@@ -10819,7 +10785,7 @@
               <a:blipFill rotWithShape="0">
                 <a:blip r:embed="rId2"/>
                 <a:stretch>
-                  <a:fillRect l="-720" t="-697" r="-560"/>
+                  <a:fillRect l="-720" t="-697" r="-400"/>
                 </a:stretch>
               </a:blipFill>
             </p:spPr>
@@ -11715,7 +11681,7 @@
             <p:ph idx="1"/>
             <p:extLst>
               <p:ext uri="{D42A27DB-BD31-4B8C-83A1-F6EECF244321}">
-                <p14:modId xmlns:p14="http://schemas.microsoft.com/office/powerpoint/2010/main" val="2078716039"/>
+                <p14:modId xmlns:p14="http://schemas.microsoft.com/office/powerpoint/2010/main" val="2040026023"/>
               </p:ext>
             </p:extLst>
           </p:nvPr>
@@ -11839,7 +11805,7 @@
                     <a:p>
                       <a:r>
                         <a:rPr kumimoji="1" lang="ja-JP" altLang="en-US" dirty="0" smtClean="0"/>
-                        <a:t>データ解析</a:t>
+                        <a:t>データフレーム</a:t>
                       </a:r>
                       <a:endParaRPr kumimoji="1" lang="ja-JP" altLang="en-US" dirty="0"/>
                     </a:p>
@@ -13191,11 +13157,7 @@
           <a:p>
             <a:r>
               <a:rPr lang="ja-JP" altLang="en-US" dirty="0" smtClean="0"/>
-              <a:t>機能</a:t>
-            </a:r>
-            <a:r>
-              <a:rPr lang="ja-JP" altLang="en-US" dirty="0" smtClean="0"/>
-              <a:t>追加・機能改善</a:t>
+              <a:t>機能追加・機能改善</a:t>
             </a:r>
             <a:endParaRPr kumimoji="1" lang="ja-JP" altLang="en-US" dirty="0"/>
           </a:p>
@@ -14042,7 +14004,6 @@
               <a:rPr lang="en-US" altLang="ja-JP" dirty="0" smtClean="0"/>
               <a:t>1967</a:t>
             </a:r>
-            <a:endParaRPr lang="en-US" altLang="ja-JP" dirty="0" smtClean="0"/>
           </a:p>
           <a:p>
             <a:r>
@@ -14626,8 +14587,8 @@
           </a:p>
         </p:txBody>
       </p:sp>
-      <mc:AlternateContent xmlns:mc="http://schemas.openxmlformats.org/markup-compatibility/2006" xmlns:a14="http://schemas.microsoft.com/office/drawing/2010/main">
-        <mc:Choice Requires="a14">
+      <mc:AlternateContent xmlns:mc="http://schemas.openxmlformats.org/markup-compatibility/2006">
+        <mc:Choice xmlns:a14="http://schemas.microsoft.com/office/drawing/2010/main" Requires="a14">
           <p:sp>
             <p:nvSpPr>
               <p:cNvPr id="3" name="コンテンツ プレースホルダー 2"/>
@@ -14899,7 +14860,7 @@
             </p:txBody>
           </p:sp>
         </mc:Choice>
-        <mc:Fallback xmlns="">
+        <mc:Fallback>
           <p:sp>
             <p:nvSpPr>
               <p:cNvPr id="3" name="コンテンツ プレースホルダー 2"/>

--- a/ruby_data_analysis.pptx
+++ b/ruby_data_analysis.pptx
@@ -5,7 +5,7 @@
     <p:sldMasterId id="2147483720" r:id="rId1"/>
   </p:sldMasterIdLst>
   <p:notesMasterIdLst>
-    <p:notesMasterId r:id="rId38"/>
+    <p:notesMasterId r:id="rId39"/>
   </p:notesMasterIdLst>
   <p:sldIdLst>
     <p:sldId id="256" r:id="rId2"/>
@@ -32,18 +32,19 @@
     <p:sldId id="340" r:id="rId23"/>
     <p:sldId id="316" r:id="rId24"/>
     <p:sldId id="322" r:id="rId25"/>
-    <p:sldId id="317" r:id="rId26"/>
-    <p:sldId id="323" r:id="rId27"/>
-    <p:sldId id="324" r:id="rId28"/>
-    <p:sldId id="325" r:id="rId29"/>
-    <p:sldId id="327" r:id="rId30"/>
-    <p:sldId id="326" r:id="rId31"/>
-    <p:sldId id="341" r:id="rId32"/>
-    <p:sldId id="343" r:id="rId33"/>
-    <p:sldId id="329" r:id="rId34"/>
-    <p:sldId id="346" r:id="rId35"/>
-    <p:sldId id="330" r:id="rId36"/>
-    <p:sldId id="338" r:id="rId37"/>
+    <p:sldId id="347" r:id="rId26"/>
+    <p:sldId id="317" r:id="rId27"/>
+    <p:sldId id="323" r:id="rId28"/>
+    <p:sldId id="324" r:id="rId29"/>
+    <p:sldId id="325" r:id="rId30"/>
+    <p:sldId id="327" r:id="rId31"/>
+    <p:sldId id="326" r:id="rId32"/>
+    <p:sldId id="341" r:id="rId33"/>
+    <p:sldId id="343" r:id="rId34"/>
+    <p:sldId id="329" r:id="rId35"/>
+    <p:sldId id="346" r:id="rId36"/>
+    <p:sldId id="330" r:id="rId37"/>
+    <p:sldId id="338" r:id="rId38"/>
   </p:sldIdLst>
   <p:sldSz cx="9144000" cy="6858000" type="screen4x3"/>
   <p:notesSz cx="6858000" cy="9144000"/>
@@ -243,7 +244,7 @@
           <a:p>
             <a:fld id="{D487E916-6975-4384-9337-33685829E0C9}" type="datetimeFigureOut">
               <a:rPr kumimoji="1" lang="ja-JP" altLang="en-US" smtClean="0"/>
-              <a:t>2016/2/8</a:t>
+              <a:t>2016/2/9</a:t>
             </a:fld>
             <a:endParaRPr kumimoji="1" lang="ja-JP" altLang="en-US"/>
           </a:p>
@@ -820,7 +821,7 @@
           <a:p>
             <a:fld id="{B5388ABC-ED38-449A-A1DD-0DF95F307DC2}" type="datetime1">
               <a:rPr kumimoji="1" lang="ja-JP" altLang="en-US" smtClean="0"/>
-              <a:t>2016/2/8</a:t>
+              <a:t>2016/2/9</a:t>
             </a:fld>
             <a:endParaRPr kumimoji="1" lang="ja-JP" altLang="en-US"/>
           </a:p>
@@ -1123,7 +1124,7 @@
           <a:p>
             <a:fld id="{91CAC327-6D45-4D23-90A2-B9A399787324}" type="datetime1">
               <a:rPr kumimoji="1" lang="ja-JP" altLang="en-US" smtClean="0"/>
-              <a:t>2016/2/8</a:t>
+              <a:t>2016/2/9</a:t>
             </a:fld>
             <a:endParaRPr kumimoji="1" lang="ja-JP" altLang="en-US"/>
           </a:p>
@@ -1330,7 +1331,7 @@
           <a:p>
             <a:fld id="{3D906796-C748-481D-9956-8BC21ED8B961}" type="datetime1">
               <a:rPr kumimoji="1" lang="ja-JP" altLang="en-US" smtClean="0"/>
-              <a:t>2016/2/8</a:t>
+              <a:t>2016/2/9</a:t>
             </a:fld>
             <a:endParaRPr kumimoji="1" lang="ja-JP" altLang="en-US"/>
           </a:p>
@@ -1536,7 +1537,7 @@
           <a:p>
             <a:fld id="{B695D9CF-C22D-467F-8463-26D3739C5D01}" type="datetime1">
               <a:rPr kumimoji="1" lang="ja-JP" altLang="en-US" smtClean="0"/>
-              <a:t>2016/2/8</a:t>
+              <a:t>2016/2/9</a:t>
             </a:fld>
             <a:endParaRPr kumimoji="1" lang="ja-JP" altLang="en-US"/>
           </a:p>
@@ -1827,7 +1828,7 @@
           <a:p>
             <a:fld id="{DDC49C62-652C-4310-89A5-F5582EA05BD5}" type="datetime1">
               <a:rPr kumimoji="1" lang="ja-JP" altLang="en-US" smtClean="0"/>
-              <a:t>2016/2/8</a:t>
+              <a:t>2016/2/9</a:t>
             </a:fld>
             <a:endParaRPr kumimoji="1" lang="ja-JP" altLang="en-US"/>
           </a:p>
@@ -2181,7 +2182,7 @@
           <a:p>
             <a:fld id="{77F02D97-5319-407B-AE83-52A9E5E3516E}" type="datetime1">
               <a:rPr kumimoji="1" lang="ja-JP" altLang="en-US" smtClean="0"/>
-              <a:t>2016/2/8</a:t>
+              <a:t>2016/2/9</a:t>
             </a:fld>
             <a:endParaRPr kumimoji="1" lang="ja-JP" altLang="en-US"/>
           </a:p>
@@ -2684,7 +2685,7 @@
           <a:p>
             <a:fld id="{61838B8B-A3B0-42B0-B1A9-79E7B91BD749}" type="datetime1">
               <a:rPr kumimoji="1" lang="ja-JP" altLang="en-US" smtClean="0"/>
-              <a:t>2016/2/8</a:t>
+              <a:t>2016/2/9</a:t>
             </a:fld>
             <a:endParaRPr kumimoji="1" lang="ja-JP" altLang="en-US"/>
           </a:p>
@@ -2808,7 +2809,7 @@
           <a:p>
             <a:fld id="{48452345-ACDF-4111-BC74-9EF178BC4C0B}" type="datetime1">
               <a:rPr kumimoji="1" lang="ja-JP" altLang="en-US" smtClean="0"/>
-              <a:t>2016/2/8</a:t>
+              <a:t>2016/2/9</a:t>
             </a:fld>
             <a:endParaRPr kumimoji="1" lang="ja-JP" altLang="en-US"/>
           </a:p>
@@ -2903,7 +2904,7 @@
           <a:p>
             <a:fld id="{279E7A1E-F7AD-4AA2-98BA-00D07373F8F1}" type="datetime1">
               <a:rPr kumimoji="1" lang="ja-JP" altLang="en-US" smtClean="0"/>
-              <a:t>2016/2/8</a:t>
+              <a:t>2016/2/9</a:t>
             </a:fld>
             <a:endParaRPr kumimoji="1" lang="ja-JP" altLang="en-US"/>
           </a:p>
@@ -3177,7 +3178,7 @@
           <a:p>
             <a:fld id="{9EE84142-7102-40A9-93B8-BC72B66FDCE1}" type="datetime1">
               <a:rPr kumimoji="1" lang="ja-JP" altLang="en-US" smtClean="0"/>
-              <a:t>2016/2/8</a:t>
+              <a:t>2016/2/9</a:t>
             </a:fld>
             <a:endParaRPr kumimoji="1" lang="ja-JP" altLang="en-US"/>
           </a:p>
@@ -3471,7 +3472,7 @@
           <a:p>
             <a:fld id="{3EF183A7-9963-4F31-A817-956200720A74}" type="datetime1">
               <a:rPr kumimoji="1" lang="ja-JP" altLang="en-US" smtClean="0"/>
-              <a:t>2016/2/8</a:t>
+              <a:t>2016/2/9</a:t>
             </a:fld>
             <a:endParaRPr kumimoji="1" lang="ja-JP" altLang="en-US"/>
           </a:p>
@@ -3797,7 +3798,7 @@
           <a:p>
             <a:fld id="{B376DA05-110D-4AAD-973D-FA506FA2E8AC}" type="datetime1">
               <a:rPr kumimoji="1" lang="ja-JP" altLang="en-US" smtClean="0"/>
-              <a:t>2016/2/8</a:t>
+              <a:t>2016/2/9</a:t>
             </a:fld>
             <a:endParaRPr kumimoji="1" lang="ja-JP" altLang="en-US"/>
           </a:p>
@@ -5192,8 +5193,8 @@
           </a:p>
         </p:txBody>
       </p:sp>
-      <mc:AlternateContent xmlns:mc="http://schemas.openxmlformats.org/markup-compatibility/2006">
-        <mc:Choice xmlns:a14="http://schemas.microsoft.com/office/drawing/2010/main" Requires="a14">
+      <mc:AlternateContent xmlns:mc="http://schemas.openxmlformats.org/markup-compatibility/2006" xmlns:a14="http://schemas.microsoft.com/office/drawing/2010/main">
+        <mc:Choice Requires="a14">
           <p:sp>
             <p:nvSpPr>
               <p:cNvPr id="3" name="コンテンツ プレースホルダー 2"/>
@@ -5496,11 +5497,7 @@
               <a:p>
                 <a:r>
                   <a:rPr lang="ja-JP" altLang="en-US" dirty="0" smtClean="0"/>
-                  <a:t>正規</a:t>
-                </a:r>
-                <a:r>
-                  <a:rPr lang="ja-JP" altLang="en-US" dirty="0" smtClean="0"/>
-                  <a:t>分布で近似できる対象が</a:t>
+                  <a:t>正規分布で近似できる対象が</a:t>
                 </a:r>
                 <a:r>
                   <a:rPr lang="en-US" altLang="ja-JP" dirty="0" smtClean="0"/>
@@ -5547,7 +5544,7 @@
             </p:txBody>
           </p:sp>
         </mc:Choice>
-        <mc:Fallback>
+        <mc:Fallback xmlns="">
           <p:sp>
             <p:nvSpPr>
               <p:cNvPr id="3" name="コンテンツ プレースホルダー 2"/>
@@ -10483,8 +10480,8 @@
           </a:p>
         </p:txBody>
       </p:sp>
-      <mc:AlternateContent xmlns:mc="http://schemas.openxmlformats.org/markup-compatibility/2006">
-        <mc:Choice xmlns:a14="http://schemas.microsoft.com/office/drawing/2010/main" Requires="a14">
+      <mc:AlternateContent xmlns:mc="http://schemas.openxmlformats.org/markup-compatibility/2006" xmlns:a14="http://schemas.microsoft.com/office/drawing/2010/main">
+        <mc:Choice Requires="a14">
           <p:sp>
             <p:nvSpPr>
               <p:cNvPr id="3" name="コンテンツ プレースホルダー 2"/>
@@ -10731,11 +10728,7 @@
                 </a:r>
                 <a:r>
                   <a:rPr lang="ja-JP" altLang="en-US" smtClean="0"/>
-                  <a:t>分散</a:t>
-                </a:r>
-                <a:r>
-                  <a:rPr lang="ja-JP" altLang="en-US" smtClean="0"/>
-                  <a:t>が無限大になり中心</a:t>
+                  <a:t>分散が無限大になり中心</a:t>
                 </a:r>
                 <a:r>
                   <a:rPr lang="ja-JP" altLang="en-US" dirty="0" smtClean="0"/>
@@ -10770,7 +10763,7 @@
             </p:txBody>
           </p:sp>
         </mc:Choice>
-        <mc:Fallback>
+        <mc:Fallback xmlns="">
           <p:sp>
             <p:nvSpPr>
               <p:cNvPr id="3" name="コンテンツ プレースホルダー 2"/>
@@ -11681,7 +11674,7 @@
             <p:ph idx="1"/>
             <p:extLst>
               <p:ext uri="{D42A27DB-BD31-4B8C-83A1-F6EECF244321}">
-                <p14:modId xmlns:p14="http://schemas.microsoft.com/office/powerpoint/2010/main" val="2040026023"/>
+                <p14:modId xmlns:p14="http://schemas.microsoft.com/office/powerpoint/2010/main" val="3979851878"/>
               </p:ext>
             </p:extLst>
           </p:nvPr>
@@ -11781,7 +11774,7 @@
                     <a:p>
                       <a:r>
                         <a:rPr kumimoji="1" lang="en-US" altLang="ja-JP" dirty="0" err="1" smtClean="0"/>
-                        <a:t>NMatrix</a:t>
+                        <a:t>NArray</a:t>
                       </a:r>
                       <a:r>
                         <a:rPr kumimoji="1" lang="en-US" altLang="ja-JP" dirty="0" smtClean="0"/>
@@ -11789,7 +11782,7 @@
                       </a:r>
                       <a:r>
                         <a:rPr kumimoji="1" lang="en-US" altLang="ja-JP" dirty="0" err="1" smtClean="0"/>
-                        <a:t>NArray</a:t>
+                        <a:t>NMatrix</a:t>
                       </a:r>
                       <a:endParaRPr kumimoji="1" lang="ja-JP" altLang="en-US" dirty="0"/>
                     </a:p>
@@ -12047,14 +12040,6 @@
           <a:p>
             <a:r>
               <a:rPr lang="en-US" altLang="ja-JP" dirty="0" err="1" smtClean="0"/>
-              <a:t>NMatrix</a:t>
-            </a:r>
-            <a:r>
-              <a:rPr lang="en-US" altLang="ja-JP" dirty="0" smtClean="0"/>
-              <a:t> vs </a:t>
-            </a:r>
-            <a:r>
-              <a:rPr lang="en-US" altLang="ja-JP" dirty="0" err="1" smtClean="0"/>
               <a:t>NArray</a:t>
             </a:r>
             <a:endParaRPr kumimoji="1" lang="ja-JP" altLang="en-US" dirty="0"/>
@@ -12076,7 +12061,190 @@
           <a:bodyPr/>
           <a:lstStyle/>
           <a:p>
-            <a:endParaRPr kumimoji="1" lang="ja-JP" altLang="en-US" dirty="0"/>
+            <a:r>
+              <a:rPr lang="ja-JP" altLang="en-US" dirty="0" smtClean="0"/>
+              <a:t>多次元配列ライブラリ</a:t>
+            </a:r>
+            <a:endParaRPr lang="en-US" altLang="ja-JP" dirty="0" smtClean="0"/>
+          </a:p>
+          <a:p>
+            <a:r>
+              <a:rPr lang="ja-JP" altLang="en-US" dirty="0" smtClean="0"/>
+              <a:t>連続したメモリ領域に要素を配置し、次元毎の要素数を固定することでインデックスアクセスを行う</a:t>
+            </a:r>
+            <a:endParaRPr lang="en-US" altLang="ja-JP" dirty="0" smtClean="0"/>
+          </a:p>
+          <a:p>
+            <a:pPr lvl="1"/>
+            <a:r>
+              <a:rPr lang="en-US" altLang="ja-JP" dirty="0" smtClean="0">
+                <a:latin typeface="Courier New" panose="02070309020205020404" pitchFamily="49" charset="0"/>
+                <a:cs typeface="Courier New" panose="02070309020205020404" pitchFamily="49" charset="0"/>
+              </a:rPr>
+              <a:t>4×3</a:t>
+            </a:r>
+            <a:r>
+              <a:rPr lang="ja-JP" altLang="en-US" dirty="0" smtClean="0">
+                <a:latin typeface="Courier New" panose="02070309020205020404" pitchFamily="49" charset="0"/>
+                <a:cs typeface="Courier New" panose="02070309020205020404" pitchFamily="49" charset="0"/>
+              </a:rPr>
+              <a:t>の多次元配列</a:t>
+            </a:r>
+            <a:r>
+              <a:rPr lang="en-US" altLang="ja-JP" dirty="0" smtClean="0">
+                <a:latin typeface="Courier New" panose="02070309020205020404" pitchFamily="49" charset="0"/>
+                <a:cs typeface="Courier New" panose="02070309020205020404" pitchFamily="49" charset="0"/>
+              </a:rPr>
+              <a:t>a</a:t>
+            </a:r>
+            <a:r>
+              <a:rPr lang="ja-JP" altLang="en-US" dirty="0" smtClean="0"/>
+              <a:t>のとき、</a:t>
+            </a:r>
+            <a:r>
+              <a:rPr lang="en-US" altLang="ja-JP" dirty="0" smtClean="0">
+                <a:latin typeface="Courier New" panose="02070309020205020404" pitchFamily="49" charset="0"/>
+                <a:cs typeface="Courier New" panose="02070309020205020404" pitchFamily="49" charset="0"/>
+              </a:rPr>
+              <a:t>a[</a:t>
+            </a:r>
+            <a:r>
+              <a:rPr lang="en-US" altLang="ja-JP" dirty="0" err="1" smtClean="0">
+                <a:latin typeface="Courier New" panose="02070309020205020404" pitchFamily="49" charset="0"/>
+                <a:cs typeface="Courier New" panose="02070309020205020404" pitchFamily="49" charset="0"/>
+              </a:rPr>
+              <a:t>i</a:t>
+            </a:r>
+            <a:r>
+              <a:rPr lang="en-US" altLang="ja-JP" dirty="0" smtClean="0">
+                <a:latin typeface="Courier New" panose="02070309020205020404" pitchFamily="49" charset="0"/>
+                <a:cs typeface="Courier New" panose="02070309020205020404" pitchFamily="49" charset="0"/>
+              </a:rPr>
+              <a:t>, j]</a:t>
+            </a:r>
+            <a:r>
+              <a:rPr lang="en-US" altLang="ja-JP" dirty="0" smtClean="0"/>
+              <a:t> </a:t>
+            </a:r>
+            <a:r>
+              <a:rPr lang="ja-JP" altLang="en-US" dirty="0" smtClean="0"/>
+              <a:t>は</a:t>
+            </a:r>
+            <a:r>
+              <a:rPr lang="en-US" altLang="ja-JP" dirty="0" smtClean="0"/>
+              <a:t> </a:t>
+            </a:r>
+            <a:r>
+              <a:rPr lang="en-US" altLang="ja-JP" dirty="0" err="1" smtClean="0">
+                <a:latin typeface="Courier New" panose="02070309020205020404" pitchFamily="49" charset="0"/>
+                <a:cs typeface="Courier New" panose="02070309020205020404" pitchFamily="49" charset="0"/>
+              </a:rPr>
+              <a:t>i</a:t>
+            </a:r>
+            <a:r>
+              <a:rPr lang="en-US" altLang="ja-JP" dirty="0" smtClean="0">
+                <a:latin typeface="Courier New" panose="02070309020205020404" pitchFamily="49" charset="0"/>
+                <a:cs typeface="Courier New" panose="02070309020205020404" pitchFamily="49" charset="0"/>
+              </a:rPr>
+              <a:t> + 4 * j</a:t>
+            </a:r>
+            <a:r>
+              <a:rPr lang="ja-JP" altLang="en-US" dirty="0">
+                <a:latin typeface="Courier New" panose="02070309020205020404" pitchFamily="49" charset="0"/>
+                <a:cs typeface="Courier New" panose="02070309020205020404" pitchFamily="49" charset="0"/>
+              </a:rPr>
+              <a:t> </a:t>
+            </a:r>
+            <a:r>
+              <a:rPr lang="ja-JP" altLang="en-US" dirty="0" smtClean="0">
+                <a:latin typeface="Courier New" panose="02070309020205020404" pitchFamily="49" charset="0"/>
+                <a:cs typeface="Courier New" panose="02070309020205020404" pitchFamily="49" charset="0"/>
+              </a:rPr>
+              <a:t>番目</a:t>
+            </a:r>
+            <a:endParaRPr lang="en-US" altLang="ja-JP" dirty="0" smtClean="0">
+              <a:latin typeface="Courier New" panose="02070309020205020404" pitchFamily="49" charset="0"/>
+              <a:cs typeface="Courier New" panose="02070309020205020404" pitchFamily="49" charset="0"/>
+            </a:endParaRPr>
+          </a:p>
+          <a:p>
+            <a:pPr lvl="1"/>
+            <a:endParaRPr lang="en-US" altLang="ja-JP" dirty="0">
+              <a:latin typeface="Courier New" panose="02070309020205020404" pitchFamily="49" charset="0"/>
+              <a:cs typeface="Courier New" panose="02070309020205020404" pitchFamily="49" charset="0"/>
+            </a:endParaRPr>
+          </a:p>
+          <a:p>
+            <a:pPr lvl="1"/>
+            <a:endParaRPr lang="en-US" altLang="ja-JP" dirty="0" smtClean="0">
+              <a:latin typeface="Courier New" panose="02070309020205020404" pitchFamily="49" charset="0"/>
+              <a:cs typeface="Courier New" panose="02070309020205020404" pitchFamily="49" charset="0"/>
+            </a:endParaRPr>
+          </a:p>
+          <a:p>
+            <a:pPr lvl="1"/>
+            <a:r>
+              <a:rPr lang="ja-JP" altLang="en-US" dirty="0" smtClean="0">
+                <a:latin typeface="Courier New" panose="02070309020205020404" pitchFamily="49" charset="0"/>
+                <a:cs typeface="Courier New" panose="02070309020205020404" pitchFamily="49" charset="0"/>
+              </a:rPr>
+              <a:t>次元順序は次期開発版で変更？</a:t>
+            </a:r>
+            <a:endParaRPr lang="en-US" altLang="ja-JP" dirty="0"/>
+          </a:p>
+          <a:p>
+            <a:r>
+              <a:rPr lang="ja-JP" altLang="en-US" dirty="0" smtClean="0"/>
+              <a:t>多次元</a:t>
+            </a:r>
+            <a:r>
+              <a:rPr lang="ja-JP" altLang="en-US" dirty="0"/>
+              <a:t>配列同士の演算、多次元配列とスカラー値の演算が</a:t>
+            </a:r>
+            <a:r>
+              <a:rPr lang="ja-JP" altLang="en-US" dirty="0" smtClean="0"/>
+              <a:t>高速</a:t>
+            </a:r>
+            <a:endParaRPr lang="en-US" altLang="ja-JP" dirty="0" smtClean="0"/>
+          </a:p>
+          <a:p>
+            <a:r>
+              <a:rPr lang="ja-JP" altLang="en-US" dirty="0" smtClean="0"/>
+              <a:t>最新リリースは</a:t>
+            </a:r>
+            <a:r>
+              <a:rPr lang="en-US" altLang="ja-JP" dirty="0" smtClean="0"/>
+              <a:t>2013</a:t>
+            </a:r>
+            <a:r>
+              <a:rPr lang="ja-JP" altLang="en-US" dirty="0" smtClean="0"/>
+              <a:t>年</a:t>
+            </a:r>
+            <a:r>
+              <a:rPr lang="en-US" altLang="ja-JP" dirty="0" smtClean="0"/>
+              <a:t>2</a:t>
+            </a:r>
+            <a:r>
+              <a:rPr lang="ja-JP" altLang="en-US" dirty="0" smtClean="0"/>
+              <a:t>月</a:t>
+            </a:r>
+            <a:r>
+              <a:rPr lang="en-US" altLang="ja-JP" dirty="0" smtClean="0"/>
+              <a:t>27</a:t>
+            </a:r>
+            <a:r>
+              <a:rPr lang="ja-JP" altLang="en-US" dirty="0" smtClean="0"/>
+              <a:t>日</a:t>
+            </a:r>
+            <a:endParaRPr lang="en-US" altLang="ja-JP" dirty="0" smtClean="0"/>
+          </a:p>
+          <a:p>
+            <a:pPr lvl="1"/>
+            <a:r>
+              <a:rPr lang="ja-JP" altLang="en-US" dirty="0" smtClean="0"/>
+              <a:t>別リポジトリで次期開発版が開発中</a:t>
+            </a:r>
+            <a:endParaRPr lang="en-US" altLang="ja-JP" dirty="0"/>
           </a:p>
         </p:txBody>
       </p:sp>
@@ -12103,6 +12271,349 @@
           </a:p>
         </p:txBody>
       </p:sp>
+      <p:sp>
+        <p:nvSpPr>
+          <p:cNvPr id="5" name="正方形/長方形 4"/>
+          <p:cNvSpPr/>
+          <p:nvPr/>
+        </p:nvSpPr>
+        <p:spPr>
+          <a:xfrm>
+            <a:off x="1239707" y="3501008"/>
+            <a:ext cx="720080" cy="360040"/>
+          </a:xfrm>
+          <a:prstGeom prst="rect">
+            <a:avLst/>
+          </a:prstGeom>
+        </p:spPr>
+        <p:style>
+          <a:lnRef idx="1">
+            <a:schemeClr val="accent3"/>
+          </a:lnRef>
+          <a:fillRef idx="2">
+            <a:schemeClr val="accent3"/>
+          </a:fillRef>
+          <a:effectRef idx="1">
+            <a:schemeClr val="accent3"/>
+          </a:effectRef>
+          <a:fontRef idx="minor">
+            <a:schemeClr val="dk1"/>
+          </a:fontRef>
+        </p:style>
+        <p:txBody>
+          <a:bodyPr rtlCol="0" anchor="ctr"/>
+          <a:lstStyle/>
+          <a:p>
+            <a:pPr algn="ctr"/>
+            <a:r>
+              <a:rPr lang="en-US" altLang="ja-JP" sz="1400" dirty="0" smtClean="0"/>
+              <a:t>a[0, 0]</a:t>
+            </a:r>
+            <a:endParaRPr kumimoji="1" lang="ja-JP" altLang="en-US" sz="1400" dirty="0"/>
+          </a:p>
+        </p:txBody>
+      </p:sp>
+      <p:sp>
+        <p:nvSpPr>
+          <p:cNvPr id="7" name="正方形/長方形 6"/>
+          <p:cNvSpPr/>
+          <p:nvPr/>
+        </p:nvSpPr>
+        <p:spPr>
+          <a:xfrm>
+            <a:off x="1959787" y="3501008"/>
+            <a:ext cx="720080" cy="360040"/>
+          </a:xfrm>
+          <a:prstGeom prst="rect">
+            <a:avLst/>
+          </a:prstGeom>
+        </p:spPr>
+        <p:style>
+          <a:lnRef idx="1">
+            <a:schemeClr val="accent3"/>
+          </a:lnRef>
+          <a:fillRef idx="2">
+            <a:schemeClr val="accent3"/>
+          </a:fillRef>
+          <a:effectRef idx="1">
+            <a:schemeClr val="accent3"/>
+          </a:effectRef>
+          <a:fontRef idx="minor">
+            <a:schemeClr val="dk1"/>
+          </a:fontRef>
+        </p:style>
+        <p:txBody>
+          <a:bodyPr rtlCol="0" anchor="ctr"/>
+          <a:lstStyle/>
+          <a:p>
+            <a:pPr algn="ctr"/>
+            <a:r>
+              <a:rPr lang="en-US" altLang="ja-JP" sz="1400" dirty="0" smtClean="0"/>
+              <a:t>a[1, 0]</a:t>
+            </a:r>
+            <a:endParaRPr kumimoji="1" lang="ja-JP" altLang="en-US" sz="1400" dirty="0"/>
+          </a:p>
+        </p:txBody>
+      </p:sp>
+      <p:sp>
+        <p:nvSpPr>
+          <p:cNvPr id="8" name="正方形/長方形 7"/>
+          <p:cNvSpPr/>
+          <p:nvPr/>
+        </p:nvSpPr>
+        <p:spPr>
+          <a:xfrm>
+            <a:off x="2678019" y="3501008"/>
+            <a:ext cx="720080" cy="360040"/>
+          </a:xfrm>
+          <a:prstGeom prst="rect">
+            <a:avLst/>
+          </a:prstGeom>
+        </p:spPr>
+        <p:style>
+          <a:lnRef idx="1">
+            <a:schemeClr val="accent3"/>
+          </a:lnRef>
+          <a:fillRef idx="2">
+            <a:schemeClr val="accent3"/>
+          </a:fillRef>
+          <a:effectRef idx="1">
+            <a:schemeClr val="accent3"/>
+          </a:effectRef>
+          <a:fontRef idx="minor">
+            <a:schemeClr val="dk1"/>
+          </a:fontRef>
+        </p:style>
+        <p:txBody>
+          <a:bodyPr rtlCol="0" anchor="ctr"/>
+          <a:lstStyle/>
+          <a:p>
+            <a:pPr algn="ctr"/>
+            <a:r>
+              <a:rPr lang="en-US" altLang="ja-JP" sz="1400" dirty="0" smtClean="0"/>
+              <a:t>a[2, </a:t>
+            </a:r>
+            <a:r>
+              <a:rPr lang="en-US" altLang="ja-JP" sz="1400" dirty="0"/>
+              <a:t>0</a:t>
+            </a:r>
+            <a:r>
+              <a:rPr lang="en-US" altLang="ja-JP" sz="1400" dirty="0" smtClean="0"/>
+              <a:t>]</a:t>
+            </a:r>
+            <a:endParaRPr kumimoji="1" lang="ja-JP" altLang="en-US" sz="1400" dirty="0"/>
+          </a:p>
+        </p:txBody>
+      </p:sp>
+      <p:sp>
+        <p:nvSpPr>
+          <p:cNvPr id="9" name="正方形/長方形 8"/>
+          <p:cNvSpPr/>
+          <p:nvPr/>
+        </p:nvSpPr>
+        <p:spPr>
+          <a:xfrm>
+            <a:off x="3397072" y="3501008"/>
+            <a:ext cx="720080" cy="360040"/>
+          </a:xfrm>
+          <a:prstGeom prst="rect">
+            <a:avLst/>
+          </a:prstGeom>
+        </p:spPr>
+        <p:style>
+          <a:lnRef idx="1">
+            <a:schemeClr val="accent3"/>
+          </a:lnRef>
+          <a:fillRef idx="2">
+            <a:schemeClr val="accent3"/>
+          </a:fillRef>
+          <a:effectRef idx="1">
+            <a:schemeClr val="accent3"/>
+          </a:effectRef>
+          <a:fontRef idx="minor">
+            <a:schemeClr val="dk1"/>
+          </a:fontRef>
+        </p:style>
+        <p:txBody>
+          <a:bodyPr rtlCol="0" anchor="ctr"/>
+          <a:lstStyle/>
+          <a:p>
+            <a:pPr algn="ctr"/>
+            <a:r>
+              <a:rPr lang="en-US" altLang="ja-JP" sz="1400" dirty="0" smtClean="0"/>
+              <a:t>a[3, </a:t>
+            </a:r>
+            <a:r>
+              <a:rPr lang="en-US" altLang="ja-JP" sz="1400" dirty="0"/>
+              <a:t>0</a:t>
+            </a:r>
+            <a:r>
+              <a:rPr lang="en-US" altLang="ja-JP" sz="1400" dirty="0" smtClean="0"/>
+              <a:t>]</a:t>
+            </a:r>
+            <a:endParaRPr kumimoji="1" lang="ja-JP" altLang="en-US" sz="1400" dirty="0"/>
+          </a:p>
+        </p:txBody>
+      </p:sp>
+      <p:sp>
+        <p:nvSpPr>
+          <p:cNvPr id="10" name="正方形/長方形 9"/>
+          <p:cNvSpPr/>
+          <p:nvPr/>
+        </p:nvSpPr>
+        <p:spPr>
+          <a:xfrm>
+            <a:off x="4117152" y="3501008"/>
+            <a:ext cx="720080" cy="360040"/>
+          </a:xfrm>
+          <a:prstGeom prst="rect">
+            <a:avLst/>
+          </a:prstGeom>
+        </p:spPr>
+        <p:style>
+          <a:lnRef idx="1">
+            <a:schemeClr val="accent6"/>
+          </a:lnRef>
+          <a:fillRef idx="2">
+            <a:schemeClr val="accent6"/>
+          </a:fillRef>
+          <a:effectRef idx="1">
+            <a:schemeClr val="accent6"/>
+          </a:effectRef>
+          <a:fontRef idx="minor">
+            <a:schemeClr val="dk1"/>
+          </a:fontRef>
+        </p:style>
+        <p:txBody>
+          <a:bodyPr rtlCol="0" anchor="ctr"/>
+          <a:lstStyle/>
+          <a:p>
+            <a:pPr algn="ctr"/>
+            <a:r>
+              <a:rPr lang="en-US" altLang="ja-JP" sz="1400" dirty="0" smtClean="0"/>
+              <a:t>a[0, 1]</a:t>
+            </a:r>
+            <a:endParaRPr kumimoji="1" lang="ja-JP" altLang="en-US" sz="1400" dirty="0"/>
+          </a:p>
+        </p:txBody>
+      </p:sp>
+      <p:sp>
+        <p:nvSpPr>
+          <p:cNvPr id="11" name="正方形/長方形 10"/>
+          <p:cNvSpPr/>
+          <p:nvPr/>
+        </p:nvSpPr>
+        <p:spPr>
+          <a:xfrm>
+            <a:off x="4837232" y="3501008"/>
+            <a:ext cx="720080" cy="360040"/>
+          </a:xfrm>
+          <a:prstGeom prst="rect">
+            <a:avLst/>
+          </a:prstGeom>
+        </p:spPr>
+        <p:style>
+          <a:lnRef idx="1">
+            <a:schemeClr val="accent6"/>
+          </a:lnRef>
+          <a:fillRef idx="2">
+            <a:schemeClr val="accent6"/>
+          </a:fillRef>
+          <a:effectRef idx="1">
+            <a:schemeClr val="accent6"/>
+          </a:effectRef>
+          <a:fontRef idx="minor">
+            <a:schemeClr val="dk1"/>
+          </a:fontRef>
+        </p:style>
+        <p:txBody>
+          <a:bodyPr rtlCol="0" anchor="ctr"/>
+          <a:lstStyle/>
+          <a:p>
+            <a:pPr algn="ctr"/>
+            <a:r>
+              <a:rPr lang="en-US" altLang="ja-JP" sz="1400" dirty="0" smtClean="0"/>
+              <a:t>a[1, 1]</a:t>
+            </a:r>
+            <a:endParaRPr kumimoji="1" lang="ja-JP" altLang="en-US" sz="1400" dirty="0"/>
+          </a:p>
+        </p:txBody>
+      </p:sp>
+      <p:sp>
+        <p:nvSpPr>
+          <p:cNvPr id="12" name="正方形/長方形 11"/>
+          <p:cNvSpPr/>
+          <p:nvPr/>
+        </p:nvSpPr>
+        <p:spPr>
+          <a:xfrm>
+            <a:off x="5557312" y="3501008"/>
+            <a:ext cx="720080" cy="360040"/>
+          </a:xfrm>
+          <a:prstGeom prst="rect">
+            <a:avLst/>
+          </a:prstGeom>
+        </p:spPr>
+        <p:style>
+          <a:lnRef idx="1">
+            <a:schemeClr val="accent6"/>
+          </a:lnRef>
+          <a:fillRef idx="2">
+            <a:schemeClr val="accent6"/>
+          </a:fillRef>
+          <a:effectRef idx="1">
+            <a:schemeClr val="accent6"/>
+          </a:effectRef>
+          <a:fontRef idx="minor">
+            <a:schemeClr val="dk1"/>
+          </a:fontRef>
+        </p:style>
+        <p:txBody>
+          <a:bodyPr rtlCol="0" anchor="ctr"/>
+          <a:lstStyle/>
+          <a:p>
+            <a:pPr algn="ctr"/>
+            <a:r>
+              <a:rPr lang="en-US" altLang="ja-JP" sz="1400" dirty="0" smtClean="0"/>
+              <a:t>a[2, 1]</a:t>
+            </a:r>
+            <a:endParaRPr kumimoji="1" lang="ja-JP" altLang="en-US" sz="1400" dirty="0"/>
+          </a:p>
+        </p:txBody>
+      </p:sp>
+      <p:cxnSp>
+        <p:nvCxnSpPr>
+          <p:cNvPr id="13" name="直線コネクタ 12"/>
+          <p:cNvCxnSpPr/>
+          <p:nvPr/>
+        </p:nvCxnSpPr>
+        <p:spPr>
+          <a:xfrm>
+            <a:off x="6412334" y="3681028"/>
+            <a:ext cx="432048" cy="0"/>
+          </a:xfrm>
+          <a:prstGeom prst="line">
+            <a:avLst/>
+          </a:prstGeom>
+          <a:ln w="31750">
+            <a:prstDash val="sysDot"/>
+          </a:ln>
+        </p:spPr>
+        <p:style>
+          <a:lnRef idx="1">
+            <a:schemeClr val="dk1"/>
+          </a:lnRef>
+          <a:fillRef idx="0">
+            <a:schemeClr val="dk1"/>
+          </a:fillRef>
+          <a:effectRef idx="0">
+            <a:schemeClr val="dk1"/>
+          </a:effectRef>
+          <a:fontRef idx="minor">
+            <a:schemeClr val="tx1"/>
+          </a:fontRef>
+        </p:style>
+      </p:cxnSp>
     </p:spTree>
     <p:extLst>
       <p:ext uri="{BB962C8B-B14F-4D97-AF65-F5344CB8AC3E}">
@@ -12157,7 +12668,7 @@
           <a:p>
             <a:r>
               <a:rPr lang="en-US" altLang="ja-JP" dirty="0" err="1" smtClean="0"/>
-              <a:t>daru</a:t>
+              <a:t>NMatrix</a:t>
             </a:r>
             <a:endParaRPr kumimoji="1" lang="ja-JP" altLang="en-US" dirty="0"/>
           </a:p>
@@ -12165,7 +12676,7 @@
       </p:sp>
       <p:sp>
         <p:nvSpPr>
-          <p:cNvPr id="3" name="コンテンツ プレースホルダー 2"/>
+          <p:cNvPr id="6" name="コンテンツ プレースホルダー 5"/>
           <p:cNvSpPr>
             <a:spLocks noGrp="1"/>
           </p:cNvSpPr>
@@ -12179,20 +12690,144 @@
           <a:lstStyle/>
           <a:p>
             <a:r>
-              <a:rPr kumimoji="1" lang="en-US" altLang="ja-JP" dirty="0" smtClean="0"/>
-              <a:t>Data Analysis in </a:t>
-            </a:r>
-            <a:r>
-              <a:rPr kumimoji="1" lang="en-US" altLang="ja-JP" dirty="0" err="1" smtClean="0"/>
-              <a:t>RUby</a:t>
-            </a:r>
-            <a:endParaRPr kumimoji="1" lang="en-US" altLang="ja-JP" dirty="0" smtClean="0"/>
-          </a:p>
-          <a:p>
-            <a:pPr marL="0" indent="0">
-              <a:buNone/>
-            </a:pPr>
-            <a:endParaRPr lang="en-US" altLang="ja-JP" dirty="0"/>
+              <a:rPr lang="en-US" altLang="ja-JP" dirty="0" err="1" smtClean="0"/>
+              <a:t>SciRuby</a:t>
+            </a:r>
+            <a:r>
+              <a:rPr lang="ja-JP" altLang="en-US" dirty="0" smtClean="0"/>
+              <a:t>プロジェクトの行列計算ライブラリ</a:t>
+            </a:r>
+            <a:endParaRPr lang="en-US" altLang="ja-JP" dirty="0" smtClean="0"/>
+          </a:p>
+          <a:p>
+            <a:r>
+              <a:rPr lang="en-US" altLang="ja-JP" dirty="0" err="1" smtClean="0"/>
+              <a:t>NArray</a:t>
+            </a:r>
+            <a:r>
+              <a:rPr lang="ja-JP" altLang="en-US" dirty="0" smtClean="0"/>
+              <a:t>より後発の競合ライブラリ</a:t>
+            </a:r>
+            <a:endParaRPr lang="en-US" altLang="ja-JP" dirty="0" smtClean="0"/>
+          </a:p>
+          <a:p>
+            <a:pPr lvl="1"/>
+            <a:r>
+              <a:rPr lang="ja-JP" altLang="en-US" dirty="0"/>
+              <a:t>同時</a:t>
+            </a:r>
+            <a:r>
+              <a:rPr lang="ja-JP" altLang="en-US" dirty="0" smtClean="0"/>
+              <a:t>に使えないという意味でも競合</a:t>
+            </a:r>
+            <a:r>
+              <a:rPr lang="en-US" altLang="ja-JP" dirty="0" smtClean="0"/>
+              <a:t>…</a:t>
+            </a:r>
+          </a:p>
+          <a:p>
+            <a:pPr lvl="2"/>
+            <a:r>
+              <a:rPr lang="ja-JP" altLang="en-US" dirty="0" smtClean="0">
+                <a:latin typeface="Courier New" panose="02070309020205020404" pitchFamily="49" charset="0"/>
+                <a:cs typeface="Courier New" panose="02070309020205020404" pitchFamily="49" charset="0"/>
+              </a:rPr>
+              <a:t>ドキュメントには</a:t>
+            </a:r>
+            <a:r>
+              <a:rPr lang="en-US" altLang="ja-JP" dirty="0" smtClean="0">
+                <a:latin typeface="Courier New" panose="02070309020205020404" pitchFamily="49" charset="0"/>
+                <a:cs typeface="Courier New" panose="02070309020205020404" pitchFamily="49" charset="0"/>
+              </a:rPr>
+              <a:t> require "</a:t>
+            </a:r>
+            <a:r>
+              <a:rPr lang="en-US" altLang="ja-JP" dirty="0" err="1" smtClean="0">
+                <a:latin typeface="Courier New" panose="02070309020205020404" pitchFamily="49" charset="0"/>
+                <a:cs typeface="Courier New" panose="02070309020205020404" pitchFamily="49" charset="0"/>
+              </a:rPr>
+              <a:t>nmatrix</a:t>
+            </a:r>
+            <a:r>
+              <a:rPr lang="en-US" altLang="ja-JP" dirty="0" smtClean="0">
+                <a:latin typeface="Courier New" panose="02070309020205020404" pitchFamily="49" charset="0"/>
+                <a:cs typeface="Courier New" panose="02070309020205020404" pitchFamily="49" charset="0"/>
+              </a:rPr>
+              <a:t>/</a:t>
+            </a:r>
+            <a:r>
+              <a:rPr lang="en-US" altLang="ja-JP" dirty="0" err="1" smtClean="0">
+                <a:latin typeface="Courier New" panose="02070309020205020404" pitchFamily="49" charset="0"/>
+                <a:cs typeface="Courier New" panose="02070309020205020404" pitchFamily="49" charset="0"/>
+              </a:rPr>
+              <a:t>nmatrix</a:t>
+            </a:r>
+            <a:r>
+              <a:rPr lang="en-US" altLang="ja-JP" dirty="0" smtClean="0">
+                <a:latin typeface="Courier New" panose="02070309020205020404" pitchFamily="49" charset="0"/>
+                <a:cs typeface="Courier New" panose="02070309020205020404" pitchFamily="49" charset="0"/>
+              </a:rPr>
+              <a:t>"</a:t>
+            </a:r>
+            <a:r>
+              <a:rPr lang="ja-JP" altLang="en-US" dirty="0" smtClean="0"/>
+              <a:t>　で回避せよとあるが、その</a:t>
+            </a:r>
+            <a:r>
+              <a:rPr lang="ja-JP" altLang="en-US" dirty="0"/>
+              <a:t>後</a:t>
+            </a:r>
+            <a:r>
+              <a:rPr lang="ja-JP" altLang="en-US" dirty="0" smtClean="0"/>
+              <a:t>で </a:t>
+            </a:r>
+            <a:r>
+              <a:rPr lang="en-US" altLang="ja-JP" dirty="0" smtClean="0">
+                <a:latin typeface="Courier New" panose="02070309020205020404" pitchFamily="49" charset="0"/>
+                <a:cs typeface="Courier New" panose="02070309020205020404" pitchFamily="49" charset="0"/>
+              </a:rPr>
+              <a:t>require "</a:t>
+            </a:r>
+            <a:r>
+              <a:rPr lang="en-US" altLang="ja-JP" dirty="0" err="1" smtClean="0">
+                <a:latin typeface="Courier New" panose="02070309020205020404" pitchFamily="49" charset="0"/>
+                <a:cs typeface="Courier New" panose="02070309020205020404" pitchFamily="49" charset="0"/>
+              </a:rPr>
+              <a:t>narray</a:t>
+            </a:r>
+            <a:r>
+              <a:rPr lang="en-US" altLang="ja-JP" dirty="0" smtClean="0">
+                <a:latin typeface="Courier New" panose="02070309020205020404" pitchFamily="49" charset="0"/>
+                <a:cs typeface="Courier New" panose="02070309020205020404" pitchFamily="49" charset="0"/>
+              </a:rPr>
+              <a:t>"</a:t>
+            </a:r>
+            <a:r>
+              <a:rPr lang="ja-JP" altLang="en-US" dirty="0" smtClean="0">
+                <a:latin typeface="Courier New" panose="02070309020205020404" pitchFamily="49" charset="0"/>
+                <a:cs typeface="Courier New" panose="02070309020205020404" pitchFamily="49" charset="0"/>
+              </a:rPr>
+              <a:t>　しているライブラリがあるとエラー</a:t>
+            </a:r>
+            <a:r>
+              <a:rPr lang="en-US" altLang="ja-JP" smtClean="0">
+                <a:latin typeface="Courier New" panose="02070309020205020404" pitchFamily="49" charset="0"/>
+                <a:cs typeface="Courier New" panose="02070309020205020404" pitchFamily="49" charset="0"/>
+              </a:rPr>
+              <a:t>…</a:t>
+            </a:r>
+            <a:endParaRPr lang="en-US" altLang="ja-JP" dirty="0" smtClean="0"/>
+          </a:p>
+          <a:p>
+            <a:r>
+              <a:rPr lang="en-US" altLang="ja-JP" dirty="0" err="1" smtClean="0"/>
+              <a:t>NArray</a:t>
+            </a:r>
+            <a:r>
+              <a:rPr lang="ja-JP" altLang="en-US" dirty="0" smtClean="0"/>
+              <a:t>より開発が活発</a:t>
+            </a:r>
+            <a:endParaRPr lang="en-US" altLang="ja-JP" dirty="0" smtClean="0"/>
           </a:p>
         </p:txBody>
       </p:sp>
@@ -12222,7 +12857,7 @@
     </p:spTree>
     <p:extLst>
       <p:ext uri="{BB962C8B-B14F-4D97-AF65-F5344CB8AC3E}">
-        <p14:creationId xmlns:p14="http://schemas.microsoft.com/office/powerpoint/2010/main" val="4243506312"/>
+        <p14:creationId xmlns:p14="http://schemas.microsoft.com/office/powerpoint/2010/main" val="299734604"/>
       </p:ext>
     </p:extLst>
   </p:cSld>
@@ -12272,8 +12907,8 @@
           <a:lstStyle/>
           <a:p>
             <a:r>
-              <a:rPr lang="en-US" altLang="ja-JP" dirty="0" smtClean="0"/>
-              <a:t>Daru::Vector</a:t>
+              <a:rPr lang="en-US" altLang="ja-JP" dirty="0" err="1" smtClean="0"/>
+              <a:t>daru</a:t>
             </a:r>
             <a:endParaRPr kumimoji="1" lang="ja-JP" altLang="en-US" dirty="0"/>
           </a:p>
@@ -12295,16 +12930,12 @@
           <a:lstStyle/>
           <a:p>
             <a:r>
-              <a:rPr lang="en-US" altLang="ja-JP" dirty="0" smtClean="0"/>
-              <a:t>1</a:t>
-            </a:r>
-            <a:r>
-              <a:rPr lang="ja-JP" altLang="en-US" dirty="0" smtClean="0"/>
-              <a:t>次元</a:t>
-            </a:r>
-            <a:r>
-              <a:rPr lang="ja-JP" altLang="en-US" dirty="0"/>
-              <a:t>ベクトル</a:t>
+              <a:rPr kumimoji="1" lang="en-US" altLang="ja-JP" dirty="0" smtClean="0"/>
+              <a:t>Data Analysis in </a:t>
+            </a:r>
+            <a:r>
+              <a:rPr kumimoji="1" lang="en-US" altLang="ja-JP" dirty="0" err="1" smtClean="0"/>
+              <a:t>RUby</a:t>
             </a:r>
             <a:endParaRPr kumimoji="1" lang="en-US" altLang="ja-JP" dirty="0" smtClean="0"/>
           </a:p>
@@ -12334,6 +12965,126 @@
             <a:fld id="{D2D8002D-B5B0-4BAC-B1F6-782DDCCE6D9C}" type="slidenum">
               <a:rPr kumimoji="1" lang="ja-JP" altLang="en-US" smtClean="0"/>
               <a:t>25</a:t>
+            </a:fld>
+            <a:endParaRPr kumimoji="1" lang="ja-JP" altLang="en-US" dirty="0"/>
+          </a:p>
+        </p:txBody>
+      </p:sp>
+    </p:spTree>
+    <p:extLst>
+      <p:ext uri="{BB962C8B-B14F-4D97-AF65-F5344CB8AC3E}">
+        <p14:creationId xmlns:p14="http://schemas.microsoft.com/office/powerpoint/2010/main" val="4243506312"/>
+      </p:ext>
+    </p:extLst>
+  </p:cSld>
+  <p:clrMapOvr>
+    <a:masterClrMapping/>
+  </p:clrMapOvr>
+  <p:timing>
+    <p:tnLst>
+      <p:par>
+        <p:cTn id="1" dur="indefinite" restart="never" nodeType="tmRoot"/>
+      </p:par>
+    </p:tnLst>
+  </p:timing>
+</p:sld>
+</file>
+
+<file path=ppt/slides/slide27.xml><?xml version="1.0" encoding="utf-8"?>
+<p:sld xmlns:a="http://schemas.openxmlformats.org/drawingml/2006/main" xmlns:r="http://schemas.openxmlformats.org/officeDocument/2006/relationships" xmlns:p="http://schemas.openxmlformats.org/presentationml/2006/main">
+  <p:cSld>
+    <p:spTree>
+      <p:nvGrpSpPr>
+        <p:cNvPr id="1" name=""/>
+        <p:cNvGrpSpPr/>
+        <p:nvPr/>
+      </p:nvGrpSpPr>
+      <p:grpSpPr>
+        <a:xfrm>
+          <a:off x="0" y="0"/>
+          <a:ext cx="0" cy="0"/>
+          <a:chOff x="0" y="0"/>
+          <a:chExt cx="0" cy="0"/>
+        </a:xfrm>
+      </p:grpSpPr>
+      <p:sp>
+        <p:nvSpPr>
+          <p:cNvPr id="2" name="タイトル 1"/>
+          <p:cNvSpPr>
+            <a:spLocks noGrp="1"/>
+          </p:cNvSpPr>
+          <p:nvPr>
+            <p:ph type="title"/>
+          </p:nvPr>
+        </p:nvSpPr>
+        <p:spPr/>
+        <p:txBody>
+          <a:bodyPr/>
+          <a:lstStyle/>
+          <a:p>
+            <a:r>
+              <a:rPr lang="en-US" altLang="ja-JP" dirty="0" smtClean="0"/>
+              <a:t>Daru::Vector</a:t>
+            </a:r>
+            <a:endParaRPr kumimoji="1" lang="ja-JP" altLang="en-US" dirty="0"/>
+          </a:p>
+        </p:txBody>
+      </p:sp>
+      <p:sp>
+        <p:nvSpPr>
+          <p:cNvPr id="3" name="コンテンツ プレースホルダー 2"/>
+          <p:cNvSpPr>
+            <a:spLocks noGrp="1"/>
+          </p:cNvSpPr>
+          <p:nvPr>
+            <p:ph idx="1"/>
+          </p:nvPr>
+        </p:nvSpPr>
+        <p:spPr/>
+        <p:txBody>
+          <a:bodyPr/>
+          <a:lstStyle/>
+          <a:p>
+            <a:r>
+              <a:rPr lang="en-US" altLang="ja-JP" dirty="0" smtClean="0"/>
+              <a:t>1</a:t>
+            </a:r>
+            <a:r>
+              <a:rPr lang="ja-JP" altLang="en-US" dirty="0" smtClean="0"/>
+              <a:t>次元</a:t>
+            </a:r>
+            <a:r>
+              <a:rPr lang="ja-JP" altLang="en-US" dirty="0"/>
+              <a:t>ベクトル</a:t>
+            </a:r>
+            <a:endParaRPr kumimoji="1" lang="en-US" altLang="ja-JP" dirty="0" smtClean="0"/>
+          </a:p>
+          <a:p>
+            <a:pPr marL="0" indent="0">
+              <a:buNone/>
+            </a:pPr>
+            <a:endParaRPr lang="en-US" altLang="ja-JP" dirty="0"/>
+          </a:p>
+        </p:txBody>
+      </p:sp>
+      <p:sp>
+        <p:nvSpPr>
+          <p:cNvPr id="4" name="スライド番号プレースホルダー 3"/>
+          <p:cNvSpPr>
+            <a:spLocks noGrp="1"/>
+          </p:cNvSpPr>
+          <p:nvPr>
+            <p:ph type="sldNum" sz="quarter" idx="12"/>
+          </p:nvPr>
+        </p:nvSpPr>
+        <p:spPr/>
+        <p:txBody>
+          <a:bodyPr/>
+          <a:lstStyle/>
+          <a:p>
+            <a:fld id="{D2D8002D-B5B0-4BAC-B1F6-782DDCCE6D9C}" type="slidenum">
+              <a:rPr kumimoji="1" lang="ja-JP" altLang="en-US" smtClean="0"/>
+              <a:t>26</a:t>
             </a:fld>
             <a:endParaRPr kumimoji="1" lang="ja-JP" altLang="en-US" dirty="0"/>
           </a:p>
@@ -12450,7 +13201,7 @@
 </p:sld>
 </file>
 
-<file path=ppt/slides/slide27.xml><?xml version="1.0" encoding="utf-8"?>
+<file path=ppt/slides/slide28.xml><?xml version="1.0" encoding="utf-8"?>
 <p:sld xmlns:a="http://schemas.openxmlformats.org/drawingml/2006/main" xmlns:r="http://schemas.openxmlformats.org/officeDocument/2006/relationships" xmlns:p="http://schemas.openxmlformats.org/presentationml/2006/main">
   <p:cSld>
     <p:spTree>
@@ -12544,7 +13295,7 @@
           <a:p>
             <a:fld id="{D2D8002D-B5B0-4BAC-B1F6-782DDCCE6D9C}" type="slidenum">
               <a:rPr kumimoji="1" lang="ja-JP" altLang="en-US" smtClean="0"/>
-              <a:t>26</a:t>
+              <a:t>27</a:t>
             </a:fld>
             <a:endParaRPr kumimoji="1" lang="ja-JP" altLang="en-US" dirty="0"/>
           </a:p>
@@ -12661,215 +13412,6 @@
 </p:sld>
 </file>
 
-<file path=ppt/slides/slide28.xml><?xml version="1.0" encoding="utf-8"?>
-<p:sld xmlns:a="http://schemas.openxmlformats.org/drawingml/2006/main" xmlns:r="http://schemas.openxmlformats.org/officeDocument/2006/relationships" xmlns:p="http://schemas.openxmlformats.org/presentationml/2006/main">
-  <p:cSld>
-    <p:spTree>
-      <p:nvGrpSpPr>
-        <p:cNvPr id="1" name=""/>
-        <p:cNvGrpSpPr/>
-        <p:nvPr/>
-      </p:nvGrpSpPr>
-      <p:grpSpPr>
-        <a:xfrm>
-          <a:off x="0" y="0"/>
-          <a:ext cx="0" cy="0"/>
-          <a:chOff x="0" y="0"/>
-          <a:chExt cx="0" cy="0"/>
-        </a:xfrm>
-      </p:grpSpPr>
-      <p:sp>
-        <p:nvSpPr>
-          <p:cNvPr id="2" name="タイトル 1"/>
-          <p:cNvSpPr>
-            <a:spLocks noGrp="1"/>
-          </p:cNvSpPr>
-          <p:nvPr>
-            <p:ph type="title"/>
-          </p:nvPr>
-        </p:nvSpPr>
-        <p:spPr/>
-        <p:txBody>
-          <a:bodyPr/>
-          <a:lstStyle/>
-          <a:p>
-            <a:r>
-              <a:rPr kumimoji="1" lang="en-US" altLang="ja-JP" dirty="0" err="1" smtClean="0"/>
-              <a:t>Jupyter</a:t>
-            </a:r>
-            <a:r>
-              <a:rPr kumimoji="1" lang="en-US" altLang="ja-JP" dirty="0" smtClean="0"/>
-              <a:t>/</a:t>
-            </a:r>
-            <a:r>
-              <a:rPr kumimoji="1" lang="en-US" altLang="ja-JP" dirty="0" err="1" smtClean="0"/>
-              <a:t>IRuby</a:t>
-            </a:r>
-            <a:endParaRPr kumimoji="1" lang="ja-JP" altLang="en-US" dirty="0"/>
-          </a:p>
-        </p:txBody>
-      </p:sp>
-      <p:sp>
-        <p:nvSpPr>
-          <p:cNvPr id="3" name="コンテンツ プレースホルダー 2"/>
-          <p:cNvSpPr>
-            <a:spLocks noGrp="1"/>
-          </p:cNvSpPr>
-          <p:nvPr>
-            <p:ph idx="1"/>
-          </p:nvPr>
-        </p:nvSpPr>
-        <p:spPr/>
-        <p:txBody>
-          <a:bodyPr/>
-          <a:lstStyle/>
-          <a:p>
-            <a:r>
-              <a:rPr kumimoji="1" lang="en-US" altLang="ja-JP" dirty="0" err="1" smtClean="0"/>
-              <a:t>Jupyter</a:t>
-            </a:r>
-            <a:endParaRPr kumimoji="1" lang="en-US" altLang="ja-JP" dirty="0" smtClean="0"/>
-          </a:p>
-          <a:p>
-            <a:pPr lvl="1"/>
-            <a:r>
-              <a:rPr lang="en-US" altLang="ja-JP" dirty="0" smtClean="0"/>
-              <a:t>Web</a:t>
-            </a:r>
-            <a:r>
-              <a:rPr lang="ja-JP" altLang="en-US" dirty="0" smtClean="0"/>
-              <a:t>アプリケーションによる対話環境</a:t>
-            </a:r>
-            <a:endParaRPr lang="en-US" altLang="ja-JP" dirty="0" smtClean="0"/>
-          </a:p>
-          <a:p>
-            <a:pPr lvl="1"/>
-            <a:r>
-              <a:rPr kumimoji="1" lang="en-US" altLang="ja-JP" dirty="0" err="1" smtClean="0"/>
-              <a:t>Matematica</a:t>
-            </a:r>
-            <a:r>
-              <a:rPr kumimoji="1" lang="ja-JP" altLang="en-US" dirty="0" smtClean="0"/>
-              <a:t>風のノートブック</a:t>
-            </a:r>
-            <a:endParaRPr lang="en-US" altLang="ja-JP" dirty="0"/>
-          </a:p>
-          <a:p>
-            <a:pPr lvl="2"/>
-            <a:r>
-              <a:rPr lang="ja-JP" altLang="en-US" dirty="0" smtClean="0"/>
-              <a:t>プログラムの対話的実行</a:t>
-            </a:r>
-            <a:endParaRPr lang="en-US" altLang="ja-JP" dirty="0" smtClean="0"/>
-          </a:p>
-          <a:p>
-            <a:pPr lvl="2"/>
-            <a:r>
-              <a:rPr kumimoji="1" lang="ja-JP" altLang="en-US" dirty="0" smtClean="0"/>
-              <a:t>グラフの描画</a:t>
-            </a:r>
-            <a:endParaRPr kumimoji="1" lang="en-US" altLang="ja-JP" dirty="0" smtClean="0"/>
-          </a:p>
-          <a:p>
-            <a:pPr lvl="1"/>
-            <a:r>
-              <a:rPr lang="ja-JP" altLang="en-US" dirty="0" smtClean="0"/>
-              <a:t>プログラミング言語非依存</a:t>
-            </a:r>
-            <a:endParaRPr lang="en-US" altLang="ja-JP" dirty="0" smtClean="0"/>
-          </a:p>
-          <a:p>
-            <a:pPr lvl="2"/>
-            <a:r>
-              <a:rPr lang="ja-JP" altLang="en-US" dirty="0" smtClean="0"/>
-              <a:t>各言語の実行環境をカーネルとして提供</a:t>
-            </a:r>
-            <a:endParaRPr lang="en-US" altLang="ja-JP" dirty="0" smtClean="0"/>
-          </a:p>
-          <a:p>
-            <a:pPr lvl="2"/>
-            <a:r>
-              <a:rPr lang="ja-JP" altLang="en-US" dirty="0" smtClean="0"/>
-              <a:t>プロセス間</a:t>
-            </a:r>
-            <a:r>
-              <a:rPr lang="ja-JP" altLang="en-US" dirty="0"/>
-              <a:t>通信</a:t>
-            </a:r>
-            <a:endParaRPr lang="en-US" altLang="ja-JP" dirty="0" smtClean="0"/>
-          </a:p>
-          <a:p>
-            <a:r>
-              <a:rPr kumimoji="1" lang="en-US" altLang="ja-JP" dirty="0" err="1" smtClean="0"/>
-              <a:t>IRuby</a:t>
-            </a:r>
-            <a:endParaRPr kumimoji="1" lang="en-US" altLang="ja-JP" dirty="0" smtClean="0"/>
-          </a:p>
-          <a:p>
-            <a:pPr lvl="1"/>
-            <a:r>
-              <a:rPr lang="en-US" altLang="ja-JP" dirty="0" err="1" smtClean="0"/>
-              <a:t>Jupyter</a:t>
-            </a:r>
-            <a:r>
-              <a:rPr lang="ja-JP" altLang="en-US" dirty="0" smtClean="0"/>
-              <a:t>の</a:t>
-            </a:r>
-            <a:r>
-              <a:rPr lang="en-US" altLang="ja-JP" dirty="0" smtClean="0"/>
-              <a:t>Ruby</a:t>
-            </a:r>
-            <a:r>
-              <a:rPr lang="ja-JP" altLang="en-US" dirty="0" smtClean="0"/>
-              <a:t>カーネル</a:t>
-            </a:r>
-            <a:endParaRPr kumimoji="1" lang="ja-JP" altLang="en-US" dirty="0"/>
-          </a:p>
-        </p:txBody>
-      </p:sp>
-      <p:sp>
-        <p:nvSpPr>
-          <p:cNvPr id="4" name="スライド番号プレースホルダー 3"/>
-          <p:cNvSpPr>
-            <a:spLocks noGrp="1"/>
-          </p:cNvSpPr>
-          <p:nvPr>
-            <p:ph type="sldNum" sz="quarter" idx="12"/>
-          </p:nvPr>
-        </p:nvSpPr>
-        <p:spPr/>
-        <p:txBody>
-          <a:bodyPr/>
-          <a:lstStyle/>
-          <a:p>
-            <a:fld id="{D2D8002D-B5B0-4BAC-B1F6-782DDCCE6D9C}" type="slidenum">
-              <a:rPr kumimoji="1" lang="ja-JP" altLang="en-US" smtClean="0"/>
-              <a:t>27</a:t>
-            </a:fld>
-            <a:endParaRPr kumimoji="1" lang="ja-JP" altLang="en-US" dirty="0"/>
-          </a:p>
-        </p:txBody>
-      </p:sp>
-    </p:spTree>
-    <p:extLst>
-      <p:ext uri="{BB962C8B-B14F-4D97-AF65-F5344CB8AC3E}">
-        <p14:creationId xmlns:p14="http://schemas.microsoft.com/office/powerpoint/2010/main" val="1471523091"/>
-      </p:ext>
-    </p:extLst>
-  </p:cSld>
-  <p:clrMapOvr>
-    <a:masterClrMapping/>
-  </p:clrMapOvr>
-  <p:timing>
-    <p:tnLst>
-      <p:par>
-        <p:cTn id="1" dur="indefinite" restart="never" nodeType="tmRoot"/>
-      </p:par>
-    </p:tnLst>
-  </p:timing>
-</p:sld>
-</file>
-
 <file path=ppt/slides/slide29.xml><?xml version="1.0" encoding="utf-8"?>
 <p:sld xmlns:a="http://schemas.openxmlformats.org/drawingml/2006/main" xmlns:r="http://schemas.openxmlformats.org/officeDocument/2006/relationships" xmlns:p="http://schemas.openxmlformats.org/presentationml/2006/main">
   <p:cSld>
@@ -12903,8 +13445,134 @@
           <a:lstStyle/>
           <a:p>
             <a:r>
+              <a:rPr kumimoji="1" lang="en-US" altLang="ja-JP" dirty="0" err="1" smtClean="0"/>
+              <a:t>Jupyter</a:t>
+            </a:r>
+            <a:r>
+              <a:rPr kumimoji="1" lang="en-US" altLang="ja-JP" dirty="0" smtClean="0"/>
+              <a:t>/</a:t>
+            </a:r>
+            <a:r>
+              <a:rPr kumimoji="1" lang="en-US" altLang="ja-JP" dirty="0" err="1" smtClean="0"/>
+              <a:t>IRuby</a:t>
+            </a:r>
+            <a:endParaRPr kumimoji="1" lang="ja-JP" altLang="en-US" dirty="0"/>
+          </a:p>
+        </p:txBody>
+      </p:sp>
+      <p:sp>
+        <p:nvSpPr>
+          <p:cNvPr id="3" name="コンテンツ プレースホルダー 2"/>
+          <p:cNvSpPr>
+            <a:spLocks noGrp="1"/>
+          </p:cNvSpPr>
+          <p:nvPr>
+            <p:ph idx="1"/>
+          </p:nvPr>
+        </p:nvSpPr>
+        <p:spPr/>
+        <p:txBody>
+          <a:bodyPr/>
+          <a:lstStyle/>
+          <a:p>
+            <a:r>
+              <a:rPr kumimoji="1" lang="en-US" altLang="ja-JP" dirty="0" err="1" smtClean="0"/>
+              <a:t>Jupyter</a:t>
+            </a:r>
+            <a:endParaRPr kumimoji="1" lang="en-US" altLang="ja-JP" dirty="0" smtClean="0"/>
+          </a:p>
+          <a:p>
+            <a:pPr lvl="1"/>
+            <a:r>
+              <a:rPr lang="en-US" altLang="ja-JP" dirty="0" smtClean="0"/>
+              <a:t>Web</a:t>
+            </a:r>
+            <a:r>
+              <a:rPr lang="ja-JP" altLang="en-US" dirty="0" smtClean="0"/>
+              <a:t>アプリケーションによる対話環境</a:t>
+            </a:r>
+            <a:endParaRPr lang="en-US" altLang="ja-JP" dirty="0" smtClean="0"/>
+          </a:p>
+          <a:p>
+            <a:pPr lvl="1"/>
+            <a:r>
+              <a:rPr kumimoji="1" lang="en-US" altLang="ja-JP" dirty="0" err="1" smtClean="0"/>
+              <a:t>Matematica</a:t>
+            </a:r>
+            <a:r>
+              <a:rPr kumimoji="1" lang="ja-JP" altLang="en-US" dirty="0" smtClean="0"/>
+              <a:t>風のノートブック</a:t>
+            </a:r>
+            <a:endParaRPr lang="en-US" altLang="ja-JP" dirty="0"/>
+          </a:p>
+          <a:p>
+            <a:pPr lvl="2"/>
+            <a:r>
+              <a:rPr lang="ja-JP" altLang="en-US" dirty="0" smtClean="0"/>
+              <a:t>プログラムの対話的実行</a:t>
+            </a:r>
+            <a:endParaRPr lang="en-US" altLang="ja-JP" dirty="0" smtClean="0"/>
+          </a:p>
+          <a:p>
+            <a:pPr lvl="2"/>
+            <a:r>
+              <a:rPr kumimoji="1" lang="ja-JP" altLang="en-US" dirty="0" smtClean="0"/>
+              <a:t>グラフの描画</a:t>
+            </a:r>
+            <a:endParaRPr kumimoji="1" lang="en-US" altLang="ja-JP" dirty="0" smtClean="0"/>
+          </a:p>
+          <a:p>
+            <a:pPr lvl="1"/>
+            <a:r>
+              <a:rPr lang="ja-JP" altLang="en-US" dirty="0" smtClean="0"/>
+              <a:t>プログラミング言語非依存</a:t>
+            </a:r>
+            <a:endParaRPr lang="en-US" altLang="ja-JP" dirty="0" smtClean="0"/>
+          </a:p>
+          <a:p>
+            <a:pPr lvl="2"/>
+            <a:r>
+              <a:rPr lang="ja-JP" altLang="en-US" dirty="0" smtClean="0"/>
+              <a:t>各言語の実行環境をカーネルとして提供</a:t>
+            </a:r>
+            <a:endParaRPr lang="en-US" altLang="ja-JP" dirty="0" smtClean="0"/>
+          </a:p>
+          <a:p>
+            <a:pPr lvl="2"/>
+            <a:r>
+              <a:rPr lang="ja-JP" altLang="en-US" dirty="0" smtClean="0"/>
+              <a:t>プロセス間</a:t>
+            </a:r>
+            <a:r>
               <a:rPr lang="ja-JP" altLang="en-US" dirty="0"/>
-              <a:t>デモ</a:t>
+              <a:t>通信</a:t>
+            </a:r>
+            <a:endParaRPr lang="en-US" altLang="ja-JP" dirty="0" smtClean="0"/>
+          </a:p>
+          <a:p>
+            <a:r>
+              <a:rPr kumimoji="1" lang="en-US" altLang="ja-JP" dirty="0" err="1" smtClean="0"/>
+              <a:t>IRuby</a:t>
+            </a:r>
+            <a:endParaRPr kumimoji="1" lang="en-US" altLang="ja-JP" dirty="0" smtClean="0"/>
+          </a:p>
+          <a:p>
+            <a:pPr lvl="1"/>
+            <a:r>
+              <a:rPr lang="en-US" altLang="ja-JP" dirty="0" err="1" smtClean="0"/>
+              <a:t>Jupyter</a:t>
+            </a:r>
+            <a:r>
+              <a:rPr lang="ja-JP" altLang="en-US" dirty="0" smtClean="0"/>
+              <a:t>の</a:t>
+            </a:r>
+            <a:r>
+              <a:rPr lang="en-US" altLang="ja-JP" dirty="0" smtClean="0"/>
+              <a:t>Ruby</a:t>
+            </a:r>
+            <a:r>
+              <a:rPr lang="ja-JP" altLang="en-US" dirty="0" smtClean="0"/>
+              <a:t>カーネル</a:t>
             </a:r>
             <a:endParaRPr kumimoji="1" lang="ja-JP" altLang="en-US" dirty="0"/>
           </a:p>
@@ -12936,7 +13604,7 @@
     </p:spTree>
     <p:extLst>
       <p:ext uri="{BB962C8B-B14F-4D97-AF65-F5344CB8AC3E}">
-        <p14:creationId xmlns:p14="http://schemas.microsoft.com/office/powerpoint/2010/main" val="1075475458"/>
+        <p14:creationId xmlns:p14="http://schemas.microsoft.com/office/powerpoint/2010/main" val="1471523091"/>
       </p:ext>
     </p:extLst>
   </p:cSld>
@@ -13073,8 +13741,8 @@
           <a:lstStyle/>
           <a:p>
             <a:r>
-              <a:rPr lang="ja-JP" altLang="en-US" dirty="0" smtClean="0"/>
-              <a:t>今後の課題</a:t>
+              <a:rPr lang="ja-JP" altLang="en-US" dirty="0"/>
+              <a:t>デモ</a:t>
             </a:r>
             <a:endParaRPr kumimoji="1" lang="ja-JP" altLang="en-US" dirty="0"/>
           </a:p>
@@ -13106,7 +13774,7 @@
     </p:spTree>
     <p:extLst>
       <p:ext uri="{BB962C8B-B14F-4D97-AF65-F5344CB8AC3E}">
-        <p14:creationId xmlns:p14="http://schemas.microsoft.com/office/powerpoint/2010/main" val="811270252"/>
+        <p14:creationId xmlns:p14="http://schemas.microsoft.com/office/powerpoint/2010/main" val="1075475458"/>
       </p:ext>
     </p:extLst>
   </p:cSld>
@@ -13157,97 +13825,8 @@
           <a:p>
             <a:r>
               <a:rPr lang="ja-JP" altLang="en-US" dirty="0" smtClean="0"/>
-              <a:t>機能追加・機能改善</a:t>
-            </a:r>
-            <a:endParaRPr kumimoji="1" lang="ja-JP" altLang="en-US" dirty="0"/>
-          </a:p>
-        </p:txBody>
-      </p:sp>
-      <p:sp>
-        <p:nvSpPr>
-          <p:cNvPr id="6" name="コンテンツ プレースホルダー 5"/>
-          <p:cNvSpPr>
-            <a:spLocks noGrp="1"/>
-          </p:cNvSpPr>
-          <p:nvPr>
-            <p:ph idx="1"/>
-          </p:nvPr>
-        </p:nvSpPr>
-        <p:spPr/>
-        <p:txBody>
-          <a:bodyPr/>
-          <a:lstStyle/>
-          <a:p>
-            <a:r>
-              <a:rPr kumimoji="1" lang="en-US" altLang="ja-JP" dirty="0" err="1" smtClean="0"/>
-              <a:t>daru</a:t>
-            </a:r>
-            <a:endParaRPr kumimoji="1" lang="en-US" altLang="ja-JP" dirty="0" smtClean="0"/>
-          </a:p>
-          <a:p>
-            <a:pPr lvl="1"/>
-            <a:r>
-              <a:rPr kumimoji="1" lang="ja-JP" altLang="en-US" dirty="0" smtClean="0"/>
-              <a:t>欠損値の扱い</a:t>
-            </a:r>
-            <a:endParaRPr kumimoji="1" lang="en-US" altLang="ja-JP" dirty="0" smtClean="0"/>
-          </a:p>
-          <a:p>
-            <a:pPr lvl="2"/>
-            <a:r>
-              <a:rPr lang="ja-JP" altLang="en-US" dirty="0" smtClean="0"/>
-              <a:t>チェックや穴埋め</a:t>
-            </a:r>
-            <a:endParaRPr kumimoji="1" lang="en-US" altLang="ja-JP" dirty="0" smtClean="0"/>
-          </a:p>
-          <a:p>
-            <a:pPr lvl="1"/>
-            <a:r>
-              <a:rPr lang="ja-JP" altLang="en-US" dirty="0" smtClean="0"/>
-              <a:t>時系列データの扱い</a:t>
-            </a:r>
-            <a:endParaRPr lang="en-US" altLang="ja-JP" dirty="0" smtClean="0"/>
-          </a:p>
-          <a:p>
-            <a:pPr lvl="2"/>
-            <a:r>
-              <a:rPr lang="ja-JP" altLang="en-US" dirty="0" smtClean="0"/>
-              <a:t>再サンプリング</a:t>
-            </a:r>
-            <a:endParaRPr lang="en-US" altLang="ja-JP" dirty="0" smtClean="0"/>
-          </a:p>
-          <a:p>
-            <a:pPr lvl="1"/>
-            <a:r>
-              <a:rPr lang="ja-JP" altLang="en-US" dirty="0" smtClean="0"/>
-              <a:t>統計量の計算</a:t>
-            </a:r>
-            <a:endParaRPr lang="en-US" altLang="ja-JP" dirty="0" smtClean="0"/>
-          </a:p>
-          <a:p>
-            <a:pPr lvl="2"/>
-            <a:r>
-              <a:rPr lang="ja-JP" altLang="en-US" dirty="0"/>
-              <a:t>共</a:t>
-            </a:r>
-            <a:r>
-              <a:rPr lang="ja-JP" altLang="en-US" dirty="0" smtClean="0"/>
-              <a:t>分散や相関係数</a:t>
-            </a:r>
-            <a:endParaRPr kumimoji="1" lang="en-US" altLang="ja-JP" dirty="0" smtClean="0"/>
-          </a:p>
-          <a:p>
-            <a:pPr lvl="1"/>
-            <a:r>
-              <a:rPr kumimoji="1" lang="ja-JP" altLang="en-US" dirty="0" smtClean="0"/>
-              <a:t>金融関係の機能</a:t>
-            </a:r>
-            <a:endParaRPr kumimoji="1" lang="en-US" altLang="ja-JP" dirty="0" smtClean="0"/>
-          </a:p>
-          <a:p>
-            <a:pPr marL="0" indent="0">
-              <a:buNone/>
-            </a:pPr>
+              <a:t>今後の課題</a:t>
+            </a:r>
             <a:endParaRPr kumimoji="1" lang="ja-JP" altLang="en-US" dirty="0"/>
           </a:p>
         </p:txBody>
@@ -13278,7 +13857,7 @@
     </p:spTree>
     <p:extLst>
       <p:ext uri="{BB962C8B-B14F-4D97-AF65-F5344CB8AC3E}">
-        <p14:creationId xmlns:p14="http://schemas.microsoft.com/office/powerpoint/2010/main" val="565505173"/>
+        <p14:creationId xmlns:p14="http://schemas.microsoft.com/office/powerpoint/2010/main" val="811270252"/>
       </p:ext>
     </p:extLst>
   </p:cSld>
@@ -13329,7 +13908,7 @@
           <a:p>
             <a:r>
               <a:rPr lang="ja-JP" altLang="en-US" dirty="0" smtClean="0"/>
-              <a:t>性能改善</a:t>
+              <a:t>機能追加・機能改善</a:t>
             </a:r>
             <a:endParaRPr kumimoji="1" lang="ja-JP" altLang="en-US" dirty="0"/>
           </a:p>
@@ -13351,56 +13930,75 @@
           <a:lstStyle/>
           <a:p>
             <a:r>
-              <a:rPr lang="en-US" altLang="ja-JP" dirty="0" err="1" smtClean="0"/>
-              <a:t>NMatrix</a:t>
+              <a:rPr kumimoji="1" lang="en-US" altLang="ja-JP" dirty="0" err="1" smtClean="0"/>
+              <a:t>daru</a:t>
+            </a:r>
+            <a:endParaRPr kumimoji="1" lang="en-US" altLang="ja-JP" dirty="0" smtClean="0"/>
+          </a:p>
+          <a:p>
+            <a:pPr lvl="1"/>
+            <a:r>
+              <a:rPr kumimoji="1" lang="ja-JP" altLang="en-US" dirty="0" smtClean="0"/>
+              <a:t>欠損値の扱い</a:t>
+            </a:r>
+            <a:endParaRPr kumimoji="1" lang="en-US" altLang="ja-JP" dirty="0" smtClean="0"/>
+          </a:p>
+          <a:p>
+            <a:pPr lvl="2"/>
+            <a:r>
+              <a:rPr lang="ja-JP" altLang="en-US" dirty="0" smtClean="0"/>
+              <a:t>チェックや穴埋め</a:t>
+            </a:r>
+            <a:endParaRPr kumimoji="1" lang="en-US" altLang="ja-JP" dirty="0" smtClean="0"/>
+          </a:p>
+          <a:p>
+            <a:pPr lvl="1"/>
+            <a:r>
+              <a:rPr lang="ja-JP" altLang="en-US" dirty="0" smtClean="0"/>
+              <a:t>時系列データの扱い</a:t>
             </a:r>
             <a:endParaRPr lang="en-US" altLang="ja-JP" dirty="0" smtClean="0"/>
           </a:p>
           <a:p>
+            <a:pPr lvl="2"/>
+            <a:r>
+              <a:rPr lang="ja-JP" altLang="en-US" dirty="0" smtClean="0"/>
+              <a:t>再サンプリング</a:t>
+            </a:r>
+            <a:endParaRPr lang="en-US" altLang="ja-JP" dirty="0" smtClean="0"/>
+          </a:p>
+          <a:p>
             <a:pPr lvl="1"/>
             <a:r>
+              <a:rPr lang="ja-JP" altLang="en-US" dirty="0" smtClean="0"/>
+              <a:t>統計量の計算</a:t>
+            </a:r>
+            <a:endParaRPr lang="en-US" altLang="ja-JP" dirty="0" smtClean="0"/>
+          </a:p>
+          <a:p>
+            <a:pPr lvl="2"/>
+            <a:r>
               <a:rPr lang="ja-JP" altLang="en-US" dirty="0"/>
-              <a:t>処理</a:t>
+              <a:t>共</a:t>
             </a:r>
             <a:r>
               <a:rPr lang="ja-JP" altLang="en-US" dirty="0" smtClean="0"/>
-              <a:t>によって遅い？</a:t>
-            </a:r>
-            <a:endParaRPr lang="en-US" altLang="ja-JP" dirty="0" smtClean="0"/>
-          </a:p>
-          <a:p>
-            <a:r>
-              <a:rPr lang="en-US" altLang="ja-JP" dirty="0" err="1" smtClean="0"/>
-              <a:t>daru</a:t>
-            </a:r>
-            <a:endParaRPr lang="en-US" altLang="ja-JP" dirty="0" smtClean="0"/>
+              <a:t>分散や相関係数</a:t>
+            </a:r>
+            <a:endParaRPr kumimoji="1" lang="en-US" altLang="ja-JP" dirty="0" smtClean="0"/>
           </a:p>
           <a:p>
             <a:pPr lvl="1"/>
             <a:r>
-              <a:rPr lang="en-US" altLang="ja-JP" dirty="0" smtClean="0"/>
-              <a:t>GSL</a:t>
-            </a:r>
-            <a:r>
-              <a:rPr lang="ja-JP" altLang="en-US" dirty="0" smtClean="0"/>
-              <a:t>や</a:t>
-            </a:r>
-            <a:r>
-              <a:rPr lang="en-US" altLang="ja-JP" dirty="0" err="1" smtClean="0"/>
-              <a:t>NMatrix</a:t>
-            </a:r>
-            <a:r>
-              <a:rPr lang="ja-JP" altLang="en-US" dirty="0" smtClean="0"/>
-              <a:t>が利用できる場合はデフォルトで使う</a:t>
-            </a:r>
-            <a:endParaRPr lang="en-US" altLang="ja-JP" dirty="0" smtClean="0"/>
-          </a:p>
-          <a:p>
-            <a:pPr lvl="1"/>
-            <a:r>
               <a:rPr kumimoji="1" lang="ja-JP" altLang="en-US" dirty="0" smtClean="0"/>
-              <a:t>ベクトル演算関数を暗黙的に利用する</a:t>
-            </a:r>
+              <a:t>金融関係の機能</a:t>
+            </a:r>
+            <a:endParaRPr kumimoji="1" lang="en-US" altLang="ja-JP" dirty="0" smtClean="0"/>
+          </a:p>
+          <a:p>
+            <a:pPr marL="0" indent="0">
+              <a:buNone/>
+            </a:pPr>
             <a:endParaRPr kumimoji="1" lang="ja-JP" altLang="en-US" dirty="0"/>
           </a:p>
         </p:txBody>
@@ -13431,7 +14029,7 @@
     </p:spTree>
     <p:extLst>
       <p:ext uri="{BB962C8B-B14F-4D97-AF65-F5344CB8AC3E}">
-        <p14:creationId xmlns:p14="http://schemas.microsoft.com/office/powerpoint/2010/main" val="2932370937"/>
+        <p14:creationId xmlns:p14="http://schemas.microsoft.com/office/powerpoint/2010/main" val="565505173"/>
       </p:ext>
     </p:extLst>
   </p:cSld>
@@ -13481,12 +14079,8 @@
           <a:lstStyle/>
           <a:p>
             <a:r>
-              <a:rPr lang="en-US" altLang="ja-JP" dirty="0" smtClean="0"/>
-              <a:t>DSL</a:t>
-            </a:r>
-            <a:r>
               <a:rPr lang="ja-JP" altLang="en-US" dirty="0" smtClean="0"/>
-              <a:t>の強化</a:t>
+              <a:t>性能改善</a:t>
             </a:r>
             <a:endParaRPr kumimoji="1" lang="ja-JP" altLang="en-US" dirty="0"/>
           </a:p>
@@ -13508,27 +14102,47 @@
           <a:lstStyle/>
           <a:p>
             <a:r>
-              <a:rPr kumimoji="1" lang="en-US" altLang="ja-JP" dirty="0" err="1" smtClean="0"/>
+              <a:rPr lang="en-US" altLang="ja-JP" dirty="0" err="1" smtClean="0"/>
+              <a:t>NMatrix</a:t>
+            </a:r>
+            <a:endParaRPr lang="en-US" altLang="ja-JP" dirty="0" smtClean="0"/>
+          </a:p>
+          <a:p>
+            <a:pPr lvl="1"/>
+            <a:r>
+              <a:rPr lang="ja-JP" altLang="en-US" dirty="0"/>
+              <a:t>処理</a:t>
+            </a:r>
+            <a:r>
+              <a:rPr lang="ja-JP" altLang="en-US" dirty="0" smtClean="0"/>
+              <a:t>によって遅い？</a:t>
+            </a:r>
+            <a:endParaRPr lang="en-US" altLang="ja-JP" dirty="0" smtClean="0"/>
+          </a:p>
+          <a:p>
+            <a:r>
+              <a:rPr lang="en-US" altLang="ja-JP" dirty="0" err="1" smtClean="0"/>
               <a:t>daru</a:t>
             </a:r>
-            <a:endParaRPr kumimoji="1" lang="en-US" altLang="ja-JP" dirty="0" smtClean="0"/>
+            <a:endParaRPr lang="en-US" altLang="ja-JP" dirty="0" smtClean="0"/>
           </a:p>
           <a:p>
             <a:pPr lvl="1"/>
             <a:r>
-              <a:rPr kumimoji="1" lang="en-US" altLang="ja-JP" dirty="0" smtClean="0"/>
-              <a:t>Daru::</a:t>
-            </a:r>
-            <a:r>
-              <a:rPr kumimoji="1" lang="en-US" altLang="ja-JP" dirty="0" err="1" smtClean="0"/>
-              <a:t>DataFrame#where</a:t>
-            </a:r>
-            <a:endParaRPr kumimoji="1" lang="en-US" altLang="ja-JP" dirty="0" smtClean="0"/>
-          </a:p>
-          <a:p>
+              <a:rPr lang="en-US" altLang="ja-JP" dirty="0" smtClean="0"/>
+              <a:t>GSL</a:t>
+            </a:r>
+            <a:r>
+              <a:rPr lang="ja-JP" altLang="en-US" dirty="0" smtClean="0"/>
+              <a:t>や</a:t>
+            </a:r>
             <a:r>
               <a:rPr lang="en-US" altLang="ja-JP" dirty="0" err="1" smtClean="0"/>
-              <a:t>SciRuby</a:t>
+              <a:t>NMatrix</a:t>
+            </a:r>
+            <a:r>
+              <a:rPr lang="ja-JP" altLang="en-US" dirty="0" smtClean="0"/>
+              <a:t>が利用できる場合はデフォルトで使う</a:t>
             </a:r>
             <a:endParaRPr lang="en-US" altLang="ja-JP" dirty="0" smtClean="0"/>
           </a:p>
@@ -13536,17 +14150,9 @@
             <a:pPr lvl="1"/>
             <a:r>
               <a:rPr kumimoji="1" lang="ja-JP" altLang="en-US" dirty="0" smtClean="0"/>
-              <a:t>関数を</a:t>
-            </a:r>
-            <a:r>
-              <a:rPr kumimoji="1" lang="en-US" altLang="ja-JP" dirty="0" smtClean="0"/>
-              <a:t>Ruby</a:t>
-            </a:r>
-            <a:r>
-              <a:rPr kumimoji="1" lang="ja-JP" altLang="en-US" dirty="0" smtClean="0"/>
-              <a:t>の式で表現</a:t>
-            </a:r>
-            <a:endParaRPr kumimoji="1" lang="en-US" altLang="ja-JP" dirty="0" smtClean="0"/>
+              <a:t>ベクトル演算関数を暗黙的に利用する</a:t>
+            </a:r>
+            <a:endParaRPr kumimoji="1" lang="ja-JP" altLang="en-US" dirty="0"/>
           </a:p>
         </p:txBody>
       </p:sp>
@@ -13576,7 +14182,7 @@
     </p:spTree>
     <p:extLst>
       <p:ext uri="{BB962C8B-B14F-4D97-AF65-F5344CB8AC3E}">
-        <p14:creationId xmlns:p14="http://schemas.microsoft.com/office/powerpoint/2010/main" val="3539118332"/>
+        <p14:creationId xmlns:p14="http://schemas.microsoft.com/office/powerpoint/2010/main" val="2932370937"/>
       </p:ext>
     </p:extLst>
   </p:cSld>
@@ -13626,12 +14232,12 @@
           <a:lstStyle/>
           <a:p>
             <a:r>
-              <a:rPr kumimoji="1" lang="en-US" altLang="ja-JP" dirty="0" smtClean="0"/>
-              <a:t>Refinements</a:t>
-            </a:r>
-            <a:r>
-              <a:rPr kumimoji="1" lang="ja-JP" altLang="en-US" dirty="0" smtClean="0"/>
-              <a:t>による拡張</a:t>
+              <a:rPr lang="en-US" altLang="ja-JP" dirty="0" smtClean="0"/>
+              <a:t>DSL</a:t>
+            </a:r>
+            <a:r>
+              <a:rPr lang="ja-JP" altLang="en-US" dirty="0" smtClean="0"/>
+              <a:t>の強化</a:t>
             </a:r>
             <a:endParaRPr kumimoji="1" lang="ja-JP" altLang="en-US" dirty="0"/>
           </a:p>
@@ -13652,9 +14258,45 @@
           <a:bodyPr/>
           <a:lstStyle/>
           <a:p>
-            <a:pPr marL="0" indent="0">
-              <a:buNone/>
-            </a:pPr>
+            <a:r>
+              <a:rPr kumimoji="1" lang="en-US" altLang="ja-JP" dirty="0" err="1" smtClean="0"/>
+              <a:t>daru</a:t>
+            </a:r>
+            <a:endParaRPr kumimoji="1" lang="en-US" altLang="ja-JP" dirty="0" smtClean="0"/>
+          </a:p>
+          <a:p>
+            <a:pPr lvl="1"/>
+            <a:r>
+              <a:rPr kumimoji="1" lang="en-US" altLang="ja-JP" dirty="0" smtClean="0"/>
+              <a:t>Daru::</a:t>
+            </a:r>
+            <a:r>
+              <a:rPr kumimoji="1" lang="en-US" altLang="ja-JP" dirty="0" err="1" smtClean="0"/>
+              <a:t>DataFrame#where</a:t>
+            </a:r>
+            <a:endParaRPr kumimoji="1" lang="en-US" altLang="ja-JP" dirty="0" smtClean="0"/>
+          </a:p>
+          <a:p>
+            <a:r>
+              <a:rPr lang="en-US" altLang="ja-JP" dirty="0" err="1" smtClean="0"/>
+              <a:t>SciRuby</a:t>
+            </a:r>
+            <a:endParaRPr lang="en-US" altLang="ja-JP" dirty="0" smtClean="0"/>
+          </a:p>
+          <a:p>
+            <a:pPr lvl="1"/>
+            <a:r>
+              <a:rPr kumimoji="1" lang="ja-JP" altLang="en-US" dirty="0" smtClean="0"/>
+              <a:t>関数を</a:t>
+            </a:r>
+            <a:r>
+              <a:rPr kumimoji="1" lang="en-US" altLang="ja-JP" dirty="0" smtClean="0"/>
+              <a:t>Ruby</a:t>
+            </a:r>
+            <a:r>
+              <a:rPr kumimoji="1" lang="ja-JP" altLang="en-US" dirty="0" smtClean="0"/>
+              <a:t>の式で表現</a:t>
+            </a:r>
             <a:endParaRPr kumimoji="1" lang="en-US" altLang="ja-JP" dirty="0" smtClean="0"/>
           </a:p>
         </p:txBody>
@@ -13685,7 +14327,7 @@
     </p:spTree>
     <p:extLst>
       <p:ext uri="{BB962C8B-B14F-4D97-AF65-F5344CB8AC3E}">
-        <p14:creationId xmlns:p14="http://schemas.microsoft.com/office/powerpoint/2010/main" val="2460615494"/>
+        <p14:creationId xmlns:p14="http://schemas.microsoft.com/office/powerpoint/2010/main" val="3539118332"/>
       </p:ext>
     </p:extLst>
   </p:cSld>
@@ -13735,12 +14377,12 @@
           <a:lstStyle/>
           <a:p>
             <a:r>
-              <a:rPr lang="ja-JP" altLang="en-US" dirty="0"/>
-              <a:t>計算</a:t>
-            </a:r>
-            <a:r>
-              <a:rPr lang="ja-JP" altLang="en-US" dirty="0" smtClean="0"/>
-              <a:t>と可視化の統合</a:t>
+              <a:rPr kumimoji="1" lang="en-US" altLang="ja-JP" dirty="0" smtClean="0"/>
+              <a:t>Refinements</a:t>
+            </a:r>
+            <a:r>
+              <a:rPr kumimoji="1" lang="ja-JP" altLang="en-US" dirty="0" smtClean="0"/>
+              <a:t>による拡張</a:t>
             </a:r>
             <a:endParaRPr kumimoji="1" lang="ja-JP" altLang="en-US" dirty="0"/>
           </a:p>
@@ -13761,41 +14403,10 @@
           <a:bodyPr/>
           <a:lstStyle/>
           <a:p>
-            <a:r>
-              <a:rPr kumimoji="1" lang="en-US" altLang="ja-JP" dirty="0" err="1" smtClean="0"/>
-              <a:t>daru</a:t>
-            </a:r>
-            <a:r>
-              <a:rPr kumimoji="1" lang="ja-JP" altLang="en-US" dirty="0" smtClean="0"/>
-              <a:t>は</a:t>
-            </a:r>
-            <a:r>
-              <a:rPr kumimoji="1" lang="en-US" altLang="ja-JP" dirty="0" err="1" smtClean="0"/>
-              <a:t>Nyaplot</a:t>
-            </a:r>
-            <a:r>
-              <a:rPr kumimoji="1" lang="ja-JP" altLang="en-US" dirty="0" smtClean="0"/>
-              <a:t>を使用しているが、</a:t>
-            </a:r>
-            <a:r>
-              <a:rPr kumimoji="1" lang="en-US" altLang="ja-JP" dirty="0" err="1" smtClean="0"/>
-              <a:t>statsample</a:t>
-            </a:r>
-            <a:r>
-              <a:rPr kumimoji="1" lang="ja-JP" altLang="en-US" dirty="0" smtClean="0"/>
-              <a:t>などは使用していない</a:t>
-            </a:r>
+            <a:pPr marL="0" indent="0">
+              <a:buNone/>
+            </a:pPr>
             <a:endParaRPr kumimoji="1" lang="en-US" altLang="ja-JP" dirty="0" smtClean="0"/>
-          </a:p>
-          <a:p>
-            <a:r>
-              <a:rPr lang="ja-JP" altLang="en-US" dirty="0" smtClean="0"/>
-              <a:t>計測データと理論値の重ね合わせが面倒</a:t>
-            </a:r>
-            <a:endParaRPr kumimoji="1" lang="en-US" altLang="ja-JP" dirty="0" smtClean="0"/>
-          </a:p>
-          <a:p>
-            <a:endParaRPr kumimoji="1" lang="ja-JP" altLang="en-US" dirty="0"/>
           </a:p>
         </p:txBody>
       </p:sp>
@@ -13825,7 +14436,7 @@
     </p:spTree>
     <p:extLst>
       <p:ext uri="{BB962C8B-B14F-4D97-AF65-F5344CB8AC3E}">
-        <p14:creationId xmlns:p14="http://schemas.microsoft.com/office/powerpoint/2010/main" val="3583640956"/>
+        <p14:creationId xmlns:p14="http://schemas.microsoft.com/office/powerpoint/2010/main" val="2460615494"/>
       </p:ext>
     </p:extLst>
   </p:cSld>
@@ -13875,6 +14486,146 @@
           <a:lstStyle/>
           <a:p>
             <a:r>
+              <a:rPr lang="ja-JP" altLang="en-US" dirty="0"/>
+              <a:t>計算</a:t>
+            </a:r>
+            <a:r>
+              <a:rPr lang="ja-JP" altLang="en-US" dirty="0" smtClean="0"/>
+              <a:t>と可視化の統合</a:t>
+            </a:r>
+            <a:endParaRPr kumimoji="1" lang="ja-JP" altLang="en-US" dirty="0"/>
+          </a:p>
+        </p:txBody>
+      </p:sp>
+      <p:sp>
+        <p:nvSpPr>
+          <p:cNvPr id="6" name="コンテンツ プレースホルダー 5"/>
+          <p:cNvSpPr>
+            <a:spLocks noGrp="1"/>
+          </p:cNvSpPr>
+          <p:nvPr>
+            <p:ph idx="1"/>
+          </p:nvPr>
+        </p:nvSpPr>
+        <p:spPr/>
+        <p:txBody>
+          <a:bodyPr/>
+          <a:lstStyle/>
+          <a:p>
+            <a:r>
+              <a:rPr kumimoji="1" lang="en-US" altLang="ja-JP" dirty="0" err="1" smtClean="0"/>
+              <a:t>daru</a:t>
+            </a:r>
+            <a:r>
+              <a:rPr kumimoji="1" lang="ja-JP" altLang="en-US" dirty="0" smtClean="0"/>
+              <a:t>は</a:t>
+            </a:r>
+            <a:r>
+              <a:rPr kumimoji="1" lang="en-US" altLang="ja-JP" dirty="0" err="1" smtClean="0"/>
+              <a:t>Nyaplot</a:t>
+            </a:r>
+            <a:r>
+              <a:rPr kumimoji="1" lang="ja-JP" altLang="en-US" dirty="0" smtClean="0"/>
+              <a:t>を使用しているが、</a:t>
+            </a:r>
+            <a:r>
+              <a:rPr kumimoji="1" lang="en-US" altLang="ja-JP" dirty="0" err="1" smtClean="0"/>
+              <a:t>statsample</a:t>
+            </a:r>
+            <a:r>
+              <a:rPr kumimoji="1" lang="ja-JP" altLang="en-US" dirty="0" smtClean="0"/>
+              <a:t>などは使用していない</a:t>
+            </a:r>
+            <a:endParaRPr kumimoji="1" lang="en-US" altLang="ja-JP" dirty="0" smtClean="0"/>
+          </a:p>
+          <a:p>
+            <a:r>
+              <a:rPr lang="ja-JP" altLang="en-US" dirty="0" smtClean="0"/>
+              <a:t>計測データと理論値の重ね合わせが面倒</a:t>
+            </a:r>
+            <a:endParaRPr kumimoji="1" lang="en-US" altLang="ja-JP" dirty="0" smtClean="0"/>
+          </a:p>
+          <a:p>
+            <a:endParaRPr kumimoji="1" lang="ja-JP" altLang="en-US" dirty="0"/>
+          </a:p>
+        </p:txBody>
+      </p:sp>
+      <p:sp>
+        <p:nvSpPr>
+          <p:cNvPr id="4" name="スライド番号プレースホルダー 3"/>
+          <p:cNvSpPr>
+            <a:spLocks noGrp="1"/>
+          </p:cNvSpPr>
+          <p:nvPr>
+            <p:ph type="sldNum" sz="quarter" idx="12"/>
+          </p:nvPr>
+        </p:nvSpPr>
+        <p:spPr/>
+        <p:txBody>
+          <a:bodyPr/>
+          <a:lstStyle/>
+          <a:p>
+            <a:fld id="{D2D8002D-B5B0-4BAC-B1F6-782DDCCE6D9C}" type="slidenum">
+              <a:rPr kumimoji="1" lang="ja-JP" altLang="en-US" smtClean="0"/>
+              <a:t>35</a:t>
+            </a:fld>
+            <a:endParaRPr kumimoji="1" lang="ja-JP" altLang="en-US" dirty="0"/>
+          </a:p>
+        </p:txBody>
+      </p:sp>
+    </p:spTree>
+    <p:extLst>
+      <p:ext uri="{BB962C8B-B14F-4D97-AF65-F5344CB8AC3E}">
+        <p14:creationId xmlns:p14="http://schemas.microsoft.com/office/powerpoint/2010/main" val="3583640956"/>
+      </p:ext>
+    </p:extLst>
+  </p:cSld>
+  <p:clrMapOvr>
+    <a:masterClrMapping/>
+  </p:clrMapOvr>
+  <p:timing>
+    <p:tnLst>
+      <p:par>
+        <p:cTn id="1" dur="indefinite" restart="never" nodeType="tmRoot"/>
+      </p:par>
+    </p:tnLst>
+  </p:timing>
+</p:sld>
+</file>
+
+<file path=ppt/slides/slide37.xml><?xml version="1.0" encoding="utf-8"?>
+<p:sld xmlns:a="http://schemas.openxmlformats.org/drawingml/2006/main" xmlns:r="http://schemas.openxmlformats.org/officeDocument/2006/relationships" xmlns:p="http://schemas.openxmlformats.org/presentationml/2006/main">
+  <p:cSld>
+    <p:spTree>
+      <p:nvGrpSpPr>
+        <p:cNvPr id="1" name=""/>
+        <p:cNvGrpSpPr/>
+        <p:nvPr/>
+      </p:nvGrpSpPr>
+      <p:grpSpPr>
+        <a:xfrm>
+          <a:off x="0" y="0"/>
+          <a:ext cx="0" cy="0"/>
+          <a:chOff x="0" y="0"/>
+          <a:chExt cx="0" cy="0"/>
+        </a:xfrm>
+      </p:grpSpPr>
+      <p:sp>
+        <p:nvSpPr>
+          <p:cNvPr id="2" name="タイトル 1"/>
+          <p:cNvSpPr>
+            <a:spLocks noGrp="1"/>
+          </p:cNvSpPr>
+          <p:nvPr>
+            <p:ph type="title"/>
+          </p:nvPr>
+        </p:nvSpPr>
+        <p:spPr/>
+        <p:txBody>
+          <a:bodyPr/>
+          <a:lstStyle/>
+          <a:p>
+            <a:r>
               <a:rPr kumimoji="1" lang="en-US" altLang="ja-JP" dirty="0" smtClean="0"/>
               <a:t>References</a:t>
             </a:r>
@@ -14089,7 +14840,7 @@
           <a:p>
             <a:fld id="{D2D8002D-B5B0-4BAC-B1F6-782DDCCE6D9C}" type="slidenum">
               <a:rPr kumimoji="1" lang="ja-JP" altLang="en-US" smtClean="0"/>
-              <a:t>35</a:t>
+              <a:t>36</a:t>
             </a:fld>
             <a:endParaRPr kumimoji="1" lang="ja-JP" altLang="en-US" dirty="0"/>
           </a:p>
@@ -14587,8 +15338,8 @@
           </a:p>
         </p:txBody>
       </p:sp>
-      <mc:AlternateContent xmlns:mc="http://schemas.openxmlformats.org/markup-compatibility/2006">
-        <mc:Choice xmlns:a14="http://schemas.microsoft.com/office/drawing/2010/main" Requires="a14">
+      <mc:AlternateContent xmlns:mc="http://schemas.openxmlformats.org/markup-compatibility/2006" xmlns:a14="http://schemas.microsoft.com/office/drawing/2010/main">
+        <mc:Choice Requires="a14">
           <p:sp>
             <p:nvSpPr>
               <p:cNvPr id="3" name="コンテンツ プレースホルダー 2"/>
@@ -14860,7 +15611,7 @@
             </p:txBody>
           </p:sp>
         </mc:Choice>
-        <mc:Fallback>
+        <mc:Fallback xmlns="">
           <p:sp>
             <p:nvSpPr>
               <p:cNvPr id="3" name="コンテンツ プレースホルダー 2"/>

--- a/ruby_data_analysis.pptx
+++ b/ruby_data_analysis.pptx
@@ -5,7 +5,7 @@
     <p:sldMasterId id="2147483720" r:id="rId1"/>
   </p:sldMasterIdLst>
   <p:notesMasterIdLst>
-    <p:notesMasterId r:id="rId39"/>
+    <p:notesMasterId r:id="rId40"/>
   </p:notesMasterIdLst>
   <p:sldIdLst>
     <p:sldId id="256" r:id="rId2"/>
@@ -39,12 +39,13 @@
     <p:sldId id="325" r:id="rId30"/>
     <p:sldId id="327" r:id="rId31"/>
     <p:sldId id="326" r:id="rId32"/>
-    <p:sldId id="341" r:id="rId33"/>
-    <p:sldId id="343" r:id="rId34"/>
-    <p:sldId id="329" r:id="rId35"/>
-    <p:sldId id="346" r:id="rId36"/>
-    <p:sldId id="330" r:id="rId37"/>
-    <p:sldId id="338" r:id="rId38"/>
+    <p:sldId id="349" r:id="rId33"/>
+    <p:sldId id="341" r:id="rId34"/>
+    <p:sldId id="343" r:id="rId35"/>
+    <p:sldId id="329" r:id="rId36"/>
+    <p:sldId id="346" r:id="rId37"/>
+    <p:sldId id="330" r:id="rId38"/>
+    <p:sldId id="338" r:id="rId39"/>
   </p:sldIdLst>
   <p:sldSz cx="9144000" cy="6858000" type="screen4x3"/>
   <p:notesSz cx="6858000" cy="9144000"/>
@@ -244,7 +245,7 @@
           <a:p>
             <a:fld id="{D487E916-6975-4384-9337-33685829E0C9}" type="datetimeFigureOut">
               <a:rPr kumimoji="1" lang="ja-JP" altLang="en-US" smtClean="0"/>
-              <a:t>2016/2/9</a:t>
+              <a:t>2016/2/11</a:t>
             </a:fld>
             <a:endParaRPr kumimoji="1" lang="ja-JP" altLang="en-US"/>
           </a:p>
@@ -821,7 +822,7 @@
           <a:p>
             <a:fld id="{B5388ABC-ED38-449A-A1DD-0DF95F307DC2}" type="datetime1">
               <a:rPr kumimoji="1" lang="ja-JP" altLang="en-US" smtClean="0"/>
-              <a:t>2016/2/9</a:t>
+              <a:t>2016/2/11</a:t>
             </a:fld>
             <a:endParaRPr kumimoji="1" lang="ja-JP" altLang="en-US"/>
           </a:p>
@@ -1124,7 +1125,7 @@
           <a:p>
             <a:fld id="{91CAC327-6D45-4D23-90A2-B9A399787324}" type="datetime1">
               <a:rPr kumimoji="1" lang="ja-JP" altLang="en-US" smtClean="0"/>
-              <a:t>2016/2/9</a:t>
+              <a:t>2016/2/11</a:t>
             </a:fld>
             <a:endParaRPr kumimoji="1" lang="ja-JP" altLang="en-US"/>
           </a:p>
@@ -1331,7 +1332,7 @@
           <a:p>
             <a:fld id="{3D906796-C748-481D-9956-8BC21ED8B961}" type="datetime1">
               <a:rPr kumimoji="1" lang="ja-JP" altLang="en-US" smtClean="0"/>
-              <a:t>2016/2/9</a:t>
+              <a:t>2016/2/11</a:t>
             </a:fld>
             <a:endParaRPr kumimoji="1" lang="ja-JP" altLang="en-US"/>
           </a:p>
@@ -1537,7 +1538,7 @@
           <a:p>
             <a:fld id="{B695D9CF-C22D-467F-8463-26D3739C5D01}" type="datetime1">
               <a:rPr kumimoji="1" lang="ja-JP" altLang="en-US" smtClean="0"/>
-              <a:t>2016/2/9</a:t>
+              <a:t>2016/2/11</a:t>
             </a:fld>
             <a:endParaRPr kumimoji="1" lang="ja-JP" altLang="en-US"/>
           </a:p>
@@ -1828,7 +1829,7 @@
           <a:p>
             <a:fld id="{DDC49C62-652C-4310-89A5-F5582EA05BD5}" type="datetime1">
               <a:rPr kumimoji="1" lang="ja-JP" altLang="en-US" smtClean="0"/>
-              <a:t>2016/2/9</a:t>
+              <a:t>2016/2/11</a:t>
             </a:fld>
             <a:endParaRPr kumimoji="1" lang="ja-JP" altLang="en-US"/>
           </a:p>
@@ -2182,7 +2183,7 @@
           <a:p>
             <a:fld id="{77F02D97-5319-407B-AE83-52A9E5E3516E}" type="datetime1">
               <a:rPr kumimoji="1" lang="ja-JP" altLang="en-US" smtClean="0"/>
-              <a:t>2016/2/9</a:t>
+              <a:t>2016/2/11</a:t>
             </a:fld>
             <a:endParaRPr kumimoji="1" lang="ja-JP" altLang="en-US"/>
           </a:p>
@@ -2685,7 +2686,7 @@
           <a:p>
             <a:fld id="{61838B8B-A3B0-42B0-B1A9-79E7B91BD749}" type="datetime1">
               <a:rPr kumimoji="1" lang="ja-JP" altLang="en-US" smtClean="0"/>
-              <a:t>2016/2/9</a:t>
+              <a:t>2016/2/11</a:t>
             </a:fld>
             <a:endParaRPr kumimoji="1" lang="ja-JP" altLang="en-US"/>
           </a:p>
@@ -2809,7 +2810,7 @@
           <a:p>
             <a:fld id="{48452345-ACDF-4111-BC74-9EF178BC4C0B}" type="datetime1">
               <a:rPr kumimoji="1" lang="ja-JP" altLang="en-US" smtClean="0"/>
-              <a:t>2016/2/9</a:t>
+              <a:t>2016/2/11</a:t>
             </a:fld>
             <a:endParaRPr kumimoji="1" lang="ja-JP" altLang="en-US"/>
           </a:p>
@@ -2904,7 +2905,7 @@
           <a:p>
             <a:fld id="{279E7A1E-F7AD-4AA2-98BA-00D07373F8F1}" type="datetime1">
               <a:rPr kumimoji="1" lang="ja-JP" altLang="en-US" smtClean="0"/>
-              <a:t>2016/2/9</a:t>
+              <a:t>2016/2/11</a:t>
             </a:fld>
             <a:endParaRPr kumimoji="1" lang="ja-JP" altLang="en-US"/>
           </a:p>
@@ -3178,7 +3179,7 @@
           <a:p>
             <a:fld id="{9EE84142-7102-40A9-93B8-BC72B66FDCE1}" type="datetime1">
               <a:rPr kumimoji="1" lang="ja-JP" altLang="en-US" smtClean="0"/>
-              <a:t>2016/2/9</a:t>
+              <a:t>2016/2/11</a:t>
             </a:fld>
             <a:endParaRPr kumimoji="1" lang="ja-JP" altLang="en-US"/>
           </a:p>
@@ -3472,7 +3473,7 @@
           <a:p>
             <a:fld id="{3EF183A7-9963-4F31-A817-956200720A74}" type="datetime1">
               <a:rPr kumimoji="1" lang="ja-JP" altLang="en-US" smtClean="0"/>
-              <a:t>2016/2/9</a:t>
+              <a:t>2016/2/11</a:t>
             </a:fld>
             <a:endParaRPr kumimoji="1" lang="ja-JP" altLang="en-US"/>
           </a:p>
@@ -3798,7 +3799,7 @@
           <a:p>
             <a:fld id="{B376DA05-110D-4AAD-973D-FA506FA2E8AC}" type="datetime1">
               <a:rPr kumimoji="1" lang="ja-JP" altLang="en-US" smtClean="0"/>
-              <a:t>2016/2/9</a:t>
+              <a:t>2016/2/11</a:t>
             </a:fld>
             <a:endParaRPr kumimoji="1" lang="ja-JP" altLang="en-US"/>
           </a:p>
@@ -11641,29 +11642,6 @@
           </a:p>
         </p:txBody>
       </p:sp>
-      <p:sp>
-        <p:nvSpPr>
-          <p:cNvPr id="4" name="スライド番号プレースホルダー 3"/>
-          <p:cNvSpPr>
-            <a:spLocks noGrp="1"/>
-          </p:cNvSpPr>
-          <p:nvPr>
-            <p:ph type="sldNum" sz="quarter" idx="12"/>
-          </p:nvPr>
-        </p:nvSpPr>
-        <p:spPr/>
-        <p:txBody>
-          <a:bodyPr/>
-          <a:lstStyle/>
-          <a:p>
-            <a:fld id="{D2D8002D-B5B0-4BAC-B1F6-782DDCCE6D9C}" type="slidenum">
-              <a:rPr kumimoji="1" lang="ja-JP" altLang="en-US" smtClean="0"/>
-              <a:t>22</a:t>
-            </a:fld>
-            <a:endParaRPr kumimoji="1" lang="ja-JP" altLang="en-US" dirty="0"/>
-          </a:p>
-        </p:txBody>
-      </p:sp>
       <p:graphicFrame>
         <p:nvGraphicFramePr>
           <p:cNvPr id="7" name="コンテンツ プレースホルダー 6"/>
@@ -11986,6 +11964,226 @@
           </a:graphicData>
         </a:graphic>
       </p:graphicFrame>
+      <p:sp>
+        <p:nvSpPr>
+          <p:cNvPr id="4" name="スライド番号プレースホルダー 3"/>
+          <p:cNvSpPr>
+            <a:spLocks noGrp="1"/>
+          </p:cNvSpPr>
+          <p:nvPr>
+            <p:ph type="sldNum" sz="quarter" idx="12"/>
+          </p:nvPr>
+        </p:nvSpPr>
+        <p:spPr/>
+        <p:txBody>
+          <a:bodyPr/>
+          <a:lstStyle/>
+          <a:p>
+            <a:fld id="{D2D8002D-B5B0-4BAC-B1F6-782DDCCE6D9C}" type="slidenum">
+              <a:rPr kumimoji="1" lang="ja-JP" altLang="en-US" smtClean="0"/>
+              <a:t>22</a:t>
+            </a:fld>
+            <a:endParaRPr kumimoji="1" lang="ja-JP" altLang="en-US" dirty="0"/>
+          </a:p>
+        </p:txBody>
+      </p:sp>
+      <p:sp>
+        <p:nvSpPr>
+          <p:cNvPr id="5" name="コンテンツ プレースホルダー 5"/>
+          <p:cNvSpPr txBox="1">
+            <a:spLocks/>
+          </p:cNvSpPr>
+          <p:nvPr/>
+        </p:nvSpPr>
+        <p:spPr>
+          <a:xfrm>
+            <a:off x="457200" y="4205922"/>
+            <a:ext cx="7620000" cy="1920241"/>
+          </a:xfrm>
+          <a:prstGeom prst="rect">
+            <a:avLst/>
+          </a:prstGeom>
+        </p:spPr>
+        <p:txBody>
+          <a:bodyPr vert="horz" lIns="91440" tIns="45720" rIns="91440" bIns="45720" rtlCol="0">
+            <a:normAutofit/>
+          </a:bodyPr>
+          <a:lstStyle>
+            <a:lvl1pPr marL="342900" indent="-342900" algn="l" defTabSz="914400" rtl="0" eaLnBrk="1" latinLnBrk="0" hangingPunct="1">
+              <a:spcBef>
+                <a:spcPct val="20000"/>
+              </a:spcBef>
+              <a:spcAft>
+                <a:spcPts val="600"/>
+              </a:spcAft>
+              <a:buClr>
+                <a:schemeClr val="tx2"/>
+              </a:buClr>
+              <a:buFont typeface="Wingdings" panose="05000000000000000000" pitchFamily="2" charset="2"/>
+              <a:buChar char="n"/>
+              <a:defRPr kumimoji="1" sz="2000" b="1" kern="1200">
+                <a:solidFill>
+                  <a:schemeClr val="tx1"/>
+                </a:solidFill>
+                <a:latin typeface="+mn-lt"/>
+                <a:ea typeface="+mn-ea"/>
+                <a:cs typeface="+mn-cs"/>
+              </a:defRPr>
+            </a:lvl1pPr>
+            <a:lvl2pPr marL="457200" indent="-182880" algn="l" defTabSz="914400" rtl="0" eaLnBrk="1" latinLnBrk="0" hangingPunct="1">
+              <a:spcBef>
+                <a:spcPct val="20000"/>
+              </a:spcBef>
+              <a:buClr>
+                <a:schemeClr val="tx2"/>
+              </a:buClr>
+              <a:buFont typeface="Arial" pitchFamily="34" charset="0"/>
+              <a:buChar char="•"/>
+              <a:defRPr kumimoji="1" sz="2000" kern="1200">
+                <a:solidFill>
+                  <a:schemeClr val="tx1"/>
+                </a:solidFill>
+                <a:latin typeface="+mn-lt"/>
+                <a:ea typeface="+mn-ea"/>
+                <a:cs typeface="+mn-cs"/>
+              </a:defRPr>
+            </a:lvl2pPr>
+            <a:lvl3pPr marL="1143000" indent="-228600" algn="l" defTabSz="914400" rtl="0" eaLnBrk="1" latinLnBrk="0" hangingPunct="1">
+              <a:spcBef>
+                <a:spcPct val="20000"/>
+              </a:spcBef>
+              <a:buClr>
+                <a:schemeClr val="tx2"/>
+              </a:buClr>
+              <a:buFont typeface="Arial" pitchFamily="34" charset="0"/>
+              <a:buChar char="•"/>
+              <a:defRPr kumimoji="1" sz="1800" kern="1200">
+                <a:solidFill>
+                  <a:schemeClr val="tx1"/>
+                </a:solidFill>
+                <a:latin typeface="+mn-lt"/>
+                <a:ea typeface="+mn-ea"/>
+                <a:cs typeface="+mn-cs"/>
+              </a:defRPr>
+            </a:lvl3pPr>
+            <a:lvl4pPr marL="1600200" indent="-228600" algn="l" defTabSz="914400" rtl="0" eaLnBrk="1" latinLnBrk="0" hangingPunct="1">
+              <a:spcBef>
+                <a:spcPct val="20000"/>
+              </a:spcBef>
+              <a:buClr>
+                <a:schemeClr val="tx2"/>
+              </a:buClr>
+              <a:buFont typeface="Arial" pitchFamily="34" charset="0"/>
+              <a:buChar char="•"/>
+              <a:defRPr kumimoji="1" sz="1800" kern="1200">
+                <a:solidFill>
+                  <a:schemeClr val="tx1"/>
+                </a:solidFill>
+                <a:latin typeface="+mn-lt"/>
+                <a:ea typeface="+mn-ea"/>
+                <a:cs typeface="+mn-cs"/>
+              </a:defRPr>
+            </a:lvl4pPr>
+            <a:lvl5pPr marL="2057400" indent="-228600" algn="l" defTabSz="914400" rtl="0" eaLnBrk="1" latinLnBrk="0" hangingPunct="1">
+              <a:spcBef>
+                <a:spcPct val="20000"/>
+              </a:spcBef>
+              <a:buClr>
+                <a:schemeClr val="tx2"/>
+              </a:buClr>
+              <a:buFont typeface="Arial" pitchFamily="34" charset="0"/>
+              <a:buChar char="•"/>
+              <a:defRPr kumimoji="1" sz="1800" kern="1200" baseline="0">
+                <a:solidFill>
+                  <a:schemeClr val="tx1"/>
+                </a:solidFill>
+                <a:latin typeface="+mn-lt"/>
+                <a:ea typeface="+mn-ea"/>
+                <a:cs typeface="+mn-cs"/>
+              </a:defRPr>
+            </a:lvl5pPr>
+            <a:lvl6pPr marL="2514600" indent="-228600" algn="l" defTabSz="914400" rtl="0" eaLnBrk="1" latinLnBrk="0" hangingPunct="1">
+              <a:spcBef>
+                <a:spcPct val="20000"/>
+              </a:spcBef>
+              <a:buClr>
+                <a:schemeClr val="tx2"/>
+              </a:buClr>
+              <a:buFont typeface="Arial" pitchFamily="34" charset="0"/>
+              <a:buChar char="•"/>
+              <a:defRPr kumimoji="1" sz="1600" kern="1200">
+                <a:solidFill>
+                  <a:schemeClr val="tx1"/>
+                </a:solidFill>
+                <a:latin typeface="+mn-lt"/>
+                <a:ea typeface="+mn-ea"/>
+                <a:cs typeface="+mn-cs"/>
+              </a:defRPr>
+            </a:lvl6pPr>
+            <a:lvl7pPr marL="2971800" indent="-228600" algn="l" defTabSz="914400" rtl="0" eaLnBrk="1" latinLnBrk="0" hangingPunct="1">
+              <a:spcBef>
+                <a:spcPct val="20000"/>
+              </a:spcBef>
+              <a:buClr>
+                <a:schemeClr val="tx2"/>
+              </a:buClr>
+              <a:buFont typeface="Arial" pitchFamily="34" charset="0"/>
+              <a:buChar char="•"/>
+              <a:defRPr kumimoji="1" sz="1600" kern="1200">
+                <a:solidFill>
+                  <a:schemeClr val="tx1"/>
+                </a:solidFill>
+                <a:latin typeface="+mn-lt"/>
+                <a:ea typeface="+mn-ea"/>
+                <a:cs typeface="+mn-cs"/>
+              </a:defRPr>
+            </a:lvl7pPr>
+            <a:lvl8pPr marL="3429000" indent="-228600" algn="l" defTabSz="914400" rtl="0" eaLnBrk="1" latinLnBrk="0" hangingPunct="1">
+              <a:spcBef>
+                <a:spcPct val="20000"/>
+              </a:spcBef>
+              <a:buClr>
+                <a:schemeClr val="tx2"/>
+              </a:buClr>
+              <a:buFont typeface="Arial" pitchFamily="34" charset="0"/>
+              <a:buChar char="•"/>
+              <a:defRPr kumimoji="1" sz="1600" kern="1200">
+                <a:solidFill>
+                  <a:schemeClr val="tx1"/>
+                </a:solidFill>
+                <a:latin typeface="+mn-lt"/>
+                <a:ea typeface="+mn-ea"/>
+                <a:cs typeface="+mn-cs"/>
+              </a:defRPr>
+            </a:lvl8pPr>
+            <a:lvl9pPr marL="3886200" indent="-228600" algn="l" defTabSz="914400" rtl="0" eaLnBrk="1" latinLnBrk="0" hangingPunct="1">
+              <a:spcBef>
+                <a:spcPct val="20000"/>
+              </a:spcBef>
+              <a:buClr>
+                <a:schemeClr val="tx2"/>
+              </a:buClr>
+              <a:buFont typeface="Arial" pitchFamily="34" charset="0"/>
+              <a:buChar char="•"/>
+              <a:defRPr kumimoji="1" sz="1600" kern="1200">
+                <a:solidFill>
+                  <a:schemeClr val="tx1"/>
+                </a:solidFill>
+                <a:latin typeface="+mn-lt"/>
+                <a:ea typeface="+mn-ea"/>
+                <a:cs typeface="+mn-cs"/>
+              </a:defRPr>
+            </a:lvl9pPr>
+          </a:lstStyle>
+          <a:p>
+            <a:r>
+              <a:rPr lang="ja-JP" altLang="en-US" dirty="0" smtClean="0"/>
+              <a:t>基本的な要素は揃いつつある</a:t>
+            </a:r>
+            <a:endParaRPr lang="en-US" altLang="ja-JP" dirty="0" smtClean="0"/>
+          </a:p>
+        </p:txBody>
+      </p:sp>
     </p:spTree>
     <p:extLst>
       <p:ext uri="{BB962C8B-B14F-4D97-AF65-F5344CB8AC3E}">
@@ -12940,6 +13138,49 @@
             <a:endParaRPr kumimoji="1" lang="en-US" altLang="ja-JP" dirty="0" smtClean="0"/>
           </a:p>
           <a:p>
+            <a:r>
+              <a:rPr kumimoji="1" lang="en-US" altLang="ja-JP" dirty="0" smtClean="0"/>
+              <a:t>Daru::Vector</a:t>
+            </a:r>
+          </a:p>
+          <a:p>
+            <a:pPr lvl="1"/>
+            <a:r>
+              <a:rPr lang="ja-JP" altLang="en-US" dirty="0" smtClean="0"/>
+              <a:t>一次元</a:t>
+            </a:r>
+            <a:r>
+              <a:rPr lang="ja-JP" altLang="en-US" dirty="0" smtClean="0"/>
+              <a:t>ベクトルを表すデータ構造</a:t>
+            </a:r>
+            <a:endParaRPr lang="en-US" altLang="ja-JP" dirty="0" smtClean="0"/>
+          </a:p>
+          <a:p>
+            <a:r>
+              <a:rPr kumimoji="1" lang="en-US" altLang="ja-JP" dirty="0" smtClean="0"/>
+              <a:t>Daru::</a:t>
+            </a:r>
+            <a:r>
+              <a:rPr kumimoji="1" lang="en-US" altLang="ja-JP" dirty="0" err="1" smtClean="0"/>
+              <a:t>DataFrame</a:t>
+            </a:r>
+            <a:endParaRPr kumimoji="1" lang="en-US" altLang="ja-JP" dirty="0" smtClean="0"/>
+          </a:p>
+          <a:p>
+            <a:pPr lvl="1"/>
+            <a:r>
+              <a:rPr lang="ja-JP" altLang="en-US" dirty="0" smtClean="0"/>
+              <a:t>スプレッドシートライクな二次元の表を表すデータ構造</a:t>
+            </a:r>
+            <a:endParaRPr lang="en-US" altLang="ja-JP" dirty="0" smtClean="0"/>
+          </a:p>
+          <a:p>
+            <a:pPr marL="0" indent="0">
+              <a:buNone/>
+            </a:pPr>
+            <a:endParaRPr kumimoji="1" lang="en-US" altLang="ja-JP" dirty="0" smtClean="0"/>
+          </a:p>
+          <a:p>
             <a:pPr marL="0" indent="0">
               <a:buNone/>
             </a:pPr>
@@ -13908,7 +14149,7 @@
           <a:p>
             <a:r>
               <a:rPr lang="ja-JP" altLang="en-US" dirty="0" smtClean="0"/>
-              <a:t>機能追加・機能改善</a:t>
+              <a:t>利用者が少ない</a:t>
             </a:r>
             <a:endParaRPr kumimoji="1" lang="ja-JP" altLang="en-US" dirty="0"/>
           </a:p>
@@ -13930,75 +14171,60 @@
           <a:lstStyle/>
           <a:p>
             <a:r>
+              <a:rPr lang="en-US" altLang="ja-JP" dirty="0" err="1" smtClean="0"/>
+              <a:t>nmatrix</a:t>
+            </a:r>
+            <a:r>
+              <a:rPr lang="ja-JP" altLang="en-US" dirty="0" smtClean="0"/>
+              <a:t>と</a:t>
+            </a:r>
+            <a:r>
+              <a:rPr lang="en-US" altLang="ja-JP" dirty="0" err="1" smtClean="0"/>
+              <a:t>statsample</a:t>
+            </a:r>
+            <a:r>
+              <a:rPr lang="ja-JP" altLang="en-US" dirty="0" smtClean="0"/>
+              <a:t>を同時に</a:t>
+            </a:r>
+            <a:r>
+              <a:rPr lang="en-US" altLang="ja-JP" dirty="0" smtClean="0"/>
+              <a:t>require</a:t>
+            </a:r>
+            <a:r>
+              <a:rPr lang="ja-JP" altLang="en-US" dirty="0" smtClean="0"/>
+              <a:t>すると最新の</a:t>
+            </a:r>
+            <a:r>
+              <a:rPr lang="en-US" altLang="ja-JP" dirty="0" smtClean="0"/>
+              <a:t>Ruby</a:t>
+            </a:r>
+            <a:r>
+              <a:rPr lang="ja-JP" altLang="en-US" dirty="0" smtClean="0"/>
+              <a:t>ではエラーになっていることを見ても。</a:t>
+            </a:r>
+            <a:endParaRPr lang="en-US" altLang="ja-JP" dirty="0" smtClean="0"/>
+          </a:p>
+          <a:p>
+            <a:r>
               <a:rPr kumimoji="1" lang="en-US" altLang="ja-JP" dirty="0" err="1" smtClean="0"/>
-              <a:t>daru</a:t>
-            </a:r>
-            <a:endParaRPr kumimoji="1" lang="en-US" altLang="ja-JP" dirty="0" smtClean="0"/>
-          </a:p>
-          <a:p>
-            <a:pPr lvl="1"/>
+              <a:t>NArray</a:t>
+            </a:r>
             <a:r>
               <a:rPr kumimoji="1" lang="ja-JP" altLang="en-US" dirty="0" smtClean="0"/>
-              <a:t>欠損値の扱い</a:t>
-            </a:r>
-            <a:endParaRPr kumimoji="1" lang="en-US" altLang="ja-JP" dirty="0" smtClean="0"/>
-          </a:p>
-          <a:p>
-            <a:pPr lvl="2"/>
+              <a:t>と</a:t>
+            </a:r>
+            <a:r>
+              <a:rPr kumimoji="1" lang="en-US" altLang="ja-JP" dirty="0" err="1" smtClean="0"/>
+              <a:t>NMatrix</a:t>
+            </a:r>
+            <a:r>
+              <a:rPr kumimoji="1" lang="ja-JP" altLang="en-US" dirty="0" smtClean="0"/>
+              <a:t>が競合していることも、少ない利用者・開発者が</a:t>
+            </a:r>
             <a:r>
               <a:rPr lang="ja-JP" altLang="en-US" dirty="0" smtClean="0"/>
-              <a:t>チェックや穴埋め</a:t>
-            </a:r>
-            <a:endParaRPr kumimoji="1" lang="en-US" altLang="ja-JP" dirty="0" smtClean="0"/>
-          </a:p>
-          <a:p>
-            <a:pPr lvl="1"/>
-            <a:r>
-              <a:rPr lang="ja-JP" altLang="en-US" dirty="0" smtClean="0"/>
-              <a:t>時系列データの扱い</a:t>
-            </a:r>
-            <a:endParaRPr lang="en-US" altLang="ja-JP" dirty="0" smtClean="0"/>
-          </a:p>
-          <a:p>
-            <a:pPr lvl="2"/>
-            <a:r>
-              <a:rPr lang="ja-JP" altLang="en-US" dirty="0" smtClean="0"/>
-              <a:t>再サンプリング</a:t>
-            </a:r>
-            <a:endParaRPr lang="en-US" altLang="ja-JP" dirty="0" smtClean="0"/>
-          </a:p>
-          <a:p>
-            <a:pPr lvl="1"/>
-            <a:r>
-              <a:rPr lang="ja-JP" altLang="en-US" dirty="0" smtClean="0"/>
-              <a:t>統計量の計算</a:t>
-            </a:r>
-            <a:endParaRPr lang="en-US" altLang="ja-JP" dirty="0" smtClean="0"/>
-          </a:p>
-          <a:p>
-            <a:pPr lvl="2"/>
-            <a:r>
-              <a:rPr lang="ja-JP" altLang="en-US" dirty="0"/>
-              <a:t>共</a:t>
-            </a:r>
-            <a:r>
-              <a:rPr lang="ja-JP" altLang="en-US" dirty="0" smtClean="0"/>
-              <a:t>分散や相関係数</a:t>
-            </a:r>
-            <a:endParaRPr kumimoji="1" lang="en-US" altLang="ja-JP" dirty="0" smtClean="0"/>
-          </a:p>
-          <a:p>
-            <a:pPr lvl="1"/>
-            <a:r>
-              <a:rPr kumimoji="1" lang="ja-JP" altLang="en-US" dirty="0" smtClean="0"/>
-              <a:t>金融関係の機能</a:t>
-            </a:r>
-            <a:endParaRPr kumimoji="1" lang="en-US" altLang="ja-JP" dirty="0" smtClean="0"/>
-          </a:p>
-          <a:p>
-            <a:pPr marL="0" indent="0">
-              <a:buNone/>
-            </a:pPr>
+              <a:t>分散してしまう原因になっているのでは？</a:t>
+            </a:r>
             <a:endParaRPr kumimoji="1" lang="ja-JP" altLang="en-US" dirty="0"/>
           </a:p>
         </p:txBody>
@@ -14029,7 +14255,7 @@
     </p:spTree>
     <p:extLst>
       <p:ext uri="{BB962C8B-B14F-4D97-AF65-F5344CB8AC3E}">
-        <p14:creationId xmlns:p14="http://schemas.microsoft.com/office/powerpoint/2010/main" val="565505173"/>
+        <p14:creationId xmlns:p14="http://schemas.microsoft.com/office/powerpoint/2010/main" val="435299899"/>
       </p:ext>
     </p:extLst>
   </p:cSld>
@@ -14080,7 +14306,7 @@
           <a:p>
             <a:r>
               <a:rPr lang="ja-JP" altLang="en-US" dirty="0" smtClean="0"/>
-              <a:t>性能改善</a:t>
+              <a:t>機能追加・機能改善</a:t>
             </a:r>
             <a:endParaRPr kumimoji="1" lang="ja-JP" altLang="en-US" dirty="0"/>
           </a:p>
@@ -14102,56 +14328,75 @@
           <a:lstStyle/>
           <a:p>
             <a:r>
-              <a:rPr lang="en-US" altLang="ja-JP" dirty="0" err="1" smtClean="0"/>
-              <a:t>NMatrix</a:t>
+              <a:rPr kumimoji="1" lang="en-US" altLang="ja-JP" dirty="0" err="1" smtClean="0"/>
+              <a:t>daru</a:t>
+            </a:r>
+            <a:endParaRPr kumimoji="1" lang="en-US" altLang="ja-JP" dirty="0" smtClean="0"/>
+          </a:p>
+          <a:p>
+            <a:pPr lvl="1"/>
+            <a:r>
+              <a:rPr kumimoji="1" lang="ja-JP" altLang="en-US" dirty="0" smtClean="0"/>
+              <a:t>欠損値の扱い</a:t>
+            </a:r>
+            <a:endParaRPr kumimoji="1" lang="en-US" altLang="ja-JP" dirty="0" smtClean="0"/>
+          </a:p>
+          <a:p>
+            <a:pPr lvl="2"/>
+            <a:r>
+              <a:rPr lang="ja-JP" altLang="en-US" dirty="0" smtClean="0"/>
+              <a:t>チェックや穴埋め</a:t>
+            </a:r>
+            <a:endParaRPr kumimoji="1" lang="en-US" altLang="ja-JP" dirty="0" smtClean="0"/>
+          </a:p>
+          <a:p>
+            <a:pPr lvl="1"/>
+            <a:r>
+              <a:rPr lang="ja-JP" altLang="en-US" dirty="0" smtClean="0"/>
+              <a:t>時系列データの扱い</a:t>
             </a:r>
             <a:endParaRPr lang="en-US" altLang="ja-JP" dirty="0" smtClean="0"/>
           </a:p>
           <a:p>
+            <a:pPr lvl="2"/>
+            <a:r>
+              <a:rPr lang="ja-JP" altLang="en-US" dirty="0" smtClean="0"/>
+              <a:t>再サンプリング</a:t>
+            </a:r>
+            <a:endParaRPr lang="en-US" altLang="ja-JP" dirty="0" smtClean="0"/>
+          </a:p>
+          <a:p>
             <a:pPr lvl="1"/>
             <a:r>
+              <a:rPr lang="ja-JP" altLang="en-US" dirty="0" smtClean="0"/>
+              <a:t>統計量の計算</a:t>
+            </a:r>
+            <a:endParaRPr lang="en-US" altLang="ja-JP" dirty="0" smtClean="0"/>
+          </a:p>
+          <a:p>
+            <a:pPr lvl="2"/>
+            <a:r>
               <a:rPr lang="ja-JP" altLang="en-US" dirty="0"/>
-              <a:t>処理</a:t>
+              <a:t>共</a:t>
             </a:r>
             <a:r>
               <a:rPr lang="ja-JP" altLang="en-US" dirty="0" smtClean="0"/>
-              <a:t>によって遅い？</a:t>
-            </a:r>
-            <a:endParaRPr lang="en-US" altLang="ja-JP" dirty="0" smtClean="0"/>
-          </a:p>
-          <a:p>
-            <a:r>
-              <a:rPr lang="en-US" altLang="ja-JP" dirty="0" err="1" smtClean="0"/>
-              <a:t>daru</a:t>
-            </a:r>
-            <a:endParaRPr lang="en-US" altLang="ja-JP" dirty="0" smtClean="0"/>
+              <a:t>分散や相関係数</a:t>
+            </a:r>
+            <a:endParaRPr kumimoji="1" lang="en-US" altLang="ja-JP" dirty="0" smtClean="0"/>
           </a:p>
           <a:p>
             <a:pPr lvl="1"/>
             <a:r>
-              <a:rPr lang="en-US" altLang="ja-JP" dirty="0" smtClean="0"/>
-              <a:t>GSL</a:t>
-            </a:r>
-            <a:r>
-              <a:rPr lang="ja-JP" altLang="en-US" dirty="0" smtClean="0"/>
-              <a:t>や</a:t>
-            </a:r>
-            <a:r>
-              <a:rPr lang="en-US" altLang="ja-JP" dirty="0" err="1" smtClean="0"/>
-              <a:t>NMatrix</a:t>
-            </a:r>
-            <a:r>
-              <a:rPr lang="ja-JP" altLang="en-US" dirty="0" smtClean="0"/>
-              <a:t>が利用できる場合はデフォルトで使う</a:t>
-            </a:r>
-            <a:endParaRPr lang="en-US" altLang="ja-JP" dirty="0" smtClean="0"/>
-          </a:p>
-          <a:p>
-            <a:pPr lvl="1"/>
-            <a:r>
               <a:rPr kumimoji="1" lang="ja-JP" altLang="en-US" dirty="0" smtClean="0"/>
-              <a:t>ベクトル演算関数を暗黙的に利用する</a:t>
-            </a:r>
+              <a:t>金融関係の機能</a:t>
+            </a:r>
+            <a:endParaRPr kumimoji="1" lang="en-US" altLang="ja-JP" dirty="0" smtClean="0"/>
+          </a:p>
+          <a:p>
+            <a:pPr marL="0" indent="0">
+              <a:buNone/>
+            </a:pPr>
             <a:endParaRPr kumimoji="1" lang="ja-JP" altLang="en-US" dirty="0"/>
           </a:p>
         </p:txBody>
@@ -14182,7 +14427,7 @@
     </p:spTree>
     <p:extLst>
       <p:ext uri="{BB962C8B-B14F-4D97-AF65-F5344CB8AC3E}">
-        <p14:creationId xmlns:p14="http://schemas.microsoft.com/office/powerpoint/2010/main" val="2932370937"/>
+        <p14:creationId xmlns:p14="http://schemas.microsoft.com/office/powerpoint/2010/main" val="565505173"/>
       </p:ext>
     </p:extLst>
   </p:cSld>
@@ -14232,12 +14477,8 @@
           <a:lstStyle/>
           <a:p>
             <a:r>
-              <a:rPr lang="en-US" altLang="ja-JP" dirty="0" smtClean="0"/>
-              <a:t>DSL</a:t>
-            </a:r>
-            <a:r>
               <a:rPr lang="ja-JP" altLang="en-US" dirty="0" smtClean="0"/>
-              <a:t>の強化</a:t>
+              <a:t>性能改善</a:t>
             </a:r>
             <a:endParaRPr kumimoji="1" lang="ja-JP" altLang="en-US" dirty="0"/>
           </a:p>
@@ -14259,27 +14500,47 @@
           <a:lstStyle/>
           <a:p>
             <a:r>
-              <a:rPr kumimoji="1" lang="en-US" altLang="ja-JP" dirty="0" err="1" smtClean="0"/>
+              <a:rPr lang="en-US" altLang="ja-JP" dirty="0" err="1" smtClean="0"/>
+              <a:t>NMatrix</a:t>
+            </a:r>
+            <a:endParaRPr lang="en-US" altLang="ja-JP" dirty="0" smtClean="0"/>
+          </a:p>
+          <a:p>
+            <a:pPr lvl="1"/>
+            <a:r>
+              <a:rPr lang="ja-JP" altLang="en-US" dirty="0"/>
+              <a:t>処理</a:t>
+            </a:r>
+            <a:r>
+              <a:rPr lang="ja-JP" altLang="en-US" dirty="0" smtClean="0"/>
+              <a:t>によって遅い？</a:t>
+            </a:r>
+            <a:endParaRPr lang="en-US" altLang="ja-JP" dirty="0" smtClean="0"/>
+          </a:p>
+          <a:p>
+            <a:r>
+              <a:rPr lang="en-US" altLang="ja-JP" dirty="0" err="1" smtClean="0"/>
               <a:t>daru</a:t>
             </a:r>
-            <a:endParaRPr kumimoji="1" lang="en-US" altLang="ja-JP" dirty="0" smtClean="0"/>
+            <a:endParaRPr lang="en-US" altLang="ja-JP" dirty="0" smtClean="0"/>
           </a:p>
           <a:p>
             <a:pPr lvl="1"/>
             <a:r>
-              <a:rPr kumimoji="1" lang="en-US" altLang="ja-JP" dirty="0" smtClean="0"/>
-              <a:t>Daru::</a:t>
-            </a:r>
-            <a:r>
-              <a:rPr kumimoji="1" lang="en-US" altLang="ja-JP" dirty="0" err="1" smtClean="0"/>
-              <a:t>DataFrame#where</a:t>
-            </a:r>
-            <a:endParaRPr kumimoji="1" lang="en-US" altLang="ja-JP" dirty="0" smtClean="0"/>
-          </a:p>
-          <a:p>
+              <a:rPr lang="en-US" altLang="ja-JP" dirty="0" smtClean="0"/>
+              <a:t>GSL</a:t>
+            </a:r>
+            <a:r>
+              <a:rPr lang="ja-JP" altLang="en-US" dirty="0" smtClean="0"/>
+              <a:t>や</a:t>
+            </a:r>
             <a:r>
               <a:rPr lang="en-US" altLang="ja-JP" dirty="0" err="1" smtClean="0"/>
-              <a:t>SciRuby</a:t>
+              <a:t>NMatrix</a:t>
+            </a:r>
+            <a:r>
+              <a:rPr lang="ja-JP" altLang="en-US" dirty="0" smtClean="0"/>
+              <a:t>が利用できる場合はデフォルトで使う</a:t>
             </a:r>
             <a:endParaRPr lang="en-US" altLang="ja-JP" dirty="0" smtClean="0"/>
           </a:p>
@@ -14287,17 +14548,9 @@
             <a:pPr lvl="1"/>
             <a:r>
               <a:rPr kumimoji="1" lang="ja-JP" altLang="en-US" dirty="0" smtClean="0"/>
-              <a:t>関数を</a:t>
-            </a:r>
-            <a:r>
-              <a:rPr kumimoji="1" lang="en-US" altLang="ja-JP" dirty="0" smtClean="0"/>
-              <a:t>Ruby</a:t>
-            </a:r>
-            <a:r>
-              <a:rPr kumimoji="1" lang="ja-JP" altLang="en-US" dirty="0" smtClean="0"/>
-              <a:t>の式で表現</a:t>
-            </a:r>
-            <a:endParaRPr kumimoji="1" lang="en-US" altLang="ja-JP" dirty="0" smtClean="0"/>
+              <a:t>ベクトル演算関数を暗黙的に利用する</a:t>
+            </a:r>
+            <a:endParaRPr kumimoji="1" lang="ja-JP" altLang="en-US" dirty="0"/>
           </a:p>
         </p:txBody>
       </p:sp>
@@ -14327,7 +14580,7 @@
     </p:spTree>
     <p:extLst>
       <p:ext uri="{BB962C8B-B14F-4D97-AF65-F5344CB8AC3E}">
-        <p14:creationId xmlns:p14="http://schemas.microsoft.com/office/powerpoint/2010/main" val="3539118332"/>
+        <p14:creationId xmlns:p14="http://schemas.microsoft.com/office/powerpoint/2010/main" val="2932370937"/>
       </p:ext>
     </p:extLst>
   </p:cSld>
@@ -14377,12 +14630,12 @@
           <a:lstStyle/>
           <a:p>
             <a:r>
-              <a:rPr kumimoji="1" lang="en-US" altLang="ja-JP" dirty="0" smtClean="0"/>
-              <a:t>Refinements</a:t>
-            </a:r>
-            <a:r>
-              <a:rPr kumimoji="1" lang="ja-JP" altLang="en-US" dirty="0" smtClean="0"/>
-              <a:t>による拡張</a:t>
+              <a:rPr lang="en-US" altLang="ja-JP" dirty="0" smtClean="0"/>
+              <a:t>DSL</a:t>
+            </a:r>
+            <a:r>
+              <a:rPr lang="ja-JP" altLang="en-US" dirty="0" smtClean="0"/>
+              <a:t>の強化</a:t>
             </a:r>
             <a:endParaRPr kumimoji="1" lang="ja-JP" altLang="en-US" dirty="0"/>
           </a:p>
@@ -14403,9 +14656,45 @@
           <a:bodyPr/>
           <a:lstStyle/>
           <a:p>
-            <a:pPr marL="0" indent="0">
-              <a:buNone/>
-            </a:pPr>
+            <a:r>
+              <a:rPr kumimoji="1" lang="en-US" altLang="ja-JP" dirty="0" err="1" smtClean="0"/>
+              <a:t>daru</a:t>
+            </a:r>
+            <a:endParaRPr kumimoji="1" lang="en-US" altLang="ja-JP" dirty="0" smtClean="0"/>
+          </a:p>
+          <a:p>
+            <a:pPr lvl="1"/>
+            <a:r>
+              <a:rPr kumimoji="1" lang="en-US" altLang="ja-JP" dirty="0" smtClean="0"/>
+              <a:t>Daru::</a:t>
+            </a:r>
+            <a:r>
+              <a:rPr kumimoji="1" lang="en-US" altLang="ja-JP" dirty="0" err="1" smtClean="0"/>
+              <a:t>DataFrame#where</a:t>
+            </a:r>
+            <a:endParaRPr kumimoji="1" lang="en-US" altLang="ja-JP" dirty="0" smtClean="0"/>
+          </a:p>
+          <a:p>
+            <a:r>
+              <a:rPr lang="en-US" altLang="ja-JP" dirty="0" err="1" smtClean="0"/>
+              <a:t>SciRuby</a:t>
+            </a:r>
+            <a:endParaRPr lang="en-US" altLang="ja-JP" dirty="0" smtClean="0"/>
+          </a:p>
+          <a:p>
+            <a:pPr lvl="1"/>
+            <a:r>
+              <a:rPr kumimoji="1" lang="ja-JP" altLang="en-US" dirty="0" smtClean="0"/>
+              <a:t>関数を</a:t>
+            </a:r>
+            <a:r>
+              <a:rPr kumimoji="1" lang="en-US" altLang="ja-JP" dirty="0" smtClean="0"/>
+              <a:t>Ruby</a:t>
+            </a:r>
+            <a:r>
+              <a:rPr kumimoji="1" lang="ja-JP" altLang="en-US" dirty="0" smtClean="0"/>
+              <a:t>の式で表現</a:t>
+            </a:r>
             <a:endParaRPr kumimoji="1" lang="en-US" altLang="ja-JP" dirty="0" smtClean="0"/>
           </a:p>
         </p:txBody>
@@ -14436,7 +14725,7 @@
     </p:spTree>
     <p:extLst>
       <p:ext uri="{BB962C8B-B14F-4D97-AF65-F5344CB8AC3E}">
-        <p14:creationId xmlns:p14="http://schemas.microsoft.com/office/powerpoint/2010/main" val="2460615494"/>
+        <p14:creationId xmlns:p14="http://schemas.microsoft.com/office/powerpoint/2010/main" val="3539118332"/>
       </p:ext>
     </p:extLst>
   </p:cSld>
@@ -14486,12 +14775,12 @@
           <a:lstStyle/>
           <a:p>
             <a:r>
-              <a:rPr lang="ja-JP" altLang="en-US" dirty="0"/>
-              <a:t>計算</a:t>
-            </a:r>
-            <a:r>
-              <a:rPr lang="ja-JP" altLang="en-US" dirty="0" smtClean="0"/>
-              <a:t>と可視化の統合</a:t>
+              <a:rPr kumimoji="1" lang="en-US" altLang="ja-JP" dirty="0" smtClean="0"/>
+              <a:t>Refinements</a:t>
+            </a:r>
+            <a:r>
+              <a:rPr kumimoji="1" lang="ja-JP" altLang="en-US" dirty="0" smtClean="0"/>
+              <a:t>による拡張</a:t>
             </a:r>
             <a:endParaRPr kumimoji="1" lang="ja-JP" altLang="en-US" dirty="0"/>
           </a:p>
@@ -14512,41 +14801,10 @@
           <a:bodyPr/>
           <a:lstStyle/>
           <a:p>
-            <a:r>
-              <a:rPr kumimoji="1" lang="en-US" altLang="ja-JP" dirty="0" err="1" smtClean="0"/>
-              <a:t>daru</a:t>
-            </a:r>
-            <a:r>
-              <a:rPr kumimoji="1" lang="ja-JP" altLang="en-US" dirty="0" smtClean="0"/>
-              <a:t>は</a:t>
-            </a:r>
-            <a:r>
-              <a:rPr kumimoji="1" lang="en-US" altLang="ja-JP" dirty="0" err="1" smtClean="0"/>
-              <a:t>Nyaplot</a:t>
-            </a:r>
-            <a:r>
-              <a:rPr kumimoji="1" lang="ja-JP" altLang="en-US" dirty="0" smtClean="0"/>
-              <a:t>を使用しているが、</a:t>
-            </a:r>
-            <a:r>
-              <a:rPr kumimoji="1" lang="en-US" altLang="ja-JP" dirty="0" err="1" smtClean="0"/>
-              <a:t>statsample</a:t>
-            </a:r>
-            <a:r>
-              <a:rPr kumimoji="1" lang="ja-JP" altLang="en-US" dirty="0" smtClean="0"/>
-              <a:t>などは使用していない</a:t>
-            </a:r>
+            <a:pPr marL="0" indent="0">
+              <a:buNone/>
+            </a:pPr>
             <a:endParaRPr kumimoji="1" lang="en-US" altLang="ja-JP" dirty="0" smtClean="0"/>
-          </a:p>
-          <a:p>
-            <a:r>
-              <a:rPr lang="ja-JP" altLang="en-US" dirty="0" smtClean="0"/>
-              <a:t>計測データと理論値の重ね合わせが面倒</a:t>
-            </a:r>
-            <a:endParaRPr kumimoji="1" lang="en-US" altLang="ja-JP" dirty="0" smtClean="0"/>
-          </a:p>
-          <a:p>
-            <a:endParaRPr kumimoji="1" lang="ja-JP" altLang="en-US" dirty="0"/>
           </a:p>
         </p:txBody>
       </p:sp>
@@ -14576,7 +14834,7 @@
     </p:spTree>
     <p:extLst>
       <p:ext uri="{BB962C8B-B14F-4D97-AF65-F5344CB8AC3E}">
-        <p14:creationId xmlns:p14="http://schemas.microsoft.com/office/powerpoint/2010/main" val="3583640956"/>
+        <p14:creationId xmlns:p14="http://schemas.microsoft.com/office/powerpoint/2010/main" val="2460615494"/>
       </p:ext>
     </p:extLst>
   </p:cSld>
@@ -14626,6 +14884,146 @@
           <a:lstStyle/>
           <a:p>
             <a:r>
+              <a:rPr lang="ja-JP" altLang="en-US" dirty="0"/>
+              <a:t>計算</a:t>
+            </a:r>
+            <a:r>
+              <a:rPr lang="ja-JP" altLang="en-US" dirty="0" smtClean="0"/>
+              <a:t>と可視化の統合</a:t>
+            </a:r>
+            <a:endParaRPr kumimoji="1" lang="ja-JP" altLang="en-US" dirty="0"/>
+          </a:p>
+        </p:txBody>
+      </p:sp>
+      <p:sp>
+        <p:nvSpPr>
+          <p:cNvPr id="6" name="コンテンツ プレースホルダー 5"/>
+          <p:cNvSpPr>
+            <a:spLocks noGrp="1"/>
+          </p:cNvSpPr>
+          <p:nvPr>
+            <p:ph idx="1"/>
+          </p:nvPr>
+        </p:nvSpPr>
+        <p:spPr/>
+        <p:txBody>
+          <a:bodyPr/>
+          <a:lstStyle/>
+          <a:p>
+            <a:r>
+              <a:rPr kumimoji="1" lang="en-US" altLang="ja-JP" dirty="0" err="1" smtClean="0"/>
+              <a:t>daru</a:t>
+            </a:r>
+            <a:r>
+              <a:rPr kumimoji="1" lang="ja-JP" altLang="en-US" dirty="0" smtClean="0"/>
+              <a:t>は</a:t>
+            </a:r>
+            <a:r>
+              <a:rPr kumimoji="1" lang="en-US" altLang="ja-JP" dirty="0" err="1" smtClean="0"/>
+              <a:t>Nyaplot</a:t>
+            </a:r>
+            <a:r>
+              <a:rPr kumimoji="1" lang="ja-JP" altLang="en-US" dirty="0" smtClean="0"/>
+              <a:t>を使用しているが、</a:t>
+            </a:r>
+            <a:r>
+              <a:rPr kumimoji="1" lang="en-US" altLang="ja-JP" dirty="0" err="1" smtClean="0"/>
+              <a:t>statsample</a:t>
+            </a:r>
+            <a:r>
+              <a:rPr kumimoji="1" lang="ja-JP" altLang="en-US" dirty="0" smtClean="0"/>
+              <a:t>などは使用していない</a:t>
+            </a:r>
+            <a:endParaRPr kumimoji="1" lang="en-US" altLang="ja-JP" dirty="0" smtClean="0"/>
+          </a:p>
+          <a:p>
+            <a:r>
+              <a:rPr lang="ja-JP" altLang="en-US" dirty="0" smtClean="0"/>
+              <a:t>計測データと理論値の重ね合わせが面倒</a:t>
+            </a:r>
+            <a:endParaRPr kumimoji="1" lang="en-US" altLang="ja-JP" dirty="0" smtClean="0"/>
+          </a:p>
+          <a:p>
+            <a:endParaRPr kumimoji="1" lang="ja-JP" altLang="en-US" dirty="0"/>
+          </a:p>
+        </p:txBody>
+      </p:sp>
+      <p:sp>
+        <p:nvSpPr>
+          <p:cNvPr id="4" name="スライド番号プレースホルダー 3"/>
+          <p:cNvSpPr>
+            <a:spLocks noGrp="1"/>
+          </p:cNvSpPr>
+          <p:nvPr>
+            <p:ph type="sldNum" sz="quarter" idx="12"/>
+          </p:nvPr>
+        </p:nvSpPr>
+        <p:spPr/>
+        <p:txBody>
+          <a:bodyPr/>
+          <a:lstStyle/>
+          <a:p>
+            <a:fld id="{D2D8002D-B5B0-4BAC-B1F6-782DDCCE6D9C}" type="slidenum">
+              <a:rPr kumimoji="1" lang="ja-JP" altLang="en-US" smtClean="0"/>
+              <a:t>36</a:t>
+            </a:fld>
+            <a:endParaRPr kumimoji="1" lang="ja-JP" altLang="en-US" dirty="0"/>
+          </a:p>
+        </p:txBody>
+      </p:sp>
+    </p:spTree>
+    <p:extLst>
+      <p:ext uri="{BB962C8B-B14F-4D97-AF65-F5344CB8AC3E}">
+        <p14:creationId xmlns:p14="http://schemas.microsoft.com/office/powerpoint/2010/main" val="3583640956"/>
+      </p:ext>
+    </p:extLst>
+  </p:cSld>
+  <p:clrMapOvr>
+    <a:masterClrMapping/>
+  </p:clrMapOvr>
+  <p:timing>
+    <p:tnLst>
+      <p:par>
+        <p:cTn id="1" dur="indefinite" restart="never" nodeType="tmRoot"/>
+      </p:par>
+    </p:tnLst>
+  </p:timing>
+</p:sld>
+</file>
+
+<file path=ppt/slides/slide38.xml><?xml version="1.0" encoding="utf-8"?>
+<p:sld xmlns:a="http://schemas.openxmlformats.org/drawingml/2006/main" xmlns:r="http://schemas.openxmlformats.org/officeDocument/2006/relationships" xmlns:p="http://schemas.openxmlformats.org/presentationml/2006/main">
+  <p:cSld>
+    <p:spTree>
+      <p:nvGrpSpPr>
+        <p:cNvPr id="1" name=""/>
+        <p:cNvGrpSpPr/>
+        <p:nvPr/>
+      </p:nvGrpSpPr>
+      <p:grpSpPr>
+        <a:xfrm>
+          <a:off x="0" y="0"/>
+          <a:ext cx="0" cy="0"/>
+          <a:chOff x="0" y="0"/>
+          <a:chExt cx="0" cy="0"/>
+        </a:xfrm>
+      </p:grpSpPr>
+      <p:sp>
+        <p:nvSpPr>
+          <p:cNvPr id="2" name="タイトル 1"/>
+          <p:cNvSpPr>
+            <a:spLocks noGrp="1"/>
+          </p:cNvSpPr>
+          <p:nvPr>
+            <p:ph type="title"/>
+          </p:nvPr>
+        </p:nvSpPr>
+        <p:spPr/>
+        <p:txBody>
+          <a:bodyPr/>
+          <a:lstStyle/>
+          <a:p>
+            <a:r>
               <a:rPr kumimoji="1" lang="en-US" altLang="ja-JP" dirty="0" smtClean="0"/>
               <a:t>References</a:t>
             </a:r>
@@ -14840,7 +15238,7 @@
           <a:p>
             <a:fld id="{D2D8002D-B5B0-4BAC-B1F6-782DDCCE6D9C}" type="slidenum">
               <a:rPr kumimoji="1" lang="ja-JP" altLang="en-US" smtClean="0"/>
-              <a:t>36</a:t>
+              <a:t>37</a:t>
             </a:fld>
             <a:endParaRPr kumimoji="1" lang="ja-JP" altLang="en-US" dirty="0"/>
           </a:p>

--- a/ruby_data_analysis.pptx
+++ b/ruby_data_analysis.pptx
@@ -5,7 +5,7 @@
     <p:sldMasterId id="2147483720" r:id="rId1"/>
   </p:sldMasterIdLst>
   <p:notesMasterIdLst>
-    <p:notesMasterId r:id="rId40"/>
+    <p:notesMasterId r:id="rId42"/>
   </p:notesMasterIdLst>
   <p:sldIdLst>
     <p:sldId id="256" r:id="rId2"/>
@@ -36,16 +36,18 @@
     <p:sldId id="317" r:id="rId27"/>
     <p:sldId id="323" r:id="rId28"/>
     <p:sldId id="324" r:id="rId29"/>
-    <p:sldId id="325" r:id="rId30"/>
-    <p:sldId id="327" r:id="rId31"/>
-    <p:sldId id="326" r:id="rId32"/>
-    <p:sldId id="349" r:id="rId33"/>
-    <p:sldId id="341" r:id="rId34"/>
-    <p:sldId id="343" r:id="rId35"/>
-    <p:sldId id="329" r:id="rId36"/>
-    <p:sldId id="346" r:id="rId37"/>
-    <p:sldId id="330" r:id="rId38"/>
-    <p:sldId id="338" r:id="rId39"/>
+    <p:sldId id="350" r:id="rId30"/>
+    <p:sldId id="325" r:id="rId31"/>
+    <p:sldId id="352" r:id="rId32"/>
+    <p:sldId id="327" r:id="rId33"/>
+    <p:sldId id="326" r:id="rId34"/>
+    <p:sldId id="349" r:id="rId35"/>
+    <p:sldId id="341" r:id="rId36"/>
+    <p:sldId id="343" r:id="rId37"/>
+    <p:sldId id="329" r:id="rId38"/>
+    <p:sldId id="346" r:id="rId39"/>
+    <p:sldId id="330" r:id="rId40"/>
+    <p:sldId id="338" r:id="rId41"/>
   </p:sldIdLst>
   <p:sldSz cx="9144000" cy="6858000" type="screen4x3"/>
   <p:notesSz cx="6858000" cy="9144000"/>
@@ -245,7 +247,7 @@
           <a:p>
             <a:fld id="{D487E916-6975-4384-9337-33685829E0C9}" type="datetimeFigureOut">
               <a:rPr kumimoji="1" lang="ja-JP" altLang="en-US" smtClean="0"/>
-              <a:t>2016/2/11</a:t>
+              <a:t>2016/2/15</a:t>
             </a:fld>
             <a:endParaRPr kumimoji="1" lang="ja-JP" altLang="en-US"/>
           </a:p>
@@ -822,7 +824,7 @@
           <a:p>
             <a:fld id="{B5388ABC-ED38-449A-A1DD-0DF95F307DC2}" type="datetime1">
               <a:rPr kumimoji="1" lang="ja-JP" altLang="en-US" smtClean="0"/>
-              <a:t>2016/2/11</a:t>
+              <a:t>2016/2/15</a:t>
             </a:fld>
             <a:endParaRPr kumimoji="1" lang="ja-JP" altLang="en-US"/>
           </a:p>
@@ -1125,7 +1127,7 @@
           <a:p>
             <a:fld id="{91CAC327-6D45-4D23-90A2-B9A399787324}" type="datetime1">
               <a:rPr kumimoji="1" lang="ja-JP" altLang="en-US" smtClean="0"/>
-              <a:t>2016/2/11</a:t>
+              <a:t>2016/2/15</a:t>
             </a:fld>
             <a:endParaRPr kumimoji="1" lang="ja-JP" altLang="en-US"/>
           </a:p>
@@ -1332,7 +1334,7 @@
           <a:p>
             <a:fld id="{3D906796-C748-481D-9956-8BC21ED8B961}" type="datetime1">
               <a:rPr kumimoji="1" lang="ja-JP" altLang="en-US" smtClean="0"/>
-              <a:t>2016/2/11</a:t>
+              <a:t>2016/2/15</a:t>
             </a:fld>
             <a:endParaRPr kumimoji="1" lang="ja-JP" altLang="en-US"/>
           </a:p>
@@ -1538,7 +1540,7 @@
           <a:p>
             <a:fld id="{B695D9CF-C22D-467F-8463-26D3739C5D01}" type="datetime1">
               <a:rPr kumimoji="1" lang="ja-JP" altLang="en-US" smtClean="0"/>
-              <a:t>2016/2/11</a:t>
+              <a:t>2016/2/15</a:t>
             </a:fld>
             <a:endParaRPr kumimoji="1" lang="ja-JP" altLang="en-US"/>
           </a:p>
@@ -1829,7 +1831,7 @@
           <a:p>
             <a:fld id="{DDC49C62-652C-4310-89A5-F5582EA05BD5}" type="datetime1">
               <a:rPr kumimoji="1" lang="ja-JP" altLang="en-US" smtClean="0"/>
-              <a:t>2016/2/11</a:t>
+              <a:t>2016/2/15</a:t>
             </a:fld>
             <a:endParaRPr kumimoji="1" lang="ja-JP" altLang="en-US"/>
           </a:p>
@@ -2183,7 +2185,7 @@
           <a:p>
             <a:fld id="{77F02D97-5319-407B-AE83-52A9E5E3516E}" type="datetime1">
               <a:rPr kumimoji="1" lang="ja-JP" altLang="en-US" smtClean="0"/>
-              <a:t>2016/2/11</a:t>
+              <a:t>2016/2/15</a:t>
             </a:fld>
             <a:endParaRPr kumimoji="1" lang="ja-JP" altLang="en-US"/>
           </a:p>
@@ -2686,7 +2688,7 @@
           <a:p>
             <a:fld id="{61838B8B-A3B0-42B0-B1A9-79E7B91BD749}" type="datetime1">
               <a:rPr kumimoji="1" lang="ja-JP" altLang="en-US" smtClean="0"/>
-              <a:t>2016/2/11</a:t>
+              <a:t>2016/2/15</a:t>
             </a:fld>
             <a:endParaRPr kumimoji="1" lang="ja-JP" altLang="en-US"/>
           </a:p>
@@ -2810,7 +2812,7 @@
           <a:p>
             <a:fld id="{48452345-ACDF-4111-BC74-9EF178BC4C0B}" type="datetime1">
               <a:rPr kumimoji="1" lang="ja-JP" altLang="en-US" smtClean="0"/>
-              <a:t>2016/2/11</a:t>
+              <a:t>2016/2/15</a:t>
             </a:fld>
             <a:endParaRPr kumimoji="1" lang="ja-JP" altLang="en-US"/>
           </a:p>
@@ -2905,7 +2907,7 @@
           <a:p>
             <a:fld id="{279E7A1E-F7AD-4AA2-98BA-00D07373F8F1}" type="datetime1">
               <a:rPr kumimoji="1" lang="ja-JP" altLang="en-US" smtClean="0"/>
-              <a:t>2016/2/11</a:t>
+              <a:t>2016/2/15</a:t>
             </a:fld>
             <a:endParaRPr kumimoji="1" lang="ja-JP" altLang="en-US"/>
           </a:p>
@@ -3179,7 +3181,7 @@
           <a:p>
             <a:fld id="{9EE84142-7102-40A9-93B8-BC72B66FDCE1}" type="datetime1">
               <a:rPr kumimoji="1" lang="ja-JP" altLang="en-US" smtClean="0"/>
-              <a:t>2016/2/11</a:t>
+              <a:t>2016/2/15</a:t>
             </a:fld>
             <a:endParaRPr kumimoji="1" lang="ja-JP" altLang="en-US"/>
           </a:p>
@@ -3473,7 +3475,7 @@
           <a:p>
             <a:fld id="{3EF183A7-9963-4F31-A817-956200720A74}" type="datetime1">
               <a:rPr kumimoji="1" lang="ja-JP" altLang="en-US" smtClean="0"/>
-              <a:t>2016/2/11</a:t>
+              <a:t>2016/2/15</a:t>
             </a:fld>
             <a:endParaRPr kumimoji="1" lang="ja-JP" altLang="en-US"/>
           </a:p>
@@ -3799,7 +3801,7 @@
           <a:p>
             <a:fld id="{B376DA05-110D-4AAD-973D-FA506FA2E8AC}" type="datetime1">
               <a:rPr kumimoji="1" lang="ja-JP" altLang="en-US" smtClean="0"/>
-              <a:t>2016/2/11</a:t>
+              <a:t>2016/2/15</a:t>
             </a:fld>
             <a:endParaRPr kumimoji="1" lang="ja-JP" altLang="en-US"/>
           </a:p>
@@ -11652,7 +11654,7 @@
             <p:ph idx="1"/>
             <p:extLst>
               <p:ext uri="{D42A27DB-BD31-4B8C-83A1-F6EECF244321}">
-                <p14:modId xmlns:p14="http://schemas.microsoft.com/office/powerpoint/2010/main" val="3979851878"/>
+                <p14:modId xmlns:p14="http://schemas.microsoft.com/office/powerpoint/2010/main" val="1125106960"/>
               </p:ext>
             </p:extLst>
           </p:nvPr>
@@ -11820,50 +11822,6 @@
                     <a:p>
                       <a:r>
                         <a:rPr kumimoji="1" lang="ja-JP" altLang="en-US" dirty="0" smtClean="0"/>
-                        <a:t>科学計算</a:t>
-                      </a:r>
-                      <a:endParaRPr kumimoji="1" lang="ja-JP" altLang="en-US" dirty="0"/>
-                    </a:p>
-                  </a:txBody>
-                  <a:tcPr/>
-                </a:tc>
-                <a:tc>
-                  <a:txBody>
-                    <a:bodyPr/>
-                    <a:lstStyle/>
-                    <a:p>
-                      <a:r>
-                        <a:rPr kumimoji="1" lang="en-US" altLang="ja-JP" dirty="0" err="1" smtClean="0"/>
-                        <a:t>SciPy</a:t>
-                      </a:r>
-                      <a:endParaRPr kumimoji="1" lang="ja-JP" altLang="en-US" dirty="0"/>
-                    </a:p>
-                  </a:txBody>
-                  <a:tcPr/>
-                </a:tc>
-                <a:tc>
-                  <a:txBody>
-                    <a:bodyPr/>
-                    <a:lstStyle/>
-                    <a:p>
-                      <a:r>
-                        <a:rPr kumimoji="1" lang="en-US" altLang="ja-JP" dirty="0" err="1" smtClean="0"/>
-                        <a:t>SciRuby</a:t>
-                      </a:r>
-                      <a:endParaRPr kumimoji="1" lang="ja-JP" altLang="en-US" dirty="0"/>
-                    </a:p>
-                  </a:txBody>
-                  <a:tcPr/>
-                </a:tc>
-              </a:tr>
-              <a:tr h="370840">
-                <a:tc>
-                  <a:txBody>
-                    <a:bodyPr/>
-                    <a:lstStyle/>
-                    <a:p>
-                      <a:r>
-                        <a:rPr kumimoji="1" lang="ja-JP" altLang="en-US" dirty="0" smtClean="0"/>
                         <a:t>可視化</a:t>
                       </a:r>
                       <a:endParaRPr kumimoji="1" lang="ja-JP" altLang="en-US" dirty="0"/>
@@ -11953,6 +11911,50 @@
                       <a:r>
                         <a:rPr kumimoji="1" lang="en-US" altLang="ja-JP" dirty="0" err="1" smtClean="0"/>
                         <a:t>IRuby</a:t>
+                      </a:r>
+                      <a:endParaRPr kumimoji="1" lang="ja-JP" altLang="en-US" dirty="0"/>
+                    </a:p>
+                  </a:txBody>
+                  <a:tcPr/>
+                </a:tc>
+              </a:tr>
+              <a:tr h="370840">
+                <a:tc>
+                  <a:txBody>
+                    <a:bodyPr/>
+                    <a:lstStyle/>
+                    <a:p>
+                      <a:r>
+                        <a:rPr kumimoji="1" lang="ja-JP" altLang="en-US" dirty="0" smtClean="0"/>
+                        <a:t>科学計算</a:t>
+                      </a:r>
+                      <a:endParaRPr kumimoji="1" lang="ja-JP" altLang="en-US" dirty="0"/>
+                    </a:p>
+                  </a:txBody>
+                  <a:tcPr/>
+                </a:tc>
+                <a:tc>
+                  <a:txBody>
+                    <a:bodyPr/>
+                    <a:lstStyle/>
+                    <a:p>
+                      <a:r>
+                        <a:rPr kumimoji="1" lang="en-US" altLang="ja-JP" dirty="0" err="1" smtClean="0"/>
+                        <a:t>SciPy</a:t>
+                      </a:r>
+                      <a:endParaRPr kumimoji="1" lang="ja-JP" altLang="en-US" dirty="0"/>
+                    </a:p>
+                  </a:txBody>
+                  <a:tcPr/>
+                </a:tc>
+                <a:tc>
+                  <a:txBody>
+                    <a:bodyPr/>
+                    <a:lstStyle/>
+                    <a:p>
+                      <a:r>
+                        <a:rPr kumimoji="1" lang="en-US" altLang="ja-JP" dirty="0" err="1" smtClean="0"/>
+                        <a:t>SciRuby</a:t>
                       </a:r>
                       <a:endParaRPr kumimoji="1" lang="ja-JP" altLang="en-US" dirty="0"/>
                     </a:p>
@@ -13008,7 +13010,7 @@
               <a:t>　しているライブラリがあるとエラー</a:t>
             </a:r>
             <a:r>
-              <a:rPr lang="en-US" altLang="ja-JP" smtClean="0">
+              <a:rPr lang="en-US" altLang="ja-JP" dirty="0" smtClean="0">
                 <a:latin typeface="Courier New" panose="02070309020205020404" pitchFamily="49" charset="0"/>
                 <a:cs typeface="Courier New" panose="02070309020205020404" pitchFamily="49" charset="0"/>
               </a:rPr>
@@ -13018,12 +13020,12 @@
           </a:p>
           <a:p>
             <a:r>
-              <a:rPr lang="en-US" altLang="ja-JP" dirty="0" err="1" smtClean="0"/>
-              <a:t>NArray</a:t>
-            </a:r>
-            <a:r>
               <a:rPr lang="ja-JP" altLang="en-US" dirty="0" smtClean="0"/>
-              <a:t>より開発が活発</a:t>
+              <a:t>開発</a:t>
+            </a:r>
+            <a:r>
+              <a:rPr lang="ja-JP" altLang="en-US" dirty="0" smtClean="0"/>
+              <a:t>が活発</a:t>
             </a:r>
             <a:endParaRPr lang="en-US" altLang="ja-JP" dirty="0" smtClean="0"/>
           </a:p>
@@ -13147,11 +13149,7 @@
             <a:pPr lvl="1"/>
             <a:r>
               <a:rPr lang="ja-JP" altLang="en-US" dirty="0" smtClean="0"/>
-              <a:t>一次元</a:t>
-            </a:r>
-            <a:r>
-              <a:rPr lang="ja-JP" altLang="en-US" dirty="0" smtClean="0"/>
-              <a:t>ベクトルを表すデータ構造</a:t>
+              <a:t>一次元ベクトルを表すデータ構造</a:t>
             </a:r>
             <a:endParaRPr lang="en-US" altLang="ja-JP" dirty="0" smtClean="0"/>
           </a:p>
@@ -13507,14 +13505,61 @@
             </a:r>
             <a:r>
               <a:rPr lang="ja-JP" altLang="en-US" dirty="0" smtClean="0"/>
-              <a:t>次元のスプレッドシート風データ構造</a:t>
+              <a:t>次元のスプレッドシート風データ</a:t>
+            </a:r>
+            <a:r>
+              <a:rPr lang="ja-JP" altLang="en-US" dirty="0" smtClean="0"/>
+              <a:t>構造</a:t>
+            </a:r>
+            <a:endParaRPr lang="en-US" altLang="ja-JP" dirty="0" smtClean="0"/>
+          </a:p>
+          <a:p>
+            <a:endParaRPr kumimoji="1" lang="en-US" altLang="ja-JP" dirty="0"/>
+          </a:p>
+          <a:p>
+            <a:r>
+              <a:rPr lang="ja-JP" altLang="en-US" dirty="0" smtClean="0"/>
+              <a:t>各列が</a:t>
+            </a:r>
+            <a:r>
+              <a:rPr lang="en-US" altLang="ja-JP" dirty="0" smtClean="0"/>
+              <a:t>Daru::Vector</a:t>
+            </a:r>
+            <a:r>
+              <a:rPr lang="ja-JP" altLang="en-US" dirty="0" smtClean="0"/>
+              <a:t>によって表現する</a:t>
+            </a:r>
+            <a:endParaRPr lang="en-US" altLang="ja-JP" dirty="0" smtClean="0"/>
+          </a:p>
+          <a:p>
+            <a:r>
+              <a:rPr kumimoji="1" lang="ja-JP" altLang="en-US" dirty="0" smtClean="0"/>
+              <a:t>列単位の処理は速いが、行単位の処理は遅い</a:t>
             </a:r>
             <a:endParaRPr kumimoji="1" lang="en-US" altLang="ja-JP" dirty="0" smtClean="0"/>
           </a:p>
           <a:p>
-            <a:pPr marL="0" indent="0">
-              <a:buNone/>
-            </a:pPr>
+            <a:pPr lvl="1"/>
+            <a:r>
+              <a:rPr lang="ja-JP" altLang="en-US" dirty="0" smtClean="0"/>
+              <a:t>とくに遅い例</a:t>
+            </a:r>
+            <a:endParaRPr lang="en-US" altLang="ja-JP" dirty="0"/>
+          </a:p>
+          <a:p>
+            <a:pPr lvl="1"/>
+            <a:endParaRPr kumimoji="1" lang="en-US" altLang="ja-JP" dirty="0" smtClean="0"/>
+          </a:p>
+          <a:p>
+            <a:pPr lvl="1"/>
+            <a:endParaRPr kumimoji="1" lang="en-US" altLang="ja-JP" dirty="0" smtClean="0"/>
+          </a:p>
+          <a:p>
+            <a:pPr lvl="1"/>
+            <a:r>
+              <a:rPr lang="ja-JP" altLang="en-US" dirty="0"/>
+              <a:t>高速化</a:t>
+            </a:r>
             <a:endParaRPr lang="en-US" altLang="ja-JP" dirty="0"/>
           </a:p>
         </p:txBody>
@@ -13551,7 +13596,7 @@
         <p:spPr>
           <a:xfrm>
             <a:off x="827584" y="2204864"/>
-            <a:ext cx="7560839" cy="648072"/>
+            <a:ext cx="7560839" cy="360040"/>
           </a:xfrm>
           <a:prstGeom prst="rect">
             <a:avLst/>
@@ -13590,43 +13635,212 @@
           <a:lstStyle/>
           <a:p>
             <a:r>
-              <a:rPr kumimoji="1" lang="en-US" altLang="ja-JP" dirty="0" err="1" smtClean="0">
+              <a:rPr lang="en-US" altLang="ja-JP" dirty="0" err="1" smtClean="0">
                 <a:latin typeface="Courier New" panose="02070309020205020404" pitchFamily="49" charset="0"/>
                 <a:cs typeface="Courier New" panose="02070309020205020404" pitchFamily="49" charset="0"/>
               </a:rPr>
               <a:t>df</a:t>
             </a:r>
             <a:r>
-              <a:rPr kumimoji="1" lang="en-US" altLang="ja-JP" dirty="0" smtClean="0">
+              <a:rPr lang="en-US" altLang="ja-JP" dirty="0" smtClean="0">
                 <a:latin typeface="Courier New" panose="02070309020205020404" pitchFamily="49" charset="0"/>
                 <a:cs typeface="Courier New" panose="02070309020205020404" pitchFamily="49" charset="0"/>
               </a:rPr>
-              <a:t> = Daru::</a:t>
-            </a:r>
-            <a:r>
-              <a:rPr kumimoji="1" lang="en-US" altLang="ja-JP" dirty="0" err="1" smtClean="0">
+              <a:t> </a:t>
+            </a:r>
+            <a:r>
+              <a:rPr lang="en-US" altLang="ja-JP" dirty="0">
                 <a:latin typeface="Courier New" panose="02070309020205020404" pitchFamily="49" charset="0"/>
                 <a:cs typeface="Courier New" panose="02070309020205020404" pitchFamily="49" charset="0"/>
               </a:rPr>
-              <a:t>DataFrame.from_csv</a:t>
-            </a:r>
-            <a:r>
-              <a:rPr kumimoji="1" lang="en-US" altLang="ja-JP" dirty="0" smtClean="0">
+              <a:t>= Daru::</a:t>
+            </a:r>
+            <a:r>
+              <a:rPr lang="en-US" altLang="ja-JP" dirty="0" err="1">
                 <a:latin typeface="Courier New" panose="02070309020205020404" pitchFamily="49" charset="0"/>
                 <a:cs typeface="Courier New" panose="02070309020205020404" pitchFamily="49" charset="0"/>
               </a:rPr>
-              <a:t>("n225.csv")</a:t>
-            </a:r>
-          </a:p>
-          <a:p>
-            <a:r>
-              <a:rPr lang="en-US" altLang="ja-JP" dirty="0" err="1" smtClean="0">
+              <a:t>DataFrame.new</a:t>
+            </a:r>
+            <a:r>
+              <a:rPr lang="en-US" altLang="ja-JP" dirty="0">
                 <a:latin typeface="Courier New" panose="02070309020205020404" pitchFamily="49" charset="0"/>
                 <a:cs typeface="Courier New" panose="02070309020205020404" pitchFamily="49" charset="0"/>
               </a:rPr>
-              <a:t>df.describe</a:t>
-            </a:r>
-            <a:endParaRPr kumimoji="1" lang="ja-JP" altLang="en-US" dirty="0">
+              <a:t>(x: [1,2,3], y: [4,5,6</a:t>
+            </a:r>
+            <a:r>
+              <a:rPr lang="en-US" altLang="ja-JP" dirty="0" smtClean="0">
+                <a:latin typeface="Courier New" panose="02070309020205020404" pitchFamily="49" charset="0"/>
+                <a:cs typeface="Courier New" panose="02070309020205020404" pitchFamily="49" charset="0"/>
+              </a:rPr>
+              <a:t>])</a:t>
+            </a:r>
+            <a:endParaRPr kumimoji="1" lang="en-US" altLang="ja-JP" dirty="0" smtClean="0">
+              <a:latin typeface="Courier New" panose="02070309020205020404" pitchFamily="49" charset="0"/>
+              <a:cs typeface="Courier New" panose="02070309020205020404" pitchFamily="49" charset="0"/>
+            </a:endParaRPr>
+          </a:p>
+        </p:txBody>
+      </p:sp>
+      <p:sp>
+        <p:nvSpPr>
+          <p:cNvPr id="6" name="正方形/長方形 5"/>
+          <p:cNvSpPr/>
+          <p:nvPr/>
+        </p:nvSpPr>
+        <p:spPr>
+          <a:xfrm>
+            <a:off x="827584" y="4005064"/>
+            <a:ext cx="7560839" cy="360040"/>
+          </a:xfrm>
+          <a:prstGeom prst="rect">
+            <a:avLst/>
+          </a:prstGeom>
+          <a:solidFill>
+            <a:schemeClr val="tx2">
+              <a:lumMod val="20000"/>
+              <a:lumOff val="80000"/>
+            </a:schemeClr>
+          </a:solidFill>
+          <a:ln>
+            <a:solidFill>
+              <a:schemeClr val="tx2">
+                <a:lumMod val="40000"/>
+                <a:lumOff val="60000"/>
+              </a:schemeClr>
+            </a:solidFill>
+          </a:ln>
+        </p:spPr>
+        <p:style>
+          <a:lnRef idx="1">
+            <a:schemeClr val="dk1"/>
+          </a:lnRef>
+          <a:fillRef idx="2">
+            <a:schemeClr val="dk1"/>
+          </a:fillRef>
+          <a:effectRef idx="1">
+            <a:schemeClr val="dk1"/>
+          </a:effectRef>
+          <a:fontRef idx="minor">
+            <a:schemeClr val="dk1"/>
+          </a:fontRef>
+        </p:style>
+        <p:txBody>
+          <a:bodyPr rtlCol="0" anchor="t"/>
+          <a:lstStyle/>
+          <a:p>
+            <a:r>
+              <a:rPr lang="en-US" altLang="ja-JP" dirty="0" err="1">
+                <a:latin typeface="Courier New" panose="02070309020205020404" pitchFamily="49" charset="0"/>
+                <a:cs typeface="Courier New" panose="02070309020205020404" pitchFamily="49" charset="0"/>
+              </a:rPr>
+              <a:t>df.filter_rows</a:t>
+            </a:r>
+            <a:r>
+              <a:rPr lang="en-US" altLang="ja-JP" dirty="0">
+                <a:latin typeface="Courier New" panose="02070309020205020404" pitchFamily="49" charset="0"/>
+                <a:cs typeface="Courier New" panose="02070309020205020404" pitchFamily="49" charset="0"/>
+              </a:rPr>
+              <a:t> {|row| row[:x] &gt; 1}</a:t>
+            </a:r>
+            <a:endParaRPr kumimoji="1" lang="en-US" altLang="ja-JP" dirty="0" smtClean="0">
+              <a:latin typeface="Courier New" panose="02070309020205020404" pitchFamily="49" charset="0"/>
+              <a:cs typeface="Courier New" panose="02070309020205020404" pitchFamily="49" charset="0"/>
+            </a:endParaRPr>
+          </a:p>
+        </p:txBody>
+      </p:sp>
+      <p:sp>
+        <p:nvSpPr>
+          <p:cNvPr id="7" name="正方形/長方形 6"/>
+          <p:cNvSpPr/>
+          <p:nvPr/>
+        </p:nvSpPr>
+        <p:spPr>
+          <a:xfrm>
+            <a:off x="827584" y="5115214"/>
+            <a:ext cx="7560839" cy="360040"/>
+          </a:xfrm>
+          <a:prstGeom prst="rect">
+            <a:avLst/>
+          </a:prstGeom>
+          <a:solidFill>
+            <a:schemeClr val="tx2">
+              <a:lumMod val="20000"/>
+              <a:lumOff val="80000"/>
+            </a:schemeClr>
+          </a:solidFill>
+          <a:ln>
+            <a:solidFill>
+              <a:schemeClr val="tx2">
+                <a:lumMod val="40000"/>
+                <a:lumOff val="60000"/>
+              </a:schemeClr>
+            </a:solidFill>
+          </a:ln>
+        </p:spPr>
+        <p:style>
+          <a:lnRef idx="1">
+            <a:schemeClr val="dk1"/>
+          </a:lnRef>
+          <a:fillRef idx="2">
+            <a:schemeClr val="dk1"/>
+          </a:fillRef>
+          <a:effectRef idx="1">
+            <a:schemeClr val="dk1"/>
+          </a:effectRef>
+          <a:fontRef idx="minor">
+            <a:schemeClr val="dk1"/>
+          </a:fontRef>
+        </p:style>
+        <p:txBody>
+          <a:bodyPr rtlCol="0" anchor="t"/>
+          <a:lstStyle/>
+          <a:p>
+            <a:r>
+              <a:rPr lang="en-US" altLang="ja-JP" dirty="0" err="1">
+                <a:latin typeface="Courier New" panose="02070309020205020404" pitchFamily="49" charset="0"/>
+                <a:cs typeface="Courier New" panose="02070309020205020404" pitchFamily="49" charset="0"/>
+              </a:rPr>
+              <a:t>df.where</a:t>
+            </a:r>
+            <a:r>
+              <a:rPr lang="en-US" altLang="ja-JP" dirty="0">
+                <a:latin typeface="Courier New" panose="02070309020205020404" pitchFamily="49" charset="0"/>
+                <a:cs typeface="Courier New" panose="02070309020205020404" pitchFamily="49" charset="0"/>
+              </a:rPr>
+              <a:t>(</a:t>
+            </a:r>
+            <a:r>
+              <a:rPr lang="en-US" altLang="ja-JP" dirty="0" err="1">
+                <a:latin typeface="Courier New" panose="02070309020205020404" pitchFamily="49" charset="0"/>
+                <a:cs typeface="Courier New" panose="02070309020205020404" pitchFamily="49" charset="0"/>
+              </a:rPr>
+              <a:t>df</a:t>
+            </a:r>
+            <a:r>
+              <a:rPr lang="en-US" altLang="ja-JP" dirty="0">
+                <a:latin typeface="Courier New" panose="02070309020205020404" pitchFamily="49" charset="0"/>
+                <a:cs typeface="Courier New" panose="02070309020205020404" pitchFamily="49" charset="0"/>
+              </a:rPr>
+              <a:t>[:x].</a:t>
+            </a:r>
+            <a:r>
+              <a:rPr lang="en-US" altLang="ja-JP" dirty="0" err="1">
+                <a:latin typeface="Courier New" panose="02070309020205020404" pitchFamily="49" charset="0"/>
+                <a:cs typeface="Courier New" panose="02070309020205020404" pitchFamily="49" charset="0"/>
+              </a:rPr>
+              <a:t>gt</a:t>
+            </a:r>
+            <a:r>
+              <a:rPr lang="en-US" altLang="ja-JP" dirty="0">
+                <a:latin typeface="Courier New" panose="02070309020205020404" pitchFamily="49" charset="0"/>
+                <a:cs typeface="Courier New" panose="02070309020205020404" pitchFamily="49" charset="0"/>
+              </a:rPr>
+              <a:t>(1))</a:t>
+            </a:r>
+            <a:endParaRPr kumimoji="1" lang="en-US" altLang="ja-JP" dirty="0" smtClean="0">
               <a:latin typeface="Courier New" panose="02070309020205020404" pitchFamily="49" charset="0"/>
               <a:cs typeface="Courier New" panose="02070309020205020404" pitchFamily="49" charset="0"/>
             </a:endParaRPr>
@@ -13687,15 +13901,7 @@
           <a:p>
             <a:r>
               <a:rPr kumimoji="1" lang="en-US" altLang="ja-JP" dirty="0" err="1" smtClean="0"/>
-              <a:t>Jupyter</a:t>
-            </a:r>
-            <a:r>
-              <a:rPr kumimoji="1" lang="en-US" altLang="ja-JP" dirty="0" smtClean="0"/>
-              <a:t>/</a:t>
-            </a:r>
-            <a:r>
-              <a:rPr kumimoji="1" lang="en-US" altLang="ja-JP" dirty="0" err="1" smtClean="0"/>
-              <a:t>IRuby</a:t>
+              <a:t>Nyaplot</a:t>
             </a:r>
             <a:endParaRPr kumimoji="1" lang="ja-JP" altLang="en-US" dirty="0"/>
           </a:p>
@@ -13717,105 +13923,51 @@
           <a:lstStyle/>
           <a:p>
             <a:r>
-              <a:rPr kumimoji="1" lang="en-US" altLang="ja-JP" dirty="0" err="1" smtClean="0"/>
-              <a:t>Jupyter</a:t>
-            </a:r>
-            <a:endParaRPr kumimoji="1" lang="en-US" altLang="ja-JP" dirty="0" smtClean="0"/>
-          </a:p>
-          <a:p>
-            <a:pPr lvl="1"/>
-            <a:r>
-              <a:rPr lang="en-US" altLang="ja-JP" dirty="0" smtClean="0"/>
-              <a:t>Web</a:t>
-            </a:r>
-            <a:r>
               <a:rPr lang="ja-JP" altLang="en-US" dirty="0" smtClean="0"/>
-              <a:t>アプリケーションによる対話環境</a:t>
+              <a:t>プロットライブラリ</a:t>
             </a:r>
             <a:endParaRPr lang="en-US" altLang="ja-JP" dirty="0" smtClean="0"/>
           </a:p>
           <a:p>
-            <a:pPr lvl="1"/>
-            <a:r>
-              <a:rPr kumimoji="1" lang="en-US" altLang="ja-JP" dirty="0" err="1" smtClean="0"/>
-              <a:t>Matematica</a:t>
-            </a:r>
-            <a:r>
-              <a:rPr kumimoji="1" lang="ja-JP" altLang="en-US" dirty="0" smtClean="0"/>
-              <a:t>風のノートブック</a:t>
-            </a:r>
-            <a:endParaRPr lang="en-US" altLang="ja-JP" dirty="0"/>
-          </a:p>
-          <a:p>
-            <a:pPr lvl="2"/>
-            <a:r>
-              <a:rPr lang="ja-JP" altLang="en-US" dirty="0" smtClean="0"/>
-              <a:t>プログラムの対話的実行</a:t>
-            </a:r>
-            <a:endParaRPr lang="en-US" altLang="ja-JP" dirty="0" smtClean="0"/>
-          </a:p>
-          <a:p>
-            <a:pPr lvl="2"/>
-            <a:r>
-              <a:rPr kumimoji="1" lang="ja-JP" altLang="en-US" dirty="0" smtClean="0"/>
-              <a:t>グラフの描画</a:t>
-            </a:r>
-            <a:endParaRPr kumimoji="1" lang="en-US" altLang="ja-JP" dirty="0" smtClean="0"/>
-          </a:p>
-          <a:p>
-            <a:pPr lvl="1"/>
-            <a:r>
-              <a:rPr lang="ja-JP" altLang="en-US" dirty="0" smtClean="0"/>
-              <a:t>プログラミング言語非依存</a:t>
-            </a:r>
-            <a:endParaRPr lang="en-US" altLang="ja-JP" dirty="0" smtClean="0"/>
-          </a:p>
-          <a:p>
-            <a:pPr lvl="2"/>
-            <a:r>
-              <a:rPr lang="ja-JP" altLang="en-US" dirty="0" smtClean="0"/>
-              <a:t>各言語の実行環境をカーネルとして提供</a:t>
-            </a:r>
-            <a:endParaRPr lang="en-US" altLang="ja-JP" dirty="0" smtClean="0"/>
-          </a:p>
-          <a:p>
-            <a:pPr lvl="2"/>
-            <a:r>
-              <a:rPr lang="ja-JP" altLang="en-US" dirty="0" smtClean="0"/>
-              <a:t>プロセス間</a:t>
-            </a:r>
-            <a:r>
-              <a:rPr lang="ja-JP" altLang="en-US" dirty="0"/>
-              <a:t>通信</a:t>
-            </a:r>
-            <a:endParaRPr lang="en-US" altLang="ja-JP" dirty="0" smtClean="0"/>
-          </a:p>
-          <a:p>
-            <a:r>
-              <a:rPr kumimoji="1" lang="en-US" altLang="ja-JP" dirty="0" err="1" smtClean="0"/>
-              <a:t>IRuby</a:t>
-            </a:r>
-            <a:endParaRPr kumimoji="1" lang="en-US" altLang="ja-JP" dirty="0" smtClean="0"/>
-          </a:p>
-          <a:p>
-            <a:pPr lvl="1"/>
             <a:r>
               <a:rPr lang="en-US" altLang="ja-JP" dirty="0" err="1" smtClean="0"/>
               <a:t>Jupyter</a:t>
             </a:r>
             <a:r>
+              <a:rPr lang="en-US" altLang="ja-JP" dirty="0" smtClean="0"/>
+              <a:t> notebook</a:t>
+            </a:r>
+            <a:r>
               <a:rPr lang="ja-JP" altLang="en-US" dirty="0" smtClean="0"/>
-              <a:t>の</a:t>
+              <a:t>上で動作</a:t>
+            </a:r>
+            <a:endParaRPr lang="en-US" altLang="ja-JP" dirty="0" smtClean="0"/>
+          </a:p>
+          <a:p>
+            <a:r>
+              <a:rPr lang="en-US" altLang="ja-JP" dirty="0" err="1" smtClean="0"/>
+              <a:t>WebGL</a:t>
+            </a:r>
+            <a:r>
+              <a:rPr lang="ja-JP" altLang="en-US" dirty="0" smtClean="0"/>
+              <a:t>を利用した</a:t>
             </a:r>
             <a:r>
               <a:rPr lang="en-US" altLang="ja-JP" dirty="0" smtClean="0"/>
-              <a:t>Ruby</a:t>
+              <a:t>3D</a:t>
             </a:r>
             <a:r>
               <a:rPr lang="ja-JP" altLang="en-US" dirty="0" smtClean="0"/>
-              <a:t>カーネル</a:t>
-            </a:r>
-            <a:endParaRPr kumimoji="1" lang="ja-JP" altLang="en-US" dirty="0"/>
+              <a:t>プロットも可能</a:t>
+            </a:r>
+            <a:endParaRPr lang="en-US" altLang="ja-JP" dirty="0" smtClean="0"/>
+          </a:p>
+          <a:p>
+            <a:r>
+              <a:rPr lang="ja-JP" altLang="en-US" dirty="0" smtClean="0"/>
+              <a:t>散布図のプロット例</a:t>
+            </a:r>
+            <a:endParaRPr lang="en-US" altLang="ja-JP" dirty="0" smtClean="0"/>
           </a:p>
         </p:txBody>
       </p:sp>
@@ -13842,10 +13994,135 @@
           </a:p>
         </p:txBody>
       </p:sp>
+      <p:sp>
+        <p:nvSpPr>
+          <p:cNvPr id="5" name="正方形/長方形 4"/>
+          <p:cNvSpPr/>
+          <p:nvPr/>
+        </p:nvSpPr>
+        <p:spPr>
+          <a:xfrm>
+            <a:off x="899592" y="3573016"/>
+            <a:ext cx="7560839" cy="936104"/>
+          </a:xfrm>
+          <a:prstGeom prst="rect">
+            <a:avLst/>
+          </a:prstGeom>
+          <a:solidFill>
+            <a:schemeClr val="tx2">
+              <a:lumMod val="20000"/>
+              <a:lumOff val="80000"/>
+            </a:schemeClr>
+          </a:solidFill>
+          <a:ln>
+            <a:solidFill>
+              <a:schemeClr val="tx2">
+                <a:lumMod val="40000"/>
+                <a:lumOff val="60000"/>
+              </a:schemeClr>
+            </a:solidFill>
+          </a:ln>
+        </p:spPr>
+        <p:style>
+          <a:lnRef idx="1">
+            <a:schemeClr val="dk1"/>
+          </a:lnRef>
+          <a:fillRef idx="2">
+            <a:schemeClr val="dk1"/>
+          </a:fillRef>
+          <a:effectRef idx="1">
+            <a:schemeClr val="dk1"/>
+          </a:effectRef>
+          <a:fontRef idx="minor">
+            <a:schemeClr val="dk1"/>
+          </a:fontRef>
+        </p:style>
+        <p:txBody>
+          <a:bodyPr rtlCol="0" anchor="t"/>
+          <a:lstStyle/>
+          <a:p>
+            <a:r>
+              <a:rPr lang="en-US" altLang="ja-JP" dirty="0">
+                <a:latin typeface="Courier New" panose="02070309020205020404" pitchFamily="49" charset="0"/>
+                <a:cs typeface="Courier New" panose="02070309020205020404" pitchFamily="49" charset="0"/>
+              </a:rPr>
+              <a:t>plot = </a:t>
+            </a:r>
+            <a:r>
+              <a:rPr lang="en-US" altLang="ja-JP" dirty="0" err="1">
+                <a:latin typeface="Courier New" panose="02070309020205020404" pitchFamily="49" charset="0"/>
+                <a:cs typeface="Courier New" panose="02070309020205020404" pitchFamily="49" charset="0"/>
+              </a:rPr>
+              <a:t>Nyaplot</a:t>
+            </a:r>
+            <a:r>
+              <a:rPr lang="en-US" altLang="ja-JP" dirty="0">
+                <a:latin typeface="Courier New" panose="02070309020205020404" pitchFamily="49" charset="0"/>
+                <a:cs typeface="Courier New" panose="02070309020205020404" pitchFamily="49" charset="0"/>
+              </a:rPr>
+              <a:t>::</a:t>
+            </a:r>
+            <a:r>
+              <a:rPr lang="en-US" altLang="ja-JP" dirty="0" err="1">
+                <a:latin typeface="Courier New" panose="02070309020205020404" pitchFamily="49" charset="0"/>
+                <a:cs typeface="Courier New" panose="02070309020205020404" pitchFamily="49" charset="0"/>
+              </a:rPr>
+              <a:t>Plot.new</a:t>
+            </a:r>
+            <a:endParaRPr lang="en-US" altLang="ja-JP" dirty="0">
+              <a:latin typeface="Courier New" panose="02070309020205020404" pitchFamily="49" charset="0"/>
+              <a:cs typeface="Courier New" panose="02070309020205020404" pitchFamily="49" charset="0"/>
+            </a:endParaRPr>
+          </a:p>
+          <a:p>
+            <a:r>
+              <a:rPr lang="en-US" altLang="ja-JP" dirty="0" err="1">
+                <a:latin typeface="Courier New" panose="02070309020205020404" pitchFamily="49" charset="0"/>
+                <a:cs typeface="Courier New" panose="02070309020205020404" pitchFamily="49" charset="0"/>
+              </a:rPr>
+              <a:t>sc</a:t>
+            </a:r>
+            <a:r>
+              <a:rPr lang="en-US" altLang="ja-JP" dirty="0">
+                <a:latin typeface="Courier New" panose="02070309020205020404" pitchFamily="49" charset="0"/>
+                <a:cs typeface="Courier New" panose="02070309020205020404" pitchFamily="49" charset="0"/>
+              </a:rPr>
+              <a:t> = </a:t>
+            </a:r>
+            <a:r>
+              <a:rPr lang="en-US" altLang="ja-JP" dirty="0" err="1">
+                <a:latin typeface="Courier New" panose="02070309020205020404" pitchFamily="49" charset="0"/>
+                <a:cs typeface="Courier New" panose="02070309020205020404" pitchFamily="49" charset="0"/>
+              </a:rPr>
+              <a:t>plot.add</a:t>
+            </a:r>
+            <a:r>
+              <a:rPr lang="en-US" altLang="ja-JP" dirty="0">
+                <a:latin typeface="Courier New" panose="02070309020205020404" pitchFamily="49" charset="0"/>
+                <a:cs typeface="Courier New" panose="02070309020205020404" pitchFamily="49" charset="0"/>
+              </a:rPr>
+              <a:t>(:scatter, [0,1,2,3,4], [-1,2,-3,4,-5])</a:t>
+            </a:r>
+          </a:p>
+          <a:p>
+            <a:r>
+              <a:rPr lang="en-US" altLang="ja-JP" dirty="0" err="1">
+                <a:latin typeface="Courier New" panose="02070309020205020404" pitchFamily="49" charset="0"/>
+                <a:cs typeface="Courier New" panose="02070309020205020404" pitchFamily="49" charset="0"/>
+              </a:rPr>
+              <a:t>plot.show</a:t>
+            </a:r>
+            <a:endParaRPr kumimoji="1" lang="ja-JP" altLang="en-US" dirty="0">
+              <a:latin typeface="Courier New" panose="02070309020205020404" pitchFamily="49" charset="0"/>
+              <a:cs typeface="Courier New" panose="02070309020205020404" pitchFamily="49" charset="0"/>
+            </a:endParaRPr>
+          </a:p>
+        </p:txBody>
+      </p:sp>
     </p:spTree>
     <p:extLst>
       <p:ext uri="{BB962C8B-B14F-4D97-AF65-F5344CB8AC3E}">
-        <p14:creationId xmlns:p14="http://schemas.microsoft.com/office/powerpoint/2010/main" val="1471523091"/>
+        <p14:creationId xmlns:p14="http://schemas.microsoft.com/office/powerpoint/2010/main" val="1719597331"/>
       </p:ext>
     </p:extLst>
   </p:cSld>
@@ -13982,8 +14259,134 @@
           <a:lstStyle/>
           <a:p>
             <a:r>
+              <a:rPr kumimoji="1" lang="en-US" altLang="ja-JP" dirty="0" err="1" smtClean="0"/>
+              <a:t>Jupyter</a:t>
+            </a:r>
+            <a:r>
+              <a:rPr kumimoji="1" lang="en-US" altLang="ja-JP" dirty="0" smtClean="0"/>
+              <a:t>/</a:t>
+            </a:r>
+            <a:r>
+              <a:rPr kumimoji="1" lang="en-US" altLang="ja-JP" dirty="0" err="1" smtClean="0"/>
+              <a:t>IRuby</a:t>
+            </a:r>
+            <a:endParaRPr kumimoji="1" lang="ja-JP" altLang="en-US" dirty="0"/>
+          </a:p>
+        </p:txBody>
+      </p:sp>
+      <p:sp>
+        <p:nvSpPr>
+          <p:cNvPr id="3" name="コンテンツ プレースホルダー 2"/>
+          <p:cNvSpPr>
+            <a:spLocks noGrp="1"/>
+          </p:cNvSpPr>
+          <p:nvPr>
+            <p:ph idx="1"/>
+          </p:nvPr>
+        </p:nvSpPr>
+        <p:spPr/>
+        <p:txBody>
+          <a:bodyPr/>
+          <a:lstStyle/>
+          <a:p>
+            <a:r>
+              <a:rPr kumimoji="1" lang="en-US" altLang="ja-JP" dirty="0" err="1" smtClean="0"/>
+              <a:t>Jupyter</a:t>
+            </a:r>
+            <a:endParaRPr kumimoji="1" lang="en-US" altLang="ja-JP" dirty="0" smtClean="0"/>
+          </a:p>
+          <a:p>
+            <a:pPr lvl="1"/>
+            <a:r>
+              <a:rPr lang="en-US" altLang="ja-JP" dirty="0" smtClean="0"/>
+              <a:t>Web</a:t>
+            </a:r>
+            <a:r>
+              <a:rPr lang="ja-JP" altLang="en-US" dirty="0" smtClean="0"/>
+              <a:t>アプリケーションによる対話環境</a:t>
+            </a:r>
+            <a:endParaRPr lang="en-US" altLang="ja-JP" dirty="0" smtClean="0"/>
+          </a:p>
+          <a:p>
+            <a:pPr lvl="1"/>
+            <a:r>
+              <a:rPr kumimoji="1" lang="en-US" altLang="ja-JP" dirty="0" err="1" smtClean="0"/>
+              <a:t>Matematica</a:t>
+            </a:r>
+            <a:r>
+              <a:rPr kumimoji="1" lang="ja-JP" altLang="en-US" dirty="0" smtClean="0"/>
+              <a:t>風のノートブック</a:t>
+            </a:r>
+            <a:endParaRPr lang="en-US" altLang="ja-JP" dirty="0"/>
+          </a:p>
+          <a:p>
+            <a:pPr lvl="2"/>
+            <a:r>
+              <a:rPr lang="ja-JP" altLang="en-US" dirty="0" smtClean="0"/>
+              <a:t>プログラムの対話的実行</a:t>
+            </a:r>
+            <a:endParaRPr lang="en-US" altLang="ja-JP" dirty="0" smtClean="0"/>
+          </a:p>
+          <a:p>
+            <a:pPr lvl="2"/>
+            <a:r>
+              <a:rPr kumimoji="1" lang="ja-JP" altLang="en-US" dirty="0" smtClean="0"/>
+              <a:t>グラフの描画</a:t>
+            </a:r>
+            <a:endParaRPr kumimoji="1" lang="en-US" altLang="ja-JP" dirty="0" smtClean="0"/>
+          </a:p>
+          <a:p>
+            <a:pPr lvl="1"/>
+            <a:r>
+              <a:rPr lang="ja-JP" altLang="en-US" dirty="0" smtClean="0"/>
+              <a:t>プログラミング言語非依存</a:t>
+            </a:r>
+            <a:endParaRPr lang="en-US" altLang="ja-JP" dirty="0" smtClean="0"/>
+          </a:p>
+          <a:p>
+            <a:pPr lvl="2"/>
+            <a:r>
+              <a:rPr lang="ja-JP" altLang="en-US" dirty="0" smtClean="0"/>
+              <a:t>各言語の実行環境をカーネルとして提供</a:t>
+            </a:r>
+            <a:endParaRPr lang="en-US" altLang="ja-JP" dirty="0" smtClean="0"/>
+          </a:p>
+          <a:p>
+            <a:pPr lvl="2"/>
+            <a:r>
+              <a:rPr lang="ja-JP" altLang="en-US" dirty="0" smtClean="0"/>
+              <a:t>プロセス間</a:t>
+            </a:r>
+            <a:r>
               <a:rPr lang="ja-JP" altLang="en-US" dirty="0"/>
-              <a:t>デモ</a:t>
+              <a:t>通信</a:t>
+            </a:r>
+            <a:endParaRPr lang="en-US" altLang="ja-JP" dirty="0" smtClean="0"/>
+          </a:p>
+          <a:p>
+            <a:r>
+              <a:rPr kumimoji="1" lang="en-US" altLang="ja-JP" dirty="0" err="1" smtClean="0"/>
+              <a:t>IRuby</a:t>
+            </a:r>
+            <a:endParaRPr kumimoji="1" lang="en-US" altLang="ja-JP" dirty="0" smtClean="0"/>
+          </a:p>
+          <a:p>
+            <a:pPr lvl="1"/>
+            <a:r>
+              <a:rPr lang="en-US" altLang="ja-JP" dirty="0" err="1" smtClean="0"/>
+              <a:t>Jupyter</a:t>
+            </a:r>
+            <a:r>
+              <a:rPr lang="ja-JP" altLang="en-US" dirty="0" smtClean="0"/>
+              <a:t>の</a:t>
+            </a:r>
+            <a:r>
+              <a:rPr lang="en-US" altLang="ja-JP" dirty="0" smtClean="0"/>
+              <a:t>Ruby</a:t>
+            </a:r>
+            <a:r>
+              <a:rPr lang="ja-JP" altLang="en-US" dirty="0" smtClean="0"/>
+              <a:t>カーネル</a:t>
             </a:r>
             <a:endParaRPr kumimoji="1" lang="ja-JP" altLang="en-US" dirty="0"/>
           </a:p>
@@ -14015,7 +14418,7 @@
     </p:spTree>
     <p:extLst>
       <p:ext uri="{BB962C8B-B14F-4D97-AF65-F5344CB8AC3E}">
-        <p14:creationId xmlns:p14="http://schemas.microsoft.com/office/powerpoint/2010/main" val="1075475458"/>
+        <p14:creationId xmlns:p14="http://schemas.microsoft.com/office/powerpoint/2010/main" val="1471523091"/>
       </p:ext>
     </p:extLst>
   </p:cSld>
@@ -14065,8 +14468,99 @@
           <a:lstStyle/>
           <a:p>
             <a:r>
+              <a:rPr kumimoji="1" lang="en-US" altLang="ja-JP" dirty="0" err="1" smtClean="0"/>
+              <a:t>SciRuby</a:t>
+            </a:r>
+            <a:endParaRPr kumimoji="1" lang="ja-JP" altLang="en-US" dirty="0"/>
+          </a:p>
+        </p:txBody>
+      </p:sp>
+      <p:sp>
+        <p:nvSpPr>
+          <p:cNvPr id="3" name="コンテンツ プレースホルダー 2"/>
+          <p:cNvSpPr>
+            <a:spLocks noGrp="1"/>
+          </p:cNvSpPr>
+          <p:nvPr>
+            <p:ph idx="1"/>
+          </p:nvPr>
+        </p:nvSpPr>
+        <p:spPr/>
+        <p:txBody>
+          <a:bodyPr/>
+          <a:lstStyle/>
+          <a:p>
+            <a:r>
+              <a:rPr lang="en-US" altLang="ja-JP" dirty="0" smtClean="0"/>
+              <a:t>Ruby</a:t>
+            </a:r>
+            <a:r>
               <a:rPr lang="ja-JP" altLang="en-US" dirty="0" smtClean="0"/>
-              <a:t>今後の課題</a:t>
+              <a:t>用の科学計算ライブラリの開発プロジェクト</a:t>
+            </a:r>
+            <a:endParaRPr lang="en-US" altLang="ja-JP" dirty="0" smtClean="0"/>
+          </a:p>
+          <a:p>
+            <a:r>
+              <a:rPr kumimoji="1" lang="en-US" altLang="ja-JP" dirty="0" err="1" smtClean="0"/>
+              <a:t>NMatrix</a:t>
+            </a:r>
+            <a:r>
+              <a:rPr kumimoji="1" lang="ja-JP" altLang="en-US" dirty="0" smtClean="0"/>
+              <a:t>や</a:t>
+            </a:r>
+            <a:r>
+              <a:rPr kumimoji="1" lang="en-US" altLang="ja-JP" dirty="0" err="1" smtClean="0"/>
+              <a:t>daru</a:t>
+            </a:r>
+            <a:r>
+              <a:rPr lang="ja-JP" altLang="en-US" dirty="0" err="1" smtClean="0"/>
+              <a:t>、</a:t>
+            </a:r>
+            <a:r>
+              <a:rPr lang="en-US" altLang="ja-JP" dirty="0" err="1" smtClean="0"/>
+              <a:t>IRuby</a:t>
+            </a:r>
+            <a:r>
+              <a:rPr kumimoji="1" lang="ja-JP" altLang="en-US" dirty="0" smtClean="0"/>
+              <a:t>も</a:t>
+            </a:r>
+            <a:r>
+              <a:rPr kumimoji="1" lang="en-US" altLang="ja-JP" dirty="0" err="1" smtClean="0"/>
+              <a:t>SciRuby</a:t>
+            </a:r>
+            <a:r>
+              <a:rPr kumimoji="1" lang="ja-JP" altLang="en-US" dirty="0" smtClean="0"/>
+              <a:t>の一部</a:t>
+            </a:r>
+            <a:endParaRPr kumimoji="1" lang="en-US" altLang="ja-JP" dirty="0" smtClean="0"/>
+          </a:p>
+          <a:p>
+            <a:r>
+              <a:rPr kumimoji="1" lang="en-US" altLang="ja-JP" dirty="0" err="1" smtClean="0"/>
+              <a:t>Statsample</a:t>
+            </a:r>
+            <a:endParaRPr kumimoji="1" lang="en-US" altLang="ja-JP" dirty="0" smtClean="0"/>
+          </a:p>
+          <a:p>
+            <a:pPr lvl="1"/>
+            <a:r>
+              <a:rPr lang="ja-JP" altLang="en-US" dirty="0" smtClean="0"/>
+              <a:t>統計用ライブラリ</a:t>
+            </a:r>
+            <a:endParaRPr lang="en-US" altLang="ja-JP" dirty="0" smtClean="0"/>
+          </a:p>
+          <a:p>
+            <a:r>
+              <a:rPr kumimoji="1" lang="en-US" altLang="ja-JP" dirty="0" smtClean="0"/>
+              <a:t>Distribution</a:t>
+            </a:r>
+          </a:p>
+          <a:p>
+            <a:pPr lvl="1"/>
+            <a:r>
+              <a:rPr lang="ja-JP" altLang="en-US" dirty="0" smtClean="0"/>
+              <a:t>確率分布用ライブラリ</a:t>
             </a:r>
             <a:endParaRPr kumimoji="1" lang="ja-JP" altLang="en-US" dirty="0"/>
           </a:p>
@@ -14098,7 +14592,7 @@
     </p:spTree>
     <p:extLst>
       <p:ext uri="{BB962C8B-B14F-4D97-AF65-F5344CB8AC3E}">
-        <p14:creationId xmlns:p14="http://schemas.microsoft.com/office/powerpoint/2010/main" val="811270252"/>
+        <p14:creationId xmlns:p14="http://schemas.microsoft.com/office/powerpoint/2010/main" val="2257990731"/>
       </p:ext>
     </p:extLst>
   </p:cSld>
@@ -14148,82 +14642,8 @@
           <a:lstStyle/>
           <a:p>
             <a:r>
-              <a:rPr lang="ja-JP" altLang="en-US" dirty="0" smtClean="0"/>
-              <a:t>利用者が少ない</a:t>
-            </a:r>
-            <a:endParaRPr kumimoji="1" lang="ja-JP" altLang="en-US" dirty="0"/>
-          </a:p>
-        </p:txBody>
-      </p:sp>
-      <p:sp>
-        <p:nvSpPr>
-          <p:cNvPr id="6" name="コンテンツ プレースホルダー 5"/>
-          <p:cNvSpPr>
-            <a:spLocks noGrp="1"/>
-          </p:cNvSpPr>
-          <p:nvPr>
-            <p:ph idx="1"/>
-          </p:nvPr>
-        </p:nvSpPr>
-        <p:spPr/>
-        <p:txBody>
-          <a:bodyPr/>
-          <a:lstStyle/>
-          <a:p>
-            <a:r>
-              <a:rPr lang="en-US" altLang="ja-JP" dirty="0" err="1" smtClean="0"/>
-              <a:t>nmatrix</a:t>
-            </a:r>
-            <a:r>
-              <a:rPr lang="ja-JP" altLang="en-US" dirty="0" smtClean="0"/>
-              <a:t>と</a:t>
-            </a:r>
-            <a:r>
-              <a:rPr lang="en-US" altLang="ja-JP" dirty="0" err="1" smtClean="0"/>
-              <a:t>statsample</a:t>
-            </a:r>
-            <a:r>
-              <a:rPr lang="ja-JP" altLang="en-US" dirty="0" smtClean="0"/>
-              <a:t>を同時に</a:t>
-            </a:r>
-            <a:r>
-              <a:rPr lang="en-US" altLang="ja-JP" dirty="0" smtClean="0"/>
-              <a:t>require</a:t>
-            </a:r>
-            <a:r>
-              <a:rPr lang="ja-JP" altLang="en-US" dirty="0" smtClean="0"/>
-              <a:t>すると最新の</a:t>
-            </a:r>
-            <a:r>
-              <a:rPr lang="en-US" altLang="ja-JP" dirty="0" smtClean="0"/>
-              <a:t>Ruby</a:t>
-            </a:r>
-            <a:r>
-              <a:rPr lang="ja-JP" altLang="en-US" dirty="0" smtClean="0"/>
-              <a:t>ではエラーになっていることを見ても。</a:t>
-            </a:r>
-            <a:endParaRPr lang="en-US" altLang="ja-JP" dirty="0" smtClean="0"/>
-          </a:p>
-          <a:p>
-            <a:r>
-              <a:rPr kumimoji="1" lang="en-US" altLang="ja-JP" dirty="0" err="1" smtClean="0"/>
-              <a:t>NArray</a:t>
-            </a:r>
-            <a:r>
-              <a:rPr kumimoji="1" lang="ja-JP" altLang="en-US" dirty="0" smtClean="0"/>
-              <a:t>と</a:t>
-            </a:r>
-            <a:r>
-              <a:rPr kumimoji="1" lang="en-US" altLang="ja-JP" dirty="0" err="1" smtClean="0"/>
-              <a:t>NMatrix</a:t>
-            </a:r>
-            <a:r>
-              <a:rPr kumimoji="1" lang="ja-JP" altLang="en-US" dirty="0" smtClean="0"/>
-              <a:t>が競合していることも、少ない利用者・開発者が</a:t>
-            </a:r>
-            <a:r>
-              <a:rPr lang="ja-JP" altLang="en-US" dirty="0" smtClean="0"/>
-              <a:t>分散してしまう原因になっているのでは？</a:t>
+              <a:rPr lang="ja-JP" altLang="en-US" dirty="0"/>
+              <a:t>デモ</a:t>
             </a:r>
             <a:endParaRPr kumimoji="1" lang="ja-JP" altLang="en-US" dirty="0"/>
           </a:p>
@@ -14255,7 +14675,7 @@
     </p:spTree>
     <p:extLst>
       <p:ext uri="{BB962C8B-B14F-4D97-AF65-F5344CB8AC3E}">
-        <p14:creationId xmlns:p14="http://schemas.microsoft.com/office/powerpoint/2010/main" val="435299899"/>
+        <p14:creationId xmlns:p14="http://schemas.microsoft.com/office/powerpoint/2010/main" val="1075475458"/>
       </p:ext>
     </p:extLst>
   </p:cSld>
@@ -14306,97 +14726,8 @@
           <a:p>
             <a:r>
               <a:rPr lang="ja-JP" altLang="en-US" dirty="0" smtClean="0"/>
-              <a:t>機能追加・機能改善</a:t>
-            </a:r>
-            <a:endParaRPr kumimoji="1" lang="ja-JP" altLang="en-US" dirty="0"/>
-          </a:p>
-        </p:txBody>
-      </p:sp>
-      <p:sp>
-        <p:nvSpPr>
-          <p:cNvPr id="6" name="コンテンツ プレースホルダー 5"/>
-          <p:cNvSpPr>
-            <a:spLocks noGrp="1"/>
-          </p:cNvSpPr>
-          <p:nvPr>
-            <p:ph idx="1"/>
-          </p:nvPr>
-        </p:nvSpPr>
-        <p:spPr/>
-        <p:txBody>
-          <a:bodyPr/>
-          <a:lstStyle/>
-          <a:p>
-            <a:r>
-              <a:rPr kumimoji="1" lang="en-US" altLang="ja-JP" dirty="0" err="1" smtClean="0"/>
-              <a:t>daru</a:t>
-            </a:r>
-            <a:endParaRPr kumimoji="1" lang="en-US" altLang="ja-JP" dirty="0" smtClean="0"/>
-          </a:p>
-          <a:p>
-            <a:pPr lvl="1"/>
-            <a:r>
-              <a:rPr kumimoji="1" lang="ja-JP" altLang="en-US" dirty="0" smtClean="0"/>
-              <a:t>欠損値の扱い</a:t>
-            </a:r>
-            <a:endParaRPr kumimoji="1" lang="en-US" altLang="ja-JP" dirty="0" smtClean="0"/>
-          </a:p>
-          <a:p>
-            <a:pPr lvl="2"/>
-            <a:r>
-              <a:rPr lang="ja-JP" altLang="en-US" dirty="0" smtClean="0"/>
-              <a:t>チェックや穴埋め</a:t>
-            </a:r>
-            <a:endParaRPr kumimoji="1" lang="en-US" altLang="ja-JP" dirty="0" smtClean="0"/>
-          </a:p>
-          <a:p>
-            <a:pPr lvl="1"/>
-            <a:r>
-              <a:rPr lang="ja-JP" altLang="en-US" dirty="0" smtClean="0"/>
-              <a:t>時系列データの扱い</a:t>
-            </a:r>
-            <a:endParaRPr lang="en-US" altLang="ja-JP" dirty="0" smtClean="0"/>
-          </a:p>
-          <a:p>
-            <a:pPr lvl="2"/>
-            <a:r>
-              <a:rPr lang="ja-JP" altLang="en-US" dirty="0" smtClean="0"/>
-              <a:t>再サンプリング</a:t>
-            </a:r>
-            <a:endParaRPr lang="en-US" altLang="ja-JP" dirty="0" smtClean="0"/>
-          </a:p>
-          <a:p>
-            <a:pPr lvl="1"/>
-            <a:r>
-              <a:rPr lang="ja-JP" altLang="en-US" dirty="0" smtClean="0"/>
-              <a:t>統計量の計算</a:t>
-            </a:r>
-            <a:endParaRPr lang="en-US" altLang="ja-JP" dirty="0" smtClean="0"/>
-          </a:p>
-          <a:p>
-            <a:pPr lvl="2"/>
-            <a:r>
-              <a:rPr lang="ja-JP" altLang="en-US" dirty="0"/>
-              <a:t>共</a:t>
-            </a:r>
-            <a:r>
-              <a:rPr lang="ja-JP" altLang="en-US" dirty="0" smtClean="0"/>
-              <a:t>分散や相関係数</a:t>
-            </a:r>
-            <a:endParaRPr kumimoji="1" lang="en-US" altLang="ja-JP" dirty="0" smtClean="0"/>
-          </a:p>
-          <a:p>
-            <a:pPr lvl="1"/>
-            <a:r>
-              <a:rPr kumimoji="1" lang="ja-JP" altLang="en-US" dirty="0" smtClean="0"/>
-              <a:t>金融関係の機能</a:t>
-            </a:r>
-            <a:endParaRPr kumimoji="1" lang="en-US" altLang="ja-JP" dirty="0" smtClean="0"/>
-          </a:p>
-          <a:p>
-            <a:pPr marL="0" indent="0">
-              <a:buNone/>
-            </a:pPr>
+              <a:t>今後の課題</a:t>
+            </a:r>
             <a:endParaRPr kumimoji="1" lang="ja-JP" altLang="en-US" dirty="0"/>
           </a:p>
         </p:txBody>
@@ -14427,7 +14758,7 @@
     </p:spTree>
     <p:extLst>
       <p:ext uri="{BB962C8B-B14F-4D97-AF65-F5344CB8AC3E}">
-        <p14:creationId xmlns:p14="http://schemas.microsoft.com/office/powerpoint/2010/main" val="565505173"/>
+        <p14:creationId xmlns:p14="http://schemas.microsoft.com/office/powerpoint/2010/main" val="811270252"/>
       </p:ext>
     </p:extLst>
   </p:cSld>
@@ -14478,7 +14809,7 @@
           <a:p>
             <a:r>
               <a:rPr lang="ja-JP" altLang="en-US" dirty="0" smtClean="0"/>
-              <a:t>性能改善</a:t>
+              <a:t>利用者が少ない</a:t>
             </a:r>
             <a:endParaRPr kumimoji="1" lang="ja-JP" altLang="en-US" dirty="0"/>
           </a:p>
@@ -14501,54 +14832,58 @@
           <a:p>
             <a:r>
               <a:rPr lang="en-US" altLang="ja-JP" dirty="0" err="1" smtClean="0"/>
+              <a:t>nmatrix</a:t>
+            </a:r>
+            <a:r>
+              <a:rPr lang="ja-JP" altLang="en-US" dirty="0" smtClean="0"/>
+              <a:t>と</a:t>
+            </a:r>
+            <a:r>
+              <a:rPr lang="en-US" altLang="ja-JP" dirty="0" err="1" smtClean="0"/>
+              <a:t>statsample</a:t>
+            </a:r>
+            <a:r>
+              <a:rPr lang="ja-JP" altLang="en-US" dirty="0" smtClean="0"/>
+              <a:t>を同時に</a:t>
+            </a:r>
+            <a:r>
+              <a:rPr lang="en-US" altLang="ja-JP" dirty="0" smtClean="0"/>
+              <a:t>require</a:t>
+            </a:r>
+            <a:r>
+              <a:rPr lang="ja-JP" altLang="en-US" dirty="0" smtClean="0"/>
+              <a:t>すると最新の</a:t>
+            </a:r>
+            <a:r>
+              <a:rPr lang="en-US" altLang="ja-JP" dirty="0" smtClean="0"/>
+              <a:t>Ruby</a:t>
+            </a:r>
+            <a:r>
+              <a:rPr lang="ja-JP" altLang="en-US" dirty="0" smtClean="0"/>
+              <a:t>ではエラーになっていることを見ても。</a:t>
+            </a:r>
+            <a:endParaRPr lang="en-US" altLang="ja-JP" dirty="0" smtClean="0"/>
+          </a:p>
+          <a:p>
+            <a:r>
+              <a:rPr kumimoji="1" lang="en-US" altLang="ja-JP" dirty="0" err="1" smtClean="0"/>
+              <a:t>NArray</a:t>
+            </a:r>
+            <a:r>
+              <a:rPr kumimoji="1" lang="ja-JP" altLang="en-US" dirty="0" smtClean="0"/>
+              <a:t>と</a:t>
+            </a:r>
+            <a:r>
+              <a:rPr kumimoji="1" lang="en-US" altLang="ja-JP" dirty="0" err="1" smtClean="0"/>
               <a:t>NMatrix</a:t>
             </a:r>
-            <a:endParaRPr lang="en-US" altLang="ja-JP" dirty="0" smtClean="0"/>
-          </a:p>
-          <a:p>
-            <a:pPr lvl="1"/>
-            <a:r>
-              <a:rPr lang="ja-JP" altLang="en-US" dirty="0"/>
-              <a:t>処理</a:t>
+            <a:r>
+              <a:rPr kumimoji="1" lang="ja-JP" altLang="en-US" dirty="0" smtClean="0"/>
+              <a:t>が競合していることも、少ない利用者・開発者が</a:t>
             </a:r>
             <a:r>
               <a:rPr lang="ja-JP" altLang="en-US" dirty="0" smtClean="0"/>
-              <a:t>によって遅い？</a:t>
-            </a:r>
-            <a:endParaRPr lang="en-US" altLang="ja-JP" dirty="0" smtClean="0"/>
-          </a:p>
-          <a:p>
-            <a:r>
-              <a:rPr lang="en-US" altLang="ja-JP" dirty="0" err="1" smtClean="0"/>
-              <a:t>daru</a:t>
-            </a:r>
-            <a:endParaRPr lang="en-US" altLang="ja-JP" dirty="0" smtClean="0"/>
-          </a:p>
-          <a:p>
-            <a:pPr lvl="1"/>
-            <a:r>
-              <a:rPr lang="en-US" altLang="ja-JP" dirty="0" smtClean="0"/>
-              <a:t>GSL</a:t>
-            </a:r>
-            <a:r>
-              <a:rPr lang="ja-JP" altLang="en-US" dirty="0" smtClean="0"/>
-              <a:t>や</a:t>
-            </a:r>
-            <a:r>
-              <a:rPr lang="en-US" altLang="ja-JP" dirty="0" err="1" smtClean="0"/>
-              <a:t>NMatrix</a:t>
-            </a:r>
-            <a:r>
-              <a:rPr lang="ja-JP" altLang="en-US" dirty="0" smtClean="0"/>
-              <a:t>が利用できる場合はデフォルトで使う</a:t>
-            </a:r>
-            <a:endParaRPr lang="en-US" altLang="ja-JP" dirty="0" smtClean="0"/>
-          </a:p>
-          <a:p>
-            <a:pPr lvl="1"/>
-            <a:r>
-              <a:rPr kumimoji="1" lang="ja-JP" altLang="en-US" dirty="0" smtClean="0"/>
-              <a:t>ベクトル演算関数を暗黙的に利用する</a:t>
+              <a:t>分散してしまう原因になっているのでは？</a:t>
             </a:r>
             <a:endParaRPr kumimoji="1" lang="ja-JP" altLang="en-US" dirty="0"/>
           </a:p>
@@ -14580,7 +14915,7 @@
     </p:spTree>
     <p:extLst>
       <p:ext uri="{BB962C8B-B14F-4D97-AF65-F5344CB8AC3E}">
-        <p14:creationId xmlns:p14="http://schemas.microsoft.com/office/powerpoint/2010/main" val="2932370937"/>
+        <p14:creationId xmlns:p14="http://schemas.microsoft.com/office/powerpoint/2010/main" val="435299899"/>
       </p:ext>
     </p:extLst>
   </p:cSld>
@@ -14630,12 +14965,8 @@
           <a:lstStyle/>
           <a:p>
             <a:r>
-              <a:rPr lang="en-US" altLang="ja-JP" dirty="0" smtClean="0"/>
-              <a:t>DSL</a:t>
-            </a:r>
-            <a:r>
               <a:rPr lang="ja-JP" altLang="en-US" dirty="0" smtClean="0"/>
-              <a:t>の強化</a:t>
+              <a:t>機能追加・機能改善</a:t>
             </a:r>
             <a:endParaRPr kumimoji="1" lang="ja-JP" altLang="en-US" dirty="0"/>
           </a:p>
@@ -14665,37 +14996,56 @@
           <a:p>
             <a:pPr lvl="1"/>
             <a:r>
-              <a:rPr kumimoji="1" lang="en-US" altLang="ja-JP" dirty="0" smtClean="0"/>
-              <a:t>Daru::</a:t>
-            </a:r>
-            <a:r>
-              <a:rPr kumimoji="1" lang="en-US" altLang="ja-JP" dirty="0" err="1" smtClean="0"/>
-              <a:t>DataFrame#where</a:t>
+              <a:rPr kumimoji="1" lang="ja-JP" altLang="en-US" dirty="0" smtClean="0"/>
+              <a:t>欠損値の扱い</a:t>
             </a:r>
             <a:endParaRPr kumimoji="1" lang="en-US" altLang="ja-JP" dirty="0" smtClean="0"/>
           </a:p>
           <a:p>
-            <a:r>
-              <a:rPr lang="en-US" altLang="ja-JP" dirty="0" err="1" smtClean="0"/>
-              <a:t>SciRuby</a:t>
+            <a:pPr lvl="2"/>
+            <a:r>
+              <a:rPr lang="ja-JP" altLang="en-US" dirty="0" smtClean="0"/>
+              <a:t>チェックや穴埋め</a:t>
+            </a:r>
+            <a:endParaRPr kumimoji="1" lang="en-US" altLang="ja-JP" dirty="0" smtClean="0"/>
+          </a:p>
+          <a:p>
+            <a:pPr lvl="1"/>
+            <a:r>
+              <a:rPr lang="ja-JP" altLang="en-US" dirty="0" smtClean="0"/>
+              <a:t>時系列データの扱い</a:t>
             </a:r>
             <a:endParaRPr lang="en-US" altLang="ja-JP" dirty="0" smtClean="0"/>
           </a:p>
           <a:p>
+            <a:pPr lvl="2"/>
+            <a:r>
+              <a:rPr lang="ja-JP" altLang="en-US" dirty="0" smtClean="0"/>
+              <a:t>再サンプリング</a:t>
+            </a:r>
+            <a:endParaRPr lang="en-US" altLang="ja-JP" dirty="0" smtClean="0"/>
+          </a:p>
+          <a:p>
             <a:pPr lvl="1"/>
             <a:r>
               <a:rPr kumimoji="1" lang="ja-JP" altLang="en-US" dirty="0" smtClean="0"/>
-              <a:t>関数を</a:t>
-            </a:r>
-            <a:r>
-              <a:rPr kumimoji="1" lang="en-US" altLang="ja-JP" dirty="0" smtClean="0"/>
-              <a:t>Ruby</a:t>
+              <a:t>金融</a:t>
             </a:r>
             <a:r>
               <a:rPr kumimoji="1" lang="ja-JP" altLang="en-US" dirty="0" smtClean="0"/>
-              <a:t>の式で表現</a:t>
+              <a:t>関係の</a:t>
+            </a:r>
+            <a:r>
+              <a:rPr kumimoji="1" lang="ja-JP" altLang="en-US" dirty="0" smtClean="0"/>
+              <a:t>機能</a:t>
             </a:r>
             <a:endParaRPr kumimoji="1" lang="en-US" altLang="ja-JP" dirty="0" smtClean="0"/>
+          </a:p>
+          <a:p>
+            <a:pPr marL="0" indent="0">
+              <a:buNone/>
+            </a:pPr>
+            <a:endParaRPr kumimoji="1" lang="ja-JP" altLang="en-US" dirty="0"/>
           </a:p>
         </p:txBody>
       </p:sp>
@@ -14725,7 +15075,7 @@
     </p:spTree>
     <p:extLst>
       <p:ext uri="{BB962C8B-B14F-4D97-AF65-F5344CB8AC3E}">
-        <p14:creationId xmlns:p14="http://schemas.microsoft.com/office/powerpoint/2010/main" val="3539118332"/>
+        <p14:creationId xmlns:p14="http://schemas.microsoft.com/office/powerpoint/2010/main" val="565505173"/>
       </p:ext>
     </p:extLst>
   </p:cSld>
@@ -14775,12 +15125,8 @@
           <a:lstStyle/>
           <a:p>
             <a:r>
-              <a:rPr kumimoji="1" lang="en-US" altLang="ja-JP" dirty="0" smtClean="0"/>
-              <a:t>Refinements</a:t>
-            </a:r>
-            <a:r>
-              <a:rPr kumimoji="1" lang="ja-JP" altLang="en-US" dirty="0" smtClean="0"/>
-              <a:t>による拡張</a:t>
+              <a:rPr lang="ja-JP" altLang="en-US" dirty="0" smtClean="0"/>
+              <a:t>性能改善</a:t>
             </a:r>
             <a:endParaRPr kumimoji="1" lang="ja-JP" altLang="en-US" dirty="0"/>
           </a:p>
@@ -14801,10 +15147,58 @@
           <a:bodyPr/>
           <a:lstStyle/>
           <a:p>
-            <a:pPr marL="0" indent="0">
-              <a:buNone/>
-            </a:pPr>
-            <a:endParaRPr kumimoji="1" lang="en-US" altLang="ja-JP" dirty="0" smtClean="0"/>
+            <a:r>
+              <a:rPr lang="en-US" altLang="ja-JP" dirty="0" err="1" smtClean="0"/>
+              <a:t>NMatrix</a:t>
+            </a:r>
+            <a:endParaRPr lang="en-US" altLang="ja-JP" dirty="0" smtClean="0"/>
+          </a:p>
+          <a:p>
+            <a:pPr lvl="1"/>
+            <a:r>
+              <a:rPr lang="ja-JP" altLang="en-US" dirty="0"/>
+              <a:t>処理</a:t>
+            </a:r>
+            <a:r>
+              <a:rPr lang="ja-JP" altLang="en-US" dirty="0" smtClean="0"/>
+              <a:t>によって遅い？</a:t>
+            </a:r>
+            <a:endParaRPr lang="en-US" altLang="ja-JP" dirty="0" smtClean="0"/>
+          </a:p>
+          <a:p>
+            <a:r>
+              <a:rPr lang="en-US" altLang="ja-JP" dirty="0" err="1" smtClean="0"/>
+              <a:t>daru</a:t>
+            </a:r>
+            <a:endParaRPr lang="en-US" altLang="ja-JP" dirty="0" smtClean="0"/>
+          </a:p>
+          <a:p>
+            <a:pPr lvl="1"/>
+            <a:r>
+              <a:rPr lang="en-US" altLang="ja-JP" dirty="0" smtClean="0"/>
+              <a:t>GSL</a:t>
+            </a:r>
+            <a:r>
+              <a:rPr lang="ja-JP" altLang="en-US" dirty="0" smtClean="0"/>
+              <a:t>や</a:t>
+            </a:r>
+            <a:r>
+              <a:rPr lang="en-US" altLang="ja-JP" dirty="0" err="1" smtClean="0"/>
+              <a:t>NMatrix</a:t>
+            </a:r>
+            <a:r>
+              <a:rPr lang="ja-JP" altLang="en-US" dirty="0" smtClean="0"/>
+              <a:t>が利用できる場合はデフォルトで使う</a:t>
+            </a:r>
+            <a:endParaRPr lang="en-US" altLang="ja-JP" dirty="0" smtClean="0"/>
+          </a:p>
+          <a:p>
+            <a:pPr lvl="1"/>
+            <a:r>
+              <a:rPr kumimoji="1" lang="ja-JP" altLang="en-US" dirty="0" smtClean="0"/>
+              <a:t>ベクトル演算関数を暗黙的に利用する</a:t>
+            </a:r>
+            <a:endParaRPr kumimoji="1" lang="ja-JP" altLang="en-US" dirty="0"/>
           </a:p>
         </p:txBody>
       </p:sp>
@@ -14834,7 +15228,7 @@
     </p:spTree>
     <p:extLst>
       <p:ext uri="{BB962C8B-B14F-4D97-AF65-F5344CB8AC3E}">
-        <p14:creationId xmlns:p14="http://schemas.microsoft.com/office/powerpoint/2010/main" val="2460615494"/>
+        <p14:creationId xmlns:p14="http://schemas.microsoft.com/office/powerpoint/2010/main" val="2932370937"/>
       </p:ext>
     </p:extLst>
   </p:cSld>
@@ -14884,12 +15278,12 @@
           <a:lstStyle/>
           <a:p>
             <a:r>
-              <a:rPr lang="ja-JP" altLang="en-US" dirty="0"/>
-              <a:t>計算</a:t>
+              <a:rPr lang="en-US" altLang="ja-JP" dirty="0" smtClean="0"/>
+              <a:t>DSL</a:t>
             </a:r>
             <a:r>
               <a:rPr lang="ja-JP" altLang="en-US" dirty="0" smtClean="0"/>
-              <a:t>と可視化の統合</a:t>
+              <a:t>の強化</a:t>
             </a:r>
             <a:endParaRPr kumimoji="1" lang="ja-JP" altLang="en-US" dirty="0"/>
           </a:p>
@@ -14914,37 +15308,42 @@
               <a:rPr kumimoji="1" lang="en-US" altLang="ja-JP" dirty="0" err="1" smtClean="0"/>
               <a:t>daru</a:t>
             </a:r>
+            <a:endParaRPr kumimoji="1" lang="en-US" altLang="ja-JP" dirty="0" smtClean="0"/>
+          </a:p>
+          <a:p>
+            <a:pPr lvl="1"/>
+            <a:r>
+              <a:rPr kumimoji="1" lang="en-US" altLang="ja-JP" dirty="0" smtClean="0"/>
+              <a:t>Daru::</a:t>
+            </a:r>
+            <a:r>
+              <a:rPr kumimoji="1" lang="en-US" altLang="ja-JP" dirty="0" err="1" smtClean="0"/>
+              <a:t>DataFrame#where</a:t>
+            </a:r>
+            <a:endParaRPr kumimoji="1" lang="en-US" altLang="ja-JP" dirty="0" smtClean="0"/>
+          </a:p>
+          <a:p>
+            <a:r>
+              <a:rPr lang="en-US" altLang="ja-JP" dirty="0" err="1" smtClean="0"/>
+              <a:t>SciRuby</a:t>
+            </a:r>
+            <a:endParaRPr lang="en-US" altLang="ja-JP" dirty="0" smtClean="0"/>
+          </a:p>
+          <a:p>
+            <a:pPr lvl="1"/>
             <a:r>
               <a:rPr kumimoji="1" lang="ja-JP" altLang="en-US" dirty="0" smtClean="0"/>
-              <a:t>は</a:t>
-            </a:r>
-            <a:r>
-              <a:rPr kumimoji="1" lang="en-US" altLang="ja-JP" dirty="0" err="1" smtClean="0"/>
-              <a:t>Nyaplot</a:t>
+              <a:t>関数を</a:t>
+            </a:r>
+            <a:r>
+              <a:rPr kumimoji="1" lang="en-US" altLang="ja-JP" dirty="0" smtClean="0"/>
+              <a:t>Ruby</a:t>
             </a:r>
             <a:r>
               <a:rPr kumimoji="1" lang="ja-JP" altLang="en-US" dirty="0" smtClean="0"/>
-              <a:t>を使用しているが、</a:t>
-            </a:r>
-            <a:r>
-              <a:rPr kumimoji="1" lang="en-US" altLang="ja-JP" dirty="0" err="1" smtClean="0"/>
-              <a:t>statsample</a:t>
-            </a:r>
-            <a:r>
-              <a:rPr kumimoji="1" lang="ja-JP" altLang="en-US" dirty="0" smtClean="0"/>
-              <a:t>などは使用していない</a:t>
+              <a:t>の式で表現</a:t>
             </a:r>
             <a:endParaRPr kumimoji="1" lang="en-US" altLang="ja-JP" dirty="0" smtClean="0"/>
-          </a:p>
-          <a:p>
-            <a:r>
-              <a:rPr lang="ja-JP" altLang="en-US" dirty="0" smtClean="0"/>
-              <a:t>計測データと理論値の重ね合わせが面倒</a:t>
-            </a:r>
-            <a:endParaRPr kumimoji="1" lang="en-US" altLang="ja-JP" dirty="0" smtClean="0"/>
-          </a:p>
-          <a:p>
-            <a:endParaRPr kumimoji="1" lang="ja-JP" altLang="en-US" dirty="0"/>
           </a:p>
         </p:txBody>
       </p:sp>
@@ -14974,7 +15373,7 @@
     </p:spTree>
     <p:extLst>
       <p:ext uri="{BB962C8B-B14F-4D97-AF65-F5344CB8AC3E}">
-        <p14:creationId xmlns:p14="http://schemas.microsoft.com/office/powerpoint/2010/main" val="3583640956"/>
+        <p14:creationId xmlns:p14="http://schemas.microsoft.com/office/powerpoint/2010/main" val="3539118332"/>
       </p:ext>
     </p:extLst>
   </p:cSld>
@@ -15025,7 +15424,11 @@
           <a:p>
             <a:r>
               <a:rPr kumimoji="1" lang="en-US" altLang="ja-JP" dirty="0" smtClean="0"/>
-              <a:t>References</a:t>
+              <a:t>Refinements</a:t>
+            </a:r>
+            <a:r>
+              <a:rPr kumimoji="1" lang="ja-JP" altLang="en-US" dirty="0" smtClean="0"/>
+              <a:t>による拡張</a:t>
             </a:r>
             <a:endParaRPr kumimoji="1" lang="ja-JP" altLang="en-US" dirty="0"/>
           </a:p>
@@ -15043,181 +15446,13 @@
         </p:nvSpPr>
         <p:spPr/>
         <p:txBody>
-          <a:bodyPr>
-            <a:normAutofit lnSpcReduction="10000"/>
-          </a:bodyPr>
+          <a:bodyPr/>
           <a:lstStyle/>
           <a:p>
-            <a:r>
-              <a:rPr lang="ja-JP" altLang="en-US" dirty="0" smtClean="0"/>
-              <a:t>ジェイムズ・オーウェン・ウェザーオール</a:t>
-            </a:r>
-            <a:r>
-              <a:rPr lang="en-US" altLang="ja-JP" dirty="0" smtClean="0"/>
-              <a:t>, </a:t>
-            </a:r>
-            <a:r>
-              <a:rPr lang="ja-JP" altLang="en-US" i="1" dirty="0" smtClean="0"/>
-              <a:t>ウォール街の物理学者</a:t>
-            </a:r>
-            <a:r>
-              <a:rPr lang="en-US" altLang="ja-JP" dirty="0" smtClean="0"/>
-              <a:t>,</a:t>
-            </a:r>
-            <a:r>
-              <a:rPr lang="en-US" altLang="ja-JP" i="1" dirty="0" smtClean="0"/>
-              <a:t> </a:t>
-            </a:r>
-            <a:r>
-              <a:rPr lang="ja-JP" altLang="en-US" dirty="0" smtClean="0"/>
-              <a:t>早川書房</a:t>
-            </a:r>
-            <a:r>
-              <a:rPr lang="en-US" altLang="ja-JP" dirty="0" smtClean="0"/>
-              <a:t>, 2015</a:t>
-            </a:r>
-          </a:p>
-          <a:p>
-            <a:r>
-              <a:rPr lang="en-US" altLang="ja-JP" dirty="0"/>
-              <a:t>M. F. M. Osborne, </a:t>
-            </a:r>
-            <a:r>
-              <a:rPr lang="en-US" altLang="ja-JP" i="1" dirty="0"/>
-              <a:t>Brownian Motion in the Stock Market</a:t>
-            </a:r>
-            <a:r>
-              <a:rPr lang="en-US" altLang="ja-JP" dirty="0"/>
-              <a:t>, </a:t>
-            </a:r>
-            <a:br>
-              <a:rPr lang="en-US" altLang="ja-JP" dirty="0"/>
-            </a:br>
-            <a:r>
-              <a:rPr lang="en-US" altLang="ja-JP" dirty="0"/>
-              <a:t>Operations Research, </a:t>
-            </a:r>
-            <a:r>
-              <a:rPr lang="en-US" altLang="ja-JP" dirty="0" smtClean="0"/>
-              <a:t>1959</a:t>
-            </a:r>
-          </a:p>
-          <a:p>
-            <a:r>
-              <a:rPr lang="en-US" altLang="ja-JP" dirty="0"/>
-              <a:t>Benoit Mandelbrot,</a:t>
-            </a:r>
-            <a:r>
-              <a:rPr lang="ja-JP" altLang="en-US" dirty="0"/>
-              <a:t> </a:t>
-            </a:r>
-            <a:r>
-              <a:rPr lang="en-US" altLang="ja-JP" i="1" dirty="0"/>
-              <a:t>The Variation of Certain Speculative Prices</a:t>
-            </a:r>
-            <a:r>
-              <a:rPr lang="en-US" altLang="ja-JP" dirty="0"/>
-              <a:t>, </a:t>
-            </a:r>
-            <a:r>
-              <a:rPr lang="en-US" altLang="ja-JP" dirty="0" err="1"/>
-              <a:t>Jounal</a:t>
-            </a:r>
-            <a:r>
-              <a:rPr lang="en-US" altLang="ja-JP" dirty="0"/>
-              <a:t> of Business, 1963</a:t>
-            </a:r>
-          </a:p>
-          <a:p>
-            <a:r>
-              <a:rPr lang="en-US" altLang="ja-JP" dirty="0"/>
-              <a:t>Benoit Mandelbrot, </a:t>
-            </a:r>
-            <a:r>
-              <a:rPr lang="en-US" altLang="ja-JP" i="1" dirty="0"/>
-              <a:t>The Variation of Other Speculative Prices</a:t>
-            </a:r>
-            <a:r>
-              <a:rPr lang="en-US" altLang="ja-JP" dirty="0"/>
-              <a:t>, </a:t>
-            </a:r>
-            <a:r>
-              <a:rPr lang="en-US" altLang="ja-JP" dirty="0" err="1"/>
-              <a:t>Jounal</a:t>
-            </a:r>
-            <a:r>
-              <a:rPr lang="en-US" altLang="ja-JP" dirty="0"/>
-              <a:t> of Business, </a:t>
-            </a:r>
-            <a:r>
-              <a:rPr lang="en-US" altLang="ja-JP" dirty="0" smtClean="0"/>
-              <a:t>1967</a:t>
-            </a:r>
-          </a:p>
-          <a:p>
-            <a:r>
-              <a:rPr lang="ja-JP" altLang="en-US" dirty="0" smtClean="0"/>
-              <a:t>平岡和幸・堀玄</a:t>
-            </a:r>
-            <a:r>
-              <a:rPr lang="en-US" altLang="ja-JP" dirty="0" smtClean="0"/>
-              <a:t>, </a:t>
-            </a:r>
-            <a:r>
-              <a:rPr lang="ja-JP" altLang="en-US" i="1" dirty="0" smtClean="0"/>
-              <a:t>プログラミングのための確率統計</a:t>
-            </a:r>
-            <a:r>
-              <a:rPr lang="en-US" altLang="ja-JP" i="1" dirty="0" smtClean="0"/>
-              <a:t>, </a:t>
-            </a:r>
-            <a:r>
-              <a:rPr lang="ja-JP" altLang="en-US" dirty="0" smtClean="0"/>
-              <a:t>オーム社</a:t>
-            </a:r>
-            <a:r>
-              <a:rPr lang="en-US" altLang="ja-JP" dirty="0" smtClean="0"/>
-              <a:t>, 2009</a:t>
-            </a:r>
-          </a:p>
-          <a:p>
-            <a:r>
-              <a:rPr lang="en-US" altLang="ja-JP" dirty="0" smtClean="0"/>
-              <a:t>Wes </a:t>
-            </a:r>
-            <a:r>
-              <a:rPr lang="en-US" altLang="ja-JP" dirty="0" err="1" smtClean="0"/>
-              <a:t>McKinnery</a:t>
-            </a:r>
-            <a:r>
-              <a:rPr lang="en-US" altLang="ja-JP" dirty="0" smtClean="0"/>
-              <a:t>, </a:t>
-            </a:r>
-            <a:r>
-              <a:rPr lang="en-US" altLang="ja-JP" i="1" dirty="0" smtClean="0"/>
-              <a:t>Python</a:t>
-            </a:r>
-            <a:r>
-              <a:rPr lang="ja-JP" altLang="en-US" i="1" dirty="0" smtClean="0"/>
-              <a:t>によるデータ分析入門</a:t>
-            </a:r>
-            <a:r>
-              <a:rPr lang="en-US" altLang="ja-JP" i="1" dirty="0" smtClean="0"/>
-              <a:t>, </a:t>
-            </a:r>
-            <a:r>
-              <a:rPr lang="ja-JP" altLang="en-US" dirty="0" smtClean="0"/>
-              <a:t>オライリー</a:t>
-            </a:r>
-            <a:r>
-              <a:rPr lang="ja-JP" altLang="en-US" dirty="0"/>
-              <a:t>・ジャパン</a:t>
-            </a:r>
-            <a:r>
-              <a:rPr lang="en-US" altLang="ja-JP" dirty="0" smtClean="0"/>
-              <a:t>, 2013</a:t>
-            </a:r>
-            <a:endParaRPr lang="en-US" altLang="ja-JP" dirty="0"/>
+            <a:pPr marL="0" indent="0">
+              <a:buNone/>
+            </a:pPr>
+            <a:endParaRPr kumimoji="1" lang="en-US" altLang="ja-JP" dirty="0" smtClean="0"/>
           </a:p>
         </p:txBody>
       </p:sp>
@@ -15247,7 +15482,151 @@
     </p:spTree>
     <p:extLst>
       <p:ext uri="{BB962C8B-B14F-4D97-AF65-F5344CB8AC3E}">
-        <p14:creationId xmlns:p14="http://schemas.microsoft.com/office/powerpoint/2010/main" val="446685616"/>
+        <p14:creationId xmlns:p14="http://schemas.microsoft.com/office/powerpoint/2010/main" val="2460615494"/>
+      </p:ext>
+    </p:extLst>
+  </p:cSld>
+  <p:clrMapOvr>
+    <a:masterClrMapping/>
+  </p:clrMapOvr>
+  <p:timing>
+    <p:tnLst>
+      <p:par>
+        <p:cTn id="1" dur="indefinite" restart="never" nodeType="tmRoot"/>
+      </p:par>
+    </p:tnLst>
+  </p:timing>
+</p:sld>
+</file>
+
+<file path=ppt/slides/slide39.xml><?xml version="1.0" encoding="utf-8"?>
+<p:sld xmlns:a="http://schemas.openxmlformats.org/drawingml/2006/main" xmlns:r="http://schemas.openxmlformats.org/officeDocument/2006/relationships" xmlns:p="http://schemas.openxmlformats.org/presentationml/2006/main">
+  <p:cSld>
+    <p:spTree>
+      <p:nvGrpSpPr>
+        <p:cNvPr id="1" name=""/>
+        <p:cNvGrpSpPr/>
+        <p:nvPr/>
+      </p:nvGrpSpPr>
+      <p:grpSpPr>
+        <a:xfrm>
+          <a:off x="0" y="0"/>
+          <a:ext cx="0" cy="0"/>
+          <a:chOff x="0" y="0"/>
+          <a:chExt cx="0" cy="0"/>
+        </a:xfrm>
+      </p:grpSpPr>
+      <p:sp>
+        <p:nvSpPr>
+          <p:cNvPr id="2" name="タイトル 1"/>
+          <p:cNvSpPr>
+            <a:spLocks noGrp="1"/>
+          </p:cNvSpPr>
+          <p:nvPr>
+            <p:ph type="title"/>
+          </p:nvPr>
+        </p:nvSpPr>
+        <p:spPr/>
+        <p:txBody>
+          <a:bodyPr/>
+          <a:lstStyle/>
+          <a:p>
+            <a:r>
+              <a:rPr lang="ja-JP" altLang="en-US" dirty="0"/>
+              <a:t>計算</a:t>
+            </a:r>
+            <a:r>
+              <a:rPr lang="ja-JP" altLang="en-US" dirty="0" smtClean="0"/>
+              <a:t>と可視化の統合</a:t>
+            </a:r>
+            <a:endParaRPr kumimoji="1" lang="ja-JP" altLang="en-US" dirty="0"/>
+          </a:p>
+        </p:txBody>
+      </p:sp>
+      <p:sp>
+        <p:nvSpPr>
+          <p:cNvPr id="6" name="コンテンツ プレースホルダー 5"/>
+          <p:cNvSpPr>
+            <a:spLocks noGrp="1"/>
+          </p:cNvSpPr>
+          <p:nvPr>
+            <p:ph idx="1"/>
+          </p:nvPr>
+        </p:nvSpPr>
+        <p:spPr/>
+        <p:txBody>
+          <a:bodyPr/>
+          <a:lstStyle/>
+          <a:p>
+            <a:r>
+              <a:rPr kumimoji="1" lang="en-US" altLang="ja-JP" dirty="0" err="1" smtClean="0"/>
+              <a:t>daru</a:t>
+            </a:r>
+            <a:r>
+              <a:rPr kumimoji="1" lang="ja-JP" altLang="en-US" dirty="0" smtClean="0"/>
+              <a:t>は</a:t>
+            </a:r>
+            <a:r>
+              <a:rPr kumimoji="1" lang="en-US" altLang="ja-JP" dirty="0" err="1" smtClean="0"/>
+              <a:t>Nyaplot</a:t>
+            </a:r>
+            <a:r>
+              <a:rPr kumimoji="1" lang="ja-JP" altLang="en-US" dirty="0" smtClean="0"/>
+              <a:t>を使用しているが、</a:t>
+            </a:r>
+            <a:r>
+              <a:rPr kumimoji="1" lang="en-US" altLang="ja-JP" dirty="0" err="1" smtClean="0"/>
+              <a:t>statsample</a:t>
+            </a:r>
+            <a:r>
+              <a:rPr kumimoji="1" lang="ja-JP" altLang="en-US" dirty="0" smtClean="0"/>
+              <a:t>などは使用していない</a:t>
+            </a:r>
+            <a:endParaRPr kumimoji="1" lang="en-US" altLang="ja-JP" dirty="0" smtClean="0"/>
+          </a:p>
+          <a:p>
+            <a:r>
+              <a:rPr lang="ja-JP" altLang="en-US" dirty="0" smtClean="0"/>
+              <a:t>計測データと理論値の重ね合わせが</a:t>
+            </a:r>
+            <a:r>
+              <a:rPr lang="ja-JP" altLang="en-US" dirty="0" smtClean="0"/>
+              <a:t>面倒</a:t>
+            </a:r>
+            <a:endParaRPr kumimoji="1" lang="en-US" altLang="ja-JP" dirty="0" smtClean="0"/>
+          </a:p>
+          <a:p>
+            <a:endParaRPr kumimoji="1" lang="ja-JP" altLang="en-US" dirty="0"/>
+          </a:p>
+        </p:txBody>
+      </p:sp>
+      <p:sp>
+        <p:nvSpPr>
+          <p:cNvPr id="4" name="スライド番号プレースホルダー 3"/>
+          <p:cNvSpPr>
+            <a:spLocks noGrp="1"/>
+          </p:cNvSpPr>
+          <p:nvPr>
+            <p:ph type="sldNum" sz="quarter" idx="12"/>
+          </p:nvPr>
+        </p:nvSpPr>
+        <p:spPr/>
+        <p:txBody>
+          <a:bodyPr/>
+          <a:lstStyle/>
+          <a:p>
+            <a:fld id="{D2D8002D-B5B0-4BAC-B1F6-782DDCCE6D9C}" type="slidenum">
+              <a:rPr kumimoji="1" lang="ja-JP" altLang="en-US" smtClean="0"/>
+              <a:t>38</a:t>
+            </a:fld>
+            <a:endParaRPr kumimoji="1" lang="ja-JP" altLang="en-US" dirty="0"/>
+          </a:p>
+        </p:txBody>
+      </p:sp>
+    </p:spTree>
+    <p:extLst>
+      <p:ext uri="{BB962C8B-B14F-4D97-AF65-F5344CB8AC3E}">
+        <p14:creationId xmlns:p14="http://schemas.microsoft.com/office/powerpoint/2010/main" val="3583640956"/>
       </p:ext>
     </p:extLst>
   </p:cSld>
@@ -15397,6 +15776,279 @@
     <p:extLst>
       <p:ext uri="{BB962C8B-B14F-4D97-AF65-F5344CB8AC3E}">
         <p14:creationId xmlns:p14="http://schemas.microsoft.com/office/powerpoint/2010/main" val="2352567713"/>
+      </p:ext>
+    </p:extLst>
+  </p:cSld>
+  <p:clrMapOvr>
+    <a:masterClrMapping/>
+  </p:clrMapOvr>
+  <p:timing>
+    <p:tnLst>
+      <p:par>
+        <p:cTn id="1" dur="indefinite" restart="never" nodeType="tmRoot"/>
+      </p:par>
+    </p:tnLst>
+  </p:timing>
+</p:sld>
+</file>
+
+<file path=ppt/slides/slide40.xml><?xml version="1.0" encoding="utf-8"?>
+<p:sld xmlns:a="http://schemas.openxmlformats.org/drawingml/2006/main" xmlns:r="http://schemas.openxmlformats.org/officeDocument/2006/relationships" xmlns:p="http://schemas.openxmlformats.org/presentationml/2006/main">
+  <p:cSld>
+    <p:spTree>
+      <p:nvGrpSpPr>
+        <p:cNvPr id="1" name=""/>
+        <p:cNvGrpSpPr/>
+        <p:nvPr/>
+      </p:nvGrpSpPr>
+      <p:grpSpPr>
+        <a:xfrm>
+          <a:off x="0" y="0"/>
+          <a:ext cx="0" cy="0"/>
+          <a:chOff x="0" y="0"/>
+          <a:chExt cx="0" cy="0"/>
+        </a:xfrm>
+      </p:grpSpPr>
+      <p:sp>
+        <p:nvSpPr>
+          <p:cNvPr id="2" name="タイトル 1"/>
+          <p:cNvSpPr>
+            <a:spLocks noGrp="1"/>
+          </p:cNvSpPr>
+          <p:nvPr>
+            <p:ph type="title"/>
+          </p:nvPr>
+        </p:nvSpPr>
+        <p:spPr/>
+        <p:txBody>
+          <a:bodyPr/>
+          <a:lstStyle/>
+          <a:p>
+            <a:r>
+              <a:rPr kumimoji="1" lang="en-US" altLang="ja-JP" dirty="0" smtClean="0"/>
+              <a:t>References</a:t>
+            </a:r>
+            <a:endParaRPr kumimoji="1" lang="ja-JP" altLang="en-US" dirty="0"/>
+          </a:p>
+        </p:txBody>
+      </p:sp>
+      <p:sp>
+        <p:nvSpPr>
+          <p:cNvPr id="6" name="コンテンツ プレースホルダー 5"/>
+          <p:cNvSpPr>
+            <a:spLocks noGrp="1"/>
+          </p:cNvSpPr>
+          <p:nvPr>
+            <p:ph idx="1"/>
+          </p:nvPr>
+        </p:nvSpPr>
+        <p:spPr/>
+        <p:txBody>
+          <a:bodyPr>
+            <a:normAutofit lnSpcReduction="10000"/>
+          </a:bodyPr>
+          <a:lstStyle/>
+          <a:p>
+            <a:r>
+              <a:rPr lang="ja-JP" altLang="en-US" dirty="0" smtClean="0"/>
+              <a:t>ジェイムズ・オーウェン・ウェザーオール</a:t>
+            </a:r>
+            <a:r>
+              <a:rPr lang="en-US" altLang="ja-JP" dirty="0" smtClean="0"/>
+              <a:t>, </a:t>
+            </a:r>
+            <a:r>
+              <a:rPr lang="ja-JP" altLang="en-US" i="1" dirty="0" smtClean="0"/>
+              <a:t>ウォール街の物理学者</a:t>
+            </a:r>
+            <a:r>
+              <a:rPr lang="en-US" altLang="ja-JP" dirty="0" smtClean="0"/>
+              <a:t>,</a:t>
+            </a:r>
+            <a:r>
+              <a:rPr lang="en-US" altLang="ja-JP" i="1" dirty="0" smtClean="0"/>
+              <a:t> </a:t>
+            </a:r>
+            <a:r>
+              <a:rPr lang="ja-JP" altLang="en-US" dirty="0" smtClean="0"/>
+              <a:t>早川書房</a:t>
+            </a:r>
+            <a:r>
+              <a:rPr lang="en-US" altLang="ja-JP" dirty="0" smtClean="0"/>
+              <a:t>, 2015</a:t>
+            </a:r>
+          </a:p>
+          <a:p>
+            <a:r>
+              <a:rPr lang="en-US" altLang="ja-JP" dirty="0"/>
+              <a:t>M. F. M. Osborne, </a:t>
+            </a:r>
+            <a:r>
+              <a:rPr lang="en-US" altLang="ja-JP" i="1" dirty="0"/>
+              <a:t>Brownian Motion in the Stock Market</a:t>
+            </a:r>
+            <a:r>
+              <a:rPr lang="en-US" altLang="ja-JP" dirty="0"/>
+              <a:t>, </a:t>
+            </a:r>
+            <a:br>
+              <a:rPr lang="en-US" altLang="ja-JP" dirty="0"/>
+            </a:br>
+            <a:r>
+              <a:rPr lang="en-US" altLang="ja-JP" dirty="0"/>
+              <a:t>Operations Research, </a:t>
+            </a:r>
+            <a:r>
+              <a:rPr lang="en-US" altLang="ja-JP" dirty="0" smtClean="0"/>
+              <a:t>1959</a:t>
+            </a:r>
+          </a:p>
+          <a:p>
+            <a:r>
+              <a:rPr lang="en-US" altLang="ja-JP" dirty="0"/>
+              <a:t>Benoit Mandelbrot,</a:t>
+            </a:r>
+            <a:r>
+              <a:rPr lang="ja-JP" altLang="en-US" dirty="0"/>
+              <a:t> </a:t>
+            </a:r>
+            <a:r>
+              <a:rPr lang="en-US" altLang="ja-JP" i="1" dirty="0"/>
+              <a:t>The Variation of Certain Speculative Prices</a:t>
+            </a:r>
+            <a:r>
+              <a:rPr lang="en-US" altLang="ja-JP" dirty="0"/>
+              <a:t>, </a:t>
+            </a:r>
+            <a:r>
+              <a:rPr lang="en-US" altLang="ja-JP" dirty="0" err="1"/>
+              <a:t>Jounal</a:t>
+            </a:r>
+            <a:r>
+              <a:rPr lang="en-US" altLang="ja-JP" dirty="0"/>
+              <a:t> of Business, 1963</a:t>
+            </a:r>
+          </a:p>
+          <a:p>
+            <a:r>
+              <a:rPr lang="en-US" altLang="ja-JP" dirty="0"/>
+              <a:t>Benoit Mandelbrot, </a:t>
+            </a:r>
+            <a:r>
+              <a:rPr lang="en-US" altLang="ja-JP" i="1" dirty="0"/>
+              <a:t>The Variation of Other Speculative Prices</a:t>
+            </a:r>
+            <a:r>
+              <a:rPr lang="en-US" altLang="ja-JP" dirty="0"/>
+              <a:t>, </a:t>
+            </a:r>
+            <a:r>
+              <a:rPr lang="en-US" altLang="ja-JP" dirty="0" err="1"/>
+              <a:t>Jounal</a:t>
+            </a:r>
+            <a:r>
+              <a:rPr lang="en-US" altLang="ja-JP" dirty="0"/>
+              <a:t> of Business, </a:t>
+            </a:r>
+            <a:r>
+              <a:rPr lang="en-US" altLang="ja-JP" dirty="0" smtClean="0"/>
+              <a:t>1967</a:t>
+            </a:r>
+          </a:p>
+          <a:p>
+            <a:r>
+              <a:rPr lang="ja-JP" altLang="en-US" dirty="0" smtClean="0"/>
+              <a:t>平岡和幸・堀玄</a:t>
+            </a:r>
+            <a:r>
+              <a:rPr lang="en-US" altLang="ja-JP" dirty="0" smtClean="0"/>
+              <a:t>, </a:t>
+            </a:r>
+            <a:r>
+              <a:rPr lang="ja-JP" altLang="en-US" i="1" dirty="0" smtClean="0"/>
+              <a:t>プログラミングのための確率統計</a:t>
+            </a:r>
+            <a:r>
+              <a:rPr lang="en-US" altLang="ja-JP" i="1" dirty="0" smtClean="0"/>
+              <a:t>, </a:t>
+            </a:r>
+            <a:r>
+              <a:rPr lang="ja-JP" altLang="en-US" dirty="0" smtClean="0"/>
+              <a:t>オーム社</a:t>
+            </a:r>
+            <a:r>
+              <a:rPr lang="en-US" altLang="ja-JP" dirty="0" smtClean="0"/>
+              <a:t>, 2009</a:t>
+            </a:r>
+          </a:p>
+          <a:p>
+            <a:r>
+              <a:rPr lang="en-US" altLang="ja-JP" dirty="0" smtClean="0"/>
+              <a:t>Wes </a:t>
+            </a:r>
+            <a:r>
+              <a:rPr lang="en-US" altLang="ja-JP" dirty="0" err="1" smtClean="0"/>
+              <a:t>McKinnery</a:t>
+            </a:r>
+            <a:r>
+              <a:rPr lang="en-US" altLang="ja-JP" dirty="0" smtClean="0"/>
+              <a:t>, </a:t>
+            </a:r>
+            <a:r>
+              <a:rPr lang="en-US" altLang="ja-JP" i="1" dirty="0" smtClean="0"/>
+              <a:t>Python</a:t>
+            </a:r>
+            <a:r>
+              <a:rPr lang="ja-JP" altLang="en-US" i="1" dirty="0" smtClean="0"/>
+              <a:t>によるデータ分析入門</a:t>
+            </a:r>
+            <a:r>
+              <a:rPr lang="en-US" altLang="ja-JP" i="1" dirty="0" smtClean="0"/>
+              <a:t>, </a:t>
+            </a:r>
+            <a:r>
+              <a:rPr lang="ja-JP" altLang="en-US" dirty="0" smtClean="0"/>
+              <a:t>オライリー</a:t>
+            </a:r>
+            <a:r>
+              <a:rPr lang="ja-JP" altLang="en-US" dirty="0"/>
+              <a:t>・ジャパン</a:t>
+            </a:r>
+            <a:r>
+              <a:rPr lang="en-US" altLang="ja-JP" dirty="0" smtClean="0"/>
+              <a:t>, 2013</a:t>
+            </a:r>
+            <a:endParaRPr lang="en-US" altLang="ja-JP" dirty="0"/>
+          </a:p>
+        </p:txBody>
+      </p:sp>
+      <p:sp>
+        <p:nvSpPr>
+          <p:cNvPr id="4" name="スライド番号プレースホルダー 3"/>
+          <p:cNvSpPr>
+            <a:spLocks noGrp="1"/>
+          </p:cNvSpPr>
+          <p:nvPr>
+            <p:ph type="sldNum" sz="quarter" idx="12"/>
+          </p:nvPr>
+        </p:nvSpPr>
+        <p:spPr/>
+        <p:txBody>
+          <a:bodyPr/>
+          <a:lstStyle/>
+          <a:p>
+            <a:fld id="{D2D8002D-B5B0-4BAC-B1F6-782DDCCE6D9C}" type="slidenum">
+              <a:rPr kumimoji="1" lang="ja-JP" altLang="en-US" smtClean="0"/>
+              <a:t>39</a:t>
+            </a:fld>
+            <a:endParaRPr kumimoji="1" lang="ja-JP" altLang="en-US" dirty="0"/>
+          </a:p>
+        </p:txBody>
+      </p:sp>
+    </p:spTree>
+    <p:extLst>
+      <p:ext uri="{BB962C8B-B14F-4D97-AF65-F5344CB8AC3E}">
+        <p14:creationId xmlns:p14="http://schemas.microsoft.com/office/powerpoint/2010/main" val="446685616"/>
       </p:ext>
     </p:extLst>
   </p:cSld>

--- a/ruby_data_analysis.pptx
+++ b/ruby_data_analysis.pptx
@@ -14310,8 +14310,8 @@
           <a:p>
             <a:pPr lvl="1"/>
             <a:r>
-              <a:rPr kumimoji="1" lang="en-US" altLang="ja-JP" dirty="0" err="1" smtClean="0"/>
-              <a:t>Matematica</a:t>
+              <a:rPr kumimoji="1" lang="en-US" altLang="ja-JP" smtClean="0"/>
+              <a:t>Mathematica</a:t>
             </a:r>
             <a:r>
               <a:rPr kumimoji="1" lang="ja-JP" altLang="en-US" dirty="0" smtClean="0"/>

--- a/ruby_data_analysis.pptx
+++ b/ruby_data_analysis.pptx
@@ -5196,8 +5196,8 @@
           </a:p>
         </p:txBody>
       </p:sp>
-      <mc:AlternateContent xmlns:mc="http://schemas.openxmlformats.org/markup-compatibility/2006" xmlns:a14="http://schemas.microsoft.com/office/drawing/2010/main">
-        <mc:Choice Requires="a14">
+      <mc:AlternateContent xmlns:mc="http://schemas.openxmlformats.org/markup-compatibility/2006">
+        <mc:Choice xmlns:a14="http://schemas.microsoft.com/office/drawing/2010/main" Requires="a14">
           <p:sp>
             <p:nvSpPr>
               <p:cNvPr id="3" name="コンテンツ プレースホルダー 2"/>
@@ -5529,7 +5529,7 @@
                 </a:br>
                 <a:r>
                   <a:rPr lang="ja-JP" altLang="en-US" dirty="0" smtClean="0"/>
-                  <a:t>期待値に収束</a:t>
+                  <a:t>収束</a:t>
                 </a:r>
                 <a:r>
                   <a:rPr lang="ja-JP" altLang="en-US" dirty="0"/>
@@ -5547,7 +5547,7 @@
             </p:txBody>
           </p:sp>
         </mc:Choice>
-        <mc:Fallback xmlns="">
+        <mc:Fallback>
           <p:sp>
             <p:nvSpPr>
               <p:cNvPr id="3" name="コンテンツ プレースホルダー 2"/>
@@ -13021,11 +13021,7 @@
           <a:p>
             <a:r>
               <a:rPr lang="ja-JP" altLang="en-US" dirty="0" smtClean="0"/>
-              <a:t>開発</a:t>
-            </a:r>
-            <a:r>
-              <a:rPr lang="ja-JP" altLang="en-US" dirty="0" smtClean="0"/>
-              <a:t>が活発</a:t>
+              <a:t>遅い</a:t>
             </a:r>
             <a:endParaRPr lang="en-US" altLang="ja-JP" dirty="0" smtClean="0"/>
           </a:p>
@@ -13338,7 +13334,7 @@
         <p:spPr>
           <a:xfrm>
             <a:off x="827584" y="2204864"/>
-            <a:ext cx="7560839" cy="648072"/>
+            <a:ext cx="7560839" cy="1512168"/>
           </a:xfrm>
           <a:prstGeom prst="rect">
             <a:avLst/>
@@ -13377,18 +13373,25 @@
           <a:lstStyle/>
           <a:p>
             <a:r>
-              <a:rPr lang="en-US" altLang="ja-JP" dirty="0">
+              <a:rPr lang="en-US" altLang="ja-JP" dirty="0" smtClean="0">
                 <a:latin typeface="Courier New" panose="02070309020205020404" pitchFamily="49" charset="0"/>
                 <a:cs typeface="Courier New" panose="02070309020205020404" pitchFamily="49" charset="0"/>
               </a:rPr>
-              <a:t>v</a:t>
+              <a:t>v1</a:t>
             </a:r>
             <a:r>
               <a:rPr kumimoji="1" lang="en-US" altLang="ja-JP" dirty="0" smtClean="0">
                 <a:latin typeface="Courier New" panose="02070309020205020404" pitchFamily="49" charset="0"/>
                 <a:cs typeface="Courier New" panose="02070309020205020404" pitchFamily="49" charset="0"/>
               </a:rPr>
-              <a:t> = Daru::</a:t>
+              <a:t> </a:t>
+            </a:r>
+            <a:r>
+              <a:rPr kumimoji="1" lang="en-US" altLang="ja-JP" dirty="0" smtClean="0">
+                <a:latin typeface="Courier New" panose="02070309020205020404" pitchFamily="49" charset="0"/>
+                <a:cs typeface="Courier New" panose="02070309020205020404" pitchFamily="49" charset="0"/>
+              </a:rPr>
+              <a:t>= Daru::</a:t>
             </a:r>
             <a:r>
               <a:rPr kumimoji="1" lang="en-US" altLang="ja-JP" dirty="0" err="1" smtClean="0">
@@ -13402,16 +13405,96 @@
                 <a:latin typeface="Courier New" panose="02070309020205020404" pitchFamily="49" charset="0"/>
                 <a:cs typeface="Courier New" panose="02070309020205020404" pitchFamily="49" charset="0"/>
               </a:rPr>
-              <a:t>([40, 20, 30])</a:t>
-            </a:r>
-          </a:p>
-          <a:p>
-            <a:r>
-              <a:rPr lang="en-US" altLang="ja-JP" dirty="0" err="1" smtClean="0">
+              <a:t>([40, 20, 30</a:t>
+            </a:r>
+            <a:r>
+              <a:rPr kumimoji="1" lang="en-US" altLang="ja-JP" dirty="0" smtClean="0">
                 <a:latin typeface="Courier New" panose="02070309020205020404" pitchFamily="49" charset="0"/>
                 <a:cs typeface="Courier New" panose="02070309020205020404" pitchFamily="49" charset="0"/>
               </a:rPr>
-              <a:t>v.mean</a:t>
+              <a:t>])</a:t>
+            </a:r>
+          </a:p>
+          <a:p>
+            <a:r>
+              <a:rPr lang="en-US" altLang="ja-JP" dirty="0" smtClean="0">
+                <a:latin typeface="Courier New" panose="02070309020205020404" pitchFamily="49" charset="0"/>
+                <a:cs typeface="Courier New" panose="02070309020205020404" pitchFamily="49" charset="0"/>
+              </a:rPr>
+              <a:t>v2 </a:t>
+            </a:r>
+            <a:r>
+              <a:rPr lang="en-US" altLang="ja-JP" dirty="0">
+                <a:latin typeface="Courier New" panose="02070309020205020404" pitchFamily="49" charset="0"/>
+                <a:cs typeface="Courier New" panose="02070309020205020404" pitchFamily="49" charset="0"/>
+              </a:rPr>
+              <a:t>= Daru::</a:t>
+            </a:r>
+            <a:r>
+              <a:rPr lang="en-US" altLang="ja-JP" dirty="0" err="1">
+                <a:latin typeface="Courier New" panose="02070309020205020404" pitchFamily="49" charset="0"/>
+                <a:cs typeface="Courier New" panose="02070309020205020404" pitchFamily="49" charset="0"/>
+              </a:rPr>
+              <a:t>Vector.new</a:t>
+            </a:r>
+            <a:r>
+              <a:rPr lang="en-US" altLang="ja-JP" dirty="0" smtClean="0">
+                <a:latin typeface="Courier New" panose="02070309020205020404" pitchFamily="49" charset="0"/>
+                <a:cs typeface="Courier New" panose="02070309020205020404" pitchFamily="49" charset="0"/>
+              </a:rPr>
+              <a:t>([10</a:t>
+            </a:r>
+            <a:r>
+              <a:rPr lang="en-US" altLang="ja-JP" dirty="0">
+                <a:latin typeface="Courier New" panose="02070309020205020404" pitchFamily="49" charset="0"/>
+                <a:cs typeface="Courier New" panose="02070309020205020404" pitchFamily="49" charset="0"/>
+              </a:rPr>
+              <a:t>, </a:t>
+            </a:r>
+            <a:r>
+              <a:rPr lang="en-US" altLang="ja-JP" dirty="0" smtClean="0">
+                <a:latin typeface="Courier New" panose="02070309020205020404" pitchFamily="49" charset="0"/>
+                <a:cs typeface="Courier New" panose="02070309020205020404" pitchFamily="49" charset="0"/>
+              </a:rPr>
+              <a:t>60, 30</a:t>
+            </a:r>
+            <a:r>
+              <a:rPr lang="en-US" altLang="ja-JP" dirty="0">
+                <a:latin typeface="Courier New" panose="02070309020205020404" pitchFamily="49" charset="0"/>
+                <a:cs typeface="Courier New" panose="02070309020205020404" pitchFamily="49" charset="0"/>
+              </a:rPr>
+              <a:t>])</a:t>
+            </a:r>
+          </a:p>
+          <a:p>
+            <a:r>
+              <a:rPr kumimoji="1" lang="en-US" altLang="ja-JP" dirty="0" smtClean="0">
+                <a:latin typeface="Courier New" panose="02070309020205020404" pitchFamily="49" charset="0"/>
+                <a:cs typeface="Courier New" panose="02070309020205020404" pitchFamily="49" charset="0"/>
+              </a:rPr>
+              <a:t>v1 + v2 #=&gt; Vector[50, 80, 60]</a:t>
+            </a:r>
+          </a:p>
+          <a:p>
+            <a:r>
+              <a:rPr lang="en-US" altLang="ja-JP" dirty="0" smtClean="0">
+                <a:latin typeface="Courier New" panose="02070309020205020404" pitchFamily="49" charset="0"/>
+                <a:cs typeface="Courier New" panose="02070309020205020404" pitchFamily="49" charset="0"/>
+              </a:rPr>
+              <a:t>v1 * 10 #=&gt; Vector[400, 200, 300]</a:t>
+            </a:r>
+            <a:endParaRPr kumimoji="1" lang="en-US" altLang="ja-JP" dirty="0" smtClean="0">
+              <a:latin typeface="Courier New" panose="02070309020205020404" pitchFamily="49" charset="0"/>
+              <a:cs typeface="Courier New" panose="02070309020205020404" pitchFamily="49" charset="0"/>
+            </a:endParaRPr>
+          </a:p>
+          <a:p>
+            <a:r>
+              <a:rPr lang="en-US" altLang="ja-JP" dirty="0" smtClean="0">
+                <a:latin typeface="Courier New" panose="02070309020205020404" pitchFamily="49" charset="0"/>
+                <a:cs typeface="Courier New" panose="02070309020205020404" pitchFamily="49" charset="0"/>
+              </a:rPr>
+              <a:t>v1.mean #=&gt; 30.0</a:t>
             </a:r>
             <a:endParaRPr kumimoji="1" lang="ja-JP" altLang="en-US" dirty="0">
               <a:latin typeface="Courier New" panose="02070309020205020404" pitchFamily="49" charset="0"/>
@@ -13527,7 +13610,15 @@
             </a:r>
             <a:r>
               <a:rPr lang="ja-JP" altLang="en-US" dirty="0" smtClean="0"/>
-              <a:t>によって表現する</a:t>
+              <a:t>に</a:t>
+            </a:r>
+            <a:r>
+              <a:rPr lang="ja-JP" altLang="en-US" smtClean="0"/>
+              <a:t>よって表現され</a:t>
+            </a:r>
+            <a:r>
+              <a:rPr lang="ja-JP" altLang="en-US"/>
+              <a:t>る</a:t>
             </a:r>
             <a:endParaRPr lang="en-US" altLang="ja-JP" dirty="0" smtClean="0"/>
           </a:p>
@@ -14310,7 +14401,7 @@
           <a:p>
             <a:pPr lvl="1"/>
             <a:r>
-              <a:rPr kumimoji="1" lang="en-US" altLang="ja-JP" smtClean="0"/>
+              <a:rPr kumimoji="1" lang="en-US" altLang="ja-JP" dirty="0" smtClean="0"/>
               <a:t>Mathematica</a:t>
             </a:r>
             <a:r>
@@ -14860,7 +14951,27 @@
             </a:r>
             <a:r>
               <a:rPr lang="ja-JP" altLang="en-US" dirty="0" smtClean="0"/>
-              <a:t>ではエラーになっていることを見ても。</a:t>
+              <a:t>ではエラー</a:t>
+            </a:r>
+            <a:r>
+              <a:rPr lang="ja-JP" altLang="en-US" dirty="0" smtClean="0"/>
+              <a:t>に</a:t>
+            </a:r>
+            <a:r>
+              <a:rPr lang="ja-JP" altLang="en-US" dirty="0" smtClean="0"/>
+              <a:t>なる</a:t>
+            </a:r>
+            <a:endParaRPr lang="en-US" altLang="ja-JP" dirty="0" smtClean="0"/>
+          </a:p>
+          <a:p>
+            <a:pPr lvl="1"/>
+            <a:r>
+              <a:rPr lang="ja-JP" altLang="en-US" dirty="0" smtClean="0"/>
+              <a:t>あまり使われていないのでは</a:t>
+            </a:r>
+            <a:r>
+              <a:rPr lang="ja-JP" altLang="en-US" dirty="0"/>
+              <a:t>？</a:t>
             </a:r>
             <a:endParaRPr lang="en-US" altLang="ja-JP" dirty="0" smtClean="0"/>
           </a:p>
@@ -15156,12 +15267,28 @@
           <a:p>
             <a:pPr lvl="1"/>
             <a:r>
-              <a:rPr lang="ja-JP" altLang="en-US" dirty="0"/>
-              <a:t>処理</a:t>
-            </a:r>
-            <a:r>
               <a:rPr lang="ja-JP" altLang="en-US" dirty="0" smtClean="0"/>
-              <a:t>によって遅い？</a:t>
+              <a:t>遅い</a:t>
+            </a:r>
+            <a:endParaRPr lang="en-US" altLang="ja-JP" dirty="0" smtClean="0"/>
+          </a:p>
+          <a:p>
+            <a:pPr lvl="1"/>
+            <a:r>
+              <a:rPr lang="ja-JP" altLang="en-US" dirty="0" smtClean="0"/>
+              <a:t>そもそもこのまま</a:t>
+            </a:r>
+            <a:r>
+              <a:rPr lang="en-US" altLang="ja-JP" dirty="0" err="1" smtClean="0"/>
+              <a:t>NMatrix</a:t>
+            </a:r>
+            <a:r>
+              <a:rPr lang="ja-JP" altLang="en-US" dirty="0" err="1" smtClean="0"/>
+              <a:t>で</a:t>
+            </a:r>
+            <a:r>
+              <a:rPr lang="ja-JP" altLang="en-US" dirty="0" smtClean="0"/>
+              <a:t>よいのか</a:t>
             </a:r>
             <a:endParaRPr lang="en-US" altLang="ja-JP" dirty="0" smtClean="0"/>
           </a:p>
@@ -15188,17 +15315,17 @@
             </a:r>
             <a:r>
               <a:rPr lang="ja-JP" altLang="en-US" dirty="0" smtClean="0"/>
-              <a:t>が利用できる場合はデフォルトで使う</a:t>
+              <a:t>が利用できる</a:t>
+            </a:r>
+            <a:r>
+              <a:rPr lang="ja-JP" altLang="en-US" dirty="0" smtClean="0"/>
+              <a:t>場合</a:t>
+            </a:r>
+            <a:r>
+              <a:rPr lang="ja-JP" altLang="en-US" dirty="0" smtClean="0"/>
+              <a:t>も、明示的に指定が必要</a:t>
             </a:r>
             <a:endParaRPr lang="en-US" altLang="ja-JP" dirty="0" smtClean="0"/>
-          </a:p>
-          <a:p>
-            <a:pPr lvl="1"/>
-            <a:r>
-              <a:rPr kumimoji="1" lang="ja-JP" altLang="en-US" dirty="0" smtClean="0"/>
-              <a:t>ベクトル演算関数を暗黙的に利用する</a:t>
-            </a:r>
-            <a:endParaRPr kumimoji="1" lang="ja-JP" altLang="en-US" dirty="0"/>
           </a:p>
         </p:txBody>
       </p:sp>
@@ -15532,12 +15659,8 @@
           <a:lstStyle/>
           <a:p>
             <a:r>
-              <a:rPr lang="ja-JP" altLang="en-US" dirty="0"/>
-              <a:t>計算</a:t>
-            </a:r>
-            <a:r>
-              <a:rPr lang="ja-JP" altLang="en-US" dirty="0" smtClean="0"/>
-              <a:t>と可視化の統合</a:t>
+              <a:rPr kumimoji="1" lang="ja-JP" altLang="en-US" dirty="0" smtClean="0"/>
+              <a:t>デファクトスタンダード化</a:t>
             </a:r>
             <a:endParaRPr kumimoji="1" lang="ja-JP" altLang="en-US" dirty="0"/>
           </a:p>
@@ -15559,6 +15682,29 @@
           <a:lstStyle/>
           <a:p>
             <a:r>
+              <a:rPr lang="en-US" altLang="ja-JP" dirty="0" err="1" smtClean="0"/>
+              <a:t>NArray</a:t>
+            </a:r>
+            <a:r>
+              <a:rPr lang="ja-JP" altLang="en-US" dirty="0"/>
+              <a:t> </a:t>
+            </a:r>
+            <a:r>
+              <a:rPr lang="en-US" altLang="ja-JP" dirty="0" smtClean="0"/>
+              <a:t>or </a:t>
+            </a:r>
+            <a:r>
+              <a:rPr lang="en-US" altLang="ja-JP" dirty="0" err="1" smtClean="0"/>
+              <a:t>NMatrix</a:t>
+            </a:r>
+            <a:r>
+              <a:rPr lang="en-US" altLang="ja-JP" dirty="0" smtClean="0"/>
+              <a:t>?</a:t>
+            </a:r>
+            <a:endParaRPr lang="en-US" altLang="ja-JP" dirty="0"/>
+          </a:p>
+          <a:p>
+            <a:r>
               <a:rPr kumimoji="1" lang="en-US" altLang="ja-JP" dirty="0" err="1" smtClean="0"/>
               <a:t>daru</a:t>
             </a:r>
@@ -15580,23 +15726,13 @@
             </a:r>
             <a:r>
               <a:rPr kumimoji="1" lang="ja-JP" altLang="en-US" dirty="0" smtClean="0"/>
-              <a:t>などは使用していない</a:t>
+              <a:t>などは使用して</a:t>
+            </a:r>
+            <a:r>
+              <a:rPr kumimoji="1" lang="ja-JP" altLang="en-US" dirty="0" smtClean="0"/>
+              <a:t>いないなど、ライブラリによって使うものが違う</a:t>
             </a:r>
             <a:endParaRPr kumimoji="1" lang="en-US" altLang="ja-JP" dirty="0" smtClean="0"/>
-          </a:p>
-          <a:p>
-            <a:r>
-              <a:rPr lang="ja-JP" altLang="en-US" dirty="0" smtClean="0"/>
-              <a:t>計測データと理論値の重ね合わせが</a:t>
-            </a:r>
-            <a:r>
-              <a:rPr lang="ja-JP" altLang="en-US" dirty="0" smtClean="0"/>
-              <a:t>面倒</a:t>
-            </a:r>
-            <a:endParaRPr kumimoji="1" lang="en-US" altLang="ja-JP" dirty="0" smtClean="0"/>
-          </a:p>
-          <a:p>
-            <a:endParaRPr kumimoji="1" lang="ja-JP" altLang="en-US" dirty="0"/>
           </a:p>
         </p:txBody>
       </p:sp>
@@ -15723,8 +15859,39 @@
             </a:br>
             <a:r>
               <a:rPr kumimoji="1" lang="en-US" altLang="ja-JP" dirty="0" smtClean="0"/>
-              <a:t>Operations Research, 1959</a:t>
-            </a:r>
+              <a:t>Operations Research, </a:t>
+            </a:r>
+            <a:r>
+              <a:rPr kumimoji="1" lang="en-US" altLang="ja-JP" dirty="0" smtClean="0"/>
+              <a:t>1959</a:t>
+            </a:r>
+          </a:p>
+          <a:p>
+            <a:r>
+              <a:rPr lang="en-US" altLang="ja-JP" dirty="0"/>
+              <a:t>『</a:t>
+            </a:r>
+            <a:r>
+              <a:rPr lang="ja-JP" altLang="en-US" dirty="0" smtClean="0"/>
+              <a:t>ウォール街</a:t>
+            </a:r>
+            <a:r>
+              <a:rPr lang="ja-JP" altLang="en-US" dirty="0"/>
+              <a:t>の物理</a:t>
+            </a:r>
+            <a:r>
+              <a:rPr lang="ja-JP" altLang="en-US" dirty="0" smtClean="0"/>
+              <a:t>学者</a:t>
+            </a:r>
+            <a:r>
+              <a:rPr lang="en-US" altLang="ja-JP" dirty="0" smtClean="0"/>
+              <a:t>』</a:t>
+            </a:r>
+            <a:r>
+              <a:rPr lang="ja-JP" altLang="en-US" dirty="0" smtClean="0"/>
+              <a:t>という書籍で紹介</a:t>
+            </a:r>
+            <a:endParaRPr kumimoji="1" lang="en-US" altLang="ja-JP" dirty="0" smtClean="0"/>
           </a:p>
           <a:p>
             <a:r>

--- a/ruby_data_analysis.pptx
+++ b/ruby_data_analysis.pptx
@@ -5,7 +5,7 @@
     <p:sldMasterId id="2147483720" r:id="rId1"/>
   </p:sldMasterIdLst>
   <p:notesMasterIdLst>
-    <p:notesMasterId r:id="rId42"/>
+    <p:notesMasterId r:id="rId44"/>
   </p:notesMasterIdLst>
   <p:sldIdLst>
     <p:sldId id="256" r:id="rId2"/>
@@ -33,21 +33,23 @@
     <p:sldId id="316" r:id="rId24"/>
     <p:sldId id="322" r:id="rId25"/>
     <p:sldId id="347" r:id="rId26"/>
-    <p:sldId id="317" r:id="rId27"/>
-    <p:sldId id="323" r:id="rId28"/>
-    <p:sldId id="324" r:id="rId29"/>
-    <p:sldId id="350" r:id="rId30"/>
-    <p:sldId id="325" r:id="rId31"/>
-    <p:sldId id="352" r:id="rId32"/>
-    <p:sldId id="327" r:id="rId33"/>
-    <p:sldId id="326" r:id="rId34"/>
-    <p:sldId id="349" r:id="rId35"/>
-    <p:sldId id="341" r:id="rId36"/>
-    <p:sldId id="343" r:id="rId37"/>
-    <p:sldId id="329" r:id="rId38"/>
-    <p:sldId id="346" r:id="rId39"/>
-    <p:sldId id="330" r:id="rId40"/>
-    <p:sldId id="338" r:id="rId41"/>
+    <p:sldId id="353" r:id="rId27"/>
+    <p:sldId id="317" r:id="rId28"/>
+    <p:sldId id="354" r:id="rId29"/>
+    <p:sldId id="323" r:id="rId30"/>
+    <p:sldId id="324" r:id="rId31"/>
+    <p:sldId id="350" r:id="rId32"/>
+    <p:sldId id="325" r:id="rId33"/>
+    <p:sldId id="352" r:id="rId34"/>
+    <p:sldId id="327" r:id="rId35"/>
+    <p:sldId id="326" r:id="rId36"/>
+    <p:sldId id="349" r:id="rId37"/>
+    <p:sldId id="341" r:id="rId38"/>
+    <p:sldId id="343" r:id="rId39"/>
+    <p:sldId id="329" r:id="rId40"/>
+    <p:sldId id="346" r:id="rId41"/>
+    <p:sldId id="330" r:id="rId42"/>
+    <p:sldId id="338" r:id="rId43"/>
   </p:sldIdLst>
   <p:sldSz cx="9144000" cy="6858000" type="screen4x3"/>
   <p:notesSz cx="6858000" cy="9144000"/>
@@ -13103,82 +13105,10 @@
           <a:lstStyle/>
           <a:p>
             <a:r>
-              <a:rPr lang="en-US" altLang="ja-JP" dirty="0" err="1" smtClean="0"/>
-              <a:t>daru</a:t>
+              <a:rPr lang="ja-JP" altLang="en-US" dirty="0"/>
+              <a:t>ベンチマーク</a:t>
             </a:r>
             <a:endParaRPr kumimoji="1" lang="ja-JP" altLang="en-US" dirty="0"/>
-          </a:p>
-        </p:txBody>
-      </p:sp>
-      <p:sp>
-        <p:nvSpPr>
-          <p:cNvPr id="3" name="コンテンツ プレースホルダー 2"/>
-          <p:cNvSpPr>
-            <a:spLocks noGrp="1"/>
-          </p:cNvSpPr>
-          <p:nvPr>
-            <p:ph idx="1"/>
-          </p:nvPr>
-        </p:nvSpPr>
-        <p:spPr/>
-        <p:txBody>
-          <a:bodyPr/>
-          <a:lstStyle/>
-          <a:p>
-            <a:r>
-              <a:rPr kumimoji="1" lang="en-US" altLang="ja-JP" dirty="0" smtClean="0"/>
-              <a:t>Data Analysis in </a:t>
-            </a:r>
-            <a:r>
-              <a:rPr kumimoji="1" lang="en-US" altLang="ja-JP" dirty="0" err="1" smtClean="0"/>
-              <a:t>RUby</a:t>
-            </a:r>
-            <a:endParaRPr kumimoji="1" lang="en-US" altLang="ja-JP" dirty="0" smtClean="0"/>
-          </a:p>
-          <a:p>
-            <a:r>
-              <a:rPr kumimoji="1" lang="en-US" altLang="ja-JP" dirty="0" smtClean="0"/>
-              <a:t>Daru::Vector</a:t>
-            </a:r>
-          </a:p>
-          <a:p>
-            <a:pPr lvl="1"/>
-            <a:r>
-              <a:rPr lang="ja-JP" altLang="en-US" dirty="0" smtClean="0"/>
-              <a:t>一次元ベクトルを表すデータ構造</a:t>
-            </a:r>
-            <a:endParaRPr lang="en-US" altLang="ja-JP" dirty="0" smtClean="0"/>
-          </a:p>
-          <a:p>
-            <a:r>
-              <a:rPr kumimoji="1" lang="en-US" altLang="ja-JP" dirty="0" smtClean="0"/>
-              <a:t>Daru::</a:t>
-            </a:r>
-            <a:r>
-              <a:rPr kumimoji="1" lang="en-US" altLang="ja-JP" dirty="0" err="1" smtClean="0"/>
-              <a:t>DataFrame</a:t>
-            </a:r>
-            <a:endParaRPr kumimoji="1" lang="en-US" altLang="ja-JP" dirty="0" smtClean="0"/>
-          </a:p>
-          <a:p>
-            <a:pPr lvl="1"/>
-            <a:r>
-              <a:rPr lang="ja-JP" altLang="en-US" dirty="0" smtClean="0"/>
-              <a:t>スプレッドシートライクな二次元の表を表すデータ構造</a:t>
-            </a:r>
-            <a:endParaRPr lang="en-US" altLang="ja-JP" dirty="0" smtClean="0"/>
-          </a:p>
-          <a:p>
-            <a:pPr marL="0" indent="0">
-              <a:buNone/>
-            </a:pPr>
-            <a:endParaRPr kumimoji="1" lang="en-US" altLang="ja-JP" dirty="0" smtClean="0"/>
-          </a:p>
-          <a:p>
-            <a:pPr marL="0" indent="0">
-              <a:buNone/>
-            </a:pPr>
-            <a:endParaRPr lang="en-US" altLang="ja-JP" dirty="0"/>
           </a:p>
         </p:txBody>
       </p:sp>
@@ -13205,10 +13135,317 @@
           </a:p>
         </p:txBody>
       </p:sp>
+      <p:sp>
+        <p:nvSpPr>
+          <p:cNvPr id="5" name="正方形/長方形 4"/>
+          <p:cNvSpPr/>
+          <p:nvPr/>
+        </p:nvSpPr>
+        <p:spPr>
+          <a:xfrm>
+            <a:off x="827584" y="1700808"/>
+            <a:ext cx="7560839" cy="4176464"/>
+          </a:xfrm>
+          <a:prstGeom prst="rect">
+            <a:avLst/>
+          </a:prstGeom>
+          <a:solidFill>
+            <a:schemeClr val="tx2">
+              <a:lumMod val="20000"/>
+              <a:lumOff val="80000"/>
+            </a:schemeClr>
+          </a:solidFill>
+          <a:ln>
+            <a:solidFill>
+              <a:schemeClr val="tx2">
+                <a:lumMod val="40000"/>
+                <a:lumOff val="60000"/>
+              </a:schemeClr>
+            </a:solidFill>
+          </a:ln>
+        </p:spPr>
+        <p:style>
+          <a:lnRef idx="1">
+            <a:schemeClr val="dk1"/>
+          </a:lnRef>
+          <a:fillRef idx="2">
+            <a:schemeClr val="dk1"/>
+          </a:fillRef>
+          <a:effectRef idx="1">
+            <a:schemeClr val="dk1"/>
+          </a:effectRef>
+          <a:fontRef idx="minor">
+            <a:schemeClr val="dk1"/>
+          </a:fontRef>
+        </p:style>
+        <p:txBody>
+          <a:bodyPr rtlCol="0" anchor="t"/>
+          <a:lstStyle/>
+          <a:p>
+            <a:r>
+              <a:rPr lang="en-US" altLang="ja-JP" dirty="0">
+                <a:latin typeface="Courier New" panose="02070309020205020404" pitchFamily="49" charset="0"/>
+                <a:cs typeface="Courier New" panose="02070309020205020404" pitchFamily="49" charset="0"/>
+              </a:rPr>
+              <a:t>require "benchmark"</a:t>
+            </a:r>
+          </a:p>
+          <a:p>
+            <a:r>
+              <a:rPr lang="en-US" altLang="ja-JP" dirty="0">
+                <a:latin typeface="Courier New" panose="02070309020205020404" pitchFamily="49" charset="0"/>
+                <a:cs typeface="Courier New" panose="02070309020205020404" pitchFamily="49" charset="0"/>
+              </a:rPr>
+              <a:t>require "</a:t>
+            </a:r>
+            <a:r>
+              <a:rPr lang="en-US" altLang="ja-JP" dirty="0" err="1">
+                <a:latin typeface="Courier New" panose="02070309020205020404" pitchFamily="49" charset="0"/>
+                <a:cs typeface="Courier New" panose="02070309020205020404" pitchFamily="49" charset="0"/>
+              </a:rPr>
+              <a:t>nmatrix</a:t>
+            </a:r>
+            <a:r>
+              <a:rPr lang="en-US" altLang="ja-JP" dirty="0">
+                <a:latin typeface="Courier New" panose="02070309020205020404" pitchFamily="49" charset="0"/>
+                <a:cs typeface="Courier New" panose="02070309020205020404" pitchFamily="49" charset="0"/>
+              </a:rPr>
+              <a:t>"</a:t>
+            </a:r>
+          </a:p>
+          <a:p>
+            <a:endParaRPr lang="en-US" altLang="ja-JP" dirty="0">
+              <a:latin typeface="Courier New" panose="02070309020205020404" pitchFamily="49" charset="0"/>
+              <a:cs typeface="Courier New" panose="02070309020205020404" pitchFamily="49" charset="0"/>
+            </a:endParaRPr>
+          </a:p>
+          <a:p>
+            <a:r>
+              <a:rPr lang="en-US" altLang="ja-JP" dirty="0">
+                <a:latin typeface="Courier New" panose="02070309020205020404" pitchFamily="49" charset="0"/>
+                <a:cs typeface="Courier New" panose="02070309020205020404" pitchFamily="49" charset="0"/>
+              </a:rPr>
+              <a:t>m = </a:t>
+            </a:r>
+            <a:r>
+              <a:rPr lang="en-US" altLang="ja-JP" dirty="0" err="1">
+                <a:latin typeface="Courier New" panose="02070309020205020404" pitchFamily="49" charset="0"/>
+                <a:cs typeface="Courier New" panose="02070309020205020404" pitchFamily="49" charset="0"/>
+              </a:rPr>
+              <a:t>NMatrix.dindgen</a:t>
+            </a:r>
+            <a:r>
+              <a:rPr lang="en-US" altLang="ja-JP" dirty="0">
+                <a:latin typeface="Courier New" panose="02070309020205020404" pitchFamily="49" charset="0"/>
+                <a:cs typeface="Courier New" panose="02070309020205020404" pitchFamily="49" charset="0"/>
+              </a:rPr>
+              <a:t>([100000])</a:t>
+            </a:r>
+          </a:p>
+          <a:p>
+            <a:r>
+              <a:rPr lang="en-US" altLang="ja-JP" dirty="0">
+                <a:latin typeface="Courier New" panose="02070309020205020404" pitchFamily="49" charset="0"/>
+                <a:cs typeface="Courier New" panose="02070309020205020404" pitchFamily="49" charset="0"/>
+              </a:rPr>
+              <a:t>a = 0.0.step(99999.0, 1.0).</a:t>
+            </a:r>
+            <a:r>
+              <a:rPr lang="en-US" altLang="ja-JP" dirty="0" err="1">
+                <a:latin typeface="Courier New" panose="02070309020205020404" pitchFamily="49" charset="0"/>
+                <a:cs typeface="Courier New" panose="02070309020205020404" pitchFamily="49" charset="0"/>
+              </a:rPr>
+              <a:t>to_a</a:t>
+            </a:r>
+            <a:endParaRPr lang="en-US" altLang="ja-JP" dirty="0">
+              <a:latin typeface="Courier New" panose="02070309020205020404" pitchFamily="49" charset="0"/>
+              <a:cs typeface="Courier New" panose="02070309020205020404" pitchFamily="49" charset="0"/>
+            </a:endParaRPr>
+          </a:p>
+          <a:p>
+            <a:endParaRPr lang="en-US" altLang="ja-JP" dirty="0">
+              <a:latin typeface="Courier New" panose="02070309020205020404" pitchFamily="49" charset="0"/>
+              <a:cs typeface="Courier New" panose="02070309020205020404" pitchFamily="49" charset="0"/>
+            </a:endParaRPr>
+          </a:p>
+          <a:p>
+            <a:r>
+              <a:rPr lang="en-US" altLang="ja-JP" dirty="0" err="1">
+                <a:latin typeface="Courier New" panose="02070309020205020404" pitchFamily="49" charset="0"/>
+                <a:cs typeface="Courier New" panose="02070309020205020404" pitchFamily="49" charset="0"/>
+              </a:rPr>
+              <a:t>Benchmark.bmbm</a:t>
+            </a:r>
+            <a:r>
+              <a:rPr lang="en-US" altLang="ja-JP" dirty="0">
+                <a:latin typeface="Courier New" panose="02070309020205020404" pitchFamily="49" charset="0"/>
+                <a:cs typeface="Courier New" panose="02070309020205020404" pitchFamily="49" charset="0"/>
+              </a:rPr>
+              <a:t> do |x|</a:t>
+            </a:r>
+          </a:p>
+          <a:p>
+            <a:r>
+              <a:rPr lang="en-US" altLang="ja-JP" dirty="0">
+                <a:latin typeface="Courier New" panose="02070309020205020404" pitchFamily="49" charset="0"/>
+                <a:cs typeface="Courier New" panose="02070309020205020404" pitchFamily="49" charset="0"/>
+              </a:rPr>
+              <a:t>  </a:t>
+            </a:r>
+            <a:r>
+              <a:rPr lang="en-US" altLang="ja-JP" dirty="0" err="1">
+                <a:latin typeface="Courier New" panose="02070309020205020404" pitchFamily="49" charset="0"/>
+                <a:cs typeface="Courier New" panose="02070309020205020404" pitchFamily="49" charset="0"/>
+              </a:rPr>
+              <a:t>x.report</a:t>
+            </a:r>
+            <a:r>
+              <a:rPr lang="en-US" altLang="ja-JP" dirty="0">
+                <a:latin typeface="Courier New" panose="02070309020205020404" pitchFamily="49" charset="0"/>
+                <a:cs typeface="Courier New" panose="02070309020205020404" pitchFamily="49" charset="0"/>
+              </a:rPr>
+              <a:t>("</a:t>
+            </a:r>
+            <a:r>
+              <a:rPr lang="en-US" altLang="ja-JP" dirty="0" err="1">
+                <a:latin typeface="Courier New" panose="02070309020205020404" pitchFamily="49" charset="0"/>
+                <a:cs typeface="Courier New" panose="02070309020205020404" pitchFamily="49" charset="0"/>
+              </a:rPr>
+              <a:t>NMatrix</a:t>
+            </a:r>
+            <a:r>
+              <a:rPr lang="en-US" altLang="ja-JP" dirty="0">
+                <a:latin typeface="Courier New" panose="02070309020205020404" pitchFamily="49" charset="0"/>
+                <a:cs typeface="Courier New" panose="02070309020205020404" pitchFamily="49" charset="0"/>
+              </a:rPr>
+              <a:t>") do</a:t>
+            </a:r>
+          </a:p>
+          <a:p>
+            <a:r>
+              <a:rPr lang="en-US" altLang="ja-JP" dirty="0">
+                <a:latin typeface="Courier New" panose="02070309020205020404" pitchFamily="49" charset="0"/>
+                <a:cs typeface="Courier New" panose="02070309020205020404" pitchFamily="49" charset="0"/>
+              </a:rPr>
+              <a:t>    </a:t>
+            </a:r>
+            <a:r>
+              <a:rPr lang="en-US" altLang="ja-JP" dirty="0" err="1">
+                <a:latin typeface="Courier New" panose="02070309020205020404" pitchFamily="49" charset="0"/>
+                <a:cs typeface="Courier New" panose="02070309020205020404" pitchFamily="49" charset="0"/>
+              </a:rPr>
+              <a:t>m.mean</a:t>
+            </a:r>
+            <a:endParaRPr lang="en-US" altLang="ja-JP" dirty="0">
+              <a:latin typeface="Courier New" panose="02070309020205020404" pitchFamily="49" charset="0"/>
+              <a:cs typeface="Courier New" panose="02070309020205020404" pitchFamily="49" charset="0"/>
+            </a:endParaRPr>
+          </a:p>
+          <a:p>
+            <a:r>
+              <a:rPr lang="en-US" altLang="ja-JP" dirty="0">
+                <a:latin typeface="Courier New" panose="02070309020205020404" pitchFamily="49" charset="0"/>
+                <a:cs typeface="Courier New" panose="02070309020205020404" pitchFamily="49" charset="0"/>
+              </a:rPr>
+              <a:t>  end</a:t>
+            </a:r>
+          </a:p>
+          <a:p>
+            <a:endParaRPr lang="en-US" altLang="ja-JP" dirty="0">
+              <a:latin typeface="Courier New" panose="02070309020205020404" pitchFamily="49" charset="0"/>
+              <a:cs typeface="Courier New" panose="02070309020205020404" pitchFamily="49" charset="0"/>
+            </a:endParaRPr>
+          </a:p>
+          <a:p>
+            <a:r>
+              <a:rPr lang="en-US" altLang="ja-JP" dirty="0">
+                <a:latin typeface="Courier New" panose="02070309020205020404" pitchFamily="49" charset="0"/>
+                <a:cs typeface="Courier New" panose="02070309020205020404" pitchFamily="49" charset="0"/>
+              </a:rPr>
+              <a:t>  </a:t>
+            </a:r>
+            <a:r>
+              <a:rPr lang="en-US" altLang="ja-JP" dirty="0" err="1">
+                <a:latin typeface="Courier New" panose="02070309020205020404" pitchFamily="49" charset="0"/>
+                <a:cs typeface="Courier New" panose="02070309020205020404" pitchFamily="49" charset="0"/>
+              </a:rPr>
+              <a:t>x.report</a:t>
+            </a:r>
+            <a:r>
+              <a:rPr lang="en-US" altLang="ja-JP" dirty="0">
+                <a:latin typeface="Courier New" panose="02070309020205020404" pitchFamily="49" charset="0"/>
+                <a:cs typeface="Courier New" panose="02070309020205020404" pitchFamily="49" charset="0"/>
+              </a:rPr>
+              <a:t>("Array") do</a:t>
+            </a:r>
+          </a:p>
+          <a:p>
+            <a:r>
+              <a:rPr lang="en-US" altLang="ja-JP" dirty="0">
+                <a:latin typeface="Courier New" panose="02070309020205020404" pitchFamily="49" charset="0"/>
+                <a:cs typeface="Courier New" panose="02070309020205020404" pitchFamily="49" charset="0"/>
+              </a:rPr>
+              <a:t>    </a:t>
+            </a:r>
+            <a:r>
+              <a:rPr lang="en-US" altLang="ja-JP" dirty="0" err="1">
+                <a:latin typeface="Courier New" panose="02070309020205020404" pitchFamily="49" charset="0"/>
+                <a:cs typeface="Courier New" panose="02070309020205020404" pitchFamily="49" charset="0"/>
+              </a:rPr>
+              <a:t>a.sum.quo</a:t>
+            </a:r>
+            <a:r>
+              <a:rPr lang="en-US" altLang="ja-JP" dirty="0">
+                <a:latin typeface="Courier New" panose="02070309020205020404" pitchFamily="49" charset="0"/>
+                <a:cs typeface="Courier New" panose="02070309020205020404" pitchFamily="49" charset="0"/>
+              </a:rPr>
+              <a:t>(</a:t>
+            </a:r>
+            <a:r>
+              <a:rPr lang="en-US" altLang="ja-JP" dirty="0" err="1">
+                <a:latin typeface="Courier New" panose="02070309020205020404" pitchFamily="49" charset="0"/>
+                <a:cs typeface="Courier New" panose="02070309020205020404" pitchFamily="49" charset="0"/>
+              </a:rPr>
+              <a:t>a.size</a:t>
+            </a:r>
+            <a:r>
+              <a:rPr lang="en-US" altLang="ja-JP" dirty="0">
+                <a:latin typeface="Courier New" panose="02070309020205020404" pitchFamily="49" charset="0"/>
+                <a:cs typeface="Courier New" panose="02070309020205020404" pitchFamily="49" charset="0"/>
+              </a:rPr>
+              <a:t>)</a:t>
+            </a:r>
+          </a:p>
+          <a:p>
+            <a:r>
+              <a:rPr lang="en-US" altLang="ja-JP" dirty="0">
+                <a:latin typeface="Courier New" panose="02070309020205020404" pitchFamily="49" charset="0"/>
+                <a:cs typeface="Courier New" panose="02070309020205020404" pitchFamily="49" charset="0"/>
+              </a:rPr>
+              <a:t>  end</a:t>
+            </a:r>
+          </a:p>
+          <a:p>
+            <a:r>
+              <a:rPr lang="en-US" altLang="ja-JP" dirty="0">
+                <a:latin typeface="Courier New" panose="02070309020205020404" pitchFamily="49" charset="0"/>
+                <a:cs typeface="Courier New" panose="02070309020205020404" pitchFamily="49" charset="0"/>
+              </a:rPr>
+              <a:t>end</a:t>
+            </a:r>
+          </a:p>
+          <a:p>
+            <a:endParaRPr kumimoji="1" lang="ja-JP" altLang="en-US" dirty="0">
+              <a:latin typeface="Courier New" panose="02070309020205020404" pitchFamily="49" charset="0"/>
+              <a:cs typeface="Courier New" panose="02070309020205020404" pitchFamily="49" charset="0"/>
+            </a:endParaRPr>
+          </a:p>
+        </p:txBody>
+      </p:sp>
     </p:spTree>
     <p:extLst>
       <p:ext uri="{BB962C8B-B14F-4D97-AF65-F5344CB8AC3E}">
-        <p14:creationId xmlns:p14="http://schemas.microsoft.com/office/powerpoint/2010/main" val="4243506312"/>
+        <p14:creationId xmlns:p14="http://schemas.microsoft.com/office/powerpoint/2010/main" val="878286108"/>
       </p:ext>
     </p:extLst>
   </p:cSld>
@@ -13258,8 +13495,95 @@
           <a:lstStyle/>
           <a:p>
             <a:r>
-              <a:rPr lang="en-US" altLang="ja-JP" dirty="0" smtClean="0"/>
-              <a:t>Daru::Vector</a:t>
+              <a:rPr lang="ja-JP" altLang="en-US" dirty="0" smtClean="0"/>
+              <a:t>ベンチマーク</a:t>
+            </a:r>
+            <a:r>
+              <a:rPr lang="ja-JP" altLang="en-US" dirty="0"/>
+              <a:t>結果</a:t>
+            </a:r>
+            <a:endParaRPr kumimoji="1" lang="ja-JP" altLang="en-US" dirty="0"/>
+          </a:p>
+        </p:txBody>
+      </p:sp>
+      <p:sp>
+        <p:nvSpPr>
+          <p:cNvPr id="4" name="スライド番号プレースホルダー 3"/>
+          <p:cNvSpPr>
+            <a:spLocks noGrp="1"/>
+          </p:cNvSpPr>
+          <p:nvPr>
+            <p:ph type="sldNum" sz="quarter" idx="12"/>
+          </p:nvPr>
+        </p:nvSpPr>
+        <p:spPr/>
+        <p:txBody>
+          <a:bodyPr/>
+          <a:lstStyle/>
+          <a:p>
+            <a:fld id="{D2D8002D-B5B0-4BAC-B1F6-782DDCCE6D9C}" type="slidenum">
+              <a:rPr kumimoji="1" lang="ja-JP" altLang="en-US" smtClean="0"/>
+              <a:t>26</a:t>
+            </a:fld>
+            <a:endParaRPr kumimoji="1" lang="ja-JP" altLang="en-US" dirty="0"/>
+          </a:p>
+        </p:txBody>
+      </p:sp>
+    </p:spTree>
+    <p:extLst>
+      <p:ext uri="{BB962C8B-B14F-4D97-AF65-F5344CB8AC3E}">
+        <p14:creationId xmlns:p14="http://schemas.microsoft.com/office/powerpoint/2010/main" val="4243506312"/>
+      </p:ext>
+    </p:extLst>
+  </p:cSld>
+  <p:clrMapOvr>
+    <a:masterClrMapping/>
+  </p:clrMapOvr>
+  <p:timing>
+    <p:tnLst>
+      <p:par>
+        <p:cTn id="1" dur="indefinite" restart="never" nodeType="tmRoot"/>
+      </p:par>
+    </p:tnLst>
+  </p:timing>
+</p:sld>
+</file>
+
+<file path=ppt/slides/slide28.xml><?xml version="1.0" encoding="utf-8"?>
+<p:sld xmlns:a="http://schemas.openxmlformats.org/drawingml/2006/main" xmlns:r="http://schemas.openxmlformats.org/officeDocument/2006/relationships" xmlns:p="http://schemas.openxmlformats.org/presentationml/2006/main">
+  <p:cSld>
+    <p:spTree>
+      <p:nvGrpSpPr>
+        <p:cNvPr id="1" name=""/>
+        <p:cNvGrpSpPr/>
+        <p:nvPr/>
+      </p:nvGrpSpPr>
+      <p:grpSpPr>
+        <a:xfrm>
+          <a:off x="0" y="0"/>
+          <a:ext cx="0" cy="0"/>
+          <a:chOff x="0" y="0"/>
+          <a:chExt cx="0" cy="0"/>
+        </a:xfrm>
+      </p:grpSpPr>
+      <p:sp>
+        <p:nvSpPr>
+          <p:cNvPr id="2" name="タイトル 1"/>
+          <p:cNvSpPr>
+            <a:spLocks noGrp="1"/>
+          </p:cNvSpPr>
+          <p:nvPr>
+            <p:ph type="title"/>
+          </p:nvPr>
+        </p:nvSpPr>
+        <p:spPr/>
+        <p:txBody>
+          <a:bodyPr/>
+          <a:lstStyle/>
+          <a:p>
+            <a:r>
+              <a:rPr lang="en-US" altLang="ja-JP" dirty="0" err="1" smtClean="0"/>
+              <a:t>daru</a:t>
             </a:r>
             <a:endParaRPr kumimoji="1" lang="ja-JP" altLang="en-US" dirty="0"/>
           </a:p>
@@ -13281,17 +13605,52 @@
           <a:lstStyle/>
           <a:p>
             <a:r>
-              <a:rPr lang="en-US" altLang="ja-JP" dirty="0" smtClean="0"/>
-              <a:t>1</a:t>
-            </a:r>
+              <a:rPr kumimoji="1" lang="en-US" altLang="ja-JP" dirty="0" smtClean="0"/>
+              <a:t>Data Analysis in </a:t>
+            </a:r>
+            <a:r>
+              <a:rPr kumimoji="1" lang="en-US" altLang="ja-JP" dirty="0" err="1" smtClean="0"/>
+              <a:t>RUby</a:t>
+            </a:r>
+            <a:endParaRPr kumimoji="1" lang="en-US" altLang="ja-JP" dirty="0" smtClean="0"/>
+          </a:p>
+          <a:p>
+            <a:r>
+              <a:rPr kumimoji="1" lang="en-US" altLang="ja-JP" dirty="0" smtClean="0"/>
+              <a:t>Daru::Vector</a:t>
+            </a:r>
+          </a:p>
+          <a:p>
+            <a:pPr lvl="1"/>
             <a:r>
               <a:rPr lang="ja-JP" altLang="en-US" dirty="0" smtClean="0"/>
-              <a:t>次元</a:t>
-            </a:r>
-            <a:r>
-              <a:rPr lang="ja-JP" altLang="en-US" dirty="0"/>
-              <a:t>ベクトル</a:t>
-            </a:r>
+              <a:t>一次元ベクトルを表すデータ構造</a:t>
+            </a:r>
+            <a:endParaRPr lang="en-US" altLang="ja-JP" dirty="0" smtClean="0"/>
+          </a:p>
+          <a:p>
+            <a:r>
+              <a:rPr kumimoji="1" lang="en-US" altLang="ja-JP" dirty="0" smtClean="0"/>
+              <a:t>Daru::</a:t>
+            </a:r>
+            <a:r>
+              <a:rPr kumimoji="1" lang="en-US" altLang="ja-JP" dirty="0" err="1" smtClean="0"/>
+              <a:t>DataFrame</a:t>
+            </a:r>
+            <a:endParaRPr kumimoji="1" lang="en-US" altLang="ja-JP" dirty="0" smtClean="0"/>
+          </a:p>
+          <a:p>
+            <a:pPr lvl="1"/>
+            <a:r>
+              <a:rPr lang="ja-JP" altLang="en-US" dirty="0" smtClean="0"/>
+              <a:t>スプレッドシートライクな二次元の表を表すデータ構造</a:t>
+            </a:r>
+            <a:endParaRPr lang="en-US" altLang="ja-JP" dirty="0" smtClean="0"/>
+          </a:p>
+          <a:p>
+            <a:pPr marL="0" indent="0">
+              <a:buNone/>
+            </a:pPr>
             <a:endParaRPr kumimoji="1" lang="en-US" altLang="ja-JP" dirty="0" smtClean="0"/>
           </a:p>
           <a:p>
@@ -13319,7 +13678,127 @@
           <a:p>
             <a:fld id="{D2D8002D-B5B0-4BAC-B1F6-782DDCCE6D9C}" type="slidenum">
               <a:rPr kumimoji="1" lang="ja-JP" altLang="en-US" smtClean="0"/>
-              <a:t>26</a:t>
+              <a:t>27</a:t>
+            </a:fld>
+            <a:endParaRPr kumimoji="1" lang="ja-JP" altLang="en-US" dirty="0"/>
+          </a:p>
+        </p:txBody>
+      </p:sp>
+    </p:spTree>
+    <p:extLst>
+      <p:ext uri="{BB962C8B-B14F-4D97-AF65-F5344CB8AC3E}">
+        <p14:creationId xmlns:p14="http://schemas.microsoft.com/office/powerpoint/2010/main" val="317380928"/>
+      </p:ext>
+    </p:extLst>
+  </p:cSld>
+  <p:clrMapOvr>
+    <a:masterClrMapping/>
+  </p:clrMapOvr>
+  <p:timing>
+    <p:tnLst>
+      <p:par>
+        <p:cTn id="1" dur="indefinite" restart="never" nodeType="tmRoot"/>
+      </p:par>
+    </p:tnLst>
+  </p:timing>
+</p:sld>
+</file>
+
+<file path=ppt/slides/slide29.xml><?xml version="1.0" encoding="utf-8"?>
+<p:sld xmlns:a="http://schemas.openxmlformats.org/drawingml/2006/main" xmlns:r="http://schemas.openxmlformats.org/officeDocument/2006/relationships" xmlns:p="http://schemas.openxmlformats.org/presentationml/2006/main">
+  <p:cSld>
+    <p:spTree>
+      <p:nvGrpSpPr>
+        <p:cNvPr id="1" name=""/>
+        <p:cNvGrpSpPr/>
+        <p:nvPr/>
+      </p:nvGrpSpPr>
+      <p:grpSpPr>
+        <a:xfrm>
+          <a:off x="0" y="0"/>
+          <a:ext cx="0" cy="0"/>
+          <a:chOff x="0" y="0"/>
+          <a:chExt cx="0" cy="0"/>
+        </a:xfrm>
+      </p:grpSpPr>
+      <p:sp>
+        <p:nvSpPr>
+          <p:cNvPr id="2" name="タイトル 1"/>
+          <p:cNvSpPr>
+            <a:spLocks noGrp="1"/>
+          </p:cNvSpPr>
+          <p:nvPr>
+            <p:ph type="title"/>
+          </p:nvPr>
+        </p:nvSpPr>
+        <p:spPr/>
+        <p:txBody>
+          <a:bodyPr/>
+          <a:lstStyle/>
+          <a:p>
+            <a:r>
+              <a:rPr lang="en-US" altLang="ja-JP" dirty="0" smtClean="0"/>
+              <a:t>Daru::Vector</a:t>
+            </a:r>
+            <a:endParaRPr kumimoji="1" lang="ja-JP" altLang="en-US" dirty="0"/>
+          </a:p>
+        </p:txBody>
+      </p:sp>
+      <p:sp>
+        <p:nvSpPr>
+          <p:cNvPr id="3" name="コンテンツ プレースホルダー 2"/>
+          <p:cNvSpPr>
+            <a:spLocks noGrp="1"/>
+          </p:cNvSpPr>
+          <p:nvPr>
+            <p:ph idx="1"/>
+          </p:nvPr>
+        </p:nvSpPr>
+        <p:spPr/>
+        <p:txBody>
+          <a:bodyPr/>
+          <a:lstStyle/>
+          <a:p>
+            <a:r>
+              <a:rPr lang="en-US" altLang="ja-JP" dirty="0" smtClean="0"/>
+              <a:t>1</a:t>
+            </a:r>
+            <a:r>
+              <a:rPr lang="ja-JP" altLang="en-US" dirty="0" smtClean="0"/>
+              <a:t>次元</a:t>
+            </a:r>
+            <a:r>
+              <a:rPr lang="ja-JP" altLang="en-US" dirty="0"/>
+              <a:t>ベクトル</a:t>
+            </a:r>
+            <a:endParaRPr kumimoji="1" lang="en-US" altLang="ja-JP" dirty="0" smtClean="0"/>
+          </a:p>
+          <a:p>
+            <a:pPr marL="0" indent="0">
+              <a:buNone/>
+            </a:pPr>
+            <a:endParaRPr lang="en-US" altLang="ja-JP" dirty="0"/>
+          </a:p>
+        </p:txBody>
+      </p:sp>
+      <p:sp>
+        <p:nvSpPr>
+          <p:cNvPr id="4" name="スライド番号プレースホルダー 3"/>
+          <p:cNvSpPr>
+            <a:spLocks noGrp="1"/>
+          </p:cNvSpPr>
+          <p:nvPr>
+            <p:ph type="sldNum" sz="quarter" idx="12"/>
+          </p:nvPr>
+        </p:nvSpPr>
+        <p:spPr/>
+        <p:txBody>
+          <a:bodyPr/>
+          <a:lstStyle/>
+          <a:p>
+            <a:fld id="{D2D8002D-B5B0-4BAC-B1F6-782DDCCE6D9C}" type="slidenum">
+              <a:rPr kumimoji="1" lang="ja-JP" altLang="en-US" smtClean="0"/>
+              <a:t>28</a:t>
             </a:fld>
             <a:endParaRPr kumimoji="1" lang="ja-JP" altLang="en-US" dirty="0"/>
           </a:p>
@@ -13523,7 +14002,7 @@
 </p:sld>
 </file>
 
-<file path=ppt/slides/slide28.xml><?xml version="1.0" encoding="utf-8"?>
+<file path=ppt/slides/slide3.xml><?xml version="1.0" encoding="utf-8"?>
 <p:sld xmlns:a="http://schemas.openxmlformats.org/drawingml/2006/main" xmlns:r="http://schemas.openxmlformats.org/officeDocument/2006/relationships" xmlns:p="http://schemas.openxmlformats.org/presentationml/2006/main">
   <p:cSld>
     <p:spTree>
@@ -13556,6 +14035,93 @@
           <a:lstStyle/>
           <a:p>
             <a:r>
+              <a:rPr lang="ja-JP" altLang="en-US" dirty="0" smtClean="0"/>
+              <a:t>具体</a:t>
+            </a:r>
+            <a:r>
+              <a:rPr lang="ja-JP" altLang="en-US" dirty="0"/>
+              <a:t>例</a:t>
+            </a:r>
+            <a:endParaRPr kumimoji="1" lang="ja-JP" altLang="en-US" dirty="0"/>
+          </a:p>
+        </p:txBody>
+      </p:sp>
+      <p:sp>
+        <p:nvSpPr>
+          <p:cNvPr id="4" name="スライド番号プレースホルダー 3"/>
+          <p:cNvSpPr>
+            <a:spLocks noGrp="1"/>
+          </p:cNvSpPr>
+          <p:nvPr>
+            <p:ph type="sldNum" sz="quarter" idx="12"/>
+          </p:nvPr>
+        </p:nvSpPr>
+        <p:spPr/>
+        <p:txBody>
+          <a:bodyPr/>
+          <a:lstStyle/>
+          <a:p>
+            <a:fld id="{D2D8002D-B5B0-4BAC-B1F6-782DDCCE6D9C}" type="slidenum">
+              <a:rPr kumimoji="1" lang="ja-JP" altLang="en-US" smtClean="0"/>
+              <a:t>2</a:t>
+            </a:fld>
+            <a:endParaRPr kumimoji="1" lang="ja-JP" altLang="en-US" dirty="0"/>
+          </a:p>
+        </p:txBody>
+      </p:sp>
+    </p:spTree>
+    <p:extLst>
+      <p:ext uri="{BB962C8B-B14F-4D97-AF65-F5344CB8AC3E}">
+        <p14:creationId xmlns:p14="http://schemas.microsoft.com/office/powerpoint/2010/main" val="3018777172"/>
+      </p:ext>
+    </p:extLst>
+  </p:cSld>
+  <p:clrMapOvr>
+    <a:masterClrMapping/>
+  </p:clrMapOvr>
+  <p:timing>
+    <p:tnLst>
+      <p:par>
+        <p:cTn id="1" dur="indefinite" restart="never" nodeType="tmRoot"/>
+      </p:par>
+    </p:tnLst>
+  </p:timing>
+</p:sld>
+</file>
+
+<file path=ppt/slides/slide30.xml><?xml version="1.0" encoding="utf-8"?>
+<p:sld xmlns:a="http://schemas.openxmlformats.org/drawingml/2006/main" xmlns:r="http://schemas.openxmlformats.org/officeDocument/2006/relationships" xmlns:p="http://schemas.openxmlformats.org/presentationml/2006/main">
+  <p:cSld>
+    <p:spTree>
+      <p:nvGrpSpPr>
+        <p:cNvPr id="1" name=""/>
+        <p:cNvGrpSpPr/>
+        <p:nvPr/>
+      </p:nvGrpSpPr>
+      <p:grpSpPr>
+        <a:xfrm>
+          <a:off x="0" y="0"/>
+          <a:ext cx="0" cy="0"/>
+          <a:chOff x="0" y="0"/>
+          <a:chExt cx="0" cy="0"/>
+        </a:xfrm>
+      </p:grpSpPr>
+      <p:sp>
+        <p:nvSpPr>
+          <p:cNvPr id="2" name="タイトル 1"/>
+          <p:cNvSpPr>
+            <a:spLocks noGrp="1"/>
+          </p:cNvSpPr>
+          <p:nvPr>
+            <p:ph type="title"/>
+          </p:nvPr>
+        </p:nvSpPr>
+        <p:spPr/>
+        <p:txBody>
+          <a:bodyPr/>
+          <a:lstStyle/>
+          <a:p>
+            <a:r>
               <a:rPr kumimoji="1" lang="en-US" altLang="ja-JP" dirty="0" smtClean="0"/>
               <a:t>Daru::</a:t>
             </a:r>
@@ -13610,14 +14176,10 @@
             </a:r>
             <a:r>
               <a:rPr lang="ja-JP" altLang="en-US" dirty="0" smtClean="0"/>
-              <a:t>に</a:t>
-            </a:r>
-            <a:r>
-              <a:rPr lang="ja-JP" altLang="en-US" smtClean="0"/>
-              <a:t>よって表現され</a:t>
-            </a:r>
-            <a:r>
-              <a:rPr lang="ja-JP" altLang="en-US"/>
+              <a:t>によって表現され</a:t>
+            </a:r>
+            <a:r>
+              <a:rPr lang="ja-JP" altLang="en-US" dirty="0"/>
               <a:t>る</a:t>
             </a:r>
             <a:endParaRPr lang="en-US" altLang="ja-JP" dirty="0" smtClean="0"/>
@@ -13672,7 +14234,7 @@
           <a:p>
             <a:fld id="{D2D8002D-B5B0-4BAC-B1F6-782DDCCE6D9C}" type="slidenum">
               <a:rPr kumimoji="1" lang="ja-JP" altLang="en-US" smtClean="0"/>
-              <a:t>27</a:t>
+              <a:t>29</a:t>
             </a:fld>
             <a:endParaRPr kumimoji="1" lang="ja-JP" altLang="en-US" dirty="0"/>
           </a:p>
@@ -13958,7 +14520,7 @@
 </p:sld>
 </file>
 
-<file path=ppt/slides/slide29.xml><?xml version="1.0" encoding="utf-8"?>
+<file path=ppt/slides/slide31.xml><?xml version="1.0" encoding="utf-8"?>
 <p:sld xmlns:a="http://schemas.openxmlformats.org/drawingml/2006/main" xmlns:r="http://schemas.openxmlformats.org/officeDocument/2006/relationships" xmlns:p="http://schemas.openxmlformats.org/presentationml/2006/main">
   <p:cSld>
     <p:spTree>
@@ -14079,7 +14641,7 @@
           <a:p>
             <a:fld id="{D2D8002D-B5B0-4BAC-B1F6-782DDCCE6D9C}" type="slidenum">
               <a:rPr kumimoji="1" lang="ja-JP" altLang="en-US" smtClean="0"/>
-              <a:t>28</a:t>
+              <a:t>30</a:t>
             </a:fld>
             <a:endParaRPr kumimoji="1" lang="ja-JP" altLang="en-US" dirty="0"/>
           </a:p>
@@ -14230,476 +14792,6 @@
 </p:sld>
 </file>
 
-<file path=ppt/slides/slide3.xml><?xml version="1.0" encoding="utf-8"?>
-<p:sld xmlns:a="http://schemas.openxmlformats.org/drawingml/2006/main" xmlns:r="http://schemas.openxmlformats.org/officeDocument/2006/relationships" xmlns:p="http://schemas.openxmlformats.org/presentationml/2006/main">
-  <p:cSld>
-    <p:spTree>
-      <p:nvGrpSpPr>
-        <p:cNvPr id="1" name=""/>
-        <p:cNvGrpSpPr/>
-        <p:nvPr/>
-      </p:nvGrpSpPr>
-      <p:grpSpPr>
-        <a:xfrm>
-          <a:off x="0" y="0"/>
-          <a:ext cx="0" cy="0"/>
-          <a:chOff x="0" y="0"/>
-          <a:chExt cx="0" cy="0"/>
-        </a:xfrm>
-      </p:grpSpPr>
-      <p:sp>
-        <p:nvSpPr>
-          <p:cNvPr id="2" name="タイトル 1"/>
-          <p:cNvSpPr>
-            <a:spLocks noGrp="1"/>
-          </p:cNvSpPr>
-          <p:nvPr>
-            <p:ph type="title"/>
-          </p:nvPr>
-        </p:nvSpPr>
-        <p:spPr/>
-        <p:txBody>
-          <a:bodyPr/>
-          <a:lstStyle/>
-          <a:p>
-            <a:r>
-              <a:rPr lang="ja-JP" altLang="en-US" dirty="0" smtClean="0"/>
-              <a:t>具体</a:t>
-            </a:r>
-            <a:r>
-              <a:rPr lang="ja-JP" altLang="en-US" dirty="0"/>
-              <a:t>例</a:t>
-            </a:r>
-            <a:endParaRPr kumimoji="1" lang="ja-JP" altLang="en-US" dirty="0"/>
-          </a:p>
-        </p:txBody>
-      </p:sp>
-      <p:sp>
-        <p:nvSpPr>
-          <p:cNvPr id="4" name="スライド番号プレースホルダー 3"/>
-          <p:cNvSpPr>
-            <a:spLocks noGrp="1"/>
-          </p:cNvSpPr>
-          <p:nvPr>
-            <p:ph type="sldNum" sz="quarter" idx="12"/>
-          </p:nvPr>
-        </p:nvSpPr>
-        <p:spPr/>
-        <p:txBody>
-          <a:bodyPr/>
-          <a:lstStyle/>
-          <a:p>
-            <a:fld id="{D2D8002D-B5B0-4BAC-B1F6-782DDCCE6D9C}" type="slidenum">
-              <a:rPr kumimoji="1" lang="ja-JP" altLang="en-US" smtClean="0"/>
-              <a:t>2</a:t>
-            </a:fld>
-            <a:endParaRPr kumimoji="1" lang="ja-JP" altLang="en-US" dirty="0"/>
-          </a:p>
-        </p:txBody>
-      </p:sp>
-    </p:spTree>
-    <p:extLst>
-      <p:ext uri="{BB962C8B-B14F-4D97-AF65-F5344CB8AC3E}">
-        <p14:creationId xmlns:p14="http://schemas.microsoft.com/office/powerpoint/2010/main" val="3018777172"/>
-      </p:ext>
-    </p:extLst>
-  </p:cSld>
-  <p:clrMapOvr>
-    <a:masterClrMapping/>
-  </p:clrMapOvr>
-  <p:timing>
-    <p:tnLst>
-      <p:par>
-        <p:cTn id="1" dur="indefinite" restart="never" nodeType="tmRoot"/>
-      </p:par>
-    </p:tnLst>
-  </p:timing>
-</p:sld>
-</file>
-
-<file path=ppt/slides/slide30.xml><?xml version="1.0" encoding="utf-8"?>
-<p:sld xmlns:a="http://schemas.openxmlformats.org/drawingml/2006/main" xmlns:r="http://schemas.openxmlformats.org/officeDocument/2006/relationships" xmlns:p="http://schemas.openxmlformats.org/presentationml/2006/main">
-  <p:cSld>
-    <p:spTree>
-      <p:nvGrpSpPr>
-        <p:cNvPr id="1" name=""/>
-        <p:cNvGrpSpPr/>
-        <p:nvPr/>
-      </p:nvGrpSpPr>
-      <p:grpSpPr>
-        <a:xfrm>
-          <a:off x="0" y="0"/>
-          <a:ext cx="0" cy="0"/>
-          <a:chOff x="0" y="0"/>
-          <a:chExt cx="0" cy="0"/>
-        </a:xfrm>
-      </p:grpSpPr>
-      <p:sp>
-        <p:nvSpPr>
-          <p:cNvPr id="2" name="タイトル 1"/>
-          <p:cNvSpPr>
-            <a:spLocks noGrp="1"/>
-          </p:cNvSpPr>
-          <p:nvPr>
-            <p:ph type="title"/>
-          </p:nvPr>
-        </p:nvSpPr>
-        <p:spPr/>
-        <p:txBody>
-          <a:bodyPr/>
-          <a:lstStyle/>
-          <a:p>
-            <a:r>
-              <a:rPr kumimoji="1" lang="en-US" altLang="ja-JP" dirty="0" err="1" smtClean="0"/>
-              <a:t>Jupyter</a:t>
-            </a:r>
-            <a:r>
-              <a:rPr kumimoji="1" lang="en-US" altLang="ja-JP" dirty="0" smtClean="0"/>
-              <a:t>/</a:t>
-            </a:r>
-            <a:r>
-              <a:rPr kumimoji="1" lang="en-US" altLang="ja-JP" dirty="0" err="1" smtClean="0"/>
-              <a:t>IRuby</a:t>
-            </a:r>
-            <a:endParaRPr kumimoji="1" lang="ja-JP" altLang="en-US" dirty="0"/>
-          </a:p>
-        </p:txBody>
-      </p:sp>
-      <p:sp>
-        <p:nvSpPr>
-          <p:cNvPr id="3" name="コンテンツ プレースホルダー 2"/>
-          <p:cNvSpPr>
-            <a:spLocks noGrp="1"/>
-          </p:cNvSpPr>
-          <p:nvPr>
-            <p:ph idx="1"/>
-          </p:nvPr>
-        </p:nvSpPr>
-        <p:spPr/>
-        <p:txBody>
-          <a:bodyPr/>
-          <a:lstStyle/>
-          <a:p>
-            <a:r>
-              <a:rPr kumimoji="1" lang="en-US" altLang="ja-JP" dirty="0" err="1" smtClean="0"/>
-              <a:t>Jupyter</a:t>
-            </a:r>
-            <a:endParaRPr kumimoji="1" lang="en-US" altLang="ja-JP" dirty="0" smtClean="0"/>
-          </a:p>
-          <a:p>
-            <a:pPr lvl="1"/>
-            <a:r>
-              <a:rPr lang="en-US" altLang="ja-JP" dirty="0" smtClean="0"/>
-              <a:t>Web</a:t>
-            </a:r>
-            <a:r>
-              <a:rPr lang="ja-JP" altLang="en-US" dirty="0" smtClean="0"/>
-              <a:t>アプリケーションによる対話環境</a:t>
-            </a:r>
-            <a:endParaRPr lang="en-US" altLang="ja-JP" dirty="0" smtClean="0"/>
-          </a:p>
-          <a:p>
-            <a:pPr lvl="1"/>
-            <a:r>
-              <a:rPr kumimoji="1" lang="en-US" altLang="ja-JP" dirty="0" smtClean="0"/>
-              <a:t>Mathematica</a:t>
-            </a:r>
-            <a:r>
-              <a:rPr kumimoji="1" lang="ja-JP" altLang="en-US" dirty="0" smtClean="0"/>
-              <a:t>風のノートブック</a:t>
-            </a:r>
-            <a:endParaRPr lang="en-US" altLang="ja-JP" dirty="0"/>
-          </a:p>
-          <a:p>
-            <a:pPr lvl="2"/>
-            <a:r>
-              <a:rPr lang="ja-JP" altLang="en-US" dirty="0" smtClean="0"/>
-              <a:t>プログラムの対話的実行</a:t>
-            </a:r>
-            <a:endParaRPr lang="en-US" altLang="ja-JP" dirty="0" smtClean="0"/>
-          </a:p>
-          <a:p>
-            <a:pPr lvl="2"/>
-            <a:r>
-              <a:rPr kumimoji="1" lang="ja-JP" altLang="en-US" dirty="0" smtClean="0"/>
-              <a:t>グラフの描画</a:t>
-            </a:r>
-            <a:endParaRPr kumimoji="1" lang="en-US" altLang="ja-JP" dirty="0" smtClean="0"/>
-          </a:p>
-          <a:p>
-            <a:pPr lvl="1"/>
-            <a:r>
-              <a:rPr lang="ja-JP" altLang="en-US" dirty="0" smtClean="0"/>
-              <a:t>プログラミング言語非依存</a:t>
-            </a:r>
-            <a:endParaRPr lang="en-US" altLang="ja-JP" dirty="0" smtClean="0"/>
-          </a:p>
-          <a:p>
-            <a:pPr lvl="2"/>
-            <a:r>
-              <a:rPr lang="ja-JP" altLang="en-US" dirty="0" smtClean="0"/>
-              <a:t>各言語の実行環境をカーネルとして提供</a:t>
-            </a:r>
-            <a:endParaRPr lang="en-US" altLang="ja-JP" dirty="0" smtClean="0"/>
-          </a:p>
-          <a:p>
-            <a:pPr lvl="2"/>
-            <a:r>
-              <a:rPr lang="ja-JP" altLang="en-US" dirty="0" smtClean="0"/>
-              <a:t>プロセス間</a:t>
-            </a:r>
-            <a:r>
-              <a:rPr lang="ja-JP" altLang="en-US" dirty="0"/>
-              <a:t>通信</a:t>
-            </a:r>
-            <a:endParaRPr lang="en-US" altLang="ja-JP" dirty="0" smtClean="0"/>
-          </a:p>
-          <a:p>
-            <a:r>
-              <a:rPr kumimoji="1" lang="en-US" altLang="ja-JP" dirty="0" err="1" smtClean="0"/>
-              <a:t>IRuby</a:t>
-            </a:r>
-            <a:endParaRPr kumimoji="1" lang="en-US" altLang="ja-JP" dirty="0" smtClean="0"/>
-          </a:p>
-          <a:p>
-            <a:pPr lvl="1"/>
-            <a:r>
-              <a:rPr lang="en-US" altLang="ja-JP" dirty="0" err="1" smtClean="0"/>
-              <a:t>Jupyter</a:t>
-            </a:r>
-            <a:r>
-              <a:rPr lang="ja-JP" altLang="en-US" dirty="0" smtClean="0"/>
-              <a:t>の</a:t>
-            </a:r>
-            <a:r>
-              <a:rPr lang="en-US" altLang="ja-JP" dirty="0" smtClean="0"/>
-              <a:t>Ruby</a:t>
-            </a:r>
-            <a:r>
-              <a:rPr lang="ja-JP" altLang="en-US" dirty="0" smtClean="0"/>
-              <a:t>カーネル</a:t>
-            </a:r>
-            <a:endParaRPr kumimoji="1" lang="ja-JP" altLang="en-US" dirty="0"/>
-          </a:p>
-        </p:txBody>
-      </p:sp>
-      <p:sp>
-        <p:nvSpPr>
-          <p:cNvPr id="4" name="スライド番号プレースホルダー 3"/>
-          <p:cNvSpPr>
-            <a:spLocks noGrp="1"/>
-          </p:cNvSpPr>
-          <p:nvPr>
-            <p:ph type="sldNum" sz="quarter" idx="12"/>
-          </p:nvPr>
-        </p:nvSpPr>
-        <p:spPr/>
-        <p:txBody>
-          <a:bodyPr/>
-          <a:lstStyle/>
-          <a:p>
-            <a:fld id="{D2D8002D-B5B0-4BAC-B1F6-782DDCCE6D9C}" type="slidenum">
-              <a:rPr kumimoji="1" lang="ja-JP" altLang="en-US" smtClean="0"/>
-              <a:t>29</a:t>
-            </a:fld>
-            <a:endParaRPr kumimoji="1" lang="ja-JP" altLang="en-US" dirty="0"/>
-          </a:p>
-        </p:txBody>
-      </p:sp>
-    </p:spTree>
-    <p:extLst>
-      <p:ext uri="{BB962C8B-B14F-4D97-AF65-F5344CB8AC3E}">
-        <p14:creationId xmlns:p14="http://schemas.microsoft.com/office/powerpoint/2010/main" val="1471523091"/>
-      </p:ext>
-    </p:extLst>
-  </p:cSld>
-  <p:clrMapOvr>
-    <a:masterClrMapping/>
-  </p:clrMapOvr>
-  <p:timing>
-    <p:tnLst>
-      <p:par>
-        <p:cTn id="1" dur="indefinite" restart="never" nodeType="tmRoot"/>
-      </p:par>
-    </p:tnLst>
-  </p:timing>
-</p:sld>
-</file>
-
-<file path=ppt/slides/slide31.xml><?xml version="1.0" encoding="utf-8"?>
-<p:sld xmlns:a="http://schemas.openxmlformats.org/drawingml/2006/main" xmlns:r="http://schemas.openxmlformats.org/officeDocument/2006/relationships" xmlns:p="http://schemas.openxmlformats.org/presentationml/2006/main">
-  <p:cSld>
-    <p:spTree>
-      <p:nvGrpSpPr>
-        <p:cNvPr id="1" name=""/>
-        <p:cNvGrpSpPr/>
-        <p:nvPr/>
-      </p:nvGrpSpPr>
-      <p:grpSpPr>
-        <a:xfrm>
-          <a:off x="0" y="0"/>
-          <a:ext cx="0" cy="0"/>
-          <a:chOff x="0" y="0"/>
-          <a:chExt cx="0" cy="0"/>
-        </a:xfrm>
-      </p:grpSpPr>
-      <p:sp>
-        <p:nvSpPr>
-          <p:cNvPr id="2" name="タイトル 1"/>
-          <p:cNvSpPr>
-            <a:spLocks noGrp="1"/>
-          </p:cNvSpPr>
-          <p:nvPr>
-            <p:ph type="title"/>
-          </p:nvPr>
-        </p:nvSpPr>
-        <p:spPr/>
-        <p:txBody>
-          <a:bodyPr/>
-          <a:lstStyle/>
-          <a:p>
-            <a:r>
-              <a:rPr kumimoji="1" lang="en-US" altLang="ja-JP" dirty="0" err="1" smtClean="0"/>
-              <a:t>SciRuby</a:t>
-            </a:r>
-            <a:endParaRPr kumimoji="1" lang="ja-JP" altLang="en-US" dirty="0"/>
-          </a:p>
-        </p:txBody>
-      </p:sp>
-      <p:sp>
-        <p:nvSpPr>
-          <p:cNvPr id="3" name="コンテンツ プレースホルダー 2"/>
-          <p:cNvSpPr>
-            <a:spLocks noGrp="1"/>
-          </p:cNvSpPr>
-          <p:nvPr>
-            <p:ph idx="1"/>
-          </p:nvPr>
-        </p:nvSpPr>
-        <p:spPr/>
-        <p:txBody>
-          <a:bodyPr/>
-          <a:lstStyle/>
-          <a:p>
-            <a:r>
-              <a:rPr lang="en-US" altLang="ja-JP" dirty="0" smtClean="0"/>
-              <a:t>Ruby</a:t>
-            </a:r>
-            <a:r>
-              <a:rPr lang="ja-JP" altLang="en-US" dirty="0" smtClean="0"/>
-              <a:t>用の科学計算ライブラリの開発プロジェクト</a:t>
-            </a:r>
-            <a:endParaRPr lang="en-US" altLang="ja-JP" dirty="0" smtClean="0"/>
-          </a:p>
-          <a:p>
-            <a:r>
-              <a:rPr kumimoji="1" lang="en-US" altLang="ja-JP" dirty="0" err="1" smtClean="0"/>
-              <a:t>NMatrix</a:t>
-            </a:r>
-            <a:r>
-              <a:rPr kumimoji="1" lang="ja-JP" altLang="en-US" dirty="0" smtClean="0"/>
-              <a:t>や</a:t>
-            </a:r>
-            <a:r>
-              <a:rPr kumimoji="1" lang="en-US" altLang="ja-JP" dirty="0" err="1" smtClean="0"/>
-              <a:t>daru</a:t>
-            </a:r>
-            <a:r>
-              <a:rPr lang="ja-JP" altLang="en-US" dirty="0" err="1" smtClean="0"/>
-              <a:t>、</a:t>
-            </a:r>
-            <a:r>
-              <a:rPr lang="en-US" altLang="ja-JP" dirty="0" err="1" smtClean="0"/>
-              <a:t>IRuby</a:t>
-            </a:r>
-            <a:r>
-              <a:rPr kumimoji="1" lang="ja-JP" altLang="en-US" dirty="0" smtClean="0"/>
-              <a:t>も</a:t>
-            </a:r>
-            <a:r>
-              <a:rPr kumimoji="1" lang="en-US" altLang="ja-JP" dirty="0" err="1" smtClean="0"/>
-              <a:t>SciRuby</a:t>
-            </a:r>
-            <a:r>
-              <a:rPr kumimoji="1" lang="ja-JP" altLang="en-US" dirty="0" smtClean="0"/>
-              <a:t>の一部</a:t>
-            </a:r>
-            <a:endParaRPr kumimoji="1" lang="en-US" altLang="ja-JP" dirty="0" smtClean="0"/>
-          </a:p>
-          <a:p>
-            <a:r>
-              <a:rPr kumimoji="1" lang="en-US" altLang="ja-JP" dirty="0" err="1" smtClean="0"/>
-              <a:t>Statsample</a:t>
-            </a:r>
-            <a:endParaRPr kumimoji="1" lang="en-US" altLang="ja-JP" dirty="0" smtClean="0"/>
-          </a:p>
-          <a:p>
-            <a:pPr lvl="1"/>
-            <a:r>
-              <a:rPr lang="ja-JP" altLang="en-US" dirty="0" smtClean="0"/>
-              <a:t>統計用ライブラリ</a:t>
-            </a:r>
-            <a:endParaRPr lang="en-US" altLang="ja-JP" dirty="0" smtClean="0"/>
-          </a:p>
-          <a:p>
-            <a:r>
-              <a:rPr kumimoji="1" lang="en-US" altLang="ja-JP" dirty="0" smtClean="0"/>
-              <a:t>Distribution</a:t>
-            </a:r>
-          </a:p>
-          <a:p>
-            <a:pPr lvl="1"/>
-            <a:r>
-              <a:rPr lang="ja-JP" altLang="en-US" dirty="0" smtClean="0"/>
-              <a:t>確率分布用ライブラリ</a:t>
-            </a:r>
-            <a:endParaRPr kumimoji="1" lang="ja-JP" altLang="en-US" dirty="0"/>
-          </a:p>
-        </p:txBody>
-      </p:sp>
-      <p:sp>
-        <p:nvSpPr>
-          <p:cNvPr id="4" name="スライド番号プレースホルダー 3"/>
-          <p:cNvSpPr>
-            <a:spLocks noGrp="1"/>
-          </p:cNvSpPr>
-          <p:nvPr>
-            <p:ph type="sldNum" sz="quarter" idx="12"/>
-          </p:nvPr>
-        </p:nvSpPr>
-        <p:spPr/>
-        <p:txBody>
-          <a:bodyPr/>
-          <a:lstStyle/>
-          <a:p>
-            <a:fld id="{D2D8002D-B5B0-4BAC-B1F6-782DDCCE6D9C}" type="slidenum">
-              <a:rPr kumimoji="1" lang="ja-JP" altLang="en-US" smtClean="0"/>
-              <a:t>30</a:t>
-            </a:fld>
-            <a:endParaRPr kumimoji="1" lang="ja-JP" altLang="en-US" dirty="0"/>
-          </a:p>
-        </p:txBody>
-      </p:sp>
-    </p:spTree>
-    <p:extLst>
-      <p:ext uri="{BB962C8B-B14F-4D97-AF65-F5344CB8AC3E}">
-        <p14:creationId xmlns:p14="http://schemas.microsoft.com/office/powerpoint/2010/main" val="2257990731"/>
-      </p:ext>
-    </p:extLst>
-  </p:cSld>
-  <p:clrMapOvr>
-    <a:masterClrMapping/>
-  </p:clrMapOvr>
-  <p:timing>
-    <p:tnLst>
-      <p:par>
-        <p:cTn id="1" dur="indefinite" restart="never" nodeType="tmRoot"/>
-      </p:par>
-    </p:tnLst>
-  </p:timing>
-</p:sld>
-</file>
-
 <file path=ppt/slides/slide32.xml><?xml version="1.0" encoding="utf-8"?>
 <p:sld xmlns:a="http://schemas.openxmlformats.org/drawingml/2006/main" xmlns:r="http://schemas.openxmlformats.org/officeDocument/2006/relationships" xmlns:p="http://schemas.openxmlformats.org/presentationml/2006/main">
   <p:cSld>
@@ -14733,8 +14825,134 @@
           <a:lstStyle/>
           <a:p>
             <a:r>
+              <a:rPr kumimoji="1" lang="en-US" altLang="ja-JP" dirty="0" err="1" smtClean="0"/>
+              <a:t>Jupyter</a:t>
+            </a:r>
+            <a:r>
+              <a:rPr kumimoji="1" lang="en-US" altLang="ja-JP" dirty="0" smtClean="0"/>
+              <a:t>/</a:t>
+            </a:r>
+            <a:r>
+              <a:rPr kumimoji="1" lang="en-US" altLang="ja-JP" dirty="0" err="1" smtClean="0"/>
+              <a:t>IRuby</a:t>
+            </a:r>
+            <a:endParaRPr kumimoji="1" lang="ja-JP" altLang="en-US" dirty="0"/>
+          </a:p>
+        </p:txBody>
+      </p:sp>
+      <p:sp>
+        <p:nvSpPr>
+          <p:cNvPr id="3" name="コンテンツ プレースホルダー 2"/>
+          <p:cNvSpPr>
+            <a:spLocks noGrp="1"/>
+          </p:cNvSpPr>
+          <p:nvPr>
+            <p:ph idx="1"/>
+          </p:nvPr>
+        </p:nvSpPr>
+        <p:spPr/>
+        <p:txBody>
+          <a:bodyPr/>
+          <a:lstStyle/>
+          <a:p>
+            <a:r>
+              <a:rPr kumimoji="1" lang="en-US" altLang="ja-JP" dirty="0" err="1" smtClean="0"/>
+              <a:t>Jupyter</a:t>
+            </a:r>
+            <a:endParaRPr kumimoji="1" lang="en-US" altLang="ja-JP" dirty="0" smtClean="0"/>
+          </a:p>
+          <a:p>
+            <a:pPr lvl="1"/>
+            <a:r>
+              <a:rPr lang="en-US" altLang="ja-JP" dirty="0" smtClean="0"/>
+              <a:t>Web</a:t>
+            </a:r>
+            <a:r>
+              <a:rPr lang="ja-JP" altLang="en-US" dirty="0" smtClean="0"/>
+              <a:t>アプリケーションによる対話環境</a:t>
+            </a:r>
+            <a:endParaRPr lang="en-US" altLang="ja-JP" dirty="0" smtClean="0"/>
+          </a:p>
+          <a:p>
+            <a:pPr lvl="1"/>
+            <a:r>
+              <a:rPr kumimoji="1" lang="en-US" altLang="ja-JP" dirty="0" smtClean="0"/>
+              <a:t>Mathematica</a:t>
+            </a:r>
+            <a:r>
+              <a:rPr kumimoji="1" lang="ja-JP" altLang="en-US" dirty="0" smtClean="0"/>
+              <a:t>風のノートブック</a:t>
+            </a:r>
+            <a:endParaRPr lang="en-US" altLang="ja-JP" dirty="0"/>
+          </a:p>
+          <a:p>
+            <a:pPr lvl="2"/>
+            <a:r>
+              <a:rPr lang="ja-JP" altLang="en-US" dirty="0" smtClean="0"/>
+              <a:t>プログラムの対話的実行</a:t>
+            </a:r>
+            <a:endParaRPr lang="en-US" altLang="ja-JP" dirty="0" smtClean="0"/>
+          </a:p>
+          <a:p>
+            <a:pPr lvl="2"/>
+            <a:r>
+              <a:rPr kumimoji="1" lang="ja-JP" altLang="en-US" dirty="0" smtClean="0"/>
+              <a:t>グラフの描画</a:t>
+            </a:r>
+            <a:endParaRPr kumimoji="1" lang="en-US" altLang="ja-JP" dirty="0" smtClean="0"/>
+          </a:p>
+          <a:p>
+            <a:pPr lvl="1"/>
+            <a:r>
+              <a:rPr lang="ja-JP" altLang="en-US" dirty="0" smtClean="0"/>
+              <a:t>プログラミング言語非依存</a:t>
+            </a:r>
+            <a:endParaRPr lang="en-US" altLang="ja-JP" dirty="0" smtClean="0"/>
+          </a:p>
+          <a:p>
+            <a:pPr lvl="2"/>
+            <a:r>
+              <a:rPr lang="ja-JP" altLang="en-US" dirty="0" smtClean="0"/>
+              <a:t>各言語の実行環境をカーネルとして提供</a:t>
+            </a:r>
+            <a:endParaRPr lang="en-US" altLang="ja-JP" dirty="0" smtClean="0"/>
+          </a:p>
+          <a:p>
+            <a:pPr lvl="2"/>
+            <a:r>
+              <a:rPr lang="ja-JP" altLang="en-US" dirty="0" smtClean="0"/>
+              <a:t>プロセス間</a:t>
+            </a:r>
+            <a:r>
               <a:rPr lang="ja-JP" altLang="en-US" dirty="0"/>
-              <a:t>デモ</a:t>
+              <a:t>通信</a:t>
+            </a:r>
+            <a:endParaRPr lang="en-US" altLang="ja-JP" dirty="0" smtClean="0"/>
+          </a:p>
+          <a:p>
+            <a:r>
+              <a:rPr kumimoji="1" lang="en-US" altLang="ja-JP" dirty="0" err="1" smtClean="0"/>
+              <a:t>IRuby</a:t>
+            </a:r>
+            <a:endParaRPr kumimoji="1" lang="en-US" altLang="ja-JP" dirty="0" smtClean="0"/>
+          </a:p>
+          <a:p>
+            <a:pPr lvl="1"/>
+            <a:r>
+              <a:rPr lang="en-US" altLang="ja-JP" dirty="0" err="1" smtClean="0"/>
+              <a:t>Jupyter</a:t>
+            </a:r>
+            <a:r>
+              <a:rPr lang="ja-JP" altLang="en-US" dirty="0" smtClean="0"/>
+              <a:t>の</a:t>
+            </a:r>
+            <a:r>
+              <a:rPr lang="en-US" altLang="ja-JP" dirty="0" smtClean="0"/>
+              <a:t>Ruby</a:t>
+            </a:r>
+            <a:r>
+              <a:rPr lang="ja-JP" altLang="en-US" dirty="0" smtClean="0"/>
+              <a:t>カーネル</a:t>
             </a:r>
             <a:endParaRPr kumimoji="1" lang="ja-JP" altLang="en-US" dirty="0"/>
           </a:p>
@@ -14766,7 +14984,7 @@
     </p:spTree>
     <p:extLst>
       <p:ext uri="{BB962C8B-B14F-4D97-AF65-F5344CB8AC3E}">
-        <p14:creationId xmlns:p14="http://schemas.microsoft.com/office/powerpoint/2010/main" val="1075475458"/>
+        <p14:creationId xmlns:p14="http://schemas.microsoft.com/office/powerpoint/2010/main" val="1471523091"/>
       </p:ext>
     </p:extLst>
   </p:cSld>
@@ -14816,8 +15034,99 @@
           <a:lstStyle/>
           <a:p>
             <a:r>
+              <a:rPr kumimoji="1" lang="en-US" altLang="ja-JP" dirty="0" err="1" smtClean="0"/>
+              <a:t>SciRuby</a:t>
+            </a:r>
+            <a:endParaRPr kumimoji="1" lang="ja-JP" altLang="en-US" dirty="0"/>
+          </a:p>
+        </p:txBody>
+      </p:sp>
+      <p:sp>
+        <p:nvSpPr>
+          <p:cNvPr id="3" name="コンテンツ プレースホルダー 2"/>
+          <p:cNvSpPr>
+            <a:spLocks noGrp="1"/>
+          </p:cNvSpPr>
+          <p:nvPr>
+            <p:ph idx="1"/>
+          </p:nvPr>
+        </p:nvSpPr>
+        <p:spPr/>
+        <p:txBody>
+          <a:bodyPr/>
+          <a:lstStyle/>
+          <a:p>
+            <a:r>
+              <a:rPr lang="en-US" altLang="ja-JP" dirty="0" smtClean="0"/>
+              <a:t>Ruby</a:t>
+            </a:r>
+            <a:r>
               <a:rPr lang="ja-JP" altLang="en-US" dirty="0" smtClean="0"/>
-              <a:t>今後の課題</a:t>
+              <a:t>用の科学計算ライブラリの開発プロジェクト</a:t>
+            </a:r>
+            <a:endParaRPr lang="en-US" altLang="ja-JP" dirty="0" smtClean="0"/>
+          </a:p>
+          <a:p>
+            <a:r>
+              <a:rPr kumimoji="1" lang="en-US" altLang="ja-JP" dirty="0" err="1" smtClean="0"/>
+              <a:t>NMatrix</a:t>
+            </a:r>
+            <a:r>
+              <a:rPr kumimoji="1" lang="ja-JP" altLang="en-US" dirty="0" smtClean="0"/>
+              <a:t>や</a:t>
+            </a:r>
+            <a:r>
+              <a:rPr kumimoji="1" lang="en-US" altLang="ja-JP" dirty="0" err="1" smtClean="0"/>
+              <a:t>daru</a:t>
+            </a:r>
+            <a:r>
+              <a:rPr lang="ja-JP" altLang="en-US" dirty="0" err="1" smtClean="0"/>
+              <a:t>、</a:t>
+            </a:r>
+            <a:r>
+              <a:rPr lang="en-US" altLang="ja-JP" dirty="0" err="1" smtClean="0"/>
+              <a:t>IRuby</a:t>
+            </a:r>
+            <a:r>
+              <a:rPr kumimoji="1" lang="ja-JP" altLang="en-US" dirty="0" smtClean="0"/>
+              <a:t>も</a:t>
+            </a:r>
+            <a:r>
+              <a:rPr kumimoji="1" lang="en-US" altLang="ja-JP" dirty="0" err="1" smtClean="0"/>
+              <a:t>SciRuby</a:t>
+            </a:r>
+            <a:r>
+              <a:rPr kumimoji="1" lang="ja-JP" altLang="en-US" dirty="0" smtClean="0"/>
+              <a:t>の一部</a:t>
+            </a:r>
+            <a:endParaRPr kumimoji="1" lang="en-US" altLang="ja-JP" dirty="0" smtClean="0"/>
+          </a:p>
+          <a:p>
+            <a:r>
+              <a:rPr kumimoji="1" lang="en-US" altLang="ja-JP" dirty="0" err="1" smtClean="0"/>
+              <a:t>Statsample</a:t>
+            </a:r>
+            <a:endParaRPr kumimoji="1" lang="en-US" altLang="ja-JP" dirty="0" smtClean="0"/>
+          </a:p>
+          <a:p>
+            <a:pPr lvl="1"/>
+            <a:r>
+              <a:rPr lang="ja-JP" altLang="en-US" dirty="0" smtClean="0"/>
+              <a:t>統計用ライブラリ</a:t>
+            </a:r>
+            <a:endParaRPr lang="en-US" altLang="ja-JP" dirty="0" smtClean="0"/>
+          </a:p>
+          <a:p>
+            <a:r>
+              <a:rPr kumimoji="1" lang="en-US" altLang="ja-JP" dirty="0" smtClean="0"/>
+              <a:t>Distribution</a:t>
+            </a:r>
+          </a:p>
+          <a:p>
+            <a:pPr lvl="1"/>
+            <a:r>
+              <a:rPr lang="ja-JP" altLang="en-US" dirty="0" smtClean="0"/>
+              <a:t>確率分布用ライブラリ</a:t>
             </a:r>
             <a:endParaRPr kumimoji="1" lang="ja-JP" altLang="en-US" dirty="0"/>
           </a:p>
@@ -14849,7 +15158,7 @@
     </p:spTree>
     <p:extLst>
       <p:ext uri="{BB962C8B-B14F-4D97-AF65-F5344CB8AC3E}">
-        <p14:creationId xmlns:p14="http://schemas.microsoft.com/office/powerpoint/2010/main" val="811270252"/>
+        <p14:creationId xmlns:p14="http://schemas.microsoft.com/office/powerpoint/2010/main" val="2257990731"/>
       </p:ext>
     </p:extLst>
   </p:cSld>
@@ -14899,102 +15208,8 @@
           <a:lstStyle/>
           <a:p>
             <a:r>
-              <a:rPr lang="ja-JP" altLang="en-US" dirty="0" smtClean="0"/>
-              <a:t>利用者が少ない</a:t>
-            </a:r>
-            <a:endParaRPr kumimoji="1" lang="ja-JP" altLang="en-US" dirty="0"/>
-          </a:p>
-        </p:txBody>
-      </p:sp>
-      <p:sp>
-        <p:nvSpPr>
-          <p:cNvPr id="6" name="コンテンツ プレースホルダー 5"/>
-          <p:cNvSpPr>
-            <a:spLocks noGrp="1"/>
-          </p:cNvSpPr>
-          <p:nvPr>
-            <p:ph idx="1"/>
-          </p:nvPr>
-        </p:nvSpPr>
-        <p:spPr/>
-        <p:txBody>
-          <a:bodyPr/>
-          <a:lstStyle/>
-          <a:p>
-            <a:r>
-              <a:rPr lang="en-US" altLang="ja-JP" dirty="0" err="1" smtClean="0"/>
-              <a:t>nmatrix</a:t>
-            </a:r>
-            <a:r>
-              <a:rPr lang="ja-JP" altLang="en-US" dirty="0" smtClean="0"/>
-              <a:t>と</a:t>
-            </a:r>
-            <a:r>
-              <a:rPr lang="en-US" altLang="ja-JP" dirty="0" err="1" smtClean="0"/>
-              <a:t>statsample</a:t>
-            </a:r>
-            <a:r>
-              <a:rPr lang="ja-JP" altLang="en-US" dirty="0" smtClean="0"/>
-              <a:t>を同時に</a:t>
-            </a:r>
-            <a:r>
-              <a:rPr lang="en-US" altLang="ja-JP" dirty="0" smtClean="0"/>
-              <a:t>require</a:t>
-            </a:r>
-            <a:r>
-              <a:rPr lang="ja-JP" altLang="en-US" dirty="0" smtClean="0"/>
-              <a:t>すると最新の</a:t>
-            </a:r>
-            <a:r>
-              <a:rPr lang="en-US" altLang="ja-JP" dirty="0" smtClean="0"/>
-              <a:t>Ruby</a:t>
-            </a:r>
-            <a:r>
-              <a:rPr lang="ja-JP" altLang="en-US" dirty="0" smtClean="0"/>
-              <a:t>ではエラー</a:t>
-            </a:r>
-            <a:r>
-              <a:rPr lang="ja-JP" altLang="en-US" dirty="0" smtClean="0"/>
-              <a:t>に</a:t>
-            </a:r>
-            <a:r>
-              <a:rPr lang="ja-JP" altLang="en-US" dirty="0" smtClean="0"/>
-              <a:t>なる</a:t>
-            </a:r>
-            <a:endParaRPr lang="en-US" altLang="ja-JP" dirty="0" smtClean="0"/>
-          </a:p>
-          <a:p>
-            <a:pPr lvl="1"/>
-            <a:r>
-              <a:rPr lang="ja-JP" altLang="en-US" dirty="0" smtClean="0"/>
-              <a:t>あまり使われていないのでは</a:t>
-            </a:r>
-            <a:r>
               <a:rPr lang="ja-JP" altLang="en-US" dirty="0"/>
-              <a:t>？</a:t>
-            </a:r>
-            <a:endParaRPr lang="en-US" altLang="ja-JP" dirty="0" smtClean="0"/>
-          </a:p>
-          <a:p>
-            <a:r>
-              <a:rPr kumimoji="1" lang="en-US" altLang="ja-JP" dirty="0" err="1" smtClean="0"/>
-              <a:t>NArray</a:t>
-            </a:r>
-            <a:r>
-              <a:rPr kumimoji="1" lang="ja-JP" altLang="en-US" dirty="0" smtClean="0"/>
-              <a:t>と</a:t>
-            </a:r>
-            <a:r>
-              <a:rPr kumimoji="1" lang="en-US" altLang="ja-JP" dirty="0" err="1" smtClean="0"/>
-              <a:t>NMatrix</a:t>
-            </a:r>
-            <a:r>
-              <a:rPr kumimoji="1" lang="ja-JP" altLang="en-US" dirty="0" smtClean="0"/>
-              <a:t>が競合していることも、少ない利用者・開発者が</a:t>
-            </a:r>
-            <a:r>
-              <a:rPr lang="ja-JP" altLang="en-US" dirty="0" smtClean="0"/>
-              <a:t>分散してしまう原因になっているのでは？</a:t>
+              <a:t>デモ</a:t>
             </a:r>
             <a:endParaRPr kumimoji="1" lang="ja-JP" altLang="en-US" dirty="0"/>
           </a:p>
@@ -15026,7 +15241,7 @@
     </p:spTree>
     <p:extLst>
       <p:ext uri="{BB962C8B-B14F-4D97-AF65-F5344CB8AC3E}">
-        <p14:creationId xmlns:p14="http://schemas.microsoft.com/office/powerpoint/2010/main" val="435299899"/>
+        <p14:creationId xmlns:p14="http://schemas.microsoft.com/office/powerpoint/2010/main" val="1075475458"/>
       </p:ext>
     </p:extLst>
   </p:cSld>
@@ -15077,85 +15292,8 @@
           <a:p>
             <a:r>
               <a:rPr lang="ja-JP" altLang="en-US" dirty="0" smtClean="0"/>
-              <a:t>機能追加・機能改善</a:t>
-            </a:r>
-            <a:endParaRPr kumimoji="1" lang="ja-JP" altLang="en-US" dirty="0"/>
-          </a:p>
-        </p:txBody>
-      </p:sp>
-      <p:sp>
-        <p:nvSpPr>
-          <p:cNvPr id="6" name="コンテンツ プレースホルダー 5"/>
-          <p:cNvSpPr>
-            <a:spLocks noGrp="1"/>
-          </p:cNvSpPr>
-          <p:nvPr>
-            <p:ph idx="1"/>
-          </p:nvPr>
-        </p:nvSpPr>
-        <p:spPr/>
-        <p:txBody>
-          <a:bodyPr/>
-          <a:lstStyle/>
-          <a:p>
-            <a:r>
-              <a:rPr kumimoji="1" lang="en-US" altLang="ja-JP" dirty="0" err="1" smtClean="0"/>
-              <a:t>daru</a:t>
-            </a:r>
-            <a:endParaRPr kumimoji="1" lang="en-US" altLang="ja-JP" dirty="0" smtClean="0"/>
-          </a:p>
-          <a:p>
-            <a:pPr lvl="1"/>
-            <a:r>
-              <a:rPr kumimoji="1" lang="ja-JP" altLang="en-US" dirty="0" smtClean="0"/>
-              <a:t>欠損値の扱い</a:t>
-            </a:r>
-            <a:endParaRPr kumimoji="1" lang="en-US" altLang="ja-JP" dirty="0" smtClean="0"/>
-          </a:p>
-          <a:p>
-            <a:pPr lvl="2"/>
-            <a:r>
-              <a:rPr lang="ja-JP" altLang="en-US" dirty="0" smtClean="0"/>
-              <a:t>チェックや穴埋め</a:t>
-            </a:r>
-            <a:endParaRPr kumimoji="1" lang="en-US" altLang="ja-JP" dirty="0" smtClean="0"/>
-          </a:p>
-          <a:p>
-            <a:pPr lvl="1"/>
-            <a:r>
-              <a:rPr lang="ja-JP" altLang="en-US" dirty="0" smtClean="0"/>
-              <a:t>時系列データの扱い</a:t>
-            </a:r>
-            <a:endParaRPr lang="en-US" altLang="ja-JP" dirty="0" smtClean="0"/>
-          </a:p>
-          <a:p>
-            <a:pPr lvl="2"/>
-            <a:r>
-              <a:rPr lang="ja-JP" altLang="en-US" dirty="0" smtClean="0"/>
-              <a:t>再サンプリング</a:t>
-            </a:r>
-            <a:endParaRPr lang="en-US" altLang="ja-JP" dirty="0" smtClean="0"/>
-          </a:p>
-          <a:p>
-            <a:pPr lvl="1"/>
-            <a:r>
-              <a:rPr kumimoji="1" lang="ja-JP" altLang="en-US" dirty="0" smtClean="0"/>
-              <a:t>金融</a:t>
-            </a:r>
-            <a:r>
-              <a:rPr kumimoji="1" lang="ja-JP" altLang="en-US" dirty="0" smtClean="0"/>
-              <a:t>関係の</a:t>
-            </a:r>
-            <a:r>
-              <a:rPr kumimoji="1" lang="ja-JP" altLang="en-US" dirty="0" smtClean="0"/>
-              <a:t>機能</a:t>
-            </a:r>
-            <a:endParaRPr kumimoji="1" lang="en-US" altLang="ja-JP" dirty="0" smtClean="0"/>
-          </a:p>
-          <a:p>
-            <a:pPr marL="0" indent="0">
-              <a:buNone/>
-            </a:pPr>
+              <a:t>今後の課題</a:t>
+            </a:r>
             <a:endParaRPr kumimoji="1" lang="ja-JP" altLang="en-US" dirty="0"/>
           </a:p>
         </p:txBody>
@@ -15186,7 +15324,7 @@
     </p:spTree>
     <p:extLst>
       <p:ext uri="{BB962C8B-B14F-4D97-AF65-F5344CB8AC3E}">
-        <p14:creationId xmlns:p14="http://schemas.microsoft.com/office/powerpoint/2010/main" val="565505173"/>
+        <p14:creationId xmlns:p14="http://schemas.microsoft.com/office/powerpoint/2010/main" val="811270252"/>
       </p:ext>
     </p:extLst>
   </p:cSld>
@@ -15237,7 +15375,7 @@
           <a:p>
             <a:r>
               <a:rPr lang="ja-JP" altLang="en-US" dirty="0" smtClean="0"/>
-              <a:t>性能改善</a:t>
+              <a:t>利用者が少ない</a:t>
             </a:r>
             <a:endParaRPr kumimoji="1" lang="ja-JP" altLang="en-US" dirty="0"/>
           </a:p>
@@ -15260,7 +15398,43 @@
           <a:p>
             <a:r>
               <a:rPr lang="en-US" altLang="ja-JP" dirty="0" err="1" smtClean="0"/>
-              <a:t>NMatrix</a:t>
+              <a:t>nmatrix</a:t>
+            </a:r>
+            <a:r>
+              <a:rPr lang="ja-JP" altLang="en-US" dirty="0" smtClean="0"/>
+              <a:t>と</a:t>
+            </a:r>
+            <a:r>
+              <a:rPr lang="en-US" altLang="ja-JP" dirty="0" err="1" smtClean="0"/>
+              <a:t>statsample</a:t>
+            </a:r>
+            <a:r>
+              <a:rPr lang="ja-JP" altLang="en-US" dirty="0" smtClean="0"/>
+              <a:t>を同時に</a:t>
+            </a:r>
+            <a:r>
+              <a:rPr lang="en-US" altLang="ja-JP" dirty="0" smtClean="0"/>
+              <a:t>require</a:t>
+            </a:r>
+            <a:r>
+              <a:rPr lang="ja-JP" altLang="en-US" dirty="0" smtClean="0"/>
+              <a:t>すると最新の</a:t>
+            </a:r>
+            <a:r>
+              <a:rPr lang="en-US" altLang="ja-JP" dirty="0" smtClean="0"/>
+              <a:t>Ruby</a:t>
+            </a:r>
+            <a:r>
+              <a:rPr lang="ja-JP" altLang="en-US" dirty="0" smtClean="0"/>
+              <a:t>ではエラー</a:t>
+            </a:r>
+            <a:r>
+              <a:rPr lang="ja-JP" altLang="en-US" dirty="0" smtClean="0"/>
+              <a:t>に</a:t>
+            </a:r>
+            <a:r>
+              <a:rPr lang="ja-JP" altLang="en-US" dirty="0" smtClean="0"/>
+              <a:t>なる</a:t>
             </a:r>
             <a:endParaRPr lang="en-US" altLang="ja-JP" dirty="0" smtClean="0"/>
           </a:p>
@@ -15268,64 +15442,23 @@
             <a:pPr lvl="1"/>
             <a:r>
               <a:rPr lang="ja-JP" altLang="en-US" dirty="0" smtClean="0"/>
-              <a:t>遅い</a:t>
+              <a:t>あまり使われていないのでは</a:t>
+            </a:r>
+            <a:r>
+              <a:rPr lang="ja-JP" altLang="en-US" dirty="0"/>
+              <a:t>？</a:t>
             </a:r>
             <a:endParaRPr lang="en-US" altLang="ja-JP" dirty="0" smtClean="0"/>
           </a:p>
           <a:p>
-            <a:pPr lvl="1"/>
-            <a:r>
-              <a:rPr lang="ja-JP" altLang="en-US" dirty="0" smtClean="0"/>
-              <a:t>そもそもこのまま</a:t>
-            </a:r>
-            <a:r>
-              <a:rPr lang="en-US" altLang="ja-JP" dirty="0" err="1" smtClean="0"/>
-              <a:t>NMatrix</a:t>
-            </a:r>
-            <a:r>
-              <a:rPr lang="ja-JP" altLang="en-US" dirty="0" err="1" smtClean="0"/>
-              <a:t>で</a:t>
-            </a:r>
-            <a:r>
-              <a:rPr lang="ja-JP" altLang="en-US" dirty="0" smtClean="0"/>
-              <a:t>よいのか</a:t>
-            </a:r>
-            <a:endParaRPr lang="en-US" altLang="ja-JP" dirty="0" smtClean="0"/>
-          </a:p>
-          <a:p>
-            <a:r>
-              <a:rPr lang="en-US" altLang="ja-JP" dirty="0" err="1" smtClean="0"/>
-              <a:t>daru</a:t>
-            </a:r>
-            <a:endParaRPr lang="en-US" altLang="ja-JP" dirty="0" smtClean="0"/>
-          </a:p>
-          <a:p>
-            <a:pPr lvl="1"/>
-            <a:r>
-              <a:rPr lang="en-US" altLang="ja-JP" dirty="0" smtClean="0"/>
-              <a:t>GSL</a:t>
-            </a:r>
-            <a:r>
-              <a:rPr lang="ja-JP" altLang="en-US" dirty="0" smtClean="0"/>
-              <a:t>や</a:t>
-            </a:r>
-            <a:r>
-              <a:rPr lang="en-US" altLang="ja-JP" dirty="0" err="1" smtClean="0"/>
-              <a:t>NMatrix</a:t>
-            </a:r>
-            <a:r>
-              <a:rPr lang="ja-JP" altLang="en-US" dirty="0" smtClean="0"/>
-              <a:t>が利用できる</a:t>
-            </a:r>
-            <a:r>
-              <a:rPr lang="ja-JP" altLang="en-US" dirty="0" smtClean="0"/>
-              <a:t>場合</a:t>
-            </a:r>
-            <a:r>
-              <a:rPr lang="ja-JP" altLang="en-US" dirty="0" smtClean="0"/>
-              <a:t>も、明示的に指定が必要</a:t>
-            </a:r>
-            <a:endParaRPr lang="en-US" altLang="ja-JP" dirty="0" smtClean="0"/>
+            <a:r>
+              <a:rPr kumimoji="1" lang="ja-JP" altLang="en-US" dirty="0" smtClean="0"/>
+              <a:t>ドキュメントの不足</a:t>
+            </a:r>
+            <a:endParaRPr kumimoji="1" lang="en-US" altLang="ja-JP" dirty="0" smtClean="0"/>
+          </a:p>
+          <a:p>
+            <a:endParaRPr kumimoji="1" lang="ja-JP" altLang="en-US" dirty="0"/>
           </a:p>
         </p:txBody>
       </p:sp>
@@ -15355,7 +15488,7 @@
     </p:spTree>
     <p:extLst>
       <p:ext uri="{BB962C8B-B14F-4D97-AF65-F5344CB8AC3E}">
-        <p14:creationId xmlns:p14="http://schemas.microsoft.com/office/powerpoint/2010/main" val="2932370937"/>
+        <p14:creationId xmlns:p14="http://schemas.microsoft.com/office/powerpoint/2010/main" val="435299899"/>
       </p:ext>
     </p:extLst>
   </p:cSld>
@@ -15405,12 +15538,8 @@
           <a:lstStyle/>
           <a:p>
             <a:r>
-              <a:rPr lang="en-US" altLang="ja-JP" dirty="0" smtClean="0"/>
-              <a:t>DSL</a:t>
-            </a:r>
-            <a:r>
               <a:rPr lang="ja-JP" altLang="en-US" dirty="0" smtClean="0"/>
-              <a:t>の強化</a:t>
+              <a:t>機能追加・機能改善</a:t>
             </a:r>
             <a:endParaRPr kumimoji="1" lang="ja-JP" altLang="en-US" dirty="0"/>
           </a:p>
@@ -15440,37 +15569,56 @@
           <a:p>
             <a:pPr lvl="1"/>
             <a:r>
-              <a:rPr kumimoji="1" lang="en-US" altLang="ja-JP" dirty="0" smtClean="0"/>
-              <a:t>Daru::</a:t>
-            </a:r>
-            <a:r>
-              <a:rPr kumimoji="1" lang="en-US" altLang="ja-JP" dirty="0" err="1" smtClean="0"/>
-              <a:t>DataFrame#where</a:t>
+              <a:rPr kumimoji="1" lang="ja-JP" altLang="en-US" dirty="0" smtClean="0"/>
+              <a:t>欠損値の扱い</a:t>
             </a:r>
             <a:endParaRPr kumimoji="1" lang="en-US" altLang="ja-JP" dirty="0" smtClean="0"/>
           </a:p>
           <a:p>
-            <a:r>
-              <a:rPr lang="en-US" altLang="ja-JP" dirty="0" err="1" smtClean="0"/>
-              <a:t>SciRuby</a:t>
+            <a:pPr lvl="2"/>
+            <a:r>
+              <a:rPr lang="ja-JP" altLang="en-US" dirty="0" smtClean="0"/>
+              <a:t>チェックや穴埋め</a:t>
+            </a:r>
+            <a:endParaRPr kumimoji="1" lang="en-US" altLang="ja-JP" dirty="0" smtClean="0"/>
+          </a:p>
+          <a:p>
+            <a:pPr lvl="1"/>
+            <a:r>
+              <a:rPr lang="ja-JP" altLang="en-US" dirty="0" smtClean="0"/>
+              <a:t>時系列データの扱い</a:t>
             </a:r>
             <a:endParaRPr lang="en-US" altLang="ja-JP" dirty="0" smtClean="0"/>
           </a:p>
           <a:p>
+            <a:pPr lvl="2"/>
+            <a:r>
+              <a:rPr lang="ja-JP" altLang="en-US" dirty="0" smtClean="0"/>
+              <a:t>再サンプリング</a:t>
+            </a:r>
+            <a:endParaRPr lang="en-US" altLang="ja-JP" dirty="0" smtClean="0"/>
+          </a:p>
+          <a:p>
             <a:pPr lvl="1"/>
             <a:r>
               <a:rPr kumimoji="1" lang="ja-JP" altLang="en-US" dirty="0" smtClean="0"/>
-              <a:t>関数を</a:t>
-            </a:r>
-            <a:r>
-              <a:rPr kumimoji="1" lang="en-US" altLang="ja-JP" dirty="0" smtClean="0"/>
-              <a:t>Ruby</a:t>
+              <a:t>金融</a:t>
             </a:r>
             <a:r>
               <a:rPr kumimoji="1" lang="ja-JP" altLang="en-US" dirty="0" smtClean="0"/>
-              <a:t>の式で表現</a:t>
+              <a:t>関係の</a:t>
+            </a:r>
+            <a:r>
+              <a:rPr kumimoji="1" lang="ja-JP" altLang="en-US" dirty="0" smtClean="0"/>
+              <a:t>機能</a:t>
             </a:r>
             <a:endParaRPr kumimoji="1" lang="en-US" altLang="ja-JP" dirty="0" smtClean="0"/>
+          </a:p>
+          <a:p>
+            <a:pPr marL="0" indent="0">
+              <a:buNone/>
+            </a:pPr>
+            <a:endParaRPr kumimoji="1" lang="ja-JP" altLang="en-US" dirty="0"/>
           </a:p>
         </p:txBody>
       </p:sp>
@@ -15500,7 +15648,7 @@
     </p:spTree>
     <p:extLst>
       <p:ext uri="{BB962C8B-B14F-4D97-AF65-F5344CB8AC3E}">
-        <p14:creationId xmlns:p14="http://schemas.microsoft.com/office/powerpoint/2010/main" val="3539118332"/>
+        <p14:creationId xmlns:p14="http://schemas.microsoft.com/office/powerpoint/2010/main" val="565505173"/>
       </p:ext>
     </p:extLst>
   </p:cSld>
@@ -15550,12 +15698,8 @@
           <a:lstStyle/>
           <a:p>
             <a:r>
-              <a:rPr kumimoji="1" lang="en-US" altLang="ja-JP" dirty="0" smtClean="0"/>
-              <a:t>Refinements</a:t>
-            </a:r>
-            <a:r>
-              <a:rPr kumimoji="1" lang="ja-JP" altLang="en-US" dirty="0" smtClean="0"/>
-              <a:t>による拡張</a:t>
+              <a:rPr lang="ja-JP" altLang="en-US" dirty="0" smtClean="0"/>
+              <a:t>性能改善</a:t>
             </a:r>
             <a:endParaRPr kumimoji="1" lang="ja-JP" altLang="en-US" dirty="0"/>
           </a:p>
@@ -15576,10 +15720,78 @@
           <a:bodyPr/>
           <a:lstStyle/>
           <a:p>
-            <a:pPr marL="0" indent="0">
-              <a:buNone/>
-            </a:pPr>
-            <a:endParaRPr kumimoji="1" lang="en-US" altLang="ja-JP" dirty="0" smtClean="0"/>
+            <a:r>
+              <a:rPr lang="en-US" altLang="ja-JP" dirty="0" err="1" smtClean="0"/>
+              <a:t>NMatrix</a:t>
+            </a:r>
+            <a:endParaRPr lang="en-US" altLang="ja-JP" dirty="0" smtClean="0"/>
+          </a:p>
+          <a:p>
+            <a:pPr lvl="1"/>
+            <a:r>
+              <a:rPr lang="ja-JP" altLang="en-US" dirty="0" smtClean="0"/>
+              <a:t>遅い</a:t>
+            </a:r>
+            <a:endParaRPr lang="en-US" altLang="ja-JP" dirty="0" smtClean="0"/>
+          </a:p>
+          <a:p>
+            <a:pPr lvl="1"/>
+            <a:r>
+              <a:rPr lang="en-US" altLang="ja-JP" dirty="0" err="1" smtClean="0"/>
+              <a:t>NArray</a:t>
+            </a:r>
+            <a:r>
+              <a:rPr lang="ja-JP" altLang="en-US" dirty="0" smtClean="0"/>
+              <a:t>ベースで</a:t>
+            </a:r>
+            <a:r>
+              <a:rPr lang="en-US" altLang="ja-JP" dirty="0" err="1" smtClean="0"/>
+              <a:t>NMatrix</a:t>
+            </a:r>
+            <a:r>
+              <a:rPr lang="ja-JP" altLang="en-US" dirty="0" smtClean="0"/>
+              <a:t>互換ラッパーを作る</a:t>
+            </a:r>
+            <a:r>
+              <a:rPr lang="ja-JP" altLang="en-US" dirty="0"/>
+              <a:t>？</a:t>
+            </a:r>
+            <a:endParaRPr lang="en-US" altLang="ja-JP" dirty="0" smtClean="0"/>
+          </a:p>
+          <a:p>
+            <a:r>
+              <a:rPr lang="en-US" altLang="ja-JP" dirty="0" err="1" smtClean="0"/>
+              <a:t>daru</a:t>
+            </a:r>
+            <a:endParaRPr lang="en-US" altLang="ja-JP" dirty="0" smtClean="0"/>
+          </a:p>
+          <a:p>
+            <a:pPr lvl="1"/>
+            <a:r>
+              <a:rPr lang="en-US" altLang="ja-JP" dirty="0" smtClean="0"/>
+              <a:t>GSL</a:t>
+            </a:r>
+            <a:r>
+              <a:rPr lang="ja-JP" altLang="en-US" dirty="0" smtClean="0"/>
+              <a:t>や</a:t>
+            </a:r>
+            <a:r>
+              <a:rPr lang="en-US" altLang="ja-JP" dirty="0" err="1" smtClean="0"/>
+              <a:t>NMatrix</a:t>
+            </a:r>
+            <a:r>
+              <a:rPr lang="ja-JP" altLang="en-US" dirty="0" smtClean="0"/>
+              <a:t>が利用できる</a:t>
+            </a:r>
+            <a:r>
+              <a:rPr lang="ja-JP" altLang="en-US" dirty="0" smtClean="0"/>
+              <a:t>場合</a:t>
+            </a:r>
+            <a:r>
+              <a:rPr lang="ja-JP" altLang="en-US" dirty="0" smtClean="0"/>
+              <a:t>も、明示的に指定が必要</a:t>
+            </a:r>
+            <a:endParaRPr lang="en-US" altLang="ja-JP" dirty="0" smtClean="0"/>
           </a:p>
         </p:txBody>
       </p:sp>
@@ -15609,7 +15821,7 @@
     </p:spTree>
     <p:extLst>
       <p:ext uri="{BB962C8B-B14F-4D97-AF65-F5344CB8AC3E}">
-        <p14:creationId xmlns:p14="http://schemas.microsoft.com/office/powerpoint/2010/main" val="2460615494"/>
+        <p14:creationId xmlns:p14="http://schemas.microsoft.com/office/powerpoint/2010/main" val="2932370937"/>
       </p:ext>
     </p:extLst>
   </p:cSld>
@@ -15659,8 +15871,12 @@
           <a:lstStyle/>
           <a:p>
             <a:r>
-              <a:rPr kumimoji="1" lang="ja-JP" altLang="en-US" dirty="0" smtClean="0"/>
-              <a:t>デファクトスタンダード化</a:t>
+              <a:rPr lang="en-US" altLang="ja-JP" dirty="0" smtClean="0"/>
+              <a:t>DSL</a:t>
+            </a:r>
+            <a:r>
+              <a:rPr lang="ja-JP" altLang="en-US" dirty="0" smtClean="0"/>
+              <a:t>の強化</a:t>
             </a:r>
             <a:endParaRPr kumimoji="1" lang="ja-JP" altLang="en-US" dirty="0"/>
           </a:p>
@@ -15682,55 +15898,43 @@
           <a:lstStyle/>
           <a:p>
             <a:r>
-              <a:rPr lang="en-US" altLang="ja-JP" dirty="0" err="1" smtClean="0"/>
-              <a:t>NArray</a:t>
-            </a:r>
-            <a:r>
-              <a:rPr lang="ja-JP" altLang="en-US" dirty="0"/>
-              <a:t> </a:t>
-            </a:r>
-            <a:r>
-              <a:rPr lang="en-US" altLang="ja-JP" dirty="0" smtClean="0"/>
-              <a:t>or </a:t>
-            </a:r>
-            <a:r>
-              <a:rPr lang="en-US" altLang="ja-JP" dirty="0" err="1" smtClean="0"/>
-              <a:t>NMatrix</a:t>
-            </a:r>
-            <a:r>
-              <a:rPr lang="en-US" altLang="ja-JP" dirty="0" smtClean="0"/>
-              <a:t>?</a:t>
-            </a:r>
-            <a:endParaRPr lang="en-US" altLang="ja-JP" dirty="0"/>
-          </a:p>
-          <a:p>
-            <a:r>
               <a:rPr kumimoji="1" lang="en-US" altLang="ja-JP" dirty="0" err="1" smtClean="0"/>
               <a:t>daru</a:t>
             </a:r>
+            <a:endParaRPr kumimoji="1" lang="en-US" altLang="ja-JP" dirty="0" smtClean="0"/>
+          </a:p>
+          <a:p>
+            <a:pPr lvl="1"/>
+            <a:r>
+              <a:rPr kumimoji="1" lang="en-US" altLang="ja-JP" dirty="0" smtClean="0"/>
+              <a:t>Daru::</a:t>
+            </a:r>
+            <a:r>
+              <a:rPr kumimoji="1" lang="en-US" altLang="ja-JP" dirty="0" err="1" smtClean="0"/>
+              <a:t>DataFrame#where</a:t>
+            </a:r>
+            <a:endParaRPr kumimoji="1" lang="en-US" altLang="ja-JP" dirty="0" smtClean="0"/>
+          </a:p>
+          <a:p>
+            <a:r>
+              <a:rPr lang="en-US" altLang="ja-JP" dirty="0" err="1" smtClean="0"/>
+              <a:t>SciRuby</a:t>
+            </a:r>
+            <a:endParaRPr lang="en-US" altLang="ja-JP" dirty="0" smtClean="0"/>
+          </a:p>
+          <a:p>
+            <a:pPr lvl="1"/>
             <a:r>
               <a:rPr kumimoji="1" lang="ja-JP" altLang="en-US" dirty="0" smtClean="0"/>
-              <a:t>は</a:t>
-            </a:r>
-            <a:r>
-              <a:rPr kumimoji="1" lang="en-US" altLang="ja-JP" dirty="0" err="1" smtClean="0"/>
-              <a:t>Nyaplot</a:t>
+              <a:t>関数を</a:t>
+            </a:r>
+            <a:r>
+              <a:rPr kumimoji="1" lang="en-US" altLang="ja-JP" dirty="0" smtClean="0"/>
+              <a:t>Ruby</a:t>
             </a:r>
             <a:r>
               <a:rPr kumimoji="1" lang="ja-JP" altLang="en-US" dirty="0" smtClean="0"/>
-              <a:t>を使用しているが、</a:t>
-            </a:r>
-            <a:r>
-              <a:rPr kumimoji="1" lang="en-US" altLang="ja-JP" dirty="0" err="1" smtClean="0"/>
-              <a:t>statsample</a:t>
-            </a:r>
-            <a:r>
-              <a:rPr kumimoji="1" lang="ja-JP" altLang="en-US" dirty="0" smtClean="0"/>
-              <a:t>などは使用して</a:t>
-            </a:r>
-            <a:r>
-              <a:rPr kumimoji="1" lang="ja-JP" altLang="en-US" dirty="0" smtClean="0"/>
-              <a:t>いないなど、ライブラリによって使うものが違う</a:t>
+              <a:t>の式で表現</a:t>
             </a:r>
             <a:endParaRPr kumimoji="1" lang="en-US" altLang="ja-JP" dirty="0" smtClean="0"/>
           </a:p>
@@ -15762,7 +15966,7 @@
     </p:spTree>
     <p:extLst>
       <p:ext uri="{BB962C8B-B14F-4D97-AF65-F5344CB8AC3E}">
-        <p14:creationId xmlns:p14="http://schemas.microsoft.com/office/powerpoint/2010/main" val="3583640956"/>
+        <p14:creationId xmlns:p14="http://schemas.microsoft.com/office/powerpoint/2010/main" val="3539118332"/>
       </p:ext>
     </p:extLst>
   </p:cSld>
@@ -15993,7 +16197,11 @@
           <a:p>
             <a:r>
               <a:rPr kumimoji="1" lang="en-US" altLang="ja-JP" dirty="0" smtClean="0"/>
-              <a:t>References</a:t>
+              <a:t>Refinements</a:t>
+            </a:r>
+            <a:r>
+              <a:rPr kumimoji="1" lang="ja-JP" altLang="en-US" dirty="0" smtClean="0"/>
+              <a:t>による拡張</a:t>
             </a:r>
             <a:endParaRPr kumimoji="1" lang="ja-JP" altLang="en-US" dirty="0"/>
           </a:p>
@@ -16011,181 +16219,13 @@
         </p:nvSpPr>
         <p:spPr/>
         <p:txBody>
-          <a:bodyPr>
-            <a:normAutofit lnSpcReduction="10000"/>
-          </a:bodyPr>
+          <a:bodyPr/>
           <a:lstStyle/>
           <a:p>
-            <a:r>
-              <a:rPr lang="ja-JP" altLang="en-US" dirty="0" smtClean="0"/>
-              <a:t>ジェイムズ・オーウェン・ウェザーオール</a:t>
-            </a:r>
-            <a:r>
-              <a:rPr lang="en-US" altLang="ja-JP" dirty="0" smtClean="0"/>
-              <a:t>, </a:t>
-            </a:r>
-            <a:r>
-              <a:rPr lang="ja-JP" altLang="en-US" i="1" dirty="0" smtClean="0"/>
-              <a:t>ウォール街の物理学者</a:t>
-            </a:r>
-            <a:r>
-              <a:rPr lang="en-US" altLang="ja-JP" dirty="0" smtClean="0"/>
-              <a:t>,</a:t>
-            </a:r>
-            <a:r>
-              <a:rPr lang="en-US" altLang="ja-JP" i="1" dirty="0" smtClean="0"/>
-              <a:t> </a:t>
-            </a:r>
-            <a:r>
-              <a:rPr lang="ja-JP" altLang="en-US" dirty="0" smtClean="0"/>
-              <a:t>早川書房</a:t>
-            </a:r>
-            <a:r>
-              <a:rPr lang="en-US" altLang="ja-JP" dirty="0" smtClean="0"/>
-              <a:t>, 2015</a:t>
-            </a:r>
-          </a:p>
-          <a:p>
-            <a:r>
-              <a:rPr lang="en-US" altLang="ja-JP" dirty="0"/>
-              <a:t>M. F. M. Osborne, </a:t>
-            </a:r>
-            <a:r>
-              <a:rPr lang="en-US" altLang="ja-JP" i="1" dirty="0"/>
-              <a:t>Brownian Motion in the Stock Market</a:t>
-            </a:r>
-            <a:r>
-              <a:rPr lang="en-US" altLang="ja-JP" dirty="0"/>
-              <a:t>, </a:t>
-            </a:r>
-            <a:br>
-              <a:rPr lang="en-US" altLang="ja-JP" dirty="0"/>
-            </a:br>
-            <a:r>
-              <a:rPr lang="en-US" altLang="ja-JP" dirty="0"/>
-              <a:t>Operations Research, </a:t>
-            </a:r>
-            <a:r>
-              <a:rPr lang="en-US" altLang="ja-JP" dirty="0" smtClean="0"/>
-              <a:t>1959</a:t>
-            </a:r>
-          </a:p>
-          <a:p>
-            <a:r>
-              <a:rPr lang="en-US" altLang="ja-JP" dirty="0"/>
-              <a:t>Benoit Mandelbrot,</a:t>
-            </a:r>
-            <a:r>
-              <a:rPr lang="ja-JP" altLang="en-US" dirty="0"/>
-              <a:t> </a:t>
-            </a:r>
-            <a:r>
-              <a:rPr lang="en-US" altLang="ja-JP" i="1" dirty="0"/>
-              <a:t>The Variation of Certain Speculative Prices</a:t>
-            </a:r>
-            <a:r>
-              <a:rPr lang="en-US" altLang="ja-JP" dirty="0"/>
-              <a:t>, </a:t>
-            </a:r>
-            <a:r>
-              <a:rPr lang="en-US" altLang="ja-JP" dirty="0" err="1"/>
-              <a:t>Jounal</a:t>
-            </a:r>
-            <a:r>
-              <a:rPr lang="en-US" altLang="ja-JP" dirty="0"/>
-              <a:t> of Business, 1963</a:t>
-            </a:r>
-          </a:p>
-          <a:p>
-            <a:r>
-              <a:rPr lang="en-US" altLang="ja-JP" dirty="0"/>
-              <a:t>Benoit Mandelbrot, </a:t>
-            </a:r>
-            <a:r>
-              <a:rPr lang="en-US" altLang="ja-JP" i="1" dirty="0"/>
-              <a:t>The Variation of Other Speculative Prices</a:t>
-            </a:r>
-            <a:r>
-              <a:rPr lang="en-US" altLang="ja-JP" dirty="0"/>
-              <a:t>, </a:t>
-            </a:r>
-            <a:r>
-              <a:rPr lang="en-US" altLang="ja-JP" dirty="0" err="1"/>
-              <a:t>Jounal</a:t>
-            </a:r>
-            <a:r>
-              <a:rPr lang="en-US" altLang="ja-JP" dirty="0"/>
-              <a:t> of Business, </a:t>
-            </a:r>
-            <a:r>
-              <a:rPr lang="en-US" altLang="ja-JP" dirty="0" smtClean="0"/>
-              <a:t>1967</a:t>
-            </a:r>
-          </a:p>
-          <a:p>
-            <a:r>
-              <a:rPr lang="ja-JP" altLang="en-US" dirty="0" smtClean="0"/>
-              <a:t>平岡和幸・堀玄</a:t>
-            </a:r>
-            <a:r>
-              <a:rPr lang="en-US" altLang="ja-JP" dirty="0" smtClean="0"/>
-              <a:t>, </a:t>
-            </a:r>
-            <a:r>
-              <a:rPr lang="ja-JP" altLang="en-US" i="1" dirty="0" smtClean="0"/>
-              <a:t>プログラミングのための確率統計</a:t>
-            </a:r>
-            <a:r>
-              <a:rPr lang="en-US" altLang="ja-JP" i="1" dirty="0" smtClean="0"/>
-              <a:t>, </a:t>
-            </a:r>
-            <a:r>
-              <a:rPr lang="ja-JP" altLang="en-US" dirty="0" smtClean="0"/>
-              <a:t>オーム社</a:t>
-            </a:r>
-            <a:r>
-              <a:rPr lang="en-US" altLang="ja-JP" dirty="0" smtClean="0"/>
-              <a:t>, 2009</a:t>
-            </a:r>
-          </a:p>
-          <a:p>
-            <a:r>
-              <a:rPr lang="en-US" altLang="ja-JP" dirty="0" smtClean="0"/>
-              <a:t>Wes </a:t>
-            </a:r>
-            <a:r>
-              <a:rPr lang="en-US" altLang="ja-JP" dirty="0" err="1" smtClean="0"/>
-              <a:t>McKinnery</a:t>
-            </a:r>
-            <a:r>
-              <a:rPr lang="en-US" altLang="ja-JP" dirty="0" smtClean="0"/>
-              <a:t>, </a:t>
-            </a:r>
-            <a:r>
-              <a:rPr lang="en-US" altLang="ja-JP" i="1" dirty="0" smtClean="0"/>
-              <a:t>Python</a:t>
-            </a:r>
-            <a:r>
-              <a:rPr lang="ja-JP" altLang="en-US" i="1" dirty="0" smtClean="0"/>
-              <a:t>によるデータ分析入門</a:t>
-            </a:r>
-            <a:r>
-              <a:rPr lang="en-US" altLang="ja-JP" i="1" dirty="0" smtClean="0"/>
-              <a:t>, </a:t>
-            </a:r>
-            <a:r>
-              <a:rPr lang="ja-JP" altLang="en-US" dirty="0" smtClean="0"/>
-              <a:t>オライリー</a:t>
-            </a:r>
-            <a:r>
-              <a:rPr lang="ja-JP" altLang="en-US" dirty="0"/>
-              <a:t>・ジャパン</a:t>
-            </a:r>
-            <a:r>
-              <a:rPr lang="en-US" altLang="ja-JP" dirty="0" smtClean="0"/>
-              <a:t>, 2013</a:t>
-            </a:r>
-            <a:endParaRPr lang="en-US" altLang="ja-JP" dirty="0"/>
+            <a:pPr marL="0" indent="0">
+              <a:buNone/>
+            </a:pPr>
+            <a:endParaRPr kumimoji="1" lang="en-US" altLang="ja-JP" dirty="0" smtClean="0"/>
           </a:p>
         </p:txBody>
       </p:sp>
@@ -16207,6 +16247,432 @@
             <a:fld id="{D2D8002D-B5B0-4BAC-B1F6-782DDCCE6D9C}" type="slidenum">
               <a:rPr kumimoji="1" lang="ja-JP" altLang="en-US" smtClean="0"/>
               <a:t>39</a:t>
+            </a:fld>
+            <a:endParaRPr kumimoji="1" lang="ja-JP" altLang="en-US" dirty="0"/>
+          </a:p>
+        </p:txBody>
+      </p:sp>
+    </p:spTree>
+    <p:extLst>
+      <p:ext uri="{BB962C8B-B14F-4D97-AF65-F5344CB8AC3E}">
+        <p14:creationId xmlns:p14="http://schemas.microsoft.com/office/powerpoint/2010/main" val="2460615494"/>
+      </p:ext>
+    </p:extLst>
+  </p:cSld>
+  <p:clrMapOvr>
+    <a:masterClrMapping/>
+  </p:clrMapOvr>
+  <p:timing>
+    <p:tnLst>
+      <p:par>
+        <p:cTn id="1" dur="indefinite" restart="never" nodeType="tmRoot"/>
+      </p:par>
+    </p:tnLst>
+  </p:timing>
+</p:sld>
+</file>
+
+<file path=ppt/slides/slide41.xml><?xml version="1.0" encoding="utf-8"?>
+<p:sld xmlns:a="http://schemas.openxmlformats.org/drawingml/2006/main" xmlns:r="http://schemas.openxmlformats.org/officeDocument/2006/relationships" xmlns:p="http://schemas.openxmlformats.org/presentationml/2006/main">
+  <p:cSld>
+    <p:spTree>
+      <p:nvGrpSpPr>
+        <p:cNvPr id="1" name=""/>
+        <p:cNvGrpSpPr/>
+        <p:nvPr/>
+      </p:nvGrpSpPr>
+      <p:grpSpPr>
+        <a:xfrm>
+          <a:off x="0" y="0"/>
+          <a:ext cx="0" cy="0"/>
+          <a:chOff x="0" y="0"/>
+          <a:chExt cx="0" cy="0"/>
+        </a:xfrm>
+      </p:grpSpPr>
+      <p:sp>
+        <p:nvSpPr>
+          <p:cNvPr id="2" name="タイトル 1"/>
+          <p:cNvSpPr>
+            <a:spLocks noGrp="1"/>
+          </p:cNvSpPr>
+          <p:nvPr>
+            <p:ph type="title"/>
+          </p:nvPr>
+        </p:nvSpPr>
+        <p:spPr/>
+        <p:txBody>
+          <a:bodyPr/>
+          <a:lstStyle/>
+          <a:p>
+            <a:r>
+              <a:rPr kumimoji="1" lang="ja-JP" altLang="en-US" dirty="0" smtClean="0"/>
+              <a:t>デファクトスタンダード化</a:t>
+            </a:r>
+            <a:endParaRPr kumimoji="1" lang="ja-JP" altLang="en-US" dirty="0"/>
+          </a:p>
+        </p:txBody>
+      </p:sp>
+      <p:sp>
+        <p:nvSpPr>
+          <p:cNvPr id="6" name="コンテンツ プレースホルダー 5"/>
+          <p:cNvSpPr>
+            <a:spLocks noGrp="1"/>
+          </p:cNvSpPr>
+          <p:nvPr>
+            <p:ph idx="1"/>
+          </p:nvPr>
+        </p:nvSpPr>
+        <p:spPr/>
+        <p:txBody>
+          <a:bodyPr/>
+          <a:lstStyle/>
+          <a:p>
+            <a:r>
+              <a:rPr lang="en-US" altLang="ja-JP" dirty="0" err="1" smtClean="0"/>
+              <a:t>NArray</a:t>
+            </a:r>
+            <a:r>
+              <a:rPr lang="ja-JP" altLang="en-US" dirty="0"/>
+              <a:t> </a:t>
+            </a:r>
+            <a:r>
+              <a:rPr lang="en-US" altLang="ja-JP" dirty="0" smtClean="0"/>
+              <a:t>or </a:t>
+            </a:r>
+            <a:r>
+              <a:rPr lang="en-US" altLang="ja-JP" dirty="0" err="1" smtClean="0"/>
+              <a:t>NMatrix</a:t>
+            </a:r>
+            <a:r>
+              <a:rPr lang="en-US" altLang="ja-JP" dirty="0" smtClean="0"/>
+              <a:t>?</a:t>
+            </a:r>
+            <a:endParaRPr lang="en-US" altLang="ja-JP" dirty="0"/>
+          </a:p>
+          <a:p>
+            <a:r>
+              <a:rPr kumimoji="1" lang="en-US" altLang="ja-JP" dirty="0" err="1" smtClean="0"/>
+              <a:t>daru</a:t>
+            </a:r>
+            <a:r>
+              <a:rPr kumimoji="1" lang="ja-JP" altLang="en-US" dirty="0" smtClean="0"/>
+              <a:t>は</a:t>
+            </a:r>
+            <a:r>
+              <a:rPr kumimoji="1" lang="en-US" altLang="ja-JP" dirty="0" err="1" smtClean="0"/>
+              <a:t>Nyaplot</a:t>
+            </a:r>
+            <a:r>
+              <a:rPr kumimoji="1" lang="ja-JP" altLang="en-US" dirty="0" smtClean="0"/>
+              <a:t>を使用しているが、</a:t>
+            </a:r>
+            <a:r>
+              <a:rPr kumimoji="1" lang="en-US" altLang="ja-JP" dirty="0" err="1" smtClean="0"/>
+              <a:t>statsample</a:t>
+            </a:r>
+            <a:r>
+              <a:rPr kumimoji="1" lang="ja-JP" altLang="en-US" dirty="0" smtClean="0"/>
+              <a:t>などは使用して</a:t>
+            </a:r>
+            <a:r>
+              <a:rPr kumimoji="1" lang="ja-JP" altLang="en-US" dirty="0" smtClean="0"/>
+              <a:t>いないなど、ライブラリによって使うものが違う</a:t>
+            </a:r>
+            <a:endParaRPr kumimoji="1" lang="en-US" altLang="ja-JP" dirty="0" smtClean="0"/>
+          </a:p>
+        </p:txBody>
+      </p:sp>
+      <p:sp>
+        <p:nvSpPr>
+          <p:cNvPr id="4" name="スライド番号プレースホルダー 3"/>
+          <p:cNvSpPr>
+            <a:spLocks noGrp="1"/>
+          </p:cNvSpPr>
+          <p:nvPr>
+            <p:ph type="sldNum" sz="quarter" idx="12"/>
+          </p:nvPr>
+        </p:nvSpPr>
+        <p:spPr/>
+        <p:txBody>
+          <a:bodyPr/>
+          <a:lstStyle/>
+          <a:p>
+            <a:fld id="{D2D8002D-B5B0-4BAC-B1F6-782DDCCE6D9C}" type="slidenum">
+              <a:rPr kumimoji="1" lang="ja-JP" altLang="en-US" smtClean="0"/>
+              <a:t>40</a:t>
+            </a:fld>
+            <a:endParaRPr kumimoji="1" lang="ja-JP" altLang="en-US" dirty="0"/>
+          </a:p>
+        </p:txBody>
+      </p:sp>
+    </p:spTree>
+    <p:extLst>
+      <p:ext uri="{BB962C8B-B14F-4D97-AF65-F5344CB8AC3E}">
+        <p14:creationId xmlns:p14="http://schemas.microsoft.com/office/powerpoint/2010/main" val="3583640956"/>
+      </p:ext>
+    </p:extLst>
+  </p:cSld>
+  <p:clrMapOvr>
+    <a:masterClrMapping/>
+  </p:clrMapOvr>
+  <p:timing>
+    <p:tnLst>
+      <p:par>
+        <p:cTn id="1" dur="indefinite" restart="never" nodeType="tmRoot"/>
+      </p:par>
+    </p:tnLst>
+  </p:timing>
+</p:sld>
+</file>
+
+<file path=ppt/slides/slide42.xml><?xml version="1.0" encoding="utf-8"?>
+<p:sld xmlns:a="http://schemas.openxmlformats.org/drawingml/2006/main" xmlns:r="http://schemas.openxmlformats.org/officeDocument/2006/relationships" xmlns:p="http://schemas.openxmlformats.org/presentationml/2006/main">
+  <p:cSld>
+    <p:spTree>
+      <p:nvGrpSpPr>
+        <p:cNvPr id="1" name=""/>
+        <p:cNvGrpSpPr/>
+        <p:nvPr/>
+      </p:nvGrpSpPr>
+      <p:grpSpPr>
+        <a:xfrm>
+          <a:off x="0" y="0"/>
+          <a:ext cx="0" cy="0"/>
+          <a:chOff x="0" y="0"/>
+          <a:chExt cx="0" cy="0"/>
+        </a:xfrm>
+      </p:grpSpPr>
+      <p:sp>
+        <p:nvSpPr>
+          <p:cNvPr id="2" name="タイトル 1"/>
+          <p:cNvSpPr>
+            <a:spLocks noGrp="1"/>
+          </p:cNvSpPr>
+          <p:nvPr>
+            <p:ph type="title"/>
+          </p:nvPr>
+        </p:nvSpPr>
+        <p:spPr/>
+        <p:txBody>
+          <a:bodyPr/>
+          <a:lstStyle/>
+          <a:p>
+            <a:r>
+              <a:rPr kumimoji="1" lang="en-US" altLang="ja-JP" dirty="0" smtClean="0"/>
+              <a:t>References</a:t>
+            </a:r>
+            <a:endParaRPr kumimoji="1" lang="ja-JP" altLang="en-US" dirty="0"/>
+          </a:p>
+        </p:txBody>
+      </p:sp>
+      <p:sp>
+        <p:nvSpPr>
+          <p:cNvPr id="6" name="コンテンツ プレースホルダー 5"/>
+          <p:cNvSpPr>
+            <a:spLocks noGrp="1"/>
+          </p:cNvSpPr>
+          <p:nvPr>
+            <p:ph idx="1"/>
+          </p:nvPr>
+        </p:nvSpPr>
+        <p:spPr/>
+        <p:txBody>
+          <a:bodyPr>
+            <a:normAutofit lnSpcReduction="10000"/>
+          </a:bodyPr>
+          <a:lstStyle/>
+          <a:p>
+            <a:r>
+              <a:rPr lang="ja-JP" altLang="en-US" dirty="0" smtClean="0"/>
+              <a:t>ジェイムズ・オーウェン・ウェザーオール</a:t>
+            </a:r>
+            <a:r>
+              <a:rPr lang="en-US" altLang="ja-JP" dirty="0" smtClean="0"/>
+              <a:t>, </a:t>
+            </a:r>
+            <a:r>
+              <a:rPr lang="ja-JP" altLang="en-US" i="1" dirty="0" smtClean="0"/>
+              <a:t>ウォール街の物理学者</a:t>
+            </a:r>
+            <a:r>
+              <a:rPr lang="en-US" altLang="ja-JP" dirty="0" smtClean="0"/>
+              <a:t>,</a:t>
+            </a:r>
+            <a:r>
+              <a:rPr lang="en-US" altLang="ja-JP" i="1" dirty="0" smtClean="0"/>
+              <a:t> </a:t>
+            </a:r>
+            <a:r>
+              <a:rPr lang="ja-JP" altLang="en-US" dirty="0" smtClean="0"/>
+              <a:t>早川書房</a:t>
+            </a:r>
+            <a:r>
+              <a:rPr lang="en-US" altLang="ja-JP" dirty="0" smtClean="0"/>
+              <a:t>, 2015</a:t>
+            </a:r>
+          </a:p>
+          <a:p>
+            <a:r>
+              <a:rPr lang="en-US" altLang="ja-JP" dirty="0"/>
+              <a:t>M. F. M. Osborne, </a:t>
+            </a:r>
+            <a:r>
+              <a:rPr lang="en-US" altLang="ja-JP" i="1" dirty="0"/>
+              <a:t>Brownian Motion in the Stock Market</a:t>
+            </a:r>
+            <a:r>
+              <a:rPr lang="en-US" altLang="ja-JP" dirty="0"/>
+              <a:t>, </a:t>
+            </a:r>
+            <a:br>
+              <a:rPr lang="en-US" altLang="ja-JP" dirty="0"/>
+            </a:br>
+            <a:r>
+              <a:rPr lang="en-US" altLang="ja-JP" dirty="0"/>
+              <a:t>Operations Research, </a:t>
+            </a:r>
+            <a:r>
+              <a:rPr lang="en-US" altLang="ja-JP" dirty="0" smtClean="0"/>
+              <a:t>1959</a:t>
+            </a:r>
+          </a:p>
+          <a:p>
+            <a:r>
+              <a:rPr lang="en-US" altLang="ja-JP" dirty="0"/>
+              <a:t>Benoit Mandelbrot,</a:t>
+            </a:r>
+            <a:r>
+              <a:rPr lang="ja-JP" altLang="en-US" dirty="0"/>
+              <a:t> </a:t>
+            </a:r>
+            <a:r>
+              <a:rPr lang="en-US" altLang="ja-JP" i="1" dirty="0"/>
+              <a:t>The Variation of Certain Speculative Prices</a:t>
+            </a:r>
+            <a:r>
+              <a:rPr lang="en-US" altLang="ja-JP" dirty="0"/>
+              <a:t>, </a:t>
+            </a:r>
+            <a:r>
+              <a:rPr lang="en-US" altLang="ja-JP" dirty="0" err="1"/>
+              <a:t>Jounal</a:t>
+            </a:r>
+            <a:r>
+              <a:rPr lang="en-US" altLang="ja-JP" dirty="0"/>
+              <a:t> of Business, 1963</a:t>
+            </a:r>
+          </a:p>
+          <a:p>
+            <a:r>
+              <a:rPr lang="en-US" altLang="ja-JP" dirty="0"/>
+              <a:t>Benoit Mandelbrot, </a:t>
+            </a:r>
+            <a:r>
+              <a:rPr lang="en-US" altLang="ja-JP" i="1" dirty="0"/>
+              <a:t>The Variation of Other Speculative Prices</a:t>
+            </a:r>
+            <a:r>
+              <a:rPr lang="en-US" altLang="ja-JP" dirty="0"/>
+              <a:t>, </a:t>
+            </a:r>
+            <a:r>
+              <a:rPr lang="en-US" altLang="ja-JP" dirty="0" err="1"/>
+              <a:t>Jounal</a:t>
+            </a:r>
+            <a:r>
+              <a:rPr lang="en-US" altLang="ja-JP" dirty="0"/>
+              <a:t> of Business, </a:t>
+            </a:r>
+            <a:r>
+              <a:rPr lang="en-US" altLang="ja-JP" dirty="0" smtClean="0"/>
+              <a:t>1967</a:t>
+            </a:r>
+          </a:p>
+          <a:p>
+            <a:r>
+              <a:rPr lang="ja-JP" altLang="en-US" dirty="0" smtClean="0"/>
+              <a:t>平岡和幸・堀玄</a:t>
+            </a:r>
+            <a:r>
+              <a:rPr lang="en-US" altLang="ja-JP" dirty="0" smtClean="0"/>
+              <a:t>, </a:t>
+            </a:r>
+            <a:r>
+              <a:rPr lang="ja-JP" altLang="en-US" i="1" dirty="0" smtClean="0"/>
+              <a:t>プログラミングのための確率統計</a:t>
+            </a:r>
+            <a:r>
+              <a:rPr lang="en-US" altLang="ja-JP" i="1" dirty="0" smtClean="0"/>
+              <a:t>, </a:t>
+            </a:r>
+            <a:r>
+              <a:rPr lang="ja-JP" altLang="en-US" dirty="0" smtClean="0"/>
+              <a:t>オーム社</a:t>
+            </a:r>
+            <a:r>
+              <a:rPr lang="en-US" altLang="ja-JP" dirty="0" smtClean="0"/>
+              <a:t>, 2009</a:t>
+            </a:r>
+          </a:p>
+          <a:p>
+            <a:r>
+              <a:rPr lang="en-US" altLang="ja-JP" dirty="0" smtClean="0"/>
+              <a:t>Wes </a:t>
+            </a:r>
+            <a:r>
+              <a:rPr lang="en-US" altLang="ja-JP" dirty="0" err="1" smtClean="0"/>
+              <a:t>McKinnery</a:t>
+            </a:r>
+            <a:r>
+              <a:rPr lang="en-US" altLang="ja-JP" dirty="0" smtClean="0"/>
+              <a:t>, </a:t>
+            </a:r>
+            <a:r>
+              <a:rPr lang="en-US" altLang="ja-JP" i="1" dirty="0" smtClean="0"/>
+              <a:t>Python</a:t>
+            </a:r>
+            <a:r>
+              <a:rPr lang="ja-JP" altLang="en-US" i="1" dirty="0" smtClean="0"/>
+              <a:t>によるデータ分析入門</a:t>
+            </a:r>
+            <a:r>
+              <a:rPr lang="en-US" altLang="ja-JP" i="1" dirty="0" smtClean="0"/>
+              <a:t>, </a:t>
+            </a:r>
+            <a:r>
+              <a:rPr lang="ja-JP" altLang="en-US" dirty="0" smtClean="0"/>
+              <a:t>オライリー</a:t>
+            </a:r>
+            <a:r>
+              <a:rPr lang="ja-JP" altLang="en-US" dirty="0"/>
+              <a:t>・ジャパン</a:t>
+            </a:r>
+            <a:r>
+              <a:rPr lang="en-US" altLang="ja-JP" dirty="0" smtClean="0"/>
+              <a:t>, 2013</a:t>
+            </a:r>
+            <a:endParaRPr lang="en-US" altLang="ja-JP" dirty="0"/>
+          </a:p>
+        </p:txBody>
+      </p:sp>
+      <p:sp>
+        <p:nvSpPr>
+          <p:cNvPr id="4" name="スライド番号プレースホルダー 3"/>
+          <p:cNvSpPr>
+            <a:spLocks noGrp="1"/>
+          </p:cNvSpPr>
+          <p:nvPr>
+            <p:ph type="sldNum" sz="quarter" idx="12"/>
+          </p:nvPr>
+        </p:nvSpPr>
+        <p:spPr/>
+        <p:txBody>
+          <a:bodyPr/>
+          <a:lstStyle/>
+          <a:p>
+            <a:fld id="{D2D8002D-B5B0-4BAC-B1F6-782DDCCE6D9C}" type="slidenum">
+              <a:rPr kumimoji="1" lang="ja-JP" altLang="en-US" smtClean="0"/>
+              <a:t>41</a:t>
             </a:fld>
             <a:endParaRPr kumimoji="1" lang="ja-JP" altLang="en-US" dirty="0"/>
           </a:p>

--- a/ruby_data_analysis.pptx
+++ b/ruby_data_analysis.pptx
@@ -5,7 +5,7 @@
     <p:sldMasterId id="2147483720" r:id="rId1"/>
   </p:sldMasterIdLst>
   <p:notesMasterIdLst>
-    <p:notesMasterId r:id="rId44"/>
+    <p:notesMasterId r:id="rId43"/>
   </p:notesMasterIdLst>
   <p:sldIdLst>
     <p:sldId id="256" r:id="rId2"/>
@@ -33,23 +33,22 @@
     <p:sldId id="316" r:id="rId24"/>
     <p:sldId id="322" r:id="rId25"/>
     <p:sldId id="347" r:id="rId26"/>
-    <p:sldId id="353" r:id="rId27"/>
-    <p:sldId id="317" r:id="rId28"/>
-    <p:sldId id="354" r:id="rId29"/>
-    <p:sldId id="323" r:id="rId30"/>
-    <p:sldId id="324" r:id="rId31"/>
-    <p:sldId id="350" r:id="rId32"/>
-    <p:sldId id="325" r:id="rId33"/>
-    <p:sldId id="352" r:id="rId34"/>
-    <p:sldId id="327" r:id="rId35"/>
-    <p:sldId id="326" r:id="rId36"/>
-    <p:sldId id="349" r:id="rId37"/>
-    <p:sldId id="341" r:id="rId38"/>
-    <p:sldId id="343" r:id="rId39"/>
-    <p:sldId id="329" r:id="rId40"/>
-    <p:sldId id="346" r:id="rId41"/>
-    <p:sldId id="330" r:id="rId42"/>
-    <p:sldId id="338" r:id="rId43"/>
+    <p:sldId id="354" r:id="rId27"/>
+    <p:sldId id="323" r:id="rId28"/>
+    <p:sldId id="324" r:id="rId29"/>
+    <p:sldId id="350" r:id="rId30"/>
+    <p:sldId id="325" r:id="rId31"/>
+    <p:sldId id="352" r:id="rId32"/>
+    <p:sldId id="327" r:id="rId33"/>
+    <p:sldId id="326" r:id="rId34"/>
+    <p:sldId id="349" r:id="rId35"/>
+    <p:sldId id="341" r:id="rId36"/>
+    <p:sldId id="343" r:id="rId37"/>
+    <p:sldId id="356" r:id="rId38"/>
+    <p:sldId id="329" r:id="rId39"/>
+    <p:sldId id="346" r:id="rId40"/>
+    <p:sldId id="330" r:id="rId41"/>
+    <p:sldId id="338" r:id="rId42"/>
   </p:sldIdLst>
   <p:sldSz cx="9144000" cy="6858000" type="screen4x3"/>
   <p:notesSz cx="6858000" cy="9144000"/>
@@ -5612,7 +5611,7 @@
       </p:sp>
       <p:pic>
         <p:nvPicPr>
-          <p:cNvPr id="7" name="図 6"/>
+          <p:cNvPr id="5" name="図 4"/>
           <p:cNvPicPr>
             <a:picLocks noChangeAspect="1"/>
           </p:cNvPicPr>
@@ -5632,8 +5631,8 @@
         </p:blipFill>
         <p:spPr>
           <a:xfrm>
-            <a:off x="4191058" y="1705315"/>
-            <a:ext cx="4142017" cy="2958584"/>
+            <a:off x="4211960" y="1752600"/>
+            <a:ext cx="4558590" cy="3030463"/>
           </a:xfrm>
           <a:prstGeom prst="rect">
             <a:avLst/>
@@ -13021,10 +13020,9 @@
             <a:endParaRPr lang="en-US" altLang="ja-JP" dirty="0" smtClean="0"/>
           </a:p>
           <a:p>
-            <a:r>
-              <a:rPr lang="ja-JP" altLang="en-US" dirty="0" smtClean="0"/>
-              <a:t>遅い</a:t>
-            </a:r>
+            <a:pPr marL="0" indent="0">
+              <a:buNone/>
+            </a:pPr>
             <a:endParaRPr lang="en-US" altLang="ja-JP" dirty="0" smtClean="0"/>
           </a:p>
         </p:txBody>
@@ -13105,10 +13103,82 @@
           <a:lstStyle/>
           <a:p>
             <a:r>
-              <a:rPr lang="ja-JP" altLang="en-US" dirty="0"/>
-              <a:t>ベンチマーク</a:t>
+              <a:rPr lang="en-US" altLang="ja-JP" dirty="0" err="1" smtClean="0"/>
+              <a:t>daru</a:t>
             </a:r>
             <a:endParaRPr kumimoji="1" lang="ja-JP" altLang="en-US" dirty="0"/>
+          </a:p>
+        </p:txBody>
+      </p:sp>
+      <p:sp>
+        <p:nvSpPr>
+          <p:cNvPr id="3" name="コンテンツ プレースホルダー 2"/>
+          <p:cNvSpPr>
+            <a:spLocks noGrp="1"/>
+          </p:cNvSpPr>
+          <p:nvPr>
+            <p:ph idx="1"/>
+          </p:nvPr>
+        </p:nvSpPr>
+        <p:spPr/>
+        <p:txBody>
+          <a:bodyPr/>
+          <a:lstStyle/>
+          <a:p>
+            <a:r>
+              <a:rPr kumimoji="1" lang="en-US" altLang="ja-JP" dirty="0" smtClean="0"/>
+              <a:t>Data Analysis in </a:t>
+            </a:r>
+            <a:r>
+              <a:rPr kumimoji="1" lang="en-US" altLang="ja-JP" dirty="0" err="1" smtClean="0"/>
+              <a:t>RUby</a:t>
+            </a:r>
+            <a:endParaRPr kumimoji="1" lang="en-US" altLang="ja-JP" dirty="0" smtClean="0"/>
+          </a:p>
+          <a:p>
+            <a:r>
+              <a:rPr kumimoji="1" lang="en-US" altLang="ja-JP" dirty="0" smtClean="0"/>
+              <a:t>Daru::Vector</a:t>
+            </a:r>
+          </a:p>
+          <a:p>
+            <a:pPr lvl="1"/>
+            <a:r>
+              <a:rPr lang="ja-JP" altLang="en-US" dirty="0" smtClean="0"/>
+              <a:t>一次元ベクトルを表すデータ構造</a:t>
+            </a:r>
+            <a:endParaRPr lang="en-US" altLang="ja-JP" dirty="0" smtClean="0"/>
+          </a:p>
+          <a:p>
+            <a:r>
+              <a:rPr kumimoji="1" lang="en-US" altLang="ja-JP" dirty="0" smtClean="0"/>
+              <a:t>Daru::</a:t>
+            </a:r>
+            <a:r>
+              <a:rPr kumimoji="1" lang="en-US" altLang="ja-JP" dirty="0" err="1" smtClean="0"/>
+              <a:t>DataFrame</a:t>
+            </a:r>
+            <a:endParaRPr kumimoji="1" lang="en-US" altLang="ja-JP" dirty="0" smtClean="0"/>
+          </a:p>
+          <a:p>
+            <a:pPr lvl="1"/>
+            <a:r>
+              <a:rPr lang="ja-JP" altLang="en-US" dirty="0" smtClean="0"/>
+              <a:t>スプレッドシートライクな二次元の表を表すデータ構造</a:t>
+            </a:r>
+            <a:endParaRPr lang="en-US" altLang="ja-JP" dirty="0" smtClean="0"/>
+          </a:p>
+          <a:p>
+            <a:pPr marL="0" indent="0">
+              <a:buNone/>
+            </a:pPr>
+            <a:endParaRPr kumimoji="1" lang="en-US" altLang="ja-JP" dirty="0" smtClean="0"/>
+          </a:p>
+          <a:p>
+            <a:pPr marL="0" indent="0">
+              <a:buNone/>
+            </a:pPr>
+            <a:endParaRPr lang="en-US" altLang="ja-JP" dirty="0"/>
           </a:p>
         </p:txBody>
       </p:sp>
@@ -13135,317 +13205,10 @@
           </a:p>
         </p:txBody>
       </p:sp>
-      <p:sp>
-        <p:nvSpPr>
-          <p:cNvPr id="5" name="正方形/長方形 4"/>
-          <p:cNvSpPr/>
-          <p:nvPr/>
-        </p:nvSpPr>
-        <p:spPr>
-          <a:xfrm>
-            <a:off x="827584" y="1700808"/>
-            <a:ext cx="7560839" cy="4176464"/>
-          </a:xfrm>
-          <a:prstGeom prst="rect">
-            <a:avLst/>
-          </a:prstGeom>
-          <a:solidFill>
-            <a:schemeClr val="tx2">
-              <a:lumMod val="20000"/>
-              <a:lumOff val="80000"/>
-            </a:schemeClr>
-          </a:solidFill>
-          <a:ln>
-            <a:solidFill>
-              <a:schemeClr val="tx2">
-                <a:lumMod val="40000"/>
-                <a:lumOff val="60000"/>
-              </a:schemeClr>
-            </a:solidFill>
-          </a:ln>
-        </p:spPr>
-        <p:style>
-          <a:lnRef idx="1">
-            <a:schemeClr val="dk1"/>
-          </a:lnRef>
-          <a:fillRef idx="2">
-            <a:schemeClr val="dk1"/>
-          </a:fillRef>
-          <a:effectRef idx="1">
-            <a:schemeClr val="dk1"/>
-          </a:effectRef>
-          <a:fontRef idx="minor">
-            <a:schemeClr val="dk1"/>
-          </a:fontRef>
-        </p:style>
-        <p:txBody>
-          <a:bodyPr rtlCol="0" anchor="t"/>
-          <a:lstStyle/>
-          <a:p>
-            <a:r>
-              <a:rPr lang="en-US" altLang="ja-JP" dirty="0">
-                <a:latin typeface="Courier New" panose="02070309020205020404" pitchFamily="49" charset="0"/>
-                <a:cs typeface="Courier New" panose="02070309020205020404" pitchFamily="49" charset="0"/>
-              </a:rPr>
-              <a:t>require "benchmark"</a:t>
-            </a:r>
-          </a:p>
-          <a:p>
-            <a:r>
-              <a:rPr lang="en-US" altLang="ja-JP" dirty="0">
-                <a:latin typeface="Courier New" panose="02070309020205020404" pitchFamily="49" charset="0"/>
-                <a:cs typeface="Courier New" panose="02070309020205020404" pitchFamily="49" charset="0"/>
-              </a:rPr>
-              <a:t>require "</a:t>
-            </a:r>
-            <a:r>
-              <a:rPr lang="en-US" altLang="ja-JP" dirty="0" err="1">
-                <a:latin typeface="Courier New" panose="02070309020205020404" pitchFamily="49" charset="0"/>
-                <a:cs typeface="Courier New" panose="02070309020205020404" pitchFamily="49" charset="0"/>
-              </a:rPr>
-              <a:t>nmatrix</a:t>
-            </a:r>
-            <a:r>
-              <a:rPr lang="en-US" altLang="ja-JP" dirty="0">
-                <a:latin typeface="Courier New" panose="02070309020205020404" pitchFamily="49" charset="0"/>
-                <a:cs typeface="Courier New" panose="02070309020205020404" pitchFamily="49" charset="0"/>
-              </a:rPr>
-              <a:t>"</a:t>
-            </a:r>
-          </a:p>
-          <a:p>
-            <a:endParaRPr lang="en-US" altLang="ja-JP" dirty="0">
-              <a:latin typeface="Courier New" panose="02070309020205020404" pitchFamily="49" charset="0"/>
-              <a:cs typeface="Courier New" panose="02070309020205020404" pitchFamily="49" charset="0"/>
-            </a:endParaRPr>
-          </a:p>
-          <a:p>
-            <a:r>
-              <a:rPr lang="en-US" altLang="ja-JP" dirty="0">
-                <a:latin typeface="Courier New" panose="02070309020205020404" pitchFamily="49" charset="0"/>
-                <a:cs typeface="Courier New" panose="02070309020205020404" pitchFamily="49" charset="0"/>
-              </a:rPr>
-              <a:t>m = </a:t>
-            </a:r>
-            <a:r>
-              <a:rPr lang="en-US" altLang="ja-JP" dirty="0" err="1">
-                <a:latin typeface="Courier New" panose="02070309020205020404" pitchFamily="49" charset="0"/>
-                <a:cs typeface="Courier New" panose="02070309020205020404" pitchFamily="49" charset="0"/>
-              </a:rPr>
-              <a:t>NMatrix.dindgen</a:t>
-            </a:r>
-            <a:r>
-              <a:rPr lang="en-US" altLang="ja-JP" dirty="0">
-                <a:latin typeface="Courier New" panose="02070309020205020404" pitchFamily="49" charset="0"/>
-                <a:cs typeface="Courier New" panose="02070309020205020404" pitchFamily="49" charset="0"/>
-              </a:rPr>
-              <a:t>([100000])</a:t>
-            </a:r>
-          </a:p>
-          <a:p>
-            <a:r>
-              <a:rPr lang="en-US" altLang="ja-JP" dirty="0">
-                <a:latin typeface="Courier New" panose="02070309020205020404" pitchFamily="49" charset="0"/>
-                <a:cs typeface="Courier New" panose="02070309020205020404" pitchFamily="49" charset="0"/>
-              </a:rPr>
-              <a:t>a = 0.0.step(99999.0, 1.0).</a:t>
-            </a:r>
-            <a:r>
-              <a:rPr lang="en-US" altLang="ja-JP" dirty="0" err="1">
-                <a:latin typeface="Courier New" panose="02070309020205020404" pitchFamily="49" charset="0"/>
-                <a:cs typeface="Courier New" panose="02070309020205020404" pitchFamily="49" charset="0"/>
-              </a:rPr>
-              <a:t>to_a</a:t>
-            </a:r>
-            <a:endParaRPr lang="en-US" altLang="ja-JP" dirty="0">
-              <a:latin typeface="Courier New" panose="02070309020205020404" pitchFamily="49" charset="0"/>
-              <a:cs typeface="Courier New" panose="02070309020205020404" pitchFamily="49" charset="0"/>
-            </a:endParaRPr>
-          </a:p>
-          <a:p>
-            <a:endParaRPr lang="en-US" altLang="ja-JP" dirty="0">
-              <a:latin typeface="Courier New" panose="02070309020205020404" pitchFamily="49" charset="0"/>
-              <a:cs typeface="Courier New" panose="02070309020205020404" pitchFamily="49" charset="0"/>
-            </a:endParaRPr>
-          </a:p>
-          <a:p>
-            <a:r>
-              <a:rPr lang="en-US" altLang="ja-JP" dirty="0" err="1">
-                <a:latin typeface="Courier New" panose="02070309020205020404" pitchFamily="49" charset="0"/>
-                <a:cs typeface="Courier New" panose="02070309020205020404" pitchFamily="49" charset="0"/>
-              </a:rPr>
-              <a:t>Benchmark.bmbm</a:t>
-            </a:r>
-            <a:r>
-              <a:rPr lang="en-US" altLang="ja-JP" dirty="0">
-                <a:latin typeface="Courier New" panose="02070309020205020404" pitchFamily="49" charset="0"/>
-                <a:cs typeface="Courier New" panose="02070309020205020404" pitchFamily="49" charset="0"/>
-              </a:rPr>
-              <a:t> do |x|</a:t>
-            </a:r>
-          </a:p>
-          <a:p>
-            <a:r>
-              <a:rPr lang="en-US" altLang="ja-JP" dirty="0">
-                <a:latin typeface="Courier New" panose="02070309020205020404" pitchFamily="49" charset="0"/>
-                <a:cs typeface="Courier New" panose="02070309020205020404" pitchFamily="49" charset="0"/>
-              </a:rPr>
-              <a:t>  </a:t>
-            </a:r>
-            <a:r>
-              <a:rPr lang="en-US" altLang="ja-JP" dirty="0" err="1">
-                <a:latin typeface="Courier New" panose="02070309020205020404" pitchFamily="49" charset="0"/>
-                <a:cs typeface="Courier New" panose="02070309020205020404" pitchFamily="49" charset="0"/>
-              </a:rPr>
-              <a:t>x.report</a:t>
-            </a:r>
-            <a:r>
-              <a:rPr lang="en-US" altLang="ja-JP" dirty="0">
-                <a:latin typeface="Courier New" panose="02070309020205020404" pitchFamily="49" charset="0"/>
-                <a:cs typeface="Courier New" panose="02070309020205020404" pitchFamily="49" charset="0"/>
-              </a:rPr>
-              <a:t>("</a:t>
-            </a:r>
-            <a:r>
-              <a:rPr lang="en-US" altLang="ja-JP" dirty="0" err="1">
-                <a:latin typeface="Courier New" panose="02070309020205020404" pitchFamily="49" charset="0"/>
-                <a:cs typeface="Courier New" panose="02070309020205020404" pitchFamily="49" charset="0"/>
-              </a:rPr>
-              <a:t>NMatrix</a:t>
-            </a:r>
-            <a:r>
-              <a:rPr lang="en-US" altLang="ja-JP" dirty="0">
-                <a:latin typeface="Courier New" panose="02070309020205020404" pitchFamily="49" charset="0"/>
-                <a:cs typeface="Courier New" panose="02070309020205020404" pitchFamily="49" charset="0"/>
-              </a:rPr>
-              <a:t>") do</a:t>
-            </a:r>
-          </a:p>
-          <a:p>
-            <a:r>
-              <a:rPr lang="en-US" altLang="ja-JP" dirty="0">
-                <a:latin typeface="Courier New" panose="02070309020205020404" pitchFamily="49" charset="0"/>
-                <a:cs typeface="Courier New" panose="02070309020205020404" pitchFamily="49" charset="0"/>
-              </a:rPr>
-              <a:t>    </a:t>
-            </a:r>
-            <a:r>
-              <a:rPr lang="en-US" altLang="ja-JP" dirty="0" err="1">
-                <a:latin typeface="Courier New" panose="02070309020205020404" pitchFamily="49" charset="0"/>
-                <a:cs typeface="Courier New" panose="02070309020205020404" pitchFamily="49" charset="0"/>
-              </a:rPr>
-              <a:t>m.mean</a:t>
-            </a:r>
-            <a:endParaRPr lang="en-US" altLang="ja-JP" dirty="0">
-              <a:latin typeface="Courier New" panose="02070309020205020404" pitchFamily="49" charset="0"/>
-              <a:cs typeface="Courier New" panose="02070309020205020404" pitchFamily="49" charset="0"/>
-            </a:endParaRPr>
-          </a:p>
-          <a:p>
-            <a:r>
-              <a:rPr lang="en-US" altLang="ja-JP" dirty="0">
-                <a:latin typeface="Courier New" panose="02070309020205020404" pitchFamily="49" charset="0"/>
-                <a:cs typeface="Courier New" panose="02070309020205020404" pitchFamily="49" charset="0"/>
-              </a:rPr>
-              <a:t>  end</a:t>
-            </a:r>
-          </a:p>
-          <a:p>
-            <a:endParaRPr lang="en-US" altLang="ja-JP" dirty="0">
-              <a:latin typeface="Courier New" panose="02070309020205020404" pitchFamily="49" charset="0"/>
-              <a:cs typeface="Courier New" panose="02070309020205020404" pitchFamily="49" charset="0"/>
-            </a:endParaRPr>
-          </a:p>
-          <a:p>
-            <a:r>
-              <a:rPr lang="en-US" altLang="ja-JP" dirty="0">
-                <a:latin typeface="Courier New" panose="02070309020205020404" pitchFamily="49" charset="0"/>
-                <a:cs typeface="Courier New" panose="02070309020205020404" pitchFamily="49" charset="0"/>
-              </a:rPr>
-              <a:t>  </a:t>
-            </a:r>
-            <a:r>
-              <a:rPr lang="en-US" altLang="ja-JP" dirty="0" err="1">
-                <a:latin typeface="Courier New" panose="02070309020205020404" pitchFamily="49" charset="0"/>
-                <a:cs typeface="Courier New" panose="02070309020205020404" pitchFamily="49" charset="0"/>
-              </a:rPr>
-              <a:t>x.report</a:t>
-            </a:r>
-            <a:r>
-              <a:rPr lang="en-US" altLang="ja-JP" dirty="0">
-                <a:latin typeface="Courier New" panose="02070309020205020404" pitchFamily="49" charset="0"/>
-                <a:cs typeface="Courier New" panose="02070309020205020404" pitchFamily="49" charset="0"/>
-              </a:rPr>
-              <a:t>("Array") do</a:t>
-            </a:r>
-          </a:p>
-          <a:p>
-            <a:r>
-              <a:rPr lang="en-US" altLang="ja-JP" dirty="0">
-                <a:latin typeface="Courier New" panose="02070309020205020404" pitchFamily="49" charset="0"/>
-                <a:cs typeface="Courier New" panose="02070309020205020404" pitchFamily="49" charset="0"/>
-              </a:rPr>
-              <a:t>    </a:t>
-            </a:r>
-            <a:r>
-              <a:rPr lang="en-US" altLang="ja-JP" dirty="0" err="1">
-                <a:latin typeface="Courier New" panose="02070309020205020404" pitchFamily="49" charset="0"/>
-                <a:cs typeface="Courier New" panose="02070309020205020404" pitchFamily="49" charset="0"/>
-              </a:rPr>
-              <a:t>a.sum.quo</a:t>
-            </a:r>
-            <a:r>
-              <a:rPr lang="en-US" altLang="ja-JP" dirty="0">
-                <a:latin typeface="Courier New" panose="02070309020205020404" pitchFamily="49" charset="0"/>
-                <a:cs typeface="Courier New" panose="02070309020205020404" pitchFamily="49" charset="0"/>
-              </a:rPr>
-              <a:t>(</a:t>
-            </a:r>
-            <a:r>
-              <a:rPr lang="en-US" altLang="ja-JP" dirty="0" err="1">
-                <a:latin typeface="Courier New" panose="02070309020205020404" pitchFamily="49" charset="0"/>
-                <a:cs typeface="Courier New" panose="02070309020205020404" pitchFamily="49" charset="0"/>
-              </a:rPr>
-              <a:t>a.size</a:t>
-            </a:r>
-            <a:r>
-              <a:rPr lang="en-US" altLang="ja-JP" dirty="0">
-                <a:latin typeface="Courier New" panose="02070309020205020404" pitchFamily="49" charset="0"/>
-                <a:cs typeface="Courier New" panose="02070309020205020404" pitchFamily="49" charset="0"/>
-              </a:rPr>
-              <a:t>)</a:t>
-            </a:r>
-          </a:p>
-          <a:p>
-            <a:r>
-              <a:rPr lang="en-US" altLang="ja-JP" dirty="0">
-                <a:latin typeface="Courier New" panose="02070309020205020404" pitchFamily="49" charset="0"/>
-                <a:cs typeface="Courier New" panose="02070309020205020404" pitchFamily="49" charset="0"/>
-              </a:rPr>
-              <a:t>  end</a:t>
-            </a:r>
-          </a:p>
-          <a:p>
-            <a:r>
-              <a:rPr lang="en-US" altLang="ja-JP" dirty="0">
-                <a:latin typeface="Courier New" panose="02070309020205020404" pitchFamily="49" charset="0"/>
-                <a:cs typeface="Courier New" panose="02070309020205020404" pitchFamily="49" charset="0"/>
-              </a:rPr>
-              <a:t>end</a:t>
-            </a:r>
-          </a:p>
-          <a:p>
-            <a:endParaRPr kumimoji="1" lang="ja-JP" altLang="en-US" dirty="0">
-              <a:latin typeface="Courier New" panose="02070309020205020404" pitchFamily="49" charset="0"/>
-              <a:cs typeface="Courier New" panose="02070309020205020404" pitchFamily="49" charset="0"/>
-            </a:endParaRPr>
-          </a:p>
-        </p:txBody>
-      </p:sp>
     </p:spTree>
     <p:extLst>
       <p:ext uri="{BB962C8B-B14F-4D97-AF65-F5344CB8AC3E}">
-        <p14:creationId xmlns:p14="http://schemas.microsoft.com/office/powerpoint/2010/main" val="878286108"/>
+        <p14:creationId xmlns:p14="http://schemas.microsoft.com/office/powerpoint/2010/main" val="317380928"/>
       </p:ext>
     </p:extLst>
   </p:cSld>
@@ -13495,14 +13258,47 @@
           <a:lstStyle/>
           <a:p>
             <a:r>
+              <a:rPr lang="en-US" altLang="ja-JP" dirty="0" smtClean="0"/>
+              <a:t>Daru::Vector</a:t>
+            </a:r>
+            <a:endParaRPr kumimoji="1" lang="ja-JP" altLang="en-US" dirty="0"/>
+          </a:p>
+        </p:txBody>
+      </p:sp>
+      <p:sp>
+        <p:nvSpPr>
+          <p:cNvPr id="3" name="コンテンツ プレースホルダー 2"/>
+          <p:cNvSpPr>
+            <a:spLocks noGrp="1"/>
+          </p:cNvSpPr>
+          <p:nvPr>
+            <p:ph idx="1"/>
+          </p:nvPr>
+        </p:nvSpPr>
+        <p:spPr/>
+        <p:txBody>
+          <a:bodyPr/>
+          <a:lstStyle/>
+          <a:p>
+            <a:r>
+              <a:rPr lang="en-US" altLang="ja-JP" dirty="0" smtClean="0"/>
+              <a:t>1</a:t>
+            </a:r>
+            <a:r>
               <a:rPr lang="ja-JP" altLang="en-US" dirty="0" smtClean="0"/>
-              <a:t>ベンチマーク</a:t>
+              <a:t>次元</a:t>
             </a:r>
             <a:r>
               <a:rPr lang="ja-JP" altLang="en-US" dirty="0"/>
-              <a:t>結果</a:t>
-            </a:r>
-            <a:endParaRPr kumimoji="1" lang="ja-JP" altLang="en-US" dirty="0"/>
+              <a:t>ベクトル</a:t>
+            </a:r>
+            <a:endParaRPr kumimoji="1" lang="en-US" altLang="ja-JP" dirty="0" smtClean="0"/>
+          </a:p>
+          <a:p>
+            <a:pPr marL="0" indent="0">
+              <a:buNone/>
+            </a:pPr>
+            <a:endParaRPr lang="en-US" altLang="ja-JP" dirty="0"/>
           </a:p>
         </p:txBody>
       </p:sp>
@@ -13524,281 +13320,6 @@
             <a:fld id="{D2D8002D-B5B0-4BAC-B1F6-782DDCCE6D9C}" type="slidenum">
               <a:rPr kumimoji="1" lang="ja-JP" altLang="en-US" smtClean="0"/>
               <a:t>26</a:t>
-            </a:fld>
-            <a:endParaRPr kumimoji="1" lang="ja-JP" altLang="en-US" dirty="0"/>
-          </a:p>
-        </p:txBody>
-      </p:sp>
-    </p:spTree>
-    <p:extLst>
-      <p:ext uri="{BB962C8B-B14F-4D97-AF65-F5344CB8AC3E}">
-        <p14:creationId xmlns:p14="http://schemas.microsoft.com/office/powerpoint/2010/main" val="4243506312"/>
-      </p:ext>
-    </p:extLst>
-  </p:cSld>
-  <p:clrMapOvr>
-    <a:masterClrMapping/>
-  </p:clrMapOvr>
-  <p:timing>
-    <p:tnLst>
-      <p:par>
-        <p:cTn id="1" dur="indefinite" restart="never" nodeType="tmRoot"/>
-      </p:par>
-    </p:tnLst>
-  </p:timing>
-</p:sld>
-</file>
-
-<file path=ppt/slides/slide28.xml><?xml version="1.0" encoding="utf-8"?>
-<p:sld xmlns:a="http://schemas.openxmlformats.org/drawingml/2006/main" xmlns:r="http://schemas.openxmlformats.org/officeDocument/2006/relationships" xmlns:p="http://schemas.openxmlformats.org/presentationml/2006/main">
-  <p:cSld>
-    <p:spTree>
-      <p:nvGrpSpPr>
-        <p:cNvPr id="1" name=""/>
-        <p:cNvGrpSpPr/>
-        <p:nvPr/>
-      </p:nvGrpSpPr>
-      <p:grpSpPr>
-        <a:xfrm>
-          <a:off x="0" y="0"/>
-          <a:ext cx="0" cy="0"/>
-          <a:chOff x="0" y="0"/>
-          <a:chExt cx="0" cy="0"/>
-        </a:xfrm>
-      </p:grpSpPr>
-      <p:sp>
-        <p:nvSpPr>
-          <p:cNvPr id="2" name="タイトル 1"/>
-          <p:cNvSpPr>
-            <a:spLocks noGrp="1"/>
-          </p:cNvSpPr>
-          <p:nvPr>
-            <p:ph type="title"/>
-          </p:nvPr>
-        </p:nvSpPr>
-        <p:spPr/>
-        <p:txBody>
-          <a:bodyPr/>
-          <a:lstStyle/>
-          <a:p>
-            <a:r>
-              <a:rPr lang="en-US" altLang="ja-JP" dirty="0" err="1" smtClean="0"/>
-              <a:t>daru</a:t>
-            </a:r>
-            <a:endParaRPr kumimoji="1" lang="ja-JP" altLang="en-US" dirty="0"/>
-          </a:p>
-        </p:txBody>
-      </p:sp>
-      <p:sp>
-        <p:nvSpPr>
-          <p:cNvPr id="3" name="コンテンツ プレースホルダー 2"/>
-          <p:cNvSpPr>
-            <a:spLocks noGrp="1"/>
-          </p:cNvSpPr>
-          <p:nvPr>
-            <p:ph idx="1"/>
-          </p:nvPr>
-        </p:nvSpPr>
-        <p:spPr/>
-        <p:txBody>
-          <a:bodyPr/>
-          <a:lstStyle/>
-          <a:p>
-            <a:r>
-              <a:rPr kumimoji="1" lang="en-US" altLang="ja-JP" dirty="0" smtClean="0"/>
-              <a:t>Data Analysis in </a:t>
-            </a:r>
-            <a:r>
-              <a:rPr kumimoji="1" lang="en-US" altLang="ja-JP" dirty="0" err="1" smtClean="0"/>
-              <a:t>RUby</a:t>
-            </a:r>
-            <a:endParaRPr kumimoji="1" lang="en-US" altLang="ja-JP" dirty="0" smtClean="0"/>
-          </a:p>
-          <a:p>
-            <a:r>
-              <a:rPr kumimoji="1" lang="en-US" altLang="ja-JP" dirty="0" smtClean="0"/>
-              <a:t>Daru::Vector</a:t>
-            </a:r>
-          </a:p>
-          <a:p>
-            <a:pPr lvl="1"/>
-            <a:r>
-              <a:rPr lang="ja-JP" altLang="en-US" dirty="0" smtClean="0"/>
-              <a:t>一次元ベクトルを表すデータ構造</a:t>
-            </a:r>
-            <a:endParaRPr lang="en-US" altLang="ja-JP" dirty="0" smtClean="0"/>
-          </a:p>
-          <a:p>
-            <a:r>
-              <a:rPr kumimoji="1" lang="en-US" altLang="ja-JP" dirty="0" smtClean="0"/>
-              <a:t>Daru::</a:t>
-            </a:r>
-            <a:r>
-              <a:rPr kumimoji="1" lang="en-US" altLang="ja-JP" dirty="0" err="1" smtClean="0"/>
-              <a:t>DataFrame</a:t>
-            </a:r>
-            <a:endParaRPr kumimoji="1" lang="en-US" altLang="ja-JP" dirty="0" smtClean="0"/>
-          </a:p>
-          <a:p>
-            <a:pPr lvl="1"/>
-            <a:r>
-              <a:rPr lang="ja-JP" altLang="en-US" dirty="0" smtClean="0"/>
-              <a:t>スプレッドシートライクな二次元の表を表すデータ構造</a:t>
-            </a:r>
-            <a:endParaRPr lang="en-US" altLang="ja-JP" dirty="0" smtClean="0"/>
-          </a:p>
-          <a:p>
-            <a:pPr marL="0" indent="0">
-              <a:buNone/>
-            </a:pPr>
-            <a:endParaRPr kumimoji="1" lang="en-US" altLang="ja-JP" dirty="0" smtClean="0"/>
-          </a:p>
-          <a:p>
-            <a:pPr marL="0" indent="0">
-              <a:buNone/>
-            </a:pPr>
-            <a:endParaRPr lang="en-US" altLang="ja-JP" dirty="0"/>
-          </a:p>
-        </p:txBody>
-      </p:sp>
-      <p:sp>
-        <p:nvSpPr>
-          <p:cNvPr id="4" name="スライド番号プレースホルダー 3"/>
-          <p:cNvSpPr>
-            <a:spLocks noGrp="1"/>
-          </p:cNvSpPr>
-          <p:nvPr>
-            <p:ph type="sldNum" sz="quarter" idx="12"/>
-          </p:nvPr>
-        </p:nvSpPr>
-        <p:spPr/>
-        <p:txBody>
-          <a:bodyPr/>
-          <a:lstStyle/>
-          <a:p>
-            <a:fld id="{D2D8002D-B5B0-4BAC-B1F6-782DDCCE6D9C}" type="slidenum">
-              <a:rPr kumimoji="1" lang="ja-JP" altLang="en-US" smtClean="0"/>
-              <a:t>27</a:t>
-            </a:fld>
-            <a:endParaRPr kumimoji="1" lang="ja-JP" altLang="en-US" dirty="0"/>
-          </a:p>
-        </p:txBody>
-      </p:sp>
-    </p:spTree>
-    <p:extLst>
-      <p:ext uri="{BB962C8B-B14F-4D97-AF65-F5344CB8AC3E}">
-        <p14:creationId xmlns:p14="http://schemas.microsoft.com/office/powerpoint/2010/main" val="317380928"/>
-      </p:ext>
-    </p:extLst>
-  </p:cSld>
-  <p:clrMapOvr>
-    <a:masterClrMapping/>
-  </p:clrMapOvr>
-  <p:timing>
-    <p:tnLst>
-      <p:par>
-        <p:cTn id="1" dur="indefinite" restart="never" nodeType="tmRoot"/>
-      </p:par>
-    </p:tnLst>
-  </p:timing>
-</p:sld>
-</file>
-
-<file path=ppt/slides/slide29.xml><?xml version="1.0" encoding="utf-8"?>
-<p:sld xmlns:a="http://schemas.openxmlformats.org/drawingml/2006/main" xmlns:r="http://schemas.openxmlformats.org/officeDocument/2006/relationships" xmlns:p="http://schemas.openxmlformats.org/presentationml/2006/main">
-  <p:cSld>
-    <p:spTree>
-      <p:nvGrpSpPr>
-        <p:cNvPr id="1" name=""/>
-        <p:cNvGrpSpPr/>
-        <p:nvPr/>
-      </p:nvGrpSpPr>
-      <p:grpSpPr>
-        <a:xfrm>
-          <a:off x="0" y="0"/>
-          <a:ext cx="0" cy="0"/>
-          <a:chOff x="0" y="0"/>
-          <a:chExt cx="0" cy="0"/>
-        </a:xfrm>
-      </p:grpSpPr>
-      <p:sp>
-        <p:nvSpPr>
-          <p:cNvPr id="2" name="タイトル 1"/>
-          <p:cNvSpPr>
-            <a:spLocks noGrp="1"/>
-          </p:cNvSpPr>
-          <p:nvPr>
-            <p:ph type="title"/>
-          </p:nvPr>
-        </p:nvSpPr>
-        <p:spPr/>
-        <p:txBody>
-          <a:bodyPr/>
-          <a:lstStyle/>
-          <a:p>
-            <a:r>
-              <a:rPr lang="en-US" altLang="ja-JP" dirty="0" smtClean="0"/>
-              <a:t>Daru::Vector</a:t>
-            </a:r>
-            <a:endParaRPr kumimoji="1" lang="ja-JP" altLang="en-US" dirty="0"/>
-          </a:p>
-        </p:txBody>
-      </p:sp>
-      <p:sp>
-        <p:nvSpPr>
-          <p:cNvPr id="3" name="コンテンツ プレースホルダー 2"/>
-          <p:cNvSpPr>
-            <a:spLocks noGrp="1"/>
-          </p:cNvSpPr>
-          <p:nvPr>
-            <p:ph idx="1"/>
-          </p:nvPr>
-        </p:nvSpPr>
-        <p:spPr/>
-        <p:txBody>
-          <a:bodyPr/>
-          <a:lstStyle/>
-          <a:p>
-            <a:r>
-              <a:rPr lang="en-US" altLang="ja-JP" dirty="0" smtClean="0"/>
-              <a:t>1</a:t>
-            </a:r>
-            <a:r>
-              <a:rPr lang="ja-JP" altLang="en-US" dirty="0" smtClean="0"/>
-              <a:t>次元</a:t>
-            </a:r>
-            <a:r>
-              <a:rPr lang="ja-JP" altLang="en-US" dirty="0"/>
-              <a:t>ベクトル</a:t>
-            </a:r>
-            <a:endParaRPr kumimoji="1" lang="en-US" altLang="ja-JP" dirty="0" smtClean="0"/>
-          </a:p>
-          <a:p>
-            <a:pPr marL="0" indent="0">
-              <a:buNone/>
-            </a:pPr>
-            <a:endParaRPr lang="en-US" altLang="ja-JP" dirty="0"/>
-          </a:p>
-        </p:txBody>
-      </p:sp>
-      <p:sp>
-        <p:nvSpPr>
-          <p:cNvPr id="4" name="スライド番号プレースホルダー 3"/>
-          <p:cNvSpPr>
-            <a:spLocks noGrp="1"/>
-          </p:cNvSpPr>
-          <p:nvPr>
-            <p:ph type="sldNum" sz="quarter" idx="12"/>
-          </p:nvPr>
-        </p:nvSpPr>
-        <p:spPr/>
-        <p:txBody>
-          <a:bodyPr/>
-          <a:lstStyle/>
-          <a:p>
-            <a:fld id="{D2D8002D-B5B0-4BAC-B1F6-782DDCCE6D9C}" type="slidenum">
-              <a:rPr kumimoji="1" lang="ja-JP" altLang="en-US" smtClean="0"/>
-              <a:t>28</a:t>
             </a:fld>
             <a:endParaRPr kumimoji="1" lang="ja-JP" altLang="en-US" dirty="0"/>
           </a:p>
@@ -14002,6 +13523,709 @@
 </p:sld>
 </file>
 
+<file path=ppt/slides/slide28.xml><?xml version="1.0" encoding="utf-8"?>
+<p:sld xmlns:a="http://schemas.openxmlformats.org/drawingml/2006/main" xmlns:r="http://schemas.openxmlformats.org/officeDocument/2006/relationships" xmlns:p="http://schemas.openxmlformats.org/presentationml/2006/main">
+  <p:cSld>
+    <p:spTree>
+      <p:nvGrpSpPr>
+        <p:cNvPr id="1" name=""/>
+        <p:cNvGrpSpPr/>
+        <p:nvPr/>
+      </p:nvGrpSpPr>
+      <p:grpSpPr>
+        <a:xfrm>
+          <a:off x="0" y="0"/>
+          <a:ext cx="0" cy="0"/>
+          <a:chOff x="0" y="0"/>
+          <a:chExt cx="0" cy="0"/>
+        </a:xfrm>
+      </p:grpSpPr>
+      <p:sp>
+        <p:nvSpPr>
+          <p:cNvPr id="2" name="タイトル 1"/>
+          <p:cNvSpPr>
+            <a:spLocks noGrp="1"/>
+          </p:cNvSpPr>
+          <p:nvPr>
+            <p:ph type="title"/>
+          </p:nvPr>
+        </p:nvSpPr>
+        <p:spPr/>
+        <p:txBody>
+          <a:bodyPr/>
+          <a:lstStyle/>
+          <a:p>
+            <a:r>
+              <a:rPr kumimoji="1" lang="en-US" altLang="ja-JP" dirty="0" smtClean="0"/>
+              <a:t>Daru::</a:t>
+            </a:r>
+            <a:r>
+              <a:rPr kumimoji="1" lang="en-US" altLang="ja-JP" dirty="0" err="1" smtClean="0"/>
+              <a:t>DataFrame</a:t>
+            </a:r>
+            <a:endParaRPr kumimoji="1" lang="ja-JP" altLang="en-US" dirty="0"/>
+          </a:p>
+        </p:txBody>
+      </p:sp>
+      <p:sp>
+        <p:nvSpPr>
+          <p:cNvPr id="3" name="コンテンツ プレースホルダー 2"/>
+          <p:cNvSpPr>
+            <a:spLocks noGrp="1"/>
+          </p:cNvSpPr>
+          <p:nvPr>
+            <p:ph idx="1"/>
+          </p:nvPr>
+        </p:nvSpPr>
+        <p:spPr/>
+        <p:txBody>
+          <a:bodyPr/>
+          <a:lstStyle/>
+          <a:p>
+            <a:r>
+              <a:rPr lang="en-US" altLang="ja-JP" dirty="0" smtClean="0"/>
+              <a:t>2</a:t>
+            </a:r>
+            <a:r>
+              <a:rPr lang="ja-JP" altLang="en-US" dirty="0" smtClean="0"/>
+              <a:t>次元のスプレッドシート風データ</a:t>
+            </a:r>
+            <a:r>
+              <a:rPr lang="ja-JP" altLang="en-US" dirty="0" smtClean="0"/>
+              <a:t>構造</a:t>
+            </a:r>
+            <a:endParaRPr lang="en-US" altLang="ja-JP" dirty="0" smtClean="0"/>
+          </a:p>
+          <a:p>
+            <a:endParaRPr kumimoji="1" lang="en-US" altLang="ja-JP" dirty="0"/>
+          </a:p>
+          <a:p>
+            <a:r>
+              <a:rPr lang="ja-JP" altLang="en-US" dirty="0" smtClean="0"/>
+              <a:t>各列が</a:t>
+            </a:r>
+            <a:r>
+              <a:rPr lang="en-US" altLang="ja-JP" dirty="0" smtClean="0"/>
+              <a:t>Daru::Vector</a:t>
+            </a:r>
+            <a:r>
+              <a:rPr lang="ja-JP" altLang="en-US" dirty="0" smtClean="0"/>
+              <a:t>によって表現され</a:t>
+            </a:r>
+            <a:r>
+              <a:rPr lang="ja-JP" altLang="en-US" dirty="0"/>
+              <a:t>る</a:t>
+            </a:r>
+            <a:endParaRPr lang="en-US" altLang="ja-JP" dirty="0" smtClean="0"/>
+          </a:p>
+          <a:p>
+            <a:r>
+              <a:rPr kumimoji="1" lang="ja-JP" altLang="en-US" dirty="0" smtClean="0"/>
+              <a:t>列単位の処理は速いが、行単位の処理は遅い</a:t>
+            </a:r>
+            <a:endParaRPr kumimoji="1" lang="en-US" altLang="ja-JP" dirty="0" smtClean="0"/>
+          </a:p>
+          <a:p>
+            <a:pPr lvl="1"/>
+            <a:r>
+              <a:rPr lang="ja-JP" altLang="en-US" dirty="0" smtClean="0"/>
+              <a:t>とくに遅い例</a:t>
+            </a:r>
+            <a:endParaRPr lang="en-US" altLang="ja-JP" dirty="0"/>
+          </a:p>
+          <a:p>
+            <a:pPr lvl="1"/>
+            <a:endParaRPr kumimoji="1" lang="en-US" altLang="ja-JP" dirty="0" smtClean="0"/>
+          </a:p>
+          <a:p>
+            <a:pPr lvl="1"/>
+            <a:endParaRPr kumimoji="1" lang="en-US" altLang="ja-JP" dirty="0" smtClean="0"/>
+          </a:p>
+          <a:p>
+            <a:pPr lvl="1"/>
+            <a:r>
+              <a:rPr lang="ja-JP" altLang="en-US" dirty="0"/>
+              <a:t>高速化</a:t>
+            </a:r>
+            <a:endParaRPr lang="en-US" altLang="ja-JP" dirty="0"/>
+          </a:p>
+        </p:txBody>
+      </p:sp>
+      <p:sp>
+        <p:nvSpPr>
+          <p:cNvPr id="4" name="スライド番号プレースホルダー 3"/>
+          <p:cNvSpPr>
+            <a:spLocks noGrp="1"/>
+          </p:cNvSpPr>
+          <p:nvPr>
+            <p:ph type="sldNum" sz="quarter" idx="12"/>
+          </p:nvPr>
+        </p:nvSpPr>
+        <p:spPr/>
+        <p:txBody>
+          <a:bodyPr/>
+          <a:lstStyle/>
+          <a:p>
+            <a:fld id="{D2D8002D-B5B0-4BAC-B1F6-782DDCCE6D9C}" type="slidenum">
+              <a:rPr kumimoji="1" lang="ja-JP" altLang="en-US" smtClean="0"/>
+              <a:t>27</a:t>
+            </a:fld>
+            <a:endParaRPr kumimoji="1" lang="ja-JP" altLang="en-US" dirty="0"/>
+          </a:p>
+        </p:txBody>
+      </p:sp>
+      <p:sp>
+        <p:nvSpPr>
+          <p:cNvPr id="5" name="正方形/長方形 4"/>
+          <p:cNvSpPr/>
+          <p:nvPr/>
+        </p:nvSpPr>
+        <p:spPr>
+          <a:xfrm>
+            <a:off x="827584" y="2204864"/>
+            <a:ext cx="7560839" cy="360040"/>
+          </a:xfrm>
+          <a:prstGeom prst="rect">
+            <a:avLst/>
+          </a:prstGeom>
+          <a:solidFill>
+            <a:schemeClr val="tx2">
+              <a:lumMod val="20000"/>
+              <a:lumOff val="80000"/>
+            </a:schemeClr>
+          </a:solidFill>
+          <a:ln>
+            <a:solidFill>
+              <a:schemeClr val="tx2">
+                <a:lumMod val="40000"/>
+                <a:lumOff val="60000"/>
+              </a:schemeClr>
+            </a:solidFill>
+          </a:ln>
+        </p:spPr>
+        <p:style>
+          <a:lnRef idx="1">
+            <a:schemeClr val="dk1"/>
+          </a:lnRef>
+          <a:fillRef idx="2">
+            <a:schemeClr val="dk1"/>
+          </a:fillRef>
+          <a:effectRef idx="1">
+            <a:schemeClr val="dk1"/>
+          </a:effectRef>
+          <a:fontRef idx="minor">
+            <a:schemeClr val="dk1"/>
+          </a:fontRef>
+        </p:style>
+        <p:txBody>
+          <a:bodyPr rtlCol="0" anchor="t"/>
+          <a:lstStyle/>
+          <a:p>
+            <a:r>
+              <a:rPr lang="en-US" altLang="ja-JP" dirty="0" err="1" smtClean="0">
+                <a:latin typeface="Courier New" panose="02070309020205020404" pitchFamily="49" charset="0"/>
+                <a:cs typeface="Courier New" panose="02070309020205020404" pitchFamily="49" charset="0"/>
+              </a:rPr>
+              <a:t>df</a:t>
+            </a:r>
+            <a:r>
+              <a:rPr lang="en-US" altLang="ja-JP" dirty="0" smtClean="0">
+                <a:latin typeface="Courier New" panose="02070309020205020404" pitchFamily="49" charset="0"/>
+                <a:cs typeface="Courier New" panose="02070309020205020404" pitchFamily="49" charset="0"/>
+              </a:rPr>
+              <a:t> </a:t>
+            </a:r>
+            <a:r>
+              <a:rPr lang="en-US" altLang="ja-JP" dirty="0">
+                <a:latin typeface="Courier New" panose="02070309020205020404" pitchFamily="49" charset="0"/>
+                <a:cs typeface="Courier New" panose="02070309020205020404" pitchFamily="49" charset="0"/>
+              </a:rPr>
+              <a:t>= Daru::</a:t>
+            </a:r>
+            <a:r>
+              <a:rPr lang="en-US" altLang="ja-JP" dirty="0" err="1">
+                <a:latin typeface="Courier New" panose="02070309020205020404" pitchFamily="49" charset="0"/>
+                <a:cs typeface="Courier New" panose="02070309020205020404" pitchFamily="49" charset="0"/>
+              </a:rPr>
+              <a:t>DataFrame.new</a:t>
+            </a:r>
+            <a:r>
+              <a:rPr lang="en-US" altLang="ja-JP" dirty="0">
+                <a:latin typeface="Courier New" panose="02070309020205020404" pitchFamily="49" charset="0"/>
+                <a:cs typeface="Courier New" panose="02070309020205020404" pitchFamily="49" charset="0"/>
+              </a:rPr>
+              <a:t>(x: [1,2,3], y: [4,5,6</a:t>
+            </a:r>
+            <a:r>
+              <a:rPr lang="en-US" altLang="ja-JP" dirty="0" smtClean="0">
+                <a:latin typeface="Courier New" panose="02070309020205020404" pitchFamily="49" charset="0"/>
+                <a:cs typeface="Courier New" panose="02070309020205020404" pitchFamily="49" charset="0"/>
+              </a:rPr>
+              <a:t>])</a:t>
+            </a:r>
+            <a:endParaRPr kumimoji="1" lang="en-US" altLang="ja-JP" dirty="0" smtClean="0">
+              <a:latin typeface="Courier New" panose="02070309020205020404" pitchFamily="49" charset="0"/>
+              <a:cs typeface="Courier New" panose="02070309020205020404" pitchFamily="49" charset="0"/>
+            </a:endParaRPr>
+          </a:p>
+        </p:txBody>
+      </p:sp>
+      <p:sp>
+        <p:nvSpPr>
+          <p:cNvPr id="6" name="正方形/長方形 5"/>
+          <p:cNvSpPr/>
+          <p:nvPr/>
+        </p:nvSpPr>
+        <p:spPr>
+          <a:xfrm>
+            <a:off x="827584" y="4005064"/>
+            <a:ext cx="7560839" cy="360040"/>
+          </a:xfrm>
+          <a:prstGeom prst="rect">
+            <a:avLst/>
+          </a:prstGeom>
+          <a:solidFill>
+            <a:schemeClr val="tx2">
+              <a:lumMod val="20000"/>
+              <a:lumOff val="80000"/>
+            </a:schemeClr>
+          </a:solidFill>
+          <a:ln>
+            <a:solidFill>
+              <a:schemeClr val="tx2">
+                <a:lumMod val="40000"/>
+                <a:lumOff val="60000"/>
+              </a:schemeClr>
+            </a:solidFill>
+          </a:ln>
+        </p:spPr>
+        <p:style>
+          <a:lnRef idx="1">
+            <a:schemeClr val="dk1"/>
+          </a:lnRef>
+          <a:fillRef idx="2">
+            <a:schemeClr val="dk1"/>
+          </a:fillRef>
+          <a:effectRef idx="1">
+            <a:schemeClr val="dk1"/>
+          </a:effectRef>
+          <a:fontRef idx="minor">
+            <a:schemeClr val="dk1"/>
+          </a:fontRef>
+        </p:style>
+        <p:txBody>
+          <a:bodyPr rtlCol="0" anchor="t"/>
+          <a:lstStyle/>
+          <a:p>
+            <a:r>
+              <a:rPr lang="en-US" altLang="ja-JP" dirty="0" err="1">
+                <a:latin typeface="Courier New" panose="02070309020205020404" pitchFamily="49" charset="0"/>
+                <a:cs typeface="Courier New" panose="02070309020205020404" pitchFamily="49" charset="0"/>
+              </a:rPr>
+              <a:t>df.filter_rows</a:t>
+            </a:r>
+            <a:r>
+              <a:rPr lang="en-US" altLang="ja-JP" dirty="0">
+                <a:latin typeface="Courier New" panose="02070309020205020404" pitchFamily="49" charset="0"/>
+                <a:cs typeface="Courier New" panose="02070309020205020404" pitchFamily="49" charset="0"/>
+              </a:rPr>
+              <a:t> {|row| row[:x] &gt; 1}</a:t>
+            </a:r>
+            <a:endParaRPr kumimoji="1" lang="en-US" altLang="ja-JP" dirty="0" smtClean="0">
+              <a:latin typeface="Courier New" panose="02070309020205020404" pitchFamily="49" charset="0"/>
+              <a:cs typeface="Courier New" panose="02070309020205020404" pitchFamily="49" charset="0"/>
+            </a:endParaRPr>
+          </a:p>
+        </p:txBody>
+      </p:sp>
+      <p:sp>
+        <p:nvSpPr>
+          <p:cNvPr id="7" name="正方形/長方形 6"/>
+          <p:cNvSpPr/>
+          <p:nvPr/>
+        </p:nvSpPr>
+        <p:spPr>
+          <a:xfrm>
+            <a:off x="827584" y="5115214"/>
+            <a:ext cx="7560839" cy="360040"/>
+          </a:xfrm>
+          <a:prstGeom prst="rect">
+            <a:avLst/>
+          </a:prstGeom>
+          <a:solidFill>
+            <a:schemeClr val="tx2">
+              <a:lumMod val="20000"/>
+              <a:lumOff val="80000"/>
+            </a:schemeClr>
+          </a:solidFill>
+          <a:ln>
+            <a:solidFill>
+              <a:schemeClr val="tx2">
+                <a:lumMod val="40000"/>
+                <a:lumOff val="60000"/>
+              </a:schemeClr>
+            </a:solidFill>
+          </a:ln>
+        </p:spPr>
+        <p:style>
+          <a:lnRef idx="1">
+            <a:schemeClr val="dk1"/>
+          </a:lnRef>
+          <a:fillRef idx="2">
+            <a:schemeClr val="dk1"/>
+          </a:fillRef>
+          <a:effectRef idx="1">
+            <a:schemeClr val="dk1"/>
+          </a:effectRef>
+          <a:fontRef idx="minor">
+            <a:schemeClr val="dk1"/>
+          </a:fontRef>
+        </p:style>
+        <p:txBody>
+          <a:bodyPr rtlCol="0" anchor="t"/>
+          <a:lstStyle/>
+          <a:p>
+            <a:r>
+              <a:rPr lang="en-US" altLang="ja-JP" dirty="0" err="1">
+                <a:latin typeface="Courier New" panose="02070309020205020404" pitchFamily="49" charset="0"/>
+                <a:cs typeface="Courier New" panose="02070309020205020404" pitchFamily="49" charset="0"/>
+              </a:rPr>
+              <a:t>df.where</a:t>
+            </a:r>
+            <a:r>
+              <a:rPr lang="en-US" altLang="ja-JP" dirty="0">
+                <a:latin typeface="Courier New" panose="02070309020205020404" pitchFamily="49" charset="0"/>
+                <a:cs typeface="Courier New" panose="02070309020205020404" pitchFamily="49" charset="0"/>
+              </a:rPr>
+              <a:t>(</a:t>
+            </a:r>
+            <a:r>
+              <a:rPr lang="en-US" altLang="ja-JP" dirty="0" err="1">
+                <a:latin typeface="Courier New" panose="02070309020205020404" pitchFamily="49" charset="0"/>
+                <a:cs typeface="Courier New" panose="02070309020205020404" pitchFamily="49" charset="0"/>
+              </a:rPr>
+              <a:t>df</a:t>
+            </a:r>
+            <a:r>
+              <a:rPr lang="en-US" altLang="ja-JP" dirty="0">
+                <a:latin typeface="Courier New" panose="02070309020205020404" pitchFamily="49" charset="0"/>
+                <a:cs typeface="Courier New" panose="02070309020205020404" pitchFamily="49" charset="0"/>
+              </a:rPr>
+              <a:t>[:x].</a:t>
+            </a:r>
+            <a:r>
+              <a:rPr lang="en-US" altLang="ja-JP" dirty="0" err="1">
+                <a:latin typeface="Courier New" panose="02070309020205020404" pitchFamily="49" charset="0"/>
+                <a:cs typeface="Courier New" panose="02070309020205020404" pitchFamily="49" charset="0"/>
+              </a:rPr>
+              <a:t>gt</a:t>
+            </a:r>
+            <a:r>
+              <a:rPr lang="en-US" altLang="ja-JP" dirty="0">
+                <a:latin typeface="Courier New" panose="02070309020205020404" pitchFamily="49" charset="0"/>
+                <a:cs typeface="Courier New" panose="02070309020205020404" pitchFamily="49" charset="0"/>
+              </a:rPr>
+              <a:t>(1))</a:t>
+            </a:r>
+            <a:endParaRPr kumimoji="1" lang="en-US" altLang="ja-JP" dirty="0" smtClean="0">
+              <a:latin typeface="Courier New" panose="02070309020205020404" pitchFamily="49" charset="0"/>
+              <a:cs typeface="Courier New" panose="02070309020205020404" pitchFamily="49" charset="0"/>
+            </a:endParaRPr>
+          </a:p>
+        </p:txBody>
+      </p:sp>
+    </p:spTree>
+    <p:extLst>
+      <p:ext uri="{BB962C8B-B14F-4D97-AF65-F5344CB8AC3E}">
+        <p14:creationId xmlns:p14="http://schemas.microsoft.com/office/powerpoint/2010/main" val="747567265"/>
+      </p:ext>
+    </p:extLst>
+  </p:cSld>
+  <p:clrMapOvr>
+    <a:masterClrMapping/>
+  </p:clrMapOvr>
+  <p:timing>
+    <p:tnLst>
+      <p:par>
+        <p:cTn id="1" dur="indefinite" restart="never" nodeType="tmRoot"/>
+      </p:par>
+    </p:tnLst>
+  </p:timing>
+</p:sld>
+</file>
+
+<file path=ppt/slides/slide29.xml><?xml version="1.0" encoding="utf-8"?>
+<p:sld xmlns:a="http://schemas.openxmlformats.org/drawingml/2006/main" xmlns:r="http://schemas.openxmlformats.org/officeDocument/2006/relationships" xmlns:p="http://schemas.openxmlformats.org/presentationml/2006/main">
+  <p:cSld>
+    <p:spTree>
+      <p:nvGrpSpPr>
+        <p:cNvPr id="1" name=""/>
+        <p:cNvGrpSpPr/>
+        <p:nvPr/>
+      </p:nvGrpSpPr>
+      <p:grpSpPr>
+        <a:xfrm>
+          <a:off x="0" y="0"/>
+          <a:ext cx="0" cy="0"/>
+          <a:chOff x="0" y="0"/>
+          <a:chExt cx="0" cy="0"/>
+        </a:xfrm>
+      </p:grpSpPr>
+      <p:sp>
+        <p:nvSpPr>
+          <p:cNvPr id="2" name="タイトル 1"/>
+          <p:cNvSpPr>
+            <a:spLocks noGrp="1"/>
+          </p:cNvSpPr>
+          <p:nvPr>
+            <p:ph type="title"/>
+          </p:nvPr>
+        </p:nvSpPr>
+        <p:spPr/>
+        <p:txBody>
+          <a:bodyPr/>
+          <a:lstStyle/>
+          <a:p>
+            <a:r>
+              <a:rPr kumimoji="1" lang="en-US" altLang="ja-JP" dirty="0" err="1" smtClean="0"/>
+              <a:t>Nyaplot</a:t>
+            </a:r>
+            <a:endParaRPr kumimoji="1" lang="ja-JP" altLang="en-US" dirty="0"/>
+          </a:p>
+        </p:txBody>
+      </p:sp>
+      <p:sp>
+        <p:nvSpPr>
+          <p:cNvPr id="3" name="コンテンツ プレースホルダー 2"/>
+          <p:cNvSpPr>
+            <a:spLocks noGrp="1"/>
+          </p:cNvSpPr>
+          <p:nvPr>
+            <p:ph idx="1"/>
+          </p:nvPr>
+        </p:nvSpPr>
+        <p:spPr/>
+        <p:txBody>
+          <a:bodyPr/>
+          <a:lstStyle/>
+          <a:p>
+            <a:r>
+              <a:rPr lang="ja-JP" altLang="en-US" dirty="0" smtClean="0"/>
+              <a:t>プロットライブラリ</a:t>
+            </a:r>
+            <a:endParaRPr lang="en-US" altLang="ja-JP" dirty="0" smtClean="0"/>
+          </a:p>
+          <a:p>
+            <a:r>
+              <a:rPr lang="en-US" altLang="ja-JP" dirty="0" err="1" smtClean="0"/>
+              <a:t>Jupyter</a:t>
+            </a:r>
+            <a:r>
+              <a:rPr lang="en-US" altLang="ja-JP" dirty="0" smtClean="0"/>
+              <a:t> notebook</a:t>
+            </a:r>
+            <a:r>
+              <a:rPr lang="ja-JP" altLang="en-US" dirty="0" smtClean="0"/>
+              <a:t>上で動作</a:t>
+            </a:r>
+            <a:endParaRPr lang="en-US" altLang="ja-JP" dirty="0" smtClean="0"/>
+          </a:p>
+          <a:p>
+            <a:r>
+              <a:rPr lang="en-US" altLang="ja-JP" dirty="0" err="1" smtClean="0"/>
+              <a:t>WebGL</a:t>
+            </a:r>
+            <a:r>
+              <a:rPr lang="ja-JP" altLang="en-US" dirty="0" smtClean="0"/>
+              <a:t>を利用した</a:t>
+            </a:r>
+            <a:r>
+              <a:rPr lang="en-US" altLang="ja-JP" dirty="0" smtClean="0"/>
+              <a:t>3D</a:t>
+            </a:r>
+            <a:r>
+              <a:rPr lang="ja-JP" altLang="en-US" dirty="0" smtClean="0"/>
+              <a:t>プロットも可能</a:t>
+            </a:r>
+            <a:endParaRPr lang="en-US" altLang="ja-JP" dirty="0" smtClean="0"/>
+          </a:p>
+          <a:p>
+            <a:r>
+              <a:rPr lang="ja-JP" altLang="en-US" dirty="0" smtClean="0"/>
+              <a:t>散布図のプロット例</a:t>
+            </a:r>
+            <a:endParaRPr lang="en-US" altLang="ja-JP" dirty="0" smtClean="0"/>
+          </a:p>
+        </p:txBody>
+      </p:sp>
+      <p:sp>
+        <p:nvSpPr>
+          <p:cNvPr id="4" name="スライド番号プレースホルダー 3"/>
+          <p:cNvSpPr>
+            <a:spLocks noGrp="1"/>
+          </p:cNvSpPr>
+          <p:nvPr>
+            <p:ph type="sldNum" sz="quarter" idx="12"/>
+          </p:nvPr>
+        </p:nvSpPr>
+        <p:spPr/>
+        <p:txBody>
+          <a:bodyPr/>
+          <a:lstStyle/>
+          <a:p>
+            <a:fld id="{D2D8002D-B5B0-4BAC-B1F6-782DDCCE6D9C}" type="slidenum">
+              <a:rPr kumimoji="1" lang="ja-JP" altLang="en-US" smtClean="0"/>
+              <a:t>28</a:t>
+            </a:fld>
+            <a:endParaRPr kumimoji="1" lang="ja-JP" altLang="en-US" dirty="0"/>
+          </a:p>
+        </p:txBody>
+      </p:sp>
+      <p:sp>
+        <p:nvSpPr>
+          <p:cNvPr id="5" name="正方形/長方形 4"/>
+          <p:cNvSpPr/>
+          <p:nvPr/>
+        </p:nvSpPr>
+        <p:spPr>
+          <a:xfrm>
+            <a:off x="899592" y="3573016"/>
+            <a:ext cx="7560839" cy="936104"/>
+          </a:xfrm>
+          <a:prstGeom prst="rect">
+            <a:avLst/>
+          </a:prstGeom>
+          <a:solidFill>
+            <a:schemeClr val="tx2">
+              <a:lumMod val="20000"/>
+              <a:lumOff val="80000"/>
+            </a:schemeClr>
+          </a:solidFill>
+          <a:ln>
+            <a:solidFill>
+              <a:schemeClr val="tx2">
+                <a:lumMod val="40000"/>
+                <a:lumOff val="60000"/>
+              </a:schemeClr>
+            </a:solidFill>
+          </a:ln>
+        </p:spPr>
+        <p:style>
+          <a:lnRef idx="1">
+            <a:schemeClr val="dk1"/>
+          </a:lnRef>
+          <a:fillRef idx="2">
+            <a:schemeClr val="dk1"/>
+          </a:fillRef>
+          <a:effectRef idx="1">
+            <a:schemeClr val="dk1"/>
+          </a:effectRef>
+          <a:fontRef idx="minor">
+            <a:schemeClr val="dk1"/>
+          </a:fontRef>
+        </p:style>
+        <p:txBody>
+          <a:bodyPr rtlCol="0" anchor="t"/>
+          <a:lstStyle/>
+          <a:p>
+            <a:r>
+              <a:rPr lang="en-US" altLang="ja-JP" dirty="0">
+                <a:latin typeface="Courier New" panose="02070309020205020404" pitchFamily="49" charset="0"/>
+                <a:cs typeface="Courier New" panose="02070309020205020404" pitchFamily="49" charset="0"/>
+              </a:rPr>
+              <a:t>plot = </a:t>
+            </a:r>
+            <a:r>
+              <a:rPr lang="en-US" altLang="ja-JP" dirty="0" err="1">
+                <a:latin typeface="Courier New" panose="02070309020205020404" pitchFamily="49" charset="0"/>
+                <a:cs typeface="Courier New" panose="02070309020205020404" pitchFamily="49" charset="0"/>
+              </a:rPr>
+              <a:t>Nyaplot</a:t>
+            </a:r>
+            <a:r>
+              <a:rPr lang="en-US" altLang="ja-JP" dirty="0">
+                <a:latin typeface="Courier New" panose="02070309020205020404" pitchFamily="49" charset="0"/>
+                <a:cs typeface="Courier New" panose="02070309020205020404" pitchFamily="49" charset="0"/>
+              </a:rPr>
+              <a:t>::</a:t>
+            </a:r>
+            <a:r>
+              <a:rPr lang="en-US" altLang="ja-JP" dirty="0" err="1">
+                <a:latin typeface="Courier New" panose="02070309020205020404" pitchFamily="49" charset="0"/>
+                <a:cs typeface="Courier New" panose="02070309020205020404" pitchFamily="49" charset="0"/>
+              </a:rPr>
+              <a:t>Plot.new</a:t>
+            </a:r>
+            <a:endParaRPr lang="en-US" altLang="ja-JP" dirty="0">
+              <a:latin typeface="Courier New" panose="02070309020205020404" pitchFamily="49" charset="0"/>
+              <a:cs typeface="Courier New" panose="02070309020205020404" pitchFamily="49" charset="0"/>
+            </a:endParaRPr>
+          </a:p>
+          <a:p>
+            <a:r>
+              <a:rPr lang="en-US" altLang="ja-JP" dirty="0" err="1">
+                <a:latin typeface="Courier New" panose="02070309020205020404" pitchFamily="49" charset="0"/>
+                <a:cs typeface="Courier New" panose="02070309020205020404" pitchFamily="49" charset="0"/>
+              </a:rPr>
+              <a:t>sc</a:t>
+            </a:r>
+            <a:r>
+              <a:rPr lang="en-US" altLang="ja-JP" dirty="0">
+                <a:latin typeface="Courier New" panose="02070309020205020404" pitchFamily="49" charset="0"/>
+                <a:cs typeface="Courier New" panose="02070309020205020404" pitchFamily="49" charset="0"/>
+              </a:rPr>
+              <a:t> = </a:t>
+            </a:r>
+            <a:r>
+              <a:rPr lang="en-US" altLang="ja-JP" dirty="0" err="1">
+                <a:latin typeface="Courier New" panose="02070309020205020404" pitchFamily="49" charset="0"/>
+                <a:cs typeface="Courier New" panose="02070309020205020404" pitchFamily="49" charset="0"/>
+              </a:rPr>
+              <a:t>plot.add</a:t>
+            </a:r>
+            <a:r>
+              <a:rPr lang="en-US" altLang="ja-JP" dirty="0">
+                <a:latin typeface="Courier New" panose="02070309020205020404" pitchFamily="49" charset="0"/>
+                <a:cs typeface="Courier New" panose="02070309020205020404" pitchFamily="49" charset="0"/>
+              </a:rPr>
+              <a:t>(:scatter, [0,1,2,3,4], [-1,2,-3,4,-5])</a:t>
+            </a:r>
+          </a:p>
+          <a:p>
+            <a:r>
+              <a:rPr lang="en-US" altLang="ja-JP" dirty="0" err="1">
+                <a:latin typeface="Courier New" panose="02070309020205020404" pitchFamily="49" charset="0"/>
+                <a:cs typeface="Courier New" panose="02070309020205020404" pitchFamily="49" charset="0"/>
+              </a:rPr>
+              <a:t>plot.show</a:t>
+            </a:r>
+            <a:endParaRPr kumimoji="1" lang="ja-JP" altLang="en-US" dirty="0">
+              <a:latin typeface="Courier New" panose="02070309020205020404" pitchFamily="49" charset="0"/>
+              <a:cs typeface="Courier New" panose="02070309020205020404" pitchFamily="49" charset="0"/>
+            </a:endParaRPr>
+          </a:p>
+        </p:txBody>
+      </p:sp>
+    </p:spTree>
+    <p:extLst>
+      <p:ext uri="{BB962C8B-B14F-4D97-AF65-F5344CB8AC3E}">
+        <p14:creationId xmlns:p14="http://schemas.microsoft.com/office/powerpoint/2010/main" val="1719597331"/>
+      </p:ext>
+    </p:extLst>
+  </p:cSld>
+  <p:clrMapOvr>
+    <a:masterClrMapping/>
+  </p:clrMapOvr>
+  <p:timing>
+    <p:tnLst>
+      <p:par>
+        <p:cTn id="1" dur="indefinite" restart="never" nodeType="tmRoot"/>
+      </p:par>
+    </p:tnLst>
+  </p:timing>
+</p:sld>
+</file>
+
 <file path=ppt/slides/slide3.xml><?xml version="1.0" encoding="utf-8"?>
 <p:sld xmlns:a="http://schemas.openxmlformats.org/drawingml/2006/main" xmlns:r="http://schemas.openxmlformats.org/officeDocument/2006/relationships" xmlns:p="http://schemas.openxmlformats.org/presentationml/2006/main">
   <p:cSld>
@@ -14122,12 +14346,16 @@
           <a:lstStyle/>
           <a:p>
             <a:r>
+              <a:rPr kumimoji="1" lang="en-US" altLang="ja-JP" dirty="0" err="1" smtClean="0"/>
+              <a:t>Jupyter</a:t>
+            </a:r>
+            <a:r>
               <a:rPr kumimoji="1" lang="en-US" altLang="ja-JP" dirty="0" smtClean="0"/>
-              <a:t>Daru::</a:t>
+              <a:t>/</a:t>
             </a:r>
             <a:r>
               <a:rPr kumimoji="1" lang="en-US" altLang="ja-JP" dirty="0" err="1" smtClean="0"/>
-              <a:t>DataFrame</a:t>
+              <a:t>IRuby</a:t>
             </a:r>
             <a:endParaRPr kumimoji="1" lang="ja-JP" altLang="en-US" dirty="0"/>
           </a:p>
@@ -14149,71 +14377,105 @@
           <a:lstStyle/>
           <a:p>
             <a:r>
+              <a:rPr kumimoji="1" lang="en-US" altLang="ja-JP" dirty="0" err="1" smtClean="0"/>
+              <a:t>Jupyter</a:t>
+            </a:r>
+            <a:endParaRPr kumimoji="1" lang="en-US" altLang="ja-JP" dirty="0" smtClean="0"/>
+          </a:p>
+          <a:p>
+            <a:pPr lvl="1"/>
+            <a:r>
               <a:rPr lang="en-US" altLang="ja-JP" dirty="0" smtClean="0"/>
-              <a:t>2</a:t>
+              <a:t>Web</a:t>
             </a:r>
             <a:r>
               <a:rPr lang="ja-JP" altLang="en-US" dirty="0" smtClean="0"/>
-              <a:t>次元のスプレッドシート風データ</a:t>
-            </a:r>
+              <a:t>アプリケーションによる対話環境</a:t>
+            </a:r>
+            <a:endParaRPr lang="en-US" altLang="ja-JP" dirty="0" smtClean="0"/>
+          </a:p>
+          <a:p>
+            <a:pPr lvl="1"/>
+            <a:r>
+              <a:rPr kumimoji="1" lang="en-US" altLang="ja-JP" dirty="0" smtClean="0"/>
+              <a:t>Mathematica</a:t>
+            </a:r>
+            <a:r>
+              <a:rPr kumimoji="1" lang="ja-JP" altLang="en-US" dirty="0" smtClean="0"/>
+              <a:t>風のノートブック</a:t>
+            </a:r>
+            <a:endParaRPr lang="en-US" altLang="ja-JP" dirty="0"/>
+          </a:p>
+          <a:p>
+            <a:pPr lvl="2"/>
             <a:r>
               <a:rPr lang="ja-JP" altLang="en-US" dirty="0" smtClean="0"/>
-              <a:t>構造</a:t>
+              <a:t>プログラムの対話的実行</a:t>
             </a:r>
             <a:endParaRPr lang="en-US" altLang="ja-JP" dirty="0" smtClean="0"/>
           </a:p>
           <a:p>
-            <a:endParaRPr kumimoji="1" lang="en-US" altLang="ja-JP" dirty="0"/>
-          </a:p>
-          <a:p>
+            <a:pPr lvl="2"/>
+            <a:r>
+              <a:rPr kumimoji="1" lang="ja-JP" altLang="en-US" dirty="0" smtClean="0"/>
+              <a:t>グラフの描画</a:t>
+            </a:r>
+            <a:endParaRPr kumimoji="1" lang="en-US" altLang="ja-JP" dirty="0" smtClean="0"/>
+          </a:p>
+          <a:p>
+            <a:pPr lvl="1"/>
             <a:r>
               <a:rPr lang="ja-JP" altLang="en-US" dirty="0" smtClean="0"/>
-              <a:t>各列が</a:t>
+              <a:t>プログラミング言語非依存</a:t>
+            </a:r>
+            <a:endParaRPr lang="en-US" altLang="ja-JP" dirty="0" smtClean="0"/>
+          </a:p>
+          <a:p>
+            <a:pPr lvl="2"/>
+            <a:r>
+              <a:rPr lang="ja-JP" altLang="en-US" dirty="0" smtClean="0"/>
+              <a:t>各言語の実行環境をカーネルとして提供</a:t>
+            </a:r>
+            <a:endParaRPr lang="en-US" altLang="ja-JP" dirty="0" smtClean="0"/>
+          </a:p>
+          <a:p>
+            <a:pPr lvl="2"/>
+            <a:r>
+              <a:rPr lang="ja-JP" altLang="en-US" dirty="0" smtClean="0"/>
+              <a:t>プロセス間</a:t>
+            </a:r>
+            <a:r>
+              <a:rPr lang="ja-JP" altLang="en-US" dirty="0"/>
+              <a:t>通信</a:t>
+            </a:r>
+            <a:endParaRPr lang="en-US" altLang="ja-JP" dirty="0" smtClean="0"/>
+          </a:p>
+          <a:p>
+            <a:r>
+              <a:rPr kumimoji="1" lang="en-US" altLang="ja-JP" dirty="0" err="1" smtClean="0"/>
+              <a:t>IRuby</a:t>
+            </a:r>
+            <a:endParaRPr kumimoji="1" lang="en-US" altLang="ja-JP" dirty="0" smtClean="0"/>
+          </a:p>
+          <a:p>
+            <a:pPr lvl="1"/>
+            <a:r>
+              <a:rPr lang="en-US" altLang="ja-JP" dirty="0" err="1" smtClean="0"/>
+              <a:t>Jupyter</a:t>
+            </a:r>
+            <a:r>
+              <a:rPr lang="ja-JP" altLang="en-US" dirty="0" smtClean="0"/>
+              <a:t>の</a:t>
             </a:r>
             <a:r>
               <a:rPr lang="en-US" altLang="ja-JP" dirty="0" smtClean="0"/>
-              <a:t>Daru::Vector</a:t>
+              <a:t>Ruby</a:t>
             </a:r>
             <a:r>
               <a:rPr lang="ja-JP" altLang="en-US" dirty="0" smtClean="0"/>
-              <a:t>によって表現され</a:t>
-            </a:r>
-            <a:r>
-              <a:rPr lang="ja-JP" altLang="en-US" dirty="0"/>
-              <a:t>る</a:t>
-            </a:r>
-            <a:endParaRPr lang="en-US" altLang="ja-JP" dirty="0" smtClean="0"/>
-          </a:p>
-          <a:p>
-            <a:r>
-              <a:rPr kumimoji="1" lang="ja-JP" altLang="en-US" dirty="0" smtClean="0"/>
-              <a:t>列単位の処理は速いが、行単位の処理は遅い</a:t>
-            </a:r>
-            <a:endParaRPr kumimoji="1" lang="en-US" altLang="ja-JP" dirty="0" smtClean="0"/>
-          </a:p>
-          <a:p>
-            <a:pPr lvl="1"/>
-            <a:r>
-              <a:rPr lang="ja-JP" altLang="en-US" dirty="0" smtClean="0"/>
-              <a:t>とくに遅い例</a:t>
-            </a:r>
-            <a:endParaRPr lang="en-US" altLang="ja-JP" dirty="0"/>
-          </a:p>
-          <a:p>
-            <a:pPr lvl="1"/>
-            <a:endParaRPr kumimoji="1" lang="en-US" altLang="ja-JP" dirty="0" smtClean="0"/>
-          </a:p>
-          <a:p>
-            <a:pPr lvl="1"/>
-            <a:endParaRPr kumimoji="1" lang="en-US" altLang="ja-JP" dirty="0" smtClean="0"/>
-          </a:p>
-          <a:p>
-            <a:pPr lvl="1"/>
-            <a:r>
-              <a:rPr lang="ja-JP" altLang="en-US" dirty="0"/>
-              <a:t>高速化</a:t>
-            </a:r>
-            <a:endParaRPr lang="en-US" altLang="ja-JP" dirty="0"/>
+              <a:t>カーネル</a:t>
+            </a:r>
+            <a:endParaRPr kumimoji="1" lang="ja-JP" altLang="en-US" dirty="0"/>
           </a:p>
         </p:txBody>
       </p:sp>
@@ -14240,6 +14502,787 @@
           </a:p>
         </p:txBody>
       </p:sp>
+    </p:spTree>
+    <p:extLst>
+      <p:ext uri="{BB962C8B-B14F-4D97-AF65-F5344CB8AC3E}">
+        <p14:creationId xmlns:p14="http://schemas.microsoft.com/office/powerpoint/2010/main" val="1471523091"/>
+      </p:ext>
+    </p:extLst>
+  </p:cSld>
+  <p:clrMapOvr>
+    <a:masterClrMapping/>
+  </p:clrMapOvr>
+  <p:timing>
+    <p:tnLst>
+      <p:par>
+        <p:cTn id="1" dur="indefinite" restart="never" nodeType="tmRoot"/>
+      </p:par>
+    </p:tnLst>
+  </p:timing>
+</p:sld>
+</file>
+
+<file path=ppt/slides/slide31.xml><?xml version="1.0" encoding="utf-8"?>
+<p:sld xmlns:a="http://schemas.openxmlformats.org/drawingml/2006/main" xmlns:r="http://schemas.openxmlformats.org/officeDocument/2006/relationships" xmlns:p="http://schemas.openxmlformats.org/presentationml/2006/main">
+  <p:cSld>
+    <p:spTree>
+      <p:nvGrpSpPr>
+        <p:cNvPr id="1" name=""/>
+        <p:cNvGrpSpPr/>
+        <p:nvPr/>
+      </p:nvGrpSpPr>
+      <p:grpSpPr>
+        <a:xfrm>
+          <a:off x="0" y="0"/>
+          <a:ext cx="0" cy="0"/>
+          <a:chOff x="0" y="0"/>
+          <a:chExt cx="0" cy="0"/>
+        </a:xfrm>
+      </p:grpSpPr>
+      <p:sp>
+        <p:nvSpPr>
+          <p:cNvPr id="2" name="タイトル 1"/>
+          <p:cNvSpPr>
+            <a:spLocks noGrp="1"/>
+          </p:cNvSpPr>
+          <p:nvPr>
+            <p:ph type="title"/>
+          </p:nvPr>
+        </p:nvSpPr>
+        <p:spPr/>
+        <p:txBody>
+          <a:bodyPr/>
+          <a:lstStyle/>
+          <a:p>
+            <a:r>
+              <a:rPr kumimoji="1" lang="en-US" altLang="ja-JP" dirty="0" err="1" smtClean="0"/>
+              <a:t>SciRuby</a:t>
+            </a:r>
+            <a:endParaRPr kumimoji="1" lang="ja-JP" altLang="en-US" dirty="0"/>
+          </a:p>
+        </p:txBody>
+      </p:sp>
+      <p:sp>
+        <p:nvSpPr>
+          <p:cNvPr id="3" name="コンテンツ プレースホルダー 2"/>
+          <p:cNvSpPr>
+            <a:spLocks noGrp="1"/>
+          </p:cNvSpPr>
+          <p:nvPr>
+            <p:ph idx="1"/>
+          </p:nvPr>
+        </p:nvSpPr>
+        <p:spPr/>
+        <p:txBody>
+          <a:bodyPr/>
+          <a:lstStyle/>
+          <a:p>
+            <a:r>
+              <a:rPr lang="en-US" altLang="ja-JP" dirty="0" smtClean="0"/>
+              <a:t>Ruby</a:t>
+            </a:r>
+            <a:r>
+              <a:rPr lang="ja-JP" altLang="en-US" dirty="0" smtClean="0"/>
+              <a:t>用の科学計算ライブラリの開発プロジェクト</a:t>
+            </a:r>
+            <a:endParaRPr lang="en-US" altLang="ja-JP" dirty="0" smtClean="0"/>
+          </a:p>
+          <a:p>
+            <a:r>
+              <a:rPr kumimoji="1" lang="en-US" altLang="ja-JP" dirty="0" err="1" smtClean="0"/>
+              <a:t>NMatrix</a:t>
+            </a:r>
+            <a:r>
+              <a:rPr kumimoji="1" lang="ja-JP" altLang="en-US" dirty="0" smtClean="0"/>
+              <a:t>や</a:t>
+            </a:r>
+            <a:r>
+              <a:rPr kumimoji="1" lang="en-US" altLang="ja-JP" dirty="0" err="1" smtClean="0"/>
+              <a:t>daru</a:t>
+            </a:r>
+            <a:r>
+              <a:rPr lang="ja-JP" altLang="en-US" dirty="0" err="1" smtClean="0"/>
+              <a:t>、</a:t>
+            </a:r>
+            <a:r>
+              <a:rPr lang="en-US" altLang="ja-JP" dirty="0" err="1" smtClean="0"/>
+              <a:t>IRuby</a:t>
+            </a:r>
+            <a:r>
+              <a:rPr kumimoji="1" lang="ja-JP" altLang="en-US" dirty="0" smtClean="0"/>
+              <a:t>も</a:t>
+            </a:r>
+            <a:r>
+              <a:rPr kumimoji="1" lang="en-US" altLang="ja-JP" dirty="0" err="1" smtClean="0"/>
+              <a:t>SciRuby</a:t>
+            </a:r>
+            <a:r>
+              <a:rPr kumimoji="1" lang="ja-JP" altLang="en-US" dirty="0" smtClean="0"/>
+              <a:t>の一部</a:t>
+            </a:r>
+            <a:endParaRPr kumimoji="1" lang="en-US" altLang="ja-JP" dirty="0" smtClean="0"/>
+          </a:p>
+          <a:p>
+            <a:r>
+              <a:rPr kumimoji="1" lang="en-US" altLang="ja-JP" dirty="0" err="1" smtClean="0"/>
+              <a:t>Statsample</a:t>
+            </a:r>
+            <a:endParaRPr kumimoji="1" lang="en-US" altLang="ja-JP" dirty="0" smtClean="0"/>
+          </a:p>
+          <a:p>
+            <a:pPr lvl="1"/>
+            <a:r>
+              <a:rPr lang="ja-JP" altLang="en-US" dirty="0" smtClean="0"/>
+              <a:t>統計用ライブラリ</a:t>
+            </a:r>
+            <a:endParaRPr lang="en-US" altLang="ja-JP" dirty="0" smtClean="0"/>
+          </a:p>
+          <a:p>
+            <a:r>
+              <a:rPr kumimoji="1" lang="en-US" altLang="ja-JP" dirty="0" smtClean="0"/>
+              <a:t>Distribution</a:t>
+            </a:r>
+          </a:p>
+          <a:p>
+            <a:pPr lvl="1"/>
+            <a:r>
+              <a:rPr lang="ja-JP" altLang="en-US" dirty="0" smtClean="0"/>
+              <a:t>確率分布用ライブラリ</a:t>
+            </a:r>
+            <a:endParaRPr kumimoji="1" lang="ja-JP" altLang="en-US" dirty="0"/>
+          </a:p>
+        </p:txBody>
+      </p:sp>
+      <p:sp>
+        <p:nvSpPr>
+          <p:cNvPr id="4" name="スライド番号プレースホルダー 3"/>
+          <p:cNvSpPr>
+            <a:spLocks noGrp="1"/>
+          </p:cNvSpPr>
+          <p:nvPr>
+            <p:ph type="sldNum" sz="quarter" idx="12"/>
+          </p:nvPr>
+        </p:nvSpPr>
+        <p:spPr/>
+        <p:txBody>
+          <a:bodyPr/>
+          <a:lstStyle/>
+          <a:p>
+            <a:fld id="{D2D8002D-B5B0-4BAC-B1F6-782DDCCE6D9C}" type="slidenum">
+              <a:rPr kumimoji="1" lang="ja-JP" altLang="en-US" smtClean="0"/>
+              <a:t>30</a:t>
+            </a:fld>
+            <a:endParaRPr kumimoji="1" lang="ja-JP" altLang="en-US" dirty="0"/>
+          </a:p>
+        </p:txBody>
+      </p:sp>
+    </p:spTree>
+    <p:extLst>
+      <p:ext uri="{BB962C8B-B14F-4D97-AF65-F5344CB8AC3E}">
+        <p14:creationId xmlns:p14="http://schemas.microsoft.com/office/powerpoint/2010/main" val="2257990731"/>
+      </p:ext>
+    </p:extLst>
+  </p:cSld>
+  <p:clrMapOvr>
+    <a:masterClrMapping/>
+  </p:clrMapOvr>
+  <p:timing>
+    <p:tnLst>
+      <p:par>
+        <p:cTn id="1" dur="indefinite" restart="never" nodeType="tmRoot"/>
+      </p:par>
+    </p:tnLst>
+  </p:timing>
+</p:sld>
+</file>
+
+<file path=ppt/slides/slide32.xml><?xml version="1.0" encoding="utf-8"?>
+<p:sld xmlns:a="http://schemas.openxmlformats.org/drawingml/2006/main" xmlns:r="http://schemas.openxmlformats.org/officeDocument/2006/relationships" xmlns:p="http://schemas.openxmlformats.org/presentationml/2006/main">
+  <p:cSld>
+    <p:spTree>
+      <p:nvGrpSpPr>
+        <p:cNvPr id="1" name=""/>
+        <p:cNvGrpSpPr/>
+        <p:nvPr/>
+      </p:nvGrpSpPr>
+      <p:grpSpPr>
+        <a:xfrm>
+          <a:off x="0" y="0"/>
+          <a:ext cx="0" cy="0"/>
+          <a:chOff x="0" y="0"/>
+          <a:chExt cx="0" cy="0"/>
+        </a:xfrm>
+      </p:grpSpPr>
+      <p:sp>
+        <p:nvSpPr>
+          <p:cNvPr id="2" name="タイトル 1"/>
+          <p:cNvSpPr>
+            <a:spLocks noGrp="1"/>
+          </p:cNvSpPr>
+          <p:nvPr>
+            <p:ph type="title"/>
+          </p:nvPr>
+        </p:nvSpPr>
+        <p:spPr/>
+        <p:txBody>
+          <a:bodyPr/>
+          <a:lstStyle/>
+          <a:p>
+            <a:r>
+              <a:rPr lang="ja-JP" altLang="en-US" dirty="0"/>
+              <a:t>デモ</a:t>
+            </a:r>
+            <a:endParaRPr kumimoji="1" lang="ja-JP" altLang="en-US" dirty="0"/>
+          </a:p>
+        </p:txBody>
+      </p:sp>
+      <p:sp>
+        <p:nvSpPr>
+          <p:cNvPr id="4" name="スライド番号プレースホルダー 3"/>
+          <p:cNvSpPr>
+            <a:spLocks noGrp="1"/>
+          </p:cNvSpPr>
+          <p:nvPr>
+            <p:ph type="sldNum" sz="quarter" idx="12"/>
+          </p:nvPr>
+        </p:nvSpPr>
+        <p:spPr/>
+        <p:txBody>
+          <a:bodyPr/>
+          <a:lstStyle/>
+          <a:p>
+            <a:fld id="{D2D8002D-B5B0-4BAC-B1F6-782DDCCE6D9C}" type="slidenum">
+              <a:rPr kumimoji="1" lang="ja-JP" altLang="en-US" smtClean="0"/>
+              <a:t>31</a:t>
+            </a:fld>
+            <a:endParaRPr kumimoji="1" lang="ja-JP" altLang="en-US" dirty="0"/>
+          </a:p>
+        </p:txBody>
+      </p:sp>
+    </p:spTree>
+    <p:extLst>
+      <p:ext uri="{BB962C8B-B14F-4D97-AF65-F5344CB8AC3E}">
+        <p14:creationId xmlns:p14="http://schemas.microsoft.com/office/powerpoint/2010/main" val="1075475458"/>
+      </p:ext>
+    </p:extLst>
+  </p:cSld>
+  <p:clrMapOvr>
+    <a:masterClrMapping/>
+  </p:clrMapOvr>
+  <p:timing>
+    <p:tnLst>
+      <p:par>
+        <p:cTn id="1" dur="indefinite" restart="never" nodeType="tmRoot"/>
+      </p:par>
+    </p:tnLst>
+  </p:timing>
+</p:sld>
+</file>
+
+<file path=ppt/slides/slide33.xml><?xml version="1.0" encoding="utf-8"?>
+<p:sld xmlns:a="http://schemas.openxmlformats.org/drawingml/2006/main" xmlns:r="http://schemas.openxmlformats.org/officeDocument/2006/relationships" xmlns:p="http://schemas.openxmlformats.org/presentationml/2006/main">
+  <p:cSld>
+    <p:spTree>
+      <p:nvGrpSpPr>
+        <p:cNvPr id="1" name=""/>
+        <p:cNvGrpSpPr/>
+        <p:nvPr/>
+      </p:nvGrpSpPr>
+      <p:grpSpPr>
+        <a:xfrm>
+          <a:off x="0" y="0"/>
+          <a:ext cx="0" cy="0"/>
+          <a:chOff x="0" y="0"/>
+          <a:chExt cx="0" cy="0"/>
+        </a:xfrm>
+      </p:grpSpPr>
+      <p:sp>
+        <p:nvSpPr>
+          <p:cNvPr id="2" name="タイトル 1"/>
+          <p:cNvSpPr>
+            <a:spLocks noGrp="1"/>
+          </p:cNvSpPr>
+          <p:nvPr>
+            <p:ph type="title"/>
+          </p:nvPr>
+        </p:nvSpPr>
+        <p:spPr/>
+        <p:txBody>
+          <a:bodyPr/>
+          <a:lstStyle/>
+          <a:p>
+            <a:r>
+              <a:rPr lang="ja-JP" altLang="en-US" dirty="0" smtClean="0"/>
+              <a:t>今後の課題</a:t>
+            </a:r>
+            <a:endParaRPr kumimoji="1" lang="ja-JP" altLang="en-US" dirty="0"/>
+          </a:p>
+        </p:txBody>
+      </p:sp>
+      <p:sp>
+        <p:nvSpPr>
+          <p:cNvPr id="4" name="スライド番号プレースホルダー 3"/>
+          <p:cNvSpPr>
+            <a:spLocks noGrp="1"/>
+          </p:cNvSpPr>
+          <p:nvPr>
+            <p:ph type="sldNum" sz="quarter" idx="12"/>
+          </p:nvPr>
+        </p:nvSpPr>
+        <p:spPr/>
+        <p:txBody>
+          <a:bodyPr/>
+          <a:lstStyle/>
+          <a:p>
+            <a:fld id="{D2D8002D-B5B0-4BAC-B1F6-782DDCCE6D9C}" type="slidenum">
+              <a:rPr kumimoji="1" lang="ja-JP" altLang="en-US" smtClean="0"/>
+              <a:t>32</a:t>
+            </a:fld>
+            <a:endParaRPr kumimoji="1" lang="ja-JP" altLang="en-US" dirty="0"/>
+          </a:p>
+        </p:txBody>
+      </p:sp>
+    </p:spTree>
+    <p:extLst>
+      <p:ext uri="{BB962C8B-B14F-4D97-AF65-F5344CB8AC3E}">
+        <p14:creationId xmlns:p14="http://schemas.microsoft.com/office/powerpoint/2010/main" val="811270252"/>
+      </p:ext>
+    </p:extLst>
+  </p:cSld>
+  <p:clrMapOvr>
+    <a:masterClrMapping/>
+  </p:clrMapOvr>
+  <p:timing>
+    <p:tnLst>
+      <p:par>
+        <p:cTn id="1" dur="indefinite" restart="never" nodeType="tmRoot"/>
+      </p:par>
+    </p:tnLst>
+  </p:timing>
+</p:sld>
+</file>
+
+<file path=ppt/slides/slide34.xml><?xml version="1.0" encoding="utf-8"?>
+<p:sld xmlns:a="http://schemas.openxmlformats.org/drawingml/2006/main" xmlns:r="http://schemas.openxmlformats.org/officeDocument/2006/relationships" xmlns:p="http://schemas.openxmlformats.org/presentationml/2006/main">
+  <p:cSld>
+    <p:spTree>
+      <p:nvGrpSpPr>
+        <p:cNvPr id="1" name=""/>
+        <p:cNvGrpSpPr/>
+        <p:nvPr/>
+      </p:nvGrpSpPr>
+      <p:grpSpPr>
+        <a:xfrm>
+          <a:off x="0" y="0"/>
+          <a:ext cx="0" cy="0"/>
+          <a:chOff x="0" y="0"/>
+          <a:chExt cx="0" cy="0"/>
+        </a:xfrm>
+      </p:grpSpPr>
+      <p:sp>
+        <p:nvSpPr>
+          <p:cNvPr id="2" name="タイトル 1"/>
+          <p:cNvSpPr>
+            <a:spLocks noGrp="1"/>
+          </p:cNvSpPr>
+          <p:nvPr>
+            <p:ph type="title"/>
+          </p:nvPr>
+        </p:nvSpPr>
+        <p:spPr/>
+        <p:txBody>
+          <a:bodyPr/>
+          <a:lstStyle/>
+          <a:p>
+            <a:r>
+              <a:rPr lang="ja-JP" altLang="en-US" dirty="0" smtClean="0"/>
+              <a:t>利用者が少ない</a:t>
+            </a:r>
+            <a:endParaRPr kumimoji="1" lang="ja-JP" altLang="en-US" dirty="0"/>
+          </a:p>
+        </p:txBody>
+      </p:sp>
+      <p:sp>
+        <p:nvSpPr>
+          <p:cNvPr id="6" name="コンテンツ プレースホルダー 5"/>
+          <p:cNvSpPr>
+            <a:spLocks noGrp="1"/>
+          </p:cNvSpPr>
+          <p:nvPr>
+            <p:ph idx="1"/>
+          </p:nvPr>
+        </p:nvSpPr>
+        <p:spPr/>
+        <p:txBody>
+          <a:bodyPr/>
+          <a:lstStyle/>
+          <a:p>
+            <a:r>
+              <a:rPr lang="en-US" altLang="ja-JP" dirty="0" err="1" smtClean="0"/>
+              <a:t>nmatrix</a:t>
+            </a:r>
+            <a:r>
+              <a:rPr lang="ja-JP" altLang="en-US" dirty="0" smtClean="0"/>
+              <a:t>と</a:t>
+            </a:r>
+            <a:r>
+              <a:rPr lang="en-US" altLang="ja-JP" dirty="0" err="1" smtClean="0"/>
+              <a:t>statsample</a:t>
+            </a:r>
+            <a:r>
+              <a:rPr lang="ja-JP" altLang="en-US" dirty="0" smtClean="0"/>
+              <a:t>を同時に</a:t>
+            </a:r>
+            <a:r>
+              <a:rPr lang="en-US" altLang="ja-JP" dirty="0" smtClean="0"/>
+              <a:t>require</a:t>
+            </a:r>
+            <a:r>
+              <a:rPr lang="ja-JP" altLang="en-US" dirty="0" smtClean="0"/>
+              <a:t>すると最新の</a:t>
+            </a:r>
+            <a:r>
+              <a:rPr lang="en-US" altLang="ja-JP" dirty="0" smtClean="0"/>
+              <a:t>Ruby</a:t>
+            </a:r>
+            <a:r>
+              <a:rPr lang="ja-JP" altLang="en-US" dirty="0" smtClean="0"/>
+              <a:t>ではエラー</a:t>
+            </a:r>
+            <a:r>
+              <a:rPr lang="ja-JP" altLang="en-US" dirty="0" smtClean="0"/>
+              <a:t>に</a:t>
+            </a:r>
+            <a:r>
+              <a:rPr lang="ja-JP" altLang="en-US" dirty="0" smtClean="0"/>
+              <a:t>なる</a:t>
+            </a:r>
+            <a:endParaRPr lang="en-US" altLang="ja-JP" dirty="0" smtClean="0"/>
+          </a:p>
+          <a:p>
+            <a:pPr lvl="1"/>
+            <a:r>
+              <a:rPr lang="ja-JP" altLang="en-US" dirty="0" smtClean="0"/>
+              <a:t>あまり使われていないのでは</a:t>
+            </a:r>
+            <a:r>
+              <a:rPr lang="ja-JP" altLang="en-US" dirty="0"/>
+              <a:t>？</a:t>
+            </a:r>
+            <a:endParaRPr lang="en-US" altLang="ja-JP" dirty="0" smtClean="0"/>
+          </a:p>
+          <a:p>
+            <a:r>
+              <a:rPr kumimoji="1" lang="ja-JP" altLang="en-US" dirty="0" smtClean="0"/>
+              <a:t>ドキュメントの不足</a:t>
+            </a:r>
+            <a:endParaRPr kumimoji="1" lang="en-US" altLang="ja-JP" dirty="0" smtClean="0"/>
+          </a:p>
+          <a:p>
+            <a:endParaRPr kumimoji="1" lang="ja-JP" altLang="en-US" dirty="0"/>
+          </a:p>
+        </p:txBody>
+      </p:sp>
+      <p:sp>
+        <p:nvSpPr>
+          <p:cNvPr id="4" name="スライド番号プレースホルダー 3"/>
+          <p:cNvSpPr>
+            <a:spLocks noGrp="1"/>
+          </p:cNvSpPr>
+          <p:nvPr>
+            <p:ph type="sldNum" sz="quarter" idx="12"/>
+          </p:nvPr>
+        </p:nvSpPr>
+        <p:spPr/>
+        <p:txBody>
+          <a:bodyPr/>
+          <a:lstStyle/>
+          <a:p>
+            <a:fld id="{D2D8002D-B5B0-4BAC-B1F6-782DDCCE6D9C}" type="slidenum">
+              <a:rPr kumimoji="1" lang="ja-JP" altLang="en-US" smtClean="0"/>
+              <a:t>33</a:t>
+            </a:fld>
+            <a:endParaRPr kumimoji="1" lang="ja-JP" altLang="en-US" dirty="0"/>
+          </a:p>
+        </p:txBody>
+      </p:sp>
+    </p:spTree>
+    <p:extLst>
+      <p:ext uri="{BB962C8B-B14F-4D97-AF65-F5344CB8AC3E}">
+        <p14:creationId xmlns:p14="http://schemas.microsoft.com/office/powerpoint/2010/main" val="435299899"/>
+      </p:ext>
+    </p:extLst>
+  </p:cSld>
+  <p:clrMapOvr>
+    <a:masterClrMapping/>
+  </p:clrMapOvr>
+  <p:timing>
+    <p:tnLst>
+      <p:par>
+        <p:cTn id="1" dur="indefinite" restart="never" nodeType="tmRoot"/>
+      </p:par>
+    </p:tnLst>
+  </p:timing>
+</p:sld>
+</file>
+
+<file path=ppt/slides/slide35.xml><?xml version="1.0" encoding="utf-8"?>
+<p:sld xmlns:a="http://schemas.openxmlformats.org/drawingml/2006/main" xmlns:r="http://schemas.openxmlformats.org/officeDocument/2006/relationships" xmlns:p="http://schemas.openxmlformats.org/presentationml/2006/main">
+  <p:cSld>
+    <p:spTree>
+      <p:nvGrpSpPr>
+        <p:cNvPr id="1" name=""/>
+        <p:cNvGrpSpPr/>
+        <p:nvPr/>
+      </p:nvGrpSpPr>
+      <p:grpSpPr>
+        <a:xfrm>
+          <a:off x="0" y="0"/>
+          <a:ext cx="0" cy="0"/>
+          <a:chOff x="0" y="0"/>
+          <a:chExt cx="0" cy="0"/>
+        </a:xfrm>
+      </p:grpSpPr>
+      <p:sp>
+        <p:nvSpPr>
+          <p:cNvPr id="2" name="タイトル 1"/>
+          <p:cNvSpPr>
+            <a:spLocks noGrp="1"/>
+          </p:cNvSpPr>
+          <p:nvPr>
+            <p:ph type="title"/>
+          </p:nvPr>
+        </p:nvSpPr>
+        <p:spPr/>
+        <p:txBody>
+          <a:bodyPr/>
+          <a:lstStyle/>
+          <a:p>
+            <a:r>
+              <a:rPr lang="ja-JP" altLang="en-US" dirty="0" smtClean="0"/>
+              <a:t>機能追加・機能改善</a:t>
+            </a:r>
+            <a:endParaRPr kumimoji="1" lang="ja-JP" altLang="en-US" dirty="0"/>
+          </a:p>
+        </p:txBody>
+      </p:sp>
+      <p:sp>
+        <p:nvSpPr>
+          <p:cNvPr id="6" name="コンテンツ プレースホルダー 5"/>
+          <p:cNvSpPr>
+            <a:spLocks noGrp="1"/>
+          </p:cNvSpPr>
+          <p:nvPr>
+            <p:ph idx="1"/>
+          </p:nvPr>
+        </p:nvSpPr>
+        <p:spPr/>
+        <p:txBody>
+          <a:bodyPr/>
+          <a:lstStyle/>
+          <a:p>
+            <a:r>
+              <a:rPr kumimoji="1" lang="en-US" altLang="ja-JP" dirty="0" err="1" smtClean="0"/>
+              <a:t>daru</a:t>
+            </a:r>
+            <a:endParaRPr kumimoji="1" lang="en-US" altLang="ja-JP" dirty="0" smtClean="0"/>
+          </a:p>
+          <a:p>
+            <a:pPr lvl="1"/>
+            <a:r>
+              <a:rPr kumimoji="1" lang="ja-JP" altLang="en-US" dirty="0" smtClean="0"/>
+              <a:t>欠損値の扱い</a:t>
+            </a:r>
+            <a:endParaRPr kumimoji="1" lang="en-US" altLang="ja-JP" dirty="0" smtClean="0"/>
+          </a:p>
+          <a:p>
+            <a:pPr lvl="2"/>
+            <a:r>
+              <a:rPr lang="ja-JP" altLang="en-US" dirty="0" smtClean="0"/>
+              <a:t>チェックや穴埋め</a:t>
+            </a:r>
+            <a:endParaRPr kumimoji="1" lang="en-US" altLang="ja-JP" dirty="0" smtClean="0"/>
+          </a:p>
+          <a:p>
+            <a:pPr lvl="1"/>
+            <a:r>
+              <a:rPr lang="ja-JP" altLang="en-US" dirty="0" smtClean="0"/>
+              <a:t>時系列データの扱い</a:t>
+            </a:r>
+            <a:endParaRPr lang="en-US" altLang="ja-JP" dirty="0" smtClean="0"/>
+          </a:p>
+          <a:p>
+            <a:pPr lvl="2"/>
+            <a:r>
+              <a:rPr lang="ja-JP" altLang="en-US" dirty="0" smtClean="0"/>
+              <a:t>再サンプリング</a:t>
+            </a:r>
+            <a:endParaRPr lang="en-US" altLang="ja-JP" dirty="0" smtClean="0"/>
+          </a:p>
+          <a:p>
+            <a:pPr lvl="1"/>
+            <a:r>
+              <a:rPr kumimoji="1" lang="ja-JP" altLang="en-US" dirty="0" smtClean="0"/>
+              <a:t>金融</a:t>
+            </a:r>
+            <a:r>
+              <a:rPr kumimoji="1" lang="ja-JP" altLang="en-US" dirty="0" smtClean="0"/>
+              <a:t>関係の</a:t>
+            </a:r>
+            <a:r>
+              <a:rPr kumimoji="1" lang="ja-JP" altLang="en-US" dirty="0" smtClean="0"/>
+              <a:t>機能</a:t>
+            </a:r>
+            <a:endParaRPr kumimoji="1" lang="en-US" altLang="ja-JP" dirty="0" smtClean="0"/>
+          </a:p>
+          <a:p>
+            <a:pPr marL="0" indent="0">
+              <a:buNone/>
+            </a:pPr>
+            <a:endParaRPr kumimoji="1" lang="ja-JP" altLang="en-US" dirty="0"/>
+          </a:p>
+        </p:txBody>
+      </p:sp>
+      <p:sp>
+        <p:nvSpPr>
+          <p:cNvPr id="4" name="スライド番号プレースホルダー 3"/>
+          <p:cNvSpPr>
+            <a:spLocks noGrp="1"/>
+          </p:cNvSpPr>
+          <p:nvPr>
+            <p:ph type="sldNum" sz="quarter" idx="12"/>
+          </p:nvPr>
+        </p:nvSpPr>
+        <p:spPr/>
+        <p:txBody>
+          <a:bodyPr/>
+          <a:lstStyle/>
+          <a:p>
+            <a:fld id="{D2D8002D-B5B0-4BAC-B1F6-782DDCCE6D9C}" type="slidenum">
+              <a:rPr kumimoji="1" lang="ja-JP" altLang="en-US" smtClean="0"/>
+              <a:t>34</a:t>
+            </a:fld>
+            <a:endParaRPr kumimoji="1" lang="ja-JP" altLang="en-US" dirty="0"/>
+          </a:p>
+        </p:txBody>
+      </p:sp>
+    </p:spTree>
+    <p:extLst>
+      <p:ext uri="{BB962C8B-B14F-4D97-AF65-F5344CB8AC3E}">
+        <p14:creationId xmlns:p14="http://schemas.microsoft.com/office/powerpoint/2010/main" val="565505173"/>
+      </p:ext>
+    </p:extLst>
+  </p:cSld>
+  <p:clrMapOvr>
+    <a:masterClrMapping/>
+  </p:clrMapOvr>
+  <p:timing>
+    <p:tnLst>
+      <p:par>
+        <p:cTn id="1" dur="indefinite" restart="never" nodeType="tmRoot"/>
+      </p:par>
+    </p:tnLst>
+  </p:timing>
+</p:sld>
+</file>
+
+<file path=ppt/slides/slide36.xml><?xml version="1.0" encoding="utf-8"?>
+<p:sld xmlns:a="http://schemas.openxmlformats.org/drawingml/2006/main" xmlns:r="http://schemas.openxmlformats.org/officeDocument/2006/relationships" xmlns:p="http://schemas.openxmlformats.org/presentationml/2006/main">
+  <p:cSld>
+    <p:spTree>
+      <p:nvGrpSpPr>
+        <p:cNvPr id="1" name=""/>
+        <p:cNvGrpSpPr/>
+        <p:nvPr/>
+      </p:nvGrpSpPr>
+      <p:grpSpPr>
+        <a:xfrm>
+          <a:off x="0" y="0"/>
+          <a:ext cx="0" cy="0"/>
+          <a:chOff x="0" y="0"/>
+          <a:chExt cx="0" cy="0"/>
+        </a:xfrm>
+      </p:grpSpPr>
+      <p:sp>
+        <p:nvSpPr>
+          <p:cNvPr id="2" name="タイトル 1"/>
+          <p:cNvSpPr>
+            <a:spLocks noGrp="1"/>
+          </p:cNvSpPr>
+          <p:nvPr>
+            <p:ph type="title"/>
+          </p:nvPr>
+        </p:nvSpPr>
+        <p:spPr/>
+        <p:txBody>
+          <a:bodyPr/>
+          <a:lstStyle/>
+          <a:p>
+            <a:r>
+              <a:rPr lang="ja-JP" altLang="en-US" dirty="0" smtClean="0"/>
+              <a:t>性能改善</a:t>
+            </a:r>
+            <a:endParaRPr kumimoji="1" lang="ja-JP" altLang="en-US" dirty="0"/>
+          </a:p>
+        </p:txBody>
+      </p:sp>
+      <p:sp>
+        <p:nvSpPr>
+          <p:cNvPr id="6" name="コンテンツ プレースホルダー 5"/>
+          <p:cNvSpPr>
+            <a:spLocks noGrp="1"/>
+          </p:cNvSpPr>
+          <p:nvPr>
+            <p:ph idx="1"/>
+          </p:nvPr>
+        </p:nvSpPr>
+        <p:spPr/>
+        <p:txBody>
+          <a:bodyPr/>
+          <a:lstStyle/>
+          <a:p>
+            <a:r>
+              <a:rPr lang="en-US" altLang="ja-JP" dirty="0" err="1" smtClean="0"/>
+              <a:t>NMatrix</a:t>
+            </a:r>
+            <a:r>
+              <a:rPr lang="ja-JP" altLang="en-US" dirty="0" smtClean="0"/>
+              <a:t>は遅い</a:t>
+            </a:r>
+            <a:endParaRPr lang="en-US" altLang="ja-JP" dirty="0" smtClean="0"/>
+          </a:p>
+          <a:p>
+            <a:r>
+              <a:rPr lang="ja-JP" altLang="en-US" dirty="0"/>
+              <a:t>ベンチマーク</a:t>
+            </a:r>
+            <a:endParaRPr lang="en-US" altLang="ja-JP" dirty="0" smtClean="0"/>
+          </a:p>
+        </p:txBody>
+      </p:sp>
+      <p:sp>
+        <p:nvSpPr>
+          <p:cNvPr id="4" name="スライド番号プレースホルダー 3"/>
+          <p:cNvSpPr>
+            <a:spLocks noGrp="1"/>
+          </p:cNvSpPr>
+          <p:nvPr>
+            <p:ph type="sldNum" sz="quarter" idx="12"/>
+          </p:nvPr>
+        </p:nvSpPr>
+        <p:spPr/>
+        <p:txBody>
+          <a:bodyPr/>
+          <a:lstStyle/>
+          <a:p>
+            <a:fld id="{D2D8002D-B5B0-4BAC-B1F6-782DDCCE6D9C}" type="slidenum">
+              <a:rPr kumimoji="1" lang="ja-JP" altLang="en-US" smtClean="0"/>
+              <a:t>35</a:t>
+            </a:fld>
+            <a:endParaRPr kumimoji="1" lang="ja-JP" altLang="en-US" dirty="0"/>
+          </a:p>
+        </p:txBody>
+      </p:sp>
       <p:sp>
         <p:nvSpPr>
           <p:cNvPr id="5" name="正方形/長方形 4"/>
@@ -14248,8 +15291,8 @@
         </p:nvSpPr>
         <p:spPr>
           <a:xfrm>
-            <a:off x="827584" y="2204864"/>
-            <a:ext cx="7560839" cy="360040"/>
+            <a:off x="827584" y="2636912"/>
+            <a:ext cx="7560839" cy="3378051"/>
           </a:xfrm>
           <a:prstGeom prst="rect">
             <a:avLst/>
@@ -14288,175 +15331,185 @@
           <a:lstStyle/>
           <a:p>
             <a:r>
-              <a:rPr lang="en-US" altLang="ja-JP" dirty="0" err="1" smtClean="0">
-                <a:latin typeface="Courier New" panose="02070309020205020404" pitchFamily="49" charset="0"/>
-                <a:cs typeface="Courier New" panose="02070309020205020404" pitchFamily="49" charset="0"/>
-              </a:rPr>
-              <a:t>df</a:t>
-            </a:r>
-            <a:r>
               <a:rPr lang="en-US" altLang="ja-JP" dirty="0" smtClean="0">
                 <a:latin typeface="Courier New" panose="02070309020205020404" pitchFamily="49" charset="0"/>
                 <a:cs typeface="Courier New" panose="02070309020205020404" pitchFamily="49" charset="0"/>
               </a:rPr>
-              <a:t> </a:t>
+              <a:t>m </a:t>
             </a:r>
             <a:r>
               <a:rPr lang="en-US" altLang="ja-JP" dirty="0">
                 <a:latin typeface="Courier New" panose="02070309020205020404" pitchFamily="49" charset="0"/>
                 <a:cs typeface="Courier New" panose="02070309020205020404" pitchFamily="49" charset="0"/>
               </a:rPr>
-              <a:t>= Daru::</a:t>
+              <a:t>= </a:t>
             </a:r>
             <a:r>
               <a:rPr lang="en-US" altLang="ja-JP" dirty="0" err="1">
                 <a:latin typeface="Courier New" panose="02070309020205020404" pitchFamily="49" charset="0"/>
                 <a:cs typeface="Courier New" panose="02070309020205020404" pitchFamily="49" charset="0"/>
               </a:rPr>
-              <a:t>DataFrame.new</a:t>
+              <a:t>NMatrix.dindgen</a:t>
             </a:r>
             <a:r>
               <a:rPr lang="en-US" altLang="ja-JP" dirty="0">
                 <a:latin typeface="Courier New" panose="02070309020205020404" pitchFamily="49" charset="0"/>
                 <a:cs typeface="Courier New" panose="02070309020205020404" pitchFamily="49" charset="0"/>
               </a:rPr>
-              <a:t>(x: [1,2,3], y: [4,5,6</a:t>
-            </a:r>
-            <a:r>
-              <a:rPr lang="en-US" altLang="ja-JP" dirty="0" smtClean="0">
+              <a:t>([100000])</a:t>
+            </a:r>
+          </a:p>
+          <a:p>
+            <a:r>
+              <a:rPr lang="en-US" altLang="ja-JP" dirty="0">
                 <a:latin typeface="Courier New" panose="02070309020205020404" pitchFamily="49" charset="0"/>
                 <a:cs typeface="Courier New" panose="02070309020205020404" pitchFamily="49" charset="0"/>
               </a:rPr>
-              <a:t>])</a:t>
-            </a:r>
-            <a:endParaRPr kumimoji="1" lang="en-US" altLang="ja-JP" dirty="0" smtClean="0">
-              <a:latin typeface="Courier New" panose="02070309020205020404" pitchFamily="49" charset="0"/>
-              <a:cs typeface="Courier New" panose="02070309020205020404" pitchFamily="49" charset="0"/>
-            </a:endParaRPr>
-          </a:p>
-        </p:txBody>
-      </p:sp>
-      <p:sp>
-        <p:nvSpPr>
-          <p:cNvPr id="6" name="正方形/長方形 5"/>
-          <p:cNvSpPr/>
-          <p:nvPr/>
-        </p:nvSpPr>
-        <p:spPr>
-          <a:xfrm>
-            <a:off x="827584" y="4005064"/>
-            <a:ext cx="7560839" cy="360040"/>
-          </a:xfrm>
-          <a:prstGeom prst="rect">
-            <a:avLst/>
-          </a:prstGeom>
-          <a:solidFill>
-            <a:schemeClr val="tx2">
-              <a:lumMod val="20000"/>
-              <a:lumOff val="80000"/>
-            </a:schemeClr>
-          </a:solidFill>
-          <a:ln>
-            <a:solidFill>
-              <a:schemeClr val="tx2">
-                <a:lumMod val="40000"/>
-                <a:lumOff val="60000"/>
-              </a:schemeClr>
-            </a:solidFill>
-          </a:ln>
-        </p:spPr>
-        <p:style>
-          <a:lnRef idx="1">
-            <a:schemeClr val="dk1"/>
-          </a:lnRef>
-          <a:fillRef idx="2">
-            <a:schemeClr val="dk1"/>
-          </a:fillRef>
-          <a:effectRef idx="1">
-            <a:schemeClr val="dk1"/>
-          </a:effectRef>
-          <a:fontRef idx="minor">
-            <a:schemeClr val="dk1"/>
-          </a:fontRef>
-        </p:style>
-        <p:txBody>
-          <a:bodyPr rtlCol="0" anchor="t"/>
-          <a:lstStyle/>
-          <a:p>
+              <a:t>a = 0.0.step(99999.0, 1.0).</a:t>
+            </a:r>
             <a:r>
               <a:rPr lang="en-US" altLang="ja-JP" dirty="0" err="1">
                 <a:latin typeface="Courier New" panose="02070309020205020404" pitchFamily="49" charset="0"/>
                 <a:cs typeface="Courier New" panose="02070309020205020404" pitchFamily="49" charset="0"/>
               </a:rPr>
-              <a:t>df.filter_rows</a:t>
+              <a:t>to_a</a:t>
+            </a:r>
+            <a:endParaRPr lang="en-US" altLang="ja-JP" dirty="0">
+              <a:latin typeface="Courier New" panose="02070309020205020404" pitchFamily="49" charset="0"/>
+              <a:cs typeface="Courier New" panose="02070309020205020404" pitchFamily="49" charset="0"/>
+            </a:endParaRPr>
+          </a:p>
+          <a:p>
+            <a:endParaRPr lang="en-US" altLang="ja-JP" dirty="0">
+              <a:latin typeface="Courier New" panose="02070309020205020404" pitchFamily="49" charset="0"/>
+              <a:cs typeface="Courier New" panose="02070309020205020404" pitchFamily="49" charset="0"/>
+            </a:endParaRPr>
+          </a:p>
+          <a:p>
+            <a:r>
+              <a:rPr lang="en-US" altLang="ja-JP" dirty="0" err="1">
+                <a:latin typeface="Courier New" panose="02070309020205020404" pitchFamily="49" charset="0"/>
+                <a:cs typeface="Courier New" panose="02070309020205020404" pitchFamily="49" charset="0"/>
+              </a:rPr>
+              <a:t>Benchmark.bmbm</a:t>
             </a:r>
             <a:r>
               <a:rPr lang="en-US" altLang="ja-JP" dirty="0">
                 <a:latin typeface="Courier New" panose="02070309020205020404" pitchFamily="49" charset="0"/>
                 <a:cs typeface="Courier New" panose="02070309020205020404" pitchFamily="49" charset="0"/>
               </a:rPr>
-              <a:t> {|row| row[:x] &gt; 1}</a:t>
-            </a:r>
-            <a:endParaRPr kumimoji="1" lang="en-US" altLang="ja-JP" dirty="0" smtClean="0">
-              <a:latin typeface="Courier New" panose="02070309020205020404" pitchFamily="49" charset="0"/>
-              <a:cs typeface="Courier New" panose="02070309020205020404" pitchFamily="49" charset="0"/>
-            </a:endParaRPr>
-          </a:p>
-        </p:txBody>
-      </p:sp>
-      <p:sp>
-        <p:nvSpPr>
-          <p:cNvPr id="7" name="正方形/長方形 6"/>
-          <p:cNvSpPr/>
-          <p:nvPr/>
-        </p:nvSpPr>
-        <p:spPr>
-          <a:xfrm>
-            <a:off x="827584" y="5115214"/>
-            <a:ext cx="7560839" cy="360040"/>
-          </a:xfrm>
-          <a:prstGeom prst="rect">
-            <a:avLst/>
-          </a:prstGeom>
-          <a:solidFill>
-            <a:schemeClr val="tx2">
-              <a:lumMod val="20000"/>
-              <a:lumOff val="80000"/>
-            </a:schemeClr>
-          </a:solidFill>
-          <a:ln>
-            <a:solidFill>
-              <a:schemeClr val="tx2">
-                <a:lumMod val="40000"/>
-                <a:lumOff val="60000"/>
-              </a:schemeClr>
-            </a:solidFill>
-          </a:ln>
-        </p:spPr>
-        <p:style>
-          <a:lnRef idx="1">
-            <a:schemeClr val="dk1"/>
-          </a:lnRef>
-          <a:fillRef idx="2">
-            <a:schemeClr val="dk1"/>
-          </a:fillRef>
-          <a:effectRef idx="1">
-            <a:schemeClr val="dk1"/>
-          </a:effectRef>
-          <a:fontRef idx="minor">
-            <a:schemeClr val="dk1"/>
-          </a:fontRef>
-        </p:style>
-        <p:txBody>
-          <a:bodyPr rtlCol="0" anchor="t"/>
-          <a:lstStyle/>
-          <a:p>
+              <a:t> do |x|</a:t>
+            </a:r>
+          </a:p>
+          <a:p>
+            <a:r>
+              <a:rPr lang="en-US" altLang="ja-JP" dirty="0">
+                <a:latin typeface="Courier New" panose="02070309020205020404" pitchFamily="49" charset="0"/>
+                <a:cs typeface="Courier New" panose="02070309020205020404" pitchFamily="49" charset="0"/>
+              </a:rPr>
+              <a:t>  </a:t>
+            </a:r>
             <a:r>
               <a:rPr lang="en-US" altLang="ja-JP" dirty="0" err="1">
                 <a:latin typeface="Courier New" panose="02070309020205020404" pitchFamily="49" charset="0"/>
                 <a:cs typeface="Courier New" panose="02070309020205020404" pitchFamily="49" charset="0"/>
               </a:rPr>
-              <a:t>df.where</a:t>
+              <a:t>x.report</a:t>
+            </a:r>
+            <a:r>
+              <a:rPr lang="en-US" altLang="ja-JP" dirty="0">
+                <a:latin typeface="Courier New" panose="02070309020205020404" pitchFamily="49" charset="0"/>
+                <a:cs typeface="Courier New" panose="02070309020205020404" pitchFamily="49" charset="0"/>
+              </a:rPr>
+              <a:t>("</a:t>
+            </a:r>
+            <a:r>
+              <a:rPr lang="en-US" altLang="ja-JP" dirty="0" err="1">
+                <a:latin typeface="Courier New" panose="02070309020205020404" pitchFamily="49" charset="0"/>
+                <a:cs typeface="Courier New" panose="02070309020205020404" pitchFamily="49" charset="0"/>
+              </a:rPr>
+              <a:t>NMatrix</a:t>
+            </a:r>
+            <a:r>
+              <a:rPr lang="en-US" altLang="ja-JP" dirty="0">
+                <a:latin typeface="Courier New" panose="02070309020205020404" pitchFamily="49" charset="0"/>
+                <a:cs typeface="Courier New" panose="02070309020205020404" pitchFamily="49" charset="0"/>
+              </a:rPr>
+              <a:t>") do</a:t>
+            </a:r>
+          </a:p>
+          <a:p>
+            <a:r>
+              <a:rPr lang="en-US" altLang="ja-JP" dirty="0">
+                <a:latin typeface="Courier New" panose="02070309020205020404" pitchFamily="49" charset="0"/>
+                <a:cs typeface="Courier New" panose="02070309020205020404" pitchFamily="49" charset="0"/>
+              </a:rPr>
+              <a:t>    </a:t>
+            </a:r>
+            <a:r>
+              <a:rPr lang="en-US" altLang="ja-JP" dirty="0" err="1">
+                <a:latin typeface="Courier New" panose="02070309020205020404" pitchFamily="49" charset="0"/>
+                <a:cs typeface="Courier New" panose="02070309020205020404" pitchFamily="49" charset="0"/>
+              </a:rPr>
+              <a:t>m.mean</a:t>
+            </a:r>
+            <a:endParaRPr lang="en-US" altLang="ja-JP" dirty="0">
+              <a:latin typeface="Courier New" panose="02070309020205020404" pitchFamily="49" charset="0"/>
+              <a:cs typeface="Courier New" panose="02070309020205020404" pitchFamily="49" charset="0"/>
+            </a:endParaRPr>
+          </a:p>
+          <a:p>
+            <a:r>
+              <a:rPr lang="en-US" altLang="ja-JP" dirty="0">
+                <a:latin typeface="Courier New" panose="02070309020205020404" pitchFamily="49" charset="0"/>
+                <a:cs typeface="Courier New" panose="02070309020205020404" pitchFamily="49" charset="0"/>
+              </a:rPr>
+              <a:t>  end</a:t>
+            </a:r>
+          </a:p>
+          <a:p>
+            <a:endParaRPr lang="en-US" altLang="ja-JP" dirty="0">
+              <a:latin typeface="Courier New" panose="02070309020205020404" pitchFamily="49" charset="0"/>
+              <a:cs typeface="Courier New" panose="02070309020205020404" pitchFamily="49" charset="0"/>
+            </a:endParaRPr>
+          </a:p>
+          <a:p>
+            <a:r>
+              <a:rPr lang="en-US" altLang="ja-JP" dirty="0">
+                <a:latin typeface="Courier New" panose="02070309020205020404" pitchFamily="49" charset="0"/>
+                <a:cs typeface="Courier New" panose="02070309020205020404" pitchFamily="49" charset="0"/>
+              </a:rPr>
+              <a:t>  </a:t>
+            </a:r>
+            <a:r>
+              <a:rPr lang="en-US" altLang="ja-JP" dirty="0" err="1">
+                <a:latin typeface="Courier New" panose="02070309020205020404" pitchFamily="49" charset="0"/>
+                <a:cs typeface="Courier New" panose="02070309020205020404" pitchFamily="49" charset="0"/>
+              </a:rPr>
+              <a:t>x.report</a:t>
+            </a:r>
+            <a:r>
+              <a:rPr lang="en-US" altLang="ja-JP" dirty="0">
+                <a:latin typeface="Courier New" panose="02070309020205020404" pitchFamily="49" charset="0"/>
+                <a:cs typeface="Courier New" panose="02070309020205020404" pitchFamily="49" charset="0"/>
+              </a:rPr>
+              <a:t>("Array") do</a:t>
+            </a:r>
+          </a:p>
+          <a:p>
+            <a:r>
+              <a:rPr lang="en-US" altLang="ja-JP" dirty="0">
+                <a:latin typeface="Courier New" panose="02070309020205020404" pitchFamily="49" charset="0"/>
+                <a:cs typeface="Courier New" panose="02070309020205020404" pitchFamily="49" charset="0"/>
+              </a:rPr>
+              <a:t>    </a:t>
+            </a:r>
+            <a:r>
+              <a:rPr lang="en-US" altLang="ja-JP" dirty="0" err="1">
+                <a:latin typeface="Courier New" panose="02070309020205020404" pitchFamily="49" charset="0"/>
+                <a:cs typeface="Courier New" panose="02070309020205020404" pitchFamily="49" charset="0"/>
+              </a:rPr>
+              <a:t>a.sum.quo</a:t>
             </a:r>
             <a:r>
               <a:rPr lang="en-US" altLang="ja-JP" dirty="0">
@@ -14470,301 +15523,35 @@
                 <a:latin typeface="Courier New" panose="02070309020205020404" pitchFamily="49" charset="0"/>
                 <a:cs typeface="Courier New" panose="02070309020205020404" pitchFamily="49" charset="0"/>
               </a:rPr>
-              <a:t>df</a:t>
+              <a:t>a.size</a:t>
             </a:r>
             <a:r>
               <a:rPr lang="en-US" altLang="ja-JP" dirty="0">
                 <a:latin typeface="Courier New" panose="02070309020205020404" pitchFamily="49" charset="0"/>
                 <a:cs typeface="Courier New" panose="02070309020205020404" pitchFamily="49" charset="0"/>
               </a:rPr>
-              <a:t>[:x].</a:t>
-            </a:r>
-            <a:r>
-              <a:rPr lang="en-US" altLang="ja-JP" dirty="0" err="1">
-                <a:latin typeface="Courier New" panose="02070309020205020404" pitchFamily="49" charset="0"/>
-                <a:cs typeface="Courier New" panose="02070309020205020404" pitchFamily="49" charset="0"/>
-              </a:rPr>
-              <a:t>gt</a:t>
-            </a:r>
+              <a:t>)</a:t>
+            </a:r>
+          </a:p>
+          <a:p>
             <a:r>
               <a:rPr lang="en-US" altLang="ja-JP" dirty="0">
                 <a:latin typeface="Courier New" panose="02070309020205020404" pitchFamily="49" charset="0"/>
                 <a:cs typeface="Courier New" panose="02070309020205020404" pitchFamily="49" charset="0"/>
               </a:rPr>
-              <a:t>(1))</a:t>
-            </a:r>
-            <a:endParaRPr kumimoji="1" lang="en-US" altLang="ja-JP" dirty="0" smtClean="0">
-              <a:latin typeface="Courier New" panose="02070309020205020404" pitchFamily="49" charset="0"/>
-              <a:cs typeface="Courier New" panose="02070309020205020404" pitchFamily="49" charset="0"/>
-            </a:endParaRPr>
-          </a:p>
-        </p:txBody>
-      </p:sp>
-    </p:spTree>
-    <p:extLst>
-      <p:ext uri="{BB962C8B-B14F-4D97-AF65-F5344CB8AC3E}">
-        <p14:creationId xmlns:p14="http://schemas.microsoft.com/office/powerpoint/2010/main" val="747567265"/>
-      </p:ext>
-    </p:extLst>
-  </p:cSld>
-  <p:clrMapOvr>
-    <a:masterClrMapping/>
-  </p:clrMapOvr>
-  <p:timing>
-    <p:tnLst>
-      <p:par>
-        <p:cTn id="1" dur="indefinite" restart="never" nodeType="tmRoot"/>
-      </p:par>
-    </p:tnLst>
-  </p:timing>
-</p:sld>
-</file>
-
-<file path=ppt/slides/slide31.xml><?xml version="1.0" encoding="utf-8"?>
-<p:sld xmlns:a="http://schemas.openxmlformats.org/drawingml/2006/main" xmlns:r="http://schemas.openxmlformats.org/officeDocument/2006/relationships" xmlns:p="http://schemas.openxmlformats.org/presentationml/2006/main">
-  <p:cSld>
-    <p:spTree>
-      <p:nvGrpSpPr>
-        <p:cNvPr id="1" name=""/>
-        <p:cNvGrpSpPr/>
-        <p:nvPr/>
-      </p:nvGrpSpPr>
-      <p:grpSpPr>
-        <a:xfrm>
-          <a:off x="0" y="0"/>
-          <a:ext cx="0" cy="0"/>
-          <a:chOff x="0" y="0"/>
-          <a:chExt cx="0" cy="0"/>
-        </a:xfrm>
-      </p:grpSpPr>
-      <p:sp>
-        <p:nvSpPr>
-          <p:cNvPr id="2" name="タイトル 1"/>
-          <p:cNvSpPr>
-            <a:spLocks noGrp="1"/>
-          </p:cNvSpPr>
-          <p:nvPr>
-            <p:ph type="title"/>
-          </p:nvPr>
-        </p:nvSpPr>
-        <p:spPr/>
-        <p:txBody>
-          <a:bodyPr/>
-          <a:lstStyle/>
-          <a:p>
-            <a:r>
-              <a:rPr kumimoji="1" lang="en-US" altLang="ja-JP" dirty="0" err="1" smtClean="0"/>
-              <a:t>Nyaplot</a:t>
-            </a:r>
-            <a:endParaRPr kumimoji="1" lang="ja-JP" altLang="en-US" dirty="0"/>
-          </a:p>
-        </p:txBody>
-      </p:sp>
-      <p:sp>
-        <p:nvSpPr>
-          <p:cNvPr id="3" name="コンテンツ プレースホルダー 2"/>
-          <p:cNvSpPr>
-            <a:spLocks noGrp="1"/>
-          </p:cNvSpPr>
-          <p:nvPr>
-            <p:ph idx="1"/>
-          </p:nvPr>
-        </p:nvSpPr>
-        <p:spPr/>
-        <p:txBody>
-          <a:bodyPr/>
-          <a:lstStyle/>
-          <a:p>
-            <a:r>
-              <a:rPr lang="ja-JP" altLang="en-US" dirty="0" smtClean="0"/>
-              <a:t>プロットライブラリ</a:t>
-            </a:r>
-            <a:endParaRPr lang="en-US" altLang="ja-JP" dirty="0" smtClean="0"/>
-          </a:p>
-          <a:p>
-            <a:r>
-              <a:rPr lang="en-US" altLang="ja-JP" dirty="0" err="1" smtClean="0"/>
-              <a:t>Jupyter</a:t>
-            </a:r>
-            <a:r>
-              <a:rPr lang="en-US" altLang="ja-JP" dirty="0" smtClean="0"/>
-              <a:t> notebook</a:t>
-            </a:r>
-            <a:r>
-              <a:rPr lang="ja-JP" altLang="en-US" dirty="0" smtClean="0"/>
-              <a:t>上で動作</a:t>
-            </a:r>
-            <a:endParaRPr lang="en-US" altLang="ja-JP" dirty="0" smtClean="0"/>
-          </a:p>
-          <a:p>
-            <a:r>
-              <a:rPr lang="en-US" altLang="ja-JP" dirty="0" err="1" smtClean="0"/>
-              <a:t>WebGL</a:t>
-            </a:r>
-            <a:r>
-              <a:rPr lang="ja-JP" altLang="en-US" dirty="0" smtClean="0"/>
-              <a:t>を利用した</a:t>
-            </a:r>
-            <a:r>
-              <a:rPr lang="en-US" altLang="ja-JP" dirty="0" smtClean="0"/>
-              <a:t>3D</a:t>
-            </a:r>
-            <a:r>
-              <a:rPr lang="ja-JP" altLang="en-US" dirty="0" smtClean="0"/>
-              <a:t>プロットも可能</a:t>
-            </a:r>
-            <a:endParaRPr lang="en-US" altLang="ja-JP" dirty="0" smtClean="0"/>
-          </a:p>
-          <a:p>
-            <a:r>
-              <a:rPr lang="ja-JP" altLang="en-US" dirty="0" smtClean="0"/>
-              <a:t>散布図のプロット例</a:t>
-            </a:r>
-            <a:endParaRPr lang="en-US" altLang="ja-JP" dirty="0" smtClean="0"/>
-          </a:p>
-        </p:txBody>
-      </p:sp>
-      <p:sp>
-        <p:nvSpPr>
-          <p:cNvPr id="4" name="スライド番号プレースホルダー 3"/>
-          <p:cNvSpPr>
-            <a:spLocks noGrp="1"/>
-          </p:cNvSpPr>
-          <p:nvPr>
-            <p:ph type="sldNum" sz="quarter" idx="12"/>
-          </p:nvPr>
-        </p:nvSpPr>
-        <p:spPr/>
-        <p:txBody>
-          <a:bodyPr/>
-          <a:lstStyle/>
-          <a:p>
-            <a:fld id="{D2D8002D-B5B0-4BAC-B1F6-782DDCCE6D9C}" type="slidenum">
-              <a:rPr kumimoji="1" lang="ja-JP" altLang="en-US" smtClean="0"/>
-              <a:t>30</a:t>
-            </a:fld>
-            <a:endParaRPr kumimoji="1" lang="ja-JP" altLang="en-US" dirty="0"/>
-          </a:p>
-        </p:txBody>
-      </p:sp>
-      <p:sp>
-        <p:nvSpPr>
-          <p:cNvPr id="5" name="正方形/長方形 4"/>
-          <p:cNvSpPr/>
-          <p:nvPr/>
-        </p:nvSpPr>
-        <p:spPr>
-          <a:xfrm>
-            <a:off x="899592" y="3573016"/>
-            <a:ext cx="7560839" cy="936104"/>
-          </a:xfrm>
-          <a:prstGeom prst="rect">
-            <a:avLst/>
-          </a:prstGeom>
-          <a:solidFill>
-            <a:schemeClr val="tx2">
-              <a:lumMod val="20000"/>
-              <a:lumOff val="80000"/>
-            </a:schemeClr>
-          </a:solidFill>
-          <a:ln>
-            <a:solidFill>
-              <a:schemeClr val="tx2">
-                <a:lumMod val="40000"/>
-                <a:lumOff val="60000"/>
-              </a:schemeClr>
-            </a:solidFill>
-          </a:ln>
-        </p:spPr>
-        <p:style>
-          <a:lnRef idx="1">
-            <a:schemeClr val="dk1"/>
-          </a:lnRef>
-          <a:fillRef idx="2">
-            <a:schemeClr val="dk1"/>
-          </a:fillRef>
-          <a:effectRef idx="1">
-            <a:schemeClr val="dk1"/>
-          </a:effectRef>
-          <a:fontRef idx="minor">
-            <a:schemeClr val="dk1"/>
-          </a:fontRef>
-        </p:style>
-        <p:txBody>
-          <a:bodyPr rtlCol="0" anchor="t"/>
-          <a:lstStyle/>
+              <a:t>  end</a:t>
+            </a:r>
+          </a:p>
           <a:p>
             <a:r>
               <a:rPr lang="en-US" altLang="ja-JP" dirty="0">
                 <a:latin typeface="Courier New" panose="02070309020205020404" pitchFamily="49" charset="0"/>
                 <a:cs typeface="Courier New" panose="02070309020205020404" pitchFamily="49" charset="0"/>
               </a:rPr>
-              <a:t>plot = </a:t>
-            </a:r>
-            <a:r>
-              <a:rPr lang="en-US" altLang="ja-JP" dirty="0" err="1">
-                <a:latin typeface="Courier New" panose="02070309020205020404" pitchFamily="49" charset="0"/>
-                <a:cs typeface="Courier New" panose="02070309020205020404" pitchFamily="49" charset="0"/>
-              </a:rPr>
-              <a:t>Nyaplot</a:t>
-            </a:r>
-            <a:r>
-              <a:rPr lang="en-US" altLang="ja-JP" dirty="0">
-                <a:latin typeface="Courier New" panose="02070309020205020404" pitchFamily="49" charset="0"/>
-                <a:cs typeface="Courier New" panose="02070309020205020404" pitchFamily="49" charset="0"/>
-              </a:rPr>
-              <a:t>::</a:t>
-            </a:r>
-            <a:r>
-              <a:rPr lang="en-US" altLang="ja-JP" dirty="0" err="1">
-                <a:latin typeface="Courier New" panose="02070309020205020404" pitchFamily="49" charset="0"/>
-                <a:cs typeface="Courier New" panose="02070309020205020404" pitchFamily="49" charset="0"/>
-              </a:rPr>
-              <a:t>Plot.new</a:t>
-            </a:r>
-            <a:endParaRPr lang="en-US" altLang="ja-JP" dirty="0">
-              <a:latin typeface="Courier New" panose="02070309020205020404" pitchFamily="49" charset="0"/>
-              <a:cs typeface="Courier New" panose="02070309020205020404" pitchFamily="49" charset="0"/>
-            </a:endParaRPr>
-          </a:p>
-          <a:p>
-            <a:r>
-              <a:rPr lang="en-US" altLang="ja-JP" dirty="0" err="1">
-                <a:latin typeface="Courier New" panose="02070309020205020404" pitchFamily="49" charset="0"/>
-                <a:cs typeface="Courier New" panose="02070309020205020404" pitchFamily="49" charset="0"/>
-              </a:rPr>
-              <a:t>sc</a:t>
-            </a:r>
-            <a:r>
-              <a:rPr lang="en-US" altLang="ja-JP" dirty="0">
-                <a:latin typeface="Courier New" panose="02070309020205020404" pitchFamily="49" charset="0"/>
-                <a:cs typeface="Courier New" panose="02070309020205020404" pitchFamily="49" charset="0"/>
-              </a:rPr>
-              <a:t> = </a:t>
-            </a:r>
-            <a:r>
-              <a:rPr lang="en-US" altLang="ja-JP" dirty="0" err="1">
-                <a:latin typeface="Courier New" panose="02070309020205020404" pitchFamily="49" charset="0"/>
-                <a:cs typeface="Courier New" panose="02070309020205020404" pitchFamily="49" charset="0"/>
-              </a:rPr>
-              <a:t>plot.add</a:t>
-            </a:r>
-            <a:r>
-              <a:rPr lang="en-US" altLang="ja-JP" dirty="0">
-                <a:latin typeface="Courier New" panose="02070309020205020404" pitchFamily="49" charset="0"/>
-                <a:cs typeface="Courier New" panose="02070309020205020404" pitchFamily="49" charset="0"/>
-              </a:rPr>
-              <a:t>(:scatter, [0,1,2,3,4], [-1,2,-3,4,-5])</a:t>
-            </a:r>
-          </a:p>
-          <a:p>
-            <a:r>
-              <a:rPr lang="en-US" altLang="ja-JP" dirty="0" err="1">
-                <a:latin typeface="Courier New" panose="02070309020205020404" pitchFamily="49" charset="0"/>
-                <a:cs typeface="Courier New" panose="02070309020205020404" pitchFamily="49" charset="0"/>
-              </a:rPr>
-              <a:t>plot.show</a:t>
-            </a:r>
+              <a:t>end</a:t>
+            </a:r>
+          </a:p>
+          <a:p>
             <a:endParaRPr kumimoji="1" lang="ja-JP" altLang="en-US" dirty="0">
               <a:latin typeface="Courier New" panose="02070309020205020404" pitchFamily="49" charset="0"/>
               <a:cs typeface="Courier New" panose="02070309020205020404" pitchFamily="49" charset="0"/>
@@ -14775,720 +15562,7 @@
     </p:spTree>
     <p:extLst>
       <p:ext uri="{BB962C8B-B14F-4D97-AF65-F5344CB8AC3E}">
-        <p14:creationId xmlns:p14="http://schemas.microsoft.com/office/powerpoint/2010/main" val="1719597331"/>
-      </p:ext>
-    </p:extLst>
-  </p:cSld>
-  <p:clrMapOvr>
-    <a:masterClrMapping/>
-  </p:clrMapOvr>
-  <p:timing>
-    <p:tnLst>
-      <p:par>
-        <p:cTn id="1" dur="indefinite" restart="never" nodeType="tmRoot"/>
-      </p:par>
-    </p:tnLst>
-  </p:timing>
-</p:sld>
-</file>
-
-<file path=ppt/slides/slide32.xml><?xml version="1.0" encoding="utf-8"?>
-<p:sld xmlns:a="http://schemas.openxmlformats.org/drawingml/2006/main" xmlns:r="http://schemas.openxmlformats.org/officeDocument/2006/relationships" xmlns:p="http://schemas.openxmlformats.org/presentationml/2006/main">
-  <p:cSld>
-    <p:spTree>
-      <p:nvGrpSpPr>
-        <p:cNvPr id="1" name=""/>
-        <p:cNvGrpSpPr/>
-        <p:nvPr/>
-      </p:nvGrpSpPr>
-      <p:grpSpPr>
-        <a:xfrm>
-          <a:off x="0" y="0"/>
-          <a:ext cx="0" cy="0"/>
-          <a:chOff x="0" y="0"/>
-          <a:chExt cx="0" cy="0"/>
-        </a:xfrm>
-      </p:grpSpPr>
-      <p:sp>
-        <p:nvSpPr>
-          <p:cNvPr id="2" name="タイトル 1"/>
-          <p:cNvSpPr>
-            <a:spLocks noGrp="1"/>
-          </p:cNvSpPr>
-          <p:nvPr>
-            <p:ph type="title"/>
-          </p:nvPr>
-        </p:nvSpPr>
-        <p:spPr/>
-        <p:txBody>
-          <a:bodyPr/>
-          <a:lstStyle/>
-          <a:p>
-            <a:r>
-              <a:rPr kumimoji="1" lang="en-US" altLang="ja-JP" dirty="0" err="1" smtClean="0"/>
-              <a:t>Jupyter</a:t>
-            </a:r>
-            <a:r>
-              <a:rPr kumimoji="1" lang="en-US" altLang="ja-JP" dirty="0" smtClean="0"/>
-              <a:t>/</a:t>
-            </a:r>
-            <a:r>
-              <a:rPr kumimoji="1" lang="en-US" altLang="ja-JP" dirty="0" err="1" smtClean="0"/>
-              <a:t>IRuby</a:t>
-            </a:r>
-            <a:endParaRPr kumimoji="1" lang="ja-JP" altLang="en-US" dirty="0"/>
-          </a:p>
-        </p:txBody>
-      </p:sp>
-      <p:sp>
-        <p:nvSpPr>
-          <p:cNvPr id="3" name="コンテンツ プレースホルダー 2"/>
-          <p:cNvSpPr>
-            <a:spLocks noGrp="1"/>
-          </p:cNvSpPr>
-          <p:nvPr>
-            <p:ph idx="1"/>
-          </p:nvPr>
-        </p:nvSpPr>
-        <p:spPr/>
-        <p:txBody>
-          <a:bodyPr/>
-          <a:lstStyle/>
-          <a:p>
-            <a:r>
-              <a:rPr kumimoji="1" lang="en-US" altLang="ja-JP" dirty="0" err="1" smtClean="0"/>
-              <a:t>Jupyter</a:t>
-            </a:r>
-            <a:endParaRPr kumimoji="1" lang="en-US" altLang="ja-JP" dirty="0" smtClean="0"/>
-          </a:p>
-          <a:p>
-            <a:pPr lvl="1"/>
-            <a:r>
-              <a:rPr lang="en-US" altLang="ja-JP" dirty="0" smtClean="0"/>
-              <a:t>Web</a:t>
-            </a:r>
-            <a:r>
-              <a:rPr lang="ja-JP" altLang="en-US" dirty="0" smtClean="0"/>
-              <a:t>アプリケーションによる対話環境</a:t>
-            </a:r>
-            <a:endParaRPr lang="en-US" altLang="ja-JP" dirty="0" smtClean="0"/>
-          </a:p>
-          <a:p>
-            <a:pPr lvl="1"/>
-            <a:r>
-              <a:rPr kumimoji="1" lang="en-US" altLang="ja-JP" dirty="0" smtClean="0"/>
-              <a:t>Mathematica</a:t>
-            </a:r>
-            <a:r>
-              <a:rPr kumimoji="1" lang="ja-JP" altLang="en-US" dirty="0" smtClean="0"/>
-              <a:t>風のノートブック</a:t>
-            </a:r>
-            <a:endParaRPr lang="en-US" altLang="ja-JP" dirty="0"/>
-          </a:p>
-          <a:p>
-            <a:pPr lvl="2"/>
-            <a:r>
-              <a:rPr lang="ja-JP" altLang="en-US" dirty="0" smtClean="0"/>
-              <a:t>プログラムの対話的実行</a:t>
-            </a:r>
-            <a:endParaRPr lang="en-US" altLang="ja-JP" dirty="0" smtClean="0"/>
-          </a:p>
-          <a:p>
-            <a:pPr lvl="2"/>
-            <a:r>
-              <a:rPr kumimoji="1" lang="ja-JP" altLang="en-US" dirty="0" smtClean="0"/>
-              <a:t>グラフの描画</a:t>
-            </a:r>
-            <a:endParaRPr kumimoji="1" lang="en-US" altLang="ja-JP" dirty="0" smtClean="0"/>
-          </a:p>
-          <a:p>
-            <a:pPr lvl="1"/>
-            <a:r>
-              <a:rPr lang="ja-JP" altLang="en-US" dirty="0" smtClean="0"/>
-              <a:t>プログラミング言語非依存</a:t>
-            </a:r>
-            <a:endParaRPr lang="en-US" altLang="ja-JP" dirty="0" smtClean="0"/>
-          </a:p>
-          <a:p>
-            <a:pPr lvl="2"/>
-            <a:r>
-              <a:rPr lang="ja-JP" altLang="en-US" dirty="0" smtClean="0"/>
-              <a:t>各言語の実行環境をカーネルとして提供</a:t>
-            </a:r>
-            <a:endParaRPr lang="en-US" altLang="ja-JP" dirty="0" smtClean="0"/>
-          </a:p>
-          <a:p>
-            <a:pPr lvl="2"/>
-            <a:r>
-              <a:rPr lang="ja-JP" altLang="en-US" dirty="0" smtClean="0"/>
-              <a:t>プロセス間</a:t>
-            </a:r>
-            <a:r>
-              <a:rPr lang="ja-JP" altLang="en-US" dirty="0"/>
-              <a:t>通信</a:t>
-            </a:r>
-            <a:endParaRPr lang="en-US" altLang="ja-JP" dirty="0" smtClean="0"/>
-          </a:p>
-          <a:p>
-            <a:r>
-              <a:rPr kumimoji="1" lang="en-US" altLang="ja-JP" dirty="0" err="1" smtClean="0"/>
-              <a:t>IRuby</a:t>
-            </a:r>
-            <a:endParaRPr kumimoji="1" lang="en-US" altLang="ja-JP" dirty="0" smtClean="0"/>
-          </a:p>
-          <a:p>
-            <a:pPr lvl="1"/>
-            <a:r>
-              <a:rPr lang="en-US" altLang="ja-JP" dirty="0" err="1" smtClean="0"/>
-              <a:t>Jupyter</a:t>
-            </a:r>
-            <a:r>
-              <a:rPr lang="ja-JP" altLang="en-US" dirty="0" smtClean="0"/>
-              <a:t>の</a:t>
-            </a:r>
-            <a:r>
-              <a:rPr lang="en-US" altLang="ja-JP" dirty="0" smtClean="0"/>
-              <a:t>Ruby</a:t>
-            </a:r>
-            <a:r>
-              <a:rPr lang="ja-JP" altLang="en-US" dirty="0" smtClean="0"/>
-              <a:t>カーネル</a:t>
-            </a:r>
-            <a:endParaRPr kumimoji="1" lang="ja-JP" altLang="en-US" dirty="0"/>
-          </a:p>
-        </p:txBody>
-      </p:sp>
-      <p:sp>
-        <p:nvSpPr>
-          <p:cNvPr id="4" name="スライド番号プレースホルダー 3"/>
-          <p:cNvSpPr>
-            <a:spLocks noGrp="1"/>
-          </p:cNvSpPr>
-          <p:nvPr>
-            <p:ph type="sldNum" sz="quarter" idx="12"/>
-          </p:nvPr>
-        </p:nvSpPr>
-        <p:spPr/>
-        <p:txBody>
-          <a:bodyPr/>
-          <a:lstStyle/>
-          <a:p>
-            <a:fld id="{D2D8002D-B5B0-4BAC-B1F6-782DDCCE6D9C}" type="slidenum">
-              <a:rPr kumimoji="1" lang="ja-JP" altLang="en-US" smtClean="0"/>
-              <a:t>31</a:t>
-            </a:fld>
-            <a:endParaRPr kumimoji="1" lang="ja-JP" altLang="en-US" dirty="0"/>
-          </a:p>
-        </p:txBody>
-      </p:sp>
-    </p:spTree>
-    <p:extLst>
-      <p:ext uri="{BB962C8B-B14F-4D97-AF65-F5344CB8AC3E}">
-        <p14:creationId xmlns:p14="http://schemas.microsoft.com/office/powerpoint/2010/main" val="1471523091"/>
-      </p:ext>
-    </p:extLst>
-  </p:cSld>
-  <p:clrMapOvr>
-    <a:masterClrMapping/>
-  </p:clrMapOvr>
-  <p:timing>
-    <p:tnLst>
-      <p:par>
-        <p:cTn id="1" dur="indefinite" restart="never" nodeType="tmRoot"/>
-      </p:par>
-    </p:tnLst>
-  </p:timing>
-</p:sld>
-</file>
-
-<file path=ppt/slides/slide33.xml><?xml version="1.0" encoding="utf-8"?>
-<p:sld xmlns:a="http://schemas.openxmlformats.org/drawingml/2006/main" xmlns:r="http://schemas.openxmlformats.org/officeDocument/2006/relationships" xmlns:p="http://schemas.openxmlformats.org/presentationml/2006/main">
-  <p:cSld>
-    <p:spTree>
-      <p:nvGrpSpPr>
-        <p:cNvPr id="1" name=""/>
-        <p:cNvGrpSpPr/>
-        <p:nvPr/>
-      </p:nvGrpSpPr>
-      <p:grpSpPr>
-        <a:xfrm>
-          <a:off x="0" y="0"/>
-          <a:ext cx="0" cy="0"/>
-          <a:chOff x="0" y="0"/>
-          <a:chExt cx="0" cy="0"/>
-        </a:xfrm>
-      </p:grpSpPr>
-      <p:sp>
-        <p:nvSpPr>
-          <p:cNvPr id="2" name="タイトル 1"/>
-          <p:cNvSpPr>
-            <a:spLocks noGrp="1"/>
-          </p:cNvSpPr>
-          <p:nvPr>
-            <p:ph type="title"/>
-          </p:nvPr>
-        </p:nvSpPr>
-        <p:spPr/>
-        <p:txBody>
-          <a:bodyPr/>
-          <a:lstStyle/>
-          <a:p>
-            <a:r>
-              <a:rPr kumimoji="1" lang="en-US" altLang="ja-JP" dirty="0" err="1" smtClean="0"/>
-              <a:t>SciRuby</a:t>
-            </a:r>
-            <a:endParaRPr kumimoji="1" lang="ja-JP" altLang="en-US" dirty="0"/>
-          </a:p>
-        </p:txBody>
-      </p:sp>
-      <p:sp>
-        <p:nvSpPr>
-          <p:cNvPr id="3" name="コンテンツ プレースホルダー 2"/>
-          <p:cNvSpPr>
-            <a:spLocks noGrp="1"/>
-          </p:cNvSpPr>
-          <p:nvPr>
-            <p:ph idx="1"/>
-          </p:nvPr>
-        </p:nvSpPr>
-        <p:spPr/>
-        <p:txBody>
-          <a:bodyPr/>
-          <a:lstStyle/>
-          <a:p>
-            <a:r>
-              <a:rPr lang="en-US" altLang="ja-JP" dirty="0" smtClean="0"/>
-              <a:t>Ruby</a:t>
-            </a:r>
-            <a:r>
-              <a:rPr lang="ja-JP" altLang="en-US" dirty="0" smtClean="0"/>
-              <a:t>用の科学計算ライブラリの開発プロジェクト</a:t>
-            </a:r>
-            <a:endParaRPr lang="en-US" altLang="ja-JP" dirty="0" smtClean="0"/>
-          </a:p>
-          <a:p>
-            <a:r>
-              <a:rPr kumimoji="1" lang="en-US" altLang="ja-JP" dirty="0" err="1" smtClean="0"/>
-              <a:t>NMatrix</a:t>
-            </a:r>
-            <a:r>
-              <a:rPr kumimoji="1" lang="ja-JP" altLang="en-US" dirty="0" smtClean="0"/>
-              <a:t>や</a:t>
-            </a:r>
-            <a:r>
-              <a:rPr kumimoji="1" lang="en-US" altLang="ja-JP" dirty="0" err="1" smtClean="0"/>
-              <a:t>daru</a:t>
-            </a:r>
-            <a:r>
-              <a:rPr lang="ja-JP" altLang="en-US" dirty="0" err="1" smtClean="0"/>
-              <a:t>、</a:t>
-            </a:r>
-            <a:r>
-              <a:rPr lang="en-US" altLang="ja-JP" dirty="0" err="1" smtClean="0"/>
-              <a:t>IRuby</a:t>
-            </a:r>
-            <a:r>
-              <a:rPr kumimoji="1" lang="ja-JP" altLang="en-US" dirty="0" smtClean="0"/>
-              <a:t>も</a:t>
-            </a:r>
-            <a:r>
-              <a:rPr kumimoji="1" lang="en-US" altLang="ja-JP" dirty="0" err="1" smtClean="0"/>
-              <a:t>SciRuby</a:t>
-            </a:r>
-            <a:r>
-              <a:rPr kumimoji="1" lang="ja-JP" altLang="en-US" dirty="0" smtClean="0"/>
-              <a:t>の一部</a:t>
-            </a:r>
-            <a:endParaRPr kumimoji="1" lang="en-US" altLang="ja-JP" dirty="0" smtClean="0"/>
-          </a:p>
-          <a:p>
-            <a:r>
-              <a:rPr kumimoji="1" lang="en-US" altLang="ja-JP" dirty="0" err="1" smtClean="0"/>
-              <a:t>Statsample</a:t>
-            </a:r>
-            <a:endParaRPr kumimoji="1" lang="en-US" altLang="ja-JP" dirty="0" smtClean="0"/>
-          </a:p>
-          <a:p>
-            <a:pPr lvl="1"/>
-            <a:r>
-              <a:rPr lang="ja-JP" altLang="en-US" dirty="0" smtClean="0"/>
-              <a:t>統計用ライブラリ</a:t>
-            </a:r>
-            <a:endParaRPr lang="en-US" altLang="ja-JP" dirty="0" smtClean="0"/>
-          </a:p>
-          <a:p>
-            <a:r>
-              <a:rPr kumimoji="1" lang="en-US" altLang="ja-JP" dirty="0" smtClean="0"/>
-              <a:t>Distribution</a:t>
-            </a:r>
-          </a:p>
-          <a:p>
-            <a:pPr lvl="1"/>
-            <a:r>
-              <a:rPr lang="ja-JP" altLang="en-US" dirty="0" smtClean="0"/>
-              <a:t>確率分布用ライブラリ</a:t>
-            </a:r>
-            <a:endParaRPr kumimoji="1" lang="ja-JP" altLang="en-US" dirty="0"/>
-          </a:p>
-        </p:txBody>
-      </p:sp>
-      <p:sp>
-        <p:nvSpPr>
-          <p:cNvPr id="4" name="スライド番号プレースホルダー 3"/>
-          <p:cNvSpPr>
-            <a:spLocks noGrp="1"/>
-          </p:cNvSpPr>
-          <p:nvPr>
-            <p:ph type="sldNum" sz="quarter" idx="12"/>
-          </p:nvPr>
-        </p:nvSpPr>
-        <p:spPr/>
-        <p:txBody>
-          <a:bodyPr/>
-          <a:lstStyle/>
-          <a:p>
-            <a:fld id="{D2D8002D-B5B0-4BAC-B1F6-782DDCCE6D9C}" type="slidenum">
-              <a:rPr kumimoji="1" lang="ja-JP" altLang="en-US" smtClean="0"/>
-              <a:t>32</a:t>
-            </a:fld>
-            <a:endParaRPr kumimoji="1" lang="ja-JP" altLang="en-US" dirty="0"/>
-          </a:p>
-        </p:txBody>
-      </p:sp>
-    </p:spTree>
-    <p:extLst>
-      <p:ext uri="{BB962C8B-B14F-4D97-AF65-F5344CB8AC3E}">
-        <p14:creationId xmlns:p14="http://schemas.microsoft.com/office/powerpoint/2010/main" val="2257990731"/>
-      </p:ext>
-    </p:extLst>
-  </p:cSld>
-  <p:clrMapOvr>
-    <a:masterClrMapping/>
-  </p:clrMapOvr>
-  <p:timing>
-    <p:tnLst>
-      <p:par>
-        <p:cTn id="1" dur="indefinite" restart="never" nodeType="tmRoot"/>
-      </p:par>
-    </p:tnLst>
-  </p:timing>
-</p:sld>
-</file>
-
-<file path=ppt/slides/slide34.xml><?xml version="1.0" encoding="utf-8"?>
-<p:sld xmlns:a="http://schemas.openxmlformats.org/drawingml/2006/main" xmlns:r="http://schemas.openxmlformats.org/officeDocument/2006/relationships" xmlns:p="http://schemas.openxmlformats.org/presentationml/2006/main">
-  <p:cSld>
-    <p:spTree>
-      <p:nvGrpSpPr>
-        <p:cNvPr id="1" name=""/>
-        <p:cNvGrpSpPr/>
-        <p:nvPr/>
-      </p:nvGrpSpPr>
-      <p:grpSpPr>
-        <a:xfrm>
-          <a:off x="0" y="0"/>
-          <a:ext cx="0" cy="0"/>
-          <a:chOff x="0" y="0"/>
-          <a:chExt cx="0" cy="0"/>
-        </a:xfrm>
-      </p:grpSpPr>
-      <p:sp>
-        <p:nvSpPr>
-          <p:cNvPr id="2" name="タイトル 1"/>
-          <p:cNvSpPr>
-            <a:spLocks noGrp="1"/>
-          </p:cNvSpPr>
-          <p:nvPr>
-            <p:ph type="title"/>
-          </p:nvPr>
-        </p:nvSpPr>
-        <p:spPr/>
-        <p:txBody>
-          <a:bodyPr/>
-          <a:lstStyle/>
-          <a:p>
-            <a:r>
-              <a:rPr lang="ja-JP" altLang="en-US" dirty="0"/>
-              <a:t>デモ</a:t>
-            </a:r>
-            <a:endParaRPr kumimoji="1" lang="ja-JP" altLang="en-US" dirty="0"/>
-          </a:p>
-        </p:txBody>
-      </p:sp>
-      <p:sp>
-        <p:nvSpPr>
-          <p:cNvPr id="4" name="スライド番号プレースホルダー 3"/>
-          <p:cNvSpPr>
-            <a:spLocks noGrp="1"/>
-          </p:cNvSpPr>
-          <p:nvPr>
-            <p:ph type="sldNum" sz="quarter" idx="12"/>
-          </p:nvPr>
-        </p:nvSpPr>
-        <p:spPr/>
-        <p:txBody>
-          <a:bodyPr/>
-          <a:lstStyle/>
-          <a:p>
-            <a:fld id="{D2D8002D-B5B0-4BAC-B1F6-782DDCCE6D9C}" type="slidenum">
-              <a:rPr kumimoji="1" lang="ja-JP" altLang="en-US" smtClean="0"/>
-              <a:t>33</a:t>
-            </a:fld>
-            <a:endParaRPr kumimoji="1" lang="ja-JP" altLang="en-US" dirty="0"/>
-          </a:p>
-        </p:txBody>
-      </p:sp>
-    </p:spTree>
-    <p:extLst>
-      <p:ext uri="{BB962C8B-B14F-4D97-AF65-F5344CB8AC3E}">
-        <p14:creationId xmlns:p14="http://schemas.microsoft.com/office/powerpoint/2010/main" val="1075475458"/>
-      </p:ext>
-    </p:extLst>
-  </p:cSld>
-  <p:clrMapOvr>
-    <a:masterClrMapping/>
-  </p:clrMapOvr>
-  <p:timing>
-    <p:tnLst>
-      <p:par>
-        <p:cTn id="1" dur="indefinite" restart="never" nodeType="tmRoot"/>
-      </p:par>
-    </p:tnLst>
-  </p:timing>
-</p:sld>
-</file>
-
-<file path=ppt/slides/slide35.xml><?xml version="1.0" encoding="utf-8"?>
-<p:sld xmlns:a="http://schemas.openxmlformats.org/drawingml/2006/main" xmlns:r="http://schemas.openxmlformats.org/officeDocument/2006/relationships" xmlns:p="http://schemas.openxmlformats.org/presentationml/2006/main">
-  <p:cSld>
-    <p:spTree>
-      <p:nvGrpSpPr>
-        <p:cNvPr id="1" name=""/>
-        <p:cNvGrpSpPr/>
-        <p:nvPr/>
-      </p:nvGrpSpPr>
-      <p:grpSpPr>
-        <a:xfrm>
-          <a:off x="0" y="0"/>
-          <a:ext cx="0" cy="0"/>
-          <a:chOff x="0" y="0"/>
-          <a:chExt cx="0" cy="0"/>
-        </a:xfrm>
-      </p:grpSpPr>
-      <p:sp>
-        <p:nvSpPr>
-          <p:cNvPr id="2" name="タイトル 1"/>
-          <p:cNvSpPr>
-            <a:spLocks noGrp="1"/>
-          </p:cNvSpPr>
-          <p:nvPr>
-            <p:ph type="title"/>
-          </p:nvPr>
-        </p:nvSpPr>
-        <p:spPr/>
-        <p:txBody>
-          <a:bodyPr/>
-          <a:lstStyle/>
-          <a:p>
-            <a:r>
-              <a:rPr lang="ja-JP" altLang="en-US" dirty="0" smtClean="0"/>
-              <a:t>今後の課題</a:t>
-            </a:r>
-            <a:endParaRPr kumimoji="1" lang="ja-JP" altLang="en-US" dirty="0"/>
-          </a:p>
-        </p:txBody>
-      </p:sp>
-      <p:sp>
-        <p:nvSpPr>
-          <p:cNvPr id="4" name="スライド番号プレースホルダー 3"/>
-          <p:cNvSpPr>
-            <a:spLocks noGrp="1"/>
-          </p:cNvSpPr>
-          <p:nvPr>
-            <p:ph type="sldNum" sz="quarter" idx="12"/>
-          </p:nvPr>
-        </p:nvSpPr>
-        <p:spPr/>
-        <p:txBody>
-          <a:bodyPr/>
-          <a:lstStyle/>
-          <a:p>
-            <a:fld id="{D2D8002D-B5B0-4BAC-B1F6-782DDCCE6D9C}" type="slidenum">
-              <a:rPr kumimoji="1" lang="ja-JP" altLang="en-US" smtClean="0"/>
-              <a:t>34</a:t>
-            </a:fld>
-            <a:endParaRPr kumimoji="1" lang="ja-JP" altLang="en-US" dirty="0"/>
-          </a:p>
-        </p:txBody>
-      </p:sp>
-    </p:spTree>
-    <p:extLst>
-      <p:ext uri="{BB962C8B-B14F-4D97-AF65-F5344CB8AC3E}">
-        <p14:creationId xmlns:p14="http://schemas.microsoft.com/office/powerpoint/2010/main" val="811270252"/>
-      </p:ext>
-    </p:extLst>
-  </p:cSld>
-  <p:clrMapOvr>
-    <a:masterClrMapping/>
-  </p:clrMapOvr>
-  <p:timing>
-    <p:tnLst>
-      <p:par>
-        <p:cTn id="1" dur="indefinite" restart="never" nodeType="tmRoot"/>
-      </p:par>
-    </p:tnLst>
-  </p:timing>
-</p:sld>
-</file>
-
-<file path=ppt/slides/slide36.xml><?xml version="1.0" encoding="utf-8"?>
-<p:sld xmlns:a="http://schemas.openxmlformats.org/drawingml/2006/main" xmlns:r="http://schemas.openxmlformats.org/officeDocument/2006/relationships" xmlns:p="http://schemas.openxmlformats.org/presentationml/2006/main">
-  <p:cSld>
-    <p:spTree>
-      <p:nvGrpSpPr>
-        <p:cNvPr id="1" name=""/>
-        <p:cNvGrpSpPr/>
-        <p:nvPr/>
-      </p:nvGrpSpPr>
-      <p:grpSpPr>
-        <a:xfrm>
-          <a:off x="0" y="0"/>
-          <a:ext cx="0" cy="0"/>
-          <a:chOff x="0" y="0"/>
-          <a:chExt cx="0" cy="0"/>
-        </a:xfrm>
-      </p:grpSpPr>
-      <p:sp>
-        <p:nvSpPr>
-          <p:cNvPr id="2" name="タイトル 1"/>
-          <p:cNvSpPr>
-            <a:spLocks noGrp="1"/>
-          </p:cNvSpPr>
-          <p:nvPr>
-            <p:ph type="title"/>
-          </p:nvPr>
-        </p:nvSpPr>
-        <p:spPr/>
-        <p:txBody>
-          <a:bodyPr/>
-          <a:lstStyle/>
-          <a:p>
-            <a:r>
-              <a:rPr lang="ja-JP" altLang="en-US" dirty="0" smtClean="0"/>
-              <a:t>利用者が少ない</a:t>
-            </a:r>
-            <a:endParaRPr kumimoji="1" lang="ja-JP" altLang="en-US" dirty="0"/>
-          </a:p>
-        </p:txBody>
-      </p:sp>
-      <p:sp>
-        <p:nvSpPr>
-          <p:cNvPr id="6" name="コンテンツ プレースホルダー 5"/>
-          <p:cNvSpPr>
-            <a:spLocks noGrp="1"/>
-          </p:cNvSpPr>
-          <p:nvPr>
-            <p:ph idx="1"/>
-          </p:nvPr>
-        </p:nvSpPr>
-        <p:spPr/>
-        <p:txBody>
-          <a:bodyPr/>
-          <a:lstStyle/>
-          <a:p>
-            <a:r>
-              <a:rPr lang="en-US" altLang="ja-JP" dirty="0" err="1" smtClean="0"/>
-              <a:t>nmatrix</a:t>
-            </a:r>
-            <a:r>
-              <a:rPr lang="ja-JP" altLang="en-US" dirty="0" smtClean="0"/>
-              <a:t>と</a:t>
-            </a:r>
-            <a:r>
-              <a:rPr lang="en-US" altLang="ja-JP" dirty="0" err="1" smtClean="0"/>
-              <a:t>statsample</a:t>
-            </a:r>
-            <a:r>
-              <a:rPr lang="ja-JP" altLang="en-US" dirty="0" smtClean="0"/>
-              <a:t>を同時に</a:t>
-            </a:r>
-            <a:r>
-              <a:rPr lang="en-US" altLang="ja-JP" dirty="0" smtClean="0"/>
-              <a:t>require</a:t>
-            </a:r>
-            <a:r>
-              <a:rPr lang="ja-JP" altLang="en-US" dirty="0" smtClean="0"/>
-              <a:t>すると最新の</a:t>
-            </a:r>
-            <a:r>
-              <a:rPr lang="en-US" altLang="ja-JP" dirty="0" smtClean="0"/>
-              <a:t>Ruby</a:t>
-            </a:r>
-            <a:r>
-              <a:rPr lang="ja-JP" altLang="en-US" dirty="0" smtClean="0"/>
-              <a:t>ではエラー</a:t>
-            </a:r>
-            <a:r>
-              <a:rPr lang="ja-JP" altLang="en-US" dirty="0" smtClean="0"/>
-              <a:t>に</a:t>
-            </a:r>
-            <a:r>
-              <a:rPr lang="ja-JP" altLang="en-US" dirty="0" smtClean="0"/>
-              <a:t>なる</a:t>
-            </a:r>
-            <a:endParaRPr lang="en-US" altLang="ja-JP" dirty="0" smtClean="0"/>
-          </a:p>
-          <a:p>
-            <a:pPr lvl="1"/>
-            <a:r>
-              <a:rPr lang="ja-JP" altLang="en-US" dirty="0" smtClean="0"/>
-              <a:t>あまり使われていないのでは</a:t>
-            </a:r>
-            <a:r>
-              <a:rPr lang="ja-JP" altLang="en-US" dirty="0"/>
-              <a:t>？</a:t>
-            </a:r>
-            <a:endParaRPr lang="en-US" altLang="ja-JP" dirty="0" smtClean="0"/>
-          </a:p>
-          <a:p>
-            <a:r>
-              <a:rPr kumimoji="1" lang="ja-JP" altLang="en-US" dirty="0" smtClean="0"/>
-              <a:t>ドキュメントの不足</a:t>
-            </a:r>
-            <a:endParaRPr kumimoji="1" lang="en-US" altLang="ja-JP" dirty="0" smtClean="0"/>
-          </a:p>
-          <a:p>
-            <a:endParaRPr kumimoji="1" lang="ja-JP" altLang="en-US" dirty="0"/>
-          </a:p>
-        </p:txBody>
-      </p:sp>
-      <p:sp>
-        <p:nvSpPr>
-          <p:cNvPr id="4" name="スライド番号プレースホルダー 3"/>
-          <p:cNvSpPr>
-            <a:spLocks noGrp="1"/>
-          </p:cNvSpPr>
-          <p:nvPr>
-            <p:ph type="sldNum" sz="quarter" idx="12"/>
-          </p:nvPr>
-        </p:nvSpPr>
-        <p:spPr/>
-        <p:txBody>
-          <a:bodyPr/>
-          <a:lstStyle/>
-          <a:p>
-            <a:fld id="{D2D8002D-B5B0-4BAC-B1F6-782DDCCE6D9C}" type="slidenum">
-              <a:rPr kumimoji="1" lang="ja-JP" altLang="en-US" smtClean="0"/>
-              <a:t>35</a:t>
-            </a:fld>
-            <a:endParaRPr kumimoji="1" lang="ja-JP" altLang="en-US" dirty="0"/>
-          </a:p>
-        </p:txBody>
-      </p:sp>
-    </p:spTree>
-    <p:extLst>
-      <p:ext uri="{BB962C8B-B14F-4D97-AF65-F5344CB8AC3E}">
-        <p14:creationId xmlns:p14="http://schemas.microsoft.com/office/powerpoint/2010/main" val="435299899"/>
+        <p14:creationId xmlns:p14="http://schemas.microsoft.com/office/powerpoint/2010/main" val="2932370937"/>
       </p:ext>
     </p:extLst>
   </p:cSld>
@@ -15539,85 +15613,12 @@
           <a:p>
             <a:r>
               <a:rPr lang="ja-JP" altLang="en-US" dirty="0" smtClean="0"/>
-              <a:t>機能追加・機能改善</a:t>
-            </a:r>
-            <a:endParaRPr kumimoji="1" lang="ja-JP" altLang="en-US" dirty="0"/>
-          </a:p>
-        </p:txBody>
-      </p:sp>
-      <p:sp>
-        <p:nvSpPr>
-          <p:cNvPr id="6" name="コンテンツ プレースホルダー 5"/>
-          <p:cNvSpPr>
-            <a:spLocks noGrp="1"/>
-          </p:cNvSpPr>
-          <p:nvPr>
-            <p:ph idx="1"/>
-          </p:nvPr>
-        </p:nvSpPr>
-        <p:spPr/>
-        <p:txBody>
-          <a:bodyPr/>
-          <a:lstStyle/>
-          <a:p>
-            <a:r>
-              <a:rPr kumimoji="1" lang="en-US" altLang="ja-JP" dirty="0" err="1" smtClean="0"/>
-              <a:t>daru</a:t>
-            </a:r>
-            <a:endParaRPr kumimoji="1" lang="en-US" altLang="ja-JP" dirty="0" smtClean="0"/>
-          </a:p>
-          <a:p>
-            <a:pPr lvl="1"/>
-            <a:r>
-              <a:rPr kumimoji="1" lang="ja-JP" altLang="en-US" dirty="0" smtClean="0"/>
-              <a:t>欠損値の扱い</a:t>
-            </a:r>
-            <a:endParaRPr kumimoji="1" lang="en-US" altLang="ja-JP" dirty="0" smtClean="0"/>
-          </a:p>
-          <a:p>
-            <a:pPr lvl="2"/>
-            <a:r>
-              <a:rPr lang="ja-JP" altLang="en-US" dirty="0" smtClean="0"/>
-              <a:t>チェックや穴埋め</a:t>
-            </a:r>
-            <a:endParaRPr kumimoji="1" lang="en-US" altLang="ja-JP" dirty="0" smtClean="0"/>
-          </a:p>
-          <a:p>
-            <a:pPr lvl="1"/>
-            <a:r>
-              <a:rPr lang="ja-JP" altLang="en-US" dirty="0" smtClean="0"/>
-              <a:t>時系列データの扱い</a:t>
-            </a:r>
-            <a:endParaRPr lang="en-US" altLang="ja-JP" dirty="0" smtClean="0"/>
-          </a:p>
-          <a:p>
-            <a:pPr lvl="2"/>
-            <a:r>
-              <a:rPr lang="ja-JP" altLang="en-US" dirty="0" smtClean="0"/>
-              <a:t>再サンプリング</a:t>
-            </a:r>
-            <a:endParaRPr lang="en-US" altLang="ja-JP" dirty="0" smtClean="0"/>
-          </a:p>
-          <a:p>
-            <a:pPr lvl="1"/>
-            <a:r>
-              <a:rPr kumimoji="1" lang="ja-JP" altLang="en-US" dirty="0" smtClean="0"/>
-              <a:t>金融</a:t>
-            </a:r>
-            <a:r>
-              <a:rPr kumimoji="1" lang="ja-JP" altLang="en-US" dirty="0" smtClean="0"/>
-              <a:t>関係の</a:t>
-            </a:r>
-            <a:r>
-              <a:rPr kumimoji="1" lang="ja-JP" altLang="en-US" dirty="0" smtClean="0"/>
-              <a:t>機能</a:t>
-            </a:r>
-            <a:endParaRPr kumimoji="1" lang="en-US" altLang="ja-JP" dirty="0" smtClean="0"/>
-          </a:p>
-          <a:p>
-            <a:pPr marL="0" indent="0">
-              <a:buNone/>
-            </a:pPr>
+              <a:t>ベンチマーク</a:t>
+            </a:r>
+            <a:r>
+              <a:rPr lang="ja-JP" altLang="en-US" dirty="0"/>
+              <a:t>結果</a:t>
+            </a:r>
             <a:endParaRPr kumimoji="1" lang="ja-JP" altLang="en-US" dirty="0"/>
           </a:p>
         </p:txBody>
@@ -15645,10 +15646,40 @@
           </a:p>
         </p:txBody>
       </p:sp>
+      <p:pic>
+        <p:nvPicPr>
+          <p:cNvPr id="6" name="図 5"/>
+          <p:cNvPicPr>
+            <a:picLocks noChangeAspect="1"/>
+          </p:cNvPicPr>
+          <p:nvPr/>
+        </p:nvPicPr>
+        <p:blipFill>
+          <a:blip r:embed="rId2">
+            <a:extLst>
+              <a:ext uri="{28A0092B-C50C-407E-A947-70E740481C1C}">
+                <a14:useLocalDpi xmlns:a14="http://schemas.microsoft.com/office/drawing/2010/main" val="0"/>
+              </a:ext>
+            </a:extLst>
+          </a:blip>
+          <a:stretch>
+            <a:fillRect/>
+          </a:stretch>
+        </p:blipFill>
+        <p:spPr>
+          <a:xfrm>
+            <a:off x="827584" y="1520017"/>
+            <a:ext cx="7128792" cy="4742585"/>
+          </a:xfrm>
+          <a:prstGeom prst="rect">
+            <a:avLst/>
+          </a:prstGeom>
+        </p:spPr>
+      </p:pic>
     </p:spTree>
     <p:extLst>
       <p:ext uri="{BB962C8B-B14F-4D97-AF65-F5344CB8AC3E}">
-        <p14:creationId xmlns:p14="http://schemas.microsoft.com/office/powerpoint/2010/main" val="565505173"/>
+        <p14:creationId xmlns:p14="http://schemas.microsoft.com/office/powerpoint/2010/main" val="672512101"/>
       </p:ext>
     </p:extLst>
   </p:cSld>
@@ -15698,8 +15729,12 @@
           <a:lstStyle/>
           <a:p>
             <a:r>
+              <a:rPr lang="en-US" altLang="ja-JP" dirty="0" smtClean="0"/>
+              <a:t>DSL</a:t>
+            </a:r>
+            <a:r>
               <a:rPr lang="ja-JP" altLang="en-US" dirty="0" smtClean="0"/>
-              <a:t>性能改善</a:t>
+              <a:t>の強化</a:t>
             </a:r>
             <a:endParaRPr kumimoji="1" lang="ja-JP" altLang="en-US" dirty="0"/>
           </a:p>
@@ -15721,77 +15756,45 @@
           <a:lstStyle/>
           <a:p>
             <a:r>
+              <a:rPr kumimoji="1" lang="en-US" altLang="ja-JP" dirty="0" err="1" smtClean="0"/>
+              <a:t>daru</a:t>
+            </a:r>
+            <a:endParaRPr kumimoji="1" lang="en-US" altLang="ja-JP" dirty="0" smtClean="0"/>
+          </a:p>
+          <a:p>
+            <a:pPr lvl="1"/>
+            <a:r>
+              <a:rPr kumimoji="1" lang="en-US" altLang="ja-JP" dirty="0" smtClean="0"/>
+              <a:t>Daru::</a:t>
+            </a:r>
+            <a:r>
+              <a:rPr kumimoji="1" lang="en-US" altLang="ja-JP" dirty="0" err="1" smtClean="0"/>
+              <a:t>DataFrame#where</a:t>
+            </a:r>
+            <a:endParaRPr kumimoji="1" lang="en-US" altLang="ja-JP" dirty="0" smtClean="0"/>
+          </a:p>
+          <a:p>
+            <a:r>
               <a:rPr lang="en-US" altLang="ja-JP" dirty="0" err="1" smtClean="0"/>
-              <a:t>NMatrix</a:t>
+              <a:t>SciRuby</a:t>
             </a:r>
             <a:endParaRPr lang="en-US" altLang="ja-JP" dirty="0" smtClean="0"/>
           </a:p>
           <a:p>
             <a:pPr lvl="1"/>
             <a:r>
-              <a:rPr lang="ja-JP" altLang="en-US" dirty="0" smtClean="0"/>
-              <a:t>遅い</a:t>
-            </a:r>
-            <a:endParaRPr lang="en-US" altLang="ja-JP" dirty="0" smtClean="0"/>
-          </a:p>
-          <a:p>
-            <a:pPr lvl="1"/>
-            <a:r>
-              <a:rPr lang="en-US" altLang="ja-JP" dirty="0" err="1" smtClean="0"/>
-              <a:t>NArray</a:t>
-            </a:r>
-            <a:r>
-              <a:rPr lang="ja-JP" altLang="en-US" dirty="0" smtClean="0"/>
-              <a:t>ベースで</a:t>
-            </a:r>
-            <a:r>
-              <a:rPr lang="en-US" altLang="ja-JP" dirty="0" err="1" smtClean="0"/>
-              <a:t>NMatrix</a:t>
-            </a:r>
-            <a:r>
-              <a:rPr lang="ja-JP" altLang="en-US" dirty="0" smtClean="0"/>
-              <a:t>互換ラッパーを作る</a:t>
-            </a:r>
-            <a:r>
-              <a:rPr lang="ja-JP" altLang="en-US" dirty="0"/>
-              <a:t>？</a:t>
-            </a:r>
-            <a:endParaRPr lang="en-US" altLang="ja-JP" dirty="0" smtClean="0"/>
-          </a:p>
-          <a:p>
-            <a:r>
-              <a:rPr lang="en-US" altLang="ja-JP" dirty="0" err="1" smtClean="0"/>
-              <a:t>daru</a:t>
-            </a:r>
-            <a:endParaRPr lang="en-US" altLang="ja-JP" dirty="0" smtClean="0"/>
-          </a:p>
-          <a:p>
-            <a:pPr lvl="1"/>
-            <a:r>
-              <a:rPr lang="en-US" altLang="ja-JP" dirty="0" smtClean="0"/>
-              <a:t>GSL</a:t>
-            </a:r>
-            <a:r>
-              <a:rPr lang="ja-JP" altLang="en-US" dirty="0" smtClean="0"/>
-              <a:t>や</a:t>
-            </a:r>
-            <a:r>
-              <a:rPr lang="en-US" altLang="ja-JP" dirty="0" err="1" smtClean="0"/>
-              <a:t>NMatrix</a:t>
-            </a:r>
-            <a:r>
-              <a:rPr lang="ja-JP" altLang="en-US" dirty="0" smtClean="0"/>
-              <a:t>が利用できる</a:t>
-            </a:r>
-            <a:r>
-              <a:rPr lang="ja-JP" altLang="en-US" dirty="0" smtClean="0"/>
-              <a:t>場合</a:t>
-            </a:r>
-            <a:r>
-              <a:rPr lang="ja-JP" altLang="en-US" dirty="0" smtClean="0"/>
-              <a:t>も、明示的に指定が必要</a:t>
-            </a:r>
-            <a:endParaRPr lang="en-US" altLang="ja-JP" dirty="0" smtClean="0"/>
+              <a:rPr kumimoji="1" lang="ja-JP" altLang="en-US" dirty="0" smtClean="0"/>
+              <a:t>関数を</a:t>
+            </a:r>
+            <a:r>
+              <a:rPr kumimoji="1" lang="en-US" altLang="ja-JP" dirty="0" smtClean="0"/>
+              <a:t>Ruby</a:t>
+            </a:r>
+            <a:r>
+              <a:rPr kumimoji="1" lang="ja-JP" altLang="en-US" dirty="0" smtClean="0"/>
+              <a:t>の式で表現</a:t>
+            </a:r>
+            <a:endParaRPr kumimoji="1" lang="en-US" altLang="ja-JP" dirty="0" smtClean="0"/>
           </a:p>
         </p:txBody>
       </p:sp>
@@ -15821,7 +15824,7 @@
     </p:spTree>
     <p:extLst>
       <p:ext uri="{BB962C8B-B14F-4D97-AF65-F5344CB8AC3E}">
-        <p14:creationId xmlns:p14="http://schemas.microsoft.com/office/powerpoint/2010/main" val="2932370937"/>
+        <p14:creationId xmlns:p14="http://schemas.microsoft.com/office/powerpoint/2010/main" val="3539118332"/>
       </p:ext>
     </p:extLst>
   </p:cSld>
@@ -15871,12 +15874,12 @@
           <a:lstStyle/>
           <a:p>
             <a:r>
-              <a:rPr lang="en-US" altLang="ja-JP" dirty="0" smtClean="0"/>
-              <a:t>DSL</a:t>
-            </a:r>
-            <a:r>
-              <a:rPr lang="ja-JP" altLang="en-US" dirty="0" smtClean="0"/>
-              <a:t>の強化</a:t>
+              <a:rPr kumimoji="1" lang="en-US" altLang="ja-JP" dirty="0" smtClean="0"/>
+              <a:t>Refinements</a:t>
+            </a:r>
+            <a:r>
+              <a:rPr kumimoji="1" lang="ja-JP" altLang="en-US" dirty="0" smtClean="0"/>
+              <a:t>による拡張</a:t>
             </a:r>
             <a:endParaRPr kumimoji="1" lang="ja-JP" altLang="en-US" dirty="0"/>
           </a:p>
@@ -15897,45 +15900,9 @@
           <a:bodyPr/>
           <a:lstStyle/>
           <a:p>
-            <a:r>
-              <a:rPr kumimoji="1" lang="en-US" altLang="ja-JP" dirty="0" err="1" smtClean="0"/>
-              <a:t>daru</a:t>
-            </a:r>
-            <a:endParaRPr kumimoji="1" lang="en-US" altLang="ja-JP" dirty="0" smtClean="0"/>
-          </a:p>
-          <a:p>
-            <a:pPr lvl="1"/>
-            <a:r>
-              <a:rPr kumimoji="1" lang="en-US" altLang="ja-JP" dirty="0" smtClean="0"/>
-              <a:t>Daru::</a:t>
-            </a:r>
-            <a:r>
-              <a:rPr kumimoji="1" lang="en-US" altLang="ja-JP" dirty="0" err="1" smtClean="0"/>
-              <a:t>DataFrame#where</a:t>
-            </a:r>
-            <a:endParaRPr kumimoji="1" lang="en-US" altLang="ja-JP" dirty="0" smtClean="0"/>
-          </a:p>
-          <a:p>
-            <a:r>
-              <a:rPr lang="en-US" altLang="ja-JP" dirty="0" err="1" smtClean="0"/>
-              <a:t>SciRuby</a:t>
-            </a:r>
-            <a:endParaRPr lang="en-US" altLang="ja-JP" dirty="0" smtClean="0"/>
-          </a:p>
-          <a:p>
-            <a:pPr lvl="1"/>
-            <a:r>
-              <a:rPr kumimoji="1" lang="ja-JP" altLang="en-US" dirty="0" smtClean="0"/>
-              <a:t>関数を</a:t>
-            </a:r>
-            <a:r>
-              <a:rPr kumimoji="1" lang="en-US" altLang="ja-JP" dirty="0" smtClean="0"/>
-              <a:t>Ruby</a:t>
-            </a:r>
-            <a:r>
-              <a:rPr kumimoji="1" lang="ja-JP" altLang="en-US" dirty="0" smtClean="0"/>
-              <a:t>の式で表現</a:t>
-            </a:r>
+            <a:pPr marL="0" indent="0">
+              <a:buNone/>
+            </a:pPr>
             <a:endParaRPr kumimoji="1" lang="en-US" altLang="ja-JP" dirty="0" smtClean="0"/>
           </a:p>
         </p:txBody>
@@ -15966,7 +15933,7 @@
     </p:spTree>
     <p:extLst>
       <p:ext uri="{BB962C8B-B14F-4D97-AF65-F5344CB8AC3E}">
-        <p14:creationId xmlns:p14="http://schemas.microsoft.com/office/powerpoint/2010/main" val="3539118332"/>
+        <p14:creationId xmlns:p14="http://schemas.microsoft.com/office/powerpoint/2010/main" val="2460615494"/>
       </p:ext>
     </p:extLst>
   </p:cSld>
@@ -16196,12 +16163,8 @@
           <a:lstStyle/>
           <a:p>
             <a:r>
-              <a:rPr kumimoji="1" lang="en-US" altLang="ja-JP" dirty="0" smtClean="0"/>
-              <a:t>Refinements</a:t>
-            </a:r>
-            <a:r>
               <a:rPr kumimoji="1" lang="ja-JP" altLang="en-US" dirty="0" smtClean="0"/>
-              <a:t>による拡張</a:t>
+              <a:t>デファクトスタンダード化</a:t>
             </a:r>
             <a:endParaRPr kumimoji="1" lang="ja-JP" altLang="en-US" dirty="0"/>
           </a:p>
@@ -16222,9 +16185,57 @@
           <a:bodyPr/>
           <a:lstStyle/>
           <a:p>
-            <a:pPr marL="0" indent="0">
-              <a:buNone/>
-            </a:pPr>
+            <a:r>
+              <a:rPr lang="en-US" altLang="ja-JP" dirty="0" err="1" smtClean="0"/>
+              <a:t>NArray</a:t>
+            </a:r>
+            <a:r>
+              <a:rPr lang="ja-JP" altLang="en-US" dirty="0"/>
+              <a:t> </a:t>
+            </a:r>
+            <a:r>
+              <a:rPr lang="en-US" altLang="ja-JP" dirty="0" smtClean="0"/>
+              <a:t>or </a:t>
+            </a:r>
+            <a:r>
+              <a:rPr lang="en-US" altLang="ja-JP" dirty="0" err="1" smtClean="0"/>
+              <a:t>NMatrix</a:t>
+            </a:r>
+            <a:r>
+              <a:rPr lang="en-US" altLang="ja-JP" dirty="0" smtClean="0"/>
+              <a:t>?</a:t>
+            </a:r>
+            <a:endParaRPr lang="en-US" altLang="ja-JP" dirty="0"/>
+          </a:p>
+          <a:p>
+            <a:r>
+              <a:rPr kumimoji="1" lang="en-US" altLang="ja-JP" dirty="0" err="1" smtClean="0"/>
+              <a:t>daru</a:t>
+            </a:r>
+            <a:r>
+              <a:rPr kumimoji="1" lang="ja-JP" altLang="en-US" dirty="0" smtClean="0"/>
+              <a:t>は</a:t>
+            </a:r>
+            <a:r>
+              <a:rPr kumimoji="1" lang="en-US" altLang="ja-JP" dirty="0" err="1" smtClean="0"/>
+              <a:t>Nyaplot</a:t>
+            </a:r>
+            <a:r>
+              <a:rPr kumimoji="1" lang="ja-JP" altLang="en-US" dirty="0" smtClean="0"/>
+              <a:t>を使用しているが、</a:t>
+            </a:r>
+            <a:r>
+              <a:rPr kumimoji="1" lang="en-US" altLang="ja-JP" dirty="0" err="1" smtClean="0"/>
+              <a:t>statsample</a:t>
+            </a:r>
+            <a:r>
+              <a:rPr kumimoji="1" lang="ja-JP" altLang="en-US" dirty="0" smtClean="0"/>
+              <a:t>などは使用して</a:t>
+            </a:r>
+            <a:r>
+              <a:rPr kumimoji="1" lang="ja-JP" altLang="en-US" dirty="0" smtClean="0"/>
+              <a:t>いないなど、ライブラリによって使うものが違う</a:t>
+            </a:r>
             <a:endParaRPr kumimoji="1" lang="en-US" altLang="ja-JP" dirty="0" smtClean="0"/>
           </a:p>
         </p:txBody>
@@ -16255,7 +16266,7 @@
     </p:spTree>
     <p:extLst>
       <p:ext uri="{BB962C8B-B14F-4D97-AF65-F5344CB8AC3E}">
-        <p14:creationId xmlns:p14="http://schemas.microsoft.com/office/powerpoint/2010/main" val="2460615494"/>
+        <p14:creationId xmlns:p14="http://schemas.microsoft.com/office/powerpoint/2010/main" val="3583640956"/>
       </p:ext>
     </p:extLst>
   </p:cSld>
@@ -16305,8 +16316,8 @@
           <a:lstStyle/>
           <a:p>
             <a:r>
-              <a:rPr kumimoji="1" lang="ja-JP" altLang="en-US" dirty="0" smtClean="0"/>
-              <a:t>デファクトスタンダード化</a:t>
+              <a:rPr kumimoji="1" lang="en-US" altLang="ja-JP" dirty="0" smtClean="0"/>
+              <a:t>References</a:t>
             </a:r>
             <a:endParaRPr kumimoji="1" lang="ja-JP" altLang="en-US" dirty="0"/>
           </a:p>
@@ -16324,61 +16335,181 @@
         </p:nvSpPr>
         <p:spPr/>
         <p:txBody>
-          <a:bodyPr/>
+          <a:bodyPr>
+            <a:normAutofit lnSpcReduction="10000"/>
+          </a:bodyPr>
           <a:lstStyle/>
           <a:p>
             <a:r>
-              <a:rPr lang="en-US" altLang="ja-JP" dirty="0" err="1" smtClean="0"/>
-              <a:t>NArray</a:t>
+              <a:rPr lang="ja-JP" altLang="en-US" dirty="0" smtClean="0"/>
+              <a:t>ジェイムズ・オーウェン・ウェザーオール</a:t>
+            </a:r>
+            <a:r>
+              <a:rPr lang="en-US" altLang="ja-JP" dirty="0" smtClean="0"/>
+              <a:t>, </a:t>
+            </a:r>
+            <a:r>
+              <a:rPr lang="ja-JP" altLang="en-US" i="1" dirty="0" smtClean="0"/>
+              <a:t>ウォール街の物理学者</a:t>
+            </a:r>
+            <a:r>
+              <a:rPr lang="en-US" altLang="ja-JP" dirty="0" smtClean="0"/>
+              <a:t>,</a:t>
+            </a:r>
+            <a:r>
+              <a:rPr lang="en-US" altLang="ja-JP" i="1" dirty="0" smtClean="0"/>
+              <a:t> </a:t>
+            </a:r>
+            <a:r>
+              <a:rPr lang="ja-JP" altLang="en-US" dirty="0" smtClean="0"/>
+              <a:t>早川書房</a:t>
+            </a:r>
+            <a:r>
+              <a:rPr lang="en-US" altLang="ja-JP" dirty="0" smtClean="0"/>
+              <a:t>, 2015</a:t>
+            </a:r>
+          </a:p>
+          <a:p>
+            <a:r>
+              <a:rPr lang="en-US" altLang="ja-JP" dirty="0"/>
+              <a:t>M. F. M. Osborne, </a:t>
+            </a:r>
+            <a:r>
+              <a:rPr lang="en-US" altLang="ja-JP" i="1" dirty="0"/>
+              <a:t>Brownian Motion in the Stock Market</a:t>
+            </a:r>
+            <a:r>
+              <a:rPr lang="en-US" altLang="ja-JP" dirty="0"/>
+              <a:t>, </a:t>
+            </a:r>
+            <a:br>
+              <a:rPr lang="en-US" altLang="ja-JP" dirty="0"/>
+            </a:br>
+            <a:r>
+              <a:rPr lang="en-US" altLang="ja-JP" dirty="0"/>
+              <a:t>Operations Research, </a:t>
+            </a:r>
+            <a:r>
+              <a:rPr lang="en-US" altLang="ja-JP" dirty="0" smtClean="0"/>
+              <a:t>1959</a:t>
+            </a:r>
+          </a:p>
+          <a:p>
+            <a:r>
+              <a:rPr lang="en-US" altLang="ja-JP" dirty="0"/>
+              <a:t>Benoit Mandelbrot,</a:t>
             </a:r>
             <a:r>
               <a:rPr lang="ja-JP" altLang="en-US" dirty="0"/>
               <a:t> </a:t>
             </a:r>
             <a:r>
+              <a:rPr lang="en-US" altLang="ja-JP" i="1" dirty="0"/>
+              <a:t>The Variation of Certain Speculative Prices</a:t>
+            </a:r>
+            <a:r>
+              <a:rPr lang="en-US" altLang="ja-JP" dirty="0"/>
+              <a:t>, </a:t>
+            </a:r>
+            <a:r>
+              <a:rPr lang="en-US" altLang="ja-JP" dirty="0" err="1"/>
+              <a:t>Jounal</a:t>
+            </a:r>
+            <a:r>
+              <a:rPr lang="en-US" altLang="ja-JP" dirty="0"/>
+              <a:t> of Business, 1963</a:t>
+            </a:r>
+          </a:p>
+          <a:p>
+            <a:r>
+              <a:rPr lang="en-US" altLang="ja-JP" dirty="0"/>
+              <a:t>Benoit Mandelbrot, </a:t>
+            </a:r>
+            <a:r>
+              <a:rPr lang="en-US" altLang="ja-JP" i="1" dirty="0"/>
+              <a:t>The Variation of Other Speculative Prices</a:t>
+            </a:r>
+            <a:r>
+              <a:rPr lang="en-US" altLang="ja-JP" dirty="0"/>
+              <a:t>, </a:t>
+            </a:r>
+            <a:r>
+              <a:rPr lang="en-US" altLang="ja-JP" dirty="0" err="1"/>
+              <a:t>Jounal</a:t>
+            </a:r>
+            <a:r>
+              <a:rPr lang="en-US" altLang="ja-JP" dirty="0"/>
+              <a:t> of Business, </a:t>
+            </a:r>
+            <a:r>
               <a:rPr lang="en-US" altLang="ja-JP" dirty="0" smtClean="0"/>
-              <a:t>or </a:t>
+              <a:t>1967</a:t>
+            </a:r>
+          </a:p>
+          <a:p>
+            <a:r>
+              <a:rPr lang="ja-JP" altLang="en-US" dirty="0" smtClean="0"/>
+              <a:t>平岡和幸・堀玄</a:t>
+            </a:r>
+            <a:r>
+              <a:rPr lang="en-US" altLang="ja-JP" dirty="0" smtClean="0"/>
+              <a:t>, </a:t>
+            </a:r>
+            <a:r>
+              <a:rPr lang="ja-JP" altLang="en-US" i="1" dirty="0" smtClean="0"/>
+              <a:t>プログラミングのための確率統計</a:t>
+            </a:r>
+            <a:r>
+              <a:rPr lang="en-US" altLang="ja-JP" i="1" dirty="0" smtClean="0"/>
+              <a:t>, </a:t>
+            </a:r>
+            <a:r>
+              <a:rPr lang="ja-JP" altLang="en-US" dirty="0" smtClean="0"/>
+              <a:t>オーム社</a:t>
+            </a:r>
+            <a:r>
+              <a:rPr lang="en-US" altLang="ja-JP" dirty="0" smtClean="0"/>
+              <a:t>, 2009</a:t>
+            </a:r>
+          </a:p>
+          <a:p>
+            <a:r>
+              <a:rPr lang="en-US" altLang="ja-JP" dirty="0" smtClean="0"/>
+              <a:t>Wes </a:t>
             </a:r>
             <a:r>
               <a:rPr lang="en-US" altLang="ja-JP" dirty="0" err="1" smtClean="0"/>
-              <a:t>NMatrix</a:t>
+              <a:t>McKinnery</a:t>
             </a:r>
             <a:r>
               <a:rPr lang="en-US" altLang="ja-JP" dirty="0" smtClean="0"/>
-              <a:t>?</a:t>
+              <a:t>, </a:t>
+            </a:r>
+            <a:r>
+              <a:rPr lang="en-US" altLang="ja-JP" i="1" dirty="0" smtClean="0"/>
+              <a:t>Python</a:t>
+            </a:r>
+            <a:r>
+              <a:rPr lang="ja-JP" altLang="en-US" i="1" dirty="0" smtClean="0"/>
+              <a:t>によるデータ分析入門</a:t>
+            </a:r>
+            <a:r>
+              <a:rPr lang="en-US" altLang="ja-JP" i="1" dirty="0" smtClean="0"/>
+              <a:t>, </a:t>
+            </a:r>
+            <a:r>
+              <a:rPr lang="ja-JP" altLang="en-US" dirty="0" smtClean="0"/>
+              <a:t>オライリー</a:t>
+            </a:r>
+            <a:r>
+              <a:rPr lang="ja-JP" altLang="en-US" dirty="0"/>
+              <a:t>・ジャパン</a:t>
+            </a:r>
+            <a:r>
+              <a:rPr lang="en-US" altLang="ja-JP" dirty="0" smtClean="0"/>
+              <a:t>, 2013</a:t>
             </a:r>
             <a:endParaRPr lang="en-US" altLang="ja-JP" dirty="0"/>
-          </a:p>
-          <a:p>
-            <a:r>
-              <a:rPr kumimoji="1" lang="en-US" altLang="ja-JP" dirty="0" err="1" smtClean="0"/>
-              <a:t>daru</a:t>
-            </a:r>
-            <a:r>
-              <a:rPr kumimoji="1" lang="ja-JP" altLang="en-US" dirty="0" smtClean="0"/>
-              <a:t>は</a:t>
-            </a:r>
-            <a:r>
-              <a:rPr kumimoji="1" lang="en-US" altLang="ja-JP" dirty="0" err="1" smtClean="0"/>
-              <a:t>Nyaplot</a:t>
-            </a:r>
-            <a:r>
-              <a:rPr kumimoji="1" lang="ja-JP" altLang="en-US" dirty="0" smtClean="0"/>
-              <a:t>を使用しているが、</a:t>
-            </a:r>
-            <a:r>
-              <a:rPr kumimoji="1" lang="en-US" altLang="ja-JP" dirty="0" err="1" smtClean="0"/>
-              <a:t>statsample</a:t>
-            </a:r>
-            <a:r>
-              <a:rPr kumimoji="1" lang="ja-JP" altLang="en-US" dirty="0" smtClean="0"/>
-              <a:t>などは使用して</a:t>
-            </a:r>
-            <a:r>
-              <a:rPr kumimoji="1" lang="ja-JP" altLang="en-US" dirty="0" smtClean="0"/>
-              <a:t>いないなど、ライブラリによって使うものが違う</a:t>
-            </a:r>
-            <a:endParaRPr kumimoji="1" lang="en-US" altLang="ja-JP" dirty="0" smtClean="0"/>
           </a:p>
         </p:txBody>
       </p:sp>
@@ -16400,279 +16531,6 @@
             <a:fld id="{D2D8002D-B5B0-4BAC-B1F6-782DDCCE6D9C}" type="slidenum">
               <a:rPr kumimoji="1" lang="ja-JP" altLang="en-US" smtClean="0"/>
               <a:t>40</a:t>
-            </a:fld>
-            <a:endParaRPr kumimoji="1" lang="ja-JP" altLang="en-US" dirty="0"/>
-          </a:p>
-        </p:txBody>
-      </p:sp>
-    </p:spTree>
-    <p:extLst>
-      <p:ext uri="{BB962C8B-B14F-4D97-AF65-F5344CB8AC3E}">
-        <p14:creationId xmlns:p14="http://schemas.microsoft.com/office/powerpoint/2010/main" val="3583640956"/>
-      </p:ext>
-    </p:extLst>
-  </p:cSld>
-  <p:clrMapOvr>
-    <a:masterClrMapping/>
-  </p:clrMapOvr>
-  <p:timing>
-    <p:tnLst>
-      <p:par>
-        <p:cTn id="1" dur="indefinite" restart="never" nodeType="tmRoot"/>
-      </p:par>
-    </p:tnLst>
-  </p:timing>
-</p:sld>
-</file>
-
-<file path=ppt/slides/slide42.xml><?xml version="1.0" encoding="utf-8"?>
-<p:sld xmlns:a="http://schemas.openxmlformats.org/drawingml/2006/main" xmlns:r="http://schemas.openxmlformats.org/officeDocument/2006/relationships" xmlns:p="http://schemas.openxmlformats.org/presentationml/2006/main">
-  <p:cSld>
-    <p:spTree>
-      <p:nvGrpSpPr>
-        <p:cNvPr id="1" name=""/>
-        <p:cNvGrpSpPr/>
-        <p:nvPr/>
-      </p:nvGrpSpPr>
-      <p:grpSpPr>
-        <a:xfrm>
-          <a:off x="0" y="0"/>
-          <a:ext cx="0" cy="0"/>
-          <a:chOff x="0" y="0"/>
-          <a:chExt cx="0" cy="0"/>
-        </a:xfrm>
-      </p:grpSpPr>
-      <p:sp>
-        <p:nvSpPr>
-          <p:cNvPr id="2" name="タイトル 1"/>
-          <p:cNvSpPr>
-            <a:spLocks noGrp="1"/>
-          </p:cNvSpPr>
-          <p:nvPr>
-            <p:ph type="title"/>
-          </p:nvPr>
-        </p:nvSpPr>
-        <p:spPr/>
-        <p:txBody>
-          <a:bodyPr/>
-          <a:lstStyle/>
-          <a:p>
-            <a:r>
-              <a:rPr kumimoji="1" lang="en-US" altLang="ja-JP" dirty="0" smtClean="0"/>
-              <a:t>References</a:t>
-            </a:r>
-            <a:endParaRPr kumimoji="1" lang="ja-JP" altLang="en-US" dirty="0"/>
-          </a:p>
-        </p:txBody>
-      </p:sp>
-      <p:sp>
-        <p:nvSpPr>
-          <p:cNvPr id="6" name="コンテンツ プレースホルダー 5"/>
-          <p:cNvSpPr>
-            <a:spLocks noGrp="1"/>
-          </p:cNvSpPr>
-          <p:nvPr>
-            <p:ph idx="1"/>
-          </p:nvPr>
-        </p:nvSpPr>
-        <p:spPr/>
-        <p:txBody>
-          <a:bodyPr>
-            <a:normAutofit lnSpcReduction="10000"/>
-          </a:bodyPr>
-          <a:lstStyle/>
-          <a:p>
-            <a:r>
-              <a:rPr lang="ja-JP" altLang="en-US" dirty="0" smtClean="0"/>
-              <a:t>ジェイムズ・オーウェン・ウェザーオール</a:t>
-            </a:r>
-            <a:r>
-              <a:rPr lang="en-US" altLang="ja-JP" dirty="0" smtClean="0"/>
-              <a:t>, </a:t>
-            </a:r>
-            <a:r>
-              <a:rPr lang="ja-JP" altLang="en-US" i="1" dirty="0" smtClean="0"/>
-              <a:t>ウォール街の物理学者</a:t>
-            </a:r>
-            <a:r>
-              <a:rPr lang="en-US" altLang="ja-JP" dirty="0" smtClean="0"/>
-              <a:t>,</a:t>
-            </a:r>
-            <a:r>
-              <a:rPr lang="en-US" altLang="ja-JP" i="1" dirty="0" smtClean="0"/>
-              <a:t> </a:t>
-            </a:r>
-            <a:r>
-              <a:rPr lang="ja-JP" altLang="en-US" dirty="0" smtClean="0"/>
-              <a:t>早川書房</a:t>
-            </a:r>
-            <a:r>
-              <a:rPr lang="en-US" altLang="ja-JP" dirty="0" smtClean="0"/>
-              <a:t>, 2015</a:t>
-            </a:r>
-          </a:p>
-          <a:p>
-            <a:r>
-              <a:rPr lang="en-US" altLang="ja-JP" dirty="0"/>
-              <a:t>M. F. M. Osborne, </a:t>
-            </a:r>
-            <a:r>
-              <a:rPr lang="en-US" altLang="ja-JP" i="1" dirty="0"/>
-              <a:t>Brownian Motion in the Stock Market</a:t>
-            </a:r>
-            <a:r>
-              <a:rPr lang="en-US" altLang="ja-JP" dirty="0"/>
-              <a:t>, </a:t>
-            </a:r>
-            <a:br>
-              <a:rPr lang="en-US" altLang="ja-JP" dirty="0"/>
-            </a:br>
-            <a:r>
-              <a:rPr lang="en-US" altLang="ja-JP" dirty="0"/>
-              <a:t>Operations Research, </a:t>
-            </a:r>
-            <a:r>
-              <a:rPr lang="en-US" altLang="ja-JP" dirty="0" smtClean="0"/>
-              <a:t>1959</a:t>
-            </a:r>
-          </a:p>
-          <a:p>
-            <a:r>
-              <a:rPr lang="en-US" altLang="ja-JP" dirty="0"/>
-              <a:t>Benoit Mandelbrot,</a:t>
-            </a:r>
-            <a:r>
-              <a:rPr lang="ja-JP" altLang="en-US" dirty="0"/>
-              <a:t> </a:t>
-            </a:r>
-            <a:r>
-              <a:rPr lang="en-US" altLang="ja-JP" i="1" dirty="0"/>
-              <a:t>The Variation of Certain Speculative Prices</a:t>
-            </a:r>
-            <a:r>
-              <a:rPr lang="en-US" altLang="ja-JP" dirty="0"/>
-              <a:t>, </a:t>
-            </a:r>
-            <a:r>
-              <a:rPr lang="en-US" altLang="ja-JP" dirty="0" err="1"/>
-              <a:t>Jounal</a:t>
-            </a:r>
-            <a:r>
-              <a:rPr lang="en-US" altLang="ja-JP" dirty="0"/>
-              <a:t> of Business, 1963</a:t>
-            </a:r>
-          </a:p>
-          <a:p>
-            <a:r>
-              <a:rPr lang="en-US" altLang="ja-JP" dirty="0"/>
-              <a:t>Benoit Mandelbrot, </a:t>
-            </a:r>
-            <a:r>
-              <a:rPr lang="en-US" altLang="ja-JP" i="1" dirty="0"/>
-              <a:t>The Variation of Other Speculative Prices</a:t>
-            </a:r>
-            <a:r>
-              <a:rPr lang="en-US" altLang="ja-JP" dirty="0"/>
-              <a:t>, </a:t>
-            </a:r>
-            <a:r>
-              <a:rPr lang="en-US" altLang="ja-JP" dirty="0" err="1"/>
-              <a:t>Jounal</a:t>
-            </a:r>
-            <a:r>
-              <a:rPr lang="en-US" altLang="ja-JP" dirty="0"/>
-              <a:t> of Business, </a:t>
-            </a:r>
-            <a:r>
-              <a:rPr lang="en-US" altLang="ja-JP" dirty="0" smtClean="0"/>
-              <a:t>1967</a:t>
-            </a:r>
-          </a:p>
-          <a:p>
-            <a:r>
-              <a:rPr lang="ja-JP" altLang="en-US" dirty="0" smtClean="0"/>
-              <a:t>平岡和幸・堀玄</a:t>
-            </a:r>
-            <a:r>
-              <a:rPr lang="en-US" altLang="ja-JP" dirty="0" smtClean="0"/>
-              <a:t>, </a:t>
-            </a:r>
-            <a:r>
-              <a:rPr lang="ja-JP" altLang="en-US" i="1" dirty="0" smtClean="0"/>
-              <a:t>プログラミングのための確率統計</a:t>
-            </a:r>
-            <a:r>
-              <a:rPr lang="en-US" altLang="ja-JP" i="1" dirty="0" smtClean="0"/>
-              <a:t>, </a:t>
-            </a:r>
-            <a:r>
-              <a:rPr lang="ja-JP" altLang="en-US" dirty="0" smtClean="0"/>
-              <a:t>オーム社</a:t>
-            </a:r>
-            <a:r>
-              <a:rPr lang="en-US" altLang="ja-JP" dirty="0" smtClean="0"/>
-              <a:t>, 2009</a:t>
-            </a:r>
-          </a:p>
-          <a:p>
-            <a:r>
-              <a:rPr lang="en-US" altLang="ja-JP" dirty="0" smtClean="0"/>
-              <a:t>Wes </a:t>
-            </a:r>
-            <a:r>
-              <a:rPr lang="en-US" altLang="ja-JP" dirty="0" err="1" smtClean="0"/>
-              <a:t>McKinnery</a:t>
-            </a:r>
-            <a:r>
-              <a:rPr lang="en-US" altLang="ja-JP" dirty="0" smtClean="0"/>
-              <a:t>, </a:t>
-            </a:r>
-            <a:r>
-              <a:rPr lang="en-US" altLang="ja-JP" i="1" dirty="0" smtClean="0"/>
-              <a:t>Python</a:t>
-            </a:r>
-            <a:r>
-              <a:rPr lang="ja-JP" altLang="en-US" i="1" dirty="0" smtClean="0"/>
-              <a:t>によるデータ分析入門</a:t>
-            </a:r>
-            <a:r>
-              <a:rPr lang="en-US" altLang="ja-JP" i="1" dirty="0" smtClean="0"/>
-              <a:t>, </a:t>
-            </a:r>
-            <a:r>
-              <a:rPr lang="ja-JP" altLang="en-US" dirty="0" smtClean="0"/>
-              <a:t>オライリー</a:t>
-            </a:r>
-            <a:r>
-              <a:rPr lang="ja-JP" altLang="en-US" dirty="0"/>
-              <a:t>・ジャパン</a:t>
-            </a:r>
-            <a:r>
-              <a:rPr lang="en-US" altLang="ja-JP" dirty="0" smtClean="0"/>
-              <a:t>, 2013</a:t>
-            </a:r>
-            <a:endParaRPr lang="en-US" altLang="ja-JP" dirty="0"/>
-          </a:p>
-        </p:txBody>
-      </p:sp>
-      <p:sp>
-        <p:nvSpPr>
-          <p:cNvPr id="4" name="スライド番号プレースホルダー 3"/>
-          <p:cNvSpPr>
-            <a:spLocks noGrp="1"/>
-          </p:cNvSpPr>
-          <p:nvPr>
-            <p:ph type="sldNum" sz="quarter" idx="12"/>
-          </p:nvPr>
-        </p:nvSpPr>
-        <p:spPr/>
-        <p:txBody>
-          <a:bodyPr/>
-          <a:lstStyle/>
-          <a:p>
-            <a:fld id="{D2D8002D-B5B0-4BAC-B1F6-782DDCCE6D9C}" type="slidenum">
-              <a:rPr kumimoji="1" lang="ja-JP" altLang="en-US" smtClean="0"/>
-              <a:t>41</a:t>
             </a:fld>
             <a:endParaRPr kumimoji="1" lang="ja-JP" altLang="en-US" dirty="0"/>
           </a:p>

--- a/ruby_data_analysis.pptx
+++ b/ruby_data_analysis.pptx
@@ -14593,20 +14593,28 @@
               <a:t>NMatrix</a:t>
             </a:r>
             <a:r>
-              <a:rPr kumimoji="1" lang="ja-JP" altLang="en-US" dirty="0" smtClean="0"/>
-              <a:t>や</a:t>
+              <a:rPr kumimoji="1" lang="en-US" altLang="ja-JP" dirty="0" smtClean="0"/>
+              <a:t>, </a:t>
             </a:r>
             <a:r>
               <a:rPr kumimoji="1" lang="en-US" altLang="ja-JP" dirty="0" err="1" smtClean="0"/>
               <a:t>daru</a:t>
             </a:r>
             <a:r>
-              <a:rPr lang="ja-JP" altLang="en-US" dirty="0" err="1" smtClean="0"/>
-              <a:t>、</a:t>
+              <a:rPr lang="en-US" altLang="ja-JP" dirty="0" smtClean="0"/>
+              <a:t>, </a:t>
             </a:r>
             <a:r>
               <a:rPr lang="en-US" altLang="ja-JP" dirty="0" err="1" smtClean="0"/>
               <a:t>IRuby</a:t>
+            </a:r>
+            <a:r>
+              <a:rPr lang="en-US" altLang="ja-JP" dirty="0" smtClean="0"/>
+              <a:t>, </a:t>
+            </a:r>
+            <a:r>
+              <a:rPr lang="en-US" altLang="ja-JP" dirty="0" err="1" smtClean="0"/>
+              <a:t>Nyaplot</a:t>
             </a:r>
             <a:r>
               <a:rPr kumimoji="1" lang="ja-JP" altLang="en-US" dirty="0" smtClean="0"/>

--- a/ruby_data_analysis.pptx
+++ b/ruby_data_analysis.pptx
@@ -15261,8 +15261,12 @@
           </a:p>
           <a:p>
             <a:r>
+              <a:rPr lang="ja-JP" altLang="en-US" dirty="0" smtClean="0"/>
+              <a:t>ベンチマーク</a:t>
+            </a:r>
+            <a:r>
               <a:rPr lang="ja-JP" altLang="en-US" dirty="0"/>
-              <a:t>ベンチマーク</a:t>
+              <a:t>プログラム</a:t>
             </a:r>
             <a:endParaRPr lang="en-US" altLang="ja-JP" dirty="0" smtClean="0"/>
           </a:p>

--- a/ruby_data_analysis.pptx
+++ b/ruby_data_analysis.pptx
@@ -5,7 +5,7 @@
     <p:sldMasterId id="2147483720" r:id="rId1"/>
   </p:sldMasterIdLst>
   <p:notesMasterIdLst>
-    <p:notesMasterId r:id="rId43"/>
+    <p:notesMasterId r:id="rId42"/>
   </p:notesMasterIdLst>
   <p:sldIdLst>
     <p:sldId id="256" r:id="rId2"/>
@@ -47,8 +47,7 @@
     <p:sldId id="356" r:id="rId38"/>
     <p:sldId id="329" r:id="rId39"/>
     <p:sldId id="346" r:id="rId40"/>
-    <p:sldId id="330" r:id="rId41"/>
-    <p:sldId id="338" r:id="rId42"/>
+    <p:sldId id="338" r:id="rId41"/>
   </p:sldIdLst>
   <p:sldSz cx="9144000" cy="6858000" type="screen4x3"/>
   <p:notesSz cx="6858000" cy="9144000"/>
@@ -14904,7 +14903,7 @@
           <a:p>
             <a:r>
               <a:rPr lang="ja-JP" altLang="en-US" dirty="0" smtClean="0"/>
-              <a:t>利用者が少ない</a:t>
+              <a:t>利用促進</a:t>
             </a:r>
             <a:endParaRPr kumimoji="1" lang="ja-JP" altLang="en-US" dirty="0"/>
           </a:p>
@@ -14926,6 +14925,29 @@
           <a:lstStyle/>
           <a:p>
             <a:r>
+              <a:rPr lang="ja-JP" altLang="en-US" dirty="0" smtClean="0"/>
+              <a:t>現状は利用者が少ない</a:t>
+            </a:r>
+            <a:endParaRPr lang="en-US" altLang="ja-JP" dirty="0" smtClean="0"/>
+          </a:p>
+          <a:p>
+            <a:pPr lvl="1"/>
+            <a:r>
+              <a:rPr lang="en-US" altLang="ja-JP" dirty="0" err="1" smtClean="0"/>
+              <a:t>RubyKaigi</a:t>
+            </a:r>
+            <a:r>
+              <a:rPr lang="ja-JP" altLang="en-US" dirty="0" smtClean="0"/>
+              <a:t>でもこの分野の発表は</a:t>
+            </a:r>
+            <a:r>
+              <a:rPr lang="en-US" altLang="ja-JP" dirty="0" smtClean="0"/>
+              <a:t>0</a:t>
+            </a:r>
+          </a:p>
+          <a:p>
+            <a:pPr lvl="1"/>
+            <a:r>
               <a:rPr lang="en-US" altLang="ja-JP" dirty="0" err="1" smtClean="0"/>
               <a:t>nmatrix</a:t>
             </a:r>
@@ -14968,21 +14990,16 @@
             <a:endParaRPr lang="en-US" altLang="ja-JP" dirty="0" smtClean="0"/>
           </a:p>
           <a:p>
-            <a:pPr lvl="1"/>
+            <a:r>
+              <a:rPr kumimoji="1" lang="ja-JP" altLang="en-US" dirty="0" smtClean="0"/>
+              <a:t>ドキュメントの充実</a:t>
+            </a:r>
+            <a:endParaRPr kumimoji="1" lang="en-US" altLang="ja-JP" dirty="0" smtClean="0"/>
+          </a:p>
+          <a:p>
             <a:r>
               <a:rPr lang="ja-JP" altLang="en-US" dirty="0" smtClean="0"/>
-              <a:t>あまり使われていないのでは</a:t>
-            </a:r>
-            <a:r>
-              <a:rPr lang="ja-JP" altLang="en-US" dirty="0"/>
-              <a:t>？</a:t>
-            </a:r>
-            <a:endParaRPr lang="en-US" altLang="ja-JP" dirty="0" smtClean="0"/>
-          </a:p>
-          <a:p>
-            <a:r>
-              <a:rPr kumimoji="1" lang="ja-JP" altLang="en-US" dirty="0" smtClean="0"/>
-              <a:t>ドキュメントの不足</a:t>
+              <a:t>利用事例の発信</a:t>
             </a:r>
             <a:endParaRPr kumimoji="1" lang="en-US" altLang="ja-JP" dirty="0" smtClean="0"/>
           </a:p>
@@ -15090,8 +15107,12 @@
           <a:lstStyle/>
           <a:p>
             <a:r>
-              <a:rPr kumimoji="1" lang="en-US" altLang="ja-JP" dirty="0" err="1" smtClean="0"/>
-              <a:t>daru</a:t>
+              <a:rPr kumimoji="1" lang="en-US" altLang="ja-JP" dirty="0" smtClean="0"/>
+              <a:t>Python/R</a:t>
+            </a:r>
+            <a:r>
+              <a:rPr kumimoji="1" lang="ja-JP" altLang="en-US" dirty="0" smtClean="0"/>
+              <a:t>等に比べ機能的に見劣りする</a:t>
             </a:r>
             <a:endParaRPr kumimoji="1" lang="en-US" altLang="ja-JP" dirty="0" smtClean="0"/>
           </a:p>
@@ -15660,7 +15681,7 @@
       </p:sp>
       <p:pic>
         <p:nvPicPr>
-          <p:cNvPr id="6" name="図 5"/>
+          <p:cNvPr id="3" name="図 2"/>
           <p:cNvPicPr>
             <a:picLocks noChangeAspect="1"/>
           </p:cNvPicPr>
@@ -15680,8 +15701,8 @@
         </p:blipFill>
         <p:spPr>
           <a:xfrm>
-            <a:off x="827584" y="1520017"/>
-            <a:ext cx="7128792" cy="4742585"/>
+            <a:off x="611560" y="1484784"/>
+            <a:ext cx="7327785" cy="4912829"/>
           </a:xfrm>
           <a:prstGeom prst="rect">
             <a:avLst/>
@@ -16175,8 +16196,8 @@
           <a:lstStyle/>
           <a:p>
             <a:r>
-              <a:rPr kumimoji="1" lang="ja-JP" altLang="en-US" dirty="0" smtClean="0"/>
-              <a:t>デファクトスタンダード化</a:t>
+              <a:rPr kumimoji="1" lang="en-US" altLang="ja-JP" dirty="0" smtClean="0"/>
+              <a:t>References</a:t>
             </a:r>
             <a:endParaRPr kumimoji="1" lang="ja-JP" altLang="en-US" dirty="0"/>
           </a:p>
@@ -16194,61 +16215,181 @@
         </p:nvSpPr>
         <p:spPr/>
         <p:txBody>
-          <a:bodyPr/>
+          <a:bodyPr>
+            <a:normAutofit lnSpcReduction="10000"/>
+          </a:bodyPr>
           <a:lstStyle/>
           <a:p>
             <a:r>
-              <a:rPr lang="en-US" altLang="ja-JP" dirty="0" err="1" smtClean="0"/>
-              <a:t>NArray</a:t>
+              <a:rPr lang="ja-JP" altLang="en-US" dirty="0" smtClean="0"/>
+              <a:t>ジェイムズ・オーウェン・ウェザーオール</a:t>
+            </a:r>
+            <a:r>
+              <a:rPr lang="en-US" altLang="ja-JP" dirty="0" smtClean="0"/>
+              <a:t>, </a:t>
+            </a:r>
+            <a:r>
+              <a:rPr lang="ja-JP" altLang="en-US" i="1" dirty="0" smtClean="0"/>
+              <a:t>ウォール街の物理学者</a:t>
+            </a:r>
+            <a:r>
+              <a:rPr lang="en-US" altLang="ja-JP" dirty="0" smtClean="0"/>
+              <a:t>,</a:t>
+            </a:r>
+            <a:r>
+              <a:rPr lang="en-US" altLang="ja-JP" i="1" dirty="0" smtClean="0"/>
+              <a:t> </a:t>
+            </a:r>
+            <a:r>
+              <a:rPr lang="ja-JP" altLang="en-US" dirty="0" smtClean="0"/>
+              <a:t>早川書房</a:t>
+            </a:r>
+            <a:r>
+              <a:rPr lang="en-US" altLang="ja-JP" dirty="0" smtClean="0"/>
+              <a:t>, 2015</a:t>
+            </a:r>
+          </a:p>
+          <a:p>
+            <a:r>
+              <a:rPr lang="en-US" altLang="ja-JP" dirty="0"/>
+              <a:t>M. F. M. Osborne, </a:t>
+            </a:r>
+            <a:r>
+              <a:rPr lang="en-US" altLang="ja-JP" i="1" dirty="0"/>
+              <a:t>Brownian Motion in the Stock Market</a:t>
+            </a:r>
+            <a:r>
+              <a:rPr lang="en-US" altLang="ja-JP" dirty="0"/>
+              <a:t>, </a:t>
+            </a:r>
+            <a:br>
+              <a:rPr lang="en-US" altLang="ja-JP" dirty="0"/>
+            </a:br>
+            <a:r>
+              <a:rPr lang="en-US" altLang="ja-JP" dirty="0"/>
+              <a:t>Operations Research, </a:t>
+            </a:r>
+            <a:r>
+              <a:rPr lang="en-US" altLang="ja-JP" dirty="0" smtClean="0"/>
+              <a:t>1959</a:t>
+            </a:r>
+          </a:p>
+          <a:p>
+            <a:r>
+              <a:rPr lang="en-US" altLang="ja-JP" dirty="0"/>
+              <a:t>Benoit Mandelbrot,</a:t>
             </a:r>
             <a:r>
               <a:rPr lang="ja-JP" altLang="en-US" dirty="0"/>
               <a:t> </a:t>
             </a:r>
             <a:r>
+              <a:rPr lang="en-US" altLang="ja-JP" i="1" dirty="0"/>
+              <a:t>The Variation of Certain Speculative Prices</a:t>
+            </a:r>
+            <a:r>
+              <a:rPr lang="en-US" altLang="ja-JP" dirty="0"/>
+              <a:t>, </a:t>
+            </a:r>
+            <a:r>
+              <a:rPr lang="en-US" altLang="ja-JP" dirty="0" err="1"/>
+              <a:t>Jounal</a:t>
+            </a:r>
+            <a:r>
+              <a:rPr lang="en-US" altLang="ja-JP" dirty="0"/>
+              <a:t> of Business, 1963</a:t>
+            </a:r>
+          </a:p>
+          <a:p>
+            <a:r>
+              <a:rPr lang="en-US" altLang="ja-JP" dirty="0"/>
+              <a:t>Benoit Mandelbrot, </a:t>
+            </a:r>
+            <a:r>
+              <a:rPr lang="en-US" altLang="ja-JP" i="1" dirty="0"/>
+              <a:t>The Variation of Other Speculative Prices</a:t>
+            </a:r>
+            <a:r>
+              <a:rPr lang="en-US" altLang="ja-JP" dirty="0"/>
+              <a:t>, </a:t>
+            </a:r>
+            <a:r>
+              <a:rPr lang="en-US" altLang="ja-JP" dirty="0" err="1"/>
+              <a:t>Jounal</a:t>
+            </a:r>
+            <a:r>
+              <a:rPr lang="en-US" altLang="ja-JP" dirty="0"/>
+              <a:t> of Business, </a:t>
+            </a:r>
+            <a:r>
               <a:rPr lang="en-US" altLang="ja-JP" dirty="0" smtClean="0"/>
-              <a:t>or </a:t>
+              <a:t>1967</a:t>
+            </a:r>
+          </a:p>
+          <a:p>
+            <a:r>
+              <a:rPr lang="ja-JP" altLang="en-US" dirty="0" smtClean="0"/>
+              <a:t>平岡和幸・堀玄</a:t>
+            </a:r>
+            <a:r>
+              <a:rPr lang="en-US" altLang="ja-JP" dirty="0" smtClean="0"/>
+              <a:t>, </a:t>
+            </a:r>
+            <a:r>
+              <a:rPr lang="ja-JP" altLang="en-US" i="1" dirty="0" smtClean="0"/>
+              <a:t>プログラミングのための確率統計</a:t>
+            </a:r>
+            <a:r>
+              <a:rPr lang="en-US" altLang="ja-JP" i="1" dirty="0" smtClean="0"/>
+              <a:t>, </a:t>
+            </a:r>
+            <a:r>
+              <a:rPr lang="ja-JP" altLang="en-US" dirty="0" smtClean="0"/>
+              <a:t>オーム社</a:t>
+            </a:r>
+            <a:r>
+              <a:rPr lang="en-US" altLang="ja-JP" dirty="0" smtClean="0"/>
+              <a:t>, 2009</a:t>
+            </a:r>
+          </a:p>
+          <a:p>
+            <a:r>
+              <a:rPr lang="en-US" altLang="ja-JP" dirty="0" smtClean="0"/>
+              <a:t>Wes </a:t>
             </a:r>
             <a:r>
               <a:rPr lang="en-US" altLang="ja-JP" dirty="0" err="1" smtClean="0"/>
-              <a:t>NMatrix</a:t>
+              <a:t>McKinnery</a:t>
             </a:r>
             <a:r>
               <a:rPr lang="en-US" altLang="ja-JP" dirty="0" smtClean="0"/>
-              <a:t>?</a:t>
+              <a:t>, </a:t>
+            </a:r>
+            <a:r>
+              <a:rPr lang="en-US" altLang="ja-JP" i="1" dirty="0" smtClean="0"/>
+              <a:t>Python</a:t>
+            </a:r>
+            <a:r>
+              <a:rPr lang="ja-JP" altLang="en-US" i="1" dirty="0" smtClean="0"/>
+              <a:t>によるデータ分析入門</a:t>
+            </a:r>
+            <a:r>
+              <a:rPr lang="en-US" altLang="ja-JP" i="1" dirty="0" smtClean="0"/>
+              <a:t>, </a:t>
+            </a:r>
+            <a:r>
+              <a:rPr lang="ja-JP" altLang="en-US" dirty="0" smtClean="0"/>
+              <a:t>オライリー</a:t>
+            </a:r>
+            <a:r>
+              <a:rPr lang="ja-JP" altLang="en-US" dirty="0"/>
+              <a:t>・ジャパン</a:t>
+            </a:r>
+            <a:r>
+              <a:rPr lang="en-US" altLang="ja-JP" dirty="0" smtClean="0"/>
+              <a:t>, 2013</a:t>
             </a:r>
             <a:endParaRPr lang="en-US" altLang="ja-JP" dirty="0"/>
-          </a:p>
-          <a:p>
-            <a:r>
-              <a:rPr kumimoji="1" lang="en-US" altLang="ja-JP" dirty="0" err="1" smtClean="0"/>
-              <a:t>daru</a:t>
-            </a:r>
-            <a:r>
-              <a:rPr kumimoji="1" lang="ja-JP" altLang="en-US" dirty="0" smtClean="0"/>
-              <a:t>は</a:t>
-            </a:r>
-            <a:r>
-              <a:rPr kumimoji="1" lang="en-US" altLang="ja-JP" dirty="0" err="1" smtClean="0"/>
-              <a:t>Nyaplot</a:t>
-            </a:r>
-            <a:r>
-              <a:rPr kumimoji="1" lang="ja-JP" altLang="en-US" dirty="0" smtClean="0"/>
-              <a:t>を使用しているが、</a:t>
-            </a:r>
-            <a:r>
-              <a:rPr kumimoji="1" lang="en-US" altLang="ja-JP" dirty="0" err="1" smtClean="0"/>
-              <a:t>statsample</a:t>
-            </a:r>
-            <a:r>
-              <a:rPr kumimoji="1" lang="ja-JP" altLang="en-US" dirty="0" smtClean="0"/>
-              <a:t>などは使用して</a:t>
-            </a:r>
-            <a:r>
-              <a:rPr kumimoji="1" lang="ja-JP" altLang="en-US" dirty="0" smtClean="0"/>
-              <a:t>いないなど、ライブラリによって使うものが違う</a:t>
-            </a:r>
-            <a:endParaRPr kumimoji="1" lang="en-US" altLang="ja-JP" dirty="0" smtClean="0"/>
           </a:p>
         </p:txBody>
       </p:sp>
@@ -16270,279 +16411,6 @@
             <a:fld id="{D2D8002D-B5B0-4BAC-B1F6-782DDCCE6D9C}" type="slidenum">
               <a:rPr kumimoji="1" lang="ja-JP" altLang="en-US" smtClean="0"/>
               <a:t>39</a:t>
-            </a:fld>
-            <a:endParaRPr kumimoji="1" lang="ja-JP" altLang="en-US" dirty="0"/>
-          </a:p>
-        </p:txBody>
-      </p:sp>
-    </p:spTree>
-    <p:extLst>
-      <p:ext uri="{BB962C8B-B14F-4D97-AF65-F5344CB8AC3E}">
-        <p14:creationId xmlns:p14="http://schemas.microsoft.com/office/powerpoint/2010/main" val="3583640956"/>
-      </p:ext>
-    </p:extLst>
-  </p:cSld>
-  <p:clrMapOvr>
-    <a:masterClrMapping/>
-  </p:clrMapOvr>
-  <p:timing>
-    <p:tnLst>
-      <p:par>
-        <p:cTn id="1" dur="indefinite" restart="never" nodeType="tmRoot"/>
-      </p:par>
-    </p:tnLst>
-  </p:timing>
-</p:sld>
-</file>
-
-<file path=ppt/slides/slide41.xml><?xml version="1.0" encoding="utf-8"?>
-<p:sld xmlns:a="http://schemas.openxmlformats.org/drawingml/2006/main" xmlns:r="http://schemas.openxmlformats.org/officeDocument/2006/relationships" xmlns:p="http://schemas.openxmlformats.org/presentationml/2006/main">
-  <p:cSld>
-    <p:spTree>
-      <p:nvGrpSpPr>
-        <p:cNvPr id="1" name=""/>
-        <p:cNvGrpSpPr/>
-        <p:nvPr/>
-      </p:nvGrpSpPr>
-      <p:grpSpPr>
-        <a:xfrm>
-          <a:off x="0" y="0"/>
-          <a:ext cx="0" cy="0"/>
-          <a:chOff x="0" y="0"/>
-          <a:chExt cx="0" cy="0"/>
-        </a:xfrm>
-      </p:grpSpPr>
-      <p:sp>
-        <p:nvSpPr>
-          <p:cNvPr id="2" name="タイトル 1"/>
-          <p:cNvSpPr>
-            <a:spLocks noGrp="1"/>
-          </p:cNvSpPr>
-          <p:nvPr>
-            <p:ph type="title"/>
-          </p:nvPr>
-        </p:nvSpPr>
-        <p:spPr/>
-        <p:txBody>
-          <a:bodyPr/>
-          <a:lstStyle/>
-          <a:p>
-            <a:r>
-              <a:rPr kumimoji="1" lang="en-US" altLang="ja-JP" dirty="0" smtClean="0"/>
-              <a:t>References</a:t>
-            </a:r>
-            <a:endParaRPr kumimoji="1" lang="ja-JP" altLang="en-US" dirty="0"/>
-          </a:p>
-        </p:txBody>
-      </p:sp>
-      <p:sp>
-        <p:nvSpPr>
-          <p:cNvPr id="6" name="コンテンツ プレースホルダー 5"/>
-          <p:cNvSpPr>
-            <a:spLocks noGrp="1"/>
-          </p:cNvSpPr>
-          <p:nvPr>
-            <p:ph idx="1"/>
-          </p:nvPr>
-        </p:nvSpPr>
-        <p:spPr/>
-        <p:txBody>
-          <a:bodyPr>
-            <a:normAutofit lnSpcReduction="10000"/>
-          </a:bodyPr>
-          <a:lstStyle/>
-          <a:p>
-            <a:r>
-              <a:rPr lang="ja-JP" altLang="en-US" dirty="0" smtClean="0"/>
-              <a:t>ジェイムズ・オーウェン・ウェザーオール</a:t>
-            </a:r>
-            <a:r>
-              <a:rPr lang="en-US" altLang="ja-JP" dirty="0" smtClean="0"/>
-              <a:t>, </a:t>
-            </a:r>
-            <a:r>
-              <a:rPr lang="ja-JP" altLang="en-US" i="1" dirty="0" smtClean="0"/>
-              <a:t>ウォール街の物理学者</a:t>
-            </a:r>
-            <a:r>
-              <a:rPr lang="en-US" altLang="ja-JP" dirty="0" smtClean="0"/>
-              <a:t>,</a:t>
-            </a:r>
-            <a:r>
-              <a:rPr lang="en-US" altLang="ja-JP" i="1" dirty="0" smtClean="0"/>
-              <a:t> </a:t>
-            </a:r>
-            <a:r>
-              <a:rPr lang="ja-JP" altLang="en-US" dirty="0" smtClean="0"/>
-              <a:t>早川書房</a:t>
-            </a:r>
-            <a:r>
-              <a:rPr lang="en-US" altLang="ja-JP" dirty="0" smtClean="0"/>
-              <a:t>, 2015</a:t>
-            </a:r>
-          </a:p>
-          <a:p>
-            <a:r>
-              <a:rPr lang="en-US" altLang="ja-JP" dirty="0"/>
-              <a:t>M. F. M. Osborne, </a:t>
-            </a:r>
-            <a:r>
-              <a:rPr lang="en-US" altLang="ja-JP" i="1" dirty="0"/>
-              <a:t>Brownian Motion in the Stock Market</a:t>
-            </a:r>
-            <a:r>
-              <a:rPr lang="en-US" altLang="ja-JP" dirty="0"/>
-              <a:t>, </a:t>
-            </a:r>
-            <a:br>
-              <a:rPr lang="en-US" altLang="ja-JP" dirty="0"/>
-            </a:br>
-            <a:r>
-              <a:rPr lang="en-US" altLang="ja-JP" dirty="0"/>
-              <a:t>Operations Research, </a:t>
-            </a:r>
-            <a:r>
-              <a:rPr lang="en-US" altLang="ja-JP" dirty="0" smtClean="0"/>
-              <a:t>1959</a:t>
-            </a:r>
-          </a:p>
-          <a:p>
-            <a:r>
-              <a:rPr lang="en-US" altLang="ja-JP" dirty="0"/>
-              <a:t>Benoit Mandelbrot,</a:t>
-            </a:r>
-            <a:r>
-              <a:rPr lang="ja-JP" altLang="en-US" dirty="0"/>
-              <a:t> </a:t>
-            </a:r>
-            <a:r>
-              <a:rPr lang="en-US" altLang="ja-JP" i="1" dirty="0"/>
-              <a:t>The Variation of Certain Speculative Prices</a:t>
-            </a:r>
-            <a:r>
-              <a:rPr lang="en-US" altLang="ja-JP" dirty="0"/>
-              <a:t>, </a:t>
-            </a:r>
-            <a:r>
-              <a:rPr lang="en-US" altLang="ja-JP" dirty="0" err="1"/>
-              <a:t>Jounal</a:t>
-            </a:r>
-            <a:r>
-              <a:rPr lang="en-US" altLang="ja-JP" dirty="0"/>
-              <a:t> of Business, 1963</a:t>
-            </a:r>
-          </a:p>
-          <a:p>
-            <a:r>
-              <a:rPr lang="en-US" altLang="ja-JP" dirty="0"/>
-              <a:t>Benoit Mandelbrot, </a:t>
-            </a:r>
-            <a:r>
-              <a:rPr lang="en-US" altLang="ja-JP" i="1" dirty="0"/>
-              <a:t>The Variation of Other Speculative Prices</a:t>
-            </a:r>
-            <a:r>
-              <a:rPr lang="en-US" altLang="ja-JP" dirty="0"/>
-              <a:t>, </a:t>
-            </a:r>
-            <a:r>
-              <a:rPr lang="en-US" altLang="ja-JP" dirty="0" err="1"/>
-              <a:t>Jounal</a:t>
-            </a:r>
-            <a:r>
-              <a:rPr lang="en-US" altLang="ja-JP" dirty="0"/>
-              <a:t> of Business, </a:t>
-            </a:r>
-            <a:r>
-              <a:rPr lang="en-US" altLang="ja-JP" dirty="0" smtClean="0"/>
-              <a:t>1967</a:t>
-            </a:r>
-          </a:p>
-          <a:p>
-            <a:r>
-              <a:rPr lang="ja-JP" altLang="en-US" dirty="0" smtClean="0"/>
-              <a:t>平岡和幸・堀玄</a:t>
-            </a:r>
-            <a:r>
-              <a:rPr lang="en-US" altLang="ja-JP" dirty="0" smtClean="0"/>
-              <a:t>, </a:t>
-            </a:r>
-            <a:r>
-              <a:rPr lang="ja-JP" altLang="en-US" i="1" dirty="0" smtClean="0"/>
-              <a:t>プログラミングのための確率統計</a:t>
-            </a:r>
-            <a:r>
-              <a:rPr lang="en-US" altLang="ja-JP" i="1" dirty="0" smtClean="0"/>
-              <a:t>, </a:t>
-            </a:r>
-            <a:r>
-              <a:rPr lang="ja-JP" altLang="en-US" dirty="0" smtClean="0"/>
-              <a:t>オーム社</a:t>
-            </a:r>
-            <a:r>
-              <a:rPr lang="en-US" altLang="ja-JP" dirty="0" smtClean="0"/>
-              <a:t>, 2009</a:t>
-            </a:r>
-          </a:p>
-          <a:p>
-            <a:r>
-              <a:rPr lang="en-US" altLang="ja-JP" dirty="0" smtClean="0"/>
-              <a:t>Wes </a:t>
-            </a:r>
-            <a:r>
-              <a:rPr lang="en-US" altLang="ja-JP" dirty="0" err="1" smtClean="0"/>
-              <a:t>McKinnery</a:t>
-            </a:r>
-            <a:r>
-              <a:rPr lang="en-US" altLang="ja-JP" dirty="0" smtClean="0"/>
-              <a:t>, </a:t>
-            </a:r>
-            <a:r>
-              <a:rPr lang="en-US" altLang="ja-JP" i="1" dirty="0" smtClean="0"/>
-              <a:t>Python</a:t>
-            </a:r>
-            <a:r>
-              <a:rPr lang="ja-JP" altLang="en-US" i="1" dirty="0" smtClean="0"/>
-              <a:t>によるデータ分析入門</a:t>
-            </a:r>
-            <a:r>
-              <a:rPr lang="en-US" altLang="ja-JP" i="1" dirty="0" smtClean="0"/>
-              <a:t>, </a:t>
-            </a:r>
-            <a:r>
-              <a:rPr lang="ja-JP" altLang="en-US" dirty="0" smtClean="0"/>
-              <a:t>オライリー</a:t>
-            </a:r>
-            <a:r>
-              <a:rPr lang="ja-JP" altLang="en-US" dirty="0"/>
-              <a:t>・ジャパン</a:t>
-            </a:r>
-            <a:r>
-              <a:rPr lang="en-US" altLang="ja-JP" dirty="0" smtClean="0"/>
-              <a:t>, 2013</a:t>
-            </a:r>
-            <a:endParaRPr lang="en-US" altLang="ja-JP" dirty="0"/>
-          </a:p>
-        </p:txBody>
-      </p:sp>
-      <p:sp>
-        <p:nvSpPr>
-          <p:cNvPr id="4" name="スライド番号プレースホルダー 3"/>
-          <p:cNvSpPr>
-            <a:spLocks noGrp="1"/>
-          </p:cNvSpPr>
-          <p:nvPr>
-            <p:ph type="sldNum" sz="quarter" idx="12"/>
-          </p:nvPr>
-        </p:nvSpPr>
-        <p:spPr/>
-        <p:txBody>
-          <a:bodyPr/>
-          <a:lstStyle/>
-          <a:p>
-            <a:fld id="{D2D8002D-B5B0-4BAC-B1F6-782DDCCE6D9C}" type="slidenum">
-              <a:rPr kumimoji="1" lang="ja-JP" altLang="en-US" smtClean="0"/>
-              <a:t>40</a:t>
             </a:fld>
             <a:endParaRPr kumimoji="1" lang="ja-JP" altLang="en-US" dirty="0"/>
           </a:p>

--- a/ruby_data_analysis.pptx
+++ b/ruby_data_analysis.pptx
@@ -6031,72 +6031,329 @@
           </a:p>
         </p:txBody>
       </p:sp>
-      <p:sp>
-        <p:nvSpPr>
-          <p:cNvPr id="6" name="コンテンツ プレースホルダー 5"/>
-          <p:cNvSpPr>
-            <a:spLocks noGrp="1"/>
-          </p:cNvSpPr>
-          <p:nvPr>
-            <p:ph idx="1"/>
-          </p:nvPr>
-        </p:nvSpPr>
-        <p:spPr/>
-        <p:txBody>
-          <a:bodyPr/>
-          <a:lstStyle/>
-          <a:p>
-            <a:r>
-              <a:rPr lang="ja-JP" altLang="en-US" dirty="0" smtClean="0"/>
-              <a:t>価格の変化と利益・損失に対する主観的感覚を「同じ間隔」で測る</a:t>
-            </a:r>
-            <a:endParaRPr lang="en-US" altLang="ja-JP" dirty="0" smtClean="0"/>
-          </a:p>
-          <a:p>
-            <a:r>
-              <a:rPr kumimoji="1" lang="en-US" altLang="ja-JP" dirty="0" smtClean="0"/>
-              <a:t>$10</a:t>
-            </a:r>
-            <a:r>
-              <a:rPr lang="ja-JP" altLang="en-US" dirty="0" smtClean="0"/>
-              <a:t>か</a:t>
-            </a:r>
-            <a:r>
-              <a:rPr lang="ja-JP" altLang="en-US" dirty="0"/>
-              <a:t>ら</a:t>
-            </a:r>
-            <a:r>
-              <a:rPr kumimoji="1" lang="en-US" altLang="ja-JP" dirty="0" smtClean="0"/>
-              <a:t>$11</a:t>
-            </a:r>
-            <a:r>
-              <a:rPr kumimoji="1" lang="ja-JP" altLang="en-US" dirty="0" smtClean="0"/>
-              <a:t>の価格変化と、</a:t>
-            </a:r>
-            <a:r>
-              <a:rPr kumimoji="1" lang="en-US" altLang="ja-JP" dirty="0" smtClean="0"/>
-              <a:t>$100</a:t>
-            </a:r>
-            <a:r>
-              <a:rPr lang="ja-JP" altLang="en-US" dirty="0" smtClean="0"/>
-              <a:t>か</a:t>
-            </a:r>
-            <a:r>
-              <a:rPr lang="ja-JP" altLang="en-US" dirty="0"/>
-              <a:t>ら</a:t>
-            </a:r>
-            <a:r>
-              <a:rPr kumimoji="1" lang="en-US" altLang="ja-JP" dirty="0" smtClean="0"/>
-              <a:t>$110</a:t>
-            </a:r>
-            <a:r>
-              <a:rPr kumimoji="1" lang="ja-JP" altLang="en-US" dirty="0" smtClean="0"/>
-              <a:t>の価格変化に対する主観的感覚は同じ</a:t>
-            </a:r>
-            <a:endParaRPr kumimoji="1" lang="ja-JP" altLang="en-US" dirty="0"/>
-          </a:p>
-        </p:txBody>
-      </p:sp>
+      <mc:AlternateContent xmlns:mc="http://schemas.openxmlformats.org/markup-compatibility/2006">
+        <mc:Choice xmlns:a14="http://schemas.microsoft.com/office/drawing/2010/main" Requires="a14">
+          <p:sp>
+            <p:nvSpPr>
+              <p:cNvPr id="6" name="コンテンツ プレースホルダー 5"/>
+              <p:cNvSpPr>
+                <a:spLocks noGrp="1"/>
+              </p:cNvSpPr>
+              <p:nvPr>
+                <p:ph idx="1"/>
+              </p:nvPr>
+            </p:nvSpPr>
+            <p:spPr/>
+            <p:txBody>
+              <a:bodyPr/>
+              <a:lstStyle/>
+              <a:p>
+                <a:r>
+                  <a:rPr lang="ja-JP" altLang="en-US" dirty="0" smtClean="0"/>
+                  <a:t>価格の変化と利益・損失に対する主観的感覚を「同じ間隔」で測る</a:t>
+                </a:r>
+                <a:endParaRPr lang="en-US" altLang="ja-JP" dirty="0" smtClean="0"/>
+              </a:p>
+              <a:p>
+                <a:r>
+                  <a:rPr kumimoji="1" lang="en-US" altLang="ja-JP" dirty="0" smtClean="0"/>
+                  <a:t>$10</a:t>
+                </a:r>
+                <a:r>
+                  <a:rPr lang="ja-JP" altLang="en-US" dirty="0" smtClean="0"/>
+                  <a:t>か</a:t>
+                </a:r>
+                <a:r>
+                  <a:rPr lang="ja-JP" altLang="en-US" dirty="0"/>
+                  <a:t>ら</a:t>
+                </a:r>
+                <a:r>
+                  <a:rPr kumimoji="1" lang="en-US" altLang="ja-JP" dirty="0" smtClean="0"/>
+                  <a:t>$11</a:t>
+                </a:r>
+                <a:r>
+                  <a:rPr kumimoji="1" lang="ja-JP" altLang="en-US" dirty="0" smtClean="0"/>
+                  <a:t>の価格変化と、</a:t>
+                </a:r>
+                <a:r>
+                  <a:rPr kumimoji="1" lang="en-US" altLang="ja-JP" dirty="0" smtClean="0"/>
+                  <a:t>$100</a:t>
+                </a:r>
+                <a:r>
+                  <a:rPr lang="ja-JP" altLang="en-US" dirty="0" smtClean="0"/>
+                  <a:t>か</a:t>
+                </a:r>
+                <a:r>
+                  <a:rPr lang="ja-JP" altLang="en-US" dirty="0"/>
+                  <a:t>ら</a:t>
+                </a:r>
+                <a:r>
+                  <a:rPr kumimoji="1" lang="en-US" altLang="ja-JP" dirty="0" smtClean="0"/>
+                  <a:t>$110</a:t>
+                </a:r>
+                <a:r>
+                  <a:rPr kumimoji="1" lang="ja-JP" altLang="en-US" dirty="0" smtClean="0"/>
+                  <a:t>の価格変化に対する主観的感覚は</a:t>
+                </a:r>
+                <a:r>
+                  <a:rPr kumimoji="1" lang="ja-JP" altLang="en-US" dirty="0" smtClean="0"/>
+                  <a:t>同じ</a:t>
+                </a:r>
+                <a:endParaRPr kumimoji="1" lang="en-US" altLang="ja-JP" dirty="0" smtClean="0"/>
+              </a:p>
+              <a:p>
+                <a:r>
+                  <a:rPr kumimoji="1" lang="ja-JP" altLang="en-US" dirty="0" smtClean="0"/>
+                  <a:t>上昇と下降を対等に扱う</a:t>
+                </a:r>
+                <a:endParaRPr kumimoji="1" lang="en-US" altLang="ja-JP" dirty="0" smtClean="0"/>
+              </a:p>
+              <a:p>
+                <a:pPr lvl="1"/>
+                <a14:m>
+                  <m:oMath xmlns:m="http://schemas.openxmlformats.org/officeDocument/2006/math">
+                    <m:f>
+                      <m:fPr>
+                        <m:ctrlPr>
+                          <a:rPr lang="en-US" altLang="ja-JP" i="1">
+                            <a:latin typeface="Cambria Math" panose="02040503050406030204" pitchFamily="18" charset="0"/>
+                          </a:rPr>
+                        </m:ctrlPr>
+                      </m:fPr>
+                      <m:num>
+                        <m:r>
+                          <a:rPr lang="en-US" altLang="ja-JP" i="1">
+                            <a:latin typeface="Cambria Math" panose="02040503050406030204" pitchFamily="18" charset="0"/>
+                          </a:rPr>
+                          <m:t>1</m:t>
+                        </m:r>
+                      </m:num>
+                      <m:den>
+                        <m:r>
+                          <a:rPr lang="en-US" altLang="ja-JP" i="1">
+                            <a:latin typeface="Cambria Math" panose="02040503050406030204" pitchFamily="18" charset="0"/>
+                          </a:rPr>
+                          <m:t>2</m:t>
+                        </m:r>
+                      </m:den>
+                    </m:f>
+                  </m:oMath>
+                </a14:m>
+                <a:r>
+                  <a:rPr kumimoji="1" lang="en-US" altLang="ja-JP" dirty="0" smtClean="0"/>
+                  <a:t> </a:t>
+                </a:r>
+                <a:r>
+                  <a:rPr lang="ja-JP" altLang="en-US" dirty="0" smtClean="0"/>
+                  <a:t>下降して </a:t>
+                </a:r>
+                <a14:m>
+                  <m:oMath xmlns:m="http://schemas.openxmlformats.org/officeDocument/2006/math">
+                    <m:f>
+                      <m:fPr>
+                        <m:ctrlPr>
+                          <a:rPr lang="en-US" altLang="ja-JP" i="1">
+                            <a:latin typeface="Cambria Math" panose="02040503050406030204" pitchFamily="18" charset="0"/>
+                          </a:rPr>
+                        </m:ctrlPr>
+                      </m:fPr>
+                      <m:num>
+                        <m:r>
+                          <a:rPr lang="en-US" altLang="ja-JP" i="1">
+                            <a:latin typeface="Cambria Math" panose="02040503050406030204" pitchFamily="18" charset="0"/>
+                          </a:rPr>
+                          <m:t>1</m:t>
+                        </m:r>
+                      </m:num>
+                      <m:den>
+                        <m:r>
+                          <a:rPr lang="en-US" altLang="ja-JP" i="1">
+                            <a:latin typeface="Cambria Math" panose="02040503050406030204" pitchFamily="18" charset="0"/>
+                          </a:rPr>
+                          <m:t>2</m:t>
+                        </m:r>
+                      </m:den>
+                    </m:f>
+                  </m:oMath>
+                </a14:m>
+                <a:r>
+                  <a:rPr kumimoji="1" lang="en-US" altLang="ja-JP" dirty="0" smtClean="0"/>
+                  <a:t> </a:t>
+                </a:r>
+                <a:r>
+                  <a:rPr kumimoji="1" lang="ja-JP" altLang="en-US" dirty="0" smtClean="0"/>
+                  <a:t>上昇しても元の値に戻らない</a:t>
+                </a:r>
+                <a:endParaRPr kumimoji="1" lang="en-US" altLang="ja-JP" dirty="0" smtClean="0"/>
+              </a:p>
+              <a:p>
+                <a:pPr lvl="1"/>
+                <a14:m>
+                  <m:oMath xmlns:m="http://schemas.openxmlformats.org/officeDocument/2006/math">
+                    <m:sSub>
+                      <m:sSubPr>
+                        <m:ctrlPr>
+                          <a:rPr kumimoji="1" lang="en-US" altLang="ja-JP" b="0" i="1" smtClean="0">
+                            <a:latin typeface="Cambria Math" panose="02040503050406030204" pitchFamily="18" charset="0"/>
+                          </a:rPr>
+                        </m:ctrlPr>
+                      </m:sSubPr>
+                      <m:e>
+                        <m:r>
+                          <m:rPr>
+                            <m:sty m:val="p"/>
+                          </m:rPr>
+                          <a:rPr lang="en-US" altLang="ja-JP">
+                            <a:latin typeface="Cambria Math" panose="02040503050406030204" pitchFamily="18" charset="0"/>
+                          </a:rPr>
+                          <m:t>log</m:t>
+                        </m:r>
+                      </m:e>
+                      <m:sub>
+                        <m:r>
+                          <a:rPr kumimoji="1" lang="en-US" altLang="ja-JP" b="0" i="1" smtClean="0">
+                            <a:latin typeface="Cambria Math" panose="02040503050406030204" pitchFamily="18" charset="0"/>
+                          </a:rPr>
+                          <m:t>𝑒</m:t>
+                        </m:r>
+                      </m:sub>
+                    </m:sSub>
+                    <m:d>
+                      <m:dPr>
+                        <m:ctrlPr>
+                          <a:rPr kumimoji="1" lang="en-US" altLang="ja-JP" b="0" i="1" smtClean="0">
+                            <a:latin typeface="Cambria Math" panose="02040503050406030204" pitchFamily="18" charset="0"/>
+                          </a:rPr>
+                        </m:ctrlPr>
+                      </m:dPr>
+                      <m:e>
+                        <m:f>
+                          <m:fPr>
+                            <m:ctrlPr>
+                              <a:rPr kumimoji="1" lang="en-US" altLang="ja-JP" b="0" i="1" smtClean="0">
+                                <a:latin typeface="Cambria Math" panose="02040503050406030204" pitchFamily="18" charset="0"/>
+                              </a:rPr>
+                            </m:ctrlPr>
+                          </m:fPr>
+                          <m:num>
+                            <m:r>
+                              <a:rPr kumimoji="1" lang="en-US" altLang="ja-JP" b="0" i="1" smtClean="0">
+                                <a:latin typeface="Cambria Math" panose="02040503050406030204" pitchFamily="18" charset="0"/>
+                              </a:rPr>
+                              <m:t>1</m:t>
+                            </m:r>
+                          </m:num>
+                          <m:den>
+                            <m:r>
+                              <a:rPr kumimoji="1" lang="en-US" altLang="ja-JP" b="0" i="1" smtClean="0">
+                                <a:latin typeface="Cambria Math" panose="02040503050406030204" pitchFamily="18" charset="0"/>
+                              </a:rPr>
+                              <m:t>2</m:t>
+                            </m:r>
+                          </m:den>
+                        </m:f>
+                      </m:e>
+                    </m:d>
+                    <m:r>
+                      <a:rPr kumimoji="1" lang="en-US" altLang="ja-JP" b="0" i="1" smtClean="0">
+                        <a:latin typeface="Cambria Math" panose="02040503050406030204" pitchFamily="18" charset="0"/>
+                        <a:ea typeface="Cambria Math" panose="02040503050406030204" pitchFamily="18" charset="0"/>
+                      </a:rPr>
+                      <m:t>=</m:t>
+                    </m:r>
+                    <m:sSub>
+                      <m:sSubPr>
+                        <m:ctrlPr>
+                          <a:rPr lang="en-US" altLang="ja-JP" i="1">
+                            <a:latin typeface="Cambria Math" panose="02040503050406030204" pitchFamily="18" charset="0"/>
+                          </a:rPr>
+                        </m:ctrlPr>
+                      </m:sSubPr>
+                      <m:e>
+                        <m:r>
+                          <a:rPr lang="en-US" altLang="ja-JP" i="1" smtClean="0">
+                            <a:latin typeface="Cambria Math" panose="02040503050406030204" pitchFamily="18" charset="0"/>
+                            <a:ea typeface="Cambria Math" panose="02040503050406030204" pitchFamily="18" charset="0"/>
+                          </a:rPr>
+                          <m:t>−</m:t>
+                        </m:r>
+                        <m:r>
+                          <m:rPr>
+                            <m:sty m:val="p"/>
+                          </m:rPr>
+                          <a:rPr lang="en-US" altLang="ja-JP">
+                            <a:latin typeface="Cambria Math" panose="02040503050406030204" pitchFamily="18" charset="0"/>
+                          </a:rPr>
+                          <m:t>log</m:t>
+                        </m:r>
+                      </m:e>
+                      <m:sub>
+                        <m:r>
+                          <a:rPr lang="en-US" altLang="ja-JP" i="1">
+                            <a:latin typeface="Cambria Math" panose="02040503050406030204" pitchFamily="18" charset="0"/>
+                          </a:rPr>
+                          <m:t>𝑒</m:t>
+                        </m:r>
+                      </m:sub>
+                    </m:sSub>
+                    <m:d>
+                      <m:dPr>
+                        <m:ctrlPr>
+                          <a:rPr lang="en-US" altLang="ja-JP" i="1">
+                            <a:latin typeface="Cambria Math" panose="02040503050406030204" pitchFamily="18" charset="0"/>
+                          </a:rPr>
+                        </m:ctrlPr>
+                      </m:dPr>
+                      <m:e>
+                        <m:r>
+                          <a:rPr lang="en-US" altLang="ja-JP" b="0" i="1" smtClean="0">
+                            <a:latin typeface="Cambria Math" panose="02040503050406030204" pitchFamily="18" charset="0"/>
+                          </a:rPr>
+                          <m:t>2</m:t>
+                        </m:r>
+                      </m:e>
+                    </m:d>
+                  </m:oMath>
+                </a14:m>
+                <a:endParaRPr kumimoji="1" lang="ja-JP" altLang="en-US" dirty="0"/>
+              </a:p>
+            </p:txBody>
+          </p:sp>
+        </mc:Choice>
+        <mc:Fallback>
+          <p:sp>
+            <p:nvSpPr>
+              <p:cNvPr id="6" name="コンテンツ プレースホルダー 5"/>
+              <p:cNvSpPr>
+                <a:spLocks noGrp="1" noRot="1" noChangeAspect="1" noMove="1" noResize="1" noEditPoints="1" noAdjustHandles="1" noChangeArrowheads="1" noChangeShapeType="1" noTextEdit="1"/>
+              </p:cNvSpPr>
+              <p:nvPr>
+                <p:ph idx="1"/>
+              </p:nvPr>
+            </p:nvSpPr>
+            <p:spPr>
+              <a:blipFill rotWithShape="0">
+                <a:blip r:embed="rId2"/>
+                <a:stretch>
+                  <a:fillRect l="-720" t="-1116"/>
+                </a:stretch>
+              </a:blipFill>
+            </p:spPr>
+            <p:txBody>
+              <a:bodyPr/>
+              <a:lstStyle/>
+              <a:p>
+                <a:r>
+                  <a:rPr lang="ja-JP" altLang="en-US">
+                    <a:noFill/>
+                  </a:rPr>
+                  <a:t> </a:t>
+                </a:r>
+              </a:p>
+            </p:txBody>
+          </p:sp>
+        </mc:Fallback>
+      </mc:AlternateContent>
       <p:sp>
         <p:nvSpPr>
           <p:cNvPr id="4" name="スライド番号プレースホルダー 3"/>

--- a/ruby_data_analysis.pptx
+++ b/ruby_data_analysis.pptx
@@ -17408,8 +17408,20 @@
               <a:t>Ruby</a:t>
             </a:r>
             <a:r>
+              <a:rPr kumimoji="1" lang="ja-JP" altLang="en-US" smtClean="0"/>
+              <a:t>の</a:t>
+            </a:r>
+            <a:r>
+              <a:rPr lang="ja-JP" altLang="en-US"/>
+              <a:t>言語</a:t>
+            </a:r>
+            <a:r>
+              <a:rPr kumimoji="1" lang="ja-JP" altLang="en-US" smtClean="0"/>
+              <a:t>拡張</a:t>
+            </a:r>
+            <a:r>
               <a:rPr kumimoji="1" lang="ja-JP" altLang="en-US" dirty="0" smtClean="0"/>
-              <a:t>自体の拡張案</a:t>
+              <a:t>案</a:t>
             </a:r>
             <a:endParaRPr kumimoji="1" lang="ja-JP" altLang="en-US" dirty="0"/>
           </a:p>

--- a/ruby_data_analysis.pptx
+++ b/ruby_data_analysis.pptx
@@ -4547,7 +4547,11 @@
             </a:r>
             <a:r>
               <a:rPr lang="ja-JP" altLang="en-US" dirty="0" smtClean="0"/>
-              <a:t>市場の取引データを分析したら</a:t>
+              <a:t>市場の取引データ</a:t>
+            </a:r>
+            <a:r>
+              <a:rPr lang="ja-JP" altLang="en-US" dirty="0" smtClean="0"/>
+              <a:t>を解析したら</a:t>
             </a:r>
             <a:r>
               <a:rPr lang="ja-JP" altLang="en-US" dirty="0"/>
@@ -5141,23 +5145,22 @@
                 </a:r>
                 <a:r>
                   <a:rPr lang="ja-JP" altLang="en-US" dirty="0" smtClean="0"/>
-                  <a:t>の</a:t>
-                </a:r>
-                <a:r>
-                  <a:rPr lang="ja-JP" altLang="en-US" dirty="0"/>
-                  <a:t>範囲の</a:t>
+                  <a:t>がある範囲の値となる確率</a:t>
+                </a:r>
+                <a:r>
+                  <a:rPr lang="en-US" altLang="ja-JP" dirty="0" smtClean="0"/>
+                  <a:t/>
+                </a:r>
+                <a:br>
+                  <a:rPr lang="en-US" altLang="ja-JP" dirty="0" smtClean="0"/>
+                </a:br>
+                <a:r>
+                  <a:rPr lang="en-US" altLang="ja-JP" dirty="0" smtClean="0"/>
+                  <a:t>= </a:t>
                 </a:r>
                 <a:r>
                   <a:rPr lang="ja-JP" altLang="en-US" dirty="0" smtClean="0"/>
-                  <a:t>面積 </a:t>
-                </a:r>
-                <a:r>
-                  <a:rPr lang="en-US" altLang="ja-JP" dirty="0" smtClean="0"/>
-                  <a:t>=</a:t>
-                </a:r>
-                <a:r>
-                  <a:rPr lang="ja-JP" altLang="en-US" dirty="0" smtClean="0"/>
-                  <a:t> 確率</a:t>
+                  <a:t>当該範囲の積分値</a:t>
                 </a:r>
                 <a:endParaRPr lang="en-US" altLang="ja-JP" dirty="0" smtClean="0"/>
               </a:p>
@@ -5295,7 +5298,7 @@
         </p:blipFill>
         <p:spPr>
           <a:xfrm>
-            <a:off x="4211960" y="1752600"/>
+            <a:off x="4139952" y="1752600"/>
             <a:ext cx="4558590" cy="3030463"/>
           </a:xfrm>
           <a:prstGeom prst="rect">
@@ -6418,7 +6421,7 @@
               <a:p>
                 <a:r>
                   <a:rPr lang="ja-JP" altLang="en-US" dirty="0" smtClean="0"/>
-                  <a:t>価格の変化と利益・損失に対する主観的感覚を表す</a:t>
+                  <a:t>価格の変化による利益・損失に対する主観的感覚を表す</a:t>
                 </a:r>
                 <a:endParaRPr lang="en-US" altLang="ja-JP" dirty="0" smtClean="0"/>
               </a:p>
@@ -6728,6 +6731,7 @@
                 <a:endParaRPr kumimoji="1" lang="en-US" altLang="ja-JP" dirty="0" smtClean="0"/>
               </a:p>
               <a:p>
+                <a:pPr lvl="1"/>
                 <a:r>
                   <a:rPr lang="ja-JP" altLang="en-US" dirty="0" smtClean="0"/>
                   <a:t>対数収益率を使うことで、上昇率と下降率の対称性が得られる</a:t>
@@ -6735,7 +6739,7 @@
                 <a:endParaRPr kumimoji="1" lang="en-US" altLang="ja-JP" dirty="0" smtClean="0"/>
               </a:p>
               <a:p>
-                <a:pPr lvl="1"/>
+                <a:pPr lvl="2"/>
                 <a:r>
                   <a:rPr lang="ja-JP" altLang="en-US" dirty="0" smtClean="0"/>
                   <a:t>価格が </a:t>
@@ -6837,7 +6841,7 @@
                 <a:endParaRPr kumimoji="1" lang="en-US" altLang="ja-JP" dirty="0" smtClean="0"/>
               </a:p>
               <a:p>
-                <a:pPr lvl="1"/>
+                <a:pPr lvl="2"/>
                 <a14:m>
                   <m:oMath xmlns:m="http://schemas.openxmlformats.org/officeDocument/2006/math">
                     <m:sSub>
@@ -7077,8 +7081,8 @@
           </a:p>
         </p:txBody>
       </p:sp>
-      <mc:AlternateContent xmlns:mc="http://schemas.openxmlformats.org/markup-compatibility/2006" xmlns:a14="http://schemas.microsoft.com/office/drawing/2010/main">
-        <mc:Choice Requires="a14">
+      <mc:AlternateContent xmlns:mc="http://schemas.openxmlformats.org/markup-compatibility/2006">
+        <mc:Choice xmlns:a14="http://schemas.microsoft.com/office/drawing/2010/main" Requires="a14">
           <p:sp>
             <p:nvSpPr>
               <p:cNvPr id="3" name="コンテンツ プレースホルダー 2"/>
@@ -7328,35 +7332,13 @@
               </a:p>
               <a:p>
                 <a:pPr lvl="1"/>
-                <a14:m>
-                  <m:oMath xmlns:m="http://schemas.openxmlformats.org/officeDocument/2006/math">
-                    <m:r>
-                      <a:rPr lang="en-US" altLang="ja-JP" sz="1800" b="0" i="1" smtClean="0">
-                        <a:latin typeface="Cambria Math" panose="02040503050406030204" pitchFamily="18" charset="0"/>
-                      </a:rPr>
-                      <m:t>𝐵</m:t>
-                    </m:r>
-                  </m:oMath>
-                </a14:m>
                 <a:r>
                   <a:rPr lang="ja-JP" altLang="en-US" sz="1800" dirty="0" smtClean="0"/>
-                  <a:t>と</a:t>
-                </a:r>
-                <a:r>
-                  <a:rPr lang="ja-JP" altLang="en-US" sz="1800" dirty="0"/>
-                  <a:t>いう</a:t>
+                  <a:t>収益</a:t>
                 </a:r>
                 <a:r>
                   <a:rPr lang="ja-JP" altLang="en-US" sz="1800" dirty="0" smtClean="0"/>
-                  <a:t>一連の行動についても同様に考える</a:t>
-                </a:r>
-                <a:endParaRPr lang="en-US" altLang="ja-JP" sz="1800" dirty="0" smtClean="0"/>
-              </a:p>
-              <a:p>
-                <a:pPr lvl="1"/>
-                <a:r>
-                  <a:rPr lang="ja-JP" altLang="en-US" sz="1800" dirty="0" smtClean="0"/>
-                  <a:t>収益の期待値 </a:t>
+                  <a:t>の期待値 </a:t>
                 </a:r>
                 <a14:m>
                   <m:oMath xmlns:m="http://schemas.openxmlformats.org/officeDocument/2006/math">
@@ -8190,7 +8172,7 @@
             </p:txBody>
           </p:sp>
         </mc:Choice>
-        <mc:Fallback xmlns="">
+        <mc:Fallback>
           <p:sp>
             <p:nvSpPr>
               <p:cNvPr id="3" name="コンテンツ プレースホルダー 2"/>
@@ -8311,8 +8293,8 @@
           </a:p>
         </p:txBody>
       </p:sp>
-      <mc:AlternateContent xmlns:mc="http://schemas.openxmlformats.org/markup-compatibility/2006" xmlns:a14="http://schemas.microsoft.com/office/drawing/2010/main">
-        <mc:Choice Requires="a14">
+      <mc:AlternateContent xmlns:mc="http://schemas.openxmlformats.org/markup-compatibility/2006">
+        <mc:Choice xmlns:a14="http://schemas.microsoft.com/office/drawing/2010/main" Requires="a14">
           <p:sp>
             <p:nvSpPr>
               <p:cNvPr id="3" name="コンテンツ プレースホルダー 2"/>
@@ -8683,7 +8665,11 @@
                 </a14:m>
                 <a:r>
                   <a:rPr kumimoji="1" lang="ja-JP" altLang="en-US" dirty="0" smtClean="0"/>
-                  <a:t> は期待値の見積である</a:t>
+                  <a:t> は期待値の</a:t>
+                </a:r>
+                <a:r>
+                  <a:rPr kumimoji="1" lang="ja-JP" altLang="en-US" dirty="0" smtClean="0"/>
+                  <a:t>見積</a:t>
                 </a:r>
                 <a:endParaRPr kumimoji="1" lang="en-US" altLang="ja-JP" dirty="0" smtClean="0"/>
               </a:p>
@@ -8872,7 +8858,7 @@
             </p:txBody>
           </p:sp>
         </mc:Choice>
-        <mc:Fallback xmlns="">
+        <mc:Fallback>
           <p:sp>
             <p:nvSpPr>
               <p:cNvPr id="3" name="コンテンツ プレースホルダー 2"/>
@@ -10113,7 +10099,11 @@
                 </a14:m>
                 <a:r>
                   <a:rPr kumimoji="1" lang="ja-JP" altLang="en-US" dirty="0" smtClean="0"/>
-                  <a:t> は取引間の小さな時間間隔である</a:t>
+                  <a:t> は取引間の小さな時間</a:t>
+                </a:r>
+                <a:r>
+                  <a:rPr kumimoji="1" lang="ja-JP" altLang="en-US" dirty="0" smtClean="0"/>
+                  <a:t>間隔</a:t>
                 </a:r>
                 <a:endParaRPr kumimoji="1" lang="en-US" altLang="ja-JP" dirty="0" smtClean="0"/>
               </a:p>
@@ -10206,7 +10196,11 @@
                 </a:r>
                 <a:r>
                   <a:rPr kumimoji="1" lang="ja-JP" altLang="en-US" dirty="0" smtClean="0"/>
-                  <a:t>を持つと仮定する</a:t>
+                  <a:t>を持つと</a:t>
+                </a:r>
+                <a:r>
+                  <a:rPr kumimoji="1" lang="ja-JP" altLang="en-US" dirty="0" smtClean="0"/>
+                  <a:t>仮定</a:t>
                 </a:r>
                 <a:endParaRPr kumimoji="1" lang="en-US" altLang="ja-JP" dirty="0" smtClean="0"/>
               </a:p>
@@ -10294,7 +10288,11 @@
                 </a:r>
                 <a:r>
                   <a:rPr kumimoji="1" lang="ja-JP" altLang="en-US" dirty="0" smtClean="0"/>
-                  <a:t>を以下のように定義する</a:t>
+                  <a:t>を以下のように</a:t>
+                </a:r>
+                <a:r>
+                  <a:rPr kumimoji="1" lang="ja-JP" altLang="en-US" dirty="0" smtClean="0"/>
+                  <a:t>定義</a:t>
                 </a:r>
                 <a:endParaRPr kumimoji="1" lang="en-US" altLang="ja-JP" dirty="0" smtClean="0"/>
               </a:p>
@@ -11552,14 +11550,7 @@
           <a:lstStyle/>
           <a:p>
             <a:r>
-              <a:rPr kumimoji="1" lang="ja-JP" altLang="en-US" dirty="0" smtClean="0"/>
-              <a:t>論文のデータについては省略</a:t>
-            </a:r>
-            <a:endParaRPr kumimoji="1" lang="en-US" altLang="ja-JP" dirty="0" smtClean="0"/>
-          </a:p>
-          <a:p>
-            <a:r>
-              <a:rPr lang="ja-JP" altLang="en-US" dirty="0"/>
+              <a:rPr lang="ja-JP" altLang="en-US" dirty="0" smtClean="0"/>
               <a:t>後</a:t>
             </a:r>
             <a:r>
@@ -11572,7 +11563,7 @@
             </a:r>
             <a:r>
               <a:rPr lang="ja-JP" altLang="en-US" dirty="0" smtClean="0"/>
-              <a:t>でやってみる</a:t>
+              <a:t>で確認</a:t>
             </a:r>
             <a:endParaRPr kumimoji="1" lang="ja-JP" altLang="en-US" dirty="0"/>
           </a:p>
@@ -13862,7 +13853,40 @@
               </a:rPr>
               <a:t>…</a:t>
             </a:r>
-            <a:endParaRPr lang="en-US" altLang="ja-JP" dirty="0" smtClean="0"/>
+          </a:p>
+          <a:p>
+            <a:r>
+              <a:rPr lang="ja-JP" altLang="en-US" dirty="0"/>
+              <a:t>最新リリースは</a:t>
+            </a:r>
+            <a:r>
+              <a:rPr lang="en-US" altLang="ja-JP" dirty="0" smtClean="0"/>
+              <a:t>2016</a:t>
+            </a:r>
+            <a:r>
+              <a:rPr lang="ja-JP" altLang="en-US" dirty="0" smtClean="0"/>
+              <a:t>年</a:t>
+            </a:r>
+            <a:r>
+              <a:rPr lang="en-US" altLang="ja-JP" dirty="0" smtClean="0"/>
+              <a:t>1</a:t>
+            </a:r>
+            <a:r>
+              <a:rPr lang="ja-JP" altLang="en-US" dirty="0" smtClean="0"/>
+              <a:t>月</a:t>
+            </a:r>
+            <a:r>
+              <a:rPr lang="en-US" altLang="ja-JP" dirty="0" smtClean="0"/>
+              <a:t>18</a:t>
+            </a:r>
+            <a:r>
+              <a:rPr lang="ja-JP" altLang="en-US" dirty="0" smtClean="0"/>
+              <a:t>日</a:t>
+            </a:r>
+            <a:endParaRPr lang="en-US" altLang="ja-JP" dirty="0" smtClean="0">
+              <a:latin typeface="Courier New" panose="02070309020205020404" pitchFamily="49" charset="0"/>
+              <a:cs typeface="Courier New" panose="02070309020205020404" pitchFamily="49" charset="0"/>
+            </a:endParaRPr>
           </a:p>
           <a:p>
             <a:pPr marL="0" indent="0">
@@ -13971,47 +13995,80 @@
           <a:lstStyle/>
           <a:p>
             <a:r>
+              <a:rPr kumimoji="1" lang="en-US" altLang="ja-JP" dirty="0" smtClean="0">
+                <a:solidFill>
+                  <a:srgbClr val="C00000"/>
+                </a:solidFill>
+              </a:rPr>
+              <a:t>D</a:t>
+            </a:r>
+            <a:r>
               <a:rPr kumimoji="1" lang="en-US" altLang="ja-JP" dirty="0" smtClean="0"/>
-              <a:t>Data Analysis in </a:t>
+              <a:t>ata </a:t>
+            </a:r>
+            <a:r>
+              <a:rPr kumimoji="1" lang="en-US" altLang="ja-JP" dirty="0" smtClean="0">
+                <a:solidFill>
+                  <a:srgbClr val="C00000"/>
+                </a:solidFill>
+              </a:rPr>
+              <a:t>A</a:t>
+            </a:r>
+            <a:r>
+              <a:rPr kumimoji="1" lang="en-US" altLang="ja-JP" dirty="0" smtClean="0"/>
+              <a:t>nalysis in </a:t>
+            </a:r>
+            <a:r>
+              <a:rPr kumimoji="1" lang="en-US" altLang="ja-JP" dirty="0" err="1" smtClean="0">
+                <a:solidFill>
+                  <a:srgbClr val="C00000"/>
+                </a:solidFill>
+              </a:rPr>
+              <a:t>RU</a:t>
             </a:r>
             <a:r>
               <a:rPr kumimoji="1" lang="en-US" altLang="ja-JP" dirty="0" err="1" smtClean="0"/>
-              <a:t>RUby</a:t>
+              <a:t>by</a:t>
             </a:r>
             <a:endParaRPr kumimoji="1" lang="en-US" altLang="ja-JP" dirty="0" smtClean="0"/>
           </a:p>
           <a:p>
             <a:r>
+              <a:rPr lang="ja-JP" altLang="en-US" dirty="0"/>
+              <a:t>以下</a:t>
+            </a:r>
+            <a:r>
+              <a:rPr lang="ja-JP" altLang="en-US" dirty="0" smtClean="0"/>
+              <a:t>のデータ型を提供</a:t>
+            </a:r>
+            <a:endParaRPr kumimoji="1" lang="en-US" altLang="ja-JP" dirty="0" smtClean="0"/>
+          </a:p>
+          <a:p>
+            <a:pPr lvl="1"/>
+            <a:r>
               <a:rPr kumimoji="1" lang="en-US" altLang="ja-JP" dirty="0" smtClean="0"/>
-              <a:t>Daru::Vector</a:t>
+              <a:t>Daru</a:t>
+            </a:r>
+            <a:r>
+              <a:rPr kumimoji="1" lang="en-US" altLang="ja-JP" dirty="0" smtClean="0"/>
+              <a:t>::Vector</a:t>
             </a:r>
           </a:p>
           <a:p>
             <a:pPr lvl="1"/>
             <a:r>
-              <a:rPr lang="ja-JP" altLang="en-US" dirty="0" smtClean="0"/>
-              <a:t>一次元ベクトルを表すデータ構造</a:t>
-            </a:r>
-            <a:endParaRPr lang="en-US" altLang="ja-JP" dirty="0" smtClean="0"/>
-          </a:p>
-          <a:p>
-            <a:r>
               <a:rPr kumimoji="1" lang="en-US" altLang="ja-JP" dirty="0" smtClean="0"/>
-              <a:t>Daru::</a:t>
+              <a:t>Daru</a:t>
+            </a:r>
+            <a:r>
+              <a:rPr kumimoji="1" lang="en-US" altLang="ja-JP" dirty="0" smtClean="0"/>
+              <a:t>::</a:t>
             </a:r>
             <a:r>
               <a:rPr kumimoji="1" lang="en-US" altLang="ja-JP" dirty="0" err="1" smtClean="0"/>
               <a:t>DataFrame</a:t>
             </a:r>
             <a:endParaRPr kumimoji="1" lang="en-US" altLang="ja-JP" dirty="0" smtClean="0"/>
-          </a:p>
-          <a:p>
-            <a:pPr lvl="1"/>
-            <a:r>
-              <a:rPr lang="ja-JP" altLang="en-US" dirty="0" smtClean="0"/>
-              <a:t>スプレッドシートライクな二次元の表を表すデータ構造</a:t>
-            </a:r>
-            <a:endParaRPr lang="en-US" altLang="ja-JP" dirty="0" smtClean="0"/>
           </a:p>
           <a:p>
             <a:pPr marL="0" indent="0">
@@ -15869,65 +15926,6 @@
             <a:r>
               <a:rPr lang="ja-JP" altLang="en-US" dirty="0" smtClean="0"/>
               <a:t>現状は利用者が少ない</a:t>
-            </a:r>
-            <a:endParaRPr lang="en-US" altLang="ja-JP" dirty="0" smtClean="0"/>
-          </a:p>
-          <a:p>
-            <a:pPr lvl="1"/>
-            <a:r>
-              <a:rPr lang="en-US" altLang="ja-JP" dirty="0" err="1" smtClean="0"/>
-              <a:t>RubyKaigi</a:t>
-            </a:r>
-            <a:r>
-              <a:rPr lang="ja-JP" altLang="en-US" dirty="0" smtClean="0"/>
-              <a:t>でデータ解析分野の発表は</a:t>
-            </a:r>
-            <a:r>
-              <a:rPr lang="en-US" altLang="ja-JP" dirty="0" smtClean="0"/>
-              <a:t>0</a:t>
-            </a:r>
-          </a:p>
-          <a:p>
-            <a:pPr lvl="1"/>
-            <a:r>
-              <a:rPr lang="en-US" altLang="ja-JP" dirty="0" err="1" smtClean="0"/>
-              <a:t>nmatrix</a:t>
-            </a:r>
-            <a:r>
-              <a:rPr lang="ja-JP" altLang="en-US" dirty="0" smtClean="0"/>
-              <a:t>と</a:t>
-            </a:r>
-            <a:r>
-              <a:rPr lang="en-US" altLang="ja-JP" dirty="0" err="1" smtClean="0"/>
-              <a:t>statsample</a:t>
-            </a:r>
-            <a:r>
-              <a:rPr lang="ja-JP" altLang="en-US" dirty="0" smtClean="0"/>
-              <a:t>を同時に</a:t>
-            </a:r>
-            <a:r>
-              <a:rPr lang="en-US" altLang="ja-JP" dirty="0" smtClean="0"/>
-              <a:t>require</a:t>
-            </a:r>
-            <a:r>
-              <a:rPr lang="ja-JP" altLang="en-US" dirty="0" smtClean="0"/>
-              <a:t>すると最新の</a:t>
-            </a:r>
-            <a:r>
-              <a:rPr lang="en-US" altLang="ja-JP" dirty="0" smtClean="0"/>
-              <a:t>Ruby</a:t>
-            </a:r>
-            <a:r>
-              <a:rPr lang="ja-JP" altLang="en-US" dirty="0" smtClean="0"/>
-              <a:t>ではエラー</a:t>
-            </a:r>
-            <a:r>
-              <a:rPr lang="ja-JP" altLang="en-US" dirty="0" smtClean="0"/>
-              <a:t>に</a:t>
-            </a:r>
-            <a:r>
-              <a:rPr lang="ja-JP" altLang="en-US" dirty="0" smtClean="0"/>
-              <a:t>なる</a:t>
             </a:r>
             <a:endParaRPr lang="en-US" altLang="ja-JP" dirty="0" smtClean="0"/>
           </a:p>
@@ -16828,8 +16826,12 @@
           <a:lstStyle/>
           <a:p>
             <a:r>
+              <a:rPr lang="ja-JP" altLang="en-US" dirty="0"/>
+              <a:t>他</a:t>
+            </a:r>
+            <a:r>
               <a:rPr lang="ja-JP" altLang="en-US" dirty="0" smtClean="0"/>
-              <a:t>多言語との差別化</a:t>
+              <a:t>言語との差別化</a:t>
             </a:r>
             <a:endParaRPr kumimoji="1" lang="ja-JP" altLang="en-US" dirty="0"/>
           </a:p>
@@ -17071,7 +17073,7 @@
         <p:spPr>
           <a:xfrm>
             <a:off x="899592" y="2636912"/>
-            <a:ext cx="7560839" cy="792088"/>
+            <a:ext cx="7560839" cy="648072"/>
           </a:xfrm>
           <a:prstGeom prst="rect">
             <a:avLst/>
@@ -17246,7 +17248,7 @@
         <p:spPr>
           <a:xfrm>
             <a:off x="899592" y="4119401"/>
-            <a:ext cx="7560839" cy="749759"/>
+            <a:ext cx="7560839" cy="605743"/>
           </a:xfrm>
           <a:prstGeom prst="rect">
             <a:avLst/>
@@ -17408,20 +17410,16 @@
               <a:t>Ruby</a:t>
             </a:r>
             <a:r>
-              <a:rPr kumimoji="1" lang="ja-JP" altLang="en-US" smtClean="0"/>
+              <a:rPr kumimoji="1" lang="ja-JP" altLang="en-US" dirty="0" smtClean="0"/>
               <a:t>の</a:t>
             </a:r>
             <a:r>
-              <a:rPr lang="ja-JP" altLang="en-US"/>
+              <a:rPr lang="ja-JP" altLang="en-US" dirty="0"/>
               <a:t>言語</a:t>
             </a:r>
             <a:r>
-              <a:rPr kumimoji="1" lang="ja-JP" altLang="en-US" smtClean="0"/>
-              <a:t>拡張</a:t>
-            </a:r>
-            <a:r>
               <a:rPr kumimoji="1" lang="ja-JP" altLang="en-US" dirty="0" smtClean="0"/>
-              <a:t>案</a:t>
+              <a:t>拡張案</a:t>
             </a:r>
             <a:endParaRPr kumimoji="1" lang="ja-JP" altLang="en-US" dirty="0"/>
           </a:p>
@@ -17727,6 +17725,13 @@
   <p:clrMapOvr>
     <a:masterClrMapping/>
   </p:clrMapOvr>
+  <p:timing>
+    <p:tnLst>
+      <p:par>
+        <p:cTn id="1" dur="indefinite" restart="never" nodeType="tmRoot"/>
+      </p:par>
+    </p:tnLst>
+  </p:timing>
 </p:sld>
 </file>
 

--- a/ruby_data_analysis.pptx
+++ b/ruby_data_analysis.pptx
@@ -17768,8 +17768,12 @@
           <a:lstStyle/>
           <a:p>
             <a:r>
-              <a:rPr lang="ja-JP" altLang="en-US" dirty="0"/>
+              <a:rPr lang="ja-JP" altLang="en-US" dirty="0" smtClean="0"/>
               <a:t>デモ</a:t>
+            </a:r>
+            <a:r>
+              <a:rPr lang="en-US" altLang="ja-JP" dirty="0" smtClean="0"/>
+              <a:t>2</a:t>
             </a:r>
             <a:endParaRPr kumimoji="1" lang="ja-JP" altLang="en-US" dirty="0"/>
           </a:p>

--- a/ruby_data_analysis.pptx
+++ b/ruby_data_analysis.pptx
@@ -251,7 +251,7 @@
           <a:p>
             <a:fld id="{D487E916-6975-4384-9337-33685829E0C9}" type="datetimeFigureOut">
               <a:rPr kumimoji="1" lang="ja-JP" altLang="en-US" smtClean="0"/>
-              <a:t>2016/2/15</a:t>
+              <a:t>2016/2/18</a:t>
             </a:fld>
             <a:endParaRPr kumimoji="1" lang="ja-JP" altLang="en-US"/>
           </a:p>
@@ -828,7 +828,7 @@
           <a:p>
             <a:fld id="{B5388ABC-ED38-449A-A1DD-0DF95F307DC2}" type="datetime1">
               <a:rPr kumimoji="1" lang="ja-JP" altLang="en-US" smtClean="0"/>
-              <a:t>2016/2/15</a:t>
+              <a:t>2016/2/18</a:t>
             </a:fld>
             <a:endParaRPr kumimoji="1" lang="ja-JP" altLang="en-US"/>
           </a:p>
@@ -1131,7 +1131,7 @@
           <a:p>
             <a:fld id="{91CAC327-6D45-4D23-90A2-B9A399787324}" type="datetime1">
               <a:rPr kumimoji="1" lang="ja-JP" altLang="en-US" smtClean="0"/>
-              <a:t>2016/2/15</a:t>
+              <a:t>2016/2/18</a:t>
             </a:fld>
             <a:endParaRPr kumimoji="1" lang="ja-JP" altLang="en-US"/>
           </a:p>
@@ -1338,7 +1338,7 @@
           <a:p>
             <a:fld id="{3D906796-C748-481D-9956-8BC21ED8B961}" type="datetime1">
               <a:rPr kumimoji="1" lang="ja-JP" altLang="en-US" smtClean="0"/>
-              <a:t>2016/2/15</a:t>
+              <a:t>2016/2/18</a:t>
             </a:fld>
             <a:endParaRPr kumimoji="1" lang="ja-JP" altLang="en-US"/>
           </a:p>
@@ -1544,7 +1544,7 @@
           <a:p>
             <a:fld id="{B695D9CF-C22D-467F-8463-26D3739C5D01}" type="datetime1">
               <a:rPr kumimoji="1" lang="ja-JP" altLang="en-US" smtClean="0"/>
-              <a:t>2016/2/15</a:t>
+              <a:t>2016/2/18</a:t>
             </a:fld>
             <a:endParaRPr kumimoji="1" lang="ja-JP" altLang="en-US"/>
           </a:p>
@@ -1835,7 +1835,7 @@
           <a:p>
             <a:fld id="{DDC49C62-652C-4310-89A5-F5582EA05BD5}" type="datetime1">
               <a:rPr kumimoji="1" lang="ja-JP" altLang="en-US" smtClean="0"/>
-              <a:t>2016/2/15</a:t>
+              <a:t>2016/2/18</a:t>
             </a:fld>
             <a:endParaRPr kumimoji="1" lang="ja-JP" altLang="en-US"/>
           </a:p>
@@ -2189,7 +2189,7 @@
           <a:p>
             <a:fld id="{77F02D97-5319-407B-AE83-52A9E5E3516E}" type="datetime1">
               <a:rPr kumimoji="1" lang="ja-JP" altLang="en-US" smtClean="0"/>
-              <a:t>2016/2/15</a:t>
+              <a:t>2016/2/18</a:t>
             </a:fld>
             <a:endParaRPr kumimoji="1" lang="ja-JP" altLang="en-US"/>
           </a:p>
@@ -2692,7 +2692,7 @@
           <a:p>
             <a:fld id="{61838B8B-A3B0-42B0-B1A9-79E7B91BD749}" type="datetime1">
               <a:rPr kumimoji="1" lang="ja-JP" altLang="en-US" smtClean="0"/>
-              <a:t>2016/2/15</a:t>
+              <a:t>2016/2/18</a:t>
             </a:fld>
             <a:endParaRPr kumimoji="1" lang="ja-JP" altLang="en-US"/>
           </a:p>
@@ -2816,7 +2816,7 @@
           <a:p>
             <a:fld id="{48452345-ACDF-4111-BC74-9EF178BC4C0B}" type="datetime1">
               <a:rPr kumimoji="1" lang="ja-JP" altLang="en-US" smtClean="0"/>
-              <a:t>2016/2/15</a:t>
+              <a:t>2016/2/18</a:t>
             </a:fld>
             <a:endParaRPr kumimoji="1" lang="ja-JP" altLang="en-US"/>
           </a:p>
@@ -2911,7 +2911,7 @@
           <a:p>
             <a:fld id="{279E7A1E-F7AD-4AA2-98BA-00D07373F8F1}" type="datetime1">
               <a:rPr kumimoji="1" lang="ja-JP" altLang="en-US" smtClean="0"/>
-              <a:t>2016/2/15</a:t>
+              <a:t>2016/2/18</a:t>
             </a:fld>
             <a:endParaRPr kumimoji="1" lang="ja-JP" altLang="en-US"/>
           </a:p>
@@ -3185,7 +3185,7 @@
           <a:p>
             <a:fld id="{9EE84142-7102-40A9-93B8-BC72B66FDCE1}" type="datetime1">
               <a:rPr kumimoji="1" lang="ja-JP" altLang="en-US" smtClean="0"/>
-              <a:t>2016/2/15</a:t>
+              <a:t>2016/2/18</a:t>
             </a:fld>
             <a:endParaRPr kumimoji="1" lang="ja-JP" altLang="en-US"/>
           </a:p>
@@ -3479,7 +3479,7 @@
           <a:p>
             <a:fld id="{3EF183A7-9963-4F31-A817-956200720A74}" type="datetime1">
               <a:rPr kumimoji="1" lang="ja-JP" altLang="en-US" smtClean="0"/>
-              <a:t>2016/2/15</a:t>
+              <a:t>2016/2/18</a:t>
             </a:fld>
             <a:endParaRPr kumimoji="1" lang="ja-JP" altLang="en-US"/>
           </a:p>
@@ -3805,7 +3805,7 @@
           <a:p>
             <a:fld id="{B376DA05-110D-4AAD-973D-FA506FA2E8AC}" type="datetime1">
               <a:rPr kumimoji="1" lang="ja-JP" altLang="en-US" smtClean="0"/>
-              <a:t>2016/2/15</a:t>
+              <a:t>2016/2/18</a:t>
             </a:fld>
             <a:endParaRPr kumimoji="1" lang="ja-JP" altLang="en-US"/>
           </a:p>
@@ -4547,11 +4547,7 @@
             </a:r>
             <a:r>
               <a:rPr lang="ja-JP" altLang="en-US" dirty="0" smtClean="0"/>
-              <a:t>市場の取引データ</a:t>
-            </a:r>
-            <a:r>
-              <a:rPr lang="ja-JP" altLang="en-US" dirty="0" smtClean="0"/>
-              <a:t>を解析したら</a:t>
+              <a:t>市場の取引データを解析したら</a:t>
             </a:r>
             <a:r>
               <a:rPr lang="ja-JP" altLang="en-US" dirty="0"/>
@@ -4864,8 +4860,8 @@
           </a:p>
         </p:txBody>
       </p:sp>
-      <mc:AlternateContent xmlns:mc="http://schemas.openxmlformats.org/markup-compatibility/2006">
-        <mc:Choice xmlns:a14="http://schemas.microsoft.com/office/drawing/2010/main" Requires="a14">
+      <mc:AlternateContent xmlns:mc="http://schemas.openxmlformats.org/markup-compatibility/2006" xmlns:a14="http://schemas.microsoft.com/office/drawing/2010/main">
+        <mc:Choice Requires="a14">
           <p:sp>
             <p:nvSpPr>
               <p:cNvPr id="3" name="コンテンツ プレースホルダー 2"/>
@@ -5167,15 +5163,7 @@
               <a:p>
                 <a:r>
                   <a:rPr lang="ja-JP" altLang="en-US" dirty="0" smtClean="0"/>
-                  <a:t>サンプル</a:t>
-                </a:r>
-                <a:r>
-                  <a:rPr lang="ja-JP" altLang="en-US" dirty="0" smtClean="0"/>
-                  <a:t>サイズ</a:t>
-                </a:r>
-                <a:r>
-                  <a:rPr lang="ja-JP" altLang="en-US" dirty="0" smtClean="0"/>
-                  <a:t>を大きくすると</a:t>
+                  <a:t>サンプルサイズを大きくすると</a:t>
                 </a:r>
                 <a:r>
                   <a:rPr lang="en-US" altLang="ja-JP" dirty="0" smtClean="0"/>
@@ -5215,7 +5203,7 @@
             </p:txBody>
           </p:sp>
         </mc:Choice>
-        <mc:Fallback>
+        <mc:Fallback xmlns="">
           <p:sp>
             <p:nvSpPr>
               <p:cNvPr id="3" name="コンテンツ プレースホルダー 2"/>
@@ -6380,11 +6368,7 @@
           <a:p>
             <a:r>
               <a:rPr lang="ja-JP" altLang="en-US" dirty="0" smtClean="0"/>
-              <a:t>対数</a:t>
-            </a:r>
-            <a:r>
-              <a:rPr lang="ja-JP" altLang="en-US" dirty="0" smtClean="0"/>
-              <a:t>収益</a:t>
+              <a:t>対数収益</a:t>
             </a:r>
             <a:r>
               <a:rPr lang="ja-JP" altLang="en-US" dirty="0"/>
@@ -6392,18 +6376,14 @@
             </a:r>
             <a:r>
               <a:rPr lang="ja-JP" altLang="en-US" dirty="0" smtClean="0"/>
-              <a:t>を</a:t>
-            </a:r>
-            <a:r>
-              <a:rPr lang="ja-JP" altLang="en-US" dirty="0" smtClean="0"/>
-              <a:t>使う根拠</a:t>
+              <a:t>を使う根拠</a:t>
             </a:r>
             <a:endParaRPr kumimoji="1" lang="ja-JP" altLang="en-US" dirty="0"/>
           </a:p>
         </p:txBody>
       </p:sp>
-      <mc:AlternateContent xmlns:mc="http://schemas.openxmlformats.org/markup-compatibility/2006">
-        <mc:Choice xmlns:a14="http://schemas.microsoft.com/office/drawing/2010/main" Requires="a14">
+      <mc:AlternateContent xmlns:mc="http://schemas.openxmlformats.org/markup-compatibility/2006" xmlns:a14="http://schemas.microsoft.com/office/drawing/2010/main">
+        <mc:Choice Requires="a14">
           <p:sp>
             <p:nvSpPr>
               <p:cNvPr id="6" name="コンテンツ プレースホルダー 5"/>
@@ -6464,11 +6444,7 @@
                 </a:r>
                 <a:r>
                   <a:rPr kumimoji="1" lang="ja-JP" altLang="en-US" dirty="0" smtClean="0"/>
-                  <a:t>の価格変化に対する主観的感覚は</a:t>
-                </a:r>
-                <a:r>
-                  <a:rPr kumimoji="1" lang="ja-JP" altLang="en-US" dirty="0" smtClean="0"/>
-                  <a:t>同じ</a:t>
+                  <a:t>の価格変化に対する主観的感覚は同じ</a:t>
                 </a:r>
                 <a:endParaRPr kumimoji="1" lang="en-US" altLang="ja-JP" dirty="0" smtClean="0"/>
               </a:p>
@@ -6787,11 +6763,7 @@
                 </a:r>
                 <a:r>
                   <a:rPr lang="ja-JP" altLang="en-US" dirty="0" smtClean="0"/>
-                  <a:t>に</a:t>
-                </a:r>
-                <a:r>
-                  <a:rPr lang="ja-JP" altLang="en-US" dirty="0" smtClean="0"/>
-                  <a:t> </a:t>
+                  <a:t>に </a:t>
                 </a:r>
                 <a14:m>
                   <m:oMath xmlns:m="http://schemas.openxmlformats.org/officeDocument/2006/math">
@@ -6952,7 +6924,7 @@
             </p:txBody>
           </p:sp>
         </mc:Choice>
-        <mc:Fallback>
+        <mc:Fallback xmlns="">
           <p:sp>
             <p:nvSpPr>
               <p:cNvPr id="6" name="コンテンツ プレースホルダー 5"/>
@@ -7081,8 +7053,8 @@
           </a:p>
         </p:txBody>
       </p:sp>
-      <mc:AlternateContent xmlns:mc="http://schemas.openxmlformats.org/markup-compatibility/2006">
-        <mc:Choice xmlns:a14="http://schemas.microsoft.com/office/drawing/2010/main" Requires="a14">
+      <mc:AlternateContent xmlns:mc="http://schemas.openxmlformats.org/markup-compatibility/2006" xmlns:a14="http://schemas.microsoft.com/office/drawing/2010/main">
+        <mc:Choice Requires="a14">
           <p:sp>
             <p:nvSpPr>
               <p:cNvPr id="3" name="コンテンツ プレースホルダー 2"/>
@@ -7334,11 +7306,7 @@
                 <a:pPr lvl="1"/>
                 <a:r>
                   <a:rPr lang="ja-JP" altLang="en-US" sz="1800" dirty="0" smtClean="0"/>
-                  <a:t>収益</a:t>
-                </a:r>
-                <a:r>
-                  <a:rPr lang="ja-JP" altLang="en-US" sz="1800" dirty="0" smtClean="0"/>
-                  <a:t>の期待値 </a:t>
+                  <a:t>収益の期待値 </a:t>
                 </a:r>
                 <a14:m>
                   <m:oMath xmlns:m="http://schemas.openxmlformats.org/officeDocument/2006/math">
@@ -8172,7 +8140,7 @@
             </p:txBody>
           </p:sp>
         </mc:Choice>
-        <mc:Fallback>
+        <mc:Fallback xmlns="">
           <p:sp>
             <p:nvSpPr>
               <p:cNvPr id="3" name="コンテンツ プレースホルダー 2"/>
@@ -8293,8 +8261,8 @@
           </a:p>
         </p:txBody>
       </p:sp>
-      <mc:AlternateContent xmlns:mc="http://schemas.openxmlformats.org/markup-compatibility/2006">
-        <mc:Choice xmlns:a14="http://schemas.microsoft.com/office/drawing/2010/main" Requires="a14">
+      <mc:AlternateContent xmlns:mc="http://schemas.openxmlformats.org/markup-compatibility/2006" xmlns:a14="http://schemas.microsoft.com/office/drawing/2010/main">
+        <mc:Choice Requires="a14">
           <p:sp>
             <p:nvSpPr>
               <p:cNvPr id="3" name="コンテンツ プレースホルダー 2"/>
@@ -8665,11 +8633,7 @@
                 </a14:m>
                 <a:r>
                   <a:rPr kumimoji="1" lang="ja-JP" altLang="en-US" dirty="0" smtClean="0"/>
-                  <a:t> は期待値の</a:t>
-                </a:r>
-                <a:r>
-                  <a:rPr kumimoji="1" lang="ja-JP" altLang="en-US" dirty="0" smtClean="0"/>
-                  <a:t>見積</a:t>
+                  <a:t> は期待値の見積</a:t>
                 </a:r>
                 <a:endParaRPr kumimoji="1" lang="en-US" altLang="ja-JP" dirty="0" smtClean="0"/>
               </a:p>
@@ -8858,7 +8822,7 @@
             </p:txBody>
           </p:sp>
         </mc:Choice>
-        <mc:Fallback>
+        <mc:Fallback xmlns="">
           <p:sp>
             <p:nvSpPr>
               <p:cNvPr id="3" name="コンテンツ プレースホルダー 2"/>
@@ -9637,8 +9601,8 @@
           </a:p>
         </p:txBody>
       </p:sp>
-      <mc:AlternateContent xmlns:mc="http://schemas.openxmlformats.org/markup-compatibility/2006">
-        <mc:Choice xmlns:a14="http://schemas.microsoft.com/office/drawing/2010/main" Requires="a14">
+      <mc:AlternateContent xmlns:mc="http://schemas.openxmlformats.org/markup-compatibility/2006" xmlns:a14="http://schemas.microsoft.com/office/drawing/2010/main">
+        <mc:Choice Requires="a14">
           <p:sp>
             <p:nvSpPr>
               <p:cNvPr id="3" name="コンテンツ プレースホルダー 2"/>
@@ -10099,11 +10063,7 @@
                 </a14:m>
                 <a:r>
                   <a:rPr kumimoji="1" lang="ja-JP" altLang="en-US" dirty="0" smtClean="0"/>
-                  <a:t> は取引間の小さな時間</a:t>
-                </a:r>
-                <a:r>
-                  <a:rPr kumimoji="1" lang="ja-JP" altLang="en-US" dirty="0" smtClean="0"/>
-                  <a:t>間隔</a:t>
+                  <a:t> は取引間の小さな時間間隔</a:t>
                 </a:r>
                 <a:endParaRPr kumimoji="1" lang="en-US" altLang="ja-JP" dirty="0" smtClean="0"/>
               </a:p>
@@ -10196,11 +10156,7 @@
                 </a:r>
                 <a:r>
                   <a:rPr kumimoji="1" lang="ja-JP" altLang="en-US" dirty="0" smtClean="0"/>
-                  <a:t>を持つと</a:t>
-                </a:r>
-                <a:r>
-                  <a:rPr kumimoji="1" lang="ja-JP" altLang="en-US" dirty="0" smtClean="0"/>
-                  <a:t>仮定</a:t>
+                  <a:t>を持つと仮定</a:t>
                 </a:r>
                 <a:endParaRPr kumimoji="1" lang="en-US" altLang="ja-JP" dirty="0" smtClean="0"/>
               </a:p>
@@ -10288,11 +10244,7 @@
                 </a:r>
                 <a:r>
                   <a:rPr kumimoji="1" lang="ja-JP" altLang="en-US" dirty="0" smtClean="0"/>
-                  <a:t>を以下のように</a:t>
-                </a:r>
-                <a:r>
-                  <a:rPr kumimoji="1" lang="ja-JP" altLang="en-US" dirty="0" smtClean="0"/>
-                  <a:t>定義</a:t>
+                  <a:t>を以下のように定義</a:t>
                 </a:r>
                 <a:endParaRPr kumimoji="1" lang="en-US" altLang="ja-JP" dirty="0" smtClean="0"/>
               </a:p>
@@ -11214,7 +11166,7 @@
             </p:txBody>
           </p:sp>
         </mc:Choice>
-        <mc:Fallback>
+        <mc:Fallback xmlns="">
           <p:sp>
             <p:nvSpPr>
               <p:cNvPr id="3" name="コンテンツ プレースホルダー 2"/>
@@ -11476,11 +11428,11 @@
   <p:clrMapOvr>
     <a:masterClrMapping/>
   </p:clrMapOvr>
-  <mc:AlternateContent xmlns:mc="http://schemas.openxmlformats.org/markup-compatibility/2006">
-    <mc:Choice xmlns:p14="http://schemas.microsoft.com/office/powerpoint/2010/main" Requires="p14">
+  <mc:AlternateContent xmlns:mc="http://schemas.openxmlformats.org/markup-compatibility/2006" xmlns:p14="http://schemas.microsoft.com/office/powerpoint/2010/main">
+    <mc:Choice Requires="p14">
       <p:transition spd="slow" p14:dur="2000"/>
     </mc:Choice>
-    <mc:Fallback>
+    <mc:Fallback xmlns="">
       <p:transition spd="slow"/>
     </mc:Fallback>
   </mc:AlternateContent>
@@ -11551,11 +11503,7 @@
           <a:p>
             <a:r>
               <a:rPr lang="ja-JP" altLang="en-US" dirty="0" smtClean="0"/>
-              <a:t>後</a:t>
-            </a:r>
-            <a:r>
-              <a:rPr lang="ja-JP" altLang="en-US" dirty="0" smtClean="0"/>
-              <a:t>で</a:t>
+              <a:t>後で</a:t>
             </a:r>
             <a:r>
               <a:rPr lang="en-US" altLang="ja-JP" dirty="0" smtClean="0"/>
@@ -11652,8 +11600,8 @@
           </a:p>
         </p:txBody>
       </p:sp>
-      <mc:AlternateContent xmlns:mc="http://schemas.openxmlformats.org/markup-compatibility/2006">
-        <mc:Choice xmlns:a14="http://schemas.microsoft.com/office/drawing/2010/main" Requires="a14">
+      <mc:AlternateContent xmlns:mc="http://schemas.openxmlformats.org/markup-compatibility/2006" xmlns:a14="http://schemas.microsoft.com/office/drawing/2010/main">
+        <mc:Choice Requires="a14">
           <p:sp>
             <p:nvSpPr>
               <p:cNvPr id="3" name="コンテンツ プレースホルダー 2"/>
@@ -11902,19 +11850,7 @@
                 </a:r>
                 <a:r>
                   <a:rPr lang="ja-JP" altLang="en-US" dirty="0" smtClean="0"/>
-                  <a:t>の場合</a:t>
-                </a:r>
-                <a:r>
-                  <a:rPr lang="ja-JP" altLang="en-US" dirty="0" smtClean="0"/>
-                  <a:t>、中心</a:t>
-                </a:r>
-                <a:r>
-                  <a:rPr lang="ja-JP" altLang="en-US" dirty="0" smtClean="0"/>
-                  <a:t>極限</a:t>
-                </a:r>
-                <a:r>
-                  <a:rPr lang="ja-JP" altLang="en-US" dirty="0" smtClean="0"/>
-                  <a:t>定理</a:t>
+                  <a:t>の場合、中心極限定理</a:t>
                 </a:r>
                 <a:r>
                   <a:rPr lang="ja-JP" altLang="en-US" dirty="0"/>
@@ -11941,11 +11877,7 @@
                 </a:r>
                 <a:r>
                   <a:rPr lang="ja-JP" altLang="en-US" dirty="0" smtClean="0"/>
-                  <a:t>益率</a:t>
-                </a:r>
-                <a:r>
-                  <a:rPr lang="ja-JP" altLang="en-US" dirty="0" smtClean="0"/>
-                  <a:t>は </a:t>
+                  <a:t>益率は </a:t>
                 </a:r>
                 <a14:m>
                   <m:oMath xmlns:m="http://schemas.openxmlformats.org/officeDocument/2006/math">
@@ -11987,11 +11919,7 @@
                 </a14:m>
                 <a:r>
                   <a:rPr lang="ja-JP" altLang="en-US" dirty="0" smtClean="0"/>
-                  <a:t> の</a:t>
-                </a:r>
-                <a:r>
-                  <a:rPr lang="ja-JP" altLang="en-US" dirty="0" smtClean="0"/>
-                  <a:t>安定分布に従うと考えた</a:t>
+                  <a:t> の安定分布に従うと考えた</a:t>
                 </a:r>
                 <a:endParaRPr kumimoji="1" lang="en-US" altLang="ja-JP" dirty="0" smtClean="0"/>
               </a:p>
@@ -12002,7 +11930,7 @@
             </p:txBody>
           </p:sp>
         </mc:Choice>
-        <mc:Fallback>
+        <mc:Fallback xmlns="">
           <p:sp>
             <p:nvSpPr>
               <p:cNvPr id="3" name="コンテンツ プレースホルダー 2"/>
@@ -12514,15 +12442,7 @@
             </a:r>
             <a:r>
               <a:rPr lang="ja-JP" altLang="en-US" dirty="0" smtClean="0"/>
-              <a:t>と同じ</a:t>
-            </a:r>
-            <a:r>
-              <a:rPr lang="ja-JP" altLang="en-US" dirty="0" smtClean="0"/>
-              <a:t>理由</a:t>
-            </a:r>
-            <a:r>
-              <a:rPr lang="ja-JP" altLang="en-US" dirty="0" smtClean="0"/>
-              <a:t>（</a:t>
+              <a:t>と同じ理由（</a:t>
             </a:r>
             <a:r>
               <a:rPr lang="en-US" altLang="ja-JP" dirty="0" smtClean="0"/>
@@ -12561,11 +12481,7 @@
             </a:r>
             <a:r>
               <a:rPr lang="ja-JP" altLang="en-US" dirty="0" smtClean="0"/>
-              <a:t>などで書かれたコードを</a:t>
-            </a:r>
-            <a:r>
-              <a:rPr lang="ja-JP" altLang="en-US" dirty="0" smtClean="0"/>
-              <a:t>つなぎ合わせる</a:t>
+              <a:t>などで書かれたコードをつなぎ合わせる</a:t>
             </a:r>
             <a:endParaRPr lang="ja-JP" altLang="en-US" dirty="0"/>
           </a:p>
@@ -12586,6 +12502,13 @@
             <a:r>
               <a:rPr lang="ja-JP" altLang="en-US" dirty="0" smtClean="0"/>
               <a:t>使う</a:t>
+            </a:r>
+            <a:endParaRPr lang="en-US" altLang="ja-JP" dirty="0" smtClean="0"/>
+          </a:p>
+          <a:p>
+            <a:r>
+              <a:rPr lang="ja-JP" altLang="en-US" smtClean="0"/>
+              <a:t>多様性は善</a:t>
             </a:r>
             <a:endParaRPr lang="en-US" altLang="ja-JP" dirty="0" smtClean="0"/>
           </a:p>
@@ -12956,11 +12879,7 @@
                     <a:p>
                       <a:r>
                         <a:rPr kumimoji="1" lang="ja-JP" altLang="en-US" dirty="0" smtClean="0"/>
-                        <a:t>科学</a:t>
-                      </a:r>
-                      <a:r>
-                        <a:rPr kumimoji="1" lang="ja-JP" altLang="en-US" dirty="0" smtClean="0"/>
-                        <a:t>計算全般</a:t>
+                        <a:t>科学計算全般</a:t>
                       </a:r>
                       <a:endParaRPr kumimoji="1" lang="ja-JP" altLang="en-US" dirty="0"/>
                     </a:p>
@@ -14047,22 +13966,14 @@
             <a:pPr lvl="1"/>
             <a:r>
               <a:rPr kumimoji="1" lang="en-US" altLang="ja-JP" dirty="0" smtClean="0"/>
-              <a:t>Daru</a:t>
-            </a:r>
+              <a:t>Daru::Vector</a:t>
+            </a:r>
+          </a:p>
+          <a:p>
+            <a:pPr lvl="1"/>
             <a:r>
               <a:rPr kumimoji="1" lang="en-US" altLang="ja-JP" dirty="0" smtClean="0"/>
-              <a:t>::Vector</a:t>
-            </a:r>
-          </a:p>
-          <a:p>
-            <a:pPr lvl="1"/>
-            <a:r>
-              <a:rPr kumimoji="1" lang="en-US" altLang="ja-JP" dirty="0" smtClean="0"/>
-              <a:t>Daru</a:t>
-            </a:r>
-            <a:r>
-              <a:rPr kumimoji="1" lang="en-US" altLang="ja-JP" dirty="0" smtClean="0"/>
-              <a:t>::</a:t>
+              <a:t>Daru::</a:t>
             </a:r>
             <a:r>
               <a:rPr kumimoji="1" lang="en-US" altLang="ja-JP" dirty="0" err="1" smtClean="0"/>
@@ -14286,14 +14197,7 @@
                 <a:latin typeface="Courier New" panose="02070309020205020404" pitchFamily="49" charset="0"/>
                 <a:cs typeface="Courier New" panose="02070309020205020404" pitchFamily="49" charset="0"/>
               </a:rPr>
-              <a:t> </a:t>
-            </a:r>
-            <a:r>
-              <a:rPr kumimoji="1" lang="en-US" altLang="ja-JP" dirty="0" smtClean="0">
-                <a:latin typeface="Courier New" panose="02070309020205020404" pitchFamily="49" charset="0"/>
-                <a:cs typeface="Courier New" panose="02070309020205020404" pitchFamily="49" charset="0"/>
-              </a:rPr>
-              <a:t>= Daru::</a:t>
+              <a:t> = Daru::</a:t>
             </a:r>
             <a:r>
               <a:rPr kumimoji="1" lang="en-US" altLang="ja-JP" dirty="0" err="1" smtClean="0">
@@ -14307,14 +14211,7 @@
                 <a:latin typeface="Courier New" panose="02070309020205020404" pitchFamily="49" charset="0"/>
                 <a:cs typeface="Courier New" panose="02070309020205020404" pitchFamily="49" charset="0"/>
               </a:rPr>
-              <a:t>([40, 20, 30</a:t>
-            </a:r>
-            <a:r>
-              <a:rPr kumimoji="1" lang="en-US" altLang="ja-JP" dirty="0" smtClean="0">
-                <a:latin typeface="Courier New" panose="02070309020205020404" pitchFamily="49" charset="0"/>
-                <a:cs typeface="Courier New" panose="02070309020205020404" pitchFamily="49" charset="0"/>
-              </a:rPr>
-              <a:t>])</a:t>
+              <a:t>([40, 20, 30])</a:t>
             </a:r>
           </a:p>
           <a:p>
@@ -14525,11 +14422,11 @@
   <p:clrMapOvr>
     <a:masterClrMapping/>
   </p:clrMapOvr>
-  <mc:AlternateContent xmlns:mc="http://schemas.openxmlformats.org/markup-compatibility/2006">
-    <mc:Choice xmlns:p14="http://schemas.microsoft.com/office/powerpoint/2010/main" Requires="p14">
+  <mc:AlternateContent xmlns:mc="http://schemas.openxmlformats.org/markup-compatibility/2006" xmlns:p14="http://schemas.microsoft.com/office/powerpoint/2010/main">
+    <mc:Choice Requires="p14">
       <p:transition spd="slow" p14:dur="2000"/>
     </mc:Choice>
-    <mc:Fallback>
+    <mc:Fallback xmlns="">
       <p:transition spd="slow"/>
     </mc:Fallback>
   </mc:AlternateContent>
@@ -14608,11 +14505,7 @@
             </a:r>
             <a:r>
               <a:rPr lang="ja-JP" altLang="en-US" dirty="0" smtClean="0"/>
-              <a:t>次元のスプレッドシート風データ</a:t>
-            </a:r>
-            <a:r>
-              <a:rPr lang="ja-JP" altLang="en-US" dirty="0" smtClean="0"/>
-              <a:t>構造</a:t>
+              <a:t>次元のスプレッドシート風データ構造</a:t>
             </a:r>
             <a:endParaRPr lang="en-US" altLang="ja-JP" dirty="0" smtClean="0"/>
           </a:p>
@@ -16101,15 +15994,7 @@
             <a:pPr lvl="1"/>
             <a:r>
               <a:rPr kumimoji="1" lang="ja-JP" altLang="en-US" dirty="0" smtClean="0"/>
-              <a:t>金融</a:t>
-            </a:r>
-            <a:r>
-              <a:rPr kumimoji="1" lang="ja-JP" altLang="en-US" dirty="0" smtClean="0"/>
-              <a:t>関係の</a:t>
-            </a:r>
-            <a:r>
-              <a:rPr kumimoji="1" lang="ja-JP" altLang="en-US" dirty="0" smtClean="0"/>
-              <a:t>機能</a:t>
+              <a:t>金融関係の機能</a:t>
             </a:r>
             <a:endParaRPr kumimoji="1" lang="en-US" altLang="ja-JP" dirty="0" smtClean="0"/>
           </a:p>
@@ -16740,11 +16625,7 @@
           <a:p>
             <a:r>
               <a:rPr lang="ja-JP" altLang="en-US" dirty="0" smtClean="0"/>
-              <a:t>データ解析の</a:t>
-            </a:r>
-            <a:r>
-              <a:rPr lang="ja-JP" altLang="en-US" dirty="0" smtClean="0"/>
-              <a:t>例</a:t>
+              <a:t>データ解析の例</a:t>
             </a:r>
             <a:endParaRPr kumimoji="1" lang="ja-JP" altLang="en-US" dirty="0"/>
           </a:p>
@@ -18221,11 +18102,7 @@
             </a:br>
             <a:r>
               <a:rPr kumimoji="1" lang="en-US" altLang="ja-JP" dirty="0" smtClean="0"/>
-              <a:t>Operations Research, </a:t>
-            </a:r>
-            <a:r>
-              <a:rPr kumimoji="1" lang="en-US" altLang="ja-JP" dirty="0" smtClean="0"/>
-              <a:t>1959</a:t>
+              <a:t>Operations Research, 1959</a:t>
             </a:r>
           </a:p>
           <a:p>
@@ -18265,11 +18142,7 @@
           <a:p>
             <a:r>
               <a:rPr kumimoji="1" lang="ja-JP" altLang="en-US" dirty="0" smtClean="0"/>
-              <a:t>統計力学的手法を株価に</a:t>
-            </a:r>
-            <a:r>
-              <a:rPr kumimoji="1" lang="ja-JP" altLang="en-US" dirty="0" smtClean="0"/>
-              <a:t>適用</a:t>
+              <a:t>統計力学的手法を株価に適用</a:t>
             </a:r>
             <a:endParaRPr kumimoji="1" lang="en-US" altLang="ja-JP" dirty="0" smtClean="0"/>
           </a:p>
@@ -18998,8 +18871,8 @@
           </a:p>
         </p:txBody>
       </p:sp>
-      <mc:AlternateContent xmlns:mc="http://schemas.openxmlformats.org/markup-compatibility/2006">
-        <mc:Choice xmlns:a14="http://schemas.microsoft.com/office/drawing/2010/main" Requires="a14">
+      <mc:AlternateContent xmlns:mc="http://schemas.openxmlformats.org/markup-compatibility/2006" xmlns:a14="http://schemas.microsoft.com/office/drawing/2010/main">
+        <mc:Choice Requires="a14">
           <p:sp>
             <p:nvSpPr>
               <p:cNvPr id="3" name="コンテンツ プレースホルダー 2"/>
@@ -19191,11 +19064,7 @@
               <a:p>
                 <a:r>
                   <a:rPr lang="ja-JP" altLang="en-US" dirty="0" smtClean="0"/>
-                  <a:t>株価</a:t>
-                </a:r>
-                <a:r>
-                  <a:rPr lang="ja-JP" altLang="en-US" dirty="0" smtClean="0"/>
-                  <a:t>とい</a:t>
+                  <a:t>株価とい</a:t>
                 </a:r>
                 <a:r>
                   <a:rPr lang="ja-JP" altLang="en-US" dirty="0"/>
@@ -19203,11 +19072,7 @@
                 </a:r>
                 <a:r>
                   <a:rPr lang="ja-JP" altLang="en-US" dirty="0" smtClean="0"/>
-                  <a:t>刺激</a:t>
-                </a:r>
-                <a:r>
-                  <a:rPr lang="ja-JP" altLang="en-US" dirty="0" smtClean="0"/>
-                  <a:t>とそれに対するトレーダー・投資家の主観的感覚は</a:t>
+                  <a:t>刺激とそれに対するトレーダー・投資家の主観的感覚は</a:t>
                 </a:r>
                 <a:r>
                   <a:rPr lang="en-US" altLang="ja-JP" dirty="0" smtClean="0"/>
@@ -19225,7 +19090,7 @@
             </p:txBody>
           </p:sp>
         </mc:Choice>
-        <mc:Fallback>
+        <mc:Fallback xmlns="">
           <p:sp>
             <p:nvSpPr>
               <p:cNvPr id="3" name="コンテンツ プレースホルダー 2"/>

--- a/ruby_data_analysis.pptx
+++ b/ruby_data_analysis.pptx
@@ -12507,7 +12507,7 @@
           </a:p>
           <a:p>
             <a:r>
-              <a:rPr lang="ja-JP" altLang="en-US" smtClean="0"/>
+              <a:rPr lang="ja-JP" altLang="en-US" dirty="0" smtClean="0"/>
               <a:t>多様性は善</a:t>
             </a:r>
             <a:endParaRPr lang="en-US" altLang="ja-JP" dirty="0" smtClean="0"/>
@@ -15962,7 +15962,11 @@
             <a:pPr lvl="1"/>
             <a:r>
               <a:rPr kumimoji="1" lang="ja-JP" altLang="en-US" dirty="0" smtClean="0"/>
-              <a:t>欠損値の扱い</a:t>
+              <a:t>欠損値</a:t>
+            </a:r>
+            <a:r>
+              <a:rPr kumimoji="1" lang="ja-JP" altLang="en-US" dirty="0" smtClean="0"/>
+              <a:t>の扱い</a:t>
             </a:r>
             <a:endParaRPr kumimoji="1" lang="en-US" altLang="ja-JP" dirty="0" smtClean="0"/>
           </a:p>
@@ -15993,8 +15997,20 @@
           <a:p>
             <a:pPr lvl="1"/>
             <a:r>
+              <a:rPr kumimoji="1" lang="ja-JP" altLang="en-US" smtClean="0"/>
+              <a:t>変化率の計算</a:t>
+            </a:r>
+            <a:endParaRPr kumimoji="1" lang="en-US" altLang="ja-JP" smtClean="0"/>
+          </a:p>
+          <a:p>
+            <a:pPr lvl="1"/>
+            <a:r>
               <a:rPr kumimoji="1" lang="ja-JP" altLang="en-US" dirty="0" smtClean="0"/>
-              <a:t>金融関係の機能</a:t>
+              <a:t>金融</a:t>
+            </a:r>
+            <a:r>
+              <a:rPr kumimoji="1" lang="ja-JP" altLang="en-US" dirty="0" smtClean="0"/>
+              <a:t>関係の機能</a:t>
             </a:r>
             <a:endParaRPr kumimoji="1" lang="en-US" altLang="ja-JP" dirty="0" smtClean="0"/>
           </a:p>

--- a/ruby_data_analysis.pptx
+++ b/ruby_data_analysis.pptx
@@ -15629,7 +15629,34 @@
             </a:r>
             <a:r>
               <a:rPr lang="en-US" altLang="ja-JP" dirty="0"/>
-              <a:t>://github.com/shugo/DCW2016/blob/master/PSDS.ipynb</a:t>
+              <a:t>://</a:t>
+            </a:r>
+            <a:r>
+              <a:rPr lang="en-US" altLang="ja-JP" dirty="0" smtClean="0"/>
+              <a:t>github.com/shugo/DCW2016/blob/master/PSDS.ipynb</a:t>
+            </a:r>
+          </a:p>
+          <a:p>
+            <a:pPr lvl="1"/>
+            <a:r>
+              <a:rPr lang="en-US" altLang="ja-JP" dirty="0" smtClean="0"/>
+              <a:t>2</a:t>
+            </a:r>
+            <a:r>
+              <a:rPr lang="ja-JP" altLang="en-US" dirty="0" smtClean="0"/>
+              <a:t>変量</a:t>
+            </a:r>
+            <a:r>
+              <a:rPr lang="ja-JP" altLang="en-US" smtClean="0"/>
+              <a:t>の相関</a:t>
+            </a:r>
+            <a:endParaRPr lang="en-US" altLang="ja-JP" dirty="0" smtClean="0"/>
+          </a:p>
+          <a:p>
+            <a:pPr lvl="1"/>
+            <a:r>
+              <a:rPr kumimoji="1" lang="ja-JP" altLang="en-US" dirty="0" smtClean="0"/>
+              <a:t>異常値の検出</a:t>
             </a:r>
             <a:endParaRPr kumimoji="1" lang="ja-JP" altLang="en-US" dirty="0"/>
           </a:p>
@@ -15997,10 +16024,10 @@
           <a:p>
             <a:pPr lvl="1"/>
             <a:r>
-              <a:rPr kumimoji="1" lang="ja-JP" altLang="en-US" smtClean="0"/>
+              <a:rPr kumimoji="1" lang="ja-JP" altLang="en-US" dirty="0" smtClean="0"/>
               <a:t>変化率の計算</a:t>
             </a:r>
-            <a:endParaRPr kumimoji="1" lang="en-US" altLang="ja-JP" smtClean="0"/>
+            <a:endParaRPr kumimoji="1" lang="en-US" altLang="ja-JP" dirty="0" smtClean="0"/>
           </a:p>
           <a:p>
             <a:pPr lvl="1"/>

--- a/ruby_data_analysis.pptx
+++ b/ruby_data_analysis.pptx
@@ -15639,16 +15639,20 @@
           <a:p>
             <a:pPr lvl="1"/>
             <a:r>
-              <a:rPr lang="en-US" altLang="ja-JP" dirty="0" smtClean="0"/>
-              <a:t>2</a:t>
-            </a:r>
-            <a:r>
               <a:rPr lang="ja-JP" altLang="en-US" dirty="0" smtClean="0"/>
-              <a:t>変量</a:t>
-            </a:r>
+              <a:t>相関行列</a:t>
+            </a:r>
+            <a:endParaRPr lang="en-US" altLang="ja-JP" smtClean="0"/>
+          </a:p>
+          <a:p>
+            <a:pPr lvl="1"/>
             <a:r>
               <a:rPr lang="ja-JP" altLang="en-US" smtClean="0"/>
-              <a:t>の相関</a:t>
+              <a:t>回帰</a:t>
+            </a:r>
+            <a:r>
+              <a:rPr lang="ja-JP" altLang="en-US" dirty="0"/>
+              <a:t>分析</a:t>
             </a:r>
             <a:endParaRPr lang="en-US" altLang="ja-JP" dirty="0" smtClean="0"/>
           </a:p>
@@ -15656,7 +15660,7 @@
             <a:pPr lvl="1"/>
             <a:r>
               <a:rPr kumimoji="1" lang="ja-JP" altLang="en-US" dirty="0" smtClean="0"/>
-              <a:t>異常値の検出</a:t>
+              <a:t>マハラノビス距離による異常値の検出</a:t>
             </a:r>
             <a:endParaRPr kumimoji="1" lang="ja-JP" altLang="en-US" dirty="0"/>
           </a:p>

--- a/ruby_data_analysis.pptx
+++ b/ruby_data_analysis.pptx
@@ -5,7 +5,7 @@
     <p:sldMasterId id="2147483720" r:id="rId1"/>
   </p:sldMasterIdLst>
   <p:notesMasterIdLst>
-    <p:notesMasterId r:id="rId46"/>
+    <p:notesMasterId r:id="rId47"/>
   </p:notesMasterIdLst>
   <p:sldIdLst>
     <p:sldId id="256" r:id="rId2"/>
@@ -50,8 +50,9 @@
     <p:sldId id="329" r:id="rId41"/>
     <p:sldId id="346" r:id="rId42"/>
     <p:sldId id="360" r:id="rId43"/>
-    <p:sldId id="361" r:id="rId44"/>
-    <p:sldId id="338" r:id="rId45"/>
+    <p:sldId id="362" r:id="rId44"/>
+    <p:sldId id="361" r:id="rId45"/>
+    <p:sldId id="338" r:id="rId46"/>
   </p:sldIdLst>
   <p:sldSz cx="9144000" cy="6858000" type="screen4x3"/>
   <p:notesSz cx="6858000" cy="9144000"/>
@@ -6382,8 +6383,8 @@
           </a:p>
         </p:txBody>
       </p:sp>
-      <mc:AlternateContent xmlns:mc="http://schemas.openxmlformats.org/markup-compatibility/2006" xmlns:a14="http://schemas.microsoft.com/office/drawing/2010/main">
-        <mc:Choice Requires="a14">
+      <mc:AlternateContent xmlns:mc="http://schemas.openxmlformats.org/markup-compatibility/2006">
+        <mc:Choice xmlns:a14="http://schemas.microsoft.com/office/drawing/2010/main" Requires="a14">
           <p:sp>
             <p:nvSpPr>
               <p:cNvPr id="6" name="コンテンツ プレースホルダー 5"/>
@@ -6720,42 +6721,17 @@
                   <a:rPr lang="ja-JP" altLang="en-US" dirty="0" smtClean="0"/>
                   <a:t>価格が </a:t>
                 </a:r>
-                <a14:m>
-                  <m:oMath xmlns:m="http://schemas.openxmlformats.org/officeDocument/2006/math">
-                    <m:f>
-                      <m:fPr>
-                        <m:ctrlPr>
-                          <a:rPr lang="en-US" altLang="ja-JP" i="1">
-                            <a:latin typeface="Cambria Math" panose="02040503050406030204" pitchFamily="18" charset="0"/>
-                          </a:rPr>
-                        </m:ctrlPr>
-                      </m:fPr>
-                      <m:num>
-                        <m:r>
-                          <a:rPr lang="en-US" altLang="ja-JP" i="1">
-                            <a:latin typeface="Cambria Math" panose="02040503050406030204" pitchFamily="18" charset="0"/>
-                          </a:rPr>
-                          <m:t>1</m:t>
-                        </m:r>
-                      </m:num>
-                      <m:den>
-                        <m:r>
-                          <a:rPr lang="en-US" altLang="ja-JP" b="0" i="1" smtClean="0">
-                            <a:latin typeface="Cambria Math" panose="02040503050406030204" pitchFamily="18" charset="0"/>
-                          </a:rPr>
-                          <m:t>2</m:t>
-                        </m:r>
-                      </m:den>
-                    </m:f>
-                  </m:oMath>
-                </a14:m>
                 <a:r>
-                  <a:rPr kumimoji="1" lang="en-US" altLang="ja-JP" dirty="0" smtClean="0"/>
-                  <a:t> </a:t>
+                  <a:rPr lang="en-US" altLang="ja-JP" dirty="0" smtClean="0"/>
+                  <a:t>50%</a:t>
                 </a:r>
                 <a:r>
                   <a:rPr lang="ja-JP" altLang="en-US" dirty="0" smtClean="0"/>
-                  <a:t>下降した</a:t>
+                  <a:t>下降</a:t>
+                </a:r>
+                <a:r>
+                  <a:rPr lang="ja-JP" altLang="en-US" dirty="0" smtClean="0"/>
+                  <a:t>した</a:t>
                 </a:r>
                 <a:r>
                   <a:rPr lang="ja-JP" altLang="en-US" dirty="0"/>
@@ -6765,42 +6741,17 @@
                   <a:rPr lang="ja-JP" altLang="en-US" dirty="0" smtClean="0"/>
                   <a:t>に </a:t>
                 </a:r>
-                <a14:m>
-                  <m:oMath xmlns:m="http://schemas.openxmlformats.org/officeDocument/2006/math">
-                    <m:f>
-                      <m:fPr>
-                        <m:ctrlPr>
-                          <a:rPr lang="en-US" altLang="ja-JP" i="1">
-                            <a:latin typeface="Cambria Math" panose="02040503050406030204" pitchFamily="18" charset="0"/>
-                          </a:rPr>
-                        </m:ctrlPr>
-                      </m:fPr>
-                      <m:num>
-                        <m:r>
-                          <a:rPr lang="en-US" altLang="ja-JP" i="1">
-                            <a:latin typeface="Cambria Math" panose="02040503050406030204" pitchFamily="18" charset="0"/>
-                          </a:rPr>
-                          <m:t>1</m:t>
-                        </m:r>
-                      </m:num>
-                      <m:den>
-                        <m:r>
-                          <a:rPr lang="en-US" altLang="ja-JP" b="0" i="1" smtClean="0">
-                            <a:latin typeface="Cambria Math" panose="02040503050406030204" pitchFamily="18" charset="0"/>
-                          </a:rPr>
-                          <m:t>2</m:t>
-                        </m:r>
-                      </m:den>
-                    </m:f>
-                  </m:oMath>
-                </a14:m>
                 <a:r>
-                  <a:rPr kumimoji="1" lang="en-US" altLang="ja-JP" dirty="0" smtClean="0"/>
-                  <a:t> </a:t>
+                  <a:rPr lang="en-US" altLang="ja-JP" dirty="0" smtClean="0"/>
+                  <a:t>50%</a:t>
                 </a:r>
                 <a:r>
                   <a:rPr kumimoji="1" lang="ja-JP" altLang="en-US" dirty="0" smtClean="0"/>
-                  <a:t>上昇しても元の</a:t>
+                  <a:t>上昇</a:t>
+                </a:r>
+                <a:r>
+                  <a:rPr kumimoji="1" lang="ja-JP" altLang="en-US" dirty="0" smtClean="0"/>
+                  <a:t>しても元の</a:t>
                 </a:r>
                 <a:r>
                   <a:rPr lang="ja-JP" altLang="en-US" dirty="0"/>
@@ -6924,7 +6875,7 @@
             </p:txBody>
           </p:sp>
         </mc:Choice>
-        <mc:Fallback xmlns="">
+        <mc:Fallback>
           <p:sp>
             <p:nvSpPr>
               <p:cNvPr id="6" name="コンテンツ プレースホルダー 5"/>
@@ -6981,6 +6932,372 @@
           </a:p>
         </p:txBody>
       </p:sp>
+      <p:sp>
+        <p:nvSpPr>
+          <p:cNvPr id="7" name="正方形/長方形 6"/>
+          <p:cNvSpPr/>
+          <p:nvPr/>
+        </p:nvSpPr>
+        <p:spPr>
+          <a:xfrm>
+            <a:off x="1547664" y="5229200"/>
+            <a:ext cx="2520280" cy="432048"/>
+          </a:xfrm>
+          <a:prstGeom prst="rect">
+            <a:avLst/>
+          </a:prstGeom>
+          <a:ln/>
+        </p:spPr>
+        <p:style>
+          <a:lnRef idx="1">
+            <a:schemeClr val="accent3"/>
+          </a:lnRef>
+          <a:fillRef idx="2">
+            <a:schemeClr val="accent3"/>
+          </a:fillRef>
+          <a:effectRef idx="1">
+            <a:schemeClr val="accent3"/>
+          </a:effectRef>
+          <a:fontRef idx="minor">
+            <a:schemeClr val="dk1"/>
+          </a:fontRef>
+        </p:style>
+        <p:txBody>
+          <a:bodyPr rtlCol="0" anchor="ctr"/>
+          <a:lstStyle/>
+          <a:p>
+            <a:pPr algn="ctr"/>
+            <a:endParaRPr kumimoji="1" lang="ja-JP" altLang="en-US"/>
+          </a:p>
+        </p:txBody>
+      </p:sp>
+      <p:sp>
+        <p:nvSpPr>
+          <p:cNvPr id="9" name="正方形/長方形 8"/>
+          <p:cNvSpPr/>
+          <p:nvPr/>
+        </p:nvSpPr>
+        <p:spPr>
+          <a:xfrm>
+            <a:off x="4067944" y="5229200"/>
+            <a:ext cx="2520280" cy="432048"/>
+          </a:xfrm>
+          <a:prstGeom prst="rect">
+            <a:avLst/>
+          </a:prstGeom>
+          <a:ln/>
+        </p:spPr>
+        <p:style>
+          <a:lnRef idx="1">
+            <a:schemeClr val="accent6"/>
+          </a:lnRef>
+          <a:fillRef idx="2">
+            <a:schemeClr val="accent6"/>
+          </a:fillRef>
+          <a:effectRef idx="1">
+            <a:schemeClr val="accent6"/>
+          </a:effectRef>
+          <a:fontRef idx="minor">
+            <a:schemeClr val="dk1"/>
+          </a:fontRef>
+        </p:style>
+        <p:txBody>
+          <a:bodyPr rtlCol="0" anchor="ctr"/>
+          <a:lstStyle/>
+          <a:p>
+            <a:pPr algn="ctr"/>
+            <a:endParaRPr kumimoji="1" lang="ja-JP" altLang="en-US"/>
+          </a:p>
+        </p:txBody>
+      </p:sp>
+      <p:sp>
+        <p:nvSpPr>
+          <p:cNvPr id="13" name="円弧 12"/>
+          <p:cNvSpPr/>
+          <p:nvPr/>
+        </p:nvSpPr>
+        <p:spPr>
+          <a:xfrm rot="5400000">
+            <a:off x="4960204" y="4425133"/>
+            <a:ext cx="696008" cy="2440298"/>
+          </a:xfrm>
+          <a:prstGeom prst="arc">
+            <a:avLst>
+              <a:gd name="adj1" fmla="val 16428655"/>
+              <a:gd name="adj2" fmla="val 5079094"/>
+            </a:avLst>
+          </a:prstGeom>
+          <a:ln>
+            <a:headEnd type="triangle"/>
+            <a:tailEnd type="none"/>
+          </a:ln>
+        </p:spPr>
+        <p:style>
+          <a:lnRef idx="2">
+            <a:schemeClr val="accent2"/>
+          </a:lnRef>
+          <a:fillRef idx="0">
+            <a:schemeClr val="accent2"/>
+          </a:fillRef>
+          <a:effectRef idx="1">
+            <a:schemeClr val="accent2"/>
+          </a:effectRef>
+          <a:fontRef idx="minor">
+            <a:schemeClr val="tx1"/>
+          </a:fontRef>
+        </p:style>
+        <p:txBody>
+          <a:bodyPr rtlCol="0" anchor="ctr"/>
+          <a:lstStyle/>
+          <a:p>
+            <a:pPr algn="ctr"/>
+            <a:endParaRPr kumimoji="1" lang="ja-JP" altLang="en-US"/>
+          </a:p>
+        </p:txBody>
+      </p:sp>
+      <mc:AlternateContent xmlns:mc="http://schemas.openxmlformats.org/markup-compatibility/2006">
+        <mc:Choice xmlns:a14="http://schemas.microsoft.com/office/drawing/2010/main" Requires="a14">
+          <p:sp>
+            <p:nvSpPr>
+              <p:cNvPr id="14" name="正方形/長方形 13"/>
+              <p:cNvSpPr/>
+              <p:nvPr/>
+            </p:nvSpPr>
+            <p:spPr>
+              <a:xfrm>
+                <a:off x="5057274" y="4409921"/>
+                <a:ext cx="501868" cy="495649"/>
+              </a:xfrm>
+              <a:prstGeom prst="rect">
+                <a:avLst/>
+              </a:prstGeom>
+            </p:spPr>
+            <p:txBody>
+              <a:bodyPr wrap="none">
+                <a:spAutoFit/>
+              </a:bodyPr>
+              <a:lstStyle/>
+              <a:p>
+                <a14:m>
+                  <m:oMathPara xmlns:m="http://schemas.openxmlformats.org/officeDocument/2006/math">
+                    <m:oMathParaPr>
+                      <m:jc m:val="centerGroup"/>
+                    </m:oMathParaPr>
+                    <m:oMath xmlns:m="http://schemas.openxmlformats.org/officeDocument/2006/math">
+                      <m:r>
+                        <a:rPr lang="en-US" altLang="ja-JP" sz="1400" i="1" smtClean="0">
+                          <a:latin typeface="Cambria Math" panose="02040503050406030204" pitchFamily="18" charset="0"/>
+                          <a:ea typeface="Cambria Math" panose="02040503050406030204" pitchFamily="18" charset="0"/>
+                        </a:rPr>
+                        <m:t>×</m:t>
+                      </m:r>
+                      <m:f>
+                        <m:fPr>
+                          <m:ctrlPr>
+                            <a:rPr lang="en-US" altLang="ja-JP" sz="1400" i="1">
+                              <a:latin typeface="Cambria Math" panose="02040503050406030204" pitchFamily="18" charset="0"/>
+                            </a:rPr>
+                          </m:ctrlPr>
+                        </m:fPr>
+                        <m:num>
+                          <m:r>
+                            <a:rPr lang="en-US" altLang="ja-JP" sz="1400" i="1">
+                              <a:latin typeface="Cambria Math" panose="02040503050406030204" pitchFamily="18" charset="0"/>
+                            </a:rPr>
+                            <m:t>1</m:t>
+                          </m:r>
+                        </m:num>
+                        <m:den>
+                          <m:r>
+                            <a:rPr lang="en-US" altLang="ja-JP" sz="1400" i="1">
+                              <a:latin typeface="Cambria Math" panose="02040503050406030204" pitchFamily="18" charset="0"/>
+                            </a:rPr>
+                            <m:t>2</m:t>
+                          </m:r>
+                        </m:den>
+                      </m:f>
+                    </m:oMath>
+                  </m:oMathPara>
+                </a14:m>
+                <a:endParaRPr lang="ja-JP" altLang="en-US" sz="1400" dirty="0"/>
+              </a:p>
+            </p:txBody>
+          </p:sp>
+        </mc:Choice>
+        <mc:Fallback>
+          <p:sp>
+            <p:nvSpPr>
+              <p:cNvPr id="14" name="正方形/長方形 13"/>
+              <p:cNvSpPr>
+                <a:spLocks noRot="1" noChangeAspect="1" noMove="1" noResize="1" noEditPoints="1" noAdjustHandles="1" noChangeArrowheads="1" noChangeShapeType="1" noTextEdit="1"/>
+              </p:cNvSpPr>
+              <p:nvPr/>
+            </p:nvSpPr>
+            <p:spPr>
+              <a:xfrm>
+                <a:off x="5057274" y="4409921"/>
+                <a:ext cx="501868" cy="495649"/>
+              </a:xfrm>
+              <a:prstGeom prst="rect">
+                <a:avLst/>
+              </a:prstGeom>
+              <a:blipFill rotWithShape="0">
+                <a:blip r:embed="rId3"/>
+                <a:stretch>
+                  <a:fillRect b="-1220"/>
+                </a:stretch>
+              </a:blipFill>
+            </p:spPr>
+            <p:txBody>
+              <a:bodyPr/>
+              <a:lstStyle/>
+              <a:p>
+                <a:r>
+                  <a:rPr lang="ja-JP" altLang="en-US">
+                    <a:noFill/>
+                  </a:rPr>
+                  <a:t> </a:t>
+                </a:r>
+              </a:p>
+            </p:txBody>
+          </p:sp>
+        </mc:Fallback>
+      </mc:AlternateContent>
+      <p:sp>
+        <p:nvSpPr>
+          <p:cNvPr id="15" name="円弧 14"/>
+          <p:cNvSpPr/>
+          <p:nvPr/>
+        </p:nvSpPr>
+        <p:spPr>
+          <a:xfrm rot="16200000">
+            <a:off x="4980080" y="4051073"/>
+            <a:ext cx="696008" cy="2440298"/>
+          </a:xfrm>
+          <a:prstGeom prst="arc">
+            <a:avLst>
+              <a:gd name="adj1" fmla="val 16428655"/>
+              <a:gd name="adj2" fmla="val 5079094"/>
+            </a:avLst>
+          </a:prstGeom>
+          <a:ln>
+            <a:headEnd type="triangle"/>
+            <a:tailEnd type="none"/>
+          </a:ln>
+        </p:spPr>
+        <p:style>
+          <a:lnRef idx="2">
+            <a:schemeClr val="accent2"/>
+          </a:lnRef>
+          <a:fillRef idx="0">
+            <a:schemeClr val="accent2"/>
+          </a:fillRef>
+          <a:effectRef idx="1">
+            <a:schemeClr val="accent2"/>
+          </a:effectRef>
+          <a:fontRef idx="minor">
+            <a:schemeClr val="tx1"/>
+          </a:fontRef>
+        </p:style>
+        <p:txBody>
+          <a:bodyPr rtlCol="0" anchor="ctr"/>
+          <a:lstStyle/>
+          <a:p>
+            <a:pPr algn="ctr"/>
+            <a:endParaRPr kumimoji="1" lang="ja-JP" altLang="en-US"/>
+          </a:p>
+        </p:txBody>
+      </p:sp>
+      <mc:AlternateContent xmlns:mc="http://schemas.openxmlformats.org/markup-compatibility/2006">
+        <mc:Choice xmlns:a14="http://schemas.microsoft.com/office/drawing/2010/main" Requires="a14">
+          <p:sp>
+            <p:nvSpPr>
+              <p:cNvPr id="16" name="正方形/長方形 15"/>
+              <p:cNvSpPr/>
+              <p:nvPr/>
+            </p:nvSpPr>
+            <p:spPr>
+              <a:xfrm>
+                <a:off x="5077149" y="5993286"/>
+                <a:ext cx="501869" cy="307777"/>
+              </a:xfrm>
+              <a:prstGeom prst="rect">
+                <a:avLst/>
+              </a:prstGeom>
+            </p:spPr>
+            <p:txBody>
+              <a:bodyPr wrap="none">
+                <a:spAutoFit/>
+              </a:bodyPr>
+              <a:lstStyle/>
+              <a:p>
+                <a14:m>
+                  <m:oMathPara xmlns:m="http://schemas.openxmlformats.org/officeDocument/2006/math">
+                    <m:oMathParaPr>
+                      <m:jc m:val="centerGroup"/>
+                    </m:oMathParaPr>
+                    <m:oMath xmlns:m="http://schemas.openxmlformats.org/officeDocument/2006/math">
+                      <m:r>
+                        <a:rPr lang="en-US" altLang="ja-JP" sz="1400" i="1" smtClean="0">
+                          <a:latin typeface="Cambria Math" panose="02040503050406030204" pitchFamily="18" charset="0"/>
+                          <a:ea typeface="Cambria Math" panose="02040503050406030204" pitchFamily="18" charset="0"/>
+                        </a:rPr>
+                        <m:t>×</m:t>
+                      </m:r>
+                      <m:r>
+                        <a:rPr lang="en-US" altLang="ja-JP" sz="1400" b="0" i="1" smtClean="0">
+                          <a:latin typeface="Cambria Math" panose="02040503050406030204" pitchFamily="18" charset="0"/>
+                          <a:ea typeface="Cambria Math" panose="02040503050406030204" pitchFamily="18" charset="0"/>
+                        </a:rPr>
+                        <m:t>2</m:t>
+                      </m:r>
+                    </m:oMath>
+                  </m:oMathPara>
+                </a14:m>
+                <a:endParaRPr lang="ja-JP" altLang="en-US" sz="1400" dirty="0"/>
+              </a:p>
+            </p:txBody>
+          </p:sp>
+        </mc:Choice>
+        <mc:Fallback>
+          <p:sp>
+            <p:nvSpPr>
+              <p:cNvPr id="16" name="正方形/長方形 15"/>
+              <p:cNvSpPr>
+                <a:spLocks noRot="1" noChangeAspect="1" noMove="1" noResize="1" noEditPoints="1" noAdjustHandles="1" noChangeArrowheads="1" noChangeShapeType="1" noTextEdit="1"/>
+              </p:cNvSpPr>
+              <p:nvPr/>
+            </p:nvSpPr>
+            <p:spPr>
+              <a:xfrm>
+                <a:off x="5077149" y="5993286"/>
+                <a:ext cx="501869" cy="307777"/>
+              </a:xfrm>
+              <a:prstGeom prst="rect">
+                <a:avLst/>
+              </a:prstGeom>
+              <a:blipFill rotWithShape="0">
+                <a:blip r:embed="rId4"/>
+                <a:stretch>
+                  <a:fillRect/>
+                </a:stretch>
+              </a:blipFill>
+            </p:spPr>
+            <p:txBody>
+              <a:bodyPr/>
+              <a:lstStyle/>
+              <a:p>
+                <a:r>
+                  <a:rPr lang="ja-JP" altLang="en-US">
+                    <a:noFill/>
+                  </a:rPr>
+                  <a:t> </a:t>
+                </a:r>
+              </a:p>
+            </p:txBody>
+          </p:sp>
+        </mc:Fallback>
+      </mc:AlternateContent>
     </p:spTree>
     <p:extLst>
       <p:ext uri="{BB962C8B-B14F-4D97-AF65-F5344CB8AC3E}">
@@ -15642,12 +15959,12 @@
               <a:rPr lang="ja-JP" altLang="en-US" dirty="0" smtClean="0"/>
               <a:t>相関行列</a:t>
             </a:r>
-            <a:endParaRPr lang="en-US" altLang="ja-JP" smtClean="0"/>
+            <a:endParaRPr lang="en-US" altLang="ja-JP" dirty="0" smtClean="0"/>
           </a:p>
           <a:p>
             <a:pPr lvl="1"/>
             <a:r>
-              <a:rPr lang="ja-JP" altLang="en-US" smtClean="0"/>
+              <a:rPr lang="ja-JP" altLang="en-US" dirty="0" smtClean="0"/>
               <a:t>回帰</a:t>
             </a:r>
             <a:r>
@@ -15660,7 +15977,15 @@
             <a:pPr lvl="1"/>
             <a:r>
               <a:rPr kumimoji="1" lang="ja-JP" altLang="en-US" dirty="0" smtClean="0"/>
-              <a:t>マハラノビス距離による異常値の検出</a:t>
+              <a:t>マハラノビス距離</a:t>
+            </a:r>
+            <a:r>
+              <a:rPr kumimoji="1" lang="ja-JP" altLang="en-US" smtClean="0"/>
+              <a:t>による外れ値の</a:t>
+            </a:r>
+            <a:r>
+              <a:rPr kumimoji="1" lang="ja-JP" altLang="en-US" dirty="0" smtClean="0"/>
+              <a:t>検出</a:t>
             </a:r>
             <a:endParaRPr kumimoji="1" lang="ja-JP" altLang="en-US" dirty="0"/>
           </a:p>
@@ -15993,35 +16318,31 @@
             <a:pPr lvl="1"/>
             <a:r>
               <a:rPr kumimoji="1" lang="ja-JP" altLang="en-US" dirty="0" smtClean="0"/>
-              <a:t>欠損値</a:t>
-            </a:r>
-            <a:r>
-              <a:rPr kumimoji="1" lang="ja-JP" altLang="en-US" dirty="0" smtClean="0"/>
-              <a:t>の扱い</a:t>
+              <a:t>欠損値の</a:t>
+            </a:r>
+            <a:r>
+              <a:rPr lang="ja-JP" altLang="en-US" dirty="0" smtClean="0"/>
+              <a:t>チェック</a:t>
+            </a:r>
+            <a:r>
+              <a:rPr lang="ja-JP" altLang="en-US" dirty="0"/>
+              <a:t>・</a:t>
+            </a:r>
+            <a:r>
+              <a:rPr lang="ja-JP" altLang="en-US" dirty="0" smtClean="0"/>
+              <a:t>穴埋め</a:t>
             </a:r>
             <a:endParaRPr kumimoji="1" lang="en-US" altLang="ja-JP" dirty="0" smtClean="0"/>
           </a:p>
           <a:p>
-            <a:pPr lvl="2"/>
+            <a:pPr lvl="1"/>
             <a:r>
               <a:rPr lang="ja-JP" altLang="en-US" dirty="0" smtClean="0"/>
-              <a:t>チェックや穴埋め</a:t>
-            </a:r>
-            <a:endParaRPr kumimoji="1" lang="en-US" altLang="ja-JP" dirty="0" smtClean="0"/>
-          </a:p>
-          <a:p>
-            <a:pPr lvl="1"/>
+              <a:t>時系列データ</a:t>
+            </a:r>
             <a:r>
               <a:rPr lang="ja-JP" altLang="en-US" dirty="0" smtClean="0"/>
-              <a:t>時系列データの扱い</a:t>
-            </a:r>
-            <a:endParaRPr lang="en-US" altLang="ja-JP" dirty="0" smtClean="0"/>
-          </a:p>
-          <a:p>
-            <a:pPr lvl="2"/>
-            <a:r>
-              <a:rPr lang="ja-JP" altLang="en-US" dirty="0" smtClean="0"/>
-              <a:t>再サンプリング</a:t>
+              <a:t>の再サンプリング</a:t>
             </a:r>
             <a:endParaRPr lang="en-US" altLang="ja-JP" dirty="0" smtClean="0"/>
           </a:p>
@@ -16062,6 +16383,18 @@
             <a:r>
               <a:rPr kumimoji="1" lang="ja-JP" altLang="en-US" dirty="0" smtClean="0"/>
               <a:t>プロット</a:t>
+            </a:r>
+            <a:endParaRPr kumimoji="1" lang="en-US" altLang="ja-JP" dirty="0" smtClean="0"/>
+          </a:p>
+          <a:p>
+            <a:pPr lvl="1"/>
+            <a:r>
+              <a:rPr lang="ja-JP" altLang="en-US" dirty="0" smtClean="0"/>
+              <a:t>マハラノビス</a:t>
+            </a:r>
+            <a:r>
+              <a:rPr lang="ja-JP" altLang="en-US" dirty="0"/>
+              <a:t>距離</a:t>
             </a:r>
             <a:endParaRPr kumimoji="1" lang="en-US" altLang="ja-JP" dirty="0" smtClean="0"/>
           </a:p>
@@ -16618,6 +16951,69 @@
           </a:prstGeom>
         </p:spPr>
       </p:pic>
+      <p:cxnSp>
+        <p:nvCxnSpPr>
+          <p:cNvPr id="6" name="直線矢印コネクタ 5"/>
+          <p:cNvCxnSpPr/>
+          <p:nvPr/>
+        </p:nvCxnSpPr>
+        <p:spPr>
+          <a:xfrm flipV="1">
+            <a:off x="4860032" y="2492896"/>
+            <a:ext cx="0" cy="3024336"/>
+          </a:xfrm>
+          <a:prstGeom prst="straightConnector1">
+            <a:avLst/>
+          </a:prstGeom>
+          <a:ln>
+            <a:tailEnd type="triangle"/>
+          </a:ln>
+        </p:spPr>
+        <p:style>
+          <a:lnRef idx="3">
+            <a:schemeClr val="accent3"/>
+          </a:lnRef>
+          <a:fillRef idx="0">
+            <a:schemeClr val="accent3"/>
+          </a:fillRef>
+          <a:effectRef idx="2">
+            <a:schemeClr val="accent3"/>
+          </a:effectRef>
+          <a:fontRef idx="minor">
+            <a:schemeClr val="tx1"/>
+          </a:fontRef>
+        </p:style>
+      </p:cxnSp>
+      <p:sp>
+        <p:nvSpPr>
+          <p:cNvPr id="9" name="テキスト ボックス 8"/>
+          <p:cNvSpPr txBox="1"/>
+          <p:nvPr/>
+        </p:nvSpPr>
+        <p:spPr>
+          <a:xfrm>
+            <a:off x="4932040" y="3212976"/>
+            <a:ext cx="2284040" cy="584775"/>
+          </a:xfrm>
+          <a:prstGeom prst="rect">
+            <a:avLst/>
+          </a:prstGeom>
+          <a:noFill/>
+        </p:spPr>
+        <p:txBody>
+          <a:bodyPr wrap="square" rtlCol="0">
+            <a:spAutoFit/>
+          </a:bodyPr>
+          <a:lstStyle/>
+          <a:p>
+            <a:r>
+              <a:rPr lang="en-US" altLang="ja-JP" sz="3200" dirty="0" smtClean="0"/>
+              <a:t>x80 slower</a:t>
+            </a:r>
+            <a:endParaRPr kumimoji="1" lang="ja-JP" altLang="en-US" sz="3200" dirty="0"/>
+          </a:p>
+        </p:txBody>
+      </p:sp>
     </p:spTree>
     <p:extLst>
       <p:ext uri="{BB962C8B-B14F-4D97-AF65-F5344CB8AC3E}">
@@ -16781,6 +17177,10 @@
           <a:lstStyle/>
           <a:p>
             <a:r>
+              <a:rPr lang="ja-JP" altLang="en-US" dirty="0"/>
+              <a:t>内部</a:t>
+            </a:r>
+            <a:r>
               <a:rPr kumimoji="1" lang="en-US" altLang="ja-JP" dirty="0" smtClean="0"/>
               <a:t>DSL</a:t>
             </a:r>
@@ -16895,6 +17295,10 @@
           <a:lstStyle/>
           <a:p>
             <a:r>
+              <a:rPr kumimoji="1" lang="ja-JP" altLang="en-US" dirty="0" smtClean="0"/>
+              <a:t>内部</a:t>
+            </a:r>
+            <a:r>
               <a:rPr kumimoji="1" lang="en-US" altLang="ja-JP" dirty="0" smtClean="0"/>
               <a:t>DSL</a:t>
             </a:r>
@@ -17696,60 +18100,10 @@
           <a:lstStyle/>
           <a:p>
             <a:r>
-              <a:rPr lang="ja-JP" altLang="en-US" dirty="0" smtClean="0"/>
-              <a:t>デモ</a:t>
-            </a:r>
-            <a:r>
-              <a:rPr lang="en-US" altLang="ja-JP" dirty="0" smtClean="0"/>
-              <a:t>2</a:t>
+              <a:rPr kumimoji="1" lang="ja-JP" altLang="en-US" dirty="0" smtClean="0"/>
+              <a:t>拡張の仕組み</a:t>
             </a:r>
             <a:endParaRPr kumimoji="1" lang="ja-JP" altLang="en-US" dirty="0"/>
-          </a:p>
-        </p:txBody>
-      </p:sp>
-      <p:sp>
-        <p:nvSpPr>
-          <p:cNvPr id="3" name="コンテンツ プレースホルダー 2"/>
-          <p:cNvSpPr>
-            <a:spLocks noGrp="1"/>
-          </p:cNvSpPr>
-          <p:nvPr>
-            <p:ph idx="1"/>
-          </p:nvPr>
-        </p:nvSpPr>
-        <p:spPr/>
-        <p:txBody>
-          <a:bodyPr/>
-          <a:lstStyle/>
-          <a:p>
-            <a:r>
-              <a:rPr lang="en-US" altLang="ja-JP" dirty="0" smtClean="0"/>
-              <a:t>Daru::</a:t>
-            </a:r>
-            <a:r>
-              <a:rPr lang="en-US" altLang="ja-JP" dirty="0" err="1" smtClean="0"/>
-              <a:t>DataFrame#where</a:t>
-            </a:r>
-            <a:r>
-              <a:rPr lang="ja-JP" altLang="en-US" dirty="0" smtClean="0"/>
-              <a:t>の拡張</a:t>
-            </a:r>
-            <a:endParaRPr lang="en-US" altLang="ja-JP" dirty="0" smtClean="0"/>
-          </a:p>
-          <a:p>
-            <a:pPr lvl="1"/>
-            <a:r>
-              <a:rPr lang="en-US" altLang="ja-JP" sz="1600" dirty="0" smtClean="0"/>
-              <a:t>https</a:t>
-            </a:r>
-            <a:r>
-              <a:rPr lang="en-US" altLang="ja-JP" sz="1600" dirty="0"/>
-              <a:t>://</a:t>
-            </a:r>
-            <a:r>
-              <a:rPr lang="en-US" altLang="ja-JP" sz="1600" dirty="0" smtClean="0"/>
-              <a:t>github.com/shugo/DCW2016/blob/master/DaruRefinements.ipynb</a:t>
-            </a:r>
           </a:p>
         </p:txBody>
       </p:sp>
@@ -17776,10 +18130,482 @@
           </a:p>
         </p:txBody>
       </p:sp>
+      <p:sp>
+        <p:nvSpPr>
+          <p:cNvPr id="6" name="正方形/長方形 5"/>
+          <p:cNvSpPr/>
+          <p:nvPr/>
+        </p:nvSpPr>
+        <p:spPr>
+          <a:xfrm>
+            <a:off x="1420768" y="2009784"/>
+            <a:ext cx="4879424" cy="360040"/>
+          </a:xfrm>
+          <a:prstGeom prst="rect">
+            <a:avLst/>
+          </a:prstGeom>
+          <a:solidFill>
+            <a:schemeClr val="tx2">
+              <a:lumMod val="20000"/>
+              <a:lumOff val="80000"/>
+            </a:schemeClr>
+          </a:solidFill>
+          <a:ln>
+            <a:solidFill>
+              <a:schemeClr val="tx2">
+                <a:lumMod val="40000"/>
+                <a:lumOff val="60000"/>
+              </a:schemeClr>
+            </a:solidFill>
+          </a:ln>
+        </p:spPr>
+        <p:style>
+          <a:lnRef idx="1">
+            <a:schemeClr val="dk1"/>
+          </a:lnRef>
+          <a:fillRef idx="2">
+            <a:schemeClr val="dk1"/>
+          </a:fillRef>
+          <a:effectRef idx="1">
+            <a:schemeClr val="dk1"/>
+          </a:effectRef>
+          <a:fontRef idx="minor">
+            <a:schemeClr val="dk1"/>
+          </a:fontRef>
+        </p:style>
+        <p:txBody>
+          <a:bodyPr rtlCol="0" anchor="t"/>
+          <a:lstStyle/>
+          <a:p>
+            <a:r>
+              <a:rPr lang="en-US" altLang="ja-JP" dirty="0" err="1" smtClean="0">
+                <a:latin typeface="Courier New" panose="02070309020205020404" pitchFamily="49" charset="0"/>
+                <a:cs typeface="Courier New" panose="02070309020205020404" pitchFamily="49" charset="0"/>
+              </a:rPr>
+              <a:t>df.where</a:t>
+            </a:r>
+            <a:r>
+              <a:rPr lang="en-US" altLang="ja-JP" dirty="0" smtClean="0">
+                <a:latin typeface="Courier New" panose="02070309020205020404" pitchFamily="49" charset="0"/>
+                <a:cs typeface="Courier New" panose="02070309020205020404" pitchFamily="49" charset="0"/>
+              </a:rPr>
+              <a:t> </a:t>
+            </a:r>
+            <a:r>
+              <a:rPr lang="en-US" altLang="ja-JP" dirty="0">
+                <a:latin typeface="Courier New" panose="02070309020205020404" pitchFamily="49" charset="0"/>
+                <a:cs typeface="Courier New" panose="02070309020205020404" pitchFamily="49" charset="0"/>
+              </a:rPr>
+              <a:t>{ (:x </a:t>
+            </a:r>
+            <a:r>
+              <a:rPr lang="en-US" altLang="ja-JP" dirty="0" smtClean="0">
+                <a:latin typeface="Courier New" panose="02070309020205020404" pitchFamily="49" charset="0"/>
+                <a:cs typeface="Courier New" panose="02070309020205020404" pitchFamily="49" charset="0"/>
+              </a:rPr>
+              <a:t>&gt; 1) </a:t>
+            </a:r>
+            <a:r>
+              <a:rPr lang="en-US" altLang="ja-JP" dirty="0">
+                <a:latin typeface="Courier New" panose="02070309020205020404" pitchFamily="49" charset="0"/>
+                <a:cs typeface="Courier New" panose="02070309020205020404" pitchFamily="49" charset="0"/>
+              </a:rPr>
+              <a:t>&amp; (:y &lt;= </a:t>
+            </a:r>
+            <a:r>
+              <a:rPr lang="en-US" altLang="ja-JP" dirty="0" smtClean="0">
+                <a:latin typeface="Courier New" panose="02070309020205020404" pitchFamily="49" charset="0"/>
+                <a:cs typeface="Courier New" panose="02070309020205020404" pitchFamily="49" charset="0"/>
+              </a:rPr>
+              <a:t>10) </a:t>
+            </a:r>
+            <a:r>
+              <a:rPr lang="en-US" altLang="ja-JP" dirty="0">
+                <a:latin typeface="Courier New" panose="02070309020205020404" pitchFamily="49" charset="0"/>
+                <a:cs typeface="Courier New" panose="02070309020205020404" pitchFamily="49" charset="0"/>
+              </a:rPr>
+              <a:t>}</a:t>
+            </a:r>
+          </a:p>
+          <a:p>
+            <a:endParaRPr kumimoji="1" lang="en-US" altLang="ja-JP" dirty="0" smtClean="0">
+              <a:latin typeface="Courier New" panose="02070309020205020404" pitchFamily="49" charset="0"/>
+              <a:cs typeface="Courier New" panose="02070309020205020404" pitchFamily="49" charset="0"/>
+            </a:endParaRPr>
+          </a:p>
+        </p:txBody>
+      </p:sp>
+      <p:cxnSp>
+        <p:nvCxnSpPr>
+          <p:cNvPr id="8" name="直線矢印コネクタ 7"/>
+          <p:cNvCxnSpPr>
+            <a:stCxn id="9" idx="2"/>
+            <a:endCxn id="12" idx="0"/>
+          </p:cNvCxnSpPr>
+          <p:nvPr/>
+        </p:nvCxnSpPr>
+        <p:spPr>
+          <a:xfrm>
+            <a:off x="4463988" y="2513840"/>
+            <a:ext cx="0" cy="848667"/>
+          </a:xfrm>
+          <a:prstGeom prst="straightConnector1">
+            <a:avLst/>
+          </a:prstGeom>
+          <a:ln w="38100">
+            <a:solidFill>
+              <a:schemeClr val="accent6">
+                <a:lumMod val="75000"/>
+              </a:schemeClr>
+            </a:solidFill>
+            <a:tailEnd type="triangle" w="lg" len="lg"/>
+          </a:ln>
+        </p:spPr>
+        <p:style>
+          <a:lnRef idx="1">
+            <a:schemeClr val="accent1"/>
+          </a:lnRef>
+          <a:fillRef idx="0">
+            <a:schemeClr val="accent1"/>
+          </a:fillRef>
+          <a:effectRef idx="0">
+            <a:schemeClr val="accent1"/>
+          </a:effectRef>
+          <a:fontRef idx="minor">
+            <a:schemeClr val="tx1"/>
+          </a:fontRef>
+        </p:style>
+      </p:cxnSp>
+      <p:sp>
+        <p:nvSpPr>
+          <p:cNvPr id="9" name="正方形/長方形 8"/>
+          <p:cNvSpPr/>
+          <p:nvPr/>
+        </p:nvSpPr>
+        <p:spPr>
+          <a:xfrm>
+            <a:off x="2987824" y="1844824"/>
+            <a:ext cx="2952328" cy="669016"/>
+          </a:xfrm>
+          <a:prstGeom prst="rect">
+            <a:avLst/>
+          </a:prstGeom>
+          <a:noFill/>
+          <a:ln w="38100">
+            <a:solidFill>
+              <a:schemeClr val="accent3"/>
+            </a:solidFill>
+          </a:ln>
+        </p:spPr>
+        <p:style>
+          <a:lnRef idx="2">
+            <a:schemeClr val="accent1">
+              <a:shade val="50000"/>
+            </a:schemeClr>
+          </a:lnRef>
+          <a:fillRef idx="1">
+            <a:schemeClr val="accent1"/>
+          </a:fillRef>
+          <a:effectRef idx="0">
+            <a:schemeClr val="accent1"/>
+          </a:effectRef>
+          <a:fontRef idx="minor">
+            <a:schemeClr val="lt1"/>
+          </a:fontRef>
+        </p:style>
+        <p:txBody>
+          <a:bodyPr rtlCol="0" anchor="ctr"/>
+          <a:lstStyle/>
+          <a:p>
+            <a:pPr algn="ctr"/>
+            <a:endParaRPr kumimoji="1" lang="ja-JP" altLang="en-US"/>
+          </a:p>
+        </p:txBody>
+      </p:sp>
+      <p:sp>
+        <p:nvSpPr>
+          <p:cNvPr id="12" name="正方形/長方形 11"/>
+          <p:cNvSpPr/>
+          <p:nvPr/>
+        </p:nvSpPr>
+        <p:spPr>
+          <a:xfrm>
+            <a:off x="3772756" y="3362507"/>
+            <a:ext cx="1382464" cy="504056"/>
+          </a:xfrm>
+          <a:prstGeom prst="rect">
+            <a:avLst/>
+          </a:prstGeom>
+        </p:spPr>
+        <p:style>
+          <a:lnRef idx="1">
+            <a:schemeClr val="accent3"/>
+          </a:lnRef>
+          <a:fillRef idx="2">
+            <a:schemeClr val="accent3"/>
+          </a:fillRef>
+          <a:effectRef idx="1">
+            <a:schemeClr val="accent3"/>
+          </a:effectRef>
+          <a:fontRef idx="minor">
+            <a:schemeClr val="dk1"/>
+          </a:fontRef>
+        </p:style>
+        <p:txBody>
+          <a:bodyPr rtlCol="0" anchor="ctr"/>
+          <a:lstStyle/>
+          <a:p>
+            <a:pPr algn="ctr"/>
+            <a:r>
+              <a:rPr lang="ja-JP" altLang="en-US" sz="1600" dirty="0" smtClean="0"/>
+              <a:t>抽象構文木</a:t>
+            </a:r>
+            <a:endParaRPr kumimoji="1" lang="ja-JP" altLang="en-US" sz="1600" dirty="0"/>
+          </a:p>
+        </p:txBody>
+      </p:sp>
+      <p:sp>
+        <p:nvSpPr>
+          <p:cNvPr id="14" name="正方形/長方形 13"/>
+          <p:cNvSpPr/>
+          <p:nvPr/>
+        </p:nvSpPr>
+        <p:spPr>
+          <a:xfrm>
+            <a:off x="1420768" y="4746088"/>
+            <a:ext cx="5671512" cy="360040"/>
+          </a:xfrm>
+          <a:prstGeom prst="rect">
+            <a:avLst/>
+          </a:prstGeom>
+          <a:solidFill>
+            <a:schemeClr val="tx2">
+              <a:lumMod val="20000"/>
+              <a:lumOff val="80000"/>
+            </a:schemeClr>
+          </a:solidFill>
+          <a:ln>
+            <a:solidFill>
+              <a:schemeClr val="tx2">
+                <a:lumMod val="40000"/>
+                <a:lumOff val="60000"/>
+              </a:schemeClr>
+            </a:solidFill>
+          </a:ln>
+        </p:spPr>
+        <p:style>
+          <a:lnRef idx="1">
+            <a:schemeClr val="dk1"/>
+          </a:lnRef>
+          <a:fillRef idx="2">
+            <a:schemeClr val="dk1"/>
+          </a:fillRef>
+          <a:effectRef idx="1">
+            <a:schemeClr val="dk1"/>
+          </a:effectRef>
+          <a:fontRef idx="minor">
+            <a:schemeClr val="dk1"/>
+          </a:fontRef>
+        </p:style>
+        <p:txBody>
+          <a:bodyPr rtlCol="0" anchor="t"/>
+          <a:lstStyle/>
+          <a:p>
+            <a:r>
+              <a:rPr lang="en-US" altLang="ja-JP" dirty="0" err="1" smtClean="0">
+                <a:latin typeface="Courier New" panose="02070309020205020404" pitchFamily="49" charset="0"/>
+                <a:cs typeface="Courier New" panose="02070309020205020404" pitchFamily="49" charset="0"/>
+              </a:rPr>
+              <a:t>df.where</a:t>
+            </a:r>
+            <a:r>
+              <a:rPr lang="en-US" altLang="ja-JP" dirty="0" smtClean="0">
+                <a:latin typeface="Courier New" panose="02070309020205020404" pitchFamily="49" charset="0"/>
+                <a:cs typeface="Courier New" panose="02070309020205020404" pitchFamily="49" charset="0"/>
+              </a:rPr>
+              <a:t>(</a:t>
+            </a:r>
+            <a:r>
+              <a:rPr lang="en-US" altLang="ja-JP" dirty="0" err="1" smtClean="0">
+                <a:latin typeface="Courier New" panose="02070309020205020404" pitchFamily="49" charset="0"/>
+                <a:cs typeface="Courier New" panose="02070309020205020404" pitchFamily="49" charset="0"/>
+              </a:rPr>
+              <a:t>df</a:t>
+            </a:r>
+            <a:r>
+              <a:rPr lang="en-US" altLang="ja-JP" dirty="0" smtClean="0">
+                <a:latin typeface="Courier New" panose="02070309020205020404" pitchFamily="49" charset="0"/>
+                <a:cs typeface="Courier New" panose="02070309020205020404" pitchFamily="49" charset="0"/>
+              </a:rPr>
+              <a:t>[:x].</a:t>
+            </a:r>
+            <a:r>
+              <a:rPr lang="en-US" altLang="ja-JP" dirty="0" err="1" smtClean="0">
+                <a:latin typeface="Courier New" panose="02070309020205020404" pitchFamily="49" charset="0"/>
+                <a:cs typeface="Courier New" panose="02070309020205020404" pitchFamily="49" charset="0"/>
+              </a:rPr>
+              <a:t>gt</a:t>
+            </a:r>
+            <a:r>
+              <a:rPr lang="en-US" altLang="ja-JP" dirty="0" smtClean="0">
+                <a:latin typeface="Courier New" panose="02070309020205020404" pitchFamily="49" charset="0"/>
+                <a:cs typeface="Courier New" panose="02070309020205020404" pitchFamily="49" charset="0"/>
+              </a:rPr>
+              <a:t>(1) &amp; </a:t>
+            </a:r>
+            <a:r>
+              <a:rPr lang="en-US" altLang="ja-JP" dirty="0" err="1" smtClean="0">
+                <a:latin typeface="Courier New" panose="02070309020205020404" pitchFamily="49" charset="0"/>
+                <a:cs typeface="Courier New" panose="02070309020205020404" pitchFamily="49" charset="0"/>
+              </a:rPr>
+              <a:t>df</a:t>
+            </a:r>
+            <a:r>
+              <a:rPr lang="en-US" altLang="ja-JP" dirty="0" smtClean="0">
+                <a:latin typeface="Courier New" panose="02070309020205020404" pitchFamily="49" charset="0"/>
+                <a:cs typeface="Courier New" panose="02070309020205020404" pitchFamily="49" charset="0"/>
+              </a:rPr>
+              <a:t>[:y].</a:t>
+            </a:r>
+            <a:r>
+              <a:rPr lang="en-US" altLang="ja-JP" dirty="0" err="1" smtClean="0">
+                <a:latin typeface="Courier New" panose="02070309020205020404" pitchFamily="49" charset="0"/>
+                <a:cs typeface="Courier New" panose="02070309020205020404" pitchFamily="49" charset="0"/>
+              </a:rPr>
+              <a:t>lteq</a:t>
+            </a:r>
+            <a:r>
+              <a:rPr lang="en-US" altLang="ja-JP" dirty="0" smtClean="0">
+                <a:latin typeface="Courier New" panose="02070309020205020404" pitchFamily="49" charset="0"/>
+                <a:cs typeface="Courier New" panose="02070309020205020404" pitchFamily="49" charset="0"/>
+              </a:rPr>
+              <a:t>(10))</a:t>
+            </a:r>
+            <a:endParaRPr lang="en-US" altLang="ja-JP" dirty="0">
+              <a:latin typeface="Courier New" panose="02070309020205020404" pitchFamily="49" charset="0"/>
+              <a:cs typeface="Courier New" panose="02070309020205020404" pitchFamily="49" charset="0"/>
+            </a:endParaRPr>
+          </a:p>
+          <a:p>
+            <a:endParaRPr kumimoji="1" lang="en-US" altLang="ja-JP" dirty="0" smtClean="0">
+              <a:latin typeface="Courier New" panose="02070309020205020404" pitchFamily="49" charset="0"/>
+              <a:cs typeface="Courier New" panose="02070309020205020404" pitchFamily="49" charset="0"/>
+            </a:endParaRPr>
+          </a:p>
+        </p:txBody>
+      </p:sp>
+      <p:sp>
+        <p:nvSpPr>
+          <p:cNvPr id="15" name="テキスト ボックス 14"/>
+          <p:cNvSpPr txBox="1"/>
+          <p:nvPr/>
+        </p:nvSpPr>
+        <p:spPr>
+          <a:xfrm>
+            <a:off x="4648982" y="2665069"/>
+            <a:ext cx="2443298" cy="338554"/>
+          </a:xfrm>
+          <a:prstGeom prst="rect">
+            <a:avLst/>
+          </a:prstGeom>
+          <a:noFill/>
+        </p:spPr>
+        <p:txBody>
+          <a:bodyPr wrap="none" rtlCol="0">
+            <a:spAutoFit/>
+          </a:bodyPr>
+          <a:lstStyle/>
+          <a:p>
+            <a:r>
+              <a:rPr kumimoji="1" lang="en-US" altLang="ja-JP" sz="1600" dirty="0" smtClean="0"/>
+              <a:t>Symbol#&gt;</a:t>
+            </a:r>
+            <a:r>
+              <a:rPr kumimoji="1" lang="ja-JP" altLang="en-US" sz="1600" dirty="0" smtClean="0"/>
+              <a:t>などの置き換え</a:t>
+            </a:r>
+            <a:endParaRPr kumimoji="1" lang="ja-JP" altLang="en-US" sz="1600" dirty="0"/>
+          </a:p>
+        </p:txBody>
+      </p:sp>
+      <p:cxnSp>
+        <p:nvCxnSpPr>
+          <p:cNvPr id="16" name="直線矢印コネクタ 15"/>
+          <p:cNvCxnSpPr>
+            <a:stCxn id="12" idx="2"/>
+          </p:cNvCxnSpPr>
+          <p:nvPr/>
+        </p:nvCxnSpPr>
+        <p:spPr>
+          <a:xfrm>
+            <a:off x="4463988" y="3866563"/>
+            <a:ext cx="0" cy="848667"/>
+          </a:xfrm>
+          <a:prstGeom prst="straightConnector1">
+            <a:avLst/>
+          </a:prstGeom>
+          <a:ln w="38100">
+            <a:solidFill>
+              <a:schemeClr val="accent6">
+                <a:lumMod val="75000"/>
+              </a:schemeClr>
+            </a:solidFill>
+            <a:tailEnd type="triangle" w="lg" len="lg"/>
+          </a:ln>
+        </p:spPr>
+        <p:style>
+          <a:lnRef idx="1">
+            <a:schemeClr val="accent1"/>
+          </a:lnRef>
+          <a:fillRef idx="0">
+            <a:schemeClr val="accent1"/>
+          </a:fillRef>
+          <a:effectRef idx="0">
+            <a:schemeClr val="accent1"/>
+          </a:effectRef>
+          <a:fontRef idx="minor">
+            <a:schemeClr val="tx1"/>
+          </a:fontRef>
+        </p:style>
+      </p:cxnSp>
+      <p:sp>
+        <p:nvSpPr>
+          <p:cNvPr id="24" name="テキスト ボックス 23"/>
+          <p:cNvSpPr txBox="1"/>
+          <p:nvPr/>
+        </p:nvSpPr>
+        <p:spPr>
+          <a:xfrm>
+            <a:off x="4648982" y="4065542"/>
+            <a:ext cx="1404552" cy="338554"/>
+          </a:xfrm>
+          <a:prstGeom prst="rect">
+            <a:avLst/>
+          </a:prstGeom>
+          <a:noFill/>
+        </p:spPr>
+        <p:txBody>
+          <a:bodyPr wrap="none" rtlCol="0">
+            <a:spAutoFit/>
+          </a:bodyPr>
+          <a:lstStyle/>
+          <a:p>
+            <a:r>
+              <a:rPr lang="ja-JP" altLang="en-US" sz="1600" dirty="0"/>
+              <a:t>旧</a:t>
+            </a:r>
+            <a:r>
+              <a:rPr lang="ja-JP" altLang="en-US" sz="1600" dirty="0" smtClean="0"/>
+              <a:t>形式に変換</a:t>
+            </a:r>
+            <a:endParaRPr kumimoji="1" lang="ja-JP" altLang="en-US" sz="1600" dirty="0"/>
+          </a:p>
+        </p:txBody>
+      </p:sp>
     </p:spTree>
     <p:extLst>
       <p:ext uri="{BB962C8B-B14F-4D97-AF65-F5344CB8AC3E}">
-        <p14:creationId xmlns:p14="http://schemas.microsoft.com/office/powerpoint/2010/main" val="755488008"/>
+        <p14:creationId xmlns:p14="http://schemas.microsoft.com/office/powerpoint/2010/main" val="1465554531"/>
       </p:ext>
     </p:extLst>
   </p:cSld>
@@ -17829,6 +18655,139 @@
           <a:lstStyle/>
           <a:p>
             <a:r>
+              <a:rPr lang="ja-JP" altLang="en-US" dirty="0" smtClean="0"/>
+              <a:t>デモ</a:t>
+            </a:r>
+            <a:r>
+              <a:rPr lang="en-US" altLang="ja-JP" dirty="0" smtClean="0"/>
+              <a:t>2</a:t>
+            </a:r>
+            <a:endParaRPr kumimoji="1" lang="ja-JP" altLang="en-US" dirty="0"/>
+          </a:p>
+        </p:txBody>
+      </p:sp>
+      <p:sp>
+        <p:nvSpPr>
+          <p:cNvPr id="3" name="コンテンツ プレースホルダー 2"/>
+          <p:cNvSpPr>
+            <a:spLocks noGrp="1"/>
+          </p:cNvSpPr>
+          <p:nvPr>
+            <p:ph idx="1"/>
+          </p:nvPr>
+        </p:nvSpPr>
+        <p:spPr/>
+        <p:txBody>
+          <a:bodyPr/>
+          <a:lstStyle/>
+          <a:p>
+            <a:r>
+              <a:rPr lang="en-US" altLang="ja-JP" dirty="0" smtClean="0"/>
+              <a:t>Daru::</a:t>
+            </a:r>
+            <a:r>
+              <a:rPr lang="en-US" altLang="ja-JP" dirty="0" err="1" smtClean="0"/>
+              <a:t>DataFrame#where</a:t>
+            </a:r>
+            <a:r>
+              <a:rPr lang="ja-JP" altLang="en-US" dirty="0" smtClean="0"/>
+              <a:t>の拡張</a:t>
+            </a:r>
+            <a:endParaRPr lang="en-US" altLang="ja-JP" dirty="0" smtClean="0"/>
+          </a:p>
+          <a:p>
+            <a:pPr lvl="1"/>
+            <a:r>
+              <a:rPr lang="en-US" altLang="ja-JP" sz="1600" dirty="0" smtClean="0"/>
+              <a:t>https</a:t>
+            </a:r>
+            <a:r>
+              <a:rPr lang="en-US" altLang="ja-JP" sz="1600" dirty="0"/>
+              <a:t>://</a:t>
+            </a:r>
+            <a:r>
+              <a:rPr lang="en-US" altLang="ja-JP" sz="1600" dirty="0" smtClean="0"/>
+              <a:t>github.com/shugo/DCW2016/blob/master/DaruRefinements.ipynb</a:t>
+            </a:r>
+          </a:p>
+        </p:txBody>
+      </p:sp>
+      <p:sp>
+        <p:nvSpPr>
+          <p:cNvPr id="4" name="スライド番号プレースホルダー 3"/>
+          <p:cNvSpPr>
+            <a:spLocks noGrp="1"/>
+          </p:cNvSpPr>
+          <p:nvPr>
+            <p:ph type="sldNum" sz="quarter" idx="12"/>
+          </p:nvPr>
+        </p:nvSpPr>
+        <p:spPr/>
+        <p:txBody>
+          <a:bodyPr/>
+          <a:lstStyle/>
+          <a:p>
+            <a:fld id="{D2D8002D-B5B0-4BAC-B1F6-782DDCCE6D9C}" type="slidenum">
+              <a:rPr kumimoji="1" lang="ja-JP" altLang="en-US" smtClean="0"/>
+              <a:t>43</a:t>
+            </a:fld>
+            <a:endParaRPr kumimoji="1" lang="ja-JP" altLang="en-US" dirty="0"/>
+          </a:p>
+        </p:txBody>
+      </p:sp>
+    </p:spTree>
+    <p:extLst>
+      <p:ext uri="{BB962C8B-B14F-4D97-AF65-F5344CB8AC3E}">
+        <p14:creationId xmlns:p14="http://schemas.microsoft.com/office/powerpoint/2010/main" val="755488008"/>
+      </p:ext>
+    </p:extLst>
+  </p:cSld>
+  <p:clrMapOvr>
+    <a:masterClrMapping/>
+  </p:clrMapOvr>
+  <p:timing>
+    <p:tnLst>
+      <p:par>
+        <p:cTn id="1" dur="indefinite" restart="never" nodeType="tmRoot"/>
+      </p:par>
+    </p:tnLst>
+  </p:timing>
+</p:sld>
+</file>
+
+<file path=ppt/slides/slide45.xml><?xml version="1.0" encoding="utf-8"?>
+<p:sld xmlns:a="http://schemas.openxmlformats.org/drawingml/2006/main" xmlns:r="http://schemas.openxmlformats.org/officeDocument/2006/relationships" xmlns:p="http://schemas.openxmlformats.org/presentationml/2006/main">
+  <p:cSld>
+    <p:spTree>
+      <p:nvGrpSpPr>
+        <p:cNvPr id="1" name=""/>
+        <p:cNvGrpSpPr/>
+        <p:nvPr/>
+      </p:nvGrpSpPr>
+      <p:grpSpPr>
+        <a:xfrm>
+          <a:off x="0" y="0"/>
+          <a:ext cx="0" cy="0"/>
+          <a:chOff x="0" y="0"/>
+          <a:chExt cx="0" cy="0"/>
+        </a:xfrm>
+      </p:grpSpPr>
+      <p:sp>
+        <p:nvSpPr>
+          <p:cNvPr id="2" name="タイトル 1"/>
+          <p:cNvSpPr>
+            <a:spLocks noGrp="1"/>
+          </p:cNvSpPr>
+          <p:nvPr>
+            <p:ph type="title"/>
+          </p:nvPr>
+        </p:nvSpPr>
+        <p:spPr/>
+        <p:txBody>
+          <a:bodyPr/>
+          <a:lstStyle/>
+          <a:p>
+            <a:r>
               <a:rPr kumimoji="1" lang="en-US" altLang="ja-JP" dirty="0" smtClean="0"/>
               <a:t>References</a:t>
             </a:r>
@@ -18043,7 +19002,7 @@
           <a:p>
             <a:fld id="{D2D8002D-B5B0-4BAC-B1F6-782DDCCE6D9C}" type="slidenum">
               <a:rPr kumimoji="1" lang="ja-JP" altLang="en-US" smtClean="0"/>
-              <a:t>43</a:t>
+              <a:t>44</a:t>
             </a:fld>
             <a:endParaRPr kumimoji="1" lang="ja-JP" altLang="en-US" dirty="0"/>
           </a:p>

--- a/ruby_data_analysis.pptx
+++ b/ruby_data_analysis.pptx
@@ -252,7 +252,7 @@
           <a:p>
             <a:fld id="{D487E916-6975-4384-9337-33685829E0C9}" type="datetimeFigureOut">
               <a:rPr kumimoji="1" lang="ja-JP" altLang="en-US" smtClean="0"/>
-              <a:t>2016/2/18</a:t>
+              <a:t>2016/2/19</a:t>
             </a:fld>
             <a:endParaRPr kumimoji="1" lang="ja-JP" altLang="en-US"/>
           </a:p>
@@ -829,7 +829,7 @@
           <a:p>
             <a:fld id="{B5388ABC-ED38-449A-A1DD-0DF95F307DC2}" type="datetime1">
               <a:rPr kumimoji="1" lang="ja-JP" altLang="en-US" smtClean="0"/>
-              <a:t>2016/2/18</a:t>
+              <a:t>2016/2/19</a:t>
             </a:fld>
             <a:endParaRPr kumimoji="1" lang="ja-JP" altLang="en-US"/>
           </a:p>
@@ -1132,7 +1132,7 @@
           <a:p>
             <a:fld id="{91CAC327-6D45-4D23-90A2-B9A399787324}" type="datetime1">
               <a:rPr kumimoji="1" lang="ja-JP" altLang="en-US" smtClean="0"/>
-              <a:t>2016/2/18</a:t>
+              <a:t>2016/2/19</a:t>
             </a:fld>
             <a:endParaRPr kumimoji="1" lang="ja-JP" altLang="en-US"/>
           </a:p>
@@ -1339,7 +1339,7 @@
           <a:p>
             <a:fld id="{3D906796-C748-481D-9956-8BC21ED8B961}" type="datetime1">
               <a:rPr kumimoji="1" lang="ja-JP" altLang="en-US" smtClean="0"/>
-              <a:t>2016/2/18</a:t>
+              <a:t>2016/2/19</a:t>
             </a:fld>
             <a:endParaRPr kumimoji="1" lang="ja-JP" altLang="en-US"/>
           </a:p>
@@ -1545,7 +1545,7 @@
           <a:p>
             <a:fld id="{B695D9CF-C22D-467F-8463-26D3739C5D01}" type="datetime1">
               <a:rPr kumimoji="1" lang="ja-JP" altLang="en-US" smtClean="0"/>
-              <a:t>2016/2/18</a:t>
+              <a:t>2016/2/19</a:t>
             </a:fld>
             <a:endParaRPr kumimoji="1" lang="ja-JP" altLang="en-US"/>
           </a:p>
@@ -1836,7 +1836,7 @@
           <a:p>
             <a:fld id="{DDC49C62-652C-4310-89A5-F5582EA05BD5}" type="datetime1">
               <a:rPr kumimoji="1" lang="ja-JP" altLang="en-US" smtClean="0"/>
-              <a:t>2016/2/18</a:t>
+              <a:t>2016/2/19</a:t>
             </a:fld>
             <a:endParaRPr kumimoji="1" lang="ja-JP" altLang="en-US"/>
           </a:p>
@@ -2190,7 +2190,7 @@
           <a:p>
             <a:fld id="{77F02D97-5319-407B-AE83-52A9E5E3516E}" type="datetime1">
               <a:rPr kumimoji="1" lang="ja-JP" altLang="en-US" smtClean="0"/>
-              <a:t>2016/2/18</a:t>
+              <a:t>2016/2/19</a:t>
             </a:fld>
             <a:endParaRPr kumimoji="1" lang="ja-JP" altLang="en-US"/>
           </a:p>
@@ -2693,7 +2693,7 @@
           <a:p>
             <a:fld id="{61838B8B-A3B0-42B0-B1A9-79E7B91BD749}" type="datetime1">
               <a:rPr kumimoji="1" lang="ja-JP" altLang="en-US" smtClean="0"/>
-              <a:t>2016/2/18</a:t>
+              <a:t>2016/2/19</a:t>
             </a:fld>
             <a:endParaRPr kumimoji="1" lang="ja-JP" altLang="en-US"/>
           </a:p>
@@ -2817,7 +2817,7 @@
           <a:p>
             <a:fld id="{48452345-ACDF-4111-BC74-9EF178BC4C0B}" type="datetime1">
               <a:rPr kumimoji="1" lang="ja-JP" altLang="en-US" smtClean="0"/>
-              <a:t>2016/2/18</a:t>
+              <a:t>2016/2/19</a:t>
             </a:fld>
             <a:endParaRPr kumimoji="1" lang="ja-JP" altLang="en-US"/>
           </a:p>
@@ -2912,7 +2912,7 @@
           <a:p>
             <a:fld id="{279E7A1E-F7AD-4AA2-98BA-00D07373F8F1}" type="datetime1">
               <a:rPr kumimoji="1" lang="ja-JP" altLang="en-US" smtClean="0"/>
-              <a:t>2016/2/18</a:t>
+              <a:t>2016/2/19</a:t>
             </a:fld>
             <a:endParaRPr kumimoji="1" lang="ja-JP" altLang="en-US"/>
           </a:p>
@@ -3186,7 +3186,7 @@
           <a:p>
             <a:fld id="{9EE84142-7102-40A9-93B8-BC72B66FDCE1}" type="datetime1">
               <a:rPr kumimoji="1" lang="ja-JP" altLang="en-US" smtClean="0"/>
-              <a:t>2016/2/18</a:t>
+              <a:t>2016/2/19</a:t>
             </a:fld>
             <a:endParaRPr kumimoji="1" lang="ja-JP" altLang="en-US"/>
           </a:p>
@@ -3480,7 +3480,7 @@
           <a:p>
             <a:fld id="{3EF183A7-9963-4F31-A817-956200720A74}" type="datetime1">
               <a:rPr kumimoji="1" lang="ja-JP" altLang="en-US" smtClean="0"/>
-              <a:t>2016/2/18</a:t>
+              <a:t>2016/2/19</a:t>
             </a:fld>
             <a:endParaRPr kumimoji="1" lang="ja-JP" altLang="en-US"/>
           </a:p>
@@ -3806,7 +3806,7 @@
           <a:p>
             <a:fld id="{B376DA05-110D-4AAD-973D-FA506FA2E8AC}" type="datetime1">
               <a:rPr kumimoji="1" lang="ja-JP" altLang="en-US" smtClean="0"/>
-              <a:t>2016/2/18</a:t>
+              <a:t>2016/2/19</a:t>
             </a:fld>
             <a:endParaRPr kumimoji="1" lang="ja-JP" altLang="en-US"/>
           </a:p>
@@ -6383,8 +6383,8 @@
           </a:p>
         </p:txBody>
       </p:sp>
-      <mc:AlternateContent xmlns:mc="http://schemas.openxmlformats.org/markup-compatibility/2006">
-        <mc:Choice xmlns:a14="http://schemas.microsoft.com/office/drawing/2010/main" Requires="a14">
+      <mc:AlternateContent xmlns:mc="http://schemas.openxmlformats.org/markup-compatibility/2006" xmlns:a14="http://schemas.microsoft.com/office/drawing/2010/main">
+        <mc:Choice Requires="a14">
           <p:sp>
             <p:nvSpPr>
               <p:cNvPr id="6" name="コンテンツ プレースホルダー 5"/>
@@ -6727,11 +6727,7 @@
                 </a:r>
                 <a:r>
                   <a:rPr lang="ja-JP" altLang="en-US" dirty="0" smtClean="0"/>
-                  <a:t>下降</a:t>
-                </a:r>
-                <a:r>
-                  <a:rPr lang="ja-JP" altLang="en-US" dirty="0" smtClean="0"/>
-                  <a:t>した</a:t>
+                  <a:t>下降した</a:t>
                 </a:r>
                 <a:r>
                   <a:rPr lang="ja-JP" altLang="en-US" dirty="0"/>
@@ -6747,11 +6743,7 @@
                 </a:r>
                 <a:r>
                   <a:rPr kumimoji="1" lang="ja-JP" altLang="en-US" dirty="0" smtClean="0"/>
-                  <a:t>上昇</a:t>
-                </a:r>
-                <a:r>
-                  <a:rPr kumimoji="1" lang="ja-JP" altLang="en-US" dirty="0" smtClean="0"/>
-                  <a:t>しても元の</a:t>
+                  <a:t>上昇しても元の</a:t>
                 </a:r>
                 <a:r>
                   <a:rPr lang="ja-JP" altLang="en-US" dirty="0"/>
@@ -6875,7 +6867,7 @@
             </p:txBody>
           </p:sp>
         </mc:Choice>
-        <mc:Fallback>
+        <mc:Fallback xmlns="">
           <p:sp>
             <p:nvSpPr>
               <p:cNvPr id="6" name="コンテンツ プレースホルダー 5"/>
@@ -7055,8 +7047,8 @@
           </a:p>
         </p:txBody>
       </p:sp>
-      <mc:AlternateContent xmlns:mc="http://schemas.openxmlformats.org/markup-compatibility/2006">
-        <mc:Choice xmlns:a14="http://schemas.microsoft.com/office/drawing/2010/main" Requires="a14">
+      <mc:AlternateContent xmlns:mc="http://schemas.openxmlformats.org/markup-compatibility/2006" xmlns:a14="http://schemas.microsoft.com/office/drawing/2010/main">
+        <mc:Choice Requires="a14">
           <p:sp>
             <p:nvSpPr>
               <p:cNvPr id="14" name="正方形/長方形 13"/>
@@ -7078,6 +7070,7 @@
               </a:bodyPr>
               <a:lstStyle/>
               <a:p>
+                <a:pPr/>
                 <a14:m>
                   <m:oMathPara xmlns:m="http://schemas.openxmlformats.org/officeDocument/2006/math">
                     <m:oMathParaPr>
@@ -7124,7 +7117,7 @@
             </p:txBody>
           </p:sp>
         </mc:Choice>
-        <mc:Fallback>
+        <mc:Fallback xmlns="">
           <p:sp>
             <p:nvSpPr>
               <p:cNvPr id="14" name="正方形/長方形 13"/>
@@ -7208,8 +7201,8 @@
           </a:p>
         </p:txBody>
       </p:sp>
-      <mc:AlternateContent xmlns:mc="http://schemas.openxmlformats.org/markup-compatibility/2006">
-        <mc:Choice xmlns:a14="http://schemas.microsoft.com/office/drawing/2010/main" Requires="a14">
+      <mc:AlternateContent xmlns:mc="http://schemas.openxmlformats.org/markup-compatibility/2006" xmlns:a14="http://schemas.microsoft.com/office/drawing/2010/main">
+        <mc:Choice Requires="a14">
           <p:sp>
             <p:nvSpPr>
               <p:cNvPr id="16" name="正方形/長方形 15"/>
@@ -7231,6 +7224,7 @@
               </a:bodyPr>
               <a:lstStyle/>
               <a:p>
+                <a:pPr/>
                 <a14:m>
                   <m:oMathPara xmlns:m="http://schemas.openxmlformats.org/officeDocument/2006/math">
                     <m:oMathParaPr>
@@ -7259,7 +7253,7 @@
             </p:txBody>
           </p:sp>
         </mc:Choice>
-        <mc:Fallback>
+        <mc:Fallback xmlns="">
           <p:sp>
             <p:nvSpPr>
               <p:cNvPr id="16" name="正方形/長方形 15"/>
@@ -12814,11 +12808,7 @@
             <a:pPr lvl="2"/>
             <a:r>
               <a:rPr lang="ja-JP" altLang="en-US" dirty="0" smtClean="0"/>
-              <a:t>アプリケーション開発とデータ解析で同じ言語を</a:t>
-            </a:r>
-            <a:r>
-              <a:rPr lang="ja-JP" altLang="en-US" dirty="0" smtClean="0"/>
-              <a:t>使う</a:t>
+              <a:t>アプリケーション開発とデータ解析で同じ言語を使う</a:t>
             </a:r>
             <a:endParaRPr lang="en-US" altLang="ja-JP" dirty="0" smtClean="0"/>
           </a:p>
@@ -15977,16 +15967,34 @@
             <a:pPr lvl="1"/>
             <a:r>
               <a:rPr kumimoji="1" lang="ja-JP" altLang="en-US" dirty="0" smtClean="0"/>
-              <a:t>マハラノビス距離</a:t>
-            </a:r>
-            <a:r>
-              <a:rPr kumimoji="1" lang="ja-JP" altLang="en-US" smtClean="0"/>
-              <a:t>による外れ値の</a:t>
+              <a:t>マハラノビス距離による外れ値の</a:t>
             </a:r>
             <a:r>
               <a:rPr kumimoji="1" lang="ja-JP" altLang="en-US" dirty="0" smtClean="0"/>
               <a:t>検出</a:t>
             </a:r>
+            <a:endParaRPr kumimoji="1" lang="en-US" altLang="ja-JP" dirty="0" smtClean="0"/>
+          </a:p>
+          <a:p>
+            <a:r>
+              <a:rPr lang="en-US" altLang="ja-JP" dirty="0" smtClean="0"/>
+              <a:t>3D</a:t>
+            </a:r>
+            <a:r>
+              <a:rPr lang="ja-JP" altLang="en-US" dirty="0" smtClean="0"/>
+              <a:t>プロットの例</a:t>
+            </a:r>
+            <a:endParaRPr lang="en-US" altLang="ja-JP" dirty="0" smtClean="0"/>
+          </a:p>
+          <a:p>
+            <a:pPr lvl="1"/>
+            <a:r>
+              <a:rPr lang="en-US" altLang="ja-JP" dirty="0"/>
+              <a:t>https://github.com/shugo/DCW2016/blob/master/PSDS.ipynb</a:t>
+            </a:r>
+          </a:p>
+          <a:p>
+            <a:pPr lvl="1"/>
             <a:endParaRPr kumimoji="1" lang="ja-JP" altLang="en-US" dirty="0"/>
           </a:p>
         </p:txBody>
@@ -16338,11 +16346,7 @@
             <a:pPr lvl="1"/>
             <a:r>
               <a:rPr lang="ja-JP" altLang="en-US" dirty="0" smtClean="0"/>
-              <a:t>時系列データ</a:t>
-            </a:r>
-            <a:r>
-              <a:rPr lang="ja-JP" altLang="en-US" dirty="0" smtClean="0"/>
-              <a:t>の再サンプリング</a:t>
+              <a:t>時系列データの再サンプリング</a:t>
             </a:r>
             <a:endParaRPr lang="en-US" altLang="ja-JP" dirty="0" smtClean="0"/>
           </a:p>
@@ -16358,11 +16362,7 @@
             <a:pPr lvl="1"/>
             <a:r>
               <a:rPr kumimoji="1" lang="ja-JP" altLang="en-US" dirty="0" smtClean="0"/>
-              <a:t>金融</a:t>
-            </a:r>
-            <a:r>
-              <a:rPr kumimoji="1" lang="ja-JP" altLang="en-US" dirty="0" smtClean="0"/>
-              <a:t>関係の機能</a:t>
+              <a:t>金融関係の機能</a:t>
             </a:r>
             <a:endParaRPr kumimoji="1" lang="en-US" altLang="ja-JP" dirty="0" smtClean="0"/>
           </a:p>
